--- a/2017-04-26 Seattle DevOpsDays/DevOpsDays Seattle.pptx
+++ b/2017-04-26 Seattle DevOpsDays/DevOpsDays Seattle.pptx
@@ -5,10 +5,10 @@
     <p:sldMasterId id="2147483648" r:id="rId1"/>
   </p:sldMasterIdLst>
   <p:notesMasterIdLst>
-    <p:notesMasterId r:id="rId8"/>
+    <p:notesMasterId r:id="rId24"/>
   </p:notesMasterIdLst>
   <p:handoutMasterIdLst>
-    <p:handoutMasterId r:id="rId9"/>
+    <p:handoutMasterId r:id="rId25"/>
   </p:handoutMasterIdLst>
   <p:sldIdLst>
     <p:sldId id="351" r:id="rId2"/>
@@ -16,7 +16,23 @@
     <p:sldId id="350" r:id="rId4"/>
     <p:sldId id="352" r:id="rId5"/>
     <p:sldId id="354" r:id="rId6"/>
-    <p:sldId id="353" r:id="rId7"/>
+    <p:sldId id="355" r:id="rId7"/>
+    <p:sldId id="362" r:id="rId8"/>
+    <p:sldId id="363" r:id="rId9"/>
+    <p:sldId id="356" r:id="rId10"/>
+    <p:sldId id="366" r:id="rId11"/>
+    <p:sldId id="367" r:id="rId12"/>
+    <p:sldId id="368" r:id="rId13"/>
+    <p:sldId id="369" r:id="rId14"/>
+    <p:sldId id="370" r:id="rId15"/>
+    <p:sldId id="371" r:id="rId16"/>
+    <p:sldId id="365" r:id="rId17"/>
+    <p:sldId id="364" r:id="rId18"/>
+    <p:sldId id="361" r:id="rId19"/>
+    <p:sldId id="357" r:id="rId20"/>
+    <p:sldId id="358" r:id="rId21"/>
+    <p:sldId id="359" r:id="rId22"/>
+    <p:sldId id="360" r:id="rId23"/>
   </p:sldIdLst>
   <p:sldSz cx="12192000" cy="6858000"/>
   <p:notesSz cx="7010400" cy="9296400"/>
@@ -224,7 +240,7 @@
           <a:p>
             <a:fld id="{5B498BCF-C905-E646-944D-2928BFE2F061}" type="datetimeFigureOut">
               <a:rPr lang="en-US" smtClean="0"/>
-              <a:t>4/3/17</a:t>
+              <a:t>4/7/17</a:t>
             </a:fld>
             <a:endParaRPr lang="en-US"/>
           </a:p>
@@ -389,7 +405,7 @@
           <a:p>
             <a:fld id="{EBB03E87-2196-409F-9917-B96E0FB7F128}" type="datetimeFigureOut">
               <a:rPr lang="en-US" smtClean="0"/>
-              <a:t>4/3/17</a:t>
+              <a:t>4/7/17</a:t>
             </a:fld>
             <a:endParaRPr lang="en-US"/>
           </a:p>
@@ -749,6 +765,926 @@
 </p:notes>
 </file>
 
+<file path=ppt/notesSlides/notesSlide10.xml><?xml version="1.0" encoding="utf-8"?>
+<p:notes xmlns:a="http://schemas.openxmlformats.org/drawingml/2006/main" xmlns:r="http://schemas.openxmlformats.org/officeDocument/2006/relationships" xmlns:p="http://schemas.openxmlformats.org/presentationml/2006/main">
+  <p:cSld>
+    <p:spTree>
+      <p:nvGrpSpPr>
+        <p:cNvPr id="1" name=""/>
+        <p:cNvGrpSpPr/>
+        <p:nvPr/>
+      </p:nvGrpSpPr>
+      <p:grpSpPr>
+        <a:xfrm>
+          <a:off x="0" y="0"/>
+          <a:ext cx="0" cy="0"/>
+          <a:chOff x="0" y="0"/>
+          <a:chExt cx="0" cy="0"/>
+        </a:xfrm>
+      </p:grpSpPr>
+      <p:sp>
+        <p:nvSpPr>
+          <p:cNvPr id="2" name="Slide Image Placeholder 1"/>
+          <p:cNvSpPr>
+            <a:spLocks noGrp="1" noRot="1" noChangeAspect="1"/>
+          </p:cNvSpPr>
+          <p:nvPr>
+            <p:ph type="sldImg"/>
+          </p:nvPr>
+        </p:nvSpPr>
+        <p:spPr/>
+      </p:sp>
+      <p:sp>
+        <p:nvSpPr>
+          <p:cNvPr id="3" name="Notes Placeholder 2"/>
+          <p:cNvSpPr>
+            <a:spLocks noGrp="1"/>
+          </p:cNvSpPr>
+          <p:nvPr>
+            <p:ph type="body" idx="1"/>
+          </p:nvPr>
+        </p:nvSpPr>
+        <p:spPr/>
+        <p:txBody>
+          <a:bodyPr/>
+          <a:lstStyle/>
+          <a:p>
+            <a:r>
+              <a:rPr lang="en-US" sz="1200" dirty="0" smtClean="0"/>
+              <a:t>Excited</a:t>
+            </a:r>
+            <a:r>
+              <a:rPr lang="en-US" sz="1200" baseline="0" dirty="0" smtClean="0"/>
+              <a:t> because ChatOps is transformative.  </a:t>
+            </a:r>
+            <a:endParaRPr lang="en-US" sz="1200" dirty="0" smtClean="0"/>
+          </a:p>
+        </p:txBody>
+      </p:sp>
+      <p:sp>
+        <p:nvSpPr>
+          <p:cNvPr id="4" name="Slide Number Placeholder 3"/>
+          <p:cNvSpPr>
+            <a:spLocks noGrp="1"/>
+          </p:cNvSpPr>
+          <p:nvPr>
+            <p:ph type="sldNum" sz="quarter" idx="10"/>
+          </p:nvPr>
+        </p:nvSpPr>
+        <p:spPr/>
+        <p:txBody>
+          <a:bodyPr/>
+          <a:lstStyle/>
+          <a:p>
+            <a:fld id="{A61D6427-4E40-48B2-9E5C-DB98B8F42838}" type="slidenum">
+              <a:rPr lang="en-US" smtClean="0"/>
+              <a:t>12</a:t>
+            </a:fld>
+            <a:endParaRPr lang="en-US"/>
+          </a:p>
+        </p:txBody>
+      </p:sp>
+    </p:spTree>
+    <p:extLst>
+      <p:ext uri="{BB962C8B-B14F-4D97-AF65-F5344CB8AC3E}">
+        <p14:creationId xmlns:p14="http://schemas.microsoft.com/office/powerpoint/2010/main" val="1415034129"/>
+      </p:ext>
+    </p:extLst>
+  </p:cSld>
+  <p:clrMapOvr>
+    <a:masterClrMapping/>
+  </p:clrMapOvr>
+</p:notes>
+</file>
+
+<file path=ppt/notesSlides/notesSlide11.xml><?xml version="1.0" encoding="utf-8"?>
+<p:notes xmlns:a="http://schemas.openxmlformats.org/drawingml/2006/main" xmlns:r="http://schemas.openxmlformats.org/officeDocument/2006/relationships" xmlns:p="http://schemas.openxmlformats.org/presentationml/2006/main">
+  <p:cSld>
+    <p:spTree>
+      <p:nvGrpSpPr>
+        <p:cNvPr id="1" name=""/>
+        <p:cNvGrpSpPr/>
+        <p:nvPr/>
+      </p:nvGrpSpPr>
+      <p:grpSpPr>
+        <a:xfrm>
+          <a:off x="0" y="0"/>
+          <a:ext cx="0" cy="0"/>
+          <a:chOff x="0" y="0"/>
+          <a:chExt cx="0" cy="0"/>
+        </a:xfrm>
+      </p:grpSpPr>
+      <p:sp>
+        <p:nvSpPr>
+          <p:cNvPr id="2" name="Slide Image Placeholder 1"/>
+          <p:cNvSpPr>
+            <a:spLocks noGrp="1" noRot="1" noChangeAspect="1"/>
+          </p:cNvSpPr>
+          <p:nvPr>
+            <p:ph type="sldImg"/>
+          </p:nvPr>
+        </p:nvSpPr>
+        <p:spPr/>
+      </p:sp>
+      <p:sp>
+        <p:nvSpPr>
+          <p:cNvPr id="3" name="Notes Placeholder 2"/>
+          <p:cNvSpPr>
+            <a:spLocks noGrp="1"/>
+          </p:cNvSpPr>
+          <p:nvPr>
+            <p:ph type="body" idx="1"/>
+          </p:nvPr>
+        </p:nvSpPr>
+        <p:spPr/>
+        <p:txBody>
+          <a:bodyPr/>
+          <a:lstStyle/>
+          <a:p>
+            <a:r>
+              <a:rPr lang="en-US" sz="1200" dirty="0" smtClean="0"/>
+              <a:t>Excited</a:t>
+            </a:r>
+            <a:r>
+              <a:rPr lang="en-US" sz="1200" baseline="0" dirty="0" smtClean="0"/>
+              <a:t> because ChatOps is transformative.  </a:t>
+            </a:r>
+            <a:endParaRPr lang="en-US" sz="1200" dirty="0" smtClean="0"/>
+          </a:p>
+        </p:txBody>
+      </p:sp>
+      <p:sp>
+        <p:nvSpPr>
+          <p:cNvPr id="4" name="Slide Number Placeholder 3"/>
+          <p:cNvSpPr>
+            <a:spLocks noGrp="1"/>
+          </p:cNvSpPr>
+          <p:nvPr>
+            <p:ph type="sldNum" sz="quarter" idx="10"/>
+          </p:nvPr>
+        </p:nvSpPr>
+        <p:spPr/>
+        <p:txBody>
+          <a:bodyPr/>
+          <a:lstStyle/>
+          <a:p>
+            <a:fld id="{A61D6427-4E40-48B2-9E5C-DB98B8F42838}" type="slidenum">
+              <a:rPr lang="en-US" smtClean="0"/>
+              <a:t>13</a:t>
+            </a:fld>
+            <a:endParaRPr lang="en-US"/>
+          </a:p>
+        </p:txBody>
+      </p:sp>
+    </p:spTree>
+    <p:extLst>
+      <p:ext uri="{BB962C8B-B14F-4D97-AF65-F5344CB8AC3E}">
+        <p14:creationId xmlns:p14="http://schemas.microsoft.com/office/powerpoint/2010/main" val="1021669148"/>
+      </p:ext>
+    </p:extLst>
+  </p:cSld>
+  <p:clrMapOvr>
+    <a:masterClrMapping/>
+  </p:clrMapOvr>
+</p:notes>
+</file>
+
+<file path=ppt/notesSlides/notesSlide12.xml><?xml version="1.0" encoding="utf-8"?>
+<p:notes xmlns:a="http://schemas.openxmlformats.org/drawingml/2006/main" xmlns:r="http://schemas.openxmlformats.org/officeDocument/2006/relationships" xmlns:p="http://schemas.openxmlformats.org/presentationml/2006/main">
+  <p:cSld>
+    <p:spTree>
+      <p:nvGrpSpPr>
+        <p:cNvPr id="1" name=""/>
+        <p:cNvGrpSpPr/>
+        <p:nvPr/>
+      </p:nvGrpSpPr>
+      <p:grpSpPr>
+        <a:xfrm>
+          <a:off x="0" y="0"/>
+          <a:ext cx="0" cy="0"/>
+          <a:chOff x="0" y="0"/>
+          <a:chExt cx="0" cy="0"/>
+        </a:xfrm>
+      </p:grpSpPr>
+      <p:sp>
+        <p:nvSpPr>
+          <p:cNvPr id="2" name="Slide Image Placeholder 1"/>
+          <p:cNvSpPr>
+            <a:spLocks noGrp="1" noRot="1" noChangeAspect="1"/>
+          </p:cNvSpPr>
+          <p:nvPr>
+            <p:ph type="sldImg"/>
+          </p:nvPr>
+        </p:nvSpPr>
+        <p:spPr/>
+      </p:sp>
+      <p:sp>
+        <p:nvSpPr>
+          <p:cNvPr id="3" name="Notes Placeholder 2"/>
+          <p:cNvSpPr>
+            <a:spLocks noGrp="1"/>
+          </p:cNvSpPr>
+          <p:nvPr>
+            <p:ph type="body" idx="1"/>
+          </p:nvPr>
+        </p:nvSpPr>
+        <p:spPr/>
+        <p:txBody>
+          <a:bodyPr/>
+          <a:lstStyle/>
+          <a:p>
+            <a:r>
+              <a:rPr lang="en-US" sz="1200" dirty="0" smtClean="0"/>
+              <a:t>Excited</a:t>
+            </a:r>
+            <a:r>
+              <a:rPr lang="en-US" sz="1200" baseline="0" dirty="0" smtClean="0"/>
+              <a:t> because ChatOps is transformative.  </a:t>
+            </a:r>
+            <a:endParaRPr lang="en-US" sz="1200" dirty="0" smtClean="0"/>
+          </a:p>
+        </p:txBody>
+      </p:sp>
+      <p:sp>
+        <p:nvSpPr>
+          <p:cNvPr id="4" name="Slide Number Placeholder 3"/>
+          <p:cNvSpPr>
+            <a:spLocks noGrp="1"/>
+          </p:cNvSpPr>
+          <p:nvPr>
+            <p:ph type="sldNum" sz="quarter" idx="10"/>
+          </p:nvPr>
+        </p:nvSpPr>
+        <p:spPr/>
+        <p:txBody>
+          <a:bodyPr/>
+          <a:lstStyle/>
+          <a:p>
+            <a:fld id="{A61D6427-4E40-48B2-9E5C-DB98B8F42838}" type="slidenum">
+              <a:rPr lang="en-US" smtClean="0"/>
+              <a:t>14</a:t>
+            </a:fld>
+            <a:endParaRPr lang="en-US"/>
+          </a:p>
+        </p:txBody>
+      </p:sp>
+    </p:spTree>
+    <p:extLst>
+      <p:ext uri="{BB962C8B-B14F-4D97-AF65-F5344CB8AC3E}">
+        <p14:creationId xmlns:p14="http://schemas.microsoft.com/office/powerpoint/2010/main" val="2023000799"/>
+      </p:ext>
+    </p:extLst>
+  </p:cSld>
+  <p:clrMapOvr>
+    <a:masterClrMapping/>
+  </p:clrMapOvr>
+</p:notes>
+</file>
+
+<file path=ppt/notesSlides/notesSlide13.xml><?xml version="1.0" encoding="utf-8"?>
+<p:notes xmlns:a="http://schemas.openxmlformats.org/drawingml/2006/main" xmlns:r="http://schemas.openxmlformats.org/officeDocument/2006/relationships" xmlns:p="http://schemas.openxmlformats.org/presentationml/2006/main">
+  <p:cSld>
+    <p:spTree>
+      <p:nvGrpSpPr>
+        <p:cNvPr id="1" name=""/>
+        <p:cNvGrpSpPr/>
+        <p:nvPr/>
+      </p:nvGrpSpPr>
+      <p:grpSpPr>
+        <a:xfrm>
+          <a:off x="0" y="0"/>
+          <a:ext cx="0" cy="0"/>
+          <a:chOff x="0" y="0"/>
+          <a:chExt cx="0" cy="0"/>
+        </a:xfrm>
+      </p:grpSpPr>
+      <p:sp>
+        <p:nvSpPr>
+          <p:cNvPr id="2" name="Slide Image Placeholder 1"/>
+          <p:cNvSpPr>
+            <a:spLocks noGrp="1" noRot="1" noChangeAspect="1"/>
+          </p:cNvSpPr>
+          <p:nvPr>
+            <p:ph type="sldImg"/>
+          </p:nvPr>
+        </p:nvSpPr>
+        <p:spPr/>
+      </p:sp>
+      <p:sp>
+        <p:nvSpPr>
+          <p:cNvPr id="3" name="Notes Placeholder 2"/>
+          <p:cNvSpPr>
+            <a:spLocks noGrp="1"/>
+          </p:cNvSpPr>
+          <p:nvPr>
+            <p:ph type="body" idx="1"/>
+          </p:nvPr>
+        </p:nvSpPr>
+        <p:spPr/>
+        <p:txBody>
+          <a:bodyPr/>
+          <a:lstStyle/>
+          <a:p>
+            <a:r>
+              <a:rPr lang="en-US" sz="1200" dirty="0" smtClean="0"/>
+              <a:t>Excited</a:t>
+            </a:r>
+            <a:r>
+              <a:rPr lang="en-US" sz="1200" baseline="0" dirty="0" smtClean="0"/>
+              <a:t> because ChatOps is transformative.  </a:t>
+            </a:r>
+            <a:endParaRPr lang="en-US" sz="1200" dirty="0" smtClean="0"/>
+          </a:p>
+        </p:txBody>
+      </p:sp>
+      <p:sp>
+        <p:nvSpPr>
+          <p:cNvPr id="4" name="Slide Number Placeholder 3"/>
+          <p:cNvSpPr>
+            <a:spLocks noGrp="1"/>
+          </p:cNvSpPr>
+          <p:nvPr>
+            <p:ph type="sldNum" sz="quarter" idx="10"/>
+          </p:nvPr>
+        </p:nvSpPr>
+        <p:spPr/>
+        <p:txBody>
+          <a:bodyPr/>
+          <a:lstStyle/>
+          <a:p>
+            <a:fld id="{A61D6427-4E40-48B2-9E5C-DB98B8F42838}" type="slidenum">
+              <a:rPr lang="en-US" smtClean="0"/>
+              <a:t>15</a:t>
+            </a:fld>
+            <a:endParaRPr lang="en-US"/>
+          </a:p>
+        </p:txBody>
+      </p:sp>
+    </p:spTree>
+    <p:extLst>
+      <p:ext uri="{BB962C8B-B14F-4D97-AF65-F5344CB8AC3E}">
+        <p14:creationId xmlns:p14="http://schemas.microsoft.com/office/powerpoint/2010/main" val="1100194601"/>
+      </p:ext>
+    </p:extLst>
+  </p:cSld>
+  <p:clrMapOvr>
+    <a:masterClrMapping/>
+  </p:clrMapOvr>
+</p:notes>
+</file>
+
+<file path=ppt/notesSlides/notesSlide14.xml><?xml version="1.0" encoding="utf-8"?>
+<p:notes xmlns:a="http://schemas.openxmlformats.org/drawingml/2006/main" xmlns:r="http://schemas.openxmlformats.org/officeDocument/2006/relationships" xmlns:p="http://schemas.openxmlformats.org/presentationml/2006/main">
+  <p:cSld>
+    <p:spTree>
+      <p:nvGrpSpPr>
+        <p:cNvPr id="1" name=""/>
+        <p:cNvGrpSpPr/>
+        <p:nvPr/>
+      </p:nvGrpSpPr>
+      <p:grpSpPr>
+        <a:xfrm>
+          <a:off x="0" y="0"/>
+          <a:ext cx="0" cy="0"/>
+          <a:chOff x="0" y="0"/>
+          <a:chExt cx="0" cy="0"/>
+        </a:xfrm>
+      </p:grpSpPr>
+      <p:sp>
+        <p:nvSpPr>
+          <p:cNvPr id="2" name="Slide Image Placeholder 1"/>
+          <p:cNvSpPr>
+            <a:spLocks noGrp="1" noRot="1" noChangeAspect="1"/>
+          </p:cNvSpPr>
+          <p:nvPr>
+            <p:ph type="sldImg"/>
+          </p:nvPr>
+        </p:nvSpPr>
+        <p:spPr/>
+      </p:sp>
+      <p:sp>
+        <p:nvSpPr>
+          <p:cNvPr id="3" name="Notes Placeholder 2"/>
+          <p:cNvSpPr>
+            <a:spLocks noGrp="1"/>
+          </p:cNvSpPr>
+          <p:nvPr>
+            <p:ph type="body" idx="1"/>
+          </p:nvPr>
+        </p:nvSpPr>
+        <p:spPr/>
+        <p:txBody>
+          <a:bodyPr/>
+          <a:lstStyle/>
+          <a:p>
+            <a:r>
+              <a:rPr lang="en-US" sz="1200" dirty="0" smtClean="0"/>
+              <a:t>Excited</a:t>
+            </a:r>
+            <a:r>
+              <a:rPr lang="en-US" sz="1200" baseline="0" dirty="0" smtClean="0"/>
+              <a:t> because ChatOps is transformative.  </a:t>
+            </a:r>
+            <a:endParaRPr lang="en-US" sz="1200" dirty="0" smtClean="0"/>
+          </a:p>
+        </p:txBody>
+      </p:sp>
+      <p:sp>
+        <p:nvSpPr>
+          <p:cNvPr id="4" name="Slide Number Placeholder 3"/>
+          <p:cNvSpPr>
+            <a:spLocks noGrp="1"/>
+          </p:cNvSpPr>
+          <p:nvPr>
+            <p:ph type="sldNum" sz="quarter" idx="10"/>
+          </p:nvPr>
+        </p:nvSpPr>
+        <p:spPr/>
+        <p:txBody>
+          <a:bodyPr/>
+          <a:lstStyle/>
+          <a:p>
+            <a:fld id="{A61D6427-4E40-48B2-9E5C-DB98B8F42838}" type="slidenum">
+              <a:rPr lang="en-US" smtClean="0"/>
+              <a:t>17</a:t>
+            </a:fld>
+            <a:endParaRPr lang="en-US"/>
+          </a:p>
+        </p:txBody>
+      </p:sp>
+    </p:spTree>
+    <p:extLst>
+      <p:ext uri="{BB962C8B-B14F-4D97-AF65-F5344CB8AC3E}">
+        <p14:creationId xmlns:p14="http://schemas.microsoft.com/office/powerpoint/2010/main" val="1449232027"/>
+      </p:ext>
+    </p:extLst>
+  </p:cSld>
+  <p:clrMapOvr>
+    <a:masterClrMapping/>
+  </p:clrMapOvr>
+</p:notes>
+</file>
+
+<file path=ppt/notesSlides/notesSlide15.xml><?xml version="1.0" encoding="utf-8"?>
+<p:notes xmlns:a="http://schemas.openxmlformats.org/drawingml/2006/main" xmlns:r="http://schemas.openxmlformats.org/officeDocument/2006/relationships" xmlns:p="http://schemas.openxmlformats.org/presentationml/2006/main">
+  <p:cSld>
+    <p:spTree>
+      <p:nvGrpSpPr>
+        <p:cNvPr id="1" name=""/>
+        <p:cNvGrpSpPr/>
+        <p:nvPr/>
+      </p:nvGrpSpPr>
+      <p:grpSpPr>
+        <a:xfrm>
+          <a:off x="0" y="0"/>
+          <a:ext cx="0" cy="0"/>
+          <a:chOff x="0" y="0"/>
+          <a:chExt cx="0" cy="0"/>
+        </a:xfrm>
+      </p:grpSpPr>
+      <p:sp>
+        <p:nvSpPr>
+          <p:cNvPr id="2" name="Slide Image Placeholder 1"/>
+          <p:cNvSpPr>
+            <a:spLocks noGrp="1" noRot="1" noChangeAspect="1"/>
+          </p:cNvSpPr>
+          <p:nvPr>
+            <p:ph type="sldImg"/>
+          </p:nvPr>
+        </p:nvSpPr>
+        <p:spPr/>
+      </p:sp>
+      <p:sp>
+        <p:nvSpPr>
+          <p:cNvPr id="3" name="Notes Placeholder 2"/>
+          <p:cNvSpPr>
+            <a:spLocks noGrp="1"/>
+          </p:cNvSpPr>
+          <p:nvPr>
+            <p:ph type="body" idx="1"/>
+          </p:nvPr>
+        </p:nvSpPr>
+        <p:spPr/>
+        <p:txBody>
+          <a:bodyPr/>
+          <a:lstStyle/>
+          <a:p>
+            <a:r>
+              <a:rPr lang="en-US" sz="1200" dirty="0" smtClean="0"/>
+              <a:t>Excited</a:t>
+            </a:r>
+            <a:r>
+              <a:rPr lang="en-US" sz="1200" baseline="0" dirty="0" smtClean="0"/>
+              <a:t> because ChatOps is transformative.  </a:t>
+            </a:r>
+            <a:endParaRPr lang="en-US" sz="1200" dirty="0" smtClean="0"/>
+          </a:p>
+        </p:txBody>
+      </p:sp>
+      <p:sp>
+        <p:nvSpPr>
+          <p:cNvPr id="4" name="Slide Number Placeholder 3"/>
+          <p:cNvSpPr>
+            <a:spLocks noGrp="1"/>
+          </p:cNvSpPr>
+          <p:nvPr>
+            <p:ph type="sldNum" sz="quarter" idx="10"/>
+          </p:nvPr>
+        </p:nvSpPr>
+        <p:spPr/>
+        <p:txBody>
+          <a:bodyPr/>
+          <a:lstStyle/>
+          <a:p>
+            <a:fld id="{A61D6427-4E40-48B2-9E5C-DB98B8F42838}" type="slidenum">
+              <a:rPr lang="en-US" smtClean="0"/>
+              <a:t>18</a:t>
+            </a:fld>
+            <a:endParaRPr lang="en-US"/>
+          </a:p>
+        </p:txBody>
+      </p:sp>
+    </p:spTree>
+    <p:extLst>
+      <p:ext uri="{BB962C8B-B14F-4D97-AF65-F5344CB8AC3E}">
+        <p14:creationId xmlns:p14="http://schemas.microsoft.com/office/powerpoint/2010/main" val="1644359772"/>
+      </p:ext>
+    </p:extLst>
+  </p:cSld>
+  <p:clrMapOvr>
+    <a:masterClrMapping/>
+  </p:clrMapOvr>
+</p:notes>
+</file>
+
+<file path=ppt/notesSlides/notesSlide16.xml><?xml version="1.0" encoding="utf-8"?>
+<p:notes xmlns:a="http://schemas.openxmlformats.org/drawingml/2006/main" xmlns:r="http://schemas.openxmlformats.org/officeDocument/2006/relationships" xmlns:p="http://schemas.openxmlformats.org/presentationml/2006/main">
+  <p:cSld>
+    <p:spTree>
+      <p:nvGrpSpPr>
+        <p:cNvPr id="1" name=""/>
+        <p:cNvGrpSpPr/>
+        <p:nvPr/>
+      </p:nvGrpSpPr>
+      <p:grpSpPr>
+        <a:xfrm>
+          <a:off x="0" y="0"/>
+          <a:ext cx="0" cy="0"/>
+          <a:chOff x="0" y="0"/>
+          <a:chExt cx="0" cy="0"/>
+        </a:xfrm>
+      </p:grpSpPr>
+      <p:sp>
+        <p:nvSpPr>
+          <p:cNvPr id="2" name="Slide Image Placeholder 1"/>
+          <p:cNvSpPr>
+            <a:spLocks noGrp="1" noRot="1" noChangeAspect="1"/>
+          </p:cNvSpPr>
+          <p:nvPr>
+            <p:ph type="sldImg"/>
+          </p:nvPr>
+        </p:nvSpPr>
+        <p:spPr/>
+      </p:sp>
+      <p:sp>
+        <p:nvSpPr>
+          <p:cNvPr id="3" name="Notes Placeholder 2"/>
+          <p:cNvSpPr>
+            <a:spLocks noGrp="1"/>
+          </p:cNvSpPr>
+          <p:nvPr>
+            <p:ph type="body" idx="1"/>
+          </p:nvPr>
+        </p:nvSpPr>
+        <p:spPr/>
+        <p:txBody>
+          <a:bodyPr/>
+          <a:lstStyle/>
+          <a:p>
+            <a:r>
+              <a:rPr lang="en-US" sz="1200" dirty="0" smtClean="0"/>
+              <a:t>Excited</a:t>
+            </a:r>
+            <a:r>
+              <a:rPr lang="en-US" sz="1200" baseline="0" dirty="0" smtClean="0"/>
+              <a:t> because ChatOps is transformative.  </a:t>
+            </a:r>
+            <a:endParaRPr lang="en-US" sz="1200" dirty="0" smtClean="0"/>
+          </a:p>
+        </p:txBody>
+      </p:sp>
+      <p:sp>
+        <p:nvSpPr>
+          <p:cNvPr id="4" name="Slide Number Placeholder 3"/>
+          <p:cNvSpPr>
+            <a:spLocks noGrp="1"/>
+          </p:cNvSpPr>
+          <p:nvPr>
+            <p:ph type="sldNum" sz="quarter" idx="10"/>
+          </p:nvPr>
+        </p:nvSpPr>
+        <p:spPr/>
+        <p:txBody>
+          <a:bodyPr/>
+          <a:lstStyle/>
+          <a:p>
+            <a:fld id="{A61D6427-4E40-48B2-9E5C-DB98B8F42838}" type="slidenum">
+              <a:rPr lang="en-US" smtClean="0"/>
+              <a:t>19</a:t>
+            </a:fld>
+            <a:endParaRPr lang="en-US"/>
+          </a:p>
+        </p:txBody>
+      </p:sp>
+    </p:spTree>
+    <p:extLst>
+      <p:ext uri="{BB962C8B-B14F-4D97-AF65-F5344CB8AC3E}">
+        <p14:creationId xmlns:p14="http://schemas.microsoft.com/office/powerpoint/2010/main" val="1344557854"/>
+      </p:ext>
+    </p:extLst>
+  </p:cSld>
+  <p:clrMapOvr>
+    <a:masterClrMapping/>
+  </p:clrMapOvr>
+</p:notes>
+</file>
+
+<file path=ppt/notesSlides/notesSlide17.xml><?xml version="1.0" encoding="utf-8"?>
+<p:notes xmlns:a="http://schemas.openxmlformats.org/drawingml/2006/main" xmlns:r="http://schemas.openxmlformats.org/officeDocument/2006/relationships" xmlns:p="http://schemas.openxmlformats.org/presentationml/2006/main">
+  <p:cSld>
+    <p:spTree>
+      <p:nvGrpSpPr>
+        <p:cNvPr id="1" name=""/>
+        <p:cNvGrpSpPr/>
+        <p:nvPr/>
+      </p:nvGrpSpPr>
+      <p:grpSpPr>
+        <a:xfrm>
+          <a:off x="0" y="0"/>
+          <a:ext cx="0" cy="0"/>
+          <a:chOff x="0" y="0"/>
+          <a:chExt cx="0" cy="0"/>
+        </a:xfrm>
+      </p:grpSpPr>
+      <p:sp>
+        <p:nvSpPr>
+          <p:cNvPr id="2" name="Slide Image Placeholder 1"/>
+          <p:cNvSpPr>
+            <a:spLocks noGrp="1" noRot="1" noChangeAspect="1"/>
+          </p:cNvSpPr>
+          <p:nvPr>
+            <p:ph type="sldImg"/>
+          </p:nvPr>
+        </p:nvSpPr>
+        <p:spPr/>
+      </p:sp>
+      <p:sp>
+        <p:nvSpPr>
+          <p:cNvPr id="3" name="Notes Placeholder 2"/>
+          <p:cNvSpPr>
+            <a:spLocks noGrp="1"/>
+          </p:cNvSpPr>
+          <p:nvPr>
+            <p:ph type="body" idx="1"/>
+          </p:nvPr>
+        </p:nvSpPr>
+        <p:spPr/>
+        <p:txBody>
+          <a:bodyPr/>
+          <a:lstStyle/>
+          <a:p>
+            <a:r>
+              <a:rPr lang="en-US" sz="1200" dirty="0" smtClean="0"/>
+              <a:t>Excited</a:t>
+            </a:r>
+            <a:r>
+              <a:rPr lang="en-US" sz="1200" baseline="0" dirty="0" smtClean="0"/>
+              <a:t> because ChatOps is transformative.  </a:t>
+            </a:r>
+            <a:endParaRPr lang="en-US" sz="1200" dirty="0" smtClean="0"/>
+          </a:p>
+        </p:txBody>
+      </p:sp>
+      <p:sp>
+        <p:nvSpPr>
+          <p:cNvPr id="4" name="Slide Number Placeholder 3"/>
+          <p:cNvSpPr>
+            <a:spLocks noGrp="1"/>
+          </p:cNvSpPr>
+          <p:nvPr>
+            <p:ph type="sldNum" sz="quarter" idx="10"/>
+          </p:nvPr>
+        </p:nvSpPr>
+        <p:spPr/>
+        <p:txBody>
+          <a:bodyPr/>
+          <a:lstStyle/>
+          <a:p>
+            <a:fld id="{A61D6427-4E40-48B2-9E5C-DB98B8F42838}" type="slidenum">
+              <a:rPr lang="en-US" smtClean="0"/>
+              <a:t>20</a:t>
+            </a:fld>
+            <a:endParaRPr lang="en-US"/>
+          </a:p>
+        </p:txBody>
+      </p:sp>
+    </p:spTree>
+    <p:extLst>
+      <p:ext uri="{BB962C8B-B14F-4D97-AF65-F5344CB8AC3E}">
+        <p14:creationId xmlns:p14="http://schemas.microsoft.com/office/powerpoint/2010/main" val="1031145119"/>
+      </p:ext>
+    </p:extLst>
+  </p:cSld>
+  <p:clrMapOvr>
+    <a:masterClrMapping/>
+  </p:clrMapOvr>
+</p:notes>
+</file>
+
+<file path=ppt/notesSlides/notesSlide18.xml><?xml version="1.0" encoding="utf-8"?>
+<p:notes xmlns:a="http://schemas.openxmlformats.org/drawingml/2006/main" xmlns:r="http://schemas.openxmlformats.org/officeDocument/2006/relationships" xmlns:p="http://schemas.openxmlformats.org/presentationml/2006/main">
+  <p:cSld>
+    <p:spTree>
+      <p:nvGrpSpPr>
+        <p:cNvPr id="1" name=""/>
+        <p:cNvGrpSpPr/>
+        <p:nvPr/>
+      </p:nvGrpSpPr>
+      <p:grpSpPr>
+        <a:xfrm>
+          <a:off x="0" y="0"/>
+          <a:ext cx="0" cy="0"/>
+          <a:chOff x="0" y="0"/>
+          <a:chExt cx="0" cy="0"/>
+        </a:xfrm>
+      </p:grpSpPr>
+      <p:sp>
+        <p:nvSpPr>
+          <p:cNvPr id="2" name="Slide Image Placeholder 1"/>
+          <p:cNvSpPr>
+            <a:spLocks noGrp="1" noRot="1" noChangeAspect="1"/>
+          </p:cNvSpPr>
+          <p:nvPr>
+            <p:ph type="sldImg"/>
+          </p:nvPr>
+        </p:nvSpPr>
+        <p:spPr/>
+      </p:sp>
+      <p:sp>
+        <p:nvSpPr>
+          <p:cNvPr id="3" name="Notes Placeholder 2"/>
+          <p:cNvSpPr>
+            <a:spLocks noGrp="1"/>
+          </p:cNvSpPr>
+          <p:nvPr>
+            <p:ph type="body" idx="1"/>
+          </p:nvPr>
+        </p:nvSpPr>
+        <p:spPr/>
+        <p:txBody>
+          <a:bodyPr/>
+          <a:lstStyle/>
+          <a:p>
+            <a:r>
+              <a:rPr lang="en-US" sz="1200" dirty="0" smtClean="0"/>
+              <a:t>Excited</a:t>
+            </a:r>
+            <a:r>
+              <a:rPr lang="en-US" sz="1200" baseline="0" dirty="0" smtClean="0"/>
+              <a:t> because ChatOps is transformative.  </a:t>
+            </a:r>
+            <a:endParaRPr lang="en-US" sz="1200" dirty="0" smtClean="0"/>
+          </a:p>
+        </p:txBody>
+      </p:sp>
+      <p:sp>
+        <p:nvSpPr>
+          <p:cNvPr id="4" name="Slide Number Placeholder 3"/>
+          <p:cNvSpPr>
+            <a:spLocks noGrp="1"/>
+          </p:cNvSpPr>
+          <p:nvPr>
+            <p:ph type="sldNum" sz="quarter" idx="10"/>
+          </p:nvPr>
+        </p:nvSpPr>
+        <p:spPr/>
+        <p:txBody>
+          <a:bodyPr/>
+          <a:lstStyle/>
+          <a:p>
+            <a:fld id="{A61D6427-4E40-48B2-9E5C-DB98B8F42838}" type="slidenum">
+              <a:rPr lang="en-US" smtClean="0"/>
+              <a:t>21</a:t>
+            </a:fld>
+            <a:endParaRPr lang="en-US"/>
+          </a:p>
+        </p:txBody>
+      </p:sp>
+    </p:spTree>
+    <p:extLst>
+      <p:ext uri="{BB962C8B-B14F-4D97-AF65-F5344CB8AC3E}">
+        <p14:creationId xmlns:p14="http://schemas.microsoft.com/office/powerpoint/2010/main" val="898304337"/>
+      </p:ext>
+    </p:extLst>
+  </p:cSld>
+  <p:clrMapOvr>
+    <a:masterClrMapping/>
+  </p:clrMapOvr>
+</p:notes>
+</file>
+
+<file path=ppt/notesSlides/notesSlide19.xml><?xml version="1.0" encoding="utf-8"?>
+<p:notes xmlns:a="http://schemas.openxmlformats.org/drawingml/2006/main" xmlns:r="http://schemas.openxmlformats.org/officeDocument/2006/relationships" xmlns:p="http://schemas.openxmlformats.org/presentationml/2006/main">
+  <p:cSld>
+    <p:spTree>
+      <p:nvGrpSpPr>
+        <p:cNvPr id="1" name=""/>
+        <p:cNvGrpSpPr/>
+        <p:nvPr/>
+      </p:nvGrpSpPr>
+      <p:grpSpPr>
+        <a:xfrm>
+          <a:off x="0" y="0"/>
+          <a:ext cx="0" cy="0"/>
+          <a:chOff x="0" y="0"/>
+          <a:chExt cx="0" cy="0"/>
+        </a:xfrm>
+      </p:grpSpPr>
+      <p:sp>
+        <p:nvSpPr>
+          <p:cNvPr id="2" name="Slide Image Placeholder 1"/>
+          <p:cNvSpPr>
+            <a:spLocks noGrp="1" noRot="1" noChangeAspect="1"/>
+          </p:cNvSpPr>
+          <p:nvPr>
+            <p:ph type="sldImg"/>
+          </p:nvPr>
+        </p:nvSpPr>
+        <p:spPr/>
+      </p:sp>
+      <p:sp>
+        <p:nvSpPr>
+          <p:cNvPr id="3" name="Notes Placeholder 2"/>
+          <p:cNvSpPr>
+            <a:spLocks noGrp="1"/>
+          </p:cNvSpPr>
+          <p:nvPr>
+            <p:ph type="body" idx="1"/>
+          </p:nvPr>
+        </p:nvSpPr>
+        <p:spPr/>
+        <p:txBody>
+          <a:bodyPr/>
+          <a:lstStyle/>
+          <a:p>
+            <a:r>
+              <a:rPr lang="en-US" sz="1200" dirty="0" smtClean="0"/>
+              <a:t>Excited</a:t>
+            </a:r>
+            <a:r>
+              <a:rPr lang="en-US" sz="1200" baseline="0" dirty="0" smtClean="0"/>
+              <a:t> because ChatOps is transformative.  </a:t>
+            </a:r>
+            <a:endParaRPr lang="en-US" sz="1200" dirty="0" smtClean="0"/>
+          </a:p>
+        </p:txBody>
+      </p:sp>
+      <p:sp>
+        <p:nvSpPr>
+          <p:cNvPr id="4" name="Slide Number Placeholder 3"/>
+          <p:cNvSpPr>
+            <a:spLocks noGrp="1"/>
+          </p:cNvSpPr>
+          <p:nvPr>
+            <p:ph type="sldNum" sz="quarter" idx="10"/>
+          </p:nvPr>
+        </p:nvSpPr>
+        <p:spPr/>
+        <p:txBody>
+          <a:bodyPr/>
+          <a:lstStyle/>
+          <a:p>
+            <a:fld id="{A61D6427-4E40-48B2-9E5C-DB98B8F42838}" type="slidenum">
+              <a:rPr lang="en-US" smtClean="0"/>
+              <a:t>22</a:t>
+            </a:fld>
+            <a:endParaRPr lang="en-US"/>
+          </a:p>
+        </p:txBody>
+      </p:sp>
+    </p:spTree>
+    <p:extLst>
+      <p:ext uri="{BB962C8B-B14F-4D97-AF65-F5344CB8AC3E}">
+        <p14:creationId xmlns:p14="http://schemas.microsoft.com/office/powerpoint/2010/main" val="1007028854"/>
+      </p:ext>
+    </p:extLst>
+  </p:cSld>
+  <p:clrMapOvr>
+    <a:masterClrMapping/>
+  </p:clrMapOvr>
+</p:notes>
+</file>
+
 <file path=ppt/notesSlides/notesSlide2.xml><?xml version="1.0" encoding="utf-8"?>
 <p:notes xmlns:a="http://schemas.openxmlformats.org/drawingml/2006/main" xmlns:r="http://schemas.openxmlformats.org/officeDocument/2006/relationships" xmlns:p="http://schemas.openxmlformats.org/presentationml/2006/main">
   <p:cSld>
@@ -1015,7 +1951,467 @@
     </p:spTree>
     <p:extLst>
       <p:ext uri="{BB962C8B-B14F-4D97-AF65-F5344CB8AC3E}">
-        <p14:creationId xmlns:p14="http://schemas.microsoft.com/office/powerpoint/2010/main" val="533107894"/>
+        <p14:creationId xmlns:p14="http://schemas.microsoft.com/office/powerpoint/2010/main" val="521543928"/>
+      </p:ext>
+    </p:extLst>
+  </p:cSld>
+  <p:clrMapOvr>
+    <a:masterClrMapping/>
+  </p:clrMapOvr>
+</p:notes>
+</file>
+
+<file path=ppt/notesSlides/notesSlide5.xml><?xml version="1.0" encoding="utf-8"?>
+<p:notes xmlns:a="http://schemas.openxmlformats.org/drawingml/2006/main" xmlns:r="http://schemas.openxmlformats.org/officeDocument/2006/relationships" xmlns:p="http://schemas.openxmlformats.org/presentationml/2006/main">
+  <p:cSld>
+    <p:spTree>
+      <p:nvGrpSpPr>
+        <p:cNvPr id="1" name=""/>
+        <p:cNvGrpSpPr/>
+        <p:nvPr/>
+      </p:nvGrpSpPr>
+      <p:grpSpPr>
+        <a:xfrm>
+          <a:off x="0" y="0"/>
+          <a:ext cx="0" cy="0"/>
+          <a:chOff x="0" y="0"/>
+          <a:chExt cx="0" cy="0"/>
+        </a:xfrm>
+      </p:grpSpPr>
+      <p:sp>
+        <p:nvSpPr>
+          <p:cNvPr id="2" name="Slide Image Placeholder 1"/>
+          <p:cNvSpPr>
+            <a:spLocks noGrp="1" noRot="1" noChangeAspect="1"/>
+          </p:cNvSpPr>
+          <p:nvPr>
+            <p:ph type="sldImg"/>
+          </p:nvPr>
+        </p:nvSpPr>
+        <p:spPr/>
+      </p:sp>
+      <p:sp>
+        <p:nvSpPr>
+          <p:cNvPr id="3" name="Notes Placeholder 2"/>
+          <p:cNvSpPr>
+            <a:spLocks noGrp="1"/>
+          </p:cNvSpPr>
+          <p:nvPr>
+            <p:ph type="body" idx="1"/>
+          </p:nvPr>
+        </p:nvSpPr>
+        <p:spPr/>
+        <p:txBody>
+          <a:bodyPr/>
+          <a:lstStyle/>
+          <a:p>
+            <a:r>
+              <a:rPr lang="en-US" sz="1200" dirty="0" smtClean="0"/>
+              <a:t>Excited</a:t>
+            </a:r>
+            <a:r>
+              <a:rPr lang="en-US" sz="1200" baseline="0" dirty="0" smtClean="0"/>
+              <a:t> because ChatOps is transformative.  </a:t>
+            </a:r>
+            <a:endParaRPr lang="en-US" sz="1200" dirty="0" smtClean="0"/>
+          </a:p>
+        </p:txBody>
+      </p:sp>
+      <p:sp>
+        <p:nvSpPr>
+          <p:cNvPr id="4" name="Slide Number Placeholder 3"/>
+          <p:cNvSpPr>
+            <a:spLocks noGrp="1"/>
+          </p:cNvSpPr>
+          <p:nvPr>
+            <p:ph type="sldNum" sz="quarter" idx="10"/>
+          </p:nvPr>
+        </p:nvSpPr>
+        <p:spPr/>
+        <p:txBody>
+          <a:bodyPr/>
+          <a:lstStyle/>
+          <a:p>
+            <a:fld id="{A61D6427-4E40-48B2-9E5C-DB98B8F42838}" type="slidenum">
+              <a:rPr lang="en-US" smtClean="0"/>
+              <a:t>7</a:t>
+            </a:fld>
+            <a:endParaRPr lang="en-US"/>
+          </a:p>
+        </p:txBody>
+      </p:sp>
+    </p:spTree>
+    <p:extLst>
+      <p:ext uri="{BB962C8B-B14F-4D97-AF65-F5344CB8AC3E}">
+        <p14:creationId xmlns:p14="http://schemas.microsoft.com/office/powerpoint/2010/main" val="725748242"/>
+      </p:ext>
+    </p:extLst>
+  </p:cSld>
+  <p:clrMapOvr>
+    <a:masterClrMapping/>
+  </p:clrMapOvr>
+</p:notes>
+</file>
+
+<file path=ppt/notesSlides/notesSlide6.xml><?xml version="1.0" encoding="utf-8"?>
+<p:notes xmlns:a="http://schemas.openxmlformats.org/drawingml/2006/main" xmlns:r="http://schemas.openxmlformats.org/officeDocument/2006/relationships" xmlns:p="http://schemas.openxmlformats.org/presentationml/2006/main">
+  <p:cSld>
+    <p:spTree>
+      <p:nvGrpSpPr>
+        <p:cNvPr id="1" name=""/>
+        <p:cNvGrpSpPr/>
+        <p:nvPr/>
+      </p:nvGrpSpPr>
+      <p:grpSpPr>
+        <a:xfrm>
+          <a:off x="0" y="0"/>
+          <a:ext cx="0" cy="0"/>
+          <a:chOff x="0" y="0"/>
+          <a:chExt cx="0" cy="0"/>
+        </a:xfrm>
+      </p:grpSpPr>
+      <p:sp>
+        <p:nvSpPr>
+          <p:cNvPr id="2" name="Slide Image Placeholder 1"/>
+          <p:cNvSpPr>
+            <a:spLocks noGrp="1" noRot="1" noChangeAspect="1"/>
+          </p:cNvSpPr>
+          <p:nvPr>
+            <p:ph type="sldImg"/>
+          </p:nvPr>
+        </p:nvSpPr>
+        <p:spPr/>
+      </p:sp>
+      <p:sp>
+        <p:nvSpPr>
+          <p:cNvPr id="3" name="Notes Placeholder 2"/>
+          <p:cNvSpPr>
+            <a:spLocks noGrp="1"/>
+          </p:cNvSpPr>
+          <p:nvPr>
+            <p:ph type="body" idx="1"/>
+          </p:nvPr>
+        </p:nvSpPr>
+        <p:spPr/>
+        <p:txBody>
+          <a:bodyPr/>
+          <a:lstStyle/>
+          <a:p>
+            <a:r>
+              <a:rPr lang="en-US" sz="1200" dirty="0" smtClean="0"/>
+              <a:t>Excited</a:t>
+            </a:r>
+            <a:r>
+              <a:rPr lang="en-US" sz="1200" baseline="0" dirty="0" smtClean="0"/>
+              <a:t> because ChatOps is transformative.  </a:t>
+            </a:r>
+            <a:endParaRPr lang="en-US" sz="1200" dirty="0" smtClean="0"/>
+          </a:p>
+        </p:txBody>
+      </p:sp>
+      <p:sp>
+        <p:nvSpPr>
+          <p:cNvPr id="4" name="Slide Number Placeholder 3"/>
+          <p:cNvSpPr>
+            <a:spLocks noGrp="1"/>
+          </p:cNvSpPr>
+          <p:nvPr>
+            <p:ph type="sldNum" sz="quarter" idx="10"/>
+          </p:nvPr>
+        </p:nvSpPr>
+        <p:spPr/>
+        <p:txBody>
+          <a:bodyPr/>
+          <a:lstStyle/>
+          <a:p>
+            <a:fld id="{A61D6427-4E40-48B2-9E5C-DB98B8F42838}" type="slidenum">
+              <a:rPr lang="en-US" smtClean="0"/>
+              <a:t>8</a:t>
+            </a:fld>
+            <a:endParaRPr lang="en-US"/>
+          </a:p>
+        </p:txBody>
+      </p:sp>
+    </p:spTree>
+    <p:extLst>
+      <p:ext uri="{BB962C8B-B14F-4D97-AF65-F5344CB8AC3E}">
+        <p14:creationId xmlns:p14="http://schemas.microsoft.com/office/powerpoint/2010/main" val="1694375262"/>
+      </p:ext>
+    </p:extLst>
+  </p:cSld>
+  <p:clrMapOvr>
+    <a:masterClrMapping/>
+  </p:clrMapOvr>
+</p:notes>
+</file>
+
+<file path=ppt/notesSlides/notesSlide7.xml><?xml version="1.0" encoding="utf-8"?>
+<p:notes xmlns:a="http://schemas.openxmlformats.org/drawingml/2006/main" xmlns:r="http://schemas.openxmlformats.org/officeDocument/2006/relationships" xmlns:p="http://schemas.openxmlformats.org/presentationml/2006/main">
+  <p:cSld>
+    <p:spTree>
+      <p:nvGrpSpPr>
+        <p:cNvPr id="1" name=""/>
+        <p:cNvGrpSpPr/>
+        <p:nvPr/>
+      </p:nvGrpSpPr>
+      <p:grpSpPr>
+        <a:xfrm>
+          <a:off x="0" y="0"/>
+          <a:ext cx="0" cy="0"/>
+          <a:chOff x="0" y="0"/>
+          <a:chExt cx="0" cy="0"/>
+        </a:xfrm>
+      </p:grpSpPr>
+      <p:sp>
+        <p:nvSpPr>
+          <p:cNvPr id="2" name="Slide Image Placeholder 1"/>
+          <p:cNvSpPr>
+            <a:spLocks noGrp="1" noRot="1" noChangeAspect="1"/>
+          </p:cNvSpPr>
+          <p:nvPr>
+            <p:ph type="sldImg"/>
+          </p:nvPr>
+        </p:nvSpPr>
+        <p:spPr/>
+      </p:sp>
+      <p:sp>
+        <p:nvSpPr>
+          <p:cNvPr id="3" name="Notes Placeholder 2"/>
+          <p:cNvSpPr>
+            <a:spLocks noGrp="1"/>
+          </p:cNvSpPr>
+          <p:nvPr>
+            <p:ph type="body" idx="1"/>
+          </p:nvPr>
+        </p:nvSpPr>
+        <p:spPr/>
+        <p:txBody>
+          <a:bodyPr/>
+          <a:lstStyle/>
+          <a:p>
+            <a:r>
+              <a:rPr lang="en-US" sz="1200" dirty="0" smtClean="0"/>
+              <a:t>Excited</a:t>
+            </a:r>
+            <a:r>
+              <a:rPr lang="en-US" sz="1200" baseline="0" dirty="0" smtClean="0"/>
+              <a:t> because ChatOps is transformative.  </a:t>
+            </a:r>
+            <a:endParaRPr lang="en-US" sz="1200" dirty="0" smtClean="0"/>
+          </a:p>
+        </p:txBody>
+      </p:sp>
+      <p:sp>
+        <p:nvSpPr>
+          <p:cNvPr id="4" name="Slide Number Placeholder 3"/>
+          <p:cNvSpPr>
+            <a:spLocks noGrp="1"/>
+          </p:cNvSpPr>
+          <p:nvPr>
+            <p:ph type="sldNum" sz="quarter" idx="10"/>
+          </p:nvPr>
+        </p:nvSpPr>
+        <p:spPr/>
+        <p:txBody>
+          <a:bodyPr/>
+          <a:lstStyle/>
+          <a:p>
+            <a:fld id="{A61D6427-4E40-48B2-9E5C-DB98B8F42838}" type="slidenum">
+              <a:rPr lang="en-US" smtClean="0"/>
+              <a:t>9</a:t>
+            </a:fld>
+            <a:endParaRPr lang="en-US"/>
+          </a:p>
+        </p:txBody>
+      </p:sp>
+    </p:spTree>
+    <p:extLst>
+      <p:ext uri="{BB962C8B-B14F-4D97-AF65-F5344CB8AC3E}">
+        <p14:creationId xmlns:p14="http://schemas.microsoft.com/office/powerpoint/2010/main" val="7800259"/>
+      </p:ext>
+    </p:extLst>
+  </p:cSld>
+  <p:clrMapOvr>
+    <a:masterClrMapping/>
+  </p:clrMapOvr>
+</p:notes>
+</file>
+
+<file path=ppt/notesSlides/notesSlide8.xml><?xml version="1.0" encoding="utf-8"?>
+<p:notes xmlns:a="http://schemas.openxmlformats.org/drawingml/2006/main" xmlns:r="http://schemas.openxmlformats.org/officeDocument/2006/relationships" xmlns:p="http://schemas.openxmlformats.org/presentationml/2006/main">
+  <p:cSld>
+    <p:spTree>
+      <p:nvGrpSpPr>
+        <p:cNvPr id="1" name=""/>
+        <p:cNvGrpSpPr/>
+        <p:nvPr/>
+      </p:nvGrpSpPr>
+      <p:grpSpPr>
+        <a:xfrm>
+          <a:off x="0" y="0"/>
+          <a:ext cx="0" cy="0"/>
+          <a:chOff x="0" y="0"/>
+          <a:chExt cx="0" cy="0"/>
+        </a:xfrm>
+      </p:grpSpPr>
+      <p:sp>
+        <p:nvSpPr>
+          <p:cNvPr id="2" name="Slide Image Placeholder 1"/>
+          <p:cNvSpPr>
+            <a:spLocks noGrp="1" noRot="1" noChangeAspect="1"/>
+          </p:cNvSpPr>
+          <p:nvPr>
+            <p:ph type="sldImg"/>
+          </p:nvPr>
+        </p:nvSpPr>
+        <p:spPr/>
+      </p:sp>
+      <p:sp>
+        <p:nvSpPr>
+          <p:cNvPr id="3" name="Notes Placeholder 2"/>
+          <p:cNvSpPr>
+            <a:spLocks noGrp="1"/>
+          </p:cNvSpPr>
+          <p:nvPr>
+            <p:ph type="body" idx="1"/>
+          </p:nvPr>
+        </p:nvSpPr>
+        <p:spPr/>
+        <p:txBody>
+          <a:bodyPr/>
+          <a:lstStyle/>
+          <a:p>
+            <a:r>
+              <a:rPr lang="en-US" sz="1200" dirty="0" smtClean="0"/>
+              <a:t>Excited</a:t>
+            </a:r>
+            <a:r>
+              <a:rPr lang="en-US" sz="1200" baseline="0" dirty="0" smtClean="0"/>
+              <a:t> because ChatOps is transformative.  </a:t>
+            </a:r>
+            <a:endParaRPr lang="en-US" sz="1200" dirty="0" smtClean="0"/>
+          </a:p>
+        </p:txBody>
+      </p:sp>
+      <p:sp>
+        <p:nvSpPr>
+          <p:cNvPr id="4" name="Slide Number Placeholder 3"/>
+          <p:cNvSpPr>
+            <a:spLocks noGrp="1"/>
+          </p:cNvSpPr>
+          <p:nvPr>
+            <p:ph type="sldNum" sz="quarter" idx="10"/>
+          </p:nvPr>
+        </p:nvSpPr>
+        <p:spPr/>
+        <p:txBody>
+          <a:bodyPr/>
+          <a:lstStyle/>
+          <a:p>
+            <a:fld id="{A61D6427-4E40-48B2-9E5C-DB98B8F42838}" type="slidenum">
+              <a:rPr lang="en-US" smtClean="0"/>
+              <a:t>10</a:t>
+            </a:fld>
+            <a:endParaRPr lang="en-US"/>
+          </a:p>
+        </p:txBody>
+      </p:sp>
+    </p:spTree>
+    <p:extLst>
+      <p:ext uri="{BB962C8B-B14F-4D97-AF65-F5344CB8AC3E}">
+        <p14:creationId xmlns:p14="http://schemas.microsoft.com/office/powerpoint/2010/main" val="1983186674"/>
+      </p:ext>
+    </p:extLst>
+  </p:cSld>
+  <p:clrMapOvr>
+    <a:masterClrMapping/>
+  </p:clrMapOvr>
+</p:notes>
+</file>
+
+<file path=ppt/notesSlides/notesSlide9.xml><?xml version="1.0" encoding="utf-8"?>
+<p:notes xmlns:a="http://schemas.openxmlformats.org/drawingml/2006/main" xmlns:r="http://schemas.openxmlformats.org/officeDocument/2006/relationships" xmlns:p="http://schemas.openxmlformats.org/presentationml/2006/main">
+  <p:cSld>
+    <p:spTree>
+      <p:nvGrpSpPr>
+        <p:cNvPr id="1" name=""/>
+        <p:cNvGrpSpPr/>
+        <p:nvPr/>
+      </p:nvGrpSpPr>
+      <p:grpSpPr>
+        <a:xfrm>
+          <a:off x="0" y="0"/>
+          <a:ext cx="0" cy="0"/>
+          <a:chOff x="0" y="0"/>
+          <a:chExt cx="0" cy="0"/>
+        </a:xfrm>
+      </p:grpSpPr>
+      <p:sp>
+        <p:nvSpPr>
+          <p:cNvPr id="2" name="Slide Image Placeholder 1"/>
+          <p:cNvSpPr>
+            <a:spLocks noGrp="1" noRot="1" noChangeAspect="1"/>
+          </p:cNvSpPr>
+          <p:nvPr>
+            <p:ph type="sldImg"/>
+          </p:nvPr>
+        </p:nvSpPr>
+        <p:spPr/>
+      </p:sp>
+      <p:sp>
+        <p:nvSpPr>
+          <p:cNvPr id="3" name="Notes Placeholder 2"/>
+          <p:cNvSpPr>
+            <a:spLocks noGrp="1"/>
+          </p:cNvSpPr>
+          <p:nvPr>
+            <p:ph type="body" idx="1"/>
+          </p:nvPr>
+        </p:nvSpPr>
+        <p:spPr/>
+        <p:txBody>
+          <a:bodyPr/>
+          <a:lstStyle/>
+          <a:p>
+            <a:r>
+              <a:rPr lang="en-US" sz="1200" dirty="0" smtClean="0"/>
+              <a:t>Excited</a:t>
+            </a:r>
+            <a:r>
+              <a:rPr lang="en-US" sz="1200" baseline="0" dirty="0" smtClean="0"/>
+              <a:t> because ChatOps is transformative.  </a:t>
+            </a:r>
+            <a:endParaRPr lang="en-US" sz="1200" dirty="0" smtClean="0"/>
+          </a:p>
+        </p:txBody>
+      </p:sp>
+      <p:sp>
+        <p:nvSpPr>
+          <p:cNvPr id="4" name="Slide Number Placeholder 3"/>
+          <p:cNvSpPr>
+            <a:spLocks noGrp="1"/>
+          </p:cNvSpPr>
+          <p:nvPr>
+            <p:ph type="sldNum" sz="quarter" idx="10"/>
+          </p:nvPr>
+        </p:nvSpPr>
+        <p:spPr/>
+        <p:txBody>
+          <a:bodyPr/>
+          <a:lstStyle/>
+          <a:p>
+            <a:fld id="{A61D6427-4E40-48B2-9E5C-DB98B8F42838}" type="slidenum">
+              <a:rPr lang="en-US" smtClean="0"/>
+              <a:t>11</a:t>
+            </a:fld>
+            <a:endParaRPr lang="en-US"/>
+          </a:p>
+        </p:txBody>
+      </p:sp>
+    </p:spTree>
+    <p:extLst>
+      <p:ext uri="{BB962C8B-B14F-4D97-AF65-F5344CB8AC3E}">
+        <p14:creationId xmlns:p14="http://schemas.microsoft.com/office/powerpoint/2010/main" val="1230427590"/>
       </p:ext>
     </p:extLst>
   </p:cSld>
@@ -1524,18 +2920,7 @@
                 <a:ea typeface="Courier" charset="0"/>
                 <a:cs typeface="Courier" charset="0"/>
               </a:rPr>
-              <a:t>@scottnasello | @</a:t>
-            </a:r>
-            <a:r>
-              <a:rPr lang="en-US" sz="2400" b="0" dirty="0" smtClean="0">
-                <a:solidFill>
-                  <a:schemeClr val="bg1"/>
-                </a:solidFill>
-                <a:latin typeface="Courier" charset="0"/>
-                <a:ea typeface="Courier" charset="0"/>
-                <a:cs typeface="Courier" charset="0"/>
-              </a:rPr>
-              <a:t>DevOpsDaysSea</a:t>
+              <a:t>@scottnasello | @DevOpsDaysSea</a:t>
             </a:r>
             <a:endParaRPr lang="en-US" sz="2400" b="0" dirty="0">
               <a:solidFill>
@@ -2001,6 +3386,2463 @@
 </p:sld>
 </file>
 
+<file path=ppt/slides/slide10.xml><?xml version="1.0" encoding="utf-8"?>
+<p:sld xmlns:a="http://schemas.openxmlformats.org/drawingml/2006/main" xmlns:r="http://schemas.openxmlformats.org/officeDocument/2006/relationships" xmlns:p="http://schemas.openxmlformats.org/presentationml/2006/main">
+  <p:cSld>
+    <p:spTree>
+      <p:nvGrpSpPr>
+        <p:cNvPr id="1" name=""/>
+        <p:cNvGrpSpPr/>
+        <p:nvPr/>
+      </p:nvGrpSpPr>
+      <p:grpSpPr>
+        <a:xfrm>
+          <a:off x="0" y="0"/>
+          <a:ext cx="0" cy="0"/>
+          <a:chOff x="0" y="0"/>
+          <a:chExt cx="0" cy="0"/>
+        </a:xfrm>
+      </p:grpSpPr>
+      <p:sp>
+        <p:nvSpPr>
+          <p:cNvPr id="5" name="Title 4"/>
+          <p:cNvSpPr>
+            <a:spLocks noGrp="1"/>
+          </p:cNvSpPr>
+          <p:nvPr>
+            <p:ph type="title"/>
+          </p:nvPr>
+        </p:nvSpPr>
+        <p:spPr/>
+        <p:txBody>
+          <a:bodyPr/>
+          <a:lstStyle/>
+          <a:p>
+            <a:r>
+              <a:rPr lang="en-US" dirty="0" smtClean="0"/>
+              <a:t>In their words: </a:t>
+            </a:r>
+            <a:endParaRPr lang="en-US" dirty="0"/>
+          </a:p>
+        </p:txBody>
+      </p:sp>
+      <p:sp>
+        <p:nvSpPr>
+          <p:cNvPr id="6" name="Content Placeholder 5"/>
+          <p:cNvSpPr>
+            <a:spLocks noGrp="1"/>
+          </p:cNvSpPr>
+          <p:nvPr>
+            <p:ph idx="1"/>
+          </p:nvPr>
+        </p:nvSpPr>
+        <p:spPr>
+          <a:xfrm>
+            <a:off x="838200" y="1825625"/>
+            <a:ext cx="10668000" cy="4351338"/>
+          </a:xfrm>
+        </p:spPr>
+        <p:txBody>
+          <a:bodyPr/>
+          <a:lstStyle/>
+          <a:p>
+            <a:pPr marL="457200" indent="-457200">
+              <a:lnSpc>
+                <a:spcPct val="100000"/>
+              </a:lnSpc>
+              <a:spcBef>
+                <a:spcPts val="0"/>
+              </a:spcBef>
+              <a:buFont typeface="+mj-lt"/>
+              <a:buAutoNum type="arabicPeriod"/>
+            </a:pPr>
+            <a:r>
+              <a:rPr lang="en-US" sz="2000" dirty="0"/>
+              <a:t>How would you describe the journey we’ve been own over the last 2 years</a:t>
+            </a:r>
+            <a:r>
+              <a:rPr lang="en-US" sz="2000" dirty="0" smtClean="0"/>
+              <a:t>?</a:t>
+            </a:r>
+          </a:p>
+          <a:p>
+            <a:pPr marL="457200" indent="-457200">
+              <a:lnSpc>
+                <a:spcPct val="100000"/>
+              </a:lnSpc>
+              <a:spcBef>
+                <a:spcPts val="0"/>
+              </a:spcBef>
+              <a:buFont typeface="+mj-lt"/>
+              <a:buAutoNum type="arabicPeriod"/>
+            </a:pPr>
+            <a:endParaRPr lang="en-US" sz="2000" dirty="0" smtClean="0"/>
+          </a:p>
+          <a:p>
+            <a:pPr marL="457200" indent="-457200">
+              <a:lnSpc>
+                <a:spcPct val="100000"/>
+              </a:lnSpc>
+              <a:spcBef>
+                <a:spcPts val="0"/>
+              </a:spcBef>
+              <a:buFont typeface="+mj-lt"/>
+              <a:buAutoNum type="arabicPeriod"/>
+            </a:pPr>
+            <a:r>
+              <a:rPr lang="en-US" sz="2000" dirty="0"/>
+              <a:t>What’s been your favorite aspect of this journey</a:t>
+            </a:r>
+            <a:r>
+              <a:rPr lang="en-US" sz="2000" dirty="0" smtClean="0"/>
+              <a:t>?</a:t>
+            </a:r>
+          </a:p>
+          <a:p>
+            <a:pPr marL="457200" indent="-457200">
+              <a:lnSpc>
+                <a:spcPct val="100000"/>
+              </a:lnSpc>
+              <a:spcBef>
+                <a:spcPts val="0"/>
+              </a:spcBef>
+              <a:buFont typeface="+mj-lt"/>
+              <a:buAutoNum type="arabicPeriod"/>
+            </a:pPr>
+            <a:endParaRPr lang="en-US" sz="2000" dirty="0" smtClean="0"/>
+          </a:p>
+          <a:p>
+            <a:pPr marL="457200" indent="-457200">
+              <a:lnSpc>
+                <a:spcPct val="100000"/>
+              </a:lnSpc>
+              <a:spcBef>
+                <a:spcPts val="0"/>
+              </a:spcBef>
+              <a:buFont typeface="+mj-lt"/>
+              <a:buAutoNum type="arabicPeriod"/>
+            </a:pPr>
+            <a:r>
+              <a:rPr lang="en-US" sz="2000" dirty="0" smtClean="0"/>
+              <a:t>What’s </a:t>
+            </a:r>
+            <a:r>
+              <a:rPr lang="en-US" sz="2000" dirty="0"/>
+              <a:t>been your least favorite aspect of this journey?</a:t>
+            </a:r>
+            <a:endParaRPr lang="en-US" sz="2000" dirty="0" smtClean="0"/>
+          </a:p>
+          <a:p>
+            <a:pPr marL="457200" indent="-457200">
+              <a:lnSpc>
+                <a:spcPct val="100000"/>
+              </a:lnSpc>
+              <a:spcBef>
+                <a:spcPts val="0"/>
+              </a:spcBef>
+              <a:buFont typeface="+mj-lt"/>
+              <a:buAutoNum type="arabicPeriod"/>
+            </a:pPr>
+            <a:endParaRPr lang="en-US" sz="2000" dirty="0" smtClean="0"/>
+          </a:p>
+          <a:p>
+            <a:pPr marL="457200" indent="-457200">
+              <a:lnSpc>
+                <a:spcPct val="100000"/>
+              </a:lnSpc>
+              <a:spcBef>
+                <a:spcPts val="0"/>
+              </a:spcBef>
+              <a:buFont typeface="+mj-lt"/>
+              <a:buAutoNum type="arabicPeriod"/>
+            </a:pPr>
+            <a:r>
+              <a:rPr lang="en-US" sz="2000" dirty="0" smtClean="0"/>
+              <a:t>What </a:t>
+            </a:r>
+            <a:r>
+              <a:rPr lang="en-US" sz="2000" dirty="0"/>
+              <a:t>would you tell your “2015 self” about the journey you are about to go on</a:t>
+            </a:r>
+            <a:r>
+              <a:rPr lang="en-US" sz="2000" dirty="0" smtClean="0"/>
+              <a:t>?</a:t>
+            </a:r>
+          </a:p>
+          <a:p>
+            <a:pPr marL="457200" indent="-457200">
+              <a:lnSpc>
+                <a:spcPct val="100000"/>
+              </a:lnSpc>
+              <a:spcBef>
+                <a:spcPts val="0"/>
+              </a:spcBef>
+              <a:buFont typeface="+mj-lt"/>
+              <a:buAutoNum type="arabicPeriod"/>
+            </a:pPr>
+            <a:endParaRPr lang="en-US" sz="2000" dirty="0" smtClean="0"/>
+          </a:p>
+          <a:p>
+            <a:pPr marL="457200" indent="-457200">
+              <a:lnSpc>
+                <a:spcPct val="100000"/>
+              </a:lnSpc>
+              <a:spcBef>
+                <a:spcPts val="0"/>
+              </a:spcBef>
+              <a:buFont typeface="+mj-lt"/>
+              <a:buAutoNum type="arabicPeriod"/>
+            </a:pPr>
+            <a:r>
+              <a:rPr lang="en-US" sz="2000" dirty="0" smtClean="0"/>
+              <a:t>What </a:t>
+            </a:r>
+            <a:r>
+              <a:rPr lang="en-US" sz="2000" dirty="0"/>
+              <a:t>are </a:t>
+            </a:r>
+            <a:r>
+              <a:rPr lang="en-US" sz="2000" dirty="0" smtClean="0"/>
+              <a:t>you </a:t>
+            </a:r>
+            <a:r>
+              <a:rPr lang="en-US" sz="2000" dirty="0"/>
+              <a:t>most eagerly anticipating over the next 2 years</a:t>
+            </a:r>
+            <a:r>
+              <a:rPr lang="en-US" sz="2000" dirty="0" smtClean="0"/>
+              <a:t>?</a:t>
+            </a:r>
+          </a:p>
+          <a:p>
+            <a:pPr marL="457200" indent="-457200">
+              <a:lnSpc>
+                <a:spcPct val="100000"/>
+              </a:lnSpc>
+              <a:spcBef>
+                <a:spcPts val="0"/>
+              </a:spcBef>
+              <a:buFont typeface="+mj-lt"/>
+              <a:buAutoNum type="arabicPeriod"/>
+            </a:pPr>
+            <a:endParaRPr lang="en-US" sz="2000" dirty="0" smtClean="0"/>
+          </a:p>
+          <a:p>
+            <a:pPr marL="457200" indent="-457200">
+              <a:lnSpc>
+                <a:spcPct val="100000"/>
+              </a:lnSpc>
+              <a:spcBef>
+                <a:spcPts val="0"/>
+              </a:spcBef>
+              <a:buFont typeface="+mj-lt"/>
+              <a:buAutoNum type="arabicPeriod"/>
+            </a:pPr>
+            <a:r>
+              <a:rPr lang="en-US" sz="2000" dirty="0" smtClean="0"/>
+              <a:t>If </a:t>
+            </a:r>
+            <a:r>
+              <a:rPr lang="en-US" sz="2000" dirty="0"/>
+              <a:t>you had unlimited resources and control, what would be the one thing you would change going forward?</a:t>
+            </a:r>
+          </a:p>
+        </p:txBody>
+      </p:sp>
+      <p:sp>
+        <p:nvSpPr>
+          <p:cNvPr id="3" name="Slide Number Placeholder 2"/>
+          <p:cNvSpPr>
+            <a:spLocks noGrp="1"/>
+          </p:cNvSpPr>
+          <p:nvPr>
+            <p:ph type="sldNum" sz="quarter" idx="4"/>
+          </p:nvPr>
+        </p:nvSpPr>
+        <p:spPr/>
+        <p:txBody>
+          <a:bodyPr/>
+          <a:lstStyle/>
+          <a:p>
+            <a:fld id="{03CBEB89-E47E-4106-9DE1-9B407DF8E52F}" type="slidenum">
+              <a:rPr lang="en-US" smtClean="0"/>
+              <a:pPr/>
+              <a:t>10</a:t>
+            </a:fld>
+            <a:endParaRPr lang="en-US"/>
+          </a:p>
+        </p:txBody>
+      </p:sp>
+    </p:spTree>
+    <p:extLst>
+      <p:ext uri="{BB962C8B-B14F-4D97-AF65-F5344CB8AC3E}">
+        <p14:creationId xmlns:p14="http://schemas.microsoft.com/office/powerpoint/2010/main" val="1675352013"/>
+      </p:ext>
+    </p:extLst>
+  </p:cSld>
+  <p:clrMapOvr>
+    <a:masterClrMapping/>
+  </p:clrMapOvr>
+  <mc:AlternateContent xmlns:mc="http://schemas.openxmlformats.org/markup-compatibility/2006" xmlns:p14="http://schemas.microsoft.com/office/powerpoint/2010/main">
+    <mc:Choice Requires="p14">
+      <p:transition p14:dur="10" advTm="14000"/>
+    </mc:Choice>
+    <mc:Fallback xmlns="">
+      <p:transition advTm="14000"/>
+    </mc:Fallback>
+  </mc:AlternateContent>
+  <p:timing>
+    <p:tnLst>
+      <p:par>
+        <p:cTn id="1" dur="indefinite" restart="never" nodeType="tmRoot"/>
+      </p:par>
+    </p:tnLst>
+  </p:timing>
+</p:sld>
+</file>
+
+<file path=ppt/slides/slide11.xml><?xml version="1.0" encoding="utf-8"?>
+<p:sld xmlns:a="http://schemas.openxmlformats.org/drawingml/2006/main" xmlns:r="http://schemas.openxmlformats.org/officeDocument/2006/relationships" xmlns:p="http://schemas.openxmlformats.org/presentationml/2006/main">
+  <p:cSld>
+    <p:spTree>
+      <p:nvGrpSpPr>
+        <p:cNvPr id="1" name=""/>
+        <p:cNvGrpSpPr/>
+        <p:nvPr/>
+      </p:nvGrpSpPr>
+      <p:grpSpPr>
+        <a:xfrm>
+          <a:off x="0" y="0"/>
+          <a:ext cx="0" cy="0"/>
+          <a:chOff x="0" y="0"/>
+          <a:chExt cx="0" cy="0"/>
+        </a:xfrm>
+      </p:grpSpPr>
+      <p:sp>
+        <p:nvSpPr>
+          <p:cNvPr id="5" name="Title 4"/>
+          <p:cNvSpPr>
+            <a:spLocks noGrp="1"/>
+          </p:cNvSpPr>
+          <p:nvPr>
+            <p:ph type="title"/>
+          </p:nvPr>
+        </p:nvSpPr>
+        <p:spPr/>
+        <p:txBody>
+          <a:bodyPr/>
+          <a:lstStyle/>
+          <a:p>
+            <a:r>
+              <a:rPr lang="en-US" dirty="0" smtClean="0"/>
+              <a:t>In their words: </a:t>
+            </a:r>
+            <a:br>
+              <a:rPr lang="en-US" dirty="0" smtClean="0"/>
+            </a:br>
+            <a:r>
+              <a:rPr lang="en-US" dirty="0" smtClean="0"/>
+              <a:t>“Describe the journey”</a:t>
+            </a:r>
+            <a:endParaRPr lang="en-US" dirty="0"/>
+          </a:p>
+        </p:txBody>
+      </p:sp>
+      <p:sp>
+        <p:nvSpPr>
+          <p:cNvPr id="6" name="Content Placeholder 5"/>
+          <p:cNvSpPr>
+            <a:spLocks noGrp="1"/>
+          </p:cNvSpPr>
+          <p:nvPr>
+            <p:ph idx="1"/>
+          </p:nvPr>
+        </p:nvSpPr>
+        <p:spPr>
+          <a:xfrm>
+            <a:off x="838200" y="1825625"/>
+            <a:ext cx="10668000" cy="4351338"/>
+          </a:xfrm>
+        </p:spPr>
+        <p:txBody>
+          <a:bodyPr/>
+          <a:lstStyle/>
+          <a:p>
+            <a:pPr>
+              <a:lnSpc>
+                <a:spcPct val="100000"/>
+              </a:lnSpc>
+              <a:spcBef>
+                <a:spcPts val="0"/>
+              </a:spcBef>
+            </a:pPr>
+            <a:r>
+              <a:rPr lang="en-US" sz="1800" dirty="0" smtClean="0"/>
+              <a:t>It </a:t>
+            </a:r>
+            <a:r>
+              <a:rPr lang="en-US" sz="1800" dirty="0" smtClean="0"/>
+              <a:t>has given me ability to stretch and grow</a:t>
+            </a:r>
+          </a:p>
+          <a:p>
+            <a:pPr>
+              <a:lnSpc>
+                <a:spcPct val="100000"/>
+              </a:lnSpc>
+              <a:spcBef>
+                <a:spcPts val="0"/>
+              </a:spcBef>
+            </a:pPr>
+            <a:endParaRPr lang="en-US" sz="1800" dirty="0" smtClean="0"/>
+          </a:p>
+          <a:p>
+            <a:pPr>
+              <a:lnSpc>
+                <a:spcPct val="100000"/>
+              </a:lnSpc>
+              <a:spcBef>
+                <a:spcPts val="0"/>
+              </a:spcBef>
+            </a:pPr>
+            <a:r>
+              <a:rPr lang="en-US" sz="1800" dirty="0" smtClean="0"/>
+              <a:t>Rewarding</a:t>
+            </a:r>
+            <a:r>
+              <a:rPr lang="en-US" sz="1800" dirty="0" smtClean="0"/>
+              <a:t>, bumpy, and lots of self doubt, definitely felt like an imposter.  Eventually: “I can do things, I can grow”</a:t>
+            </a:r>
+          </a:p>
+          <a:p>
+            <a:pPr>
+              <a:lnSpc>
+                <a:spcPct val="100000"/>
+              </a:lnSpc>
+              <a:spcBef>
+                <a:spcPts val="0"/>
+              </a:spcBef>
+            </a:pPr>
+            <a:endParaRPr lang="en-US" sz="1800" dirty="0" smtClean="0"/>
+          </a:p>
+          <a:p>
+            <a:pPr>
+              <a:lnSpc>
+                <a:spcPct val="100000"/>
+              </a:lnSpc>
+              <a:spcBef>
+                <a:spcPts val="0"/>
+              </a:spcBef>
+            </a:pPr>
+            <a:r>
+              <a:rPr lang="en-US" sz="1800" dirty="0" smtClean="0"/>
+              <a:t>The </a:t>
+            </a:r>
+            <a:r>
+              <a:rPr lang="en-US" sz="1800" dirty="0" smtClean="0"/>
+              <a:t>path has been both invigorating and frustrating; but the journey has been </a:t>
+            </a:r>
+            <a:r>
+              <a:rPr lang="en-US" sz="1800" dirty="0" smtClean="0"/>
+              <a:t>worth it</a:t>
+            </a:r>
+            <a:r>
+              <a:rPr lang="en-US" sz="1800" dirty="0" smtClean="0"/>
+              <a:t>.  </a:t>
+            </a:r>
+          </a:p>
+          <a:p>
+            <a:pPr>
+              <a:lnSpc>
+                <a:spcPct val="100000"/>
+              </a:lnSpc>
+              <a:spcBef>
+                <a:spcPts val="0"/>
+              </a:spcBef>
+            </a:pPr>
+            <a:endParaRPr lang="en-US" sz="1800" dirty="0" smtClean="0"/>
+          </a:p>
+          <a:p>
+            <a:pPr>
+              <a:lnSpc>
+                <a:spcPct val="100000"/>
+              </a:lnSpc>
+              <a:spcBef>
+                <a:spcPts val="0"/>
+              </a:spcBef>
+            </a:pPr>
+            <a:r>
+              <a:rPr lang="en-US" sz="1800" dirty="0" smtClean="0"/>
+              <a:t>Difficult </a:t>
+            </a:r>
+            <a:r>
+              <a:rPr lang="en-US" sz="1800" dirty="0" smtClean="0"/>
+              <a:t>+ stressful: hard balancing DevOps, Maintenance, Support</a:t>
+            </a:r>
+          </a:p>
+          <a:p>
+            <a:pPr>
+              <a:lnSpc>
+                <a:spcPct val="100000"/>
+              </a:lnSpc>
+              <a:spcBef>
+                <a:spcPts val="0"/>
+              </a:spcBef>
+            </a:pPr>
+            <a:endParaRPr lang="en-US" sz="1800" dirty="0" smtClean="0"/>
+          </a:p>
+          <a:p>
+            <a:pPr>
+              <a:lnSpc>
+                <a:spcPct val="100000"/>
+              </a:lnSpc>
+              <a:spcBef>
+                <a:spcPts val="0"/>
+              </a:spcBef>
+            </a:pPr>
+            <a:r>
+              <a:rPr lang="en-US" sz="1800" dirty="0" smtClean="0"/>
+              <a:t>Team </a:t>
+            </a:r>
+            <a:r>
+              <a:rPr lang="en-US" sz="1800" dirty="0" smtClean="0"/>
+              <a:t>has grown quite a bit but can regress to old ideas and mindsets; Learned quite a bit about dealing with folks I don’t agree with</a:t>
+            </a:r>
+          </a:p>
+          <a:p>
+            <a:pPr>
+              <a:lnSpc>
+                <a:spcPct val="100000"/>
+              </a:lnSpc>
+              <a:spcBef>
+                <a:spcPts val="0"/>
+              </a:spcBef>
+            </a:pPr>
+            <a:endParaRPr lang="en-US" sz="1800" dirty="0" smtClean="0"/>
+          </a:p>
+          <a:p>
+            <a:pPr>
+              <a:lnSpc>
+                <a:spcPct val="100000"/>
+              </a:lnSpc>
+              <a:spcBef>
+                <a:spcPts val="0"/>
+              </a:spcBef>
+            </a:pPr>
+            <a:r>
+              <a:rPr lang="en-US" sz="1800" dirty="0" smtClean="0"/>
+              <a:t>Hard </a:t>
+            </a:r>
+            <a:r>
+              <a:rPr lang="en-US" sz="1800" dirty="0" smtClean="0"/>
+              <a:t>to ramp up due to the slew of tools, behaviors, and new ways of thinking (especially for windows admins)</a:t>
+            </a:r>
+          </a:p>
+          <a:p>
+            <a:pPr>
+              <a:lnSpc>
+                <a:spcPct val="100000"/>
+              </a:lnSpc>
+              <a:spcBef>
+                <a:spcPts val="0"/>
+              </a:spcBef>
+            </a:pPr>
+            <a:endParaRPr lang="en-US" sz="1800" dirty="0" smtClean="0"/>
+          </a:p>
+          <a:p>
+            <a:pPr>
+              <a:lnSpc>
+                <a:spcPct val="100000"/>
+              </a:lnSpc>
+              <a:spcBef>
+                <a:spcPts val="0"/>
+              </a:spcBef>
+            </a:pPr>
+            <a:endParaRPr lang="en-US" sz="1800" dirty="0"/>
+          </a:p>
+        </p:txBody>
+      </p:sp>
+      <p:sp>
+        <p:nvSpPr>
+          <p:cNvPr id="3" name="Slide Number Placeholder 2"/>
+          <p:cNvSpPr>
+            <a:spLocks noGrp="1"/>
+          </p:cNvSpPr>
+          <p:nvPr>
+            <p:ph type="sldNum" sz="quarter" idx="4"/>
+          </p:nvPr>
+        </p:nvSpPr>
+        <p:spPr/>
+        <p:txBody>
+          <a:bodyPr/>
+          <a:lstStyle/>
+          <a:p>
+            <a:fld id="{03CBEB89-E47E-4106-9DE1-9B407DF8E52F}" type="slidenum">
+              <a:rPr lang="en-US" smtClean="0"/>
+              <a:pPr/>
+              <a:t>11</a:t>
+            </a:fld>
+            <a:endParaRPr lang="en-US"/>
+          </a:p>
+        </p:txBody>
+      </p:sp>
+    </p:spTree>
+    <p:extLst>
+      <p:ext uri="{BB962C8B-B14F-4D97-AF65-F5344CB8AC3E}">
+        <p14:creationId xmlns:p14="http://schemas.microsoft.com/office/powerpoint/2010/main" val="324744831"/>
+      </p:ext>
+    </p:extLst>
+  </p:cSld>
+  <p:clrMapOvr>
+    <a:masterClrMapping/>
+  </p:clrMapOvr>
+  <mc:AlternateContent xmlns:mc="http://schemas.openxmlformats.org/markup-compatibility/2006" xmlns:p14="http://schemas.microsoft.com/office/powerpoint/2010/main">
+    <mc:Choice Requires="p14">
+      <p:transition p14:dur="10" advTm="14000"/>
+    </mc:Choice>
+    <mc:Fallback xmlns="">
+      <p:transition advTm="14000"/>
+    </mc:Fallback>
+  </mc:AlternateContent>
+  <p:timing>
+    <p:tnLst>
+      <p:par>
+        <p:cTn id="1" dur="indefinite" restart="never" nodeType="tmRoot"/>
+      </p:par>
+    </p:tnLst>
+  </p:timing>
+</p:sld>
+</file>
+
+<file path=ppt/slides/slide12.xml><?xml version="1.0" encoding="utf-8"?>
+<p:sld xmlns:a="http://schemas.openxmlformats.org/drawingml/2006/main" xmlns:r="http://schemas.openxmlformats.org/officeDocument/2006/relationships" xmlns:p="http://schemas.openxmlformats.org/presentationml/2006/main">
+  <p:cSld>
+    <p:spTree>
+      <p:nvGrpSpPr>
+        <p:cNvPr id="1" name=""/>
+        <p:cNvGrpSpPr/>
+        <p:nvPr/>
+      </p:nvGrpSpPr>
+      <p:grpSpPr>
+        <a:xfrm>
+          <a:off x="0" y="0"/>
+          <a:ext cx="0" cy="0"/>
+          <a:chOff x="0" y="0"/>
+          <a:chExt cx="0" cy="0"/>
+        </a:xfrm>
+      </p:grpSpPr>
+      <p:sp>
+        <p:nvSpPr>
+          <p:cNvPr id="5" name="Title 4"/>
+          <p:cNvSpPr>
+            <a:spLocks noGrp="1"/>
+          </p:cNvSpPr>
+          <p:nvPr>
+            <p:ph type="title"/>
+          </p:nvPr>
+        </p:nvSpPr>
+        <p:spPr/>
+        <p:txBody>
+          <a:bodyPr/>
+          <a:lstStyle/>
+          <a:p>
+            <a:r>
+              <a:rPr lang="en-US" dirty="0" smtClean="0"/>
+              <a:t>In their words: </a:t>
+            </a:r>
+            <a:br>
+              <a:rPr lang="en-US" dirty="0" smtClean="0"/>
+            </a:br>
+            <a:r>
+              <a:rPr lang="en-US" dirty="0" smtClean="0"/>
+              <a:t>“Favorite aspect of journey”</a:t>
+            </a:r>
+            <a:endParaRPr lang="en-US" dirty="0"/>
+          </a:p>
+        </p:txBody>
+      </p:sp>
+      <p:sp>
+        <p:nvSpPr>
+          <p:cNvPr id="6" name="Content Placeholder 5"/>
+          <p:cNvSpPr>
+            <a:spLocks noGrp="1"/>
+          </p:cNvSpPr>
+          <p:nvPr>
+            <p:ph idx="1"/>
+          </p:nvPr>
+        </p:nvSpPr>
+        <p:spPr>
+          <a:xfrm>
+            <a:off x="838200" y="1825625"/>
+            <a:ext cx="10668000" cy="4351338"/>
+          </a:xfrm>
+        </p:spPr>
+        <p:txBody>
+          <a:bodyPr/>
+          <a:lstStyle/>
+          <a:p>
+            <a:pPr>
+              <a:lnSpc>
+                <a:spcPct val="100000"/>
+              </a:lnSpc>
+              <a:spcBef>
+                <a:spcPts val="0"/>
+              </a:spcBef>
+            </a:pPr>
+            <a:r>
+              <a:rPr lang="en-US" sz="1800" dirty="0" smtClean="0"/>
+              <a:t>Scripting / automation; making my life easier</a:t>
+            </a:r>
+          </a:p>
+          <a:p>
+            <a:pPr>
+              <a:lnSpc>
+                <a:spcPct val="100000"/>
+              </a:lnSpc>
+              <a:spcBef>
+                <a:spcPts val="0"/>
+              </a:spcBef>
+            </a:pPr>
+            <a:endParaRPr lang="en-US" sz="1800" dirty="0" smtClean="0"/>
+          </a:p>
+          <a:p>
+            <a:pPr>
+              <a:lnSpc>
+                <a:spcPct val="100000"/>
+              </a:lnSpc>
+              <a:spcBef>
+                <a:spcPts val="0"/>
+              </a:spcBef>
+            </a:pPr>
+            <a:r>
+              <a:rPr lang="en-US" sz="1800" dirty="0" smtClean="0"/>
+              <a:t>Leading </a:t>
+            </a:r>
+            <a:r>
+              <a:rPr lang="en-US" sz="1800" dirty="0" smtClean="0"/>
+              <a:t>edge of enterprise IT. DevOps is not new for unicorns but still in beginning stages in Microsoft centric enterprises</a:t>
+            </a:r>
+          </a:p>
+          <a:p>
+            <a:pPr>
+              <a:lnSpc>
+                <a:spcPct val="100000"/>
+              </a:lnSpc>
+              <a:spcBef>
+                <a:spcPts val="0"/>
+              </a:spcBef>
+            </a:pPr>
+            <a:endParaRPr lang="en-US" sz="1800" dirty="0" smtClean="0"/>
+          </a:p>
+          <a:p>
+            <a:pPr>
+              <a:lnSpc>
+                <a:spcPct val="100000"/>
+              </a:lnSpc>
+              <a:spcBef>
+                <a:spcPts val="0"/>
+              </a:spcBef>
+            </a:pPr>
+            <a:r>
+              <a:rPr lang="en-US" sz="1800" dirty="0" smtClean="0"/>
+              <a:t>People</a:t>
+            </a:r>
+            <a:r>
+              <a:rPr lang="en-US" sz="1800" dirty="0" smtClean="0"/>
+              <a:t>, Teammates, Mentorship, Learning to ask for help; Developing confidence</a:t>
+            </a:r>
+          </a:p>
+          <a:p>
+            <a:pPr>
+              <a:lnSpc>
+                <a:spcPct val="100000"/>
+              </a:lnSpc>
+              <a:spcBef>
+                <a:spcPts val="0"/>
+              </a:spcBef>
+            </a:pPr>
+            <a:endParaRPr lang="en-US" sz="1800" dirty="0" smtClean="0"/>
+          </a:p>
+          <a:p>
+            <a:pPr>
+              <a:lnSpc>
+                <a:spcPct val="100000"/>
+              </a:lnSpc>
+              <a:spcBef>
+                <a:spcPts val="0"/>
+              </a:spcBef>
+            </a:pPr>
+            <a:r>
+              <a:rPr lang="en-US" sz="1800" dirty="0" err="1" smtClean="0"/>
+              <a:t>ChatOps</a:t>
+            </a:r>
+            <a:r>
+              <a:rPr lang="en-US" sz="1800" dirty="0" smtClean="0"/>
+              <a:t>!  It has encouraged more collaboration and automation</a:t>
+            </a:r>
+          </a:p>
+          <a:p>
+            <a:pPr>
+              <a:lnSpc>
+                <a:spcPct val="100000"/>
+              </a:lnSpc>
+              <a:spcBef>
+                <a:spcPts val="0"/>
+              </a:spcBef>
+            </a:pPr>
+            <a:endParaRPr lang="en-US" sz="1800" dirty="0" smtClean="0"/>
+          </a:p>
+          <a:p>
+            <a:pPr>
+              <a:lnSpc>
+                <a:spcPct val="100000"/>
+              </a:lnSpc>
+              <a:spcBef>
+                <a:spcPts val="0"/>
+              </a:spcBef>
+            </a:pPr>
+            <a:r>
+              <a:rPr lang="en-US" sz="1800" dirty="0" smtClean="0"/>
+              <a:t>I </a:t>
+            </a:r>
+            <a:r>
+              <a:rPr lang="en-US" sz="1800" dirty="0" smtClean="0"/>
+              <a:t>have enjoyed expanding my sphere of responsibilities and interests by breaking down IT silos.  The variety and level of activity within the team has been rejuvenating</a:t>
+            </a:r>
+          </a:p>
+          <a:p>
+            <a:pPr>
+              <a:lnSpc>
+                <a:spcPct val="100000"/>
+              </a:lnSpc>
+              <a:spcBef>
+                <a:spcPts val="0"/>
+              </a:spcBef>
+            </a:pPr>
+            <a:endParaRPr lang="en-US" sz="1800" dirty="0" smtClean="0"/>
+          </a:p>
+          <a:p>
+            <a:pPr>
+              <a:lnSpc>
+                <a:spcPct val="100000"/>
+              </a:lnSpc>
+              <a:spcBef>
+                <a:spcPts val="0"/>
+              </a:spcBef>
+            </a:pPr>
+            <a:r>
+              <a:rPr lang="en-US" sz="1800" dirty="0" smtClean="0"/>
+              <a:t>The </a:t>
+            </a:r>
+            <a:r>
+              <a:rPr lang="en-US" sz="1800" dirty="0" smtClean="0"/>
+              <a:t>encouragement to experiment (fail) without the fear of punishment</a:t>
+            </a:r>
+          </a:p>
+          <a:p>
+            <a:pPr>
+              <a:lnSpc>
+                <a:spcPct val="100000"/>
+              </a:lnSpc>
+              <a:spcBef>
+                <a:spcPts val="0"/>
+              </a:spcBef>
+            </a:pPr>
+            <a:endParaRPr lang="en-US" sz="1800" dirty="0"/>
+          </a:p>
+        </p:txBody>
+      </p:sp>
+      <p:sp>
+        <p:nvSpPr>
+          <p:cNvPr id="3" name="Slide Number Placeholder 2"/>
+          <p:cNvSpPr>
+            <a:spLocks noGrp="1"/>
+          </p:cNvSpPr>
+          <p:nvPr>
+            <p:ph type="sldNum" sz="quarter" idx="4"/>
+          </p:nvPr>
+        </p:nvSpPr>
+        <p:spPr/>
+        <p:txBody>
+          <a:bodyPr/>
+          <a:lstStyle/>
+          <a:p>
+            <a:fld id="{03CBEB89-E47E-4106-9DE1-9B407DF8E52F}" type="slidenum">
+              <a:rPr lang="en-US" smtClean="0"/>
+              <a:pPr/>
+              <a:t>12</a:t>
+            </a:fld>
+            <a:endParaRPr lang="en-US"/>
+          </a:p>
+        </p:txBody>
+      </p:sp>
+    </p:spTree>
+    <p:extLst>
+      <p:ext uri="{BB962C8B-B14F-4D97-AF65-F5344CB8AC3E}">
+        <p14:creationId xmlns:p14="http://schemas.microsoft.com/office/powerpoint/2010/main" val="1676468167"/>
+      </p:ext>
+    </p:extLst>
+  </p:cSld>
+  <p:clrMapOvr>
+    <a:masterClrMapping/>
+  </p:clrMapOvr>
+  <mc:AlternateContent xmlns:mc="http://schemas.openxmlformats.org/markup-compatibility/2006" xmlns:p14="http://schemas.microsoft.com/office/powerpoint/2010/main">
+    <mc:Choice Requires="p14">
+      <p:transition p14:dur="10" advTm="14000"/>
+    </mc:Choice>
+    <mc:Fallback xmlns="">
+      <p:transition advTm="14000"/>
+    </mc:Fallback>
+  </mc:AlternateContent>
+  <p:timing>
+    <p:tnLst>
+      <p:par>
+        <p:cTn id="1" dur="indefinite" restart="never" nodeType="tmRoot"/>
+      </p:par>
+    </p:tnLst>
+  </p:timing>
+</p:sld>
+</file>
+
+<file path=ppt/slides/slide13.xml><?xml version="1.0" encoding="utf-8"?>
+<p:sld xmlns:a="http://schemas.openxmlformats.org/drawingml/2006/main" xmlns:r="http://schemas.openxmlformats.org/officeDocument/2006/relationships" xmlns:p="http://schemas.openxmlformats.org/presentationml/2006/main">
+  <p:cSld>
+    <p:spTree>
+      <p:nvGrpSpPr>
+        <p:cNvPr id="1" name=""/>
+        <p:cNvGrpSpPr/>
+        <p:nvPr/>
+      </p:nvGrpSpPr>
+      <p:grpSpPr>
+        <a:xfrm>
+          <a:off x="0" y="0"/>
+          <a:ext cx="0" cy="0"/>
+          <a:chOff x="0" y="0"/>
+          <a:chExt cx="0" cy="0"/>
+        </a:xfrm>
+      </p:grpSpPr>
+      <p:sp>
+        <p:nvSpPr>
+          <p:cNvPr id="5" name="Title 4"/>
+          <p:cNvSpPr>
+            <a:spLocks noGrp="1"/>
+          </p:cNvSpPr>
+          <p:nvPr>
+            <p:ph type="title"/>
+          </p:nvPr>
+        </p:nvSpPr>
+        <p:spPr/>
+        <p:txBody>
+          <a:bodyPr>
+            <a:normAutofit fontScale="90000"/>
+          </a:bodyPr>
+          <a:lstStyle/>
+          <a:p>
+            <a:r>
+              <a:rPr lang="en-US" dirty="0" smtClean="0"/>
+              <a:t>In their words: </a:t>
+            </a:r>
+            <a:br>
+              <a:rPr lang="en-US" dirty="0" smtClean="0"/>
+            </a:br>
+            <a:r>
+              <a:rPr lang="en-US" dirty="0" smtClean="0"/>
+              <a:t>“Least favorite part of journey”</a:t>
+            </a:r>
+            <a:endParaRPr lang="en-US" dirty="0"/>
+          </a:p>
+        </p:txBody>
+      </p:sp>
+      <p:sp>
+        <p:nvSpPr>
+          <p:cNvPr id="6" name="Content Placeholder 5"/>
+          <p:cNvSpPr>
+            <a:spLocks noGrp="1"/>
+          </p:cNvSpPr>
+          <p:nvPr>
+            <p:ph idx="1"/>
+          </p:nvPr>
+        </p:nvSpPr>
+        <p:spPr>
+          <a:xfrm>
+            <a:off x="838200" y="1825625"/>
+            <a:ext cx="10668000" cy="4351338"/>
+          </a:xfrm>
+        </p:spPr>
+        <p:txBody>
+          <a:bodyPr/>
+          <a:lstStyle/>
+          <a:p>
+            <a:pPr>
+              <a:lnSpc>
+                <a:spcPct val="100000"/>
+              </a:lnSpc>
+              <a:spcBef>
+                <a:spcPts val="0"/>
+              </a:spcBef>
+            </a:pPr>
+            <a:r>
+              <a:rPr lang="en-US" sz="2000" dirty="0" smtClean="0"/>
+              <a:t>Constant change</a:t>
+            </a:r>
+            <a:r>
+              <a:rPr lang="is-IS" sz="2000" dirty="0" smtClean="0"/>
+              <a:t>… all the experiments, not enough time to go deep</a:t>
+            </a:r>
+          </a:p>
+          <a:p>
+            <a:pPr>
+              <a:lnSpc>
+                <a:spcPct val="100000"/>
+              </a:lnSpc>
+              <a:spcBef>
+                <a:spcPts val="0"/>
+              </a:spcBef>
+            </a:pPr>
+            <a:r>
+              <a:rPr lang="is-IS" sz="2000" dirty="0" smtClean="0"/>
+              <a:t>Adapting to change is difficult, especially for those in the field for many years.  Adopting new working styles</a:t>
+            </a:r>
+          </a:p>
+          <a:p>
+            <a:pPr>
+              <a:lnSpc>
+                <a:spcPct val="100000"/>
+              </a:lnSpc>
+              <a:spcBef>
+                <a:spcPts val="0"/>
+              </a:spcBef>
+            </a:pPr>
+            <a:r>
+              <a:rPr lang="is-IS" sz="2000" dirty="0" smtClean="0"/>
+              <a:t>Not being able to devote enough time to new work</a:t>
+            </a:r>
+          </a:p>
+          <a:p>
+            <a:pPr>
+              <a:lnSpc>
+                <a:spcPct val="100000"/>
+              </a:lnSpc>
+              <a:spcBef>
+                <a:spcPts val="0"/>
+              </a:spcBef>
+            </a:pPr>
+            <a:r>
+              <a:rPr lang="is-IS" sz="2000" dirty="0" smtClean="0"/>
+              <a:t>Feeling lost, discomfort due to width and breadth of required areas; Feeling helpless</a:t>
+            </a:r>
+          </a:p>
+          <a:p>
+            <a:pPr>
+              <a:lnSpc>
+                <a:spcPct val="100000"/>
+              </a:lnSpc>
+              <a:spcBef>
+                <a:spcPts val="0"/>
+              </a:spcBef>
+            </a:pPr>
+            <a:r>
+              <a:rPr lang="is-IS" sz="2000" dirty="0" smtClean="0"/>
+              <a:t>Windows makes it harder than it needs to be</a:t>
+            </a:r>
+          </a:p>
+          <a:p>
+            <a:pPr>
+              <a:lnSpc>
+                <a:spcPct val="100000"/>
+              </a:lnSpc>
+              <a:spcBef>
+                <a:spcPts val="0"/>
+              </a:spcBef>
+            </a:pPr>
+            <a:r>
+              <a:rPr lang="is-IS" sz="2000" dirty="0" smtClean="0"/>
+              <a:t>Lack of prioritization across projects</a:t>
+            </a:r>
+          </a:p>
+          <a:p>
+            <a:pPr>
+              <a:lnSpc>
+                <a:spcPct val="100000"/>
+              </a:lnSpc>
+              <a:spcBef>
+                <a:spcPts val="0"/>
+              </a:spcBef>
+            </a:pPr>
+            <a:r>
+              <a:rPr lang="is-IS" sz="2000" dirty="0" smtClean="0"/>
+              <a:t>Not going faster with transformation</a:t>
+            </a:r>
+            <a:endParaRPr lang="en-US" sz="2000" dirty="0" smtClean="0"/>
+          </a:p>
+          <a:p>
+            <a:pPr>
+              <a:lnSpc>
+                <a:spcPct val="100000"/>
+              </a:lnSpc>
+              <a:spcBef>
+                <a:spcPts val="0"/>
+              </a:spcBef>
+            </a:pPr>
+            <a:r>
+              <a:rPr lang="en-US" sz="2000" dirty="0" smtClean="0"/>
+              <a:t>The lack of time to experiment with technologies outside my immediate areas of responsibility has been frustrating</a:t>
+            </a:r>
+          </a:p>
+        </p:txBody>
+      </p:sp>
+      <p:sp>
+        <p:nvSpPr>
+          <p:cNvPr id="3" name="Slide Number Placeholder 2"/>
+          <p:cNvSpPr>
+            <a:spLocks noGrp="1"/>
+          </p:cNvSpPr>
+          <p:nvPr>
+            <p:ph type="sldNum" sz="quarter" idx="4"/>
+          </p:nvPr>
+        </p:nvSpPr>
+        <p:spPr/>
+        <p:txBody>
+          <a:bodyPr/>
+          <a:lstStyle/>
+          <a:p>
+            <a:fld id="{03CBEB89-E47E-4106-9DE1-9B407DF8E52F}" type="slidenum">
+              <a:rPr lang="en-US" smtClean="0"/>
+              <a:pPr/>
+              <a:t>13</a:t>
+            </a:fld>
+            <a:endParaRPr lang="en-US"/>
+          </a:p>
+        </p:txBody>
+      </p:sp>
+    </p:spTree>
+    <p:extLst>
+      <p:ext uri="{BB962C8B-B14F-4D97-AF65-F5344CB8AC3E}">
+        <p14:creationId xmlns:p14="http://schemas.microsoft.com/office/powerpoint/2010/main" val="1244699225"/>
+      </p:ext>
+    </p:extLst>
+  </p:cSld>
+  <p:clrMapOvr>
+    <a:masterClrMapping/>
+  </p:clrMapOvr>
+  <mc:AlternateContent xmlns:mc="http://schemas.openxmlformats.org/markup-compatibility/2006" xmlns:p14="http://schemas.microsoft.com/office/powerpoint/2010/main">
+    <mc:Choice Requires="p14">
+      <p:transition p14:dur="10" advTm="14000"/>
+    </mc:Choice>
+    <mc:Fallback xmlns="">
+      <p:transition advTm="14000"/>
+    </mc:Fallback>
+  </mc:AlternateContent>
+  <p:timing>
+    <p:tnLst>
+      <p:par>
+        <p:cTn id="1" dur="indefinite" restart="never" nodeType="tmRoot"/>
+      </p:par>
+    </p:tnLst>
+  </p:timing>
+</p:sld>
+</file>
+
+<file path=ppt/slides/slide14.xml><?xml version="1.0" encoding="utf-8"?>
+<p:sld xmlns:a="http://schemas.openxmlformats.org/drawingml/2006/main" xmlns:r="http://schemas.openxmlformats.org/officeDocument/2006/relationships" xmlns:p="http://schemas.openxmlformats.org/presentationml/2006/main">
+  <p:cSld>
+    <p:spTree>
+      <p:nvGrpSpPr>
+        <p:cNvPr id="1" name=""/>
+        <p:cNvGrpSpPr/>
+        <p:nvPr/>
+      </p:nvGrpSpPr>
+      <p:grpSpPr>
+        <a:xfrm>
+          <a:off x="0" y="0"/>
+          <a:ext cx="0" cy="0"/>
+          <a:chOff x="0" y="0"/>
+          <a:chExt cx="0" cy="0"/>
+        </a:xfrm>
+      </p:grpSpPr>
+      <p:sp>
+        <p:nvSpPr>
+          <p:cNvPr id="5" name="Title 4"/>
+          <p:cNvSpPr>
+            <a:spLocks noGrp="1"/>
+          </p:cNvSpPr>
+          <p:nvPr>
+            <p:ph type="title"/>
+          </p:nvPr>
+        </p:nvSpPr>
+        <p:spPr/>
+        <p:txBody>
+          <a:bodyPr>
+            <a:normAutofit/>
+          </a:bodyPr>
+          <a:lstStyle/>
+          <a:p>
+            <a:r>
+              <a:rPr lang="en-US" dirty="0" smtClean="0"/>
+              <a:t>In their words: </a:t>
+            </a:r>
+            <a:br>
+              <a:rPr lang="en-US" dirty="0" smtClean="0"/>
+            </a:br>
+            <a:r>
+              <a:rPr lang="en-US" dirty="0" smtClean="0"/>
+              <a:t>“Advice for 2015 self”</a:t>
+            </a:r>
+            <a:endParaRPr lang="en-US" dirty="0"/>
+          </a:p>
+        </p:txBody>
+      </p:sp>
+      <p:sp>
+        <p:nvSpPr>
+          <p:cNvPr id="6" name="Content Placeholder 5"/>
+          <p:cNvSpPr>
+            <a:spLocks noGrp="1"/>
+          </p:cNvSpPr>
+          <p:nvPr>
+            <p:ph idx="1"/>
+          </p:nvPr>
+        </p:nvSpPr>
+        <p:spPr>
+          <a:xfrm>
+            <a:off x="838200" y="1825625"/>
+            <a:ext cx="10668000" cy="4351338"/>
+          </a:xfrm>
+        </p:spPr>
+        <p:txBody>
+          <a:bodyPr/>
+          <a:lstStyle/>
+          <a:p>
+            <a:pPr>
+              <a:lnSpc>
+                <a:spcPct val="100000"/>
+              </a:lnSpc>
+              <a:spcBef>
+                <a:spcPts val="0"/>
+              </a:spcBef>
+            </a:pPr>
+            <a:r>
+              <a:rPr lang="en-US" sz="2000" dirty="0" smtClean="0"/>
+              <a:t>Don’t be afraid to fail; Don’t be afraid to learn from prior mistakes; Jump in and experiment</a:t>
+            </a:r>
+          </a:p>
+          <a:p>
+            <a:pPr>
+              <a:lnSpc>
+                <a:spcPct val="100000"/>
+              </a:lnSpc>
+              <a:spcBef>
+                <a:spcPts val="0"/>
+              </a:spcBef>
+            </a:pPr>
+            <a:r>
+              <a:rPr lang="en-US" sz="2000" dirty="0" smtClean="0"/>
+              <a:t>Be ready, have patience and be open to learning new things</a:t>
+            </a:r>
+          </a:p>
+          <a:p>
+            <a:pPr>
+              <a:lnSpc>
+                <a:spcPct val="100000"/>
+              </a:lnSpc>
+              <a:spcBef>
+                <a:spcPts val="0"/>
+              </a:spcBef>
+            </a:pPr>
+            <a:r>
+              <a:rPr lang="en-US" sz="2000" dirty="0" smtClean="0"/>
+              <a:t>Don’t be overwhelmed by DevOps nirvana</a:t>
+            </a:r>
+            <a:r>
+              <a:rPr lang="is-IS" sz="2000" dirty="0" smtClean="0"/>
+              <a:t>…try to stay focused on incremental improvements.  Each improvement is like a savings deposit that will compound over time</a:t>
+            </a:r>
+          </a:p>
+          <a:p>
+            <a:pPr>
+              <a:lnSpc>
+                <a:spcPct val="100000"/>
+              </a:lnSpc>
+              <a:spcBef>
+                <a:spcPts val="0"/>
+              </a:spcBef>
+            </a:pPr>
+            <a:r>
+              <a:rPr lang="is-IS" sz="2000" dirty="0" smtClean="0"/>
+              <a:t>Your existing skills are becoming obsolete and your expertise is at risk; Find a way to get started on new ideas</a:t>
+            </a:r>
+          </a:p>
+          <a:p>
+            <a:pPr>
+              <a:lnSpc>
+                <a:spcPct val="100000"/>
+              </a:lnSpc>
+              <a:spcBef>
+                <a:spcPts val="0"/>
+              </a:spcBef>
+            </a:pPr>
+            <a:r>
+              <a:rPr lang="is-IS" sz="2000" dirty="0" smtClean="0"/>
+              <a:t>Don’t be afraid to ask for help; experts are excited and enthusiastic about helping; Don’t give up</a:t>
+            </a:r>
+          </a:p>
+          <a:p>
+            <a:pPr>
+              <a:lnSpc>
+                <a:spcPct val="100000"/>
+              </a:lnSpc>
+              <a:spcBef>
+                <a:spcPts val="0"/>
+              </a:spcBef>
+            </a:pPr>
+            <a:r>
+              <a:rPr lang="is-IS" sz="2000" dirty="0" smtClean="0"/>
+              <a:t>Prepare for a lot of change; be willing to embrace the change; Reflect on why you do things...is it still valid?  Was it ever valid?</a:t>
+            </a:r>
+          </a:p>
+        </p:txBody>
+      </p:sp>
+      <p:sp>
+        <p:nvSpPr>
+          <p:cNvPr id="3" name="Slide Number Placeholder 2"/>
+          <p:cNvSpPr>
+            <a:spLocks noGrp="1"/>
+          </p:cNvSpPr>
+          <p:nvPr>
+            <p:ph type="sldNum" sz="quarter" idx="4"/>
+          </p:nvPr>
+        </p:nvSpPr>
+        <p:spPr/>
+        <p:txBody>
+          <a:bodyPr/>
+          <a:lstStyle/>
+          <a:p>
+            <a:fld id="{03CBEB89-E47E-4106-9DE1-9B407DF8E52F}" type="slidenum">
+              <a:rPr lang="en-US" smtClean="0"/>
+              <a:pPr/>
+              <a:t>14</a:t>
+            </a:fld>
+            <a:endParaRPr lang="en-US"/>
+          </a:p>
+        </p:txBody>
+      </p:sp>
+    </p:spTree>
+    <p:extLst>
+      <p:ext uri="{BB962C8B-B14F-4D97-AF65-F5344CB8AC3E}">
+        <p14:creationId xmlns:p14="http://schemas.microsoft.com/office/powerpoint/2010/main" val="2061612671"/>
+      </p:ext>
+    </p:extLst>
+  </p:cSld>
+  <p:clrMapOvr>
+    <a:masterClrMapping/>
+  </p:clrMapOvr>
+  <mc:AlternateContent xmlns:mc="http://schemas.openxmlformats.org/markup-compatibility/2006" xmlns:p14="http://schemas.microsoft.com/office/powerpoint/2010/main">
+    <mc:Choice Requires="p14">
+      <p:transition p14:dur="10" advTm="14000"/>
+    </mc:Choice>
+    <mc:Fallback xmlns="">
+      <p:transition advTm="14000"/>
+    </mc:Fallback>
+  </mc:AlternateContent>
+  <p:timing>
+    <p:tnLst>
+      <p:par>
+        <p:cTn id="1" dur="indefinite" restart="never" nodeType="tmRoot"/>
+      </p:par>
+    </p:tnLst>
+  </p:timing>
+</p:sld>
+</file>
+
+<file path=ppt/slides/slide15.xml><?xml version="1.0" encoding="utf-8"?>
+<p:sld xmlns:a="http://schemas.openxmlformats.org/drawingml/2006/main" xmlns:r="http://schemas.openxmlformats.org/officeDocument/2006/relationships" xmlns:p="http://schemas.openxmlformats.org/presentationml/2006/main">
+  <p:cSld>
+    <p:spTree>
+      <p:nvGrpSpPr>
+        <p:cNvPr id="1" name=""/>
+        <p:cNvGrpSpPr/>
+        <p:nvPr/>
+      </p:nvGrpSpPr>
+      <p:grpSpPr>
+        <a:xfrm>
+          <a:off x="0" y="0"/>
+          <a:ext cx="0" cy="0"/>
+          <a:chOff x="0" y="0"/>
+          <a:chExt cx="0" cy="0"/>
+        </a:xfrm>
+      </p:grpSpPr>
+      <p:sp>
+        <p:nvSpPr>
+          <p:cNvPr id="5" name="Title 4"/>
+          <p:cNvSpPr>
+            <a:spLocks noGrp="1"/>
+          </p:cNvSpPr>
+          <p:nvPr>
+            <p:ph type="title"/>
+          </p:nvPr>
+        </p:nvSpPr>
+        <p:spPr/>
+        <p:txBody>
+          <a:bodyPr>
+            <a:normAutofit/>
+          </a:bodyPr>
+          <a:lstStyle/>
+          <a:p>
+            <a:r>
+              <a:rPr lang="en-US" dirty="0" smtClean="0"/>
+              <a:t>In their words: </a:t>
+            </a:r>
+            <a:br>
+              <a:rPr lang="en-US" dirty="0" smtClean="0"/>
+            </a:br>
+            <a:r>
+              <a:rPr lang="en-US" dirty="0" smtClean="0"/>
+              <a:t>“What are you anticipating”</a:t>
+            </a:r>
+            <a:endParaRPr lang="en-US" dirty="0"/>
+          </a:p>
+        </p:txBody>
+      </p:sp>
+      <p:sp>
+        <p:nvSpPr>
+          <p:cNvPr id="6" name="Content Placeholder 5"/>
+          <p:cNvSpPr>
+            <a:spLocks noGrp="1"/>
+          </p:cNvSpPr>
+          <p:nvPr>
+            <p:ph idx="1"/>
+          </p:nvPr>
+        </p:nvSpPr>
+        <p:spPr>
+          <a:xfrm>
+            <a:off x="838200" y="1825625"/>
+            <a:ext cx="10668000" cy="4351338"/>
+          </a:xfrm>
+        </p:spPr>
+        <p:txBody>
+          <a:bodyPr/>
+          <a:lstStyle/>
+          <a:p>
+            <a:pPr>
+              <a:lnSpc>
+                <a:spcPct val="100000"/>
+              </a:lnSpc>
+              <a:spcBef>
+                <a:spcPts val="0"/>
+              </a:spcBef>
+            </a:pPr>
+            <a:r>
+              <a:rPr lang="en-US" sz="2000" dirty="0" smtClean="0"/>
+              <a:t>Going deeper with CHEF</a:t>
+            </a:r>
+          </a:p>
+          <a:p>
+            <a:pPr>
+              <a:lnSpc>
+                <a:spcPct val="100000"/>
+              </a:lnSpc>
+              <a:spcBef>
+                <a:spcPts val="0"/>
+              </a:spcBef>
+            </a:pPr>
+            <a:r>
+              <a:rPr lang="en-US" sz="2000" dirty="0" smtClean="0"/>
+              <a:t>Applying our practices to the public cloud</a:t>
+            </a:r>
+          </a:p>
+          <a:p>
+            <a:pPr>
+              <a:lnSpc>
+                <a:spcPct val="100000"/>
+              </a:lnSpc>
+              <a:spcBef>
+                <a:spcPts val="0"/>
+              </a:spcBef>
+            </a:pPr>
+            <a:r>
+              <a:rPr lang="is-IS" sz="2000" dirty="0" smtClean="0"/>
+              <a:t>Growing new skills, security automation, collaboration</a:t>
+            </a:r>
+          </a:p>
+          <a:p>
+            <a:pPr>
+              <a:lnSpc>
+                <a:spcPct val="100000"/>
+              </a:lnSpc>
+              <a:spcBef>
+                <a:spcPts val="0"/>
+              </a:spcBef>
+            </a:pPr>
+            <a:r>
+              <a:rPr lang="is-IS" sz="2000" dirty="0" smtClean="0"/>
+              <a:t>Influening future implementations / buying decisions at Columbia</a:t>
+            </a:r>
+          </a:p>
+          <a:p>
+            <a:pPr>
+              <a:lnSpc>
+                <a:spcPct val="100000"/>
+              </a:lnSpc>
+              <a:spcBef>
+                <a:spcPts val="0"/>
+              </a:spcBef>
+            </a:pPr>
+            <a:r>
+              <a:rPr lang="is-IS" sz="2000" dirty="0" smtClean="0"/>
+              <a:t>Migration of Columbia to public could</a:t>
+            </a:r>
+          </a:p>
+          <a:p>
+            <a:pPr>
+              <a:lnSpc>
+                <a:spcPct val="100000"/>
+              </a:lnSpc>
+              <a:spcBef>
+                <a:spcPts val="0"/>
+              </a:spcBef>
+            </a:pPr>
+            <a:r>
+              <a:rPr lang="is-IS" sz="2000" dirty="0" smtClean="0"/>
+              <a:t>More transformation; more public cloud</a:t>
+            </a:r>
+          </a:p>
+          <a:p>
+            <a:pPr>
+              <a:lnSpc>
+                <a:spcPct val="100000"/>
+              </a:lnSpc>
+              <a:spcBef>
+                <a:spcPts val="0"/>
+              </a:spcBef>
+            </a:pPr>
+            <a:r>
+              <a:rPr lang="is-IS" sz="2000" dirty="0" smtClean="0"/>
+              <a:t>Getting better; Public cloud</a:t>
+            </a:r>
+          </a:p>
+        </p:txBody>
+      </p:sp>
+      <p:sp>
+        <p:nvSpPr>
+          <p:cNvPr id="3" name="Slide Number Placeholder 2"/>
+          <p:cNvSpPr>
+            <a:spLocks noGrp="1"/>
+          </p:cNvSpPr>
+          <p:nvPr>
+            <p:ph type="sldNum" sz="quarter" idx="4"/>
+          </p:nvPr>
+        </p:nvSpPr>
+        <p:spPr/>
+        <p:txBody>
+          <a:bodyPr/>
+          <a:lstStyle/>
+          <a:p>
+            <a:fld id="{03CBEB89-E47E-4106-9DE1-9B407DF8E52F}" type="slidenum">
+              <a:rPr lang="en-US" smtClean="0"/>
+              <a:pPr/>
+              <a:t>15</a:t>
+            </a:fld>
+            <a:endParaRPr lang="en-US"/>
+          </a:p>
+        </p:txBody>
+      </p:sp>
+    </p:spTree>
+    <p:extLst>
+      <p:ext uri="{BB962C8B-B14F-4D97-AF65-F5344CB8AC3E}">
+        <p14:creationId xmlns:p14="http://schemas.microsoft.com/office/powerpoint/2010/main" val="1613329489"/>
+      </p:ext>
+    </p:extLst>
+  </p:cSld>
+  <p:clrMapOvr>
+    <a:masterClrMapping/>
+  </p:clrMapOvr>
+  <mc:AlternateContent xmlns:mc="http://schemas.openxmlformats.org/markup-compatibility/2006" xmlns:p14="http://schemas.microsoft.com/office/powerpoint/2010/main">
+    <mc:Choice Requires="p14">
+      <p:transition p14:dur="10" advTm="14000"/>
+    </mc:Choice>
+    <mc:Fallback xmlns="">
+      <p:transition advTm="14000"/>
+    </mc:Fallback>
+  </mc:AlternateContent>
+  <p:timing>
+    <p:tnLst>
+      <p:par>
+        <p:cTn id="1" dur="indefinite" restart="never" nodeType="tmRoot"/>
+      </p:par>
+    </p:tnLst>
+  </p:timing>
+</p:sld>
+</file>
+
+<file path=ppt/slides/slide16.xml><?xml version="1.0" encoding="utf-8"?>
+<p:sld xmlns:a="http://schemas.openxmlformats.org/drawingml/2006/main" xmlns:r="http://schemas.openxmlformats.org/officeDocument/2006/relationships" xmlns:p="http://schemas.openxmlformats.org/presentationml/2006/main">
+  <p:cSld>
+    <p:spTree>
+      <p:nvGrpSpPr>
+        <p:cNvPr id="1" name=""/>
+        <p:cNvGrpSpPr/>
+        <p:nvPr/>
+      </p:nvGrpSpPr>
+      <p:grpSpPr>
+        <a:xfrm>
+          <a:off x="0" y="0"/>
+          <a:ext cx="0" cy="0"/>
+          <a:chOff x="0" y="0"/>
+          <a:chExt cx="0" cy="0"/>
+        </a:xfrm>
+      </p:grpSpPr>
+      <p:sp>
+        <p:nvSpPr>
+          <p:cNvPr id="2" name="Title 1"/>
+          <p:cNvSpPr>
+            <a:spLocks noGrp="1"/>
+          </p:cNvSpPr>
+          <p:nvPr>
+            <p:ph type="title"/>
+          </p:nvPr>
+        </p:nvSpPr>
+        <p:spPr/>
+        <p:txBody>
+          <a:bodyPr/>
+          <a:lstStyle/>
+          <a:p>
+            <a:endParaRPr lang="en-US"/>
+          </a:p>
+        </p:txBody>
+      </p:sp>
+      <p:sp>
+        <p:nvSpPr>
+          <p:cNvPr id="3" name="Content Placeholder 2"/>
+          <p:cNvSpPr>
+            <a:spLocks noGrp="1"/>
+          </p:cNvSpPr>
+          <p:nvPr>
+            <p:ph idx="1"/>
+          </p:nvPr>
+        </p:nvSpPr>
+        <p:spPr/>
+        <p:txBody>
+          <a:bodyPr/>
+          <a:lstStyle/>
+          <a:p>
+            <a:endParaRPr lang="en-US"/>
+          </a:p>
+        </p:txBody>
+      </p:sp>
+      <p:sp>
+        <p:nvSpPr>
+          <p:cNvPr id="4" name="Slide Number Placeholder 3"/>
+          <p:cNvSpPr>
+            <a:spLocks noGrp="1"/>
+          </p:cNvSpPr>
+          <p:nvPr>
+            <p:ph type="sldNum" sz="quarter" idx="4"/>
+          </p:nvPr>
+        </p:nvSpPr>
+        <p:spPr/>
+        <p:txBody>
+          <a:bodyPr/>
+          <a:lstStyle/>
+          <a:p>
+            <a:fld id="{03CBEB89-E47E-4106-9DE1-9B407DF8E52F}" type="slidenum">
+              <a:rPr lang="en-US" smtClean="0"/>
+              <a:pPr/>
+              <a:t>16</a:t>
+            </a:fld>
+            <a:endParaRPr lang="en-US"/>
+          </a:p>
+        </p:txBody>
+      </p:sp>
+    </p:spTree>
+    <p:extLst>
+      <p:ext uri="{BB962C8B-B14F-4D97-AF65-F5344CB8AC3E}">
+        <p14:creationId xmlns:p14="http://schemas.microsoft.com/office/powerpoint/2010/main" val="1851660670"/>
+      </p:ext>
+    </p:extLst>
+  </p:cSld>
+  <p:clrMapOvr>
+    <a:masterClrMapping/>
+  </p:clrMapOvr>
+  <mc:AlternateContent xmlns:mc="http://schemas.openxmlformats.org/markup-compatibility/2006" xmlns:p14="http://schemas.microsoft.com/office/powerpoint/2010/main">
+    <mc:Choice Requires="p14">
+      <p:transition p14:dur="10" advTm="14000"/>
+    </mc:Choice>
+    <mc:Fallback xmlns="">
+      <p:transition advTm="14000"/>
+    </mc:Fallback>
+  </mc:AlternateContent>
+</p:sld>
+</file>
+
+<file path=ppt/slides/slide17.xml><?xml version="1.0" encoding="utf-8"?>
+<p:sld xmlns:a="http://schemas.openxmlformats.org/drawingml/2006/main" xmlns:r="http://schemas.openxmlformats.org/officeDocument/2006/relationships" xmlns:p="http://schemas.openxmlformats.org/presentationml/2006/main">
+  <p:cSld>
+    <p:spTree>
+      <p:nvGrpSpPr>
+        <p:cNvPr id="1" name=""/>
+        <p:cNvGrpSpPr/>
+        <p:nvPr/>
+      </p:nvGrpSpPr>
+      <p:grpSpPr>
+        <a:xfrm>
+          <a:off x="0" y="0"/>
+          <a:ext cx="0" cy="0"/>
+          <a:chOff x="0" y="0"/>
+          <a:chExt cx="0" cy="0"/>
+        </a:xfrm>
+      </p:grpSpPr>
+      <p:sp>
+        <p:nvSpPr>
+          <p:cNvPr id="5" name="Title 4"/>
+          <p:cNvSpPr>
+            <a:spLocks noGrp="1"/>
+          </p:cNvSpPr>
+          <p:nvPr>
+            <p:ph type="title"/>
+          </p:nvPr>
+        </p:nvSpPr>
+        <p:spPr/>
+        <p:txBody>
+          <a:bodyPr/>
+          <a:lstStyle/>
+          <a:p>
+            <a:r>
+              <a:rPr lang="en-US" dirty="0" smtClean="0"/>
+              <a:t>In their words: </a:t>
+            </a:r>
+            <a:endParaRPr lang="en-US" dirty="0"/>
+          </a:p>
+        </p:txBody>
+      </p:sp>
+      <p:sp>
+        <p:nvSpPr>
+          <p:cNvPr id="6" name="Content Placeholder 5"/>
+          <p:cNvSpPr>
+            <a:spLocks noGrp="1"/>
+          </p:cNvSpPr>
+          <p:nvPr>
+            <p:ph idx="1"/>
+          </p:nvPr>
+        </p:nvSpPr>
+        <p:spPr>
+          <a:xfrm>
+            <a:off x="838200" y="1825625"/>
+            <a:ext cx="10668000" cy="4351338"/>
+          </a:xfrm>
+        </p:spPr>
+        <p:txBody>
+          <a:bodyPr/>
+          <a:lstStyle/>
+          <a:p>
+            <a:pPr marL="457200" indent="-457200">
+              <a:lnSpc>
+                <a:spcPct val="100000"/>
+              </a:lnSpc>
+              <a:spcBef>
+                <a:spcPts val="0"/>
+              </a:spcBef>
+              <a:buFont typeface="+mj-lt"/>
+              <a:buAutoNum type="arabicPeriod"/>
+            </a:pPr>
+            <a:r>
+              <a:rPr lang="en-US" sz="2000" dirty="0"/>
+              <a:t>How would you describe the journey we’ve been own over the last 2 years</a:t>
+            </a:r>
+            <a:r>
+              <a:rPr lang="en-US" sz="2000" dirty="0" smtClean="0"/>
+              <a:t>?</a:t>
+            </a:r>
+          </a:p>
+          <a:p>
+            <a:pPr marL="457200" indent="-457200">
+              <a:lnSpc>
+                <a:spcPct val="100000"/>
+              </a:lnSpc>
+              <a:spcBef>
+                <a:spcPts val="0"/>
+              </a:spcBef>
+              <a:buFont typeface="+mj-lt"/>
+              <a:buAutoNum type="arabicPeriod"/>
+            </a:pPr>
+            <a:endParaRPr lang="en-US" sz="2000" dirty="0" smtClean="0"/>
+          </a:p>
+          <a:p>
+            <a:pPr marL="457200" indent="-457200">
+              <a:lnSpc>
+                <a:spcPct val="100000"/>
+              </a:lnSpc>
+              <a:spcBef>
+                <a:spcPts val="0"/>
+              </a:spcBef>
+              <a:buFont typeface="+mj-lt"/>
+              <a:buAutoNum type="arabicPeriod"/>
+            </a:pPr>
+            <a:r>
+              <a:rPr lang="en-US" sz="2000" dirty="0"/>
+              <a:t>What’s been your favorite aspect of this journey</a:t>
+            </a:r>
+            <a:r>
+              <a:rPr lang="en-US" sz="2000" dirty="0" smtClean="0"/>
+              <a:t>?</a:t>
+            </a:r>
+          </a:p>
+          <a:p>
+            <a:pPr marL="457200" indent="-457200">
+              <a:lnSpc>
+                <a:spcPct val="100000"/>
+              </a:lnSpc>
+              <a:spcBef>
+                <a:spcPts val="0"/>
+              </a:spcBef>
+              <a:buFont typeface="+mj-lt"/>
+              <a:buAutoNum type="arabicPeriod"/>
+            </a:pPr>
+            <a:endParaRPr lang="en-US" sz="2000" dirty="0" smtClean="0"/>
+          </a:p>
+          <a:p>
+            <a:pPr marL="457200" indent="-457200">
+              <a:lnSpc>
+                <a:spcPct val="100000"/>
+              </a:lnSpc>
+              <a:spcBef>
+                <a:spcPts val="0"/>
+              </a:spcBef>
+              <a:buFont typeface="+mj-lt"/>
+              <a:buAutoNum type="arabicPeriod"/>
+            </a:pPr>
+            <a:r>
+              <a:rPr lang="en-US" sz="2000" dirty="0" smtClean="0"/>
+              <a:t>What’s </a:t>
+            </a:r>
+            <a:r>
+              <a:rPr lang="en-US" sz="2000" dirty="0"/>
+              <a:t>been your least favorite aspect of this journey?</a:t>
+            </a:r>
+            <a:endParaRPr lang="en-US" sz="2000" dirty="0" smtClean="0"/>
+          </a:p>
+          <a:p>
+            <a:pPr marL="457200" indent="-457200">
+              <a:lnSpc>
+                <a:spcPct val="100000"/>
+              </a:lnSpc>
+              <a:spcBef>
+                <a:spcPts val="0"/>
+              </a:spcBef>
+              <a:buFont typeface="+mj-lt"/>
+              <a:buAutoNum type="arabicPeriod"/>
+            </a:pPr>
+            <a:endParaRPr lang="en-US" sz="2000" dirty="0" smtClean="0"/>
+          </a:p>
+          <a:p>
+            <a:pPr marL="457200" indent="-457200">
+              <a:lnSpc>
+                <a:spcPct val="100000"/>
+              </a:lnSpc>
+              <a:spcBef>
+                <a:spcPts val="0"/>
+              </a:spcBef>
+              <a:buFont typeface="+mj-lt"/>
+              <a:buAutoNum type="arabicPeriod"/>
+            </a:pPr>
+            <a:r>
+              <a:rPr lang="en-US" sz="2000" dirty="0" smtClean="0"/>
+              <a:t>What </a:t>
+            </a:r>
+            <a:r>
+              <a:rPr lang="en-US" sz="2000" dirty="0"/>
+              <a:t>would you tell your “2015 self” about the journey you are about to go on</a:t>
+            </a:r>
+            <a:r>
+              <a:rPr lang="en-US" sz="2000" dirty="0" smtClean="0"/>
+              <a:t>?</a:t>
+            </a:r>
+          </a:p>
+          <a:p>
+            <a:pPr marL="457200" indent="-457200">
+              <a:lnSpc>
+                <a:spcPct val="100000"/>
+              </a:lnSpc>
+              <a:spcBef>
+                <a:spcPts val="0"/>
+              </a:spcBef>
+              <a:buFont typeface="+mj-lt"/>
+              <a:buAutoNum type="arabicPeriod"/>
+            </a:pPr>
+            <a:endParaRPr lang="en-US" sz="2000" dirty="0" smtClean="0"/>
+          </a:p>
+          <a:p>
+            <a:pPr marL="457200" indent="-457200">
+              <a:lnSpc>
+                <a:spcPct val="100000"/>
+              </a:lnSpc>
+              <a:spcBef>
+                <a:spcPts val="0"/>
+              </a:spcBef>
+              <a:buFont typeface="+mj-lt"/>
+              <a:buAutoNum type="arabicPeriod"/>
+            </a:pPr>
+            <a:r>
+              <a:rPr lang="en-US" sz="2000" dirty="0" smtClean="0"/>
+              <a:t>What </a:t>
+            </a:r>
+            <a:r>
+              <a:rPr lang="en-US" sz="2000" dirty="0"/>
+              <a:t>are </a:t>
+            </a:r>
+            <a:r>
+              <a:rPr lang="en-US" sz="2000" dirty="0" smtClean="0"/>
+              <a:t>you </a:t>
+            </a:r>
+            <a:r>
+              <a:rPr lang="en-US" sz="2000" dirty="0"/>
+              <a:t>most eagerly anticipating over the next 2 years</a:t>
+            </a:r>
+            <a:r>
+              <a:rPr lang="en-US" sz="2000" dirty="0" smtClean="0"/>
+              <a:t>?</a:t>
+            </a:r>
+          </a:p>
+          <a:p>
+            <a:pPr marL="457200" indent="-457200">
+              <a:lnSpc>
+                <a:spcPct val="100000"/>
+              </a:lnSpc>
+              <a:spcBef>
+                <a:spcPts val="0"/>
+              </a:spcBef>
+              <a:buFont typeface="+mj-lt"/>
+              <a:buAutoNum type="arabicPeriod"/>
+            </a:pPr>
+            <a:endParaRPr lang="en-US" sz="2000" dirty="0" smtClean="0"/>
+          </a:p>
+          <a:p>
+            <a:pPr marL="457200" indent="-457200">
+              <a:lnSpc>
+                <a:spcPct val="100000"/>
+              </a:lnSpc>
+              <a:spcBef>
+                <a:spcPts val="0"/>
+              </a:spcBef>
+              <a:buFont typeface="+mj-lt"/>
+              <a:buAutoNum type="arabicPeriod"/>
+            </a:pPr>
+            <a:r>
+              <a:rPr lang="en-US" sz="2000" dirty="0" smtClean="0"/>
+              <a:t>If </a:t>
+            </a:r>
+            <a:r>
+              <a:rPr lang="en-US" sz="2000" dirty="0"/>
+              <a:t>you had unlimited resources and control, what would be the one thing you would change going forward?</a:t>
+            </a:r>
+          </a:p>
+        </p:txBody>
+      </p:sp>
+      <p:sp>
+        <p:nvSpPr>
+          <p:cNvPr id="3" name="Slide Number Placeholder 2"/>
+          <p:cNvSpPr>
+            <a:spLocks noGrp="1"/>
+          </p:cNvSpPr>
+          <p:nvPr>
+            <p:ph type="sldNum" sz="quarter" idx="4"/>
+          </p:nvPr>
+        </p:nvSpPr>
+        <p:spPr/>
+        <p:txBody>
+          <a:bodyPr/>
+          <a:lstStyle/>
+          <a:p>
+            <a:fld id="{03CBEB89-E47E-4106-9DE1-9B407DF8E52F}" type="slidenum">
+              <a:rPr lang="en-US" smtClean="0"/>
+              <a:pPr/>
+              <a:t>17</a:t>
+            </a:fld>
+            <a:endParaRPr lang="en-US"/>
+          </a:p>
+        </p:txBody>
+      </p:sp>
+    </p:spTree>
+    <p:extLst>
+      <p:ext uri="{BB962C8B-B14F-4D97-AF65-F5344CB8AC3E}">
+        <p14:creationId xmlns:p14="http://schemas.microsoft.com/office/powerpoint/2010/main" val="685461505"/>
+      </p:ext>
+    </p:extLst>
+  </p:cSld>
+  <p:clrMapOvr>
+    <a:masterClrMapping/>
+  </p:clrMapOvr>
+  <mc:AlternateContent xmlns:mc="http://schemas.openxmlformats.org/markup-compatibility/2006" xmlns:p14="http://schemas.microsoft.com/office/powerpoint/2010/main">
+    <mc:Choice Requires="p14">
+      <p:transition p14:dur="10" advTm="14000"/>
+    </mc:Choice>
+    <mc:Fallback xmlns="">
+      <p:transition advTm="14000"/>
+    </mc:Fallback>
+  </mc:AlternateContent>
+  <p:timing>
+    <p:tnLst>
+      <p:par>
+        <p:cTn id="1" dur="indefinite" restart="never" nodeType="tmRoot"/>
+      </p:par>
+    </p:tnLst>
+  </p:timing>
+</p:sld>
+</file>
+
+<file path=ppt/slides/slide18.xml><?xml version="1.0" encoding="utf-8"?>
+<p:sld xmlns:a="http://schemas.openxmlformats.org/drawingml/2006/main" xmlns:r="http://schemas.openxmlformats.org/officeDocument/2006/relationships" xmlns:p="http://schemas.openxmlformats.org/presentationml/2006/main">
+  <p:cSld>
+    <p:spTree>
+      <p:nvGrpSpPr>
+        <p:cNvPr id="1" name=""/>
+        <p:cNvGrpSpPr/>
+        <p:nvPr/>
+      </p:nvGrpSpPr>
+      <p:grpSpPr>
+        <a:xfrm>
+          <a:off x="0" y="0"/>
+          <a:ext cx="0" cy="0"/>
+          <a:chOff x="0" y="0"/>
+          <a:chExt cx="0" cy="0"/>
+        </a:xfrm>
+      </p:grpSpPr>
+      <p:sp>
+        <p:nvSpPr>
+          <p:cNvPr id="5" name="Title 4"/>
+          <p:cNvSpPr>
+            <a:spLocks noGrp="1"/>
+          </p:cNvSpPr>
+          <p:nvPr>
+            <p:ph type="title"/>
+          </p:nvPr>
+        </p:nvSpPr>
+        <p:spPr/>
+        <p:txBody>
+          <a:bodyPr/>
+          <a:lstStyle/>
+          <a:p>
+            <a:r>
+              <a:rPr lang="en-US" dirty="0" smtClean="0"/>
+              <a:t>In their words: </a:t>
+            </a:r>
+            <a:br>
+              <a:rPr lang="en-US" dirty="0" smtClean="0"/>
+            </a:br>
+            <a:r>
+              <a:rPr lang="en-US" dirty="0" smtClean="0"/>
+              <a:t>“Describe the journey”</a:t>
+            </a:r>
+            <a:endParaRPr lang="en-US" dirty="0"/>
+          </a:p>
+        </p:txBody>
+      </p:sp>
+      <p:sp>
+        <p:nvSpPr>
+          <p:cNvPr id="6" name="Content Placeholder 5"/>
+          <p:cNvSpPr>
+            <a:spLocks noGrp="1"/>
+          </p:cNvSpPr>
+          <p:nvPr>
+            <p:ph idx="1"/>
+          </p:nvPr>
+        </p:nvSpPr>
+        <p:spPr>
+          <a:xfrm>
+            <a:off x="838200" y="1825625"/>
+            <a:ext cx="10668000" cy="4351338"/>
+          </a:xfrm>
+        </p:spPr>
+        <p:txBody>
+          <a:bodyPr/>
+          <a:lstStyle/>
+          <a:p>
+            <a:pPr>
+              <a:lnSpc>
+                <a:spcPct val="100000"/>
+              </a:lnSpc>
+              <a:spcBef>
+                <a:spcPts val="0"/>
+              </a:spcBef>
+            </a:pPr>
+            <a:r>
+              <a:rPr lang="en-US" sz="2000" dirty="0" smtClean="0"/>
+              <a:t>Scary treading into the unknown</a:t>
+            </a:r>
+          </a:p>
+          <a:p>
+            <a:pPr>
+              <a:lnSpc>
+                <a:spcPct val="100000"/>
+              </a:lnSpc>
+              <a:spcBef>
+                <a:spcPts val="0"/>
+              </a:spcBef>
+            </a:pPr>
+            <a:r>
+              <a:rPr lang="en-US" sz="2000" dirty="0" smtClean="0"/>
+              <a:t>It has given me ability to stretch and grow</a:t>
+            </a:r>
+          </a:p>
+          <a:p>
+            <a:pPr>
+              <a:lnSpc>
+                <a:spcPct val="100000"/>
+              </a:lnSpc>
+              <a:spcBef>
+                <a:spcPts val="0"/>
+              </a:spcBef>
+            </a:pPr>
+            <a:r>
+              <a:rPr lang="en-US" sz="2000" dirty="0" smtClean="0"/>
+              <a:t>Rewarding, bumpy, and lots of self doubt, definitely felt like an imposter.  Eventually: “I can do things, I can grow”</a:t>
+            </a:r>
+          </a:p>
+          <a:p>
+            <a:pPr>
+              <a:lnSpc>
+                <a:spcPct val="100000"/>
+              </a:lnSpc>
+              <a:spcBef>
+                <a:spcPts val="0"/>
+              </a:spcBef>
+            </a:pPr>
+            <a:r>
+              <a:rPr lang="en-US" sz="2000" dirty="0" smtClean="0"/>
+              <a:t>The path has been both invigorating and frustrating; but the journey has been work it.  </a:t>
+            </a:r>
+          </a:p>
+          <a:p>
+            <a:pPr>
+              <a:lnSpc>
+                <a:spcPct val="100000"/>
+              </a:lnSpc>
+              <a:spcBef>
+                <a:spcPts val="0"/>
+              </a:spcBef>
+            </a:pPr>
+            <a:r>
+              <a:rPr lang="en-US" sz="2000" dirty="0" smtClean="0"/>
+              <a:t>Difficult + stressful: hard balancing DevOps, Maintenance, Support</a:t>
+            </a:r>
+          </a:p>
+          <a:p>
+            <a:pPr>
+              <a:lnSpc>
+                <a:spcPct val="100000"/>
+              </a:lnSpc>
+              <a:spcBef>
+                <a:spcPts val="0"/>
+              </a:spcBef>
+            </a:pPr>
+            <a:r>
+              <a:rPr lang="en-US" sz="2000" dirty="0" smtClean="0"/>
+              <a:t>Team has grown quite a bit but can regress to old ideas and mindsets; Learned quite a bit about dealing with folks I don’t agree with</a:t>
+            </a:r>
+          </a:p>
+          <a:p>
+            <a:pPr>
+              <a:lnSpc>
+                <a:spcPct val="100000"/>
+              </a:lnSpc>
+              <a:spcBef>
+                <a:spcPts val="0"/>
+              </a:spcBef>
+            </a:pPr>
+            <a:r>
+              <a:rPr lang="en-US" sz="2000" dirty="0" smtClean="0"/>
+              <a:t>Hard to ramp up due to the slew of tools, behaviors, and new ways of thinking (especially for windows admins)</a:t>
+            </a:r>
+          </a:p>
+          <a:p>
+            <a:pPr>
+              <a:lnSpc>
+                <a:spcPct val="100000"/>
+              </a:lnSpc>
+              <a:spcBef>
+                <a:spcPts val="0"/>
+              </a:spcBef>
+            </a:pPr>
+            <a:endParaRPr lang="en-US" sz="2000" dirty="0" smtClean="0"/>
+          </a:p>
+          <a:p>
+            <a:pPr>
+              <a:lnSpc>
+                <a:spcPct val="100000"/>
+              </a:lnSpc>
+              <a:spcBef>
+                <a:spcPts val="0"/>
+              </a:spcBef>
+            </a:pPr>
+            <a:endParaRPr lang="en-US" sz="2000" dirty="0"/>
+          </a:p>
+        </p:txBody>
+      </p:sp>
+      <p:sp>
+        <p:nvSpPr>
+          <p:cNvPr id="3" name="Slide Number Placeholder 2"/>
+          <p:cNvSpPr>
+            <a:spLocks noGrp="1"/>
+          </p:cNvSpPr>
+          <p:nvPr>
+            <p:ph type="sldNum" sz="quarter" idx="4"/>
+          </p:nvPr>
+        </p:nvSpPr>
+        <p:spPr/>
+        <p:txBody>
+          <a:bodyPr/>
+          <a:lstStyle/>
+          <a:p>
+            <a:fld id="{03CBEB89-E47E-4106-9DE1-9B407DF8E52F}" type="slidenum">
+              <a:rPr lang="en-US" smtClean="0"/>
+              <a:pPr/>
+              <a:t>18</a:t>
+            </a:fld>
+            <a:endParaRPr lang="en-US"/>
+          </a:p>
+        </p:txBody>
+      </p:sp>
+    </p:spTree>
+    <p:extLst>
+      <p:ext uri="{BB962C8B-B14F-4D97-AF65-F5344CB8AC3E}">
+        <p14:creationId xmlns:p14="http://schemas.microsoft.com/office/powerpoint/2010/main" val="1461695115"/>
+      </p:ext>
+    </p:extLst>
+  </p:cSld>
+  <p:clrMapOvr>
+    <a:masterClrMapping/>
+  </p:clrMapOvr>
+  <mc:AlternateContent xmlns:mc="http://schemas.openxmlformats.org/markup-compatibility/2006" xmlns:p14="http://schemas.microsoft.com/office/powerpoint/2010/main">
+    <mc:Choice Requires="p14">
+      <p:transition p14:dur="10" advTm="14000"/>
+    </mc:Choice>
+    <mc:Fallback xmlns="">
+      <p:transition advTm="14000"/>
+    </mc:Fallback>
+  </mc:AlternateContent>
+  <p:timing>
+    <p:tnLst>
+      <p:par>
+        <p:cTn id="1" dur="indefinite" restart="never" nodeType="tmRoot"/>
+      </p:par>
+    </p:tnLst>
+  </p:timing>
+</p:sld>
+</file>
+
+<file path=ppt/slides/slide19.xml><?xml version="1.0" encoding="utf-8"?>
+<p:sld xmlns:a="http://schemas.openxmlformats.org/drawingml/2006/main" xmlns:r="http://schemas.openxmlformats.org/officeDocument/2006/relationships" xmlns:p="http://schemas.openxmlformats.org/presentationml/2006/main">
+  <p:cSld>
+    <p:spTree>
+      <p:nvGrpSpPr>
+        <p:cNvPr id="1" name=""/>
+        <p:cNvGrpSpPr/>
+        <p:nvPr/>
+      </p:nvGrpSpPr>
+      <p:grpSpPr>
+        <a:xfrm>
+          <a:off x="0" y="0"/>
+          <a:ext cx="0" cy="0"/>
+          <a:chOff x="0" y="0"/>
+          <a:chExt cx="0" cy="0"/>
+        </a:xfrm>
+      </p:grpSpPr>
+      <p:sp>
+        <p:nvSpPr>
+          <p:cNvPr id="5" name="Title 4"/>
+          <p:cNvSpPr>
+            <a:spLocks noGrp="1"/>
+          </p:cNvSpPr>
+          <p:nvPr>
+            <p:ph type="title"/>
+          </p:nvPr>
+        </p:nvSpPr>
+        <p:spPr/>
+        <p:txBody>
+          <a:bodyPr/>
+          <a:lstStyle/>
+          <a:p>
+            <a:r>
+              <a:rPr lang="en-US" dirty="0" smtClean="0"/>
+              <a:t>In their words: </a:t>
+            </a:r>
+            <a:br>
+              <a:rPr lang="en-US" dirty="0" smtClean="0"/>
+            </a:br>
+            <a:r>
+              <a:rPr lang="en-US" dirty="0" smtClean="0"/>
+              <a:t>“Favorite aspect of journey”</a:t>
+            </a:r>
+            <a:endParaRPr lang="en-US" dirty="0"/>
+          </a:p>
+        </p:txBody>
+      </p:sp>
+      <p:sp>
+        <p:nvSpPr>
+          <p:cNvPr id="6" name="Content Placeholder 5"/>
+          <p:cNvSpPr>
+            <a:spLocks noGrp="1"/>
+          </p:cNvSpPr>
+          <p:nvPr>
+            <p:ph idx="1"/>
+          </p:nvPr>
+        </p:nvSpPr>
+        <p:spPr>
+          <a:xfrm>
+            <a:off x="838200" y="1825625"/>
+            <a:ext cx="10668000" cy="4351338"/>
+          </a:xfrm>
+        </p:spPr>
+        <p:txBody>
+          <a:bodyPr/>
+          <a:lstStyle/>
+          <a:p>
+            <a:pPr>
+              <a:lnSpc>
+                <a:spcPct val="100000"/>
+              </a:lnSpc>
+              <a:spcBef>
+                <a:spcPts val="0"/>
+              </a:spcBef>
+            </a:pPr>
+            <a:r>
+              <a:rPr lang="en-US" sz="2000" dirty="0" smtClean="0"/>
+              <a:t>Scripting / automation; making my life easier</a:t>
+            </a:r>
+          </a:p>
+          <a:p>
+            <a:pPr>
+              <a:lnSpc>
+                <a:spcPct val="100000"/>
+              </a:lnSpc>
+              <a:spcBef>
+                <a:spcPts val="0"/>
+              </a:spcBef>
+            </a:pPr>
+            <a:r>
+              <a:rPr lang="en-US" sz="2000" dirty="0" smtClean="0"/>
+              <a:t>Leading edge of enterprise IT. DevOps is not new for unicorns but still in beginning stages in Microsoft centric enterprises</a:t>
+            </a:r>
+          </a:p>
+          <a:p>
+            <a:pPr>
+              <a:lnSpc>
+                <a:spcPct val="100000"/>
+              </a:lnSpc>
+              <a:spcBef>
+                <a:spcPts val="0"/>
+              </a:spcBef>
+            </a:pPr>
+            <a:r>
+              <a:rPr lang="en-US" sz="2000" dirty="0" smtClean="0"/>
+              <a:t>People, Teammates, Mentorship, Learning to ask for help; Developing confidence</a:t>
+            </a:r>
+          </a:p>
+          <a:p>
+            <a:pPr>
+              <a:lnSpc>
+                <a:spcPct val="100000"/>
+              </a:lnSpc>
+              <a:spcBef>
+                <a:spcPts val="0"/>
+              </a:spcBef>
+            </a:pPr>
+            <a:r>
+              <a:rPr lang="en-US" sz="2000" dirty="0" smtClean="0"/>
+              <a:t>ChatOps!  It has encouraged more collaboration and automation</a:t>
+            </a:r>
+          </a:p>
+          <a:p>
+            <a:pPr>
+              <a:lnSpc>
+                <a:spcPct val="100000"/>
+              </a:lnSpc>
+              <a:spcBef>
+                <a:spcPts val="0"/>
+              </a:spcBef>
+            </a:pPr>
+            <a:r>
+              <a:rPr lang="en-US" sz="2000" dirty="0" smtClean="0"/>
+              <a:t>I have enjoyed expanding my sphere of responsibilities and interests by breaking down IT silos.  The variety and level of activity within the team has been rejuvenating</a:t>
+            </a:r>
+          </a:p>
+          <a:p>
+            <a:pPr>
+              <a:lnSpc>
+                <a:spcPct val="100000"/>
+              </a:lnSpc>
+              <a:spcBef>
+                <a:spcPts val="0"/>
+              </a:spcBef>
+            </a:pPr>
+            <a:r>
+              <a:rPr lang="en-US" sz="2000" dirty="0" smtClean="0"/>
+              <a:t>The encouragement to experiment (fail) without the fear of punishment</a:t>
+            </a:r>
+          </a:p>
+          <a:p>
+            <a:pPr>
+              <a:lnSpc>
+                <a:spcPct val="100000"/>
+              </a:lnSpc>
+              <a:spcBef>
+                <a:spcPts val="0"/>
+              </a:spcBef>
+            </a:pPr>
+            <a:endParaRPr lang="en-US" sz="2000" dirty="0"/>
+          </a:p>
+        </p:txBody>
+      </p:sp>
+      <p:sp>
+        <p:nvSpPr>
+          <p:cNvPr id="3" name="Slide Number Placeholder 2"/>
+          <p:cNvSpPr>
+            <a:spLocks noGrp="1"/>
+          </p:cNvSpPr>
+          <p:nvPr>
+            <p:ph type="sldNum" sz="quarter" idx="4"/>
+          </p:nvPr>
+        </p:nvSpPr>
+        <p:spPr/>
+        <p:txBody>
+          <a:bodyPr/>
+          <a:lstStyle/>
+          <a:p>
+            <a:fld id="{03CBEB89-E47E-4106-9DE1-9B407DF8E52F}" type="slidenum">
+              <a:rPr lang="en-US" smtClean="0"/>
+              <a:pPr/>
+              <a:t>19</a:t>
+            </a:fld>
+            <a:endParaRPr lang="en-US"/>
+          </a:p>
+        </p:txBody>
+      </p:sp>
+    </p:spTree>
+    <p:extLst>
+      <p:ext uri="{BB962C8B-B14F-4D97-AF65-F5344CB8AC3E}">
+        <p14:creationId xmlns:p14="http://schemas.microsoft.com/office/powerpoint/2010/main" val="634729329"/>
+      </p:ext>
+    </p:extLst>
+  </p:cSld>
+  <p:clrMapOvr>
+    <a:masterClrMapping/>
+  </p:clrMapOvr>
+  <mc:AlternateContent xmlns:mc="http://schemas.openxmlformats.org/markup-compatibility/2006" xmlns:p14="http://schemas.microsoft.com/office/powerpoint/2010/main">
+    <mc:Choice Requires="p14">
+      <p:transition p14:dur="10" advTm="14000"/>
+    </mc:Choice>
+    <mc:Fallback xmlns="">
+      <p:transition advTm="14000"/>
+    </mc:Fallback>
+  </mc:AlternateContent>
+  <p:timing>
+    <p:tnLst>
+      <p:par>
+        <p:cTn id="1" dur="indefinite" restart="never" nodeType="tmRoot"/>
+      </p:par>
+    </p:tnLst>
+  </p:timing>
+</p:sld>
+</file>
+
 <file path=ppt/slides/slide2.xml><?xml version="1.0" encoding="utf-8"?>
 <p:sld xmlns:a="http://schemas.openxmlformats.org/drawingml/2006/main" xmlns:r="http://schemas.openxmlformats.org/officeDocument/2006/relationships" xmlns:p="http://schemas.openxmlformats.org/presentationml/2006/main">
   <p:cSld>
@@ -2203,7 +6045,7 @@
             </a:pPr>
             <a:r>
               <a:rPr lang="en-US" sz="2400" dirty="0" smtClean="0"/>
-              <a:t>Long tenured staff</a:t>
+              <a:t>Virtualization Complacency</a:t>
             </a:r>
           </a:p>
           <a:p>
@@ -2217,8 +6059,18 @@
             </a:pPr>
             <a:r>
               <a:rPr lang="en-US" sz="2400" dirty="0" smtClean="0"/>
-              <a:t>Virtualization Complacency</a:t>
-            </a:r>
+              <a:t>Limited engineering tradition</a:t>
+            </a:r>
+          </a:p>
+          <a:p>
+            <a:pPr>
+              <a:lnSpc>
+                <a:spcPct val="100000"/>
+              </a:lnSpc>
+              <a:spcBef>
+                <a:spcPts val="0"/>
+              </a:spcBef>
+            </a:pPr>
             <a:endParaRPr lang="en-US" sz="2400" dirty="0"/>
           </a:p>
         </p:txBody>
@@ -2493,7 +6345,30 @@
             </a:pPr>
             <a:r>
               <a:rPr lang="en-US" sz="2400" dirty="0" smtClean="0"/>
-              <a:t>Typical Linux</a:t>
+              <a:t>Typical </a:t>
+            </a:r>
+          </a:p>
+          <a:p>
+            <a:pPr marL="0" marR="0" lvl="0" indent="0" defTabSz="914400" eaLnBrk="1" fontAlgn="auto" latinLnBrk="0" hangingPunct="1">
+              <a:lnSpc>
+                <a:spcPct val="100000"/>
+              </a:lnSpc>
+              <a:spcBef>
+                <a:spcPts val="0"/>
+              </a:spcBef>
+              <a:spcAft>
+                <a:spcPts val="0"/>
+              </a:spcAft>
+              <a:buClrTx/>
+              <a:buSzTx/>
+              <a:buFontTx/>
+              <a:buNone/>
+              <a:tabLst/>
+              <a:defRPr/>
+            </a:pPr>
+            <a:r>
+              <a:rPr lang="en-US" sz="2400" dirty="0" smtClean="0"/>
+              <a:t>IT</a:t>
             </a:r>
           </a:p>
           <a:p>
@@ -3053,6 +6928,675 @@
     <p:extLst>
       <p:ext uri="{BB962C8B-B14F-4D97-AF65-F5344CB8AC3E}">
         <p14:creationId xmlns:p14="http://schemas.microsoft.com/office/powerpoint/2010/main" val="989393576"/>
+      </p:ext>
+    </p:extLst>
+  </p:cSld>
+  <p:clrMapOvr>
+    <a:masterClrMapping/>
+  </p:clrMapOvr>
+  <mc:AlternateContent xmlns:mc="http://schemas.openxmlformats.org/markup-compatibility/2006" xmlns:p14="http://schemas.microsoft.com/office/powerpoint/2010/main">
+    <mc:Choice Requires="p14">
+      <p:transition p14:dur="10" advTm="14000"/>
+    </mc:Choice>
+    <mc:Fallback xmlns="">
+      <p:transition advTm="14000"/>
+    </mc:Fallback>
+  </mc:AlternateContent>
+  <p:timing>
+    <p:tnLst>
+      <p:par>
+        <p:cTn id="1" dur="indefinite" restart="never" nodeType="tmRoot"/>
+      </p:par>
+    </p:tnLst>
+  </p:timing>
+</p:sld>
+</file>
+
+<file path=ppt/slides/slide20.xml><?xml version="1.0" encoding="utf-8"?>
+<p:sld xmlns:a="http://schemas.openxmlformats.org/drawingml/2006/main" xmlns:r="http://schemas.openxmlformats.org/officeDocument/2006/relationships" xmlns:p="http://schemas.openxmlformats.org/presentationml/2006/main">
+  <p:cSld>
+    <p:spTree>
+      <p:nvGrpSpPr>
+        <p:cNvPr id="1" name=""/>
+        <p:cNvGrpSpPr/>
+        <p:nvPr/>
+      </p:nvGrpSpPr>
+      <p:grpSpPr>
+        <a:xfrm>
+          <a:off x="0" y="0"/>
+          <a:ext cx="0" cy="0"/>
+          <a:chOff x="0" y="0"/>
+          <a:chExt cx="0" cy="0"/>
+        </a:xfrm>
+      </p:grpSpPr>
+      <p:sp>
+        <p:nvSpPr>
+          <p:cNvPr id="5" name="Title 4"/>
+          <p:cNvSpPr>
+            <a:spLocks noGrp="1"/>
+          </p:cNvSpPr>
+          <p:nvPr>
+            <p:ph type="title"/>
+          </p:nvPr>
+        </p:nvSpPr>
+        <p:spPr/>
+        <p:txBody>
+          <a:bodyPr>
+            <a:normAutofit fontScale="90000"/>
+          </a:bodyPr>
+          <a:lstStyle/>
+          <a:p>
+            <a:r>
+              <a:rPr lang="en-US" dirty="0" smtClean="0"/>
+              <a:t>In their words: </a:t>
+            </a:r>
+            <a:br>
+              <a:rPr lang="en-US" dirty="0" smtClean="0"/>
+            </a:br>
+            <a:r>
+              <a:rPr lang="en-US" dirty="0" smtClean="0"/>
+              <a:t>“Least favorite part of journey”</a:t>
+            </a:r>
+            <a:endParaRPr lang="en-US" dirty="0"/>
+          </a:p>
+        </p:txBody>
+      </p:sp>
+      <p:sp>
+        <p:nvSpPr>
+          <p:cNvPr id="6" name="Content Placeholder 5"/>
+          <p:cNvSpPr>
+            <a:spLocks noGrp="1"/>
+          </p:cNvSpPr>
+          <p:nvPr>
+            <p:ph idx="1"/>
+          </p:nvPr>
+        </p:nvSpPr>
+        <p:spPr>
+          <a:xfrm>
+            <a:off x="838200" y="1825625"/>
+            <a:ext cx="10668000" cy="4351338"/>
+          </a:xfrm>
+        </p:spPr>
+        <p:txBody>
+          <a:bodyPr/>
+          <a:lstStyle/>
+          <a:p>
+            <a:pPr>
+              <a:lnSpc>
+                <a:spcPct val="100000"/>
+              </a:lnSpc>
+              <a:spcBef>
+                <a:spcPts val="0"/>
+              </a:spcBef>
+            </a:pPr>
+            <a:r>
+              <a:rPr lang="en-US" sz="2000" dirty="0" smtClean="0"/>
+              <a:t>Constant change</a:t>
+            </a:r>
+            <a:r>
+              <a:rPr lang="is-IS" sz="2000" dirty="0" smtClean="0"/>
+              <a:t>… all the experiments, not enough time to go deep</a:t>
+            </a:r>
+          </a:p>
+          <a:p>
+            <a:pPr>
+              <a:lnSpc>
+                <a:spcPct val="100000"/>
+              </a:lnSpc>
+              <a:spcBef>
+                <a:spcPts val="0"/>
+              </a:spcBef>
+            </a:pPr>
+            <a:r>
+              <a:rPr lang="is-IS" sz="2000" dirty="0" smtClean="0"/>
+              <a:t>Adapting to change is difficult, especially for those in the field for many years.  Adopting new working styles</a:t>
+            </a:r>
+          </a:p>
+          <a:p>
+            <a:pPr>
+              <a:lnSpc>
+                <a:spcPct val="100000"/>
+              </a:lnSpc>
+              <a:spcBef>
+                <a:spcPts val="0"/>
+              </a:spcBef>
+            </a:pPr>
+            <a:r>
+              <a:rPr lang="is-IS" sz="2000" dirty="0" smtClean="0"/>
+              <a:t>Not being able to devote enough time to new work</a:t>
+            </a:r>
+          </a:p>
+          <a:p>
+            <a:pPr>
+              <a:lnSpc>
+                <a:spcPct val="100000"/>
+              </a:lnSpc>
+              <a:spcBef>
+                <a:spcPts val="0"/>
+              </a:spcBef>
+            </a:pPr>
+            <a:r>
+              <a:rPr lang="is-IS" sz="2000" dirty="0" smtClean="0"/>
+              <a:t>Feeling lost, discomfort due to width and breadth of required areas; Feeling helpless</a:t>
+            </a:r>
+          </a:p>
+          <a:p>
+            <a:pPr>
+              <a:lnSpc>
+                <a:spcPct val="100000"/>
+              </a:lnSpc>
+              <a:spcBef>
+                <a:spcPts val="0"/>
+              </a:spcBef>
+            </a:pPr>
+            <a:r>
+              <a:rPr lang="is-IS" sz="2000" dirty="0" smtClean="0"/>
+              <a:t>Windows makes it harder than it needs to be</a:t>
+            </a:r>
+          </a:p>
+          <a:p>
+            <a:pPr>
+              <a:lnSpc>
+                <a:spcPct val="100000"/>
+              </a:lnSpc>
+              <a:spcBef>
+                <a:spcPts val="0"/>
+              </a:spcBef>
+            </a:pPr>
+            <a:r>
+              <a:rPr lang="is-IS" sz="2000" dirty="0" smtClean="0"/>
+              <a:t>Lack of prioritization across projects</a:t>
+            </a:r>
+          </a:p>
+          <a:p>
+            <a:pPr>
+              <a:lnSpc>
+                <a:spcPct val="100000"/>
+              </a:lnSpc>
+              <a:spcBef>
+                <a:spcPts val="0"/>
+              </a:spcBef>
+            </a:pPr>
+            <a:r>
+              <a:rPr lang="is-IS" sz="2000" dirty="0" smtClean="0"/>
+              <a:t>Not going faster with transformation</a:t>
+            </a:r>
+            <a:endParaRPr lang="en-US" sz="2000" dirty="0" smtClean="0"/>
+          </a:p>
+          <a:p>
+            <a:pPr>
+              <a:lnSpc>
+                <a:spcPct val="100000"/>
+              </a:lnSpc>
+              <a:spcBef>
+                <a:spcPts val="0"/>
+              </a:spcBef>
+            </a:pPr>
+            <a:r>
+              <a:rPr lang="en-US" sz="2000" dirty="0" smtClean="0"/>
+              <a:t>The lack of time to experiment with technologies outside my immediate areas of responsibility has been frustrating</a:t>
+            </a:r>
+          </a:p>
+        </p:txBody>
+      </p:sp>
+      <p:sp>
+        <p:nvSpPr>
+          <p:cNvPr id="3" name="Slide Number Placeholder 2"/>
+          <p:cNvSpPr>
+            <a:spLocks noGrp="1"/>
+          </p:cNvSpPr>
+          <p:nvPr>
+            <p:ph type="sldNum" sz="quarter" idx="4"/>
+          </p:nvPr>
+        </p:nvSpPr>
+        <p:spPr/>
+        <p:txBody>
+          <a:bodyPr/>
+          <a:lstStyle/>
+          <a:p>
+            <a:fld id="{03CBEB89-E47E-4106-9DE1-9B407DF8E52F}" type="slidenum">
+              <a:rPr lang="en-US" smtClean="0"/>
+              <a:pPr/>
+              <a:t>20</a:t>
+            </a:fld>
+            <a:endParaRPr lang="en-US"/>
+          </a:p>
+        </p:txBody>
+      </p:sp>
+    </p:spTree>
+    <p:extLst>
+      <p:ext uri="{BB962C8B-B14F-4D97-AF65-F5344CB8AC3E}">
+        <p14:creationId xmlns:p14="http://schemas.microsoft.com/office/powerpoint/2010/main" val="115823843"/>
+      </p:ext>
+    </p:extLst>
+  </p:cSld>
+  <p:clrMapOvr>
+    <a:masterClrMapping/>
+  </p:clrMapOvr>
+  <mc:AlternateContent xmlns:mc="http://schemas.openxmlformats.org/markup-compatibility/2006" xmlns:p14="http://schemas.microsoft.com/office/powerpoint/2010/main">
+    <mc:Choice Requires="p14">
+      <p:transition p14:dur="10" advTm="14000"/>
+    </mc:Choice>
+    <mc:Fallback xmlns="">
+      <p:transition advTm="14000"/>
+    </mc:Fallback>
+  </mc:AlternateContent>
+  <p:timing>
+    <p:tnLst>
+      <p:par>
+        <p:cTn id="1" dur="indefinite" restart="never" nodeType="tmRoot"/>
+      </p:par>
+    </p:tnLst>
+  </p:timing>
+</p:sld>
+</file>
+
+<file path=ppt/slides/slide21.xml><?xml version="1.0" encoding="utf-8"?>
+<p:sld xmlns:a="http://schemas.openxmlformats.org/drawingml/2006/main" xmlns:r="http://schemas.openxmlformats.org/officeDocument/2006/relationships" xmlns:p="http://schemas.openxmlformats.org/presentationml/2006/main">
+  <p:cSld>
+    <p:spTree>
+      <p:nvGrpSpPr>
+        <p:cNvPr id="1" name=""/>
+        <p:cNvGrpSpPr/>
+        <p:nvPr/>
+      </p:nvGrpSpPr>
+      <p:grpSpPr>
+        <a:xfrm>
+          <a:off x="0" y="0"/>
+          <a:ext cx="0" cy="0"/>
+          <a:chOff x="0" y="0"/>
+          <a:chExt cx="0" cy="0"/>
+        </a:xfrm>
+      </p:grpSpPr>
+      <p:sp>
+        <p:nvSpPr>
+          <p:cNvPr id="5" name="Title 4"/>
+          <p:cNvSpPr>
+            <a:spLocks noGrp="1"/>
+          </p:cNvSpPr>
+          <p:nvPr>
+            <p:ph type="title"/>
+          </p:nvPr>
+        </p:nvSpPr>
+        <p:spPr/>
+        <p:txBody>
+          <a:bodyPr>
+            <a:normAutofit/>
+          </a:bodyPr>
+          <a:lstStyle/>
+          <a:p>
+            <a:r>
+              <a:rPr lang="en-US" dirty="0" smtClean="0"/>
+              <a:t>In their words: </a:t>
+            </a:r>
+            <a:br>
+              <a:rPr lang="en-US" dirty="0" smtClean="0"/>
+            </a:br>
+            <a:r>
+              <a:rPr lang="en-US" dirty="0" smtClean="0"/>
+              <a:t>“Advice for 2015 self”</a:t>
+            </a:r>
+            <a:endParaRPr lang="en-US" dirty="0"/>
+          </a:p>
+        </p:txBody>
+      </p:sp>
+      <p:sp>
+        <p:nvSpPr>
+          <p:cNvPr id="6" name="Content Placeholder 5"/>
+          <p:cNvSpPr>
+            <a:spLocks noGrp="1"/>
+          </p:cNvSpPr>
+          <p:nvPr>
+            <p:ph idx="1"/>
+          </p:nvPr>
+        </p:nvSpPr>
+        <p:spPr>
+          <a:xfrm>
+            <a:off x="838200" y="1825625"/>
+            <a:ext cx="10668000" cy="4351338"/>
+          </a:xfrm>
+        </p:spPr>
+        <p:txBody>
+          <a:bodyPr/>
+          <a:lstStyle/>
+          <a:p>
+            <a:pPr>
+              <a:lnSpc>
+                <a:spcPct val="100000"/>
+              </a:lnSpc>
+              <a:spcBef>
+                <a:spcPts val="0"/>
+              </a:spcBef>
+            </a:pPr>
+            <a:r>
+              <a:rPr lang="en-US" sz="2000" dirty="0" smtClean="0"/>
+              <a:t>Don’t be afraid to fail; Don’t be afraid to learn from prior mistakes; Jump in and experiment</a:t>
+            </a:r>
+          </a:p>
+          <a:p>
+            <a:pPr>
+              <a:lnSpc>
+                <a:spcPct val="100000"/>
+              </a:lnSpc>
+              <a:spcBef>
+                <a:spcPts val="0"/>
+              </a:spcBef>
+            </a:pPr>
+            <a:r>
+              <a:rPr lang="en-US" sz="2000" dirty="0" smtClean="0"/>
+              <a:t>Be ready, have patience and be open to learning new things</a:t>
+            </a:r>
+          </a:p>
+          <a:p>
+            <a:pPr>
+              <a:lnSpc>
+                <a:spcPct val="100000"/>
+              </a:lnSpc>
+              <a:spcBef>
+                <a:spcPts val="0"/>
+              </a:spcBef>
+            </a:pPr>
+            <a:r>
+              <a:rPr lang="en-US" sz="2000" dirty="0" smtClean="0"/>
+              <a:t>Don’t be overwhelmed by DevOps nirvana</a:t>
+            </a:r>
+            <a:r>
+              <a:rPr lang="is-IS" sz="2000" dirty="0" smtClean="0"/>
+              <a:t>…try to stay focused on incremental improvements.  Each improvement is like a savings deposit that will compound over time</a:t>
+            </a:r>
+          </a:p>
+          <a:p>
+            <a:pPr>
+              <a:lnSpc>
+                <a:spcPct val="100000"/>
+              </a:lnSpc>
+              <a:spcBef>
+                <a:spcPts val="0"/>
+              </a:spcBef>
+            </a:pPr>
+            <a:r>
+              <a:rPr lang="is-IS" sz="2000" dirty="0" smtClean="0"/>
+              <a:t>Your existing skills are becoming obsolete and your expertise is at risk; Find a way to get started on new ideas</a:t>
+            </a:r>
+          </a:p>
+          <a:p>
+            <a:pPr>
+              <a:lnSpc>
+                <a:spcPct val="100000"/>
+              </a:lnSpc>
+              <a:spcBef>
+                <a:spcPts val="0"/>
+              </a:spcBef>
+            </a:pPr>
+            <a:r>
+              <a:rPr lang="is-IS" sz="2000" dirty="0" smtClean="0"/>
+              <a:t>Don’t be afraid to ask for help; experts are excited and enthusiastic about helping; Don’t give up</a:t>
+            </a:r>
+          </a:p>
+          <a:p>
+            <a:pPr>
+              <a:lnSpc>
+                <a:spcPct val="100000"/>
+              </a:lnSpc>
+              <a:spcBef>
+                <a:spcPts val="0"/>
+              </a:spcBef>
+            </a:pPr>
+            <a:r>
+              <a:rPr lang="is-IS" sz="2000" dirty="0" smtClean="0"/>
+              <a:t>Prepare for a lot of change; be willing to embrace the change; Reflect on why you do things...is it still valid?  Was it ever valid?</a:t>
+            </a:r>
+          </a:p>
+        </p:txBody>
+      </p:sp>
+      <p:sp>
+        <p:nvSpPr>
+          <p:cNvPr id="3" name="Slide Number Placeholder 2"/>
+          <p:cNvSpPr>
+            <a:spLocks noGrp="1"/>
+          </p:cNvSpPr>
+          <p:nvPr>
+            <p:ph type="sldNum" sz="quarter" idx="4"/>
+          </p:nvPr>
+        </p:nvSpPr>
+        <p:spPr/>
+        <p:txBody>
+          <a:bodyPr/>
+          <a:lstStyle/>
+          <a:p>
+            <a:fld id="{03CBEB89-E47E-4106-9DE1-9B407DF8E52F}" type="slidenum">
+              <a:rPr lang="en-US" smtClean="0"/>
+              <a:pPr/>
+              <a:t>21</a:t>
+            </a:fld>
+            <a:endParaRPr lang="en-US"/>
+          </a:p>
+        </p:txBody>
+      </p:sp>
+    </p:spTree>
+    <p:extLst>
+      <p:ext uri="{BB962C8B-B14F-4D97-AF65-F5344CB8AC3E}">
+        <p14:creationId xmlns:p14="http://schemas.microsoft.com/office/powerpoint/2010/main" val="1198565771"/>
+      </p:ext>
+    </p:extLst>
+  </p:cSld>
+  <p:clrMapOvr>
+    <a:masterClrMapping/>
+  </p:clrMapOvr>
+  <mc:AlternateContent xmlns:mc="http://schemas.openxmlformats.org/markup-compatibility/2006" xmlns:p14="http://schemas.microsoft.com/office/powerpoint/2010/main">
+    <mc:Choice Requires="p14">
+      <p:transition p14:dur="10" advTm="14000"/>
+    </mc:Choice>
+    <mc:Fallback xmlns="">
+      <p:transition advTm="14000"/>
+    </mc:Fallback>
+  </mc:AlternateContent>
+  <p:timing>
+    <p:tnLst>
+      <p:par>
+        <p:cTn id="1" dur="indefinite" restart="never" nodeType="tmRoot"/>
+      </p:par>
+    </p:tnLst>
+  </p:timing>
+</p:sld>
+</file>
+
+<file path=ppt/slides/slide22.xml><?xml version="1.0" encoding="utf-8"?>
+<p:sld xmlns:a="http://schemas.openxmlformats.org/drawingml/2006/main" xmlns:r="http://schemas.openxmlformats.org/officeDocument/2006/relationships" xmlns:p="http://schemas.openxmlformats.org/presentationml/2006/main">
+  <p:cSld>
+    <p:spTree>
+      <p:nvGrpSpPr>
+        <p:cNvPr id="1" name=""/>
+        <p:cNvGrpSpPr/>
+        <p:nvPr/>
+      </p:nvGrpSpPr>
+      <p:grpSpPr>
+        <a:xfrm>
+          <a:off x="0" y="0"/>
+          <a:ext cx="0" cy="0"/>
+          <a:chOff x="0" y="0"/>
+          <a:chExt cx="0" cy="0"/>
+        </a:xfrm>
+      </p:grpSpPr>
+      <p:sp>
+        <p:nvSpPr>
+          <p:cNvPr id="5" name="Title 4"/>
+          <p:cNvSpPr>
+            <a:spLocks noGrp="1"/>
+          </p:cNvSpPr>
+          <p:nvPr>
+            <p:ph type="title"/>
+          </p:nvPr>
+        </p:nvSpPr>
+        <p:spPr/>
+        <p:txBody>
+          <a:bodyPr>
+            <a:normAutofit/>
+          </a:bodyPr>
+          <a:lstStyle/>
+          <a:p>
+            <a:r>
+              <a:rPr lang="en-US" dirty="0" smtClean="0"/>
+              <a:t>In their words: </a:t>
+            </a:r>
+            <a:br>
+              <a:rPr lang="en-US" dirty="0" smtClean="0"/>
+            </a:br>
+            <a:r>
+              <a:rPr lang="en-US" dirty="0" smtClean="0"/>
+              <a:t>“What are you anticipating”</a:t>
+            </a:r>
+            <a:endParaRPr lang="en-US" dirty="0"/>
+          </a:p>
+        </p:txBody>
+      </p:sp>
+      <p:sp>
+        <p:nvSpPr>
+          <p:cNvPr id="6" name="Content Placeholder 5"/>
+          <p:cNvSpPr>
+            <a:spLocks noGrp="1"/>
+          </p:cNvSpPr>
+          <p:nvPr>
+            <p:ph idx="1"/>
+          </p:nvPr>
+        </p:nvSpPr>
+        <p:spPr>
+          <a:xfrm>
+            <a:off x="838200" y="1825625"/>
+            <a:ext cx="10668000" cy="4351338"/>
+          </a:xfrm>
+        </p:spPr>
+        <p:txBody>
+          <a:bodyPr/>
+          <a:lstStyle/>
+          <a:p>
+            <a:pPr>
+              <a:lnSpc>
+                <a:spcPct val="100000"/>
+              </a:lnSpc>
+              <a:spcBef>
+                <a:spcPts val="0"/>
+              </a:spcBef>
+            </a:pPr>
+            <a:r>
+              <a:rPr lang="en-US" sz="2000" dirty="0" smtClean="0"/>
+              <a:t>Going deeper with CHEF</a:t>
+            </a:r>
+          </a:p>
+          <a:p>
+            <a:pPr>
+              <a:lnSpc>
+                <a:spcPct val="100000"/>
+              </a:lnSpc>
+              <a:spcBef>
+                <a:spcPts val="0"/>
+              </a:spcBef>
+            </a:pPr>
+            <a:r>
+              <a:rPr lang="en-US" sz="2000" dirty="0" smtClean="0"/>
+              <a:t>Applying our practices to the public cloud</a:t>
+            </a:r>
+          </a:p>
+          <a:p>
+            <a:pPr>
+              <a:lnSpc>
+                <a:spcPct val="100000"/>
+              </a:lnSpc>
+              <a:spcBef>
+                <a:spcPts val="0"/>
+              </a:spcBef>
+            </a:pPr>
+            <a:r>
+              <a:rPr lang="is-IS" sz="2000" dirty="0" smtClean="0"/>
+              <a:t>Growing new skills, security automation, collaboration</a:t>
+            </a:r>
+          </a:p>
+          <a:p>
+            <a:pPr>
+              <a:lnSpc>
+                <a:spcPct val="100000"/>
+              </a:lnSpc>
+              <a:spcBef>
+                <a:spcPts val="0"/>
+              </a:spcBef>
+            </a:pPr>
+            <a:r>
+              <a:rPr lang="is-IS" sz="2000" dirty="0" smtClean="0"/>
+              <a:t>Influening future implementations / buying decisions at Columbia</a:t>
+            </a:r>
+          </a:p>
+          <a:p>
+            <a:pPr>
+              <a:lnSpc>
+                <a:spcPct val="100000"/>
+              </a:lnSpc>
+              <a:spcBef>
+                <a:spcPts val="0"/>
+              </a:spcBef>
+            </a:pPr>
+            <a:r>
+              <a:rPr lang="is-IS" sz="2000" dirty="0" smtClean="0"/>
+              <a:t>Migration of Columbia to public could</a:t>
+            </a:r>
+          </a:p>
+          <a:p>
+            <a:pPr>
+              <a:lnSpc>
+                <a:spcPct val="100000"/>
+              </a:lnSpc>
+              <a:spcBef>
+                <a:spcPts val="0"/>
+              </a:spcBef>
+            </a:pPr>
+            <a:r>
+              <a:rPr lang="is-IS" sz="2000" dirty="0" smtClean="0"/>
+              <a:t>More transformation; more public cloud</a:t>
+            </a:r>
+          </a:p>
+          <a:p>
+            <a:pPr>
+              <a:lnSpc>
+                <a:spcPct val="100000"/>
+              </a:lnSpc>
+              <a:spcBef>
+                <a:spcPts val="0"/>
+              </a:spcBef>
+            </a:pPr>
+            <a:r>
+              <a:rPr lang="is-IS" sz="2000" dirty="0" smtClean="0"/>
+              <a:t>Getting better; Public cloud</a:t>
+            </a:r>
+          </a:p>
+        </p:txBody>
+      </p:sp>
+      <p:sp>
+        <p:nvSpPr>
+          <p:cNvPr id="3" name="Slide Number Placeholder 2"/>
+          <p:cNvSpPr>
+            <a:spLocks noGrp="1"/>
+          </p:cNvSpPr>
+          <p:nvPr>
+            <p:ph type="sldNum" sz="quarter" idx="4"/>
+          </p:nvPr>
+        </p:nvSpPr>
+        <p:spPr/>
+        <p:txBody>
+          <a:bodyPr/>
+          <a:lstStyle/>
+          <a:p>
+            <a:fld id="{03CBEB89-E47E-4106-9DE1-9B407DF8E52F}" type="slidenum">
+              <a:rPr lang="en-US" smtClean="0"/>
+              <a:pPr/>
+              <a:t>22</a:t>
+            </a:fld>
+            <a:endParaRPr lang="en-US"/>
+          </a:p>
+        </p:txBody>
+      </p:sp>
+    </p:spTree>
+    <p:extLst>
+      <p:ext uri="{BB962C8B-B14F-4D97-AF65-F5344CB8AC3E}">
+        <p14:creationId xmlns:p14="http://schemas.microsoft.com/office/powerpoint/2010/main" val="1814950006"/>
       </p:ext>
     </p:extLst>
   </p:cSld>
@@ -3316,7 +7860,7 @@
             </a:pPr>
             <a:r>
               <a:rPr lang="en-US" dirty="0" smtClean="0"/>
-              <a:t>DevOps initiative</a:t>
+              <a:t>CxO DevOps initiative</a:t>
             </a:r>
           </a:p>
           <a:p>
@@ -3345,7 +7889,23 @@
             </a:pPr>
             <a:r>
               <a:rPr lang="en-US" dirty="0" smtClean="0"/>
-              <a:t>Small batch DevOps to cultivate learning org</a:t>
+              <a:t>Small batch DevOps </a:t>
+            </a:r>
+            <a:r>
+              <a:rPr lang="en-US" dirty="0" smtClean="0">
+                <a:sym typeface="Wingdings"/>
+              </a:rPr>
+              <a:t> </a:t>
+            </a:r>
+            <a:r>
+              <a:rPr lang="en-US" dirty="0">
+                <a:sym typeface="Wingdings"/>
+              </a:rPr>
+              <a:t>L</a:t>
+            </a:r>
+            <a:r>
+              <a:rPr lang="en-US" dirty="0" smtClean="0"/>
+              <a:t>earning Organization</a:t>
             </a:r>
           </a:p>
           <a:p>
@@ -3491,7 +8051,7 @@
             <p:ph idx="1"/>
             <p:extLst>
               <p:ext uri="{D42A27DB-BD31-4B8C-83A1-F6EECF244321}">
-                <p14:modId xmlns:p14="http://schemas.microsoft.com/office/powerpoint/2010/main" val="2079404216"/>
+                <p14:modId xmlns:p14="http://schemas.microsoft.com/office/powerpoint/2010/main" val="1552430807"/>
               </p:ext>
             </p:extLst>
           </p:nvPr>
@@ -3534,10 +8094,13 @@
                         <a:defRPr/>
                       </a:pPr>
                       <a:r>
-                        <a:rPr lang="en-US" sz="2400" u="sng" dirty="0" smtClean="0">
+                        <a:rPr lang="en-US" sz="2000" u="sng" dirty="0" smtClean="0">
                           <a:solidFill>
                             <a:schemeClr val="bg1"/>
                           </a:solidFill>
+                          <a:latin typeface="Courier" charset="0"/>
+                          <a:ea typeface="Courier" charset="0"/>
+                          <a:cs typeface="Courier" charset="0"/>
                         </a:rPr>
                         <a:t>Strengths</a:t>
                       </a:r>
@@ -3561,18 +8124,54 @@
                         <a:defRPr/>
                       </a:pPr>
                       <a:r>
-                        <a:rPr lang="en-US" dirty="0" smtClean="0">
+                        <a:rPr lang="en-US" sz="1600" baseline="0" dirty="0" smtClean="0">
                           <a:solidFill>
                             <a:schemeClr val="bg1"/>
                           </a:solidFill>
+                          <a:latin typeface="Courier" charset="0"/>
+                          <a:ea typeface="Courier" charset="0"/>
+                          <a:cs typeface="Courier" charset="0"/>
+                        </a:rPr>
+                        <a:t>Vendor partnerships</a:t>
+                      </a:r>
+                    </a:p>
+                    <a:p>
+                      <a:pPr marL="285750" marR="0" lvl="0" indent="-285750" algn="l" defTabSz="914400" rtl="0" eaLnBrk="1" fontAlgn="auto" latinLnBrk="0" hangingPunct="1">
+                        <a:lnSpc>
+                          <a:spcPct val="100000"/>
+                        </a:lnSpc>
+                        <a:spcBef>
+                          <a:spcPts val="0"/>
+                        </a:spcBef>
+                        <a:spcAft>
+                          <a:spcPts val="0"/>
+                        </a:spcAft>
+                        <a:buClrTx/>
+                        <a:buSzTx/>
+                        <a:buFont typeface="Arial" charset="0"/>
+                        <a:buChar char="•"/>
+                        <a:tabLst/>
+                        <a:defRPr/>
+                      </a:pPr>
+                      <a:r>
+                        <a:rPr lang="en-US" sz="1600" dirty="0" smtClean="0">
+                          <a:solidFill>
+                            <a:schemeClr val="bg1"/>
+                          </a:solidFill>
+                          <a:latin typeface="Courier" charset="0"/>
+                          <a:ea typeface="Courier" charset="0"/>
+                          <a:cs typeface="Courier" charset="0"/>
                         </a:rPr>
                         <a:t>Exceptionally tight knit</a:t>
                       </a:r>
                       <a:r>
-                        <a:rPr lang="en-US" baseline="0" dirty="0" smtClean="0">
+                        <a:rPr lang="en-US" sz="1600" baseline="0" dirty="0" smtClean="0">
                           <a:solidFill>
                             <a:schemeClr val="bg1"/>
                           </a:solidFill>
+                          <a:latin typeface="Courier" charset="0"/>
+                          <a:ea typeface="Courier" charset="0"/>
+                          <a:cs typeface="Courier" charset="0"/>
                         </a:rPr>
                         <a:t> teams</a:t>
                       </a:r>
@@ -3596,10 +8195,13 @@
                         <a:defRPr/>
                       </a:pPr>
                       <a:r>
-                        <a:rPr lang="en-US" baseline="0" dirty="0" smtClean="0">
+                        <a:rPr lang="en-US" sz="1600" baseline="0" dirty="0" smtClean="0">
                           <a:solidFill>
                             <a:schemeClr val="bg1"/>
                           </a:solidFill>
+                          <a:latin typeface="Courier" charset="0"/>
+                          <a:ea typeface="Courier" charset="0"/>
+                          <a:cs typeface="Courier" charset="0"/>
                         </a:rPr>
                         <a:t>Substantial expertise in virtualization, storage</a:t>
                       </a:r>
@@ -3623,10 +8225,13 @@
                         <a:defRPr/>
                       </a:pPr>
                       <a:r>
-                        <a:rPr lang="en-US" baseline="0" dirty="0" smtClean="0">
+                        <a:rPr lang="en-US" sz="1600" baseline="0" dirty="0" smtClean="0">
                           <a:solidFill>
                             <a:schemeClr val="bg1"/>
                           </a:solidFill>
+                          <a:latin typeface="Courier" charset="0"/>
+                          <a:ea typeface="Courier" charset="0"/>
+                          <a:cs typeface="Courier" charset="0"/>
                         </a:rPr>
                         <a:t>Strong operational background</a:t>
                       </a:r>
@@ -3649,10 +8254,54 @@
                         <a:tabLst/>
                         <a:defRPr/>
                       </a:pPr>
-                      <a:endParaRPr lang="en-US" dirty="0">
+                      <a:r>
+                        <a:rPr lang="en-US" sz="1600" baseline="0" dirty="0" smtClean="0">
+                          <a:solidFill>
+                            <a:schemeClr val="bg1"/>
+                          </a:solidFill>
+                          <a:latin typeface="Courier" charset="0"/>
+                          <a:ea typeface="Courier" charset="0"/>
+                          <a:cs typeface="Courier" charset="0"/>
+                        </a:rPr>
+                        <a:t>Entrepreneurial DNA</a:t>
+                      </a:r>
+                    </a:p>
+                    <a:p>
+                      <a:pPr marL="285750" marR="0" lvl="0" indent="-285750" algn="l" defTabSz="914400" rtl="0" eaLnBrk="1" fontAlgn="auto" latinLnBrk="0" hangingPunct="1">
+                        <a:lnSpc>
+                          <a:spcPct val="100000"/>
+                        </a:lnSpc>
+                        <a:spcBef>
+                          <a:spcPts val="0"/>
+                        </a:spcBef>
+                        <a:spcAft>
+                          <a:spcPts val="0"/>
+                        </a:spcAft>
+                        <a:buClrTx/>
+                        <a:buSzTx/>
+                        <a:buFont typeface="Arial" charset="0"/>
+                        <a:buChar char="•"/>
+                        <a:tabLst/>
+                        <a:defRPr/>
+                      </a:pPr>
+                      <a:r>
+                        <a:rPr lang="en-US" sz="1600" baseline="0" dirty="0" smtClean="0">
+                          <a:solidFill>
+                            <a:schemeClr val="bg1"/>
+                          </a:solidFill>
+                          <a:latin typeface="Courier" charset="0"/>
+                          <a:ea typeface="Courier" charset="0"/>
+                          <a:cs typeface="Courier" charset="0"/>
+                        </a:rPr>
+                        <a:t>Low turnover in team (loyalty)</a:t>
+                      </a:r>
+                      <a:endParaRPr lang="en-US" sz="1600" dirty="0">
                         <a:solidFill>
                           <a:schemeClr val="bg1"/>
                         </a:solidFill>
+                        <a:latin typeface="Courier" charset="0"/>
+                        <a:ea typeface="Courier" charset="0"/>
+                        <a:cs typeface="Courier" charset="0"/>
                       </a:endParaRPr>
                     </a:p>
                   </a:txBody>
@@ -3718,10 +8367,13 @@
                         <a:defRPr/>
                       </a:pPr>
                       <a:r>
-                        <a:rPr lang="en-US" sz="2400" u="sng" dirty="0" smtClean="0">
+                        <a:rPr lang="en-US" sz="2000" u="sng" dirty="0" smtClean="0">
                           <a:solidFill>
                             <a:schemeClr val="bg1"/>
                           </a:solidFill>
+                          <a:latin typeface="Courier" charset="0"/>
+                          <a:ea typeface="Courier" charset="0"/>
+                          <a:cs typeface="Courier" charset="0"/>
                         </a:rPr>
                         <a:t>Weaknesses</a:t>
                       </a:r>
@@ -3745,10 +8397,62 @@
                         <a:defRPr/>
                       </a:pPr>
                       <a:r>
-                        <a:rPr lang="en-US" dirty="0" smtClean="0">
+                        <a:rPr lang="en-US" sz="1600" baseline="0" dirty="0" smtClean="0">
                           <a:solidFill>
                             <a:schemeClr val="bg1"/>
                           </a:solidFill>
+                          <a:latin typeface="Courier" charset="0"/>
+                          <a:ea typeface="Courier" charset="0"/>
+                          <a:cs typeface="Courier" charset="0"/>
+                        </a:rPr>
+                        <a:t>Reliance on vendors (COTS, </a:t>
+                      </a:r>
+                      <a:r>
+                        <a:rPr lang="en-US" sz="1600" baseline="0" dirty="0" smtClean="0">
+                          <a:solidFill>
+                            <a:schemeClr val="bg1"/>
+                          </a:solidFill>
+                          <a:latin typeface="Courier" charset="0"/>
+                          <a:ea typeface="Courier" charset="0"/>
+                          <a:cs typeface="Courier" charset="0"/>
+                        </a:rPr>
+                        <a:t>Microsoft)</a:t>
+                      </a:r>
+                      <a:endParaRPr lang="en-US" sz="1600" baseline="0" dirty="0" smtClean="0">
+                        <a:solidFill>
+                          <a:schemeClr val="bg1"/>
+                        </a:solidFill>
+                        <a:latin typeface="Courier" charset="0"/>
+                        <a:ea typeface="Courier" charset="0"/>
+                        <a:cs typeface="Courier" charset="0"/>
+                      </a:endParaRPr>
+                    </a:p>
+                    <a:p>
+                      <a:pPr marL="285750" marR="0" lvl="0" indent="-285750" algn="l" defTabSz="914400" rtl="0" eaLnBrk="1" fontAlgn="auto" latinLnBrk="0" hangingPunct="1">
+                        <a:lnSpc>
+                          <a:spcPct val="100000"/>
+                        </a:lnSpc>
+                        <a:spcBef>
+                          <a:spcPts val="0"/>
+                        </a:spcBef>
+                        <a:spcAft>
+                          <a:spcPts val="0"/>
+                        </a:spcAft>
+                        <a:buClrTx/>
+                        <a:buSzTx/>
+                        <a:buFont typeface="Arial" charset="0"/>
+                        <a:buChar char="•"/>
+                        <a:tabLst/>
+                        <a:defRPr/>
+                      </a:pPr>
+                      <a:r>
+                        <a:rPr lang="en-US" sz="1600" dirty="0" smtClean="0">
+                          <a:solidFill>
+                            <a:schemeClr val="bg1"/>
+                          </a:solidFill>
+                          <a:latin typeface="Courier" charset="0"/>
+                          <a:ea typeface="Courier" charset="0"/>
+                          <a:cs typeface="Courier" charset="0"/>
                         </a:rPr>
                         <a:t>Single threaded in a number of technologies</a:t>
                       </a:r>
@@ -3772,37 +8476,13 @@
                         <a:defRPr/>
                       </a:pPr>
                       <a:r>
-                        <a:rPr lang="en-US" baseline="0" dirty="0" smtClean="0">
+                        <a:rPr lang="en-US" sz="1600" baseline="0" dirty="0" smtClean="0">
                           <a:solidFill>
                             <a:schemeClr val="bg1"/>
                           </a:solidFill>
-                        </a:rPr>
-                        <a:t>Reliance on vendors (COTS, Microsoft, EMC)</a:t>
-                      </a:r>
-                    </a:p>
-                    <a:p>
-                      <a:pPr marL="285750" marR="0" lvl="0" indent="-285750" algn="l" defTabSz="914400" rtl="0" eaLnBrk="1" fontAlgn="auto" latinLnBrk="0" hangingPunct="1">
-                        <a:lnSpc>
-                          <a:spcPct val="100000"/>
-                        </a:lnSpc>
-                        <a:spcBef>
-                          <a:spcPts val="0"/>
-                        </a:spcBef>
-                        <a:spcAft>
-                          <a:spcPts val="0"/>
-                        </a:spcAft>
-                        <a:buClrTx/>
-                        <a:buSzTx/>
-                        <a:buFont typeface="Arial" charset="0"/>
-                        <a:buChar char="•"/>
-                        <a:tabLst/>
-                        <a:defRPr/>
-                      </a:pPr>
-                      <a:r>
-                        <a:rPr lang="en-US" baseline="0" dirty="0" smtClean="0">
-                          <a:solidFill>
-                            <a:schemeClr val="bg1"/>
-                          </a:solidFill>
+                          <a:latin typeface="Courier" charset="0"/>
+                          <a:ea typeface="Courier" charset="0"/>
+                          <a:cs typeface="Courier" charset="0"/>
                         </a:rPr>
                         <a:t>Substantial legacy footprint</a:t>
                       </a:r>
@@ -3826,12 +8506,15 @@
                         <a:defRPr/>
                       </a:pPr>
                       <a:r>
-                        <a:rPr lang="en-US" baseline="0" dirty="0" smtClean="0">
+                        <a:rPr lang="en-US" sz="1600" baseline="0" dirty="0" smtClean="0">
                           <a:solidFill>
                             <a:schemeClr val="bg1"/>
                           </a:solidFill>
+                          <a:latin typeface="Courier" charset="0"/>
+                          <a:ea typeface="Courier" charset="0"/>
+                          <a:cs typeface="Courier" charset="0"/>
                         </a:rPr>
-                        <a:t>Large population of long-lived pets</a:t>
+                        <a:t>Large population of long-lived servers </a:t>
                       </a:r>
                     </a:p>
                     <a:p>
@@ -3853,10 +8536,13 @@
                         <a:defRPr/>
                       </a:pPr>
                       <a:r>
-                        <a:rPr lang="en-US" baseline="0" dirty="0" smtClean="0">
+                        <a:rPr lang="en-US" sz="1600" baseline="0" dirty="0" smtClean="0">
                           <a:solidFill>
                             <a:schemeClr val="bg1"/>
                           </a:solidFill>
+                          <a:latin typeface="Courier" charset="0"/>
+                          <a:ea typeface="Courier" charset="0"/>
+                          <a:cs typeface="Courier" charset="0"/>
                         </a:rPr>
                         <a:t>Organization not “product” oriented</a:t>
                       </a:r>
@@ -3880,10 +8566,13 @@
                         <a:defRPr/>
                       </a:pPr>
                       <a:r>
-                        <a:rPr lang="en-US" baseline="0" dirty="0" smtClean="0">
+                        <a:rPr lang="en-US" sz="1600" baseline="0" dirty="0" smtClean="0">
                           <a:solidFill>
                             <a:schemeClr val="bg1"/>
                           </a:solidFill>
+                          <a:latin typeface="Courier" charset="0"/>
+                          <a:ea typeface="Courier" charset="0"/>
+                          <a:cs typeface="Courier" charset="0"/>
                         </a:rPr>
                         <a:t>Decentralized Internal Customer base</a:t>
                       </a:r>
@@ -3953,10 +8642,13 @@
                         <a:defRPr/>
                       </a:pPr>
                       <a:r>
-                        <a:rPr lang="en-US" sz="2400" u="sng" dirty="0" smtClean="0">
+                        <a:rPr lang="en-US" sz="2000" u="sng" dirty="0" smtClean="0">
                           <a:solidFill>
                             <a:schemeClr val="bg1"/>
                           </a:solidFill>
+                          <a:latin typeface="Courier" charset="0"/>
+                          <a:ea typeface="Courier" charset="0"/>
+                          <a:cs typeface="Courier" charset="0"/>
                         </a:rPr>
                         <a:t>Opportunities</a:t>
                       </a:r>
@@ -3980,21 +8672,35 @@
                         <a:defRPr/>
                       </a:pPr>
                       <a:r>
-                        <a:rPr lang="en-US" dirty="0" smtClean="0">
+                        <a:rPr lang="en-US" sz="1600" baseline="0" dirty="0" smtClean="0">
                           <a:solidFill>
                             <a:schemeClr val="bg1"/>
                           </a:solidFill>
+                          <a:latin typeface="Courier" charset="0"/>
+                          <a:ea typeface="Courier" charset="0"/>
+                          <a:cs typeface="Courier" charset="0"/>
                         </a:rPr>
-                        <a:t>“Trying new</a:t>
+                        <a:t>Centralized Infrastructure </a:t>
                       </a:r>
                       <a:r>
-                        <a:rPr lang="en-US" baseline="0" dirty="0" smtClean="0">
+                        <a:rPr lang="en-US" sz="1600" baseline="0" dirty="0" smtClean="0">
                           <a:solidFill>
                             <a:schemeClr val="bg1"/>
                           </a:solidFill>
+                          <a:latin typeface="Courier" charset="0"/>
+                          <a:ea typeface="Courier" charset="0"/>
+                          <a:cs typeface="Courier" charset="0"/>
                         </a:rPr>
-                        <a:t> things since 1938”</a:t>
+                        <a:t>Engineering</a:t>
                       </a:r>
+                      <a:endParaRPr lang="en-US" sz="1600" baseline="0" dirty="0" smtClean="0">
+                        <a:solidFill>
+                          <a:schemeClr val="bg1"/>
+                        </a:solidFill>
+                        <a:latin typeface="Courier" charset="0"/>
+                        <a:ea typeface="Courier" charset="0"/>
+                        <a:cs typeface="Courier" charset="0"/>
+                      </a:endParaRPr>
                     </a:p>
                     <a:p>
                       <a:pPr marL="285750" marR="0" lvl="0" indent="-285750" algn="l" defTabSz="914400" rtl="0" eaLnBrk="1" fontAlgn="auto" latinLnBrk="0" hangingPunct="1">
@@ -4015,12 +8721,15 @@
                         <a:defRPr/>
                       </a:pPr>
                       <a:r>
-                        <a:rPr lang="en-US" baseline="0" dirty="0" smtClean="0">
+                        <a:rPr lang="en-US" sz="1600" baseline="0" dirty="0" smtClean="0">
                           <a:solidFill>
                             <a:schemeClr val="bg1"/>
                           </a:solidFill>
+                          <a:latin typeface="Courier" charset="0"/>
+                          <a:ea typeface="Courier" charset="0"/>
+                          <a:cs typeface="Courier" charset="0"/>
                         </a:rPr>
-                        <a:t>Centralized Infrastructure Engineering teams</a:t>
+                        <a:t>2 Engineers with scripting capabilities</a:t>
                       </a:r>
                     </a:p>
                     <a:p>
@@ -4041,64 +8750,13 @@
                         <a:tabLst/>
                         <a:defRPr/>
                       </a:pPr>
-                      <a:r>
-                        <a:rPr lang="en-US" dirty="0" smtClean="0">
-                          <a:solidFill>
-                            <a:schemeClr val="bg1"/>
-                          </a:solidFill>
-                        </a:rPr>
-                        <a:t>Learning Organization / Generative Culture</a:t>
-                      </a:r>
-                    </a:p>
-                    <a:p>
-                      <a:pPr marL="285750" marR="0" lvl="0" indent="-285750" algn="l" defTabSz="914400" rtl="0" eaLnBrk="1" fontAlgn="auto" latinLnBrk="0" hangingPunct="1">
-                        <a:lnSpc>
-                          <a:spcPct val="100000"/>
-                        </a:lnSpc>
-                        <a:spcBef>
-                          <a:spcPts val="0"/>
-                        </a:spcBef>
-                        <a:spcAft>
-                          <a:spcPts val="0"/>
-                        </a:spcAft>
-                        <a:buClrTx/>
-                        <a:buSzTx/>
-                        <a:buFont typeface="Arial" charset="0"/>
-                        <a:buChar char="•"/>
-                        <a:tabLst/>
-                        <a:defRPr/>
-                      </a:pPr>
-                      <a:r>
-                        <a:rPr lang="en-US" dirty="0" smtClean="0">
-                          <a:solidFill>
-                            <a:schemeClr val="bg1"/>
-                          </a:solidFill>
-                        </a:rPr>
-                        <a:t>Engineering orientation</a:t>
-                      </a:r>
-                    </a:p>
-                    <a:p>
-                      <a:pPr marL="285750" marR="0" lvl="0" indent="-285750" algn="l" defTabSz="914400" rtl="0" eaLnBrk="1" fontAlgn="auto" latinLnBrk="0" hangingPunct="1">
-                        <a:lnSpc>
-                          <a:spcPct val="100000"/>
-                        </a:lnSpc>
-                        <a:spcBef>
-                          <a:spcPts val="0"/>
-                        </a:spcBef>
-                        <a:spcAft>
-                          <a:spcPts val="0"/>
-                        </a:spcAft>
-                        <a:buClrTx/>
-                        <a:buSzTx/>
-                        <a:buFont typeface="Arial" charset="0"/>
-                        <a:buChar char="•"/>
-                        <a:tabLst/>
-                        <a:defRPr/>
-                      </a:pPr>
-                      <a:endParaRPr lang="en-US" dirty="0" smtClean="0">
+                      <a:endParaRPr lang="en-US" sz="1600" baseline="0" dirty="0" smtClean="0">
                         <a:solidFill>
                           <a:schemeClr val="bg1"/>
                         </a:solidFill>
+                        <a:latin typeface="Courier" charset="0"/>
+                        <a:ea typeface="Courier" charset="0"/>
+                        <a:cs typeface="Courier" charset="0"/>
                       </a:endParaRPr>
                     </a:p>
                   </a:txBody>
@@ -4164,10 +8822,13 @@
                         <a:defRPr/>
                       </a:pPr>
                       <a:r>
-                        <a:rPr lang="en-US" sz="2400" u="sng" dirty="0" smtClean="0">
+                        <a:rPr lang="en-US" sz="2000" u="sng" dirty="0" smtClean="0">
                           <a:solidFill>
                             <a:schemeClr val="bg1"/>
                           </a:solidFill>
+                          <a:latin typeface="Courier" charset="0"/>
+                          <a:ea typeface="Courier" charset="0"/>
+                          <a:cs typeface="Courier" charset="0"/>
                         </a:rPr>
                         <a:t>Threats</a:t>
                       </a:r>
@@ -4190,18 +8851,13 @@
                         <a:tabLst/>
                         <a:defRPr/>
                       </a:pPr>
-                      <a:r>
-                        <a:rPr lang="en-US" dirty="0" smtClean="0">
-                          <a:solidFill>
-                            <a:schemeClr val="bg1"/>
-                          </a:solidFill>
-                        </a:rPr>
-                        <a:t>Scripting / automation</a:t>
-                      </a:r>
-                      <a:endParaRPr lang="en-US" baseline="0" dirty="0" smtClean="0">
+                      <a:endParaRPr lang="en-US" sz="1600" baseline="0" dirty="0" smtClean="0">
                         <a:solidFill>
                           <a:schemeClr val="bg1"/>
                         </a:solidFill>
+                        <a:latin typeface="Courier" charset="0"/>
+                        <a:ea typeface="Courier" charset="0"/>
+                        <a:cs typeface="Courier" charset="0"/>
                       </a:endParaRPr>
                     </a:p>
                     <a:p>
@@ -4222,10 +8878,13 @@
                         <a:tabLst/>
                         <a:defRPr/>
                       </a:pPr>
-                      <a:endParaRPr lang="en-US" dirty="0" smtClean="0">
+                      <a:endParaRPr lang="en-US" sz="1600" dirty="0" smtClean="0">
                         <a:solidFill>
                           <a:schemeClr val="bg1"/>
                         </a:solidFill>
+                        <a:latin typeface="Courier" charset="0"/>
+                        <a:ea typeface="Courier" charset="0"/>
+                        <a:cs typeface="Courier" charset="0"/>
                       </a:endParaRPr>
                     </a:p>
                     <a:p>
@@ -4233,10 +8892,13 @@
                         <a:buFont typeface="Arial" charset="0"/>
                         <a:buChar char="•"/>
                       </a:pPr>
-                      <a:endParaRPr lang="en-US" dirty="0">
+                      <a:endParaRPr lang="en-US" sz="1600" dirty="0">
                         <a:solidFill>
                           <a:schemeClr val="bg1"/>
                         </a:solidFill>
+                        <a:latin typeface="Courier" charset="0"/>
+                        <a:ea typeface="Courier" charset="0"/>
+                        <a:cs typeface="Courier" charset="0"/>
                       </a:endParaRPr>
                     </a:p>
                   </a:txBody>
@@ -4370,7 +9032,7 @@
           <a:p>
             <a:r>
               <a:rPr lang="en-US" dirty="0" smtClean="0"/>
-              <a:t>Small batch DevOps</a:t>
+              <a:t>Small batch DevOps®</a:t>
             </a:r>
             <a:endParaRPr lang="en-US" dirty="0"/>
           </a:p>
@@ -4434,7 +9096,7 @@
             </a:pPr>
             <a:r>
               <a:rPr lang="en-US" dirty="0" smtClean="0"/>
-              <a:t>Make Work Visible (Tactic 11)</a:t>
+              <a:t>Make Work Visible (Tactic 11) – TFS Kanban</a:t>
             </a:r>
           </a:p>
           <a:p>
@@ -4448,7 +9110,7 @@
             </a:pPr>
             <a:r>
               <a:rPr lang="en-US" dirty="0" smtClean="0"/>
-              <a:t>Experiments (Tactic 4)</a:t>
+              <a:t>Experiments (Tactic 4) – vRA for IaaS</a:t>
             </a:r>
           </a:p>
           <a:p>
@@ -4620,7 +9282,3322 @@
     </p:spTree>
     <p:extLst>
       <p:ext uri="{BB962C8B-B14F-4D97-AF65-F5344CB8AC3E}">
-        <p14:creationId xmlns:p14="http://schemas.microsoft.com/office/powerpoint/2010/main" val="622925917"/>
+        <p14:creationId xmlns:p14="http://schemas.microsoft.com/office/powerpoint/2010/main" val="1427129553"/>
+      </p:ext>
+    </p:extLst>
+  </p:cSld>
+  <p:clrMapOvr>
+    <a:masterClrMapping/>
+  </p:clrMapOvr>
+  <mc:AlternateContent xmlns:mc="http://schemas.openxmlformats.org/markup-compatibility/2006" xmlns:p14="http://schemas.microsoft.com/office/powerpoint/2010/main">
+    <mc:Choice Requires="p14">
+      <p:transition p14:dur="10" advTm="14000"/>
+    </mc:Choice>
+    <mc:Fallback xmlns="">
+      <p:transition advTm="14000"/>
+    </mc:Fallback>
+  </mc:AlternateContent>
+  <p:timing>
+    <p:tnLst>
+      <p:par>
+        <p:cTn id="1" dur="indefinite" restart="never" nodeType="tmRoot"/>
+      </p:par>
+    </p:tnLst>
+  </p:timing>
+</p:sld>
+</file>
+
+<file path=ppt/slides/slide7.xml><?xml version="1.0" encoding="utf-8"?>
+<p:sld xmlns:a="http://schemas.openxmlformats.org/drawingml/2006/main" xmlns:r="http://schemas.openxmlformats.org/officeDocument/2006/relationships" xmlns:p="http://schemas.openxmlformats.org/presentationml/2006/main">
+  <p:cSld>
+    <p:spTree>
+      <p:nvGrpSpPr>
+        <p:cNvPr id="1" name=""/>
+        <p:cNvGrpSpPr/>
+        <p:nvPr/>
+      </p:nvGrpSpPr>
+      <p:grpSpPr>
+        <a:xfrm>
+          <a:off x="0" y="0"/>
+          <a:ext cx="0" cy="0"/>
+          <a:chOff x="0" y="0"/>
+          <a:chExt cx="0" cy="0"/>
+        </a:xfrm>
+      </p:grpSpPr>
+      <p:sp>
+        <p:nvSpPr>
+          <p:cNvPr id="5" name="Title 4"/>
+          <p:cNvSpPr>
+            <a:spLocks noGrp="1"/>
+          </p:cNvSpPr>
+          <p:nvPr>
+            <p:ph type="title"/>
+          </p:nvPr>
+        </p:nvSpPr>
+        <p:spPr/>
+        <p:txBody>
+          <a:bodyPr/>
+          <a:lstStyle/>
+          <a:p>
+            <a:r>
+              <a:rPr lang="en-US" dirty="0" smtClean="0"/>
+              <a:t>2015</a:t>
+            </a:r>
+            <a:endParaRPr lang="en-US" dirty="0"/>
+          </a:p>
+        </p:txBody>
+      </p:sp>
+      <p:graphicFrame>
+        <p:nvGraphicFramePr>
+          <p:cNvPr id="2" name="Content Placeholder 1"/>
+          <p:cNvGraphicFramePr>
+            <a:graphicFrameLocks noGrp="1"/>
+          </p:cNvGraphicFramePr>
+          <p:nvPr>
+            <p:ph idx="1"/>
+            <p:extLst>
+              <p:ext uri="{D42A27DB-BD31-4B8C-83A1-F6EECF244321}">
+                <p14:modId xmlns:p14="http://schemas.microsoft.com/office/powerpoint/2010/main" val="181441050"/>
+              </p:ext>
+            </p:extLst>
+          </p:nvPr>
+        </p:nvGraphicFramePr>
+        <p:xfrm>
+          <a:off x="419100" y="1473199"/>
+          <a:ext cx="11277600" cy="4486910"/>
+        </p:xfrm>
+        <a:graphic>
+          <a:graphicData uri="http://schemas.openxmlformats.org/drawingml/2006/table">
+            <a:tbl>
+              <a:tblPr firstRow="1" bandRow="1">
+                <a:tableStyleId>{2D5ABB26-0587-4C30-8999-92F81FD0307C}</a:tableStyleId>
+              </a:tblPr>
+              <a:tblGrid>
+                <a:gridCol w="5638800"/>
+                <a:gridCol w="5638800"/>
+              </a:tblGrid>
+              <a:tr h="2139950">
+                <a:tc>
+                  <a:txBody>
+                    <a:bodyPr/>
+                    <a:lstStyle/>
+                    <a:p>
+                      <a:pPr marL="285750" marR="0" lvl="0" indent="-285750" algn="ctr" defTabSz="914400" rtl="0" eaLnBrk="1" fontAlgn="auto" latinLnBrk="0" hangingPunct="1">
+                        <a:lnSpc>
+                          <a:spcPct val="100000"/>
+                        </a:lnSpc>
+                        <a:spcBef>
+                          <a:spcPts val="0"/>
+                        </a:spcBef>
+                        <a:spcAft>
+                          <a:spcPts val="0"/>
+                        </a:spcAft>
+                        <a:buClrTx/>
+                        <a:buSzTx/>
+                        <a:buFont typeface="Arial" charset="0"/>
+                        <a:buNone/>
+                        <a:tabLst/>
+                        <a:defRPr/>
+                      </a:pPr>
+                      <a:r>
+                        <a:rPr lang="en-US" sz="2000" u="sng" dirty="0" smtClean="0">
+                          <a:solidFill>
+                            <a:schemeClr val="bg1"/>
+                          </a:solidFill>
+                          <a:latin typeface="Courier" charset="0"/>
+                          <a:ea typeface="Courier" charset="0"/>
+                          <a:cs typeface="Courier" charset="0"/>
+                        </a:rPr>
+                        <a:t>Q1</a:t>
+                      </a:r>
+                    </a:p>
+                    <a:p>
+                      <a:pPr marL="285750" marR="0" lvl="0" indent="-285750" algn="l" defTabSz="914400" rtl="0" eaLnBrk="1" fontAlgn="auto" latinLnBrk="0" hangingPunct="1">
+                        <a:lnSpc>
+                          <a:spcPct val="100000"/>
+                        </a:lnSpc>
+                        <a:spcBef>
+                          <a:spcPts val="0"/>
+                        </a:spcBef>
+                        <a:spcAft>
+                          <a:spcPts val="0"/>
+                        </a:spcAft>
+                        <a:buClrTx/>
+                        <a:buSzTx/>
+                        <a:buFont typeface="Arial" charset="0"/>
+                        <a:buChar char="•"/>
+                        <a:tabLst/>
+                        <a:defRPr/>
+                      </a:pPr>
+                      <a:r>
+                        <a:rPr lang="en-US" sz="1600" baseline="0" dirty="0" smtClean="0">
+                          <a:solidFill>
+                            <a:schemeClr val="bg1"/>
+                          </a:solidFill>
+                          <a:latin typeface="Courier" charset="0"/>
+                          <a:ea typeface="Courier" charset="0"/>
+                          <a:cs typeface="Courier" charset="0"/>
+                        </a:rPr>
+                        <a:t>Daily Standup </a:t>
+                      </a:r>
+                      <a:r>
+                        <a:rPr lang="en-US" sz="1600" baseline="0" dirty="0" smtClean="0">
+                          <a:solidFill>
+                            <a:schemeClr val="bg1"/>
+                          </a:solidFill>
+                          <a:latin typeface="Courier" charset="0"/>
+                          <a:ea typeface="Courier" charset="0"/>
+                          <a:cs typeface="Courier" charset="0"/>
+                          <a:sym typeface="Wingdings"/>
+                        </a:rPr>
+                        <a:t> Weekly Standup</a:t>
+                      </a:r>
+                    </a:p>
+                    <a:p>
+                      <a:pPr marL="285750" marR="0" lvl="0" indent="-285750" algn="l" defTabSz="914400" rtl="0" eaLnBrk="1" fontAlgn="auto" latinLnBrk="0" hangingPunct="1">
+                        <a:lnSpc>
+                          <a:spcPct val="100000"/>
+                        </a:lnSpc>
+                        <a:spcBef>
+                          <a:spcPts val="0"/>
+                        </a:spcBef>
+                        <a:spcAft>
+                          <a:spcPts val="0"/>
+                        </a:spcAft>
+                        <a:buClrTx/>
+                        <a:buSzTx/>
+                        <a:buFont typeface="Arial" charset="0"/>
+                        <a:buChar char="•"/>
+                        <a:tabLst/>
+                        <a:defRPr/>
+                      </a:pPr>
+                      <a:r>
+                        <a:rPr lang="en-US" sz="1600" baseline="0" dirty="0" smtClean="0">
+                          <a:solidFill>
+                            <a:schemeClr val="bg1"/>
+                          </a:solidFill>
+                          <a:latin typeface="Courier" charset="0"/>
+                          <a:ea typeface="Courier" charset="0"/>
+                          <a:cs typeface="Courier" charset="0"/>
+                          <a:sym typeface="Wingdings"/>
+                        </a:rPr>
+                        <a:t>TFS Kanban</a:t>
+                      </a:r>
+                    </a:p>
+                    <a:p>
+                      <a:pPr marL="285750" marR="0" lvl="0" indent="-285750" algn="l" defTabSz="914400" rtl="0" eaLnBrk="1" fontAlgn="auto" latinLnBrk="0" hangingPunct="1">
+                        <a:lnSpc>
+                          <a:spcPct val="100000"/>
+                        </a:lnSpc>
+                        <a:spcBef>
+                          <a:spcPts val="0"/>
+                        </a:spcBef>
+                        <a:spcAft>
+                          <a:spcPts val="0"/>
+                        </a:spcAft>
+                        <a:buClrTx/>
+                        <a:buSzTx/>
+                        <a:buFont typeface="Arial" charset="0"/>
+                        <a:buChar char="•"/>
+                        <a:tabLst/>
+                        <a:defRPr/>
+                      </a:pPr>
+                      <a:r>
+                        <a:rPr lang="en-US" sz="1600" baseline="0" dirty="0" smtClean="0">
+                          <a:solidFill>
+                            <a:schemeClr val="bg1"/>
+                          </a:solidFill>
+                          <a:latin typeface="Courier" charset="0"/>
+                          <a:ea typeface="Courier" charset="0"/>
+                          <a:cs typeface="Courier" charset="0"/>
+                          <a:sym typeface="Wingdings"/>
+                        </a:rPr>
+                        <a:t>TFS Version Control : </a:t>
+                      </a:r>
+                      <a:r>
+                        <a:rPr lang="en-US" sz="1600" i="1" baseline="0" dirty="0" smtClean="0">
+                          <a:solidFill>
+                            <a:schemeClr val="bg1"/>
+                          </a:solidFill>
+                          <a:latin typeface="Courier" charset="0"/>
+                          <a:ea typeface="Courier" charset="0"/>
+                          <a:cs typeface="Courier" charset="0"/>
+                          <a:sym typeface="Wingdings"/>
+                        </a:rPr>
+                        <a:t>Goal 250 artifacts</a:t>
+                      </a:r>
+                    </a:p>
+                    <a:p>
+                      <a:pPr marL="285750" marR="0" lvl="0" indent="-285750" algn="l" defTabSz="914400" rtl="0" eaLnBrk="1" fontAlgn="auto" latinLnBrk="0" hangingPunct="1">
+                        <a:lnSpc>
+                          <a:spcPct val="100000"/>
+                        </a:lnSpc>
+                        <a:spcBef>
+                          <a:spcPts val="0"/>
+                        </a:spcBef>
+                        <a:spcAft>
+                          <a:spcPts val="0"/>
+                        </a:spcAft>
+                        <a:buClrTx/>
+                        <a:buSzTx/>
+                        <a:buFont typeface="Arial" charset="0"/>
+                        <a:buChar char="•"/>
+                        <a:tabLst/>
+                        <a:defRPr/>
+                      </a:pPr>
+                      <a:r>
+                        <a:rPr lang="en-US" sz="1600" baseline="0" dirty="0" smtClean="0">
+                          <a:solidFill>
+                            <a:schemeClr val="bg1"/>
+                          </a:solidFill>
+                          <a:latin typeface="Courier" charset="0"/>
+                          <a:ea typeface="Courier" charset="0"/>
+                          <a:cs typeface="Courier" charset="0"/>
+                          <a:sym typeface="Wingdings"/>
+                        </a:rPr>
+                        <a:t>Conferences – spread wealth</a:t>
+                      </a:r>
+                    </a:p>
+                    <a:p>
+                      <a:pPr marL="285750" marR="0" lvl="0" indent="-285750" algn="l" defTabSz="914400" rtl="0" eaLnBrk="1" fontAlgn="auto" latinLnBrk="0" hangingPunct="1">
+                        <a:lnSpc>
+                          <a:spcPct val="100000"/>
+                        </a:lnSpc>
+                        <a:spcBef>
+                          <a:spcPts val="0"/>
+                        </a:spcBef>
+                        <a:spcAft>
+                          <a:spcPts val="0"/>
+                        </a:spcAft>
+                        <a:buClrTx/>
+                        <a:buSzTx/>
+                        <a:buFont typeface="Arial" charset="0"/>
+                        <a:buChar char="•"/>
+                        <a:tabLst/>
+                        <a:defRPr/>
+                      </a:pPr>
+                      <a:r>
+                        <a:rPr lang="en-US" sz="1600" baseline="0" dirty="0" smtClean="0">
+                          <a:solidFill>
+                            <a:schemeClr val="bg1"/>
+                          </a:solidFill>
+                          <a:latin typeface="Courier" charset="0"/>
+                          <a:ea typeface="Courier" charset="0"/>
+                          <a:cs typeface="Courier" charset="0"/>
+                        </a:rPr>
+                        <a:t>DevOps in a Microsoft World </a:t>
+                      </a:r>
+                      <a:r>
+                        <a:rPr lang="en-US" sz="1600" baseline="0" dirty="0" smtClean="0">
+                          <a:solidFill>
+                            <a:schemeClr val="bg1"/>
+                          </a:solidFill>
+                          <a:latin typeface="Courier" charset="0"/>
+                          <a:ea typeface="Courier" charset="0"/>
+                          <a:cs typeface="Courier" charset="0"/>
+                        </a:rPr>
+                        <a:t>(</a:t>
+                      </a:r>
+                      <a:r>
+                        <a:rPr lang="en-US" sz="1600" baseline="0" dirty="0" err="1" smtClean="0">
+                          <a:solidFill>
+                            <a:schemeClr val="bg1"/>
+                          </a:solidFill>
+                          <a:latin typeface="Courier" charset="0"/>
+                          <a:ea typeface="Courier" charset="0"/>
+                          <a:cs typeface="Courier" charset="0"/>
+                        </a:rPr>
+                        <a:t>Snover</a:t>
+                      </a:r>
+                      <a:r>
+                        <a:rPr lang="en-US" sz="1600" baseline="0" dirty="0" smtClean="0">
+                          <a:solidFill>
+                            <a:schemeClr val="bg1"/>
+                          </a:solidFill>
+                          <a:latin typeface="Courier" charset="0"/>
+                          <a:ea typeface="Courier" charset="0"/>
+                          <a:cs typeface="Courier" charset="0"/>
+                        </a:rPr>
+                        <a:t>)</a:t>
+                      </a:r>
+                    </a:p>
+                    <a:p>
+                      <a:pPr marL="285750" marR="0" lvl="0" indent="-285750" algn="l" defTabSz="914400" rtl="0" eaLnBrk="1" fontAlgn="auto" latinLnBrk="0" hangingPunct="1">
+                        <a:lnSpc>
+                          <a:spcPct val="100000"/>
+                        </a:lnSpc>
+                        <a:spcBef>
+                          <a:spcPts val="0"/>
+                        </a:spcBef>
+                        <a:spcAft>
+                          <a:spcPts val="0"/>
+                        </a:spcAft>
+                        <a:buClrTx/>
+                        <a:buSzTx/>
+                        <a:buFont typeface="Arial" charset="0"/>
+                        <a:buChar char="•"/>
+                        <a:tabLst/>
+                        <a:defRPr/>
+                      </a:pPr>
+                      <a:r>
+                        <a:rPr lang="en-US" sz="1600" baseline="0" dirty="0" smtClean="0">
+                          <a:solidFill>
+                            <a:schemeClr val="bg1"/>
+                          </a:solidFill>
+                          <a:latin typeface="Courier" charset="0"/>
+                          <a:ea typeface="Courier" charset="0"/>
+                          <a:cs typeface="Courier" charset="0"/>
+                        </a:rPr>
+                        <a:t>Primary / Alternate engineer swaps</a:t>
+                      </a:r>
+                    </a:p>
+                  </a:txBody>
+                  <a:tcPr>
+                    <a:lnL w="12700" cap="flat" cmpd="sng" algn="ctr">
+                      <a:solidFill>
+                        <a:schemeClr val="bg1"/>
+                      </a:solidFill>
+                      <a:prstDash val="solid"/>
+                      <a:round/>
+                      <a:headEnd type="none" w="med" len="med"/>
+                      <a:tailEnd type="none" w="med" len="med"/>
+                    </a:lnL>
+                    <a:lnR w="12700" cap="flat" cmpd="sng" algn="ctr">
+                      <a:solidFill>
+                        <a:schemeClr val="bg1"/>
+                      </a:solidFill>
+                      <a:prstDash val="solid"/>
+                      <a:round/>
+                      <a:headEnd type="none" w="med" len="med"/>
+                      <a:tailEnd type="none" w="med" len="med"/>
+                    </a:lnR>
+                    <a:lnT w="12700" cap="flat" cmpd="sng" algn="ctr">
+                      <a:solidFill>
+                        <a:schemeClr val="bg1"/>
+                      </a:solidFill>
+                      <a:prstDash val="solid"/>
+                      <a:round/>
+                      <a:headEnd type="none" w="med" len="med"/>
+                      <a:tailEnd type="none" w="med" len="med"/>
+                    </a:lnT>
+                    <a:lnB w="12700" cap="flat" cmpd="sng" algn="ctr">
+                      <a:solidFill>
+                        <a:schemeClr val="bg1"/>
+                      </a:solidFill>
+                      <a:prstDash val="solid"/>
+                      <a:round/>
+                      <a:headEnd type="none" w="med" len="med"/>
+                      <a:tailEnd type="none" w="med" len="med"/>
+                    </a:lnB>
+                  </a:tcPr>
+                </a:tc>
+                <a:tc>
+                  <a:txBody>
+                    <a:bodyPr/>
+                    <a:lstStyle/>
+                    <a:p>
+                      <a:pPr marL="285750" marR="0" lvl="0" indent="-285750" algn="ctr" defTabSz="914400" rtl="0" eaLnBrk="1" fontAlgn="auto" latinLnBrk="0" hangingPunct="1">
+                        <a:lnSpc>
+                          <a:spcPct val="100000"/>
+                        </a:lnSpc>
+                        <a:spcBef>
+                          <a:spcPts val="0"/>
+                        </a:spcBef>
+                        <a:spcAft>
+                          <a:spcPts val="0"/>
+                        </a:spcAft>
+                        <a:buClrTx/>
+                        <a:buSzTx/>
+                        <a:buFont typeface="Arial" charset="0"/>
+                        <a:buNone/>
+                        <a:tabLst/>
+                        <a:defRPr/>
+                      </a:pPr>
+                      <a:r>
+                        <a:rPr lang="en-US" sz="2000" u="sng" dirty="0" smtClean="0">
+                          <a:solidFill>
+                            <a:schemeClr val="bg1"/>
+                          </a:solidFill>
+                          <a:latin typeface="Courier" charset="0"/>
+                          <a:ea typeface="Courier" charset="0"/>
+                          <a:cs typeface="Courier" charset="0"/>
+                        </a:rPr>
+                        <a:t>Q2</a:t>
+                      </a:r>
+                    </a:p>
+                    <a:p>
+                      <a:pPr marL="285750" marR="0" lvl="0" indent="-285750" algn="l" defTabSz="914400" rtl="0" eaLnBrk="1" fontAlgn="auto" latinLnBrk="0" hangingPunct="1">
+                        <a:lnSpc>
+                          <a:spcPct val="100000"/>
+                        </a:lnSpc>
+                        <a:spcBef>
+                          <a:spcPts val="0"/>
+                        </a:spcBef>
+                        <a:spcAft>
+                          <a:spcPts val="0"/>
+                        </a:spcAft>
+                        <a:buClrTx/>
+                        <a:buSzTx/>
+                        <a:buFont typeface="Arial" charset="0"/>
+                        <a:buChar char="•"/>
+                        <a:tabLst/>
+                        <a:defRPr/>
+                      </a:pPr>
+                      <a:r>
+                        <a:rPr lang="en-US" sz="1600" baseline="0" dirty="0" smtClean="0">
+                          <a:solidFill>
+                            <a:schemeClr val="bg1"/>
+                          </a:solidFill>
+                          <a:latin typeface="Courier" charset="0"/>
+                          <a:ea typeface="Courier" charset="0"/>
+                          <a:cs typeface="Courier" charset="0"/>
+                        </a:rPr>
+                        <a:t>CHEF Conf 2015 x 10</a:t>
+                      </a:r>
+                    </a:p>
+                    <a:p>
+                      <a:pPr marL="285750" marR="0" lvl="0" indent="-285750" algn="l" defTabSz="914400" rtl="0" eaLnBrk="1" fontAlgn="auto" latinLnBrk="0" hangingPunct="1">
+                        <a:lnSpc>
+                          <a:spcPct val="100000"/>
+                        </a:lnSpc>
+                        <a:spcBef>
+                          <a:spcPts val="0"/>
+                        </a:spcBef>
+                        <a:spcAft>
+                          <a:spcPts val="0"/>
+                        </a:spcAft>
+                        <a:buClrTx/>
+                        <a:buSzTx/>
+                        <a:buFont typeface="Arial" charset="0"/>
+                        <a:buChar char="•"/>
+                        <a:tabLst/>
+                        <a:defRPr/>
+                      </a:pPr>
+                      <a:r>
+                        <a:rPr lang="en-US" sz="1600" baseline="0" dirty="0" smtClean="0">
+                          <a:solidFill>
+                            <a:schemeClr val="bg1"/>
+                          </a:solidFill>
+                          <a:latin typeface="Courier" charset="0"/>
+                          <a:ea typeface="Courier" charset="0"/>
+                          <a:cs typeface="Courier" charset="0"/>
+                        </a:rPr>
+                        <a:t>Phoenix Project suggested reading</a:t>
+                      </a:r>
+                    </a:p>
+                    <a:p>
+                      <a:pPr marL="285750" marR="0" lvl="0" indent="-285750" algn="l" defTabSz="914400" rtl="0" eaLnBrk="1" fontAlgn="auto" latinLnBrk="0" hangingPunct="1">
+                        <a:lnSpc>
+                          <a:spcPct val="100000"/>
+                        </a:lnSpc>
+                        <a:spcBef>
+                          <a:spcPts val="0"/>
+                        </a:spcBef>
+                        <a:spcAft>
+                          <a:spcPts val="0"/>
+                        </a:spcAft>
+                        <a:buClrTx/>
+                        <a:buSzTx/>
+                        <a:buFont typeface="Arial" charset="0"/>
+                        <a:buChar char="•"/>
+                        <a:tabLst/>
+                        <a:defRPr/>
+                      </a:pPr>
+                      <a:r>
+                        <a:rPr lang="en-US" sz="1600" baseline="0" dirty="0" smtClean="0">
+                          <a:solidFill>
+                            <a:schemeClr val="bg1"/>
+                          </a:solidFill>
+                          <a:latin typeface="Courier" charset="0"/>
+                          <a:ea typeface="Courier" charset="0"/>
+                          <a:cs typeface="Courier" charset="0"/>
+                        </a:rPr>
+                        <a:t>Nordstrom reference calls</a:t>
+                      </a:r>
+                    </a:p>
+                    <a:p>
+                      <a:pPr marL="285750" marR="0" lvl="0" indent="-285750" algn="l" defTabSz="914400" rtl="0" eaLnBrk="1" fontAlgn="auto" latinLnBrk="0" hangingPunct="1">
+                        <a:lnSpc>
+                          <a:spcPct val="100000"/>
+                        </a:lnSpc>
+                        <a:spcBef>
+                          <a:spcPts val="0"/>
+                        </a:spcBef>
+                        <a:spcAft>
+                          <a:spcPts val="0"/>
+                        </a:spcAft>
+                        <a:buClrTx/>
+                        <a:buSzTx/>
+                        <a:buFont typeface="Arial" charset="0"/>
+                        <a:buChar char="•"/>
+                        <a:tabLst/>
+                        <a:defRPr/>
+                      </a:pPr>
+                      <a:r>
+                        <a:rPr lang="en-US" sz="1600" baseline="0" dirty="0" smtClean="0">
+                          <a:solidFill>
+                            <a:schemeClr val="bg1"/>
+                          </a:solidFill>
+                          <a:latin typeface="Courier" charset="0"/>
+                          <a:ea typeface="Courier" charset="0"/>
+                          <a:cs typeface="Courier" charset="0"/>
+                        </a:rPr>
+                        <a:t>PowerShell to call </a:t>
+                      </a:r>
+                      <a:r>
+                        <a:rPr lang="en-US" sz="1600" baseline="0" dirty="0" err="1" smtClean="0">
+                          <a:solidFill>
+                            <a:schemeClr val="bg1"/>
+                          </a:solidFill>
+                          <a:latin typeface="Courier" charset="0"/>
+                          <a:ea typeface="Courier" charset="0"/>
+                          <a:cs typeface="Courier" charset="0"/>
+                        </a:rPr>
+                        <a:t>vCAC</a:t>
+                      </a:r>
+                      <a:endParaRPr lang="en-US" sz="1600" baseline="0" dirty="0" smtClean="0">
+                        <a:solidFill>
+                          <a:schemeClr val="bg1"/>
+                        </a:solidFill>
+                        <a:latin typeface="Courier" charset="0"/>
+                        <a:ea typeface="Courier" charset="0"/>
+                        <a:cs typeface="Courier" charset="0"/>
+                      </a:endParaRPr>
+                    </a:p>
+                    <a:p>
+                      <a:pPr marL="285750" marR="0" lvl="0" indent="-285750" algn="l" defTabSz="914400" rtl="0" eaLnBrk="1" fontAlgn="auto" latinLnBrk="0" hangingPunct="1">
+                        <a:lnSpc>
+                          <a:spcPct val="100000"/>
+                        </a:lnSpc>
+                        <a:spcBef>
+                          <a:spcPts val="0"/>
+                        </a:spcBef>
+                        <a:spcAft>
+                          <a:spcPts val="0"/>
+                        </a:spcAft>
+                        <a:buClrTx/>
+                        <a:buSzTx/>
+                        <a:buFont typeface="Arial" charset="0"/>
+                        <a:buChar char="•"/>
+                        <a:tabLst/>
+                        <a:defRPr/>
+                      </a:pPr>
+                      <a:r>
+                        <a:rPr lang="en-US" sz="1600" baseline="0" dirty="0" smtClean="0">
+                          <a:solidFill>
+                            <a:schemeClr val="bg1"/>
+                          </a:solidFill>
+                          <a:latin typeface="Courier" charset="0"/>
+                          <a:ea typeface="Courier" charset="0"/>
+                          <a:cs typeface="Courier" charset="0"/>
+                        </a:rPr>
+                        <a:t>Prepare Workspace (TFS, </a:t>
+                      </a:r>
+                      <a:r>
+                        <a:rPr lang="en-US" sz="1600" baseline="0" dirty="0" err="1" smtClean="0">
+                          <a:solidFill>
+                            <a:schemeClr val="bg1"/>
+                          </a:solidFill>
+                          <a:latin typeface="Courier" charset="0"/>
+                          <a:ea typeface="Courier" charset="0"/>
+                          <a:cs typeface="Courier" charset="0"/>
+                        </a:rPr>
+                        <a:t>.Net</a:t>
+                      </a:r>
+                      <a:r>
+                        <a:rPr lang="en-US" sz="1600" baseline="0" dirty="0" smtClean="0">
+                          <a:solidFill>
+                            <a:schemeClr val="bg1"/>
+                          </a:solidFill>
+                          <a:latin typeface="Courier" charset="0"/>
+                          <a:ea typeface="Courier" charset="0"/>
+                          <a:cs typeface="Courier" charset="0"/>
+                        </a:rPr>
+                        <a:t>, </a:t>
+                      </a:r>
+                      <a:r>
+                        <a:rPr lang="en-US" sz="1600" baseline="0" dirty="0" smtClean="0">
+                          <a:solidFill>
+                            <a:schemeClr val="bg1"/>
+                          </a:solidFill>
+                          <a:latin typeface="Courier" charset="0"/>
+                          <a:ea typeface="Courier" charset="0"/>
+                          <a:cs typeface="Courier" charset="0"/>
+                        </a:rPr>
+                        <a:t>PS, </a:t>
+                      </a:r>
+                      <a:r>
+                        <a:rPr lang="en-US" sz="1600" baseline="0" dirty="0" err="1" smtClean="0">
+                          <a:solidFill>
+                            <a:schemeClr val="bg1"/>
+                          </a:solidFill>
+                          <a:latin typeface="Courier" charset="0"/>
+                          <a:ea typeface="Courier" charset="0"/>
+                          <a:cs typeface="Courier" charset="0"/>
+                        </a:rPr>
+                        <a:t>ChefDk</a:t>
+                      </a:r>
+                      <a:r>
+                        <a:rPr lang="en-US" sz="1600" baseline="0" dirty="0" smtClean="0">
+                          <a:solidFill>
+                            <a:schemeClr val="bg1"/>
+                          </a:solidFill>
+                          <a:latin typeface="Courier" charset="0"/>
+                          <a:ea typeface="Courier" charset="0"/>
+                          <a:cs typeface="Courier" charset="0"/>
+                        </a:rPr>
+                        <a:t>)</a:t>
+                      </a:r>
+                    </a:p>
+                    <a:p>
+                      <a:pPr marL="285750" marR="0" lvl="0" indent="-285750" algn="l" defTabSz="914400" rtl="0" eaLnBrk="1" fontAlgn="auto" latinLnBrk="0" hangingPunct="1">
+                        <a:lnSpc>
+                          <a:spcPct val="100000"/>
+                        </a:lnSpc>
+                        <a:spcBef>
+                          <a:spcPts val="0"/>
+                        </a:spcBef>
+                        <a:spcAft>
+                          <a:spcPts val="0"/>
+                        </a:spcAft>
+                        <a:buClrTx/>
+                        <a:buSzTx/>
+                        <a:buFont typeface="Arial" charset="0"/>
+                        <a:buChar char="•"/>
+                        <a:tabLst/>
+                        <a:defRPr/>
+                      </a:pPr>
+                      <a:r>
+                        <a:rPr lang="en-US" sz="1600" baseline="0" dirty="0" smtClean="0">
+                          <a:solidFill>
+                            <a:schemeClr val="bg1"/>
+                          </a:solidFill>
+                          <a:latin typeface="Courier" charset="0"/>
+                          <a:ea typeface="Courier" charset="0"/>
+                          <a:cs typeface="Courier" charset="0"/>
+                        </a:rPr>
+                        <a:t>CHEF POC</a:t>
+                      </a:r>
+                    </a:p>
+                  </a:txBody>
+                  <a:tcPr>
+                    <a:lnL w="12700" cap="flat" cmpd="sng" algn="ctr">
+                      <a:solidFill>
+                        <a:schemeClr val="bg1"/>
+                      </a:solidFill>
+                      <a:prstDash val="solid"/>
+                      <a:round/>
+                      <a:headEnd type="none" w="med" len="med"/>
+                      <a:tailEnd type="none" w="med" len="med"/>
+                    </a:lnL>
+                    <a:lnR w="12700" cap="flat" cmpd="sng" algn="ctr">
+                      <a:solidFill>
+                        <a:schemeClr val="bg1"/>
+                      </a:solidFill>
+                      <a:prstDash val="solid"/>
+                      <a:round/>
+                      <a:headEnd type="none" w="med" len="med"/>
+                      <a:tailEnd type="none" w="med" len="med"/>
+                    </a:lnR>
+                    <a:lnT w="12700" cap="flat" cmpd="sng" algn="ctr">
+                      <a:solidFill>
+                        <a:schemeClr val="bg1"/>
+                      </a:solidFill>
+                      <a:prstDash val="solid"/>
+                      <a:round/>
+                      <a:headEnd type="none" w="med" len="med"/>
+                      <a:tailEnd type="none" w="med" len="med"/>
+                    </a:lnT>
+                    <a:lnB w="12700" cap="flat" cmpd="sng" algn="ctr">
+                      <a:solidFill>
+                        <a:schemeClr val="bg1"/>
+                      </a:solidFill>
+                      <a:prstDash val="solid"/>
+                      <a:round/>
+                      <a:headEnd type="none" w="med" len="med"/>
+                      <a:tailEnd type="none" w="med" len="med"/>
+                    </a:lnB>
+                  </a:tcPr>
+                </a:tc>
+              </a:tr>
+              <a:tr h="2139950">
+                <a:tc>
+                  <a:txBody>
+                    <a:bodyPr/>
+                    <a:lstStyle/>
+                    <a:p>
+                      <a:pPr marL="285750" marR="0" lvl="0" indent="-285750" algn="ctr" defTabSz="914400" rtl="0" eaLnBrk="1" fontAlgn="auto" latinLnBrk="0" hangingPunct="1">
+                        <a:lnSpc>
+                          <a:spcPct val="100000"/>
+                        </a:lnSpc>
+                        <a:spcBef>
+                          <a:spcPts val="0"/>
+                        </a:spcBef>
+                        <a:spcAft>
+                          <a:spcPts val="0"/>
+                        </a:spcAft>
+                        <a:buClrTx/>
+                        <a:buSzTx/>
+                        <a:buFont typeface="Arial" charset="0"/>
+                        <a:buNone/>
+                        <a:tabLst/>
+                        <a:defRPr/>
+                      </a:pPr>
+                      <a:r>
+                        <a:rPr lang="en-US" sz="2000" u="sng" dirty="0" smtClean="0">
+                          <a:solidFill>
+                            <a:schemeClr val="bg1"/>
+                          </a:solidFill>
+                          <a:latin typeface="Courier" charset="0"/>
+                          <a:ea typeface="Courier" charset="0"/>
+                          <a:cs typeface="Courier" charset="0"/>
+                        </a:rPr>
+                        <a:t>Q3</a:t>
+                      </a:r>
+                    </a:p>
+                    <a:p>
+                      <a:pPr marL="285750" marR="0" lvl="0" indent="-285750" algn="l" defTabSz="914400" rtl="0" eaLnBrk="1" fontAlgn="auto" latinLnBrk="0" hangingPunct="1">
+                        <a:lnSpc>
+                          <a:spcPct val="100000"/>
+                        </a:lnSpc>
+                        <a:spcBef>
+                          <a:spcPts val="0"/>
+                        </a:spcBef>
+                        <a:spcAft>
+                          <a:spcPts val="0"/>
+                        </a:spcAft>
+                        <a:buClrTx/>
+                        <a:buSzTx/>
+                        <a:buFont typeface="Arial" charset="0"/>
+                        <a:buChar char="•"/>
+                        <a:tabLst/>
+                        <a:defRPr/>
+                      </a:pPr>
+                      <a:r>
+                        <a:rPr lang="en-US" sz="1600" baseline="0" dirty="0" smtClean="0">
+                          <a:solidFill>
+                            <a:schemeClr val="bg1"/>
+                          </a:solidFill>
+                          <a:latin typeface="Courier" charset="0"/>
+                          <a:ea typeface="Courier" charset="0"/>
+                          <a:cs typeface="Courier" charset="0"/>
+                        </a:rPr>
+                        <a:t>Enterprise CHEF contract (700 nodes)</a:t>
+                      </a:r>
+                    </a:p>
+                    <a:p>
+                      <a:pPr marL="285750" marR="0" lvl="0" indent="-285750" algn="l" defTabSz="914400" rtl="0" eaLnBrk="1" fontAlgn="auto" latinLnBrk="0" hangingPunct="1">
+                        <a:lnSpc>
+                          <a:spcPct val="100000"/>
+                        </a:lnSpc>
+                        <a:spcBef>
+                          <a:spcPts val="0"/>
+                        </a:spcBef>
+                        <a:spcAft>
+                          <a:spcPts val="0"/>
+                        </a:spcAft>
+                        <a:buClrTx/>
+                        <a:buSzTx/>
+                        <a:buFont typeface="Arial" charset="0"/>
+                        <a:buChar char="•"/>
+                        <a:tabLst/>
+                        <a:defRPr/>
+                      </a:pPr>
+                      <a:r>
+                        <a:rPr lang="en-US" sz="1600" baseline="0" dirty="0" smtClean="0">
+                          <a:solidFill>
+                            <a:schemeClr val="bg1"/>
+                          </a:solidFill>
+                          <a:latin typeface="Courier" charset="0"/>
+                          <a:ea typeface="Courier" charset="0"/>
+                          <a:cs typeface="Courier" charset="0"/>
+                        </a:rPr>
+                        <a:t>Automacon</a:t>
+                      </a:r>
+                    </a:p>
+                    <a:p>
+                      <a:pPr marL="285750" marR="0" lvl="0" indent="-285750" algn="l" defTabSz="914400" rtl="0" eaLnBrk="1" fontAlgn="auto" latinLnBrk="0" hangingPunct="1">
+                        <a:lnSpc>
+                          <a:spcPct val="100000"/>
+                        </a:lnSpc>
+                        <a:spcBef>
+                          <a:spcPts val="0"/>
+                        </a:spcBef>
+                        <a:spcAft>
+                          <a:spcPts val="0"/>
+                        </a:spcAft>
+                        <a:buClrTx/>
+                        <a:buSzTx/>
+                        <a:buFont typeface="Arial" charset="0"/>
+                        <a:buChar char="•"/>
+                        <a:tabLst/>
+                        <a:defRPr/>
+                      </a:pPr>
+                      <a:r>
+                        <a:rPr lang="en-US" sz="1600" baseline="0" dirty="0" smtClean="0">
+                          <a:solidFill>
+                            <a:schemeClr val="bg1"/>
+                          </a:solidFill>
+                          <a:latin typeface="Courier" charset="0"/>
+                          <a:ea typeface="Courier" charset="0"/>
+                          <a:cs typeface="Courier" charset="0"/>
+                        </a:rPr>
+                        <a:t>Weekly Demos</a:t>
+                      </a:r>
+                    </a:p>
+                    <a:p>
+                      <a:pPr marL="285750" marR="0" lvl="0" indent="-285750" algn="l" defTabSz="914400" rtl="0" eaLnBrk="1" fontAlgn="auto" latinLnBrk="0" hangingPunct="1">
+                        <a:lnSpc>
+                          <a:spcPct val="100000"/>
+                        </a:lnSpc>
+                        <a:spcBef>
+                          <a:spcPts val="0"/>
+                        </a:spcBef>
+                        <a:spcAft>
+                          <a:spcPts val="0"/>
+                        </a:spcAft>
+                        <a:buClrTx/>
+                        <a:buSzTx/>
+                        <a:buFont typeface="Arial" charset="0"/>
+                        <a:buChar char="•"/>
+                        <a:tabLst/>
+                        <a:defRPr/>
+                      </a:pPr>
+                      <a:r>
+                        <a:rPr lang="en-US" sz="1600" baseline="0" dirty="0" smtClean="0">
+                          <a:solidFill>
+                            <a:schemeClr val="bg1"/>
+                          </a:solidFill>
+                          <a:latin typeface="Courier" charset="0"/>
+                          <a:ea typeface="Courier" charset="0"/>
+                          <a:cs typeface="Courier" charset="0"/>
+                        </a:rPr>
+                        <a:t>DSC </a:t>
+                      </a:r>
+                      <a:r>
+                        <a:rPr lang="en-US" sz="1600" baseline="0" dirty="0" smtClean="0">
+                          <a:solidFill>
+                            <a:schemeClr val="bg1"/>
+                          </a:solidFill>
+                          <a:latin typeface="Courier" charset="0"/>
+                          <a:ea typeface="Courier" charset="0"/>
+                          <a:cs typeface="Courier" charset="0"/>
+                        </a:rPr>
+                        <a:t>Server provisioning (PoshOrigin)</a:t>
+                      </a:r>
+                    </a:p>
+                    <a:p>
+                      <a:pPr marL="285750" marR="0" lvl="0" indent="-285750" algn="l" defTabSz="914400" rtl="0" eaLnBrk="1" fontAlgn="auto" latinLnBrk="0" hangingPunct="1">
+                        <a:lnSpc>
+                          <a:spcPct val="100000"/>
+                        </a:lnSpc>
+                        <a:spcBef>
+                          <a:spcPts val="0"/>
+                        </a:spcBef>
+                        <a:spcAft>
+                          <a:spcPts val="0"/>
+                        </a:spcAft>
+                        <a:buClrTx/>
+                        <a:buSzTx/>
+                        <a:buFont typeface="Arial" charset="0"/>
+                        <a:buChar char="•"/>
+                        <a:tabLst/>
+                        <a:defRPr/>
+                      </a:pPr>
+                      <a:r>
+                        <a:rPr lang="en-US" sz="1600" baseline="0" dirty="0" smtClean="0">
+                          <a:solidFill>
+                            <a:schemeClr val="bg1"/>
+                          </a:solidFill>
+                          <a:latin typeface="Courier" charset="0"/>
+                          <a:ea typeface="Courier" charset="0"/>
+                          <a:cs typeface="Courier" charset="0"/>
+                        </a:rPr>
+                        <a:t>Difficulty stabilizing tools, automation</a:t>
+                      </a:r>
+                    </a:p>
+                    <a:p>
+                      <a:pPr marL="285750" marR="0" lvl="0" indent="-285750" algn="l" defTabSz="914400" rtl="0" eaLnBrk="1" fontAlgn="auto" latinLnBrk="0" hangingPunct="1">
+                        <a:lnSpc>
+                          <a:spcPct val="100000"/>
+                        </a:lnSpc>
+                        <a:spcBef>
+                          <a:spcPts val="0"/>
+                        </a:spcBef>
+                        <a:spcAft>
+                          <a:spcPts val="0"/>
+                        </a:spcAft>
+                        <a:buClrTx/>
+                        <a:buSzTx/>
+                        <a:buFont typeface="Arial" charset="0"/>
+                        <a:buChar char="•"/>
+                        <a:tabLst/>
+                        <a:defRPr/>
+                      </a:pPr>
+                      <a:r>
+                        <a:rPr lang="en-US" sz="1600" baseline="0" dirty="0" smtClean="0">
+                          <a:solidFill>
+                            <a:schemeClr val="bg1"/>
+                          </a:solidFill>
+                          <a:latin typeface="Courier" charset="0"/>
+                          <a:ea typeface="Courier" charset="0"/>
+                          <a:cs typeface="Courier" charset="0"/>
+                        </a:rPr>
+                        <a:t>Height of frustration</a:t>
+                      </a:r>
+                    </a:p>
+                  </a:txBody>
+                  <a:tcPr>
+                    <a:lnL w="12700" cap="flat" cmpd="sng" algn="ctr">
+                      <a:solidFill>
+                        <a:schemeClr val="bg1"/>
+                      </a:solidFill>
+                      <a:prstDash val="solid"/>
+                      <a:round/>
+                      <a:headEnd type="none" w="med" len="med"/>
+                      <a:tailEnd type="none" w="med" len="med"/>
+                    </a:lnL>
+                    <a:lnR w="12700" cap="flat" cmpd="sng" algn="ctr">
+                      <a:solidFill>
+                        <a:schemeClr val="bg1"/>
+                      </a:solidFill>
+                      <a:prstDash val="solid"/>
+                      <a:round/>
+                      <a:headEnd type="none" w="med" len="med"/>
+                      <a:tailEnd type="none" w="med" len="med"/>
+                    </a:lnR>
+                    <a:lnT w="12700" cap="flat" cmpd="sng" algn="ctr">
+                      <a:solidFill>
+                        <a:schemeClr val="bg1"/>
+                      </a:solidFill>
+                      <a:prstDash val="solid"/>
+                      <a:round/>
+                      <a:headEnd type="none" w="med" len="med"/>
+                      <a:tailEnd type="none" w="med" len="med"/>
+                    </a:lnT>
+                    <a:lnB w="12700" cap="flat" cmpd="sng" algn="ctr">
+                      <a:solidFill>
+                        <a:schemeClr val="bg1"/>
+                      </a:solidFill>
+                      <a:prstDash val="solid"/>
+                      <a:round/>
+                      <a:headEnd type="none" w="med" len="med"/>
+                      <a:tailEnd type="none" w="med" len="med"/>
+                    </a:lnB>
+                  </a:tcPr>
+                </a:tc>
+                <a:tc>
+                  <a:txBody>
+                    <a:bodyPr/>
+                    <a:lstStyle/>
+                    <a:p>
+                      <a:pPr marL="285750" marR="0" lvl="0" indent="-285750" algn="ctr" defTabSz="914400" rtl="0" eaLnBrk="1" fontAlgn="auto" latinLnBrk="0" hangingPunct="1">
+                        <a:lnSpc>
+                          <a:spcPct val="100000"/>
+                        </a:lnSpc>
+                        <a:spcBef>
+                          <a:spcPts val="0"/>
+                        </a:spcBef>
+                        <a:spcAft>
+                          <a:spcPts val="0"/>
+                        </a:spcAft>
+                        <a:buClrTx/>
+                        <a:buSzTx/>
+                        <a:buFont typeface="Arial" charset="0"/>
+                        <a:buNone/>
+                        <a:tabLst/>
+                        <a:defRPr/>
+                      </a:pPr>
+                      <a:r>
+                        <a:rPr lang="en-US" sz="2000" u="sng" dirty="0" smtClean="0">
+                          <a:solidFill>
+                            <a:schemeClr val="bg1"/>
+                          </a:solidFill>
+                          <a:latin typeface="Courier" charset="0"/>
+                          <a:ea typeface="Courier" charset="0"/>
+                          <a:cs typeface="Courier" charset="0"/>
+                        </a:rPr>
+                        <a:t>Q4</a:t>
+                      </a:r>
+                    </a:p>
+                    <a:p>
+                      <a:pPr marL="285750" marR="0" lvl="0" indent="-285750" algn="l" defTabSz="914400" rtl="0" eaLnBrk="1" fontAlgn="auto" latinLnBrk="0" hangingPunct="1">
+                        <a:lnSpc>
+                          <a:spcPct val="100000"/>
+                        </a:lnSpc>
+                        <a:spcBef>
+                          <a:spcPts val="0"/>
+                        </a:spcBef>
+                        <a:spcAft>
+                          <a:spcPts val="0"/>
+                        </a:spcAft>
+                        <a:buClrTx/>
+                        <a:buSzTx/>
+                        <a:buFont typeface="Arial" charset="0"/>
+                        <a:buChar char="•"/>
+                        <a:tabLst/>
+                        <a:defRPr/>
+                      </a:pPr>
+                      <a:r>
+                        <a:rPr lang="en-US" sz="1600" baseline="0" dirty="0" smtClean="0">
+                          <a:solidFill>
+                            <a:schemeClr val="bg1"/>
+                          </a:solidFill>
+                          <a:latin typeface="Courier" charset="0"/>
+                          <a:ea typeface="Courier" charset="0"/>
+                          <a:cs typeface="Courier" charset="0"/>
+                        </a:rPr>
+                        <a:t>Simplified PoshOrigin: </a:t>
+                      </a:r>
+                      <a:r>
+                        <a:rPr lang="en-US" sz="1600" baseline="0" dirty="0" smtClean="0">
+                          <a:solidFill>
+                            <a:schemeClr val="bg1"/>
+                          </a:solidFill>
+                          <a:latin typeface="Courier" charset="0"/>
+                          <a:ea typeface="Courier" charset="0"/>
+                          <a:cs typeface="Courier" charset="0"/>
+                        </a:rPr>
+                        <a:t>WSIWYG</a:t>
+                      </a:r>
+                      <a:endParaRPr lang="en-US" sz="1600" baseline="0" dirty="0" smtClean="0">
+                        <a:solidFill>
+                          <a:schemeClr val="bg1"/>
+                        </a:solidFill>
+                        <a:latin typeface="Courier" charset="0"/>
+                        <a:ea typeface="Courier" charset="0"/>
+                        <a:cs typeface="Courier" charset="0"/>
+                      </a:endParaRPr>
+                    </a:p>
+                    <a:p>
+                      <a:pPr marL="285750" marR="0" lvl="0" indent="-285750" algn="l" defTabSz="914400" rtl="0" eaLnBrk="1" fontAlgn="auto" latinLnBrk="0" hangingPunct="1">
+                        <a:lnSpc>
+                          <a:spcPct val="100000"/>
+                        </a:lnSpc>
+                        <a:spcBef>
+                          <a:spcPts val="0"/>
+                        </a:spcBef>
+                        <a:spcAft>
+                          <a:spcPts val="0"/>
+                        </a:spcAft>
+                        <a:buClrTx/>
+                        <a:buSzTx/>
+                        <a:buFont typeface="Arial" charset="0"/>
+                        <a:buChar char="•"/>
+                        <a:tabLst/>
+                        <a:defRPr/>
+                      </a:pPr>
+                      <a:r>
+                        <a:rPr lang="en-US" sz="1600" baseline="0" dirty="0" smtClean="0">
+                          <a:solidFill>
+                            <a:schemeClr val="bg1"/>
+                          </a:solidFill>
+                          <a:latin typeface="Courier" charset="0"/>
+                          <a:ea typeface="Courier" charset="0"/>
+                          <a:cs typeface="Courier" charset="0"/>
+                        </a:rPr>
+                        <a:t>PowerShell onsite training</a:t>
+                      </a:r>
+                    </a:p>
+                    <a:p>
+                      <a:pPr marL="285750" marR="0" lvl="0" indent="-285750" algn="l" defTabSz="914400" rtl="0" eaLnBrk="1" fontAlgn="auto" latinLnBrk="0" hangingPunct="1">
+                        <a:lnSpc>
+                          <a:spcPct val="100000"/>
+                        </a:lnSpc>
+                        <a:spcBef>
+                          <a:spcPts val="0"/>
+                        </a:spcBef>
+                        <a:spcAft>
+                          <a:spcPts val="0"/>
+                        </a:spcAft>
+                        <a:buClrTx/>
+                        <a:buSzTx/>
+                        <a:buFont typeface="Arial" charset="0"/>
+                        <a:buChar char="•"/>
+                        <a:tabLst/>
+                        <a:defRPr/>
+                      </a:pPr>
+                      <a:r>
+                        <a:rPr lang="en-US" sz="1600" baseline="0" dirty="0" smtClean="0">
+                          <a:solidFill>
+                            <a:schemeClr val="bg1"/>
+                          </a:solidFill>
+                          <a:latin typeface="Courier" charset="0"/>
+                          <a:ea typeface="Courier" charset="0"/>
+                          <a:cs typeface="Courier" charset="0"/>
+                        </a:rPr>
+                        <a:t>CHEF Greenfield via Server provisioning</a:t>
+                      </a:r>
+                    </a:p>
+                    <a:p>
+                      <a:pPr marL="285750" marR="0" lvl="0" indent="-285750" algn="l" defTabSz="914400" rtl="0" eaLnBrk="1" fontAlgn="auto" latinLnBrk="0" hangingPunct="1">
+                        <a:lnSpc>
+                          <a:spcPct val="100000"/>
+                        </a:lnSpc>
+                        <a:spcBef>
+                          <a:spcPts val="0"/>
+                        </a:spcBef>
+                        <a:spcAft>
+                          <a:spcPts val="0"/>
+                        </a:spcAft>
+                        <a:buClrTx/>
+                        <a:buSzTx/>
+                        <a:buFont typeface="Arial" charset="0"/>
+                        <a:buChar char="•"/>
+                        <a:tabLst/>
+                        <a:defRPr/>
+                      </a:pPr>
+                      <a:r>
+                        <a:rPr lang="en-US" sz="1600" baseline="0" dirty="0" smtClean="0">
+                          <a:solidFill>
+                            <a:schemeClr val="bg1"/>
+                          </a:solidFill>
+                          <a:latin typeface="Courier" charset="0"/>
+                          <a:ea typeface="Courier" charset="0"/>
+                          <a:cs typeface="Courier" charset="0"/>
+                        </a:rPr>
+                        <a:t>Automation for ransomware remediation</a:t>
+                      </a:r>
+                    </a:p>
+                    <a:p>
+                      <a:pPr marL="285750" marR="0" lvl="0" indent="-285750" algn="l" defTabSz="914400" rtl="0" eaLnBrk="1" fontAlgn="auto" latinLnBrk="0" hangingPunct="1">
+                        <a:lnSpc>
+                          <a:spcPct val="100000"/>
+                        </a:lnSpc>
+                        <a:spcBef>
+                          <a:spcPts val="0"/>
+                        </a:spcBef>
+                        <a:spcAft>
+                          <a:spcPts val="0"/>
+                        </a:spcAft>
+                        <a:buClrTx/>
+                        <a:buSzTx/>
+                        <a:buFont typeface="Arial" charset="0"/>
+                        <a:buChar char="•"/>
+                        <a:tabLst/>
+                        <a:defRPr/>
+                      </a:pPr>
+                      <a:r>
+                        <a:rPr lang="en-US" sz="1600" baseline="0" dirty="0" smtClean="0">
+                          <a:solidFill>
+                            <a:schemeClr val="bg1"/>
+                          </a:solidFill>
+                          <a:latin typeface="Courier" charset="0"/>
+                          <a:ea typeface="Courier" charset="0"/>
+                          <a:cs typeface="Courier" charset="0"/>
+                        </a:rPr>
+                        <a:t>Curious people series</a:t>
+                      </a:r>
+                    </a:p>
+                    <a:p>
+                      <a:pPr marL="285750" marR="0" lvl="0" indent="-285750" algn="l" defTabSz="914400" rtl="0" eaLnBrk="1" fontAlgn="auto" latinLnBrk="0" hangingPunct="1">
+                        <a:lnSpc>
+                          <a:spcPct val="100000"/>
+                        </a:lnSpc>
+                        <a:spcBef>
+                          <a:spcPts val="0"/>
+                        </a:spcBef>
+                        <a:spcAft>
+                          <a:spcPts val="0"/>
+                        </a:spcAft>
+                        <a:buClrTx/>
+                        <a:buSzTx/>
+                        <a:buFont typeface="Arial" charset="0"/>
+                        <a:buChar char="•"/>
+                        <a:tabLst/>
+                        <a:defRPr/>
+                      </a:pPr>
+                      <a:r>
+                        <a:rPr lang="en-US" sz="1600" baseline="0" dirty="0" smtClean="0">
+                          <a:solidFill>
+                            <a:schemeClr val="bg1"/>
+                          </a:solidFill>
+                          <a:latin typeface="Courier" charset="0"/>
+                          <a:ea typeface="Courier" charset="0"/>
+                          <a:cs typeface="Courier" charset="0"/>
+                        </a:rPr>
+                        <a:t>Desktop PowerShell module</a:t>
+                      </a:r>
+                    </a:p>
+                    <a:p>
+                      <a:pPr marL="285750" marR="0" lvl="0" indent="-285750" algn="l" defTabSz="914400" rtl="0" eaLnBrk="1" fontAlgn="auto" latinLnBrk="0" hangingPunct="1">
+                        <a:lnSpc>
+                          <a:spcPct val="100000"/>
+                        </a:lnSpc>
+                        <a:spcBef>
+                          <a:spcPts val="0"/>
+                        </a:spcBef>
+                        <a:spcAft>
+                          <a:spcPts val="0"/>
+                        </a:spcAft>
+                        <a:buClrTx/>
+                        <a:buSzTx/>
+                        <a:buFont typeface="Arial" charset="0"/>
+                        <a:buChar char="•"/>
+                        <a:tabLst/>
+                        <a:defRPr/>
+                      </a:pPr>
+                      <a:r>
+                        <a:rPr lang="en-US" sz="1600" baseline="0" dirty="0" smtClean="0">
+                          <a:solidFill>
+                            <a:schemeClr val="bg1"/>
+                          </a:solidFill>
+                          <a:latin typeface="Courier" charset="0"/>
+                          <a:ea typeface="Courier" charset="0"/>
+                          <a:cs typeface="Courier" charset="0"/>
+                        </a:rPr>
+                        <a:t>CHEF: 100+ Greenfield Servers </a:t>
+                      </a:r>
+                    </a:p>
+                    <a:p>
+                      <a:pPr marL="285750" marR="0" lvl="0" indent="-285750" algn="l" defTabSz="914400" rtl="0" eaLnBrk="1" fontAlgn="auto" latinLnBrk="0" hangingPunct="1">
+                        <a:lnSpc>
+                          <a:spcPct val="100000"/>
+                        </a:lnSpc>
+                        <a:spcBef>
+                          <a:spcPts val="0"/>
+                        </a:spcBef>
+                        <a:spcAft>
+                          <a:spcPts val="0"/>
+                        </a:spcAft>
+                        <a:buClrTx/>
+                        <a:buSzTx/>
+                        <a:buFont typeface="Arial" charset="0"/>
+                        <a:buChar char="•"/>
+                        <a:tabLst/>
+                        <a:defRPr/>
+                      </a:pPr>
+                      <a:r>
+                        <a:rPr lang="en-US" sz="1600" baseline="0" dirty="0" smtClean="0">
+                          <a:solidFill>
+                            <a:schemeClr val="bg1"/>
+                          </a:solidFill>
+                          <a:latin typeface="Courier" charset="0"/>
+                          <a:ea typeface="Courier" charset="0"/>
+                          <a:cs typeface="Courier" charset="0"/>
+                        </a:rPr>
+                        <a:t>500+ artifacts in version control</a:t>
+                      </a:r>
+                    </a:p>
+                  </a:txBody>
+                  <a:tcPr>
+                    <a:lnL w="12700" cap="flat" cmpd="sng" algn="ctr">
+                      <a:solidFill>
+                        <a:schemeClr val="bg1"/>
+                      </a:solidFill>
+                      <a:prstDash val="solid"/>
+                      <a:round/>
+                      <a:headEnd type="none" w="med" len="med"/>
+                      <a:tailEnd type="none" w="med" len="med"/>
+                    </a:lnL>
+                    <a:lnR w="12700" cap="flat" cmpd="sng" algn="ctr">
+                      <a:solidFill>
+                        <a:schemeClr val="bg1"/>
+                      </a:solidFill>
+                      <a:prstDash val="solid"/>
+                      <a:round/>
+                      <a:headEnd type="none" w="med" len="med"/>
+                      <a:tailEnd type="none" w="med" len="med"/>
+                    </a:lnR>
+                    <a:lnT w="12700" cap="flat" cmpd="sng" algn="ctr">
+                      <a:solidFill>
+                        <a:schemeClr val="bg1"/>
+                      </a:solidFill>
+                      <a:prstDash val="solid"/>
+                      <a:round/>
+                      <a:headEnd type="none" w="med" len="med"/>
+                      <a:tailEnd type="none" w="med" len="med"/>
+                    </a:lnT>
+                    <a:lnB w="12700" cap="flat" cmpd="sng" algn="ctr">
+                      <a:solidFill>
+                        <a:schemeClr val="bg1"/>
+                      </a:solidFill>
+                      <a:prstDash val="solid"/>
+                      <a:round/>
+                      <a:headEnd type="none" w="med" len="med"/>
+                      <a:tailEnd type="none" w="med" len="med"/>
+                    </a:lnB>
+                  </a:tcPr>
+                </a:tc>
+              </a:tr>
+            </a:tbl>
+          </a:graphicData>
+        </a:graphic>
+      </p:graphicFrame>
+      <p:sp>
+        <p:nvSpPr>
+          <p:cNvPr id="3" name="Slide Number Placeholder 2"/>
+          <p:cNvSpPr>
+            <a:spLocks noGrp="1"/>
+          </p:cNvSpPr>
+          <p:nvPr>
+            <p:ph type="sldNum" sz="quarter" idx="4"/>
+          </p:nvPr>
+        </p:nvSpPr>
+        <p:spPr/>
+        <p:txBody>
+          <a:bodyPr/>
+          <a:lstStyle/>
+          <a:p>
+            <a:fld id="{03CBEB89-E47E-4106-9DE1-9B407DF8E52F}" type="slidenum">
+              <a:rPr lang="en-US" smtClean="0">
+                <a:latin typeface="Courier" charset="0"/>
+                <a:ea typeface="Courier" charset="0"/>
+                <a:cs typeface="Courier" charset="0"/>
+              </a:rPr>
+              <a:pPr/>
+              <a:t>7</a:t>
+            </a:fld>
+            <a:endParaRPr lang="en-US">
+              <a:latin typeface="Courier" charset="0"/>
+              <a:ea typeface="Courier" charset="0"/>
+              <a:cs typeface="Courier" charset="0"/>
+            </a:endParaRPr>
+          </a:p>
+        </p:txBody>
+      </p:sp>
+    </p:spTree>
+    <p:extLst>
+      <p:ext uri="{BB962C8B-B14F-4D97-AF65-F5344CB8AC3E}">
+        <p14:creationId xmlns:p14="http://schemas.microsoft.com/office/powerpoint/2010/main" val="463987557"/>
+      </p:ext>
+    </p:extLst>
+  </p:cSld>
+  <p:clrMapOvr>
+    <a:masterClrMapping/>
+  </p:clrMapOvr>
+  <mc:AlternateContent xmlns:mc="http://schemas.openxmlformats.org/markup-compatibility/2006" xmlns:p14="http://schemas.microsoft.com/office/powerpoint/2010/main">
+    <mc:Choice Requires="p14">
+      <p:transition p14:dur="10" advTm="14000"/>
+    </mc:Choice>
+    <mc:Fallback xmlns="">
+      <p:transition advTm="14000"/>
+    </mc:Fallback>
+  </mc:AlternateContent>
+  <p:timing>
+    <p:tnLst>
+      <p:par>
+        <p:cTn id="1" dur="indefinite" restart="never" nodeType="tmRoot"/>
+      </p:par>
+    </p:tnLst>
+  </p:timing>
+</p:sld>
+</file>
+
+<file path=ppt/slides/slide8.xml><?xml version="1.0" encoding="utf-8"?>
+<p:sld xmlns:a="http://schemas.openxmlformats.org/drawingml/2006/main" xmlns:r="http://schemas.openxmlformats.org/officeDocument/2006/relationships" xmlns:p="http://schemas.openxmlformats.org/presentationml/2006/main">
+  <p:cSld>
+    <p:spTree>
+      <p:nvGrpSpPr>
+        <p:cNvPr id="1" name=""/>
+        <p:cNvGrpSpPr/>
+        <p:nvPr/>
+      </p:nvGrpSpPr>
+      <p:grpSpPr>
+        <a:xfrm>
+          <a:off x="0" y="0"/>
+          <a:ext cx="0" cy="0"/>
+          <a:chOff x="0" y="0"/>
+          <a:chExt cx="0" cy="0"/>
+        </a:xfrm>
+      </p:grpSpPr>
+      <p:sp>
+        <p:nvSpPr>
+          <p:cNvPr id="5" name="Title 4"/>
+          <p:cNvSpPr>
+            <a:spLocks noGrp="1"/>
+          </p:cNvSpPr>
+          <p:nvPr>
+            <p:ph type="title"/>
+          </p:nvPr>
+        </p:nvSpPr>
+        <p:spPr/>
+        <p:txBody>
+          <a:bodyPr/>
+          <a:lstStyle/>
+          <a:p>
+            <a:r>
+              <a:rPr lang="en-US" dirty="0" smtClean="0"/>
+              <a:t>2016</a:t>
+            </a:r>
+            <a:endParaRPr lang="en-US" dirty="0"/>
+          </a:p>
+        </p:txBody>
+      </p:sp>
+      <p:graphicFrame>
+        <p:nvGraphicFramePr>
+          <p:cNvPr id="2" name="Content Placeholder 1"/>
+          <p:cNvGraphicFramePr>
+            <a:graphicFrameLocks noGrp="1"/>
+          </p:cNvGraphicFramePr>
+          <p:nvPr>
+            <p:ph idx="1"/>
+            <p:extLst>
+              <p:ext uri="{D42A27DB-BD31-4B8C-83A1-F6EECF244321}">
+                <p14:modId xmlns:p14="http://schemas.microsoft.com/office/powerpoint/2010/main" val="2125740365"/>
+              </p:ext>
+            </p:extLst>
+          </p:nvPr>
+        </p:nvGraphicFramePr>
+        <p:xfrm>
+          <a:off x="508000" y="1473199"/>
+          <a:ext cx="11214100" cy="4486910"/>
+        </p:xfrm>
+        <a:graphic>
+          <a:graphicData uri="http://schemas.openxmlformats.org/drawingml/2006/table">
+            <a:tbl>
+              <a:tblPr firstRow="1" bandRow="1">
+                <a:tableStyleId>{2D5ABB26-0587-4C30-8999-92F81FD0307C}</a:tableStyleId>
+              </a:tblPr>
+              <a:tblGrid>
+                <a:gridCol w="5435600"/>
+                <a:gridCol w="5778500"/>
+              </a:tblGrid>
+              <a:tr h="2139950">
+                <a:tc>
+                  <a:txBody>
+                    <a:bodyPr/>
+                    <a:lstStyle/>
+                    <a:p>
+                      <a:pPr marL="285750" marR="0" lvl="0" indent="-285750" algn="ctr" defTabSz="914400" rtl="0" eaLnBrk="1" fontAlgn="auto" latinLnBrk="0" hangingPunct="1">
+                        <a:lnSpc>
+                          <a:spcPct val="100000"/>
+                        </a:lnSpc>
+                        <a:spcBef>
+                          <a:spcPts val="0"/>
+                        </a:spcBef>
+                        <a:spcAft>
+                          <a:spcPts val="0"/>
+                        </a:spcAft>
+                        <a:buClrTx/>
+                        <a:buSzTx/>
+                        <a:buFont typeface="Arial" charset="0"/>
+                        <a:buNone/>
+                        <a:tabLst/>
+                        <a:defRPr/>
+                      </a:pPr>
+                      <a:r>
+                        <a:rPr lang="en-US" sz="2000" u="sng" dirty="0" smtClean="0">
+                          <a:solidFill>
+                            <a:schemeClr val="bg1"/>
+                          </a:solidFill>
+                          <a:latin typeface="Courier" charset="0"/>
+                          <a:ea typeface="Courier" charset="0"/>
+                          <a:cs typeface="Courier" charset="0"/>
+                        </a:rPr>
+                        <a:t>Q1</a:t>
+                      </a:r>
+                    </a:p>
+                    <a:p>
+                      <a:pPr marL="285750" marR="0" lvl="0" indent="-285750" algn="l" defTabSz="914400" rtl="0" eaLnBrk="1" fontAlgn="auto" latinLnBrk="0" hangingPunct="1">
+                        <a:lnSpc>
+                          <a:spcPct val="100000"/>
+                        </a:lnSpc>
+                        <a:spcBef>
+                          <a:spcPts val="0"/>
+                        </a:spcBef>
+                        <a:spcAft>
+                          <a:spcPts val="0"/>
+                        </a:spcAft>
+                        <a:buClrTx/>
+                        <a:buSzTx/>
+                        <a:buFont typeface="Arial" charset="0"/>
+                        <a:buChar char="•"/>
+                        <a:tabLst/>
+                        <a:defRPr/>
+                      </a:pPr>
+                      <a:r>
+                        <a:rPr lang="en-US" sz="1600" baseline="0" dirty="0" smtClean="0">
+                          <a:solidFill>
+                            <a:schemeClr val="bg1"/>
+                          </a:solidFill>
+                          <a:latin typeface="Courier" charset="0"/>
+                          <a:ea typeface="Courier" charset="0"/>
+                          <a:cs typeface="Courier" charset="0"/>
+                        </a:rPr>
+                        <a:t>Greenfield N-Tier App with CHEF</a:t>
+                      </a:r>
+                    </a:p>
+                    <a:p>
+                      <a:pPr marL="285750" marR="0" lvl="0" indent="-285750" algn="l" defTabSz="914400" rtl="0" eaLnBrk="1" fontAlgn="auto" latinLnBrk="0" hangingPunct="1">
+                        <a:lnSpc>
+                          <a:spcPct val="100000"/>
+                        </a:lnSpc>
+                        <a:spcBef>
+                          <a:spcPts val="0"/>
+                        </a:spcBef>
+                        <a:spcAft>
+                          <a:spcPts val="0"/>
+                        </a:spcAft>
+                        <a:buClrTx/>
+                        <a:buSzTx/>
+                        <a:buFont typeface="Arial" charset="0"/>
+                        <a:buChar char="•"/>
+                        <a:tabLst/>
+                        <a:defRPr/>
+                      </a:pPr>
+                      <a:r>
+                        <a:rPr lang="en-US" sz="1600" baseline="0" dirty="0" smtClean="0">
+                          <a:solidFill>
+                            <a:schemeClr val="bg1"/>
+                          </a:solidFill>
+                          <a:latin typeface="Courier" charset="0"/>
+                          <a:ea typeface="Courier" charset="0"/>
+                          <a:cs typeface="Courier" charset="0"/>
+                        </a:rPr>
+                        <a:t>CHEF onsite training</a:t>
+                      </a:r>
+                    </a:p>
+                    <a:p>
+                      <a:pPr marL="285750" marR="0" lvl="0" indent="-285750" algn="l" defTabSz="914400" rtl="0" eaLnBrk="1" fontAlgn="auto" latinLnBrk="0" hangingPunct="1">
+                        <a:lnSpc>
+                          <a:spcPct val="100000"/>
+                        </a:lnSpc>
+                        <a:spcBef>
+                          <a:spcPts val="0"/>
+                        </a:spcBef>
+                        <a:spcAft>
+                          <a:spcPts val="0"/>
+                        </a:spcAft>
+                        <a:buClrTx/>
+                        <a:buSzTx/>
+                        <a:buFont typeface="Arial" charset="0"/>
+                        <a:buChar char="•"/>
+                        <a:tabLst/>
+                        <a:defRPr/>
+                      </a:pPr>
+                      <a:r>
+                        <a:rPr lang="en-US" sz="1600" baseline="0" dirty="0" smtClean="0">
+                          <a:solidFill>
+                            <a:schemeClr val="bg1"/>
+                          </a:solidFill>
+                          <a:latin typeface="Courier" charset="0"/>
+                          <a:ea typeface="Courier" charset="0"/>
+                          <a:cs typeface="Courier" charset="0"/>
+                        </a:rPr>
+                        <a:t>Slack experimentation</a:t>
+                      </a:r>
+                    </a:p>
+                    <a:p>
+                      <a:pPr marL="285750" marR="0" lvl="0" indent="-285750" algn="l" defTabSz="914400" rtl="0" eaLnBrk="1" fontAlgn="auto" latinLnBrk="0" hangingPunct="1">
+                        <a:lnSpc>
+                          <a:spcPct val="100000"/>
+                        </a:lnSpc>
+                        <a:spcBef>
+                          <a:spcPts val="0"/>
+                        </a:spcBef>
+                        <a:spcAft>
+                          <a:spcPts val="0"/>
+                        </a:spcAft>
+                        <a:buClrTx/>
+                        <a:buSzTx/>
+                        <a:buFont typeface="Arial" charset="0"/>
+                        <a:buChar char="•"/>
+                        <a:tabLst/>
+                        <a:defRPr/>
+                      </a:pPr>
+                      <a:r>
+                        <a:rPr lang="en-US" sz="1600" baseline="0" dirty="0" smtClean="0">
+                          <a:solidFill>
+                            <a:schemeClr val="bg1"/>
+                          </a:solidFill>
+                          <a:latin typeface="Courier" charset="0"/>
+                          <a:ea typeface="Courier" charset="0"/>
+                          <a:cs typeface="Courier" charset="0"/>
+                        </a:rPr>
+                        <a:t>Work visibility &amp; analytics – TFS + PowerShell</a:t>
+                      </a:r>
+                    </a:p>
+                    <a:p>
+                      <a:pPr marL="285750" marR="0" lvl="0" indent="-285750" algn="l" defTabSz="914400" rtl="0" eaLnBrk="1" fontAlgn="auto" latinLnBrk="0" hangingPunct="1">
+                        <a:lnSpc>
+                          <a:spcPct val="100000"/>
+                        </a:lnSpc>
+                        <a:spcBef>
+                          <a:spcPts val="0"/>
+                        </a:spcBef>
+                        <a:spcAft>
+                          <a:spcPts val="0"/>
+                        </a:spcAft>
+                        <a:buClrTx/>
+                        <a:buSzTx/>
+                        <a:buFont typeface="Arial" charset="0"/>
+                        <a:buChar char="•"/>
+                        <a:tabLst/>
+                        <a:defRPr/>
+                      </a:pPr>
+                      <a:r>
+                        <a:rPr lang="en-US" sz="1600" baseline="0" dirty="0" smtClean="0">
+                          <a:solidFill>
+                            <a:schemeClr val="bg1"/>
+                          </a:solidFill>
+                          <a:latin typeface="Courier" charset="0"/>
+                          <a:ea typeface="Courier" charset="0"/>
+                          <a:cs typeface="Courier" charset="0"/>
+                        </a:rPr>
+                        <a:t>Clean up ticketing system</a:t>
+                      </a:r>
+                    </a:p>
+                    <a:p>
+                      <a:pPr marL="285750" marR="0" lvl="0" indent="-285750" algn="l" defTabSz="914400" rtl="0" eaLnBrk="1" fontAlgn="auto" latinLnBrk="0" hangingPunct="1">
+                        <a:lnSpc>
+                          <a:spcPct val="100000"/>
+                        </a:lnSpc>
+                        <a:spcBef>
+                          <a:spcPts val="0"/>
+                        </a:spcBef>
+                        <a:spcAft>
+                          <a:spcPts val="0"/>
+                        </a:spcAft>
+                        <a:buClrTx/>
+                        <a:buSzTx/>
+                        <a:buFont typeface="Arial" charset="0"/>
+                        <a:buChar char="•"/>
+                        <a:tabLst/>
+                        <a:defRPr/>
+                      </a:pPr>
+                      <a:r>
+                        <a:rPr lang="en-US" sz="1600" baseline="0" dirty="0" smtClean="0">
+                          <a:solidFill>
+                            <a:schemeClr val="bg1"/>
+                          </a:solidFill>
+                          <a:latin typeface="Courier" charset="0"/>
+                          <a:ea typeface="Courier" charset="0"/>
+                          <a:cs typeface="Courier" charset="0"/>
+                        </a:rPr>
+                        <a:t>vRA, NSX, etc. investigation</a:t>
+                      </a:r>
+                    </a:p>
+                    <a:p>
+                      <a:pPr marL="285750" marR="0" lvl="0" indent="-285750" algn="l" defTabSz="914400" rtl="0" eaLnBrk="1" fontAlgn="auto" latinLnBrk="0" hangingPunct="1">
+                        <a:lnSpc>
+                          <a:spcPct val="100000"/>
+                        </a:lnSpc>
+                        <a:spcBef>
+                          <a:spcPts val="0"/>
+                        </a:spcBef>
+                        <a:spcAft>
+                          <a:spcPts val="0"/>
+                        </a:spcAft>
+                        <a:buClrTx/>
+                        <a:buSzTx/>
+                        <a:buFont typeface="Arial" charset="0"/>
+                        <a:buChar char="•"/>
+                        <a:tabLst/>
+                        <a:defRPr/>
+                      </a:pPr>
+                      <a:r>
+                        <a:rPr lang="en-US" sz="1600" baseline="0" dirty="0" smtClean="0">
+                          <a:solidFill>
+                            <a:schemeClr val="bg1"/>
+                          </a:solidFill>
+                          <a:latin typeface="Courier" charset="0"/>
+                          <a:ea typeface="Courier" charset="0"/>
+                          <a:cs typeface="Courier" charset="0"/>
+                        </a:rPr>
+                        <a:t>All in one monitoring solution</a:t>
+                      </a:r>
+                    </a:p>
+                  </a:txBody>
+                  <a:tcPr>
+                    <a:lnL w="12700" cap="flat" cmpd="sng" algn="ctr">
+                      <a:solidFill>
+                        <a:schemeClr val="bg1"/>
+                      </a:solidFill>
+                      <a:prstDash val="solid"/>
+                      <a:round/>
+                      <a:headEnd type="none" w="med" len="med"/>
+                      <a:tailEnd type="none" w="med" len="med"/>
+                    </a:lnL>
+                    <a:lnR w="12700" cap="flat" cmpd="sng" algn="ctr">
+                      <a:solidFill>
+                        <a:schemeClr val="bg1"/>
+                      </a:solidFill>
+                      <a:prstDash val="solid"/>
+                      <a:round/>
+                      <a:headEnd type="none" w="med" len="med"/>
+                      <a:tailEnd type="none" w="med" len="med"/>
+                    </a:lnR>
+                    <a:lnT w="12700" cap="flat" cmpd="sng" algn="ctr">
+                      <a:solidFill>
+                        <a:schemeClr val="bg1"/>
+                      </a:solidFill>
+                      <a:prstDash val="solid"/>
+                      <a:round/>
+                      <a:headEnd type="none" w="med" len="med"/>
+                      <a:tailEnd type="none" w="med" len="med"/>
+                    </a:lnT>
+                    <a:lnB w="12700" cap="flat" cmpd="sng" algn="ctr">
+                      <a:solidFill>
+                        <a:schemeClr val="bg1"/>
+                      </a:solidFill>
+                      <a:prstDash val="solid"/>
+                      <a:round/>
+                      <a:headEnd type="none" w="med" len="med"/>
+                      <a:tailEnd type="none" w="med" len="med"/>
+                    </a:lnB>
+                  </a:tcPr>
+                </a:tc>
+                <a:tc>
+                  <a:txBody>
+                    <a:bodyPr/>
+                    <a:lstStyle/>
+                    <a:p>
+                      <a:pPr marL="285750" marR="0" lvl="0" indent="-285750" algn="ctr" defTabSz="914400" rtl="0" eaLnBrk="1" fontAlgn="auto" latinLnBrk="0" hangingPunct="1">
+                        <a:lnSpc>
+                          <a:spcPct val="100000"/>
+                        </a:lnSpc>
+                        <a:spcBef>
+                          <a:spcPts val="0"/>
+                        </a:spcBef>
+                        <a:spcAft>
+                          <a:spcPts val="0"/>
+                        </a:spcAft>
+                        <a:buClrTx/>
+                        <a:buSzTx/>
+                        <a:buFont typeface="Arial" charset="0"/>
+                        <a:buNone/>
+                        <a:tabLst/>
+                        <a:defRPr/>
+                      </a:pPr>
+                      <a:r>
+                        <a:rPr lang="en-US" sz="2000" u="sng" dirty="0" smtClean="0">
+                          <a:solidFill>
+                            <a:schemeClr val="bg1"/>
+                          </a:solidFill>
+                          <a:latin typeface="Courier" charset="0"/>
+                          <a:ea typeface="Courier" charset="0"/>
+                          <a:cs typeface="Courier" charset="0"/>
+                        </a:rPr>
+                        <a:t>Q2</a:t>
+                      </a:r>
+                    </a:p>
+                    <a:p>
+                      <a:pPr marL="285750" marR="0" lvl="0" indent="-285750" algn="l" defTabSz="914400" rtl="0" eaLnBrk="1" fontAlgn="auto" latinLnBrk="0" hangingPunct="1">
+                        <a:lnSpc>
+                          <a:spcPct val="100000"/>
+                        </a:lnSpc>
+                        <a:spcBef>
+                          <a:spcPts val="0"/>
+                        </a:spcBef>
+                        <a:spcAft>
+                          <a:spcPts val="0"/>
+                        </a:spcAft>
+                        <a:buClrTx/>
+                        <a:buSzTx/>
+                        <a:buFont typeface="Arial" charset="0"/>
+                        <a:buChar char="•"/>
+                        <a:tabLst/>
+                        <a:defRPr/>
+                      </a:pPr>
+                      <a:r>
+                        <a:rPr lang="en-US" sz="1600" baseline="0" dirty="0" smtClean="0">
+                          <a:solidFill>
+                            <a:schemeClr val="bg1"/>
+                          </a:solidFill>
+                          <a:latin typeface="Courier" charset="0"/>
+                          <a:ea typeface="Courier" charset="0"/>
+                          <a:cs typeface="Courier" charset="0"/>
+                        </a:rPr>
+                        <a:t>Stretched </a:t>
+                      </a:r>
+                      <a:r>
+                        <a:rPr lang="en-US" sz="1600" baseline="0" dirty="0" err="1" smtClean="0">
+                          <a:solidFill>
+                            <a:schemeClr val="bg1"/>
+                          </a:solidFill>
+                          <a:latin typeface="Courier" charset="0"/>
+                          <a:ea typeface="Courier" charset="0"/>
+                          <a:cs typeface="Courier" charset="0"/>
+                        </a:rPr>
+                        <a:t>vSAN</a:t>
+                      </a:r>
+                      <a:r>
+                        <a:rPr lang="en-US" sz="1600" baseline="0" dirty="0" smtClean="0">
+                          <a:solidFill>
+                            <a:schemeClr val="bg1"/>
+                          </a:solidFill>
+                          <a:latin typeface="Courier" charset="0"/>
+                          <a:ea typeface="Courier" charset="0"/>
+                          <a:cs typeface="Courier" charset="0"/>
+                        </a:rPr>
+                        <a:t> cluster</a:t>
+                      </a:r>
+                    </a:p>
+                    <a:p>
+                      <a:pPr marL="285750" marR="0" lvl="0" indent="-285750" algn="l" defTabSz="914400" rtl="0" eaLnBrk="1" fontAlgn="auto" latinLnBrk="0" hangingPunct="1">
+                        <a:lnSpc>
+                          <a:spcPct val="100000"/>
+                        </a:lnSpc>
+                        <a:spcBef>
+                          <a:spcPts val="0"/>
+                        </a:spcBef>
+                        <a:spcAft>
+                          <a:spcPts val="0"/>
+                        </a:spcAft>
+                        <a:buClrTx/>
+                        <a:buSzTx/>
+                        <a:buFont typeface="Arial" charset="0"/>
+                        <a:buChar char="•"/>
+                        <a:tabLst/>
+                        <a:defRPr/>
+                      </a:pPr>
+                      <a:r>
+                        <a:rPr lang="en-US" sz="1600" baseline="0" dirty="0" smtClean="0">
+                          <a:solidFill>
+                            <a:schemeClr val="bg1"/>
+                          </a:solidFill>
+                          <a:latin typeface="Courier" charset="0"/>
+                          <a:ea typeface="Courier" charset="0"/>
+                          <a:cs typeface="Courier" charset="0"/>
+                        </a:rPr>
+                        <a:t>Private Data Center migration via automation</a:t>
+                      </a:r>
+                    </a:p>
+                    <a:p>
+                      <a:pPr marL="285750" marR="0" lvl="0" indent="-285750" algn="l" defTabSz="914400" rtl="0" eaLnBrk="1" fontAlgn="auto" latinLnBrk="0" hangingPunct="1">
+                        <a:lnSpc>
+                          <a:spcPct val="100000"/>
+                        </a:lnSpc>
+                        <a:spcBef>
+                          <a:spcPts val="0"/>
+                        </a:spcBef>
+                        <a:spcAft>
+                          <a:spcPts val="0"/>
+                        </a:spcAft>
+                        <a:buClrTx/>
+                        <a:buSzTx/>
+                        <a:buFont typeface="Arial" charset="0"/>
+                        <a:buChar char="•"/>
+                        <a:tabLst/>
+                        <a:defRPr/>
+                      </a:pPr>
+                      <a:r>
+                        <a:rPr lang="en-US" sz="1600" baseline="0" dirty="0" smtClean="0">
+                          <a:solidFill>
+                            <a:schemeClr val="bg1"/>
+                          </a:solidFill>
+                          <a:latin typeface="Courier" charset="0"/>
+                          <a:ea typeface="Courier" charset="0"/>
+                          <a:cs typeface="Courier" charset="0"/>
+                        </a:rPr>
+                        <a:t>PowerShell utilities to manage TFS board</a:t>
+                      </a:r>
+                    </a:p>
+                    <a:p>
+                      <a:pPr marL="285750" marR="0" lvl="0" indent="-285750" algn="l" defTabSz="914400" rtl="0" eaLnBrk="1" fontAlgn="auto" latinLnBrk="0" hangingPunct="1">
+                        <a:lnSpc>
+                          <a:spcPct val="100000"/>
+                        </a:lnSpc>
+                        <a:spcBef>
+                          <a:spcPts val="0"/>
+                        </a:spcBef>
+                        <a:spcAft>
+                          <a:spcPts val="0"/>
+                        </a:spcAft>
+                        <a:buClrTx/>
+                        <a:buSzTx/>
+                        <a:buFont typeface="Arial" charset="0"/>
+                        <a:buChar char="•"/>
+                        <a:tabLst/>
+                        <a:defRPr/>
+                      </a:pPr>
+                      <a:r>
+                        <a:rPr lang="en-US" sz="1600" b="1" u="sng" baseline="0" dirty="0" smtClean="0">
+                          <a:solidFill>
+                            <a:schemeClr val="bg1"/>
+                          </a:solidFill>
+                          <a:latin typeface="Courier" charset="0"/>
+                          <a:ea typeface="Courier" charset="0"/>
+                          <a:cs typeface="Courier" charset="0"/>
+                        </a:rPr>
+                        <a:t>Exploration</a:t>
+                      </a:r>
+                      <a:r>
+                        <a:rPr lang="en-US" sz="1600" baseline="0" dirty="0" smtClean="0">
+                          <a:solidFill>
+                            <a:schemeClr val="bg1"/>
+                          </a:solidFill>
+                          <a:latin typeface="Courier" charset="0"/>
+                          <a:ea typeface="Courier" charset="0"/>
+                          <a:cs typeface="Courier" charset="0"/>
+                        </a:rPr>
+                        <a:t>: PowerShell script consumption </a:t>
+                      </a:r>
+                    </a:p>
+                    <a:p>
+                      <a:pPr marL="285750" marR="0" lvl="0" indent="-285750" algn="l" defTabSz="914400" rtl="0" eaLnBrk="1" fontAlgn="auto" latinLnBrk="0" hangingPunct="1">
+                        <a:lnSpc>
+                          <a:spcPct val="100000"/>
+                        </a:lnSpc>
+                        <a:spcBef>
+                          <a:spcPts val="0"/>
+                        </a:spcBef>
+                        <a:spcAft>
+                          <a:spcPts val="0"/>
+                        </a:spcAft>
+                        <a:buClrTx/>
+                        <a:buSzTx/>
+                        <a:buFont typeface="Arial" charset="0"/>
+                        <a:buChar char="•"/>
+                        <a:tabLst/>
+                        <a:defRPr/>
+                      </a:pPr>
+                      <a:r>
+                        <a:rPr lang="en-US" sz="1600" b="1" u="sng" baseline="0" dirty="0" smtClean="0">
+                          <a:solidFill>
+                            <a:schemeClr val="bg1"/>
+                          </a:solidFill>
+                          <a:latin typeface="Courier" charset="0"/>
+                          <a:ea typeface="Courier" charset="0"/>
+                          <a:cs typeface="Courier" charset="0"/>
+                        </a:rPr>
+                        <a:t>Automation</a:t>
+                      </a:r>
+                      <a:r>
+                        <a:rPr lang="en-US" sz="1600" baseline="0" dirty="0" smtClean="0">
+                          <a:solidFill>
+                            <a:schemeClr val="bg1"/>
+                          </a:solidFill>
+                          <a:latin typeface="Courier" charset="0"/>
+                          <a:ea typeface="Courier" charset="0"/>
+                          <a:cs typeface="Courier" charset="0"/>
+                        </a:rPr>
+                        <a:t>: psake, </a:t>
+                      </a:r>
+                      <a:r>
+                        <a:rPr lang="en-US" sz="1600" baseline="0" dirty="0" smtClean="0">
+                          <a:solidFill>
+                            <a:schemeClr val="bg1"/>
+                          </a:solidFill>
+                          <a:latin typeface="Courier" charset="0"/>
+                          <a:ea typeface="Courier" charset="0"/>
+                          <a:cs typeface="Courier" charset="0"/>
+                        </a:rPr>
+                        <a:t>pester, </a:t>
+                      </a:r>
+                      <a:r>
+                        <a:rPr lang="en-US" sz="1600" baseline="0" dirty="0" smtClean="0">
+                          <a:solidFill>
+                            <a:schemeClr val="bg1"/>
+                          </a:solidFill>
+                          <a:latin typeface="Courier" charset="0"/>
+                          <a:ea typeface="Courier" charset="0"/>
+                          <a:cs typeface="Courier" charset="0"/>
+                        </a:rPr>
+                        <a:t>Artifactory</a:t>
+                      </a:r>
+                    </a:p>
+                    <a:p>
+                      <a:pPr marL="285750" marR="0" lvl="0" indent="-285750" algn="l" defTabSz="914400" rtl="0" eaLnBrk="1" fontAlgn="auto" latinLnBrk="0" hangingPunct="1">
+                        <a:lnSpc>
+                          <a:spcPct val="100000"/>
+                        </a:lnSpc>
+                        <a:spcBef>
+                          <a:spcPts val="0"/>
+                        </a:spcBef>
+                        <a:spcAft>
+                          <a:spcPts val="0"/>
+                        </a:spcAft>
+                        <a:buClrTx/>
+                        <a:buSzTx/>
+                        <a:buFont typeface="Arial" charset="0"/>
+                        <a:buChar char="•"/>
+                        <a:tabLst/>
+                        <a:defRPr/>
+                      </a:pPr>
+                      <a:r>
+                        <a:rPr lang="en-US" sz="1600" b="0" u="none" baseline="0" dirty="0" smtClean="0">
+                          <a:solidFill>
+                            <a:schemeClr val="bg1"/>
+                          </a:solidFill>
+                          <a:latin typeface="Courier" charset="0"/>
+                          <a:ea typeface="Courier" charset="0"/>
+                          <a:cs typeface="Courier" charset="0"/>
+                        </a:rPr>
+                        <a:t>DevOpsDays Portland Sponsor</a:t>
+                      </a:r>
+                    </a:p>
+                    <a:p>
+                      <a:pPr marL="285750" marR="0" lvl="0" indent="-285750" algn="l" defTabSz="914400" rtl="0" eaLnBrk="1" fontAlgn="auto" latinLnBrk="0" hangingPunct="1">
+                        <a:lnSpc>
+                          <a:spcPct val="100000"/>
+                        </a:lnSpc>
+                        <a:spcBef>
+                          <a:spcPts val="0"/>
+                        </a:spcBef>
+                        <a:spcAft>
+                          <a:spcPts val="0"/>
+                        </a:spcAft>
+                        <a:buClrTx/>
+                        <a:buSzTx/>
+                        <a:buFont typeface="Arial" charset="0"/>
+                        <a:buChar char="•"/>
+                        <a:tabLst/>
+                        <a:defRPr/>
+                      </a:pPr>
+                      <a:r>
+                        <a:rPr lang="en-US" sz="1600" b="0" u="none" baseline="0" dirty="0" smtClean="0">
+                          <a:solidFill>
+                            <a:schemeClr val="bg1"/>
+                          </a:solidFill>
+                          <a:latin typeface="Courier" charset="0"/>
+                          <a:ea typeface="Courier" charset="0"/>
+                          <a:cs typeface="Courier" charset="0"/>
+                        </a:rPr>
+                        <a:t>CFPs for tech conferences</a:t>
+                      </a:r>
+                    </a:p>
+                  </a:txBody>
+                  <a:tcPr>
+                    <a:lnL w="12700" cap="flat" cmpd="sng" algn="ctr">
+                      <a:solidFill>
+                        <a:schemeClr val="bg1"/>
+                      </a:solidFill>
+                      <a:prstDash val="solid"/>
+                      <a:round/>
+                      <a:headEnd type="none" w="med" len="med"/>
+                      <a:tailEnd type="none" w="med" len="med"/>
+                    </a:lnL>
+                    <a:lnR w="12700" cap="flat" cmpd="sng" algn="ctr">
+                      <a:solidFill>
+                        <a:schemeClr val="bg1"/>
+                      </a:solidFill>
+                      <a:prstDash val="solid"/>
+                      <a:round/>
+                      <a:headEnd type="none" w="med" len="med"/>
+                      <a:tailEnd type="none" w="med" len="med"/>
+                    </a:lnR>
+                    <a:lnT w="12700" cap="flat" cmpd="sng" algn="ctr">
+                      <a:solidFill>
+                        <a:schemeClr val="bg1"/>
+                      </a:solidFill>
+                      <a:prstDash val="solid"/>
+                      <a:round/>
+                      <a:headEnd type="none" w="med" len="med"/>
+                      <a:tailEnd type="none" w="med" len="med"/>
+                    </a:lnT>
+                    <a:lnB w="12700" cap="flat" cmpd="sng" algn="ctr">
+                      <a:solidFill>
+                        <a:schemeClr val="bg1"/>
+                      </a:solidFill>
+                      <a:prstDash val="solid"/>
+                      <a:round/>
+                      <a:headEnd type="none" w="med" len="med"/>
+                      <a:tailEnd type="none" w="med" len="med"/>
+                    </a:lnB>
+                  </a:tcPr>
+                </a:tc>
+              </a:tr>
+              <a:tr h="2139950">
+                <a:tc>
+                  <a:txBody>
+                    <a:bodyPr/>
+                    <a:lstStyle/>
+                    <a:p>
+                      <a:pPr marL="285750" marR="0" lvl="0" indent="-285750" algn="ctr" defTabSz="914400" rtl="0" eaLnBrk="1" fontAlgn="auto" latinLnBrk="0" hangingPunct="1">
+                        <a:lnSpc>
+                          <a:spcPct val="100000"/>
+                        </a:lnSpc>
+                        <a:spcBef>
+                          <a:spcPts val="0"/>
+                        </a:spcBef>
+                        <a:spcAft>
+                          <a:spcPts val="0"/>
+                        </a:spcAft>
+                        <a:buClrTx/>
+                        <a:buSzTx/>
+                        <a:buFont typeface="Arial" charset="0"/>
+                        <a:buNone/>
+                        <a:tabLst/>
+                        <a:defRPr/>
+                      </a:pPr>
+                      <a:r>
+                        <a:rPr lang="en-US" sz="2000" u="sng" dirty="0" smtClean="0">
+                          <a:solidFill>
+                            <a:schemeClr val="bg1"/>
+                          </a:solidFill>
+                          <a:latin typeface="Courier" charset="0"/>
+                          <a:ea typeface="Courier" charset="0"/>
+                          <a:cs typeface="Courier" charset="0"/>
+                        </a:rPr>
+                        <a:t>Q3</a:t>
+                      </a:r>
+                    </a:p>
+                    <a:p>
+                      <a:pPr marL="285750" marR="0" lvl="0" indent="-285750" algn="l" defTabSz="914400" rtl="0" eaLnBrk="1" fontAlgn="auto" latinLnBrk="0" hangingPunct="1">
+                        <a:lnSpc>
+                          <a:spcPct val="100000"/>
+                        </a:lnSpc>
+                        <a:spcBef>
+                          <a:spcPts val="0"/>
+                        </a:spcBef>
+                        <a:spcAft>
+                          <a:spcPts val="0"/>
+                        </a:spcAft>
+                        <a:buClrTx/>
+                        <a:buSzTx/>
+                        <a:buFont typeface="Arial" charset="0"/>
+                        <a:buChar char="•"/>
+                        <a:tabLst/>
+                        <a:defRPr/>
+                      </a:pPr>
+                      <a:r>
+                        <a:rPr lang="en-US" sz="1600" baseline="0" dirty="0" smtClean="0">
+                          <a:solidFill>
+                            <a:schemeClr val="bg1"/>
+                          </a:solidFill>
+                          <a:latin typeface="Courier" charset="0"/>
+                          <a:ea typeface="Courier" charset="0"/>
+                          <a:cs typeface="Courier" charset="0"/>
+                        </a:rPr>
+                        <a:t>Velocity Conf  - ChatOps &amp;  Rotations</a:t>
+                      </a:r>
+                      <a:endParaRPr lang="en-US" sz="1600" b="1" u="sng" baseline="0" dirty="0" smtClean="0">
+                        <a:solidFill>
+                          <a:schemeClr val="bg1"/>
+                        </a:solidFill>
+                        <a:latin typeface="Courier" charset="0"/>
+                        <a:ea typeface="Courier" charset="0"/>
+                        <a:cs typeface="Courier" charset="0"/>
+                      </a:endParaRPr>
+                    </a:p>
+                    <a:p>
+                      <a:pPr marL="285750" marR="0" lvl="0" indent="-285750" algn="l" defTabSz="914400" rtl="0" eaLnBrk="1" fontAlgn="auto" latinLnBrk="0" hangingPunct="1">
+                        <a:lnSpc>
+                          <a:spcPct val="100000"/>
+                        </a:lnSpc>
+                        <a:spcBef>
+                          <a:spcPts val="0"/>
+                        </a:spcBef>
+                        <a:spcAft>
+                          <a:spcPts val="0"/>
+                        </a:spcAft>
+                        <a:buClrTx/>
+                        <a:buSzTx/>
+                        <a:buFont typeface="Arial" charset="0"/>
+                        <a:buChar char="•"/>
+                        <a:tabLst/>
+                        <a:defRPr/>
+                      </a:pPr>
+                      <a:r>
+                        <a:rPr lang="en-US" sz="1600" baseline="0" dirty="0" smtClean="0">
+                          <a:solidFill>
+                            <a:schemeClr val="bg1"/>
+                          </a:solidFill>
+                          <a:latin typeface="Courier" charset="0"/>
+                          <a:ea typeface="Courier" charset="0"/>
+                          <a:cs typeface="Courier" charset="0"/>
+                        </a:rPr>
+                        <a:t>Team of Teams – General Stan McChrystal</a:t>
+                      </a:r>
+                      <a:endParaRPr lang="en-US" sz="1600" b="1" u="sng" baseline="0" dirty="0" smtClean="0">
+                        <a:solidFill>
+                          <a:schemeClr val="bg1"/>
+                        </a:solidFill>
+                        <a:latin typeface="Courier" charset="0"/>
+                        <a:ea typeface="Courier" charset="0"/>
+                        <a:cs typeface="Courier" charset="0"/>
+                      </a:endParaRPr>
+                    </a:p>
+                    <a:p>
+                      <a:pPr marL="285750" marR="0" lvl="0" indent="-285750" algn="l" defTabSz="914400" rtl="0" eaLnBrk="1" fontAlgn="auto" latinLnBrk="0" hangingPunct="1">
+                        <a:lnSpc>
+                          <a:spcPct val="100000"/>
+                        </a:lnSpc>
+                        <a:spcBef>
+                          <a:spcPts val="0"/>
+                        </a:spcBef>
+                        <a:spcAft>
+                          <a:spcPts val="0"/>
+                        </a:spcAft>
+                        <a:buClrTx/>
+                        <a:buSzTx/>
+                        <a:buFont typeface="Arial" charset="0"/>
+                        <a:buChar char="•"/>
+                        <a:tabLst/>
+                        <a:defRPr/>
+                      </a:pPr>
+                      <a:r>
+                        <a:rPr lang="en-US" sz="1600" b="1" u="sng" baseline="0" dirty="0" smtClean="0">
+                          <a:solidFill>
+                            <a:schemeClr val="bg1"/>
+                          </a:solidFill>
+                          <a:latin typeface="Courier" charset="0"/>
+                          <a:ea typeface="Courier" charset="0"/>
+                          <a:cs typeface="Courier" charset="0"/>
+                        </a:rPr>
+                        <a:t>Org:</a:t>
+                      </a:r>
+                      <a:r>
+                        <a:rPr lang="en-US" sz="1600" b="1" u="none" baseline="0" dirty="0" smtClean="0">
+                          <a:solidFill>
+                            <a:schemeClr val="bg1"/>
+                          </a:solidFill>
+                          <a:latin typeface="Courier" charset="0"/>
+                          <a:ea typeface="Courier" charset="0"/>
+                          <a:cs typeface="Courier" charset="0"/>
+                        </a:rPr>
+                        <a:t> </a:t>
+                      </a:r>
+                      <a:r>
+                        <a:rPr lang="en-US" sz="1600" baseline="0" dirty="0" smtClean="0">
+                          <a:solidFill>
+                            <a:schemeClr val="bg1"/>
+                          </a:solidFill>
+                          <a:latin typeface="Courier" charset="0"/>
+                          <a:ea typeface="Courier" charset="0"/>
+                          <a:cs typeface="Courier" charset="0"/>
+                        </a:rPr>
+                        <a:t>Cross functional re-org </a:t>
+                      </a:r>
+                    </a:p>
+                    <a:p>
+                      <a:pPr marL="285750" marR="0" lvl="0" indent="-285750" algn="l" defTabSz="914400" rtl="0" eaLnBrk="1" fontAlgn="auto" latinLnBrk="0" hangingPunct="1">
+                        <a:lnSpc>
+                          <a:spcPct val="100000"/>
+                        </a:lnSpc>
+                        <a:spcBef>
+                          <a:spcPts val="0"/>
+                        </a:spcBef>
+                        <a:spcAft>
+                          <a:spcPts val="0"/>
+                        </a:spcAft>
+                        <a:buClrTx/>
+                        <a:buSzTx/>
+                        <a:buFont typeface="Arial" charset="0"/>
+                        <a:buChar char="•"/>
+                        <a:tabLst/>
+                        <a:defRPr/>
+                      </a:pPr>
+                      <a:r>
+                        <a:rPr lang="en-US" sz="1600" b="1" u="sng" baseline="0" dirty="0" smtClean="0">
+                          <a:solidFill>
+                            <a:schemeClr val="bg1"/>
+                          </a:solidFill>
+                          <a:latin typeface="Courier" charset="0"/>
+                          <a:ea typeface="Courier" charset="0"/>
+                          <a:cs typeface="Courier" charset="0"/>
+                        </a:rPr>
+                        <a:t>SCM: </a:t>
+                      </a:r>
+                      <a:r>
+                        <a:rPr lang="en-US" sz="1600" baseline="0" dirty="0" smtClean="0">
+                          <a:solidFill>
+                            <a:schemeClr val="bg1"/>
+                          </a:solidFill>
+                          <a:latin typeface="Courier" charset="0"/>
+                          <a:ea typeface="Courier" charset="0"/>
+                          <a:cs typeface="Courier" charset="0"/>
+                        </a:rPr>
+                        <a:t>GitLab – version control, </a:t>
+                      </a:r>
+                      <a:r>
+                        <a:rPr lang="en-US" sz="1600" baseline="0" dirty="0" err="1" smtClean="0">
+                          <a:solidFill>
+                            <a:schemeClr val="bg1"/>
+                          </a:solidFill>
+                          <a:latin typeface="Courier" charset="0"/>
+                          <a:ea typeface="Courier" charset="0"/>
+                          <a:cs typeface="Courier" charset="0"/>
+                        </a:rPr>
+                        <a:t>piplines</a:t>
+                      </a:r>
+                      <a:endParaRPr lang="en-US" sz="1600" baseline="0" dirty="0" smtClean="0">
+                        <a:solidFill>
+                          <a:schemeClr val="bg1"/>
+                        </a:solidFill>
+                        <a:latin typeface="Courier" charset="0"/>
+                        <a:ea typeface="Courier" charset="0"/>
+                        <a:cs typeface="Courier" charset="0"/>
+                      </a:endParaRPr>
+                    </a:p>
+                    <a:p>
+                      <a:pPr marL="285750" marR="0" lvl="0" indent="-285750" algn="l" defTabSz="914400" rtl="0" eaLnBrk="1" fontAlgn="auto" latinLnBrk="0" hangingPunct="1">
+                        <a:lnSpc>
+                          <a:spcPct val="100000"/>
+                        </a:lnSpc>
+                        <a:spcBef>
+                          <a:spcPts val="0"/>
+                        </a:spcBef>
+                        <a:spcAft>
+                          <a:spcPts val="0"/>
+                        </a:spcAft>
+                        <a:buClrTx/>
+                        <a:buSzTx/>
+                        <a:buFont typeface="Arial" charset="0"/>
+                        <a:buChar char="•"/>
+                        <a:tabLst/>
+                        <a:defRPr/>
+                      </a:pPr>
+                      <a:r>
+                        <a:rPr lang="en-US" sz="1600" b="1" u="sng" baseline="0" dirty="0" smtClean="0">
+                          <a:solidFill>
+                            <a:schemeClr val="bg1"/>
+                          </a:solidFill>
+                          <a:latin typeface="Courier" charset="0"/>
+                          <a:ea typeface="Courier" charset="0"/>
+                          <a:cs typeface="Courier" charset="0"/>
+                        </a:rPr>
+                        <a:t>ChatOps</a:t>
+                      </a:r>
+                      <a:r>
+                        <a:rPr lang="en-US" sz="1600" b="0" u="none" baseline="0" dirty="0" smtClean="0">
+                          <a:solidFill>
+                            <a:schemeClr val="bg1"/>
+                          </a:solidFill>
+                          <a:latin typeface="Courier" charset="0"/>
+                          <a:ea typeface="Courier" charset="0"/>
+                          <a:cs typeface="Courier" charset="0"/>
+                        </a:rPr>
+                        <a:t>:</a:t>
+                      </a:r>
+                      <a:r>
+                        <a:rPr lang="en-US" sz="1600" baseline="0" dirty="0" smtClean="0">
+                          <a:solidFill>
+                            <a:schemeClr val="bg1"/>
+                          </a:solidFill>
+                          <a:latin typeface="Courier" charset="0"/>
+                          <a:ea typeface="Courier" charset="0"/>
+                          <a:cs typeface="Courier" charset="0"/>
+                        </a:rPr>
+                        <a:t> </a:t>
+                      </a:r>
+                      <a:r>
+                        <a:rPr lang="en-US" sz="1600" baseline="0" dirty="0" err="1" smtClean="0">
+                          <a:solidFill>
+                            <a:schemeClr val="bg1"/>
+                          </a:solidFill>
+                          <a:latin typeface="Courier" charset="0"/>
+                          <a:ea typeface="Courier" charset="0"/>
+                          <a:cs typeface="Courier" charset="0"/>
+                        </a:rPr>
+                        <a:t>Hubot</a:t>
+                      </a:r>
+                      <a:r>
+                        <a:rPr lang="en-US" sz="1600" baseline="0" dirty="0" smtClean="0">
+                          <a:solidFill>
+                            <a:schemeClr val="bg1"/>
+                          </a:solidFill>
+                          <a:latin typeface="Courier" charset="0"/>
+                          <a:ea typeface="Courier" charset="0"/>
+                          <a:cs typeface="Courier" charset="0"/>
+                        </a:rPr>
+                        <a:t> + Slack + GitLab (CI/CD)</a:t>
+                      </a:r>
+                    </a:p>
+                    <a:p>
+                      <a:pPr marL="285750" marR="0" lvl="0" indent="-285750" algn="l" defTabSz="914400" rtl="0" eaLnBrk="1" fontAlgn="auto" latinLnBrk="0" hangingPunct="1">
+                        <a:lnSpc>
+                          <a:spcPct val="100000"/>
+                        </a:lnSpc>
+                        <a:spcBef>
+                          <a:spcPts val="0"/>
+                        </a:spcBef>
+                        <a:spcAft>
+                          <a:spcPts val="0"/>
+                        </a:spcAft>
+                        <a:buClrTx/>
+                        <a:buSzTx/>
+                        <a:buFont typeface="Arial" charset="0"/>
+                        <a:buChar char="•"/>
+                        <a:tabLst/>
+                        <a:defRPr/>
+                      </a:pPr>
+                      <a:r>
+                        <a:rPr lang="en-US" sz="1600" baseline="0" dirty="0" smtClean="0">
+                          <a:solidFill>
+                            <a:schemeClr val="bg1"/>
+                          </a:solidFill>
+                          <a:latin typeface="Courier" charset="0"/>
+                          <a:ea typeface="Courier" charset="0"/>
+                          <a:cs typeface="Courier" charset="0"/>
+                        </a:rPr>
+                        <a:t>O365 – Exchange in the Cloud</a:t>
+                      </a:r>
+                    </a:p>
+                  </a:txBody>
+                  <a:tcPr>
+                    <a:lnL w="12700" cap="flat" cmpd="sng" algn="ctr">
+                      <a:solidFill>
+                        <a:schemeClr val="bg1"/>
+                      </a:solidFill>
+                      <a:prstDash val="solid"/>
+                      <a:round/>
+                      <a:headEnd type="none" w="med" len="med"/>
+                      <a:tailEnd type="none" w="med" len="med"/>
+                    </a:lnL>
+                    <a:lnR w="12700" cap="flat" cmpd="sng" algn="ctr">
+                      <a:solidFill>
+                        <a:schemeClr val="bg1"/>
+                      </a:solidFill>
+                      <a:prstDash val="solid"/>
+                      <a:round/>
+                      <a:headEnd type="none" w="med" len="med"/>
+                      <a:tailEnd type="none" w="med" len="med"/>
+                    </a:lnR>
+                    <a:lnT w="12700" cap="flat" cmpd="sng" algn="ctr">
+                      <a:solidFill>
+                        <a:schemeClr val="bg1"/>
+                      </a:solidFill>
+                      <a:prstDash val="solid"/>
+                      <a:round/>
+                      <a:headEnd type="none" w="med" len="med"/>
+                      <a:tailEnd type="none" w="med" len="med"/>
+                    </a:lnT>
+                    <a:lnB w="12700" cap="flat" cmpd="sng" algn="ctr">
+                      <a:solidFill>
+                        <a:schemeClr val="bg1"/>
+                      </a:solidFill>
+                      <a:prstDash val="solid"/>
+                      <a:round/>
+                      <a:headEnd type="none" w="med" len="med"/>
+                      <a:tailEnd type="none" w="med" len="med"/>
+                    </a:lnB>
+                  </a:tcPr>
+                </a:tc>
+                <a:tc>
+                  <a:txBody>
+                    <a:bodyPr/>
+                    <a:lstStyle/>
+                    <a:p>
+                      <a:pPr marL="285750" marR="0" lvl="0" indent="-285750" algn="ctr" defTabSz="914400" rtl="0" eaLnBrk="1" fontAlgn="auto" latinLnBrk="0" hangingPunct="1">
+                        <a:lnSpc>
+                          <a:spcPct val="100000"/>
+                        </a:lnSpc>
+                        <a:spcBef>
+                          <a:spcPts val="0"/>
+                        </a:spcBef>
+                        <a:spcAft>
+                          <a:spcPts val="0"/>
+                        </a:spcAft>
+                        <a:buClrTx/>
+                        <a:buSzTx/>
+                        <a:buFont typeface="Arial" charset="0"/>
+                        <a:buNone/>
+                        <a:tabLst/>
+                        <a:defRPr/>
+                      </a:pPr>
+                      <a:r>
+                        <a:rPr lang="en-US" sz="2000" u="sng" dirty="0" smtClean="0">
+                          <a:solidFill>
+                            <a:schemeClr val="bg1"/>
+                          </a:solidFill>
+                          <a:latin typeface="Courier" charset="0"/>
+                          <a:ea typeface="Courier" charset="0"/>
+                          <a:cs typeface="Courier" charset="0"/>
+                        </a:rPr>
+                        <a:t>Q4</a:t>
+                      </a:r>
+                    </a:p>
+                    <a:p>
+                      <a:pPr marL="285750" marR="0" lvl="0" indent="-285750" algn="l" defTabSz="914400" rtl="0" eaLnBrk="1" fontAlgn="auto" latinLnBrk="0" hangingPunct="1">
+                        <a:lnSpc>
+                          <a:spcPct val="100000"/>
+                        </a:lnSpc>
+                        <a:spcBef>
+                          <a:spcPts val="0"/>
+                        </a:spcBef>
+                        <a:spcAft>
+                          <a:spcPts val="0"/>
+                        </a:spcAft>
+                        <a:buClrTx/>
+                        <a:buSzTx/>
+                        <a:buFont typeface="Arial" charset="0"/>
+                        <a:buChar char="•"/>
+                        <a:tabLst/>
+                        <a:defRPr/>
+                      </a:pPr>
+                      <a:r>
+                        <a:rPr lang="en-US" sz="1600" b="1" u="sng" baseline="0" dirty="0" smtClean="0">
+                          <a:solidFill>
+                            <a:schemeClr val="bg1"/>
+                          </a:solidFill>
+                          <a:latin typeface="Courier" charset="0"/>
+                          <a:ea typeface="Courier" charset="0"/>
+                          <a:cs typeface="Courier" charset="0"/>
+                        </a:rPr>
+                        <a:t>Exploration:</a:t>
+                      </a:r>
+                      <a:r>
+                        <a:rPr lang="en-US" sz="1600" baseline="0" dirty="0" smtClean="0">
+                          <a:solidFill>
+                            <a:schemeClr val="bg1"/>
+                          </a:solidFill>
+                          <a:latin typeface="Courier" charset="0"/>
+                          <a:ea typeface="Courier" charset="0"/>
+                          <a:cs typeface="Courier" charset="0"/>
+                        </a:rPr>
+                        <a:t> EMC </a:t>
+                      </a:r>
+                      <a:r>
+                        <a:rPr lang="en-US" sz="1600" baseline="0" dirty="0" smtClean="0">
+                          <a:solidFill>
+                            <a:schemeClr val="bg1"/>
+                          </a:solidFill>
+                          <a:latin typeface="Courier" charset="0"/>
+                          <a:ea typeface="Courier" charset="0"/>
+                          <a:cs typeface="Courier" charset="0"/>
+                        </a:rPr>
+                        <a:t>scripting, </a:t>
+                      </a:r>
+                      <a:r>
+                        <a:rPr lang="en-US" sz="1600" baseline="0" dirty="0" smtClean="0">
+                          <a:solidFill>
+                            <a:schemeClr val="bg1"/>
+                          </a:solidFill>
+                          <a:latin typeface="Courier" charset="0"/>
+                          <a:ea typeface="Courier" charset="0"/>
+                          <a:cs typeface="Courier" charset="0"/>
+                        </a:rPr>
+                        <a:t>AWS/Azure, Pods</a:t>
+                      </a:r>
+                    </a:p>
+                    <a:p>
+                      <a:pPr marL="285750" marR="0" lvl="0" indent="-285750" algn="l" defTabSz="914400" rtl="0" eaLnBrk="1" fontAlgn="auto" latinLnBrk="0" hangingPunct="1">
+                        <a:lnSpc>
+                          <a:spcPct val="100000"/>
+                        </a:lnSpc>
+                        <a:spcBef>
+                          <a:spcPts val="0"/>
+                        </a:spcBef>
+                        <a:spcAft>
+                          <a:spcPts val="0"/>
+                        </a:spcAft>
+                        <a:buClrTx/>
+                        <a:buSzTx/>
+                        <a:buFont typeface="Arial" charset="0"/>
+                        <a:buChar char="•"/>
+                        <a:tabLst/>
+                        <a:defRPr/>
+                      </a:pPr>
+                      <a:r>
+                        <a:rPr lang="en-US" sz="1600" b="1" u="sng" baseline="0" dirty="0" smtClean="0">
+                          <a:solidFill>
+                            <a:schemeClr val="bg1"/>
+                          </a:solidFill>
+                          <a:latin typeface="Courier" charset="0"/>
+                          <a:ea typeface="Courier" charset="0"/>
+                          <a:cs typeface="Courier" charset="0"/>
+                        </a:rPr>
+                        <a:t>Challenge:</a:t>
+                      </a:r>
+                      <a:r>
+                        <a:rPr lang="en-US" sz="1600" b="1" u="none" baseline="0" dirty="0" smtClean="0">
+                          <a:solidFill>
+                            <a:schemeClr val="bg1"/>
+                          </a:solidFill>
+                          <a:latin typeface="Courier" charset="0"/>
+                          <a:ea typeface="Courier" charset="0"/>
+                          <a:cs typeface="Courier" charset="0"/>
+                        </a:rPr>
+                        <a:t> </a:t>
+                      </a:r>
+                      <a:r>
+                        <a:rPr lang="en-US" sz="1600" baseline="0" dirty="0" smtClean="0">
+                          <a:solidFill>
+                            <a:schemeClr val="bg1"/>
+                          </a:solidFill>
+                          <a:latin typeface="Courier" charset="0"/>
+                          <a:ea typeface="Courier" charset="0"/>
+                          <a:cs typeface="Courier" charset="0"/>
+                        </a:rPr>
+                        <a:t>NetScaler </a:t>
+                      </a:r>
+                      <a:r>
+                        <a:rPr lang="en-US" sz="1600" baseline="0" dirty="0" smtClean="0">
+                          <a:solidFill>
+                            <a:schemeClr val="bg1"/>
+                          </a:solidFill>
+                          <a:latin typeface="Courier" charset="0"/>
+                          <a:ea typeface="Courier" charset="0"/>
+                          <a:cs typeface="Courier" charset="0"/>
+                        </a:rPr>
+                        <a:t>pains</a:t>
+                      </a:r>
+                      <a:r>
+                        <a:rPr lang="en-US" sz="1600" baseline="0" dirty="0" smtClean="0">
+                          <a:solidFill>
+                            <a:schemeClr val="bg1"/>
+                          </a:solidFill>
+                          <a:latin typeface="Courier" charset="0"/>
+                          <a:ea typeface="Courier" charset="0"/>
+                          <a:cs typeface="Courier" charset="0"/>
+                        </a:rPr>
+                        <a:t>, SOX 404</a:t>
+                      </a:r>
+                    </a:p>
+                    <a:p>
+                      <a:pPr marL="285750" marR="0" lvl="0" indent="-285750" algn="l" defTabSz="914400" rtl="0" eaLnBrk="1" fontAlgn="auto" latinLnBrk="0" hangingPunct="1">
+                        <a:lnSpc>
+                          <a:spcPct val="100000"/>
+                        </a:lnSpc>
+                        <a:spcBef>
+                          <a:spcPts val="0"/>
+                        </a:spcBef>
+                        <a:spcAft>
+                          <a:spcPts val="0"/>
+                        </a:spcAft>
+                        <a:buClrTx/>
+                        <a:buSzTx/>
+                        <a:buFont typeface="Arial" charset="0"/>
+                        <a:buChar char="•"/>
+                        <a:tabLst/>
+                        <a:defRPr/>
+                      </a:pPr>
+                      <a:r>
+                        <a:rPr lang="en-US" sz="1600" b="1" u="sng" baseline="0" dirty="0" smtClean="0">
+                          <a:solidFill>
+                            <a:schemeClr val="bg1"/>
+                          </a:solidFill>
+                          <a:latin typeface="Courier" charset="0"/>
+                          <a:ea typeface="Courier" charset="0"/>
+                          <a:cs typeface="Courier" charset="0"/>
+                        </a:rPr>
+                        <a:t>CHEF</a:t>
+                      </a:r>
+                      <a:r>
+                        <a:rPr lang="en-US" sz="1600" baseline="0" dirty="0" smtClean="0">
+                          <a:solidFill>
+                            <a:schemeClr val="bg1"/>
+                          </a:solidFill>
+                          <a:latin typeface="Courier" charset="0"/>
+                          <a:ea typeface="Courier" charset="0"/>
+                          <a:cs typeface="Courier" charset="0"/>
+                        </a:rPr>
+                        <a:t>: 500+ Servers &amp; CHEF Automate</a:t>
+                      </a:r>
+                    </a:p>
+                    <a:p>
+                      <a:pPr marL="285750" marR="0" lvl="0" indent="-285750" algn="l" defTabSz="914400" rtl="0" eaLnBrk="1" fontAlgn="auto" latinLnBrk="0" hangingPunct="1">
+                        <a:lnSpc>
+                          <a:spcPct val="100000"/>
+                        </a:lnSpc>
+                        <a:spcBef>
+                          <a:spcPts val="0"/>
+                        </a:spcBef>
+                        <a:spcAft>
+                          <a:spcPts val="0"/>
+                        </a:spcAft>
+                        <a:buClrTx/>
+                        <a:buSzTx/>
+                        <a:buFont typeface="Arial" charset="0"/>
+                        <a:buChar char="•"/>
+                        <a:tabLst/>
+                        <a:defRPr/>
+                      </a:pPr>
+                      <a:r>
+                        <a:rPr lang="en-US" sz="1600" b="1" u="sng" baseline="0" dirty="0" smtClean="0">
+                          <a:solidFill>
+                            <a:schemeClr val="bg1"/>
+                          </a:solidFill>
+                          <a:latin typeface="Courier" charset="0"/>
+                          <a:ea typeface="Courier" charset="0"/>
+                          <a:cs typeface="Courier" charset="0"/>
+                        </a:rPr>
+                        <a:t>ChatOps:</a:t>
+                      </a:r>
+                      <a:r>
+                        <a:rPr lang="en-US" sz="1600" b="1" u="none" baseline="0" dirty="0" smtClean="0">
+                          <a:solidFill>
+                            <a:schemeClr val="bg1"/>
+                          </a:solidFill>
+                          <a:latin typeface="Courier" charset="0"/>
+                          <a:ea typeface="Courier" charset="0"/>
+                          <a:cs typeface="Courier" charset="0"/>
+                        </a:rPr>
+                        <a:t> </a:t>
+                      </a:r>
+                      <a:r>
+                        <a:rPr lang="en-US" sz="1600" b="0" u="none" baseline="0" dirty="0" smtClean="0">
+                          <a:solidFill>
+                            <a:schemeClr val="bg1"/>
+                          </a:solidFill>
+                          <a:latin typeface="Courier" charset="0"/>
+                          <a:ea typeface="Courier" charset="0"/>
+                          <a:cs typeface="Courier" charset="0"/>
+                        </a:rPr>
+                        <a:t>150</a:t>
+                      </a:r>
+                      <a:r>
+                        <a:rPr lang="en-US" sz="1600" baseline="0" dirty="0" smtClean="0">
+                          <a:solidFill>
+                            <a:schemeClr val="bg1"/>
+                          </a:solidFill>
+                          <a:latin typeface="Courier" charset="0"/>
+                          <a:ea typeface="Courier" charset="0"/>
+                          <a:cs typeface="Courier" charset="0"/>
+                        </a:rPr>
+                        <a:t>+ commands, “Etsy Day 1”, demos</a:t>
+                      </a:r>
+                    </a:p>
+                    <a:p>
+                      <a:pPr marL="285750" marR="0" lvl="0" indent="-285750" algn="l" defTabSz="914400" rtl="0" eaLnBrk="1" fontAlgn="auto" latinLnBrk="0" hangingPunct="1">
+                        <a:lnSpc>
+                          <a:spcPct val="100000"/>
+                        </a:lnSpc>
+                        <a:spcBef>
+                          <a:spcPts val="0"/>
+                        </a:spcBef>
+                        <a:spcAft>
+                          <a:spcPts val="0"/>
+                        </a:spcAft>
+                        <a:buClrTx/>
+                        <a:buSzTx/>
+                        <a:buFont typeface="Arial" charset="0"/>
+                        <a:buChar char="•"/>
+                        <a:tabLst/>
+                        <a:defRPr/>
+                      </a:pPr>
+                      <a:r>
+                        <a:rPr lang="en-US" sz="1600" b="1" u="sng" baseline="0" dirty="0" smtClean="0">
+                          <a:solidFill>
+                            <a:schemeClr val="bg1"/>
+                          </a:solidFill>
+                          <a:latin typeface="Courier" charset="0"/>
+                          <a:ea typeface="Courier" charset="0"/>
+                          <a:cs typeface="Courier" charset="0"/>
+                        </a:rPr>
+                        <a:t>Friction:</a:t>
+                      </a:r>
+                      <a:r>
+                        <a:rPr lang="en-US" sz="1600" b="1" u="none" baseline="0" dirty="0" smtClean="0">
+                          <a:solidFill>
+                            <a:schemeClr val="bg1"/>
+                          </a:solidFill>
+                          <a:latin typeface="Courier" charset="0"/>
+                          <a:ea typeface="Courier" charset="0"/>
+                          <a:cs typeface="Courier" charset="0"/>
+                        </a:rPr>
+                        <a:t> </a:t>
+                      </a:r>
+                      <a:r>
+                        <a:rPr lang="en-US" sz="1600" b="0" u="none" baseline="0" dirty="0" smtClean="0">
+                          <a:solidFill>
+                            <a:schemeClr val="bg1"/>
+                          </a:solidFill>
+                          <a:latin typeface="Courier" charset="0"/>
+                          <a:ea typeface="Courier" charset="0"/>
+                          <a:cs typeface="Courier" charset="0"/>
+                        </a:rPr>
+                        <a:t>Prioritization</a:t>
+                      </a:r>
+                      <a:r>
+                        <a:rPr lang="en-US" sz="1600" baseline="0" dirty="0" smtClean="0">
+                          <a:solidFill>
+                            <a:schemeClr val="bg1"/>
+                          </a:solidFill>
+                          <a:latin typeface="Courier" charset="0"/>
+                          <a:ea typeface="Courier" charset="0"/>
+                          <a:cs typeface="Courier" charset="0"/>
+                        </a:rPr>
+                        <a:t>, Principles</a:t>
+                      </a:r>
+                    </a:p>
+                    <a:p>
+                      <a:pPr marL="285750" marR="0" lvl="0" indent="-285750" algn="l" defTabSz="914400" rtl="0" eaLnBrk="1" fontAlgn="auto" latinLnBrk="0" hangingPunct="1">
+                        <a:lnSpc>
+                          <a:spcPct val="100000"/>
+                        </a:lnSpc>
+                        <a:spcBef>
+                          <a:spcPts val="0"/>
+                        </a:spcBef>
+                        <a:spcAft>
+                          <a:spcPts val="0"/>
+                        </a:spcAft>
+                        <a:buClrTx/>
+                        <a:buSzTx/>
+                        <a:buFont typeface="Arial" charset="0"/>
+                        <a:buChar char="•"/>
+                        <a:tabLst/>
+                        <a:defRPr/>
+                      </a:pPr>
+                      <a:r>
+                        <a:rPr lang="en-US" sz="1600" b="1" u="sng" baseline="0" dirty="0" smtClean="0">
+                          <a:solidFill>
+                            <a:schemeClr val="bg1"/>
+                          </a:solidFill>
+                          <a:latin typeface="Courier" charset="0"/>
+                          <a:ea typeface="Courier" charset="0"/>
+                          <a:cs typeface="Courier" charset="0"/>
+                        </a:rPr>
+                        <a:t>Org</a:t>
+                      </a:r>
+                      <a:r>
+                        <a:rPr lang="en-US" sz="1600" baseline="0" dirty="0" smtClean="0">
+                          <a:solidFill>
+                            <a:schemeClr val="bg1"/>
+                          </a:solidFill>
+                          <a:latin typeface="Courier" charset="0"/>
+                          <a:ea typeface="Courier" charset="0"/>
+                          <a:cs typeface="Courier" charset="0"/>
+                        </a:rPr>
+                        <a:t>: Hiring great </a:t>
+                      </a:r>
+                      <a:r>
+                        <a:rPr lang="en-US" sz="1600" baseline="0" dirty="0" smtClean="0">
+                          <a:solidFill>
+                            <a:schemeClr val="bg1"/>
+                          </a:solidFill>
+                          <a:latin typeface="Courier" charset="0"/>
+                          <a:ea typeface="Courier" charset="0"/>
+                          <a:cs typeface="Courier" charset="0"/>
+                        </a:rPr>
+                        <a:t>engineer, rotations</a:t>
+                      </a:r>
+                      <a:endParaRPr lang="en-US" sz="1600" baseline="0" dirty="0" smtClean="0">
+                        <a:solidFill>
+                          <a:schemeClr val="bg1"/>
+                        </a:solidFill>
+                        <a:latin typeface="Courier" charset="0"/>
+                        <a:ea typeface="Courier" charset="0"/>
+                        <a:cs typeface="Courier" charset="0"/>
+                      </a:endParaRPr>
+                    </a:p>
+                  </a:txBody>
+                  <a:tcPr>
+                    <a:lnL w="12700" cap="flat" cmpd="sng" algn="ctr">
+                      <a:solidFill>
+                        <a:schemeClr val="bg1"/>
+                      </a:solidFill>
+                      <a:prstDash val="solid"/>
+                      <a:round/>
+                      <a:headEnd type="none" w="med" len="med"/>
+                      <a:tailEnd type="none" w="med" len="med"/>
+                    </a:lnL>
+                    <a:lnR w="12700" cap="flat" cmpd="sng" algn="ctr">
+                      <a:solidFill>
+                        <a:schemeClr val="bg1"/>
+                      </a:solidFill>
+                      <a:prstDash val="solid"/>
+                      <a:round/>
+                      <a:headEnd type="none" w="med" len="med"/>
+                      <a:tailEnd type="none" w="med" len="med"/>
+                    </a:lnR>
+                    <a:lnT w="12700" cap="flat" cmpd="sng" algn="ctr">
+                      <a:solidFill>
+                        <a:schemeClr val="bg1"/>
+                      </a:solidFill>
+                      <a:prstDash val="solid"/>
+                      <a:round/>
+                      <a:headEnd type="none" w="med" len="med"/>
+                      <a:tailEnd type="none" w="med" len="med"/>
+                    </a:lnT>
+                    <a:lnB w="12700" cap="flat" cmpd="sng" algn="ctr">
+                      <a:solidFill>
+                        <a:schemeClr val="bg1"/>
+                      </a:solidFill>
+                      <a:prstDash val="solid"/>
+                      <a:round/>
+                      <a:headEnd type="none" w="med" len="med"/>
+                      <a:tailEnd type="none" w="med" len="med"/>
+                    </a:lnB>
+                  </a:tcPr>
+                </a:tc>
+              </a:tr>
+            </a:tbl>
+          </a:graphicData>
+        </a:graphic>
+      </p:graphicFrame>
+      <p:sp>
+        <p:nvSpPr>
+          <p:cNvPr id="3" name="Slide Number Placeholder 2"/>
+          <p:cNvSpPr>
+            <a:spLocks noGrp="1"/>
+          </p:cNvSpPr>
+          <p:nvPr>
+            <p:ph type="sldNum" sz="quarter" idx="4"/>
+          </p:nvPr>
+        </p:nvSpPr>
+        <p:spPr/>
+        <p:txBody>
+          <a:bodyPr/>
+          <a:lstStyle/>
+          <a:p>
+            <a:fld id="{03CBEB89-E47E-4106-9DE1-9B407DF8E52F}" type="slidenum">
+              <a:rPr lang="en-US" smtClean="0"/>
+              <a:pPr/>
+              <a:t>8</a:t>
+            </a:fld>
+            <a:endParaRPr lang="en-US"/>
+          </a:p>
+        </p:txBody>
+      </p:sp>
+    </p:spTree>
+    <p:extLst>
+      <p:ext uri="{BB962C8B-B14F-4D97-AF65-F5344CB8AC3E}">
+        <p14:creationId xmlns:p14="http://schemas.microsoft.com/office/powerpoint/2010/main" val="1284604479"/>
+      </p:ext>
+    </p:extLst>
+  </p:cSld>
+  <p:clrMapOvr>
+    <a:masterClrMapping/>
+  </p:clrMapOvr>
+  <mc:AlternateContent xmlns:mc="http://schemas.openxmlformats.org/markup-compatibility/2006" xmlns:p14="http://schemas.microsoft.com/office/powerpoint/2010/main">
+    <mc:Choice Requires="p14">
+      <p:transition p14:dur="10" advTm="14000"/>
+    </mc:Choice>
+    <mc:Fallback xmlns="">
+      <p:transition advTm="14000"/>
+    </mc:Fallback>
+  </mc:AlternateContent>
+  <p:timing>
+    <p:tnLst>
+      <p:par>
+        <p:cTn id="1" dur="indefinite" restart="never" nodeType="tmRoot"/>
+      </p:par>
+    </p:tnLst>
+  </p:timing>
+</p:sld>
+</file>
+
+<file path=ppt/slides/slide9.xml><?xml version="1.0" encoding="utf-8"?>
+<p:sld xmlns:a="http://schemas.openxmlformats.org/drawingml/2006/main" xmlns:r="http://schemas.openxmlformats.org/officeDocument/2006/relationships" xmlns:p="http://schemas.openxmlformats.org/presentationml/2006/main">
+  <p:cSld>
+    <p:spTree>
+      <p:nvGrpSpPr>
+        <p:cNvPr id="1" name=""/>
+        <p:cNvGrpSpPr/>
+        <p:nvPr/>
+      </p:nvGrpSpPr>
+      <p:grpSpPr>
+        <a:xfrm>
+          <a:off x="0" y="0"/>
+          <a:ext cx="0" cy="0"/>
+          <a:chOff x="0" y="0"/>
+          <a:chExt cx="0" cy="0"/>
+        </a:xfrm>
+      </p:grpSpPr>
+      <p:sp>
+        <p:nvSpPr>
+          <p:cNvPr id="5" name="Title 4"/>
+          <p:cNvSpPr>
+            <a:spLocks noGrp="1"/>
+          </p:cNvSpPr>
+          <p:nvPr>
+            <p:ph type="title"/>
+          </p:nvPr>
+        </p:nvSpPr>
+        <p:spPr/>
+        <p:txBody>
+          <a:bodyPr/>
+          <a:lstStyle/>
+          <a:p>
+            <a:r>
+              <a:rPr lang="en-US" dirty="0" smtClean="0"/>
+              <a:t>2017 </a:t>
+            </a:r>
+            <a:endParaRPr lang="en-US" dirty="0"/>
+          </a:p>
+        </p:txBody>
+      </p:sp>
+      <p:sp>
+        <p:nvSpPr>
+          <p:cNvPr id="6" name="Content Placeholder 5"/>
+          <p:cNvSpPr>
+            <a:spLocks noGrp="1"/>
+          </p:cNvSpPr>
+          <p:nvPr>
+            <p:ph idx="1"/>
+          </p:nvPr>
+        </p:nvSpPr>
+        <p:spPr>
+          <a:xfrm>
+            <a:off x="533400" y="1320800"/>
+            <a:ext cx="11201400" cy="4856163"/>
+          </a:xfrm>
+        </p:spPr>
+        <p:txBody>
+          <a:bodyPr/>
+          <a:lstStyle/>
+          <a:p>
+            <a:pPr>
+              <a:lnSpc>
+                <a:spcPct val="100000"/>
+              </a:lnSpc>
+              <a:spcBef>
+                <a:spcPts val="0"/>
+              </a:spcBef>
+            </a:pPr>
+            <a:r>
+              <a:rPr lang="en-US" sz="1600" dirty="0"/>
+              <a:t>Organization</a:t>
+            </a:r>
+          </a:p>
+          <a:p>
+            <a:pPr lvl="1">
+              <a:lnSpc>
+                <a:spcPct val="100000"/>
+              </a:lnSpc>
+              <a:spcBef>
+                <a:spcPts val="0"/>
+              </a:spcBef>
+            </a:pPr>
+            <a:r>
+              <a:rPr lang="en-US" sz="1400" dirty="0"/>
+              <a:t>Weekly </a:t>
+            </a:r>
+            <a:r>
+              <a:rPr lang="en-US" sz="1400" dirty="0" smtClean="0"/>
+              <a:t>retrospectives – ITSM Queue, Notable incidents/projects </a:t>
+            </a:r>
+            <a:endParaRPr lang="en-US" sz="1400" dirty="0"/>
+          </a:p>
+          <a:p>
+            <a:pPr lvl="1">
+              <a:lnSpc>
+                <a:spcPct val="100000"/>
+              </a:lnSpc>
+              <a:spcBef>
+                <a:spcPts val="0"/>
+              </a:spcBef>
+            </a:pPr>
+            <a:r>
+              <a:rPr lang="en-US" sz="1400" dirty="0"/>
+              <a:t>Cross-functional teams of 4 to 5 that rotate </a:t>
+            </a:r>
+          </a:p>
+          <a:p>
+            <a:pPr>
+              <a:lnSpc>
+                <a:spcPct val="100000"/>
+              </a:lnSpc>
+              <a:spcBef>
+                <a:spcPts val="0"/>
+              </a:spcBef>
+            </a:pPr>
+            <a:endParaRPr lang="en-US" sz="1600" dirty="0" smtClean="0"/>
+          </a:p>
+          <a:p>
+            <a:pPr>
+              <a:lnSpc>
+                <a:spcPct val="100000"/>
+              </a:lnSpc>
+              <a:spcBef>
+                <a:spcPts val="0"/>
+              </a:spcBef>
+            </a:pPr>
+            <a:r>
+              <a:rPr lang="en-US" sz="1600" dirty="0" smtClean="0"/>
+              <a:t>ChatOps</a:t>
+            </a:r>
+          </a:p>
+          <a:p>
+            <a:pPr lvl="1">
+              <a:lnSpc>
+                <a:spcPct val="100000"/>
+              </a:lnSpc>
+              <a:spcBef>
+                <a:spcPts val="0"/>
+              </a:spcBef>
+            </a:pPr>
+            <a:r>
+              <a:rPr lang="en-US" sz="1400" dirty="0"/>
+              <a:t>Contributions from other </a:t>
+            </a:r>
+            <a:r>
+              <a:rPr lang="en-US" sz="1400" dirty="0" smtClean="0"/>
+              <a:t>orgs &amp; “</a:t>
+            </a:r>
+            <a:r>
+              <a:rPr lang="en-US" sz="1400" dirty="0"/>
+              <a:t>We </a:t>
+            </a:r>
+            <a:r>
+              <a:rPr lang="en-US" sz="1400" dirty="0" smtClean="0"/>
+              <a:t>should create a RYU for that”</a:t>
+            </a:r>
+          </a:p>
+          <a:p>
+            <a:pPr lvl="1">
+              <a:lnSpc>
+                <a:spcPct val="100000"/>
+              </a:lnSpc>
+              <a:spcBef>
+                <a:spcPts val="0"/>
+              </a:spcBef>
+            </a:pPr>
+            <a:r>
+              <a:rPr lang="en-US" sz="1400" dirty="0" smtClean="0"/>
+              <a:t>Slack Rules of Engagement (Skype For Business, Workplace, etc.)</a:t>
+            </a:r>
+          </a:p>
+          <a:p>
+            <a:pPr lvl="1">
+              <a:lnSpc>
+                <a:spcPct val="100000"/>
+              </a:lnSpc>
+              <a:spcBef>
+                <a:spcPts val="0"/>
+              </a:spcBef>
+            </a:pPr>
+            <a:r>
+              <a:rPr lang="en-US" sz="1400" dirty="0" smtClean="0"/>
+              <a:t>Azure Management &amp; Costing, NetScaler, SharePoint, Teradata, Commvault, VMAX migrations</a:t>
+            </a:r>
+          </a:p>
+          <a:p>
+            <a:pPr lvl="1">
+              <a:lnSpc>
+                <a:spcPct val="100000"/>
+              </a:lnSpc>
+              <a:spcBef>
+                <a:spcPts val="0"/>
+              </a:spcBef>
+            </a:pPr>
+            <a:r>
+              <a:rPr lang="en-US" sz="1400" dirty="0" smtClean="0"/>
+              <a:t>Demo with Microsoft Teams Product team</a:t>
+            </a:r>
+          </a:p>
+          <a:p>
+            <a:pPr lvl="1">
+              <a:lnSpc>
+                <a:spcPct val="100000"/>
+              </a:lnSpc>
+              <a:spcBef>
+                <a:spcPts val="0"/>
+              </a:spcBef>
+            </a:pPr>
+            <a:endParaRPr lang="en-US" sz="1600" dirty="0" smtClean="0"/>
+          </a:p>
+          <a:p>
+            <a:pPr>
+              <a:lnSpc>
+                <a:spcPct val="100000"/>
+              </a:lnSpc>
+              <a:spcBef>
+                <a:spcPts val="0"/>
+              </a:spcBef>
+            </a:pPr>
+            <a:r>
+              <a:rPr lang="en-US" sz="1600" dirty="0" smtClean="0"/>
+              <a:t>Azure Exploration</a:t>
+            </a:r>
+          </a:p>
+          <a:p>
+            <a:pPr lvl="1">
+              <a:lnSpc>
+                <a:spcPct val="100000"/>
+              </a:lnSpc>
+              <a:spcBef>
+                <a:spcPts val="0"/>
+              </a:spcBef>
+            </a:pPr>
+            <a:r>
+              <a:rPr lang="en-US" sz="1400" dirty="0" smtClean="0"/>
+              <a:t>10 Proofs of Concept in flight, GitLab CI (Terraform/ARM)</a:t>
+            </a:r>
+          </a:p>
+          <a:p>
+            <a:pPr lvl="1">
+              <a:lnSpc>
+                <a:spcPct val="100000"/>
+              </a:lnSpc>
+              <a:spcBef>
+                <a:spcPts val="0"/>
+              </a:spcBef>
+            </a:pPr>
+            <a:endParaRPr lang="en-US" sz="1600" dirty="0" smtClean="0"/>
+          </a:p>
+          <a:p>
+            <a:pPr>
+              <a:lnSpc>
+                <a:spcPct val="100000"/>
+              </a:lnSpc>
+              <a:spcBef>
+                <a:spcPts val="0"/>
+              </a:spcBef>
+            </a:pPr>
+            <a:r>
+              <a:rPr lang="en-US" sz="1600" dirty="0" smtClean="0"/>
+              <a:t>Green/Blue</a:t>
+            </a:r>
+          </a:p>
+          <a:p>
+            <a:pPr lvl="1">
+              <a:lnSpc>
+                <a:spcPct val="100000"/>
+              </a:lnSpc>
+              <a:spcBef>
+                <a:spcPts val="0"/>
+              </a:spcBef>
+            </a:pPr>
+            <a:r>
+              <a:rPr lang="en-US" sz="1400" dirty="0" smtClean="0"/>
+              <a:t>NetScaler, SAP Application Servers</a:t>
+            </a:r>
+          </a:p>
+          <a:p>
+            <a:pPr lvl="1">
+              <a:lnSpc>
+                <a:spcPct val="100000"/>
+              </a:lnSpc>
+              <a:spcBef>
+                <a:spcPts val="0"/>
+              </a:spcBef>
+            </a:pPr>
+            <a:endParaRPr lang="en-US" sz="1600" dirty="0"/>
+          </a:p>
+          <a:p>
+            <a:pPr>
+              <a:lnSpc>
+                <a:spcPct val="100000"/>
+              </a:lnSpc>
+              <a:spcBef>
+                <a:spcPts val="0"/>
+              </a:spcBef>
+            </a:pPr>
+            <a:r>
+              <a:rPr lang="en-US" sz="1600" dirty="0" smtClean="0"/>
+              <a:t>CHEF</a:t>
+            </a:r>
+            <a:endParaRPr lang="en-US" sz="1600" dirty="0"/>
+          </a:p>
+          <a:p>
+            <a:pPr lvl="1">
+              <a:lnSpc>
+                <a:spcPct val="100000"/>
+              </a:lnSpc>
+              <a:spcBef>
+                <a:spcPts val="0"/>
+              </a:spcBef>
+            </a:pPr>
+            <a:r>
+              <a:rPr lang="en-US" sz="1400" dirty="0" smtClean="0"/>
+              <a:t>”Brownfield”, 1300+ Servers, Sensu cookbook, Security / Compliance CIS cookbooks</a:t>
+            </a:r>
+          </a:p>
+        </p:txBody>
+      </p:sp>
+      <p:sp>
+        <p:nvSpPr>
+          <p:cNvPr id="3" name="Slide Number Placeholder 2"/>
+          <p:cNvSpPr>
+            <a:spLocks noGrp="1"/>
+          </p:cNvSpPr>
+          <p:nvPr>
+            <p:ph type="sldNum" sz="quarter" idx="4"/>
+          </p:nvPr>
+        </p:nvSpPr>
+        <p:spPr/>
+        <p:txBody>
+          <a:bodyPr/>
+          <a:lstStyle/>
+          <a:p>
+            <a:fld id="{03CBEB89-E47E-4106-9DE1-9B407DF8E52F}" type="slidenum">
+              <a:rPr lang="en-US" smtClean="0"/>
+              <a:pPr/>
+              <a:t>9</a:t>
+            </a:fld>
+            <a:endParaRPr lang="en-US"/>
+          </a:p>
+        </p:txBody>
+      </p:sp>
+    </p:spTree>
+    <p:extLst>
+      <p:ext uri="{BB962C8B-B14F-4D97-AF65-F5344CB8AC3E}">
+        <p14:creationId xmlns:p14="http://schemas.microsoft.com/office/powerpoint/2010/main" val="239958475"/>
       </p:ext>
     </p:extLst>
   </p:cSld>

--- a/2017-04-26 Seattle DevOpsDays/DevOpsDays Seattle.pptx
+++ b/2017-04-26 Seattle DevOpsDays/DevOpsDays Seattle.pptx
@@ -240,7 +240,7 @@
           <a:p>
             <a:fld id="{5B498BCF-C905-E646-944D-2928BFE2F061}" type="datetimeFigureOut">
               <a:rPr lang="en-US" smtClean="0"/>
-              <a:t>4/7/17</a:t>
+              <a:t>4/10/17</a:t>
             </a:fld>
             <a:endParaRPr lang="en-US"/>
           </a:p>
@@ -405,7 +405,7 @@
           <a:p>
             <a:fld id="{EBB03E87-2196-409F-9917-B96E0FB7F128}" type="datetimeFigureOut">
               <a:rPr lang="en-US" smtClean="0"/>
-              <a:t>4/7/17</a:t>
+              <a:t>4/10/17</a:t>
             </a:fld>
             <a:endParaRPr lang="en-US"/>
           </a:p>
@@ -3778,11 +3778,32 @@
             </a:pPr>
             <a:r>
               <a:rPr lang="en-US" sz="1800" dirty="0" smtClean="0"/>
-              <a:t>It </a:t>
-            </a:r>
+              <a:t>It has given me ability to stretch and grow</a:t>
+            </a:r>
+          </a:p>
+          <a:p>
+            <a:pPr>
+              <a:lnSpc>
+                <a:spcPct val="100000"/>
+              </a:lnSpc>
+              <a:spcBef>
+                <a:spcPts val="0"/>
+              </a:spcBef>
+            </a:pPr>
+            <a:endParaRPr lang="en-US" sz="1800" dirty="0" smtClean="0"/>
+          </a:p>
+          <a:p>
+            <a:pPr>
+              <a:lnSpc>
+                <a:spcPct val="100000"/>
+              </a:lnSpc>
+              <a:spcBef>
+                <a:spcPts val="0"/>
+              </a:spcBef>
+            </a:pPr>
             <a:r>
               <a:rPr lang="en-US" sz="1800" dirty="0" smtClean="0"/>
-              <a:t>has given me ability to stretch and grow</a:t>
+              <a:t>Rewarding, bumpy, and lots of self doubt, definitely felt like an imposter.  Eventually: “I can do things, I can grow”</a:t>
             </a:r>
           </a:p>
           <a:p>
@@ -3807,11 +3828,32 @@
             </a:pPr>
             <a:r>
               <a:rPr lang="en-US" sz="1800" dirty="0" smtClean="0"/>
-              <a:t>Rewarding</a:t>
-            </a:r>
+              <a:t>The path has been both invigorating and frustrating; but the journey has been worth it.  </a:t>
+            </a:r>
+          </a:p>
+          <a:p>
+            <a:pPr>
+              <a:lnSpc>
+                <a:spcPct val="100000"/>
+              </a:lnSpc>
+              <a:spcBef>
+                <a:spcPts val="0"/>
+              </a:spcBef>
+            </a:pPr>
+            <a:endParaRPr lang="en-US" sz="1800" dirty="0" smtClean="0"/>
+          </a:p>
+          <a:p>
+            <a:pPr>
+              <a:lnSpc>
+                <a:spcPct val="100000"/>
+              </a:lnSpc>
+              <a:spcBef>
+                <a:spcPts val="0"/>
+              </a:spcBef>
+            </a:pPr>
             <a:r>
               <a:rPr lang="en-US" sz="1800" dirty="0" smtClean="0"/>
-              <a:t>, bumpy, and lots of self doubt, definitely felt like an imposter.  Eventually: “I can do things, I can grow”</a:t>
+              <a:t>Difficult + stressful: hard balancing DevOps, Maintenance, Support</a:t>
             </a:r>
           </a:p>
           <a:p>
@@ -3836,106 +3878,32 @@
             </a:pPr>
             <a:r>
               <a:rPr lang="en-US" sz="1800" dirty="0" smtClean="0"/>
-              <a:t>The </a:t>
-            </a:r>
+              <a:t>Team has grown quite a bit but can regress to old ideas and mindsets; Learned quite a bit about dealing with folks I don’t agree with</a:t>
+            </a:r>
+          </a:p>
+          <a:p>
+            <a:pPr>
+              <a:lnSpc>
+                <a:spcPct val="100000"/>
+              </a:lnSpc>
+              <a:spcBef>
+                <a:spcPts val="0"/>
+              </a:spcBef>
+            </a:pPr>
+            <a:endParaRPr lang="en-US" sz="1800" dirty="0" smtClean="0"/>
+          </a:p>
+          <a:p>
+            <a:pPr>
+              <a:lnSpc>
+                <a:spcPct val="100000"/>
+              </a:lnSpc>
+              <a:spcBef>
+                <a:spcPts val="0"/>
+              </a:spcBef>
+            </a:pPr>
             <a:r>
               <a:rPr lang="en-US" sz="1800" dirty="0" smtClean="0"/>
-              <a:t>path has been both invigorating and frustrating; but the journey has been </a:t>
-            </a:r>
-            <a:r>
-              <a:rPr lang="en-US" sz="1800" dirty="0" smtClean="0"/>
-              <a:t>worth it</a:t>
-            </a:r>
-            <a:r>
-              <a:rPr lang="en-US" sz="1800" dirty="0" smtClean="0"/>
-              <a:t>.  </a:t>
-            </a:r>
-          </a:p>
-          <a:p>
-            <a:pPr>
-              <a:lnSpc>
-                <a:spcPct val="100000"/>
-              </a:lnSpc>
-              <a:spcBef>
-                <a:spcPts val="0"/>
-              </a:spcBef>
-            </a:pPr>
-            <a:endParaRPr lang="en-US" sz="1800" dirty="0" smtClean="0"/>
-          </a:p>
-          <a:p>
-            <a:pPr>
-              <a:lnSpc>
-                <a:spcPct val="100000"/>
-              </a:lnSpc>
-              <a:spcBef>
-                <a:spcPts val="0"/>
-              </a:spcBef>
-            </a:pPr>
-            <a:r>
-              <a:rPr lang="en-US" sz="1800" dirty="0" smtClean="0"/>
-              <a:t>Difficult </a:t>
-            </a:r>
-            <a:r>
-              <a:rPr lang="en-US" sz="1800" dirty="0" smtClean="0"/>
-              <a:t>+ stressful: hard balancing DevOps, Maintenance, Support</a:t>
-            </a:r>
-          </a:p>
-          <a:p>
-            <a:pPr>
-              <a:lnSpc>
-                <a:spcPct val="100000"/>
-              </a:lnSpc>
-              <a:spcBef>
-                <a:spcPts val="0"/>
-              </a:spcBef>
-            </a:pPr>
-            <a:endParaRPr lang="en-US" sz="1800" dirty="0" smtClean="0"/>
-          </a:p>
-          <a:p>
-            <a:pPr>
-              <a:lnSpc>
-                <a:spcPct val="100000"/>
-              </a:lnSpc>
-              <a:spcBef>
-                <a:spcPts val="0"/>
-              </a:spcBef>
-            </a:pPr>
-            <a:r>
-              <a:rPr lang="en-US" sz="1800" dirty="0" smtClean="0"/>
-              <a:t>Team </a:t>
-            </a:r>
-            <a:r>
-              <a:rPr lang="en-US" sz="1800" dirty="0" smtClean="0"/>
-              <a:t>has grown quite a bit but can regress to old ideas and mindsets; Learned quite a bit about dealing with folks I don’t agree with</a:t>
-            </a:r>
-          </a:p>
-          <a:p>
-            <a:pPr>
-              <a:lnSpc>
-                <a:spcPct val="100000"/>
-              </a:lnSpc>
-              <a:spcBef>
-                <a:spcPts val="0"/>
-              </a:spcBef>
-            </a:pPr>
-            <a:endParaRPr lang="en-US" sz="1800" dirty="0" smtClean="0"/>
-          </a:p>
-          <a:p>
-            <a:pPr>
-              <a:lnSpc>
-                <a:spcPct val="100000"/>
-              </a:lnSpc>
-              <a:spcBef>
-                <a:spcPts val="0"/>
-              </a:spcBef>
-            </a:pPr>
-            <a:r>
-              <a:rPr lang="en-US" sz="1800" dirty="0" smtClean="0"/>
-              <a:t>Hard </a:t>
-            </a:r>
-            <a:r>
-              <a:rPr lang="en-US" sz="1800" dirty="0" smtClean="0"/>
-              <a:t>to ramp up due to the slew of tools, behaviors, and new ways of thinking (especially for windows admins)</a:t>
+              <a:t>Hard to ramp up due to the slew of tools, behaviors, and new ways of thinking (especially for windows admins)</a:t>
             </a:r>
           </a:p>
           <a:p>
@@ -4116,40 +4084,32 @@
             </a:pPr>
             <a:r>
               <a:rPr lang="en-US" sz="1800" dirty="0" smtClean="0"/>
-              <a:t>Leading </a:t>
-            </a:r>
+              <a:t>Leading edge of enterprise IT. DevOps is not new for unicorns but still in beginning stages in Microsoft centric enterprises</a:t>
+            </a:r>
+          </a:p>
+          <a:p>
+            <a:pPr>
+              <a:lnSpc>
+                <a:spcPct val="100000"/>
+              </a:lnSpc>
+              <a:spcBef>
+                <a:spcPts val="0"/>
+              </a:spcBef>
+            </a:pPr>
+            <a:endParaRPr lang="en-US" sz="1800" dirty="0" smtClean="0"/>
+          </a:p>
+          <a:p>
+            <a:pPr>
+              <a:lnSpc>
+                <a:spcPct val="100000"/>
+              </a:lnSpc>
+              <a:spcBef>
+                <a:spcPts val="0"/>
+              </a:spcBef>
+            </a:pPr>
             <a:r>
               <a:rPr lang="en-US" sz="1800" dirty="0" smtClean="0"/>
-              <a:t>edge of enterprise IT. DevOps is not new for unicorns but still in beginning stages in Microsoft centric enterprises</a:t>
-            </a:r>
-          </a:p>
-          <a:p>
-            <a:pPr>
-              <a:lnSpc>
-                <a:spcPct val="100000"/>
-              </a:lnSpc>
-              <a:spcBef>
-                <a:spcPts val="0"/>
-              </a:spcBef>
-            </a:pPr>
-            <a:endParaRPr lang="en-US" sz="1800" dirty="0" smtClean="0"/>
-          </a:p>
-          <a:p>
-            <a:pPr>
-              <a:lnSpc>
-                <a:spcPct val="100000"/>
-              </a:lnSpc>
-              <a:spcBef>
-                <a:spcPts val="0"/>
-              </a:spcBef>
-            </a:pPr>
-            <a:r>
-              <a:rPr lang="en-US" sz="1800" dirty="0" smtClean="0"/>
-              <a:t>People</a:t>
-            </a:r>
-            <a:r>
-              <a:rPr lang="en-US" sz="1800" dirty="0" smtClean="0"/>
-              <a:t>, Teammates, Mentorship, Learning to ask for help; Developing confidence</a:t>
+              <a:t>People, Teammates, Mentorship, Learning to ask for help; Developing confidence</a:t>
             </a:r>
           </a:p>
           <a:p>
@@ -4203,40 +4163,32 @@
             </a:pPr>
             <a:r>
               <a:rPr lang="en-US" sz="1800" dirty="0" smtClean="0"/>
-              <a:t>I </a:t>
-            </a:r>
+              <a:t>I have enjoyed expanding my sphere of responsibilities and interests by breaking down IT silos.  The variety and level of activity within the team has been rejuvenating</a:t>
+            </a:r>
+          </a:p>
+          <a:p>
+            <a:pPr>
+              <a:lnSpc>
+                <a:spcPct val="100000"/>
+              </a:lnSpc>
+              <a:spcBef>
+                <a:spcPts val="0"/>
+              </a:spcBef>
+            </a:pPr>
+            <a:endParaRPr lang="en-US" sz="1800" dirty="0" smtClean="0"/>
+          </a:p>
+          <a:p>
+            <a:pPr>
+              <a:lnSpc>
+                <a:spcPct val="100000"/>
+              </a:lnSpc>
+              <a:spcBef>
+                <a:spcPts val="0"/>
+              </a:spcBef>
+            </a:pPr>
             <a:r>
               <a:rPr lang="en-US" sz="1800" dirty="0" smtClean="0"/>
-              <a:t>have enjoyed expanding my sphere of responsibilities and interests by breaking down IT silos.  The variety and level of activity within the team has been rejuvenating</a:t>
-            </a:r>
-          </a:p>
-          <a:p>
-            <a:pPr>
-              <a:lnSpc>
-                <a:spcPct val="100000"/>
-              </a:lnSpc>
-              <a:spcBef>
-                <a:spcPts val="0"/>
-              </a:spcBef>
-            </a:pPr>
-            <a:endParaRPr lang="en-US" sz="1800" dirty="0" smtClean="0"/>
-          </a:p>
-          <a:p>
-            <a:pPr>
-              <a:lnSpc>
-                <a:spcPct val="100000"/>
-              </a:lnSpc>
-              <a:spcBef>
-                <a:spcPts val="0"/>
-              </a:spcBef>
-            </a:pPr>
-            <a:r>
-              <a:rPr lang="en-US" sz="1800" dirty="0" smtClean="0"/>
-              <a:t>The </a:t>
-            </a:r>
-            <a:r>
-              <a:rPr lang="en-US" sz="1800" dirty="0" smtClean="0"/>
-              <a:t>encouragement to experiment (fail) without the fear of punishment</a:t>
+              <a:t>The encouragement to experiment (fail) without the fear of punishment</a:t>
             </a:r>
           </a:p>
           <a:p>
@@ -8405,27 +8357,8 @@
                           <a:ea typeface="Courier" charset="0"/>
                           <a:cs typeface="Courier" charset="0"/>
                         </a:rPr>
-                        <a:t>Reliance on vendors (COTS, </a:t>
+                        <a:t>Reliance on vendors (COTS, Microsoft)</a:t>
                       </a:r>
-                      <a:r>
-                        <a:rPr lang="en-US" sz="1600" baseline="0" dirty="0" smtClean="0">
-                          <a:solidFill>
-                            <a:schemeClr val="bg1"/>
-                          </a:solidFill>
-                          <a:latin typeface="Courier" charset="0"/>
-                          <a:ea typeface="Courier" charset="0"/>
-                          <a:cs typeface="Courier" charset="0"/>
-                        </a:rPr>
-                        <a:t>Microsoft)</a:t>
-                      </a:r>
-                      <a:endParaRPr lang="en-US" sz="1600" baseline="0" dirty="0" smtClean="0">
-                        <a:solidFill>
-                          <a:schemeClr val="bg1"/>
-                        </a:solidFill>
-                        <a:latin typeface="Courier" charset="0"/>
-                        <a:ea typeface="Courier" charset="0"/>
-                        <a:cs typeface="Courier" charset="0"/>
-                      </a:endParaRPr>
                     </a:p>
                     <a:p>
                       <a:pPr marL="285750" marR="0" lvl="0" indent="-285750" algn="l" defTabSz="914400" rtl="0" eaLnBrk="1" fontAlgn="auto" latinLnBrk="0" hangingPunct="1">
@@ -8680,27 +8613,8 @@
                           <a:ea typeface="Courier" charset="0"/>
                           <a:cs typeface="Courier" charset="0"/>
                         </a:rPr>
-                        <a:t>Centralized Infrastructure </a:t>
+                        <a:t>Centralized Infrastructure Engineering</a:t>
                       </a:r>
-                      <a:r>
-                        <a:rPr lang="en-US" sz="1600" baseline="0" dirty="0" smtClean="0">
-                          <a:solidFill>
-                            <a:schemeClr val="bg1"/>
-                          </a:solidFill>
-                          <a:latin typeface="Courier" charset="0"/>
-                          <a:ea typeface="Courier" charset="0"/>
-                          <a:cs typeface="Courier" charset="0"/>
-                        </a:rPr>
-                        <a:t>Engineering</a:t>
-                      </a:r>
-                      <a:endParaRPr lang="en-US" sz="1600" baseline="0" dirty="0" smtClean="0">
-                        <a:solidFill>
-                          <a:schemeClr val="bg1"/>
-                        </a:solidFill>
-                        <a:latin typeface="Courier" charset="0"/>
-                        <a:ea typeface="Courier" charset="0"/>
-                        <a:cs typeface="Courier" charset="0"/>
-                      </a:endParaRPr>
                     </a:p>
                     <a:p>
                       <a:pPr marL="285750" marR="0" lvl="0" indent="-285750" algn="l" defTabSz="914400" rtl="0" eaLnBrk="1" fontAlgn="auto" latinLnBrk="0" hangingPunct="1">
@@ -9585,18 +9499,7 @@
                           <a:ea typeface="Courier" charset="0"/>
                           <a:cs typeface="Courier" charset="0"/>
                         </a:rPr>
-                        <a:t>DevOps in a Microsoft World </a:t>
-                      </a:r>
-                      <a:r>
-                        <a:rPr lang="en-US" sz="1600" baseline="0" dirty="0" smtClean="0">
-                          <a:solidFill>
-                            <a:schemeClr val="bg1"/>
-                          </a:solidFill>
-                          <a:latin typeface="Courier" charset="0"/>
-                          <a:ea typeface="Courier" charset="0"/>
-                          <a:cs typeface="Courier" charset="0"/>
-                        </a:rPr>
-                        <a:t>(</a:t>
+                        <a:t>DevOps in a Microsoft World (</a:t>
                       </a:r>
                       <a:r>
                         <a:rPr lang="en-US" sz="1600" baseline="0" dirty="0" err="1" smtClean="0">
@@ -9913,18 +9816,7 @@
                           <a:ea typeface="Courier" charset="0"/>
                           <a:cs typeface="Courier" charset="0"/>
                         </a:rPr>
-                        <a:t>, </a:t>
-                      </a:r>
-                      <a:r>
-                        <a:rPr lang="en-US" sz="1600" baseline="0" dirty="0" smtClean="0">
-                          <a:solidFill>
-                            <a:schemeClr val="bg1"/>
-                          </a:solidFill>
-                          <a:latin typeface="Courier" charset="0"/>
-                          <a:ea typeface="Courier" charset="0"/>
-                          <a:cs typeface="Courier" charset="0"/>
-                        </a:rPr>
-                        <a:t>PS, </a:t>
+                        <a:t>, PS, </a:t>
                       </a:r>
                       <a:r>
                         <a:rPr lang="en-US" sz="1600" baseline="0" dirty="0" err="1" smtClean="0">
@@ -10172,18 +10064,7 @@
                           <a:ea typeface="Courier" charset="0"/>
                           <a:cs typeface="Courier" charset="0"/>
                         </a:rPr>
-                        <a:t>DSC </a:t>
-                      </a:r>
-                      <a:r>
-                        <a:rPr lang="en-US" sz="1600" baseline="0" dirty="0" smtClean="0">
-                          <a:solidFill>
-                            <a:schemeClr val="bg1"/>
-                          </a:solidFill>
-                          <a:latin typeface="Courier" charset="0"/>
-                          <a:ea typeface="Courier" charset="0"/>
-                          <a:cs typeface="Courier" charset="0"/>
-                        </a:rPr>
-                        <a:t>Server provisioning (PoshOrigin)</a:t>
+                        <a:t>DSC Server provisioning (PoshOrigin)</a:t>
                       </a:r>
                     </a:p>
                     <a:p>
@@ -10347,27 +10228,8 @@
                           <a:ea typeface="Courier" charset="0"/>
                           <a:cs typeface="Courier" charset="0"/>
                         </a:rPr>
-                        <a:t>Simplified PoshOrigin: </a:t>
+                        <a:t>Simplified PoshOrigin: WSIWYG</a:t>
                       </a:r>
-                      <a:r>
-                        <a:rPr lang="en-US" sz="1600" baseline="0" dirty="0" smtClean="0">
-                          <a:solidFill>
-                            <a:schemeClr val="bg1"/>
-                          </a:solidFill>
-                          <a:latin typeface="Courier" charset="0"/>
-                          <a:ea typeface="Courier" charset="0"/>
-                          <a:cs typeface="Courier" charset="0"/>
-                        </a:rPr>
-                        <a:t>WSIWYG</a:t>
-                      </a:r>
-                      <a:endParaRPr lang="en-US" sz="1600" baseline="0" dirty="0" smtClean="0">
-                        <a:solidFill>
-                          <a:schemeClr val="bg1"/>
-                        </a:solidFill>
-                        <a:latin typeface="Courier" charset="0"/>
-                        <a:ea typeface="Courier" charset="0"/>
-                        <a:cs typeface="Courier" charset="0"/>
-                      </a:endParaRPr>
                     </a:p>
                     <a:p>
                       <a:pPr marL="285750" marR="0" lvl="0" indent="-285750" algn="l" defTabSz="914400" rtl="0" eaLnBrk="1" fontAlgn="auto" latinLnBrk="0" hangingPunct="1">
@@ -11263,29 +11125,7 @@
                           <a:ea typeface="Courier" charset="0"/>
                           <a:cs typeface="Courier" charset="0"/>
                         </a:rPr>
-                        <a:t>: psake, </a:t>
-                      </a:r>
-                      <a:r>
-                        <a:rPr lang="en-US" sz="1600" baseline="0" dirty="0" smtClean="0">
-                          <a:solidFill>
-                            <a:schemeClr val="bg1"/>
-                          </a:solidFill>
-                          <a:latin typeface="Courier" charset="0"/>
-                          <a:ea typeface="Courier" charset="0"/>
-                          <a:cs typeface="Courier" charset="0"/>
-                        </a:rPr>
-                        <a:t>pester, </a:t>
-                      </a:r>
-                      <a:r>
-                        <a:rPr lang="en-US" sz="1600" baseline="0" dirty="0" smtClean="0">
-                          <a:solidFill>
-                            <a:schemeClr val="bg1"/>
-                          </a:solidFill>
-                          <a:latin typeface="Courier" charset="0"/>
-                          <a:ea typeface="Courier" charset="0"/>
-                          <a:cs typeface="Courier" charset="0"/>
-                        </a:rPr>
-                        <a:t>Artifactory</a:t>
+                        <a:t>: psake, pester, Artifactory</a:t>
                       </a:r>
                     </a:p>
                     <a:p>
@@ -11828,29 +11668,7 @@
                           <a:ea typeface="Courier" charset="0"/>
                           <a:cs typeface="Courier" charset="0"/>
                         </a:rPr>
-                        <a:t> EMC </a:t>
-                      </a:r>
-                      <a:r>
-                        <a:rPr lang="en-US" sz="1600" baseline="0" dirty="0" smtClean="0">
-                          <a:solidFill>
-                            <a:schemeClr val="bg1"/>
-                          </a:solidFill>
-                          <a:latin typeface="Courier" charset="0"/>
-                          <a:ea typeface="Courier" charset="0"/>
-                          <a:cs typeface="Courier" charset="0"/>
-                        </a:rPr>
-                        <a:t>scripting, </a:t>
-                      </a:r>
-                      <a:r>
-                        <a:rPr lang="en-US" sz="1600" baseline="0" dirty="0" smtClean="0">
-                          <a:solidFill>
-                            <a:schemeClr val="bg1"/>
-                          </a:solidFill>
-                          <a:latin typeface="Courier" charset="0"/>
-                          <a:ea typeface="Courier" charset="0"/>
-                          <a:cs typeface="Courier" charset="0"/>
-                        </a:rPr>
-                        <a:t>AWS/Azure, Pods</a:t>
+                        <a:t> EMC scripting, AWS/Azure, Pods</a:t>
                       </a:r>
                     </a:p>
                     <a:p>
@@ -11902,29 +11720,7 @@
                           <a:ea typeface="Courier" charset="0"/>
                           <a:cs typeface="Courier" charset="0"/>
                         </a:rPr>
-                        <a:t>NetScaler </a:t>
-                      </a:r>
-                      <a:r>
-                        <a:rPr lang="en-US" sz="1600" baseline="0" dirty="0" smtClean="0">
-                          <a:solidFill>
-                            <a:schemeClr val="bg1"/>
-                          </a:solidFill>
-                          <a:latin typeface="Courier" charset="0"/>
-                          <a:ea typeface="Courier" charset="0"/>
-                          <a:cs typeface="Courier" charset="0"/>
-                        </a:rPr>
-                        <a:t>pains</a:t>
-                      </a:r>
-                      <a:r>
-                        <a:rPr lang="en-US" sz="1600" baseline="0" dirty="0" smtClean="0">
-                          <a:solidFill>
-                            <a:schemeClr val="bg1"/>
-                          </a:solidFill>
-                          <a:latin typeface="Courier" charset="0"/>
-                          <a:ea typeface="Courier" charset="0"/>
-                          <a:cs typeface="Courier" charset="0"/>
-                        </a:rPr>
-                        <a:t>, SOX 404</a:t>
+                        <a:t>NetScaler pains, SOX 404</a:t>
                       </a:r>
                     </a:p>
                     <a:p>
@@ -12132,27 +11928,8 @@
                           <a:ea typeface="Courier" charset="0"/>
                           <a:cs typeface="Courier" charset="0"/>
                         </a:rPr>
-                        <a:t>: Hiring great </a:t>
+                        <a:t>: Hiring great engineer, rotations</a:t>
                       </a:r>
-                      <a:r>
-                        <a:rPr lang="en-US" sz="1600" baseline="0" dirty="0" smtClean="0">
-                          <a:solidFill>
-                            <a:schemeClr val="bg1"/>
-                          </a:solidFill>
-                          <a:latin typeface="Courier" charset="0"/>
-                          <a:ea typeface="Courier" charset="0"/>
-                          <a:cs typeface="Courier" charset="0"/>
-                        </a:rPr>
-                        <a:t>engineer, rotations</a:t>
-                      </a:r>
-                      <a:endParaRPr lang="en-US" sz="1600" baseline="0" dirty="0" smtClean="0">
-                        <a:solidFill>
-                          <a:schemeClr val="bg1"/>
-                        </a:solidFill>
-                        <a:latin typeface="Courier" charset="0"/>
-                        <a:ea typeface="Courier" charset="0"/>
-                        <a:cs typeface="Courier" charset="0"/>
-                      </a:endParaRPr>
                     </a:p>
                   </a:txBody>
                   <a:tcPr>

--- a/2017-04-26 Seattle DevOpsDays/DevOpsDays Seattle.pptx
+++ b/2017-04-26 Seattle DevOpsDays/DevOpsDays Seattle.pptx
@@ -5,10 +5,10 @@
     <p:sldMasterId id="2147483648" r:id="rId1"/>
   </p:sldMasterIdLst>
   <p:notesMasterIdLst>
-    <p:notesMasterId r:id="rId43"/>
+    <p:notesMasterId r:id="rId48"/>
   </p:notesMasterIdLst>
   <p:handoutMasterIdLst>
-    <p:handoutMasterId r:id="rId44"/>
+    <p:handoutMasterId r:id="rId49"/>
   </p:handoutMasterIdLst>
   <p:sldIdLst>
     <p:sldId id="351" r:id="rId2"/>
@@ -17,7 +17,7 @@
     <p:sldId id="350" r:id="rId5"/>
     <p:sldId id="375" r:id="rId6"/>
     <p:sldId id="374" r:id="rId7"/>
-    <p:sldId id="381" r:id="rId8"/>
+    <p:sldId id="425" r:id="rId8"/>
     <p:sldId id="405" r:id="rId9"/>
     <p:sldId id="399" r:id="rId10"/>
     <p:sldId id="418" r:id="rId11"/>
@@ -37,21 +37,26 @@
     <p:sldId id="408" r:id="rId25"/>
     <p:sldId id="409" r:id="rId26"/>
     <p:sldId id="387" r:id="rId27"/>
-    <p:sldId id="410" r:id="rId28"/>
+    <p:sldId id="426" r:id="rId28"/>
     <p:sldId id="414" r:id="rId29"/>
     <p:sldId id="415" r:id="rId30"/>
     <p:sldId id="416" r:id="rId31"/>
-    <p:sldId id="388" r:id="rId32"/>
-    <p:sldId id="407" r:id="rId33"/>
-    <p:sldId id="355" r:id="rId34"/>
-    <p:sldId id="380" r:id="rId35"/>
-    <p:sldId id="390" r:id="rId36"/>
-    <p:sldId id="389" r:id="rId37"/>
-    <p:sldId id="356" r:id="rId38"/>
-    <p:sldId id="386" r:id="rId39"/>
-    <p:sldId id="411" r:id="rId40"/>
-    <p:sldId id="403" r:id="rId41"/>
-    <p:sldId id="413" r:id="rId42"/>
+    <p:sldId id="410" r:id="rId32"/>
+    <p:sldId id="388" r:id="rId33"/>
+    <p:sldId id="407" r:id="rId34"/>
+    <p:sldId id="428" r:id="rId35"/>
+    <p:sldId id="355" r:id="rId36"/>
+    <p:sldId id="380" r:id="rId37"/>
+    <p:sldId id="390" r:id="rId38"/>
+    <p:sldId id="389" r:id="rId39"/>
+    <p:sldId id="430" r:id="rId40"/>
+    <p:sldId id="431" r:id="rId41"/>
+    <p:sldId id="432" r:id="rId42"/>
+    <p:sldId id="434" r:id="rId43"/>
+    <p:sldId id="435" r:id="rId44"/>
+    <p:sldId id="436" r:id="rId45"/>
+    <p:sldId id="433" r:id="rId46"/>
+    <p:sldId id="413" r:id="rId47"/>
   </p:sldIdLst>
   <p:sldSz cx="12192000" cy="6858000"/>
   <p:notesSz cx="7010400" cy="9296400"/>
@@ -759,15 +764,7 @@
             </a:r>
             <a:r>
               <a:rPr lang="en-US" baseline="0" dirty="0" smtClean="0"/>
-              <a:t>'s ready to talk about </a:t>
-            </a:r>
-            <a:r>
-              <a:rPr lang="en-US" baseline="0" dirty="0" err="1" smtClean="0"/>
-              <a:t>DevOpsing</a:t>
-            </a:r>
-            <a:r>
-              <a:rPr lang="en-US" baseline="0" dirty="0" smtClean="0"/>
-              <a:t> in a Microsoft World?  </a:t>
+              <a:t>'s ready to talk about DevOpsing in a Microsoft World?  </a:t>
             </a:r>
             <a:endParaRPr lang="en-US" dirty="0"/>
           </a:p>
@@ -2126,51 +2123,12 @@
               <a:buNone/>
             </a:pPr>
             <a:r>
-              <a:rPr lang="en-US" sz="1200" b="0" i="0" kern="1200" dirty="0" smtClean="0">
-                <a:solidFill>
-                  <a:schemeClr val="tx1"/>
-                </a:solidFill>
-                <a:effectLst/>
-                <a:latin typeface="+mn-lt"/>
-                <a:ea typeface="+mn-ea"/>
-                <a:cs typeface="+mn-cs"/>
-              </a:rPr>
-              <a:t>It’s not like that perfect vacation that you bought through that vacation planner you heard great things about.  That trip that starts off great and maintains and exceeds your expectations throughout, knowing where you’re going, how you’re going to get there, and what you’re going to do.  Where you make in instant connection with the taxi driver on the way to dinner and they suggest that you dine at a different restaurant and you forever have the satisfaction knowing that it was the better choice.  That vacation where your partner repeatedly praises you throughout for your flawless planning and execution.</a:t>
-            </a:r>
-          </a:p>
-          <a:p>
-            <a:pPr marL="0" indent="0">
-              <a:lnSpc>
-                <a:spcPct val="100000"/>
-              </a:lnSpc>
-              <a:spcBef>
-                <a:spcPts val="0"/>
-              </a:spcBef>
-              <a:buNone/>
-            </a:pPr>
-            <a:endParaRPr lang="en-US" sz="1200" b="0" i="0" kern="1200" dirty="0" smtClean="0">
-              <a:solidFill>
-                <a:schemeClr val="tx1"/>
-              </a:solidFill>
-              <a:effectLst/>
-              <a:latin typeface="+mn-lt"/>
-              <a:ea typeface="+mn-ea"/>
-              <a:cs typeface="+mn-cs"/>
-            </a:endParaRPr>
-          </a:p>
-          <a:p>
-            <a:pPr marL="0" indent="0">
-              <a:lnSpc>
-                <a:spcPct val="100000"/>
-              </a:lnSpc>
-              <a:spcBef>
-                <a:spcPts val="0"/>
-              </a:spcBef>
-              <a:buNone/>
-            </a:pPr>
-            <a:r>
               <a:rPr lang="en-US" sz="1200" dirty="0" smtClean="0"/>
-              <a:t>It’s really like that vacation your mom planned, to take you and a couple friends to the amusement park a short 5 hour drive away on the hottest August day of the summer.  That’s the trip you learn that one of your neighbor friends is really weird, someone was inevitably going to throw up in the car and others are going to follow, your mom is going to power you through it, and the family truckster will take some messy hits.  But you’re glad you didn’t miss the opportunity to hit that park and now you know how weird your neighbor is.  And as long as you have that car, you will know where to look to see those stains that will remind you of that trip.</a:t>
+              <a:t>It’s </a:t>
+            </a:r>
+            <a:r>
+              <a:rPr lang="en-US" sz="1200" dirty="0" smtClean="0"/>
+              <a:t>really like that vacation your mom planned, to take you and a couple friends to the amusement park a short 5 hour drive away on the hottest August day of the summer.  That’s the trip you learn that one of your neighbor friends is really weird, someone was inevitably going to throw up in the car and others are going to follow, your mom is going to power you through it, and the family truckster will take some messy hits.  But you’re glad you didn’t miss the opportunity to hit that park and now you know how weird your neighbor is.  And as long as you have that car, you will know where to look to see those stains that will remind you of that trip.</a:t>
             </a:r>
           </a:p>
           <a:p>
@@ -2894,155 +2852,7 @@
           <a:bodyPr/>
           <a:lstStyle/>
           <a:p>
-            <a:r>
-              <a:rPr lang="en-US" sz="1200" b="1" kern="1200" dirty="0" smtClean="0">
-                <a:solidFill>
-                  <a:schemeClr val="tx1"/>
-                </a:solidFill>
-                <a:effectLst/>
-                <a:latin typeface="+mn-lt"/>
-                <a:ea typeface="+mn-ea"/>
-                <a:cs typeface="+mn-cs"/>
-              </a:rPr>
-              <a:t>The </a:t>
-            </a:r>
-            <a:r>
-              <a:rPr lang="en-US" sz="1200" b="1" kern="1200" dirty="0" err="1" smtClean="0">
-                <a:solidFill>
-                  <a:schemeClr val="tx1"/>
-                </a:solidFill>
-                <a:effectLst/>
-                <a:latin typeface="+mn-lt"/>
-                <a:ea typeface="+mn-ea"/>
-                <a:cs typeface="+mn-cs"/>
-              </a:rPr>
-              <a:t>Westrum</a:t>
-            </a:r>
-            <a:r>
-              <a:rPr lang="en-US" sz="1200" b="1" kern="1200" dirty="0" smtClean="0">
-                <a:solidFill>
-                  <a:schemeClr val="tx1"/>
-                </a:solidFill>
-                <a:effectLst/>
-                <a:latin typeface="+mn-lt"/>
-                <a:ea typeface="+mn-ea"/>
-                <a:cs typeface="+mn-cs"/>
-              </a:rPr>
-              <a:t> Model </a:t>
-            </a:r>
-            <a:endParaRPr lang="en-US" dirty="0" smtClean="0">
-              <a:effectLst/>
-            </a:endParaRPr>
-          </a:p>
-          <a:p>
-            <a:r>
-              <a:rPr lang="en-US" sz="1200" b="0" kern="1200" dirty="0" smtClean="0">
-                <a:solidFill>
-                  <a:schemeClr val="tx1"/>
-                </a:solidFill>
-                <a:effectLst/>
-                <a:latin typeface="+mn-lt"/>
-                <a:ea typeface="+mn-ea"/>
-                <a:cs typeface="+mn-cs"/>
-              </a:rPr>
-              <a:t>typology developed by Ron </a:t>
-            </a:r>
-            <a:r>
-              <a:rPr lang="en-US" sz="1200" b="0" kern="1200" dirty="0" err="1" smtClean="0">
-                <a:solidFill>
-                  <a:schemeClr val="tx1"/>
-                </a:solidFill>
-                <a:effectLst/>
-                <a:latin typeface="+mn-lt"/>
-                <a:ea typeface="+mn-ea"/>
-                <a:cs typeface="+mn-cs"/>
-              </a:rPr>
-              <a:t>Westrum</a:t>
-            </a:r>
-            <a:r>
-              <a:rPr lang="en-US" sz="1200" b="0" kern="1200" dirty="0" smtClean="0">
-                <a:solidFill>
-                  <a:schemeClr val="tx1"/>
-                </a:solidFill>
-                <a:effectLst/>
-                <a:latin typeface="+mn-lt"/>
-                <a:ea typeface="+mn-ea"/>
-                <a:cs typeface="+mn-cs"/>
-              </a:rPr>
-              <a:t>, a sociologist who found that organizational culture was predictive of safety and performance outcomes in the healthcare industry. </a:t>
-            </a:r>
-            <a:r>
-              <a:rPr lang="en-US" sz="1200" b="0" kern="1200" dirty="0" err="1" smtClean="0">
-                <a:solidFill>
-                  <a:schemeClr val="tx1"/>
-                </a:solidFill>
-                <a:effectLst/>
-                <a:latin typeface="+mn-lt"/>
-                <a:ea typeface="+mn-ea"/>
-                <a:cs typeface="+mn-cs"/>
-              </a:rPr>
-              <a:t>Westrum</a:t>
-            </a:r>
-            <a:r>
-              <a:rPr lang="en-US" sz="1200" b="0" kern="1200" dirty="0" smtClean="0">
-                <a:solidFill>
-                  <a:schemeClr val="tx1"/>
-                </a:solidFill>
-                <a:effectLst/>
-                <a:latin typeface="+mn-lt"/>
-                <a:ea typeface="+mn-ea"/>
-                <a:cs typeface="+mn-cs"/>
-              </a:rPr>
-              <a:t> developed a typology of organizational cultures that includes three types of organizations: </a:t>
-            </a:r>
-            <a:endParaRPr lang="en-US" dirty="0" smtClean="0">
-              <a:effectLst/>
-            </a:endParaRPr>
-          </a:p>
-          <a:p>
-            <a:r>
-              <a:rPr lang="en-US" sz="1200" b="0" kern="1200" dirty="0" smtClean="0">
-                <a:solidFill>
-                  <a:schemeClr val="tx1"/>
-                </a:solidFill>
-                <a:effectLst/>
-                <a:latin typeface="+mn-lt"/>
-                <a:ea typeface="+mn-ea"/>
-                <a:cs typeface="+mn-cs"/>
-              </a:rPr>
-              <a:t>* Pathological (power-oriented). These organizations are characterized by low cooperation across groups and a culture of blame. Information is often withheld for personal gain. </a:t>
-            </a:r>
-          </a:p>
-          <a:p>
-            <a:r>
-              <a:rPr lang="en-US" sz="1200" b="0" kern="1200" dirty="0" smtClean="0">
-                <a:solidFill>
-                  <a:schemeClr val="tx1"/>
-                </a:solidFill>
-                <a:effectLst/>
-                <a:latin typeface="+mn-lt"/>
-                <a:ea typeface="+mn-ea"/>
-                <a:cs typeface="+mn-cs"/>
-              </a:rPr>
-              <a:t>* Bureaucratic (rule-oriented). Bureaucratic cultures are preoccupied with rules and positions, and responsibilities are compartmentalized by department, with little concern for the overall mission of the organization. </a:t>
-            </a:r>
-          </a:p>
-          <a:p>
-            <a:r>
-              <a:rPr lang="en-US" sz="1200" b="0" kern="1200" dirty="0" smtClean="0">
-                <a:solidFill>
-                  <a:schemeClr val="tx1"/>
-                </a:solidFill>
-                <a:effectLst/>
-                <a:latin typeface="+mn-lt"/>
-                <a:ea typeface="+mn-ea"/>
-                <a:cs typeface="+mn-cs"/>
-              </a:rPr>
-              <a:t>* Generative (performance-oriented). The hallmarks of a generative organization are good information flow, high cooperation and trust, bridging between teams, and conscious inquiry. </a:t>
-            </a:r>
-          </a:p>
-          <a:p>
-            <a:endParaRPr lang="en-US" dirty="0"/>
+            <a:endParaRPr lang="en-US"/>
           </a:p>
         </p:txBody>
       </p:sp>
@@ -3072,7 +2882,7 @@
     </p:spTree>
     <p:extLst>
       <p:ext uri="{BB962C8B-B14F-4D97-AF65-F5344CB8AC3E}">
-        <p14:creationId xmlns:p14="http://schemas.microsoft.com/office/powerpoint/2010/main" val="1423382335"/>
+        <p14:creationId xmlns:p14="http://schemas.microsoft.com/office/powerpoint/2010/main" val="1217095908"/>
       </p:ext>
     </p:extLst>
   </p:cSld>
@@ -3470,7 +3280,155 @@
           <a:bodyPr/>
           <a:lstStyle/>
           <a:p>
-            <a:endParaRPr lang="en-US" sz="1200" dirty="0" smtClean="0"/>
+            <a:r>
+              <a:rPr lang="en-US" sz="1200" b="1" kern="1200" dirty="0" smtClean="0">
+                <a:solidFill>
+                  <a:schemeClr val="tx1"/>
+                </a:solidFill>
+                <a:effectLst/>
+                <a:latin typeface="+mn-lt"/>
+                <a:ea typeface="+mn-ea"/>
+                <a:cs typeface="+mn-cs"/>
+              </a:rPr>
+              <a:t>The </a:t>
+            </a:r>
+            <a:r>
+              <a:rPr lang="en-US" sz="1200" b="1" kern="1200" dirty="0" err="1" smtClean="0">
+                <a:solidFill>
+                  <a:schemeClr val="tx1"/>
+                </a:solidFill>
+                <a:effectLst/>
+                <a:latin typeface="+mn-lt"/>
+                <a:ea typeface="+mn-ea"/>
+                <a:cs typeface="+mn-cs"/>
+              </a:rPr>
+              <a:t>Westrum</a:t>
+            </a:r>
+            <a:r>
+              <a:rPr lang="en-US" sz="1200" b="1" kern="1200" dirty="0" smtClean="0">
+                <a:solidFill>
+                  <a:schemeClr val="tx1"/>
+                </a:solidFill>
+                <a:effectLst/>
+                <a:latin typeface="+mn-lt"/>
+                <a:ea typeface="+mn-ea"/>
+                <a:cs typeface="+mn-cs"/>
+              </a:rPr>
+              <a:t> Model </a:t>
+            </a:r>
+            <a:endParaRPr lang="en-US" dirty="0" smtClean="0">
+              <a:effectLst/>
+            </a:endParaRPr>
+          </a:p>
+          <a:p>
+            <a:r>
+              <a:rPr lang="en-US" sz="1200" b="0" kern="1200" dirty="0" smtClean="0">
+                <a:solidFill>
+                  <a:schemeClr val="tx1"/>
+                </a:solidFill>
+                <a:effectLst/>
+                <a:latin typeface="+mn-lt"/>
+                <a:ea typeface="+mn-ea"/>
+                <a:cs typeface="+mn-cs"/>
+              </a:rPr>
+              <a:t>typology developed by Ron </a:t>
+            </a:r>
+            <a:r>
+              <a:rPr lang="en-US" sz="1200" b="0" kern="1200" dirty="0" err="1" smtClean="0">
+                <a:solidFill>
+                  <a:schemeClr val="tx1"/>
+                </a:solidFill>
+                <a:effectLst/>
+                <a:latin typeface="+mn-lt"/>
+                <a:ea typeface="+mn-ea"/>
+                <a:cs typeface="+mn-cs"/>
+              </a:rPr>
+              <a:t>Westrum</a:t>
+            </a:r>
+            <a:r>
+              <a:rPr lang="en-US" sz="1200" b="0" kern="1200" dirty="0" smtClean="0">
+                <a:solidFill>
+                  <a:schemeClr val="tx1"/>
+                </a:solidFill>
+                <a:effectLst/>
+                <a:latin typeface="+mn-lt"/>
+                <a:ea typeface="+mn-ea"/>
+                <a:cs typeface="+mn-cs"/>
+              </a:rPr>
+              <a:t>, a sociologist who found that organizational culture was predictive of safety and performance outcomes in the healthcare industry. </a:t>
+            </a:r>
+            <a:r>
+              <a:rPr lang="en-US" sz="1200" b="0" kern="1200" dirty="0" err="1" smtClean="0">
+                <a:solidFill>
+                  <a:schemeClr val="tx1"/>
+                </a:solidFill>
+                <a:effectLst/>
+                <a:latin typeface="+mn-lt"/>
+                <a:ea typeface="+mn-ea"/>
+                <a:cs typeface="+mn-cs"/>
+              </a:rPr>
+              <a:t>Westrum</a:t>
+            </a:r>
+            <a:r>
+              <a:rPr lang="en-US" sz="1200" b="0" kern="1200" dirty="0" smtClean="0">
+                <a:solidFill>
+                  <a:schemeClr val="tx1"/>
+                </a:solidFill>
+                <a:effectLst/>
+                <a:latin typeface="+mn-lt"/>
+                <a:ea typeface="+mn-ea"/>
+                <a:cs typeface="+mn-cs"/>
+              </a:rPr>
+              <a:t> developed a typology of organizational cultures that includes three types of organizations: </a:t>
+            </a:r>
+            <a:endParaRPr lang="en-US" dirty="0" smtClean="0">
+              <a:effectLst/>
+            </a:endParaRPr>
+          </a:p>
+          <a:p>
+            <a:r>
+              <a:rPr lang="en-US" sz="1200" b="0" kern="1200" dirty="0" smtClean="0">
+                <a:solidFill>
+                  <a:schemeClr val="tx1"/>
+                </a:solidFill>
+                <a:effectLst/>
+                <a:latin typeface="+mn-lt"/>
+                <a:ea typeface="+mn-ea"/>
+                <a:cs typeface="+mn-cs"/>
+              </a:rPr>
+              <a:t>* Pathological (power-oriented). These organizations are characterized by low cooperation across groups and a culture of blame. Information is often withheld for personal gain. </a:t>
+            </a:r>
+          </a:p>
+          <a:p>
+            <a:r>
+              <a:rPr lang="en-US" sz="1200" b="0" kern="1200" dirty="0" smtClean="0">
+                <a:solidFill>
+                  <a:schemeClr val="tx1"/>
+                </a:solidFill>
+                <a:effectLst/>
+                <a:latin typeface="+mn-lt"/>
+                <a:ea typeface="+mn-ea"/>
+                <a:cs typeface="+mn-cs"/>
+              </a:rPr>
+              <a:t>* Bureaucratic (rule-oriented). Bureaucratic cultures are preoccupied with rules and positions, and responsibilities are compartmentalized by department, with little concern for the overall mission of the organization. </a:t>
+            </a:r>
+          </a:p>
+          <a:p>
+            <a:r>
+              <a:rPr lang="en-US" sz="1200" b="0" kern="1200" dirty="0" smtClean="0">
+                <a:solidFill>
+                  <a:schemeClr val="tx1"/>
+                </a:solidFill>
+                <a:effectLst/>
+                <a:latin typeface="+mn-lt"/>
+                <a:ea typeface="+mn-ea"/>
+                <a:cs typeface="+mn-cs"/>
+              </a:rPr>
+              <a:t>* Generative (performance-oriented). The hallmarks of a generative organization are good information flow, high cooperation and trust, bridging between teams, and conscious inquiry. </a:t>
+            </a:r>
+          </a:p>
+          <a:p>
+            <a:endParaRPr lang="en-US" dirty="0"/>
           </a:p>
         </p:txBody>
       </p:sp>
@@ -3500,7 +3458,7 @@
     </p:spTree>
     <p:extLst>
       <p:ext uri="{BB962C8B-B14F-4D97-AF65-F5344CB8AC3E}">
-        <p14:creationId xmlns:p14="http://schemas.microsoft.com/office/powerpoint/2010/main" val="800953224"/>
+        <p14:creationId xmlns:p14="http://schemas.microsoft.com/office/powerpoint/2010/main" val="1423382335"/>
       </p:ext>
     </p:extLst>
   </p:cSld>
@@ -3554,484 +3512,7 @@
           <a:bodyPr/>
           <a:lstStyle/>
           <a:p>
-            <a:pPr marL="171450" indent="-171450">
-              <a:lnSpc>
-                <a:spcPct val="100000"/>
-              </a:lnSpc>
-              <a:spcBef>
-                <a:spcPts val="0"/>
-              </a:spcBef>
-              <a:buFont typeface="Arial" charset="0"/>
-              <a:buChar char="•"/>
-            </a:pPr>
-            <a:r>
-              <a:rPr lang="en-US" sz="1200" b="0" i="0" kern="1200" dirty="0" smtClean="0">
-                <a:solidFill>
-                  <a:schemeClr val="tx1"/>
-                </a:solidFill>
-                <a:effectLst/>
-                <a:latin typeface="+mn-lt"/>
-                <a:ea typeface="+mn-ea"/>
-                <a:cs typeface="+mn-cs"/>
-              </a:rPr>
-              <a:t>The role of a leader in the learning organization is that of a designer, teacher, and steward who can build shared vision and challenge prevailing mental models. He is responsible for building in which the employees are continually expanding their capabilities to shape their future — that is, leaders are responsible for learning.</a:t>
-            </a:r>
-          </a:p>
-          <a:p>
-            <a:pPr marL="171450" indent="-171450">
-              <a:lnSpc>
-                <a:spcPct val="100000"/>
-              </a:lnSpc>
-              <a:spcBef>
-                <a:spcPts val="0"/>
-              </a:spcBef>
-              <a:buFont typeface="Arial" charset="0"/>
-              <a:buChar char="•"/>
-            </a:pPr>
-            <a:endParaRPr lang="en-US" sz="1200" b="0" i="0" kern="1200" dirty="0" smtClean="0">
-              <a:solidFill>
-                <a:schemeClr val="tx1"/>
-              </a:solidFill>
-              <a:effectLst/>
-              <a:latin typeface="+mn-lt"/>
-              <a:ea typeface="+mn-ea"/>
-              <a:cs typeface="+mn-cs"/>
-            </a:endParaRPr>
-          </a:p>
-          <a:p>
-            <a:pPr marL="171450" indent="-171450">
-              <a:lnSpc>
-                <a:spcPct val="100000"/>
-              </a:lnSpc>
-              <a:spcBef>
-                <a:spcPts val="0"/>
-              </a:spcBef>
-              <a:buFont typeface="Arial" charset="0"/>
-              <a:buChar char="•"/>
-            </a:pPr>
-            <a:endParaRPr lang="is-IS" sz="1200" dirty="0" smtClean="0">
-              <a:solidFill>
-                <a:srgbClr val="FFFF00"/>
-              </a:solidFill>
-            </a:endParaRPr>
-          </a:p>
-          <a:p>
-            <a:pPr marL="171450" indent="-171450">
-              <a:lnSpc>
-                <a:spcPct val="100000"/>
-              </a:lnSpc>
-              <a:spcBef>
-                <a:spcPts val="0"/>
-              </a:spcBef>
-              <a:buFont typeface="Arial" charset="0"/>
-              <a:buChar char="•"/>
-            </a:pPr>
-            <a:r>
-              <a:rPr lang="is-IS" sz="1200" dirty="0" smtClean="0">
-                <a:solidFill>
-                  <a:srgbClr val="FFFF00"/>
-                </a:solidFill>
-              </a:rPr>
-              <a:t>Do you believe in your team?</a:t>
-            </a:r>
-          </a:p>
-          <a:p>
-            <a:pPr marL="171450" marR="0" indent="-171450" algn="l" defTabSz="914400" rtl="0" eaLnBrk="1" fontAlgn="auto" latinLnBrk="0" hangingPunct="1">
-              <a:lnSpc>
-                <a:spcPct val="100000"/>
-              </a:lnSpc>
-              <a:spcBef>
-                <a:spcPts val="0"/>
-              </a:spcBef>
-              <a:spcAft>
-                <a:spcPts val="0"/>
-              </a:spcAft>
-              <a:buClrTx/>
-              <a:buSzTx/>
-              <a:buFont typeface="Arial" charset="0"/>
-              <a:buChar char="•"/>
-              <a:tabLst/>
-              <a:defRPr/>
-            </a:pPr>
-            <a:r>
-              <a:rPr lang="is-IS" sz="1200" dirty="0" smtClean="0">
-                <a:solidFill>
-                  <a:srgbClr val="FFFF00"/>
-                </a:solidFill>
-              </a:rPr>
-              <a:t>Do</a:t>
-            </a:r>
-            <a:r>
-              <a:rPr lang="is-IS" sz="1200" baseline="0" dirty="0" smtClean="0">
-                <a:solidFill>
-                  <a:srgbClr val="FFFF00"/>
-                </a:solidFill>
-              </a:rPr>
-              <a:t> you have the humility to let your teams see you failing/growing?</a:t>
-            </a:r>
-            <a:endParaRPr lang="is-IS" sz="1200" dirty="0" smtClean="0">
-              <a:solidFill>
-                <a:srgbClr val="FFFF00"/>
-              </a:solidFill>
-            </a:endParaRPr>
-          </a:p>
-          <a:p>
-            <a:pPr marL="171450" indent="-171450">
-              <a:lnSpc>
-                <a:spcPct val="100000"/>
-              </a:lnSpc>
-              <a:spcBef>
-                <a:spcPts val="0"/>
-              </a:spcBef>
-              <a:buFont typeface="Arial" charset="0"/>
-              <a:buChar char="•"/>
-            </a:pPr>
-            <a:r>
-              <a:rPr lang="is-IS" sz="1200" dirty="0" smtClean="0">
-                <a:solidFill>
-                  <a:srgbClr val="FFFF00"/>
-                </a:solidFill>
-              </a:rPr>
-              <a:t>Are you prepared</a:t>
-            </a:r>
-            <a:r>
-              <a:rPr lang="is-IS" sz="1200" baseline="0" dirty="0" smtClean="0">
-                <a:solidFill>
-                  <a:srgbClr val="FFFF00"/>
-                </a:solidFill>
-              </a:rPr>
-              <a:t> to lead by example?</a:t>
-            </a:r>
-            <a:endParaRPr lang="is-IS" sz="1200" dirty="0" smtClean="0">
-              <a:solidFill>
-                <a:srgbClr val="FFFF00"/>
-              </a:solidFill>
-            </a:endParaRPr>
-          </a:p>
-          <a:p>
-            <a:pPr marL="171450" indent="-171450">
-              <a:lnSpc>
-                <a:spcPct val="100000"/>
-              </a:lnSpc>
-              <a:spcBef>
-                <a:spcPts val="0"/>
-              </a:spcBef>
-              <a:buFont typeface="Arial" charset="0"/>
-              <a:buChar char="•"/>
-            </a:pPr>
-            <a:r>
-              <a:rPr lang="is-IS" sz="1200" dirty="0" smtClean="0">
-                <a:solidFill>
-                  <a:srgbClr val="FFFF00"/>
-                </a:solidFill>
-              </a:rPr>
-              <a:t>Servant</a:t>
-            </a:r>
-            <a:r>
-              <a:rPr lang="is-IS" sz="1200" baseline="0" dirty="0" smtClean="0">
-                <a:solidFill>
-                  <a:srgbClr val="FFFF00"/>
-                </a:solidFill>
-              </a:rPr>
-              <a:t> Leadership</a:t>
-            </a:r>
-            <a:endParaRPr lang="is-IS" sz="1200" dirty="0" smtClean="0">
-              <a:solidFill>
-                <a:srgbClr val="FFFF00"/>
-              </a:solidFill>
-            </a:endParaRPr>
-          </a:p>
-          <a:p>
-            <a:pPr marL="171450" indent="-171450">
-              <a:lnSpc>
-                <a:spcPct val="100000"/>
-              </a:lnSpc>
-              <a:spcBef>
-                <a:spcPts val="0"/>
-              </a:spcBef>
-              <a:buFont typeface="Arial" charset="0"/>
-              <a:buChar char="•"/>
-            </a:pPr>
-            <a:r>
-              <a:rPr lang="is-IS" sz="1200" dirty="0" smtClean="0">
-                <a:solidFill>
-                  <a:srgbClr val="FFFF00"/>
-                </a:solidFill>
-              </a:rPr>
-              <a:t>Scott at</a:t>
-            </a:r>
-            <a:r>
-              <a:rPr lang="is-IS" sz="1200" baseline="0" dirty="0" smtClean="0">
-                <a:solidFill>
-                  <a:srgbClr val="FFFF00"/>
-                </a:solidFill>
-              </a:rPr>
-              <a:t> Summer Camp</a:t>
-            </a:r>
-          </a:p>
-          <a:p>
-            <a:pPr marL="171450" indent="-171450">
-              <a:lnSpc>
-                <a:spcPct val="100000"/>
-              </a:lnSpc>
-              <a:spcBef>
-                <a:spcPts val="0"/>
-              </a:spcBef>
-              <a:buFont typeface="Arial" charset="0"/>
-              <a:buChar char="•"/>
-            </a:pPr>
-            <a:r>
-              <a:rPr lang="is-IS" sz="1200" dirty="0" smtClean="0">
-                <a:solidFill>
-                  <a:srgbClr val="FFFF00"/>
-                </a:solidFill>
-              </a:rPr>
-              <a:t>Herbie (The Goal)</a:t>
-            </a:r>
-          </a:p>
-          <a:p>
-            <a:pPr marL="171450" indent="-171450">
-              <a:lnSpc>
-                <a:spcPct val="100000"/>
-              </a:lnSpc>
-              <a:spcBef>
-                <a:spcPts val="0"/>
-              </a:spcBef>
-              <a:buFont typeface="Arial" charset="0"/>
-              <a:buChar char="•"/>
-            </a:pPr>
-            <a:r>
-              <a:rPr lang="is-IS" sz="1200" dirty="0" smtClean="0">
-                <a:solidFill>
-                  <a:srgbClr val="FFFF00"/>
-                </a:solidFill>
-              </a:rPr>
-              <a:t>Crawl Walk Run</a:t>
-            </a:r>
-          </a:p>
-          <a:p>
-            <a:pPr marL="171450" indent="-171450">
-              <a:lnSpc>
-                <a:spcPct val="100000"/>
-              </a:lnSpc>
-              <a:spcBef>
-                <a:spcPts val="0"/>
-              </a:spcBef>
-              <a:buFont typeface="Arial" charset="0"/>
-              <a:buChar char="•"/>
-            </a:pPr>
-            <a:r>
-              <a:rPr lang="is-IS" sz="1200" dirty="0" smtClean="0">
-                <a:solidFill>
-                  <a:srgbClr val="FFFF00"/>
-                </a:solidFill>
-              </a:rPr>
-              <a:t>Leave no engineer behind</a:t>
-            </a:r>
-          </a:p>
-          <a:p>
-            <a:pPr marL="171450" indent="-171450">
-              <a:lnSpc>
-                <a:spcPct val="100000"/>
-              </a:lnSpc>
-              <a:spcBef>
-                <a:spcPts val="0"/>
-              </a:spcBef>
-              <a:buFont typeface="Arial" charset="0"/>
-              <a:buChar char="•"/>
-            </a:pPr>
-            <a:r>
-              <a:rPr lang="is-IS" sz="1200" dirty="0" smtClean="0">
-                <a:solidFill>
-                  <a:srgbClr val="FFFF00"/>
-                </a:solidFill>
-              </a:rPr>
-              <a:t>Lead by</a:t>
-            </a:r>
-            <a:r>
-              <a:rPr lang="is-IS" sz="1200" baseline="0" dirty="0" smtClean="0">
-                <a:solidFill>
-                  <a:srgbClr val="FFFF00"/>
-                </a:solidFill>
-              </a:rPr>
-              <a:t> Example + Role Model what you want / Reap what you sow</a:t>
-            </a:r>
-          </a:p>
-          <a:p>
-            <a:pPr marL="628650" lvl="1" indent="-171450">
-              <a:lnSpc>
-                <a:spcPct val="100000"/>
-              </a:lnSpc>
-              <a:spcBef>
-                <a:spcPts val="0"/>
-              </a:spcBef>
-              <a:buFont typeface="Arial" charset="0"/>
-              <a:buChar char="•"/>
-            </a:pPr>
-            <a:r>
-              <a:rPr lang="is-IS" sz="1200" baseline="0" dirty="0" smtClean="0">
-                <a:solidFill>
-                  <a:srgbClr val="FFFF00"/>
-                </a:solidFill>
-              </a:rPr>
-              <a:t>I’ve said it before, I really don’t like public speaking</a:t>
-            </a:r>
-          </a:p>
-          <a:p>
-            <a:pPr marL="171450" indent="-171450">
-              <a:lnSpc>
-                <a:spcPct val="100000"/>
-              </a:lnSpc>
-              <a:spcBef>
-                <a:spcPts val="0"/>
-              </a:spcBef>
-              <a:buFont typeface="Arial" charset="0"/>
-              <a:buChar char="•"/>
-            </a:pPr>
-            <a:r>
-              <a:rPr lang="is-IS" sz="1200" baseline="0" dirty="0" smtClean="0">
-                <a:solidFill>
-                  <a:srgbClr val="FFFF00"/>
-                </a:solidFill>
-              </a:rPr>
-              <a:t>BE+KNOW+DO</a:t>
-            </a:r>
-          </a:p>
-          <a:p>
-            <a:pPr marL="628650" lvl="1" indent="-171450">
-              <a:lnSpc>
-                <a:spcPct val="100000"/>
-              </a:lnSpc>
-              <a:spcBef>
-                <a:spcPts val="0"/>
-              </a:spcBef>
-              <a:buFont typeface="Arial" charset="0"/>
-              <a:buChar char="•"/>
-            </a:pPr>
-            <a:r>
-              <a:rPr lang="en-US" sz="1200" baseline="0" dirty="0" smtClean="0">
-                <a:solidFill>
-                  <a:srgbClr val="FFFF00"/>
-                </a:solidFill>
-              </a:rPr>
-              <a:t>BE: C</a:t>
-            </a:r>
-            <a:r>
-              <a:rPr lang="is-IS" sz="1200" baseline="0" dirty="0" smtClean="0">
-                <a:solidFill>
-                  <a:srgbClr val="FFFF00"/>
-                </a:solidFill>
-              </a:rPr>
-              <a:t>haracter as a leader &amp; courage to lead</a:t>
-            </a:r>
-          </a:p>
-          <a:p>
-            <a:pPr marL="628650" lvl="1" indent="-171450">
-              <a:lnSpc>
-                <a:spcPct val="100000"/>
-              </a:lnSpc>
-              <a:spcBef>
-                <a:spcPts val="0"/>
-              </a:spcBef>
-              <a:buFont typeface="Arial" charset="0"/>
-              <a:buChar char="•"/>
-            </a:pPr>
-            <a:r>
-              <a:rPr lang="is-IS" sz="1200" baseline="0" dirty="0" smtClean="0">
-                <a:solidFill>
-                  <a:srgbClr val="FFFF00"/>
-                </a:solidFill>
-              </a:rPr>
-              <a:t>KNOW: skills sets</a:t>
-            </a:r>
-          </a:p>
-          <a:p>
-            <a:pPr marL="628650" lvl="1" indent="-171450">
-              <a:lnSpc>
-                <a:spcPct val="100000"/>
-              </a:lnSpc>
-              <a:spcBef>
-                <a:spcPts val="0"/>
-              </a:spcBef>
-              <a:buFont typeface="Arial" charset="0"/>
-              <a:buChar char="•"/>
-            </a:pPr>
-            <a:r>
-              <a:rPr lang="is-IS" sz="1200" baseline="0" dirty="0" smtClean="0">
-                <a:solidFill>
-                  <a:srgbClr val="FFFF00"/>
-                </a:solidFill>
-              </a:rPr>
-              <a:t>DO: Leaders act: they provide purpose, direction, motivation</a:t>
-            </a:r>
-          </a:p>
-          <a:p>
-            <a:pPr marL="628650" lvl="1" indent="-171450">
-              <a:lnSpc>
-                <a:spcPct val="100000"/>
-              </a:lnSpc>
-              <a:spcBef>
-                <a:spcPts val="0"/>
-              </a:spcBef>
-              <a:buFont typeface="Arial" charset="0"/>
-              <a:buChar char="•"/>
-            </a:pPr>
-            <a:endParaRPr lang="is-IS" sz="1200" baseline="0" dirty="0" smtClean="0">
-              <a:solidFill>
-                <a:srgbClr val="FFFF00"/>
-              </a:solidFill>
-            </a:endParaRPr>
-          </a:p>
-          <a:p>
-            <a:pPr marL="628650" lvl="1" indent="-171450">
-              <a:lnSpc>
-                <a:spcPct val="100000"/>
-              </a:lnSpc>
-              <a:spcBef>
-                <a:spcPts val="0"/>
-              </a:spcBef>
-              <a:buFont typeface="Arial" charset="0"/>
-              <a:buChar char="•"/>
-            </a:pPr>
-            <a:endParaRPr lang="is-IS" sz="1200" dirty="0" smtClean="0">
-              <a:solidFill>
-                <a:srgbClr val="FFFF00"/>
-              </a:solidFill>
-            </a:endParaRPr>
-          </a:p>
-          <a:p>
-            <a:pPr marL="171450" indent="-171450">
-              <a:lnSpc>
-                <a:spcPct val="100000"/>
-              </a:lnSpc>
-              <a:spcBef>
-                <a:spcPts val="0"/>
-              </a:spcBef>
-              <a:buFont typeface="Arial" charset="0"/>
-              <a:buChar char="•"/>
-            </a:pPr>
-            <a:endParaRPr lang="is-IS" sz="1200" dirty="0" smtClean="0">
-              <a:solidFill>
-                <a:srgbClr val="FFFF00"/>
-              </a:solidFill>
-            </a:endParaRPr>
-          </a:p>
-          <a:p>
-            <a:pPr marL="171450" indent="-171450">
-              <a:lnSpc>
-                <a:spcPct val="100000"/>
-              </a:lnSpc>
-              <a:spcBef>
-                <a:spcPts val="0"/>
-              </a:spcBef>
-              <a:buFont typeface="Arial" charset="0"/>
-              <a:buChar char="•"/>
-            </a:pPr>
-            <a:endParaRPr lang="is-IS" sz="1200" dirty="0" smtClean="0">
-              <a:solidFill>
-                <a:srgbClr val="FFFF00"/>
-              </a:solidFill>
-            </a:endParaRPr>
+            <a:endParaRPr lang="en-US" sz="1200" dirty="0" smtClean="0"/>
           </a:p>
         </p:txBody>
       </p:sp>
@@ -4061,7 +3542,7 @@
     </p:spTree>
     <p:extLst>
       <p:ext uri="{BB962C8B-B14F-4D97-AF65-F5344CB8AC3E}">
-        <p14:creationId xmlns:p14="http://schemas.microsoft.com/office/powerpoint/2010/main" val="1927324681"/>
+        <p14:creationId xmlns:p14="http://schemas.microsoft.com/office/powerpoint/2010/main" val="800953224"/>
       </p:ext>
     </p:extLst>
   </p:cSld>
@@ -4115,20 +3596,263 @@
           <a:bodyPr/>
           <a:lstStyle/>
           <a:p>
-            <a:r>
-              <a:rPr lang="en-US" sz="1200" dirty="0" smtClean="0"/>
-              <a:t>Tactics</a:t>
-            </a:r>
-            <a:r>
-              <a:rPr lang="en-US" sz="1200" baseline="0" dirty="0" smtClean="0"/>
-              <a:t> for Leading Change wasn’t available when we started but many of the early patterns are well-represented in the </a:t>
-            </a:r>
-          </a:p>
-          <a:p>
-            <a:endParaRPr lang="en-US" sz="1200" baseline="0" dirty="0" smtClean="0"/>
-          </a:p>
-          <a:p>
-            <a:pPr marL="0" marR="0" indent="0" algn="l" defTabSz="914400" rtl="0" eaLnBrk="1" fontAlgn="auto" latinLnBrk="0" hangingPunct="1">
+            <a:pPr marL="171450" indent="-171450">
+              <a:lnSpc>
+                <a:spcPct val="100000"/>
+              </a:lnSpc>
+              <a:spcBef>
+                <a:spcPts val="0"/>
+              </a:spcBef>
+              <a:buFont typeface="Arial" charset="0"/>
+              <a:buChar char="•"/>
+            </a:pPr>
+            <a:r>
+              <a:rPr lang="en-US" sz="1200" b="0" i="0" kern="1200" dirty="0" smtClean="0">
+                <a:solidFill>
+                  <a:schemeClr val="tx1"/>
+                </a:solidFill>
+                <a:effectLst/>
+                <a:latin typeface="+mn-lt"/>
+                <a:ea typeface="+mn-ea"/>
+                <a:cs typeface="+mn-cs"/>
+              </a:rPr>
+              <a:t>Now for a bit of tough</a:t>
+            </a:r>
+            <a:r>
+              <a:rPr lang="en-US" sz="1200" b="0" i="0" kern="1200" baseline="0" dirty="0" smtClean="0">
+                <a:solidFill>
+                  <a:schemeClr val="tx1"/>
+                </a:solidFill>
+                <a:effectLst/>
+                <a:latin typeface="+mn-lt"/>
+                <a:ea typeface="+mn-ea"/>
+                <a:cs typeface="+mn-cs"/>
+              </a:rPr>
+              <a:t> love:  As a former Army Officer, I have high expectations for leaders and myself.</a:t>
+            </a:r>
+          </a:p>
+          <a:p>
+            <a:pPr marL="171450" indent="-171450">
+              <a:lnSpc>
+                <a:spcPct val="100000"/>
+              </a:lnSpc>
+              <a:spcBef>
+                <a:spcPts val="0"/>
+              </a:spcBef>
+              <a:buFont typeface="Arial" charset="0"/>
+              <a:buChar char="•"/>
+            </a:pPr>
+            <a:endParaRPr lang="en-US" sz="1200" b="0" i="0" kern="1200" dirty="0" smtClean="0">
+              <a:solidFill>
+                <a:schemeClr val="tx1"/>
+              </a:solidFill>
+              <a:effectLst/>
+              <a:latin typeface="+mn-lt"/>
+              <a:ea typeface="+mn-ea"/>
+              <a:cs typeface="+mn-cs"/>
+            </a:endParaRPr>
+          </a:p>
+          <a:p>
+            <a:pPr marL="171450" indent="-171450">
+              <a:lnSpc>
+                <a:spcPct val="100000"/>
+              </a:lnSpc>
+              <a:spcBef>
+                <a:spcPts val="0"/>
+              </a:spcBef>
+              <a:buFont typeface="Arial" charset="0"/>
+              <a:buChar char="•"/>
+            </a:pPr>
+            <a:r>
+              <a:rPr lang="en-US" sz="1200" b="0" i="0" kern="1200" dirty="0" smtClean="0">
+                <a:solidFill>
+                  <a:schemeClr val="tx1"/>
+                </a:solidFill>
+                <a:effectLst/>
+                <a:latin typeface="+mn-lt"/>
+                <a:ea typeface="+mn-ea"/>
+                <a:cs typeface="+mn-cs"/>
+              </a:rPr>
+              <a:t>The </a:t>
+            </a:r>
+            <a:r>
+              <a:rPr lang="en-US" sz="1200" b="0" i="0" kern="1200" dirty="0" smtClean="0">
+                <a:solidFill>
+                  <a:schemeClr val="tx1"/>
+                </a:solidFill>
+                <a:effectLst/>
+                <a:latin typeface="+mn-lt"/>
+                <a:ea typeface="+mn-ea"/>
+                <a:cs typeface="+mn-cs"/>
+              </a:rPr>
+              <a:t>role of a leader in the learning organization is that of a designer, teacher, and steward who can build shared vision and challenge prevailing mental models. </a:t>
+            </a:r>
+            <a:r>
+              <a:rPr lang="en-US" sz="1200" b="0" i="0" kern="1200" dirty="0" smtClean="0">
+                <a:solidFill>
+                  <a:schemeClr val="tx1"/>
+                </a:solidFill>
+                <a:effectLst/>
+                <a:latin typeface="+mn-lt"/>
+                <a:ea typeface="+mn-ea"/>
+                <a:cs typeface="+mn-cs"/>
+              </a:rPr>
+              <a:t>The</a:t>
+            </a:r>
+            <a:r>
+              <a:rPr lang="en-US" sz="1200" b="0" i="0" kern="1200" baseline="0" dirty="0" smtClean="0">
+                <a:solidFill>
+                  <a:schemeClr val="tx1"/>
+                </a:solidFill>
+                <a:effectLst/>
+                <a:latin typeface="+mn-lt"/>
+                <a:ea typeface="+mn-ea"/>
+                <a:cs typeface="+mn-cs"/>
+              </a:rPr>
+              <a:t> leader </a:t>
+            </a:r>
+            <a:r>
+              <a:rPr lang="en-US" sz="1200" b="0" i="0" kern="1200" dirty="0" smtClean="0">
+                <a:solidFill>
+                  <a:schemeClr val="tx1"/>
+                </a:solidFill>
+                <a:effectLst/>
+                <a:latin typeface="+mn-lt"/>
+                <a:ea typeface="+mn-ea"/>
+                <a:cs typeface="+mn-cs"/>
+              </a:rPr>
+              <a:t>is </a:t>
+            </a:r>
+            <a:r>
+              <a:rPr lang="en-US" sz="1200" b="0" i="0" kern="1200" dirty="0" smtClean="0">
+                <a:solidFill>
+                  <a:schemeClr val="tx1"/>
+                </a:solidFill>
+                <a:effectLst/>
+                <a:latin typeface="+mn-lt"/>
+                <a:ea typeface="+mn-ea"/>
+                <a:cs typeface="+mn-cs"/>
+              </a:rPr>
+              <a:t>responsible </a:t>
+            </a:r>
+            <a:r>
+              <a:rPr lang="en-US" sz="1200" b="0" i="0" kern="1200" dirty="0" smtClean="0">
+                <a:solidFill>
+                  <a:schemeClr val="tx1"/>
+                </a:solidFill>
+                <a:effectLst/>
+                <a:latin typeface="+mn-lt"/>
+                <a:ea typeface="+mn-ea"/>
+                <a:cs typeface="+mn-cs"/>
+              </a:rPr>
+              <a:t>for</a:t>
+            </a:r>
+            <a:r>
+              <a:rPr lang="en-US" sz="1200" b="0" i="0" kern="1200" baseline="0" dirty="0" smtClean="0">
+                <a:solidFill>
+                  <a:schemeClr val="tx1"/>
+                </a:solidFill>
+                <a:effectLst/>
+                <a:latin typeface="+mn-lt"/>
+                <a:ea typeface="+mn-ea"/>
+                <a:cs typeface="+mn-cs"/>
+              </a:rPr>
+              <a:t> learning</a:t>
+            </a:r>
+            <a:r>
+              <a:rPr lang="en-US" sz="1200" b="0" i="0" kern="1200" dirty="0" smtClean="0">
+                <a:solidFill>
+                  <a:schemeClr val="tx1"/>
+                </a:solidFill>
+                <a:effectLst/>
+                <a:latin typeface="+mn-lt"/>
+                <a:ea typeface="+mn-ea"/>
+                <a:cs typeface="+mn-cs"/>
+              </a:rPr>
+              <a:t>.</a:t>
+            </a:r>
+            <a:endParaRPr lang="en-US" sz="1200" b="0" i="0" kern="1200" dirty="0" smtClean="0">
+              <a:solidFill>
+                <a:schemeClr val="tx1"/>
+              </a:solidFill>
+              <a:effectLst/>
+              <a:latin typeface="+mn-lt"/>
+              <a:ea typeface="+mn-ea"/>
+              <a:cs typeface="+mn-cs"/>
+            </a:endParaRPr>
+          </a:p>
+          <a:p>
+            <a:pPr marL="171450" indent="-171450">
+              <a:lnSpc>
+                <a:spcPct val="100000"/>
+              </a:lnSpc>
+              <a:spcBef>
+                <a:spcPts val="0"/>
+              </a:spcBef>
+              <a:buFont typeface="Arial" charset="0"/>
+              <a:buChar char="•"/>
+            </a:pPr>
+            <a:endParaRPr lang="is-IS" sz="1200" dirty="0" smtClean="0">
+              <a:solidFill>
+                <a:srgbClr val="FFFF00"/>
+              </a:solidFill>
+            </a:endParaRPr>
+          </a:p>
+          <a:p>
+            <a:pPr marL="171450" indent="-171450">
+              <a:lnSpc>
+                <a:spcPct val="100000"/>
+              </a:lnSpc>
+              <a:spcBef>
+                <a:spcPts val="0"/>
+              </a:spcBef>
+              <a:buFont typeface="Arial" charset="0"/>
+              <a:buChar char="•"/>
+            </a:pPr>
+            <a:r>
+              <a:rPr lang="is-IS" sz="1200" dirty="0" smtClean="0">
+                <a:solidFill>
+                  <a:srgbClr val="FFFF00"/>
+                </a:solidFill>
+              </a:rPr>
+              <a:t>Here are some questions to reflect</a:t>
+            </a:r>
+            <a:r>
+              <a:rPr lang="is-IS" sz="1200" baseline="0" dirty="0" smtClean="0">
+                <a:solidFill>
+                  <a:srgbClr val="FFFF00"/>
+                </a:solidFill>
+              </a:rPr>
+              <a:t> on:</a:t>
+            </a:r>
+            <a:endParaRPr lang="is-IS" sz="1200" dirty="0" smtClean="0">
+              <a:solidFill>
+                <a:srgbClr val="FFFF00"/>
+              </a:solidFill>
+            </a:endParaRPr>
+          </a:p>
+          <a:p>
+            <a:pPr marL="628650" lvl="1" indent="-171450">
+              <a:lnSpc>
+                <a:spcPct val="100000"/>
+              </a:lnSpc>
+              <a:spcBef>
+                <a:spcPts val="0"/>
+              </a:spcBef>
+              <a:buFont typeface="Arial" charset="0"/>
+              <a:buChar char="•"/>
+            </a:pPr>
+            <a:r>
+              <a:rPr lang="is-IS" sz="1200" dirty="0" smtClean="0">
+                <a:solidFill>
+                  <a:srgbClr val="FFFF00"/>
+                </a:solidFill>
+              </a:rPr>
+              <a:t>Do you believe in your team?</a:t>
+            </a:r>
+          </a:p>
+          <a:p>
+            <a:pPr marL="628650" marR="0" lvl="1" indent="-171450" algn="l" defTabSz="914400" rtl="0" eaLnBrk="1" fontAlgn="auto" latinLnBrk="0" hangingPunct="1">
               <a:lnSpc>
                 <a:spcPct val="100000"/>
               </a:lnSpc>
@@ -4140,19 +3864,210 @@
               </a:spcAft>
               <a:buClrTx/>
               <a:buSzTx/>
-              <a:buFontTx/>
-              <a:buNone/>
+              <a:buFont typeface="Arial" charset="0"/>
+              <a:buChar char="•"/>
               <a:tabLst/>
               <a:defRPr/>
             </a:pPr>
             <a:r>
-              <a:rPr lang="en-US" sz="1200" dirty="0" smtClean="0"/>
-              <a:t>Without accompanying changes in the way that work gets done, only the potential for improvement exists – David A. Garvin</a:t>
-            </a:r>
-            <a:endParaRPr lang="en-US" sz="1050" dirty="0" smtClean="0"/>
-          </a:p>
-          <a:p>
-            <a:endParaRPr lang="en-US" sz="1200" dirty="0" smtClean="0"/>
+              <a:rPr lang="is-IS" sz="1200" dirty="0" smtClean="0">
+                <a:solidFill>
+                  <a:srgbClr val="FFFF00"/>
+                </a:solidFill>
+              </a:rPr>
+              <a:t>Do</a:t>
+            </a:r>
+            <a:r>
+              <a:rPr lang="is-IS" sz="1200" baseline="0" dirty="0" smtClean="0">
+                <a:solidFill>
+                  <a:srgbClr val="FFFF00"/>
+                </a:solidFill>
+              </a:rPr>
+              <a:t> you have the humility to let your teams see you failing/growing?</a:t>
+            </a:r>
+            <a:endParaRPr lang="is-IS" sz="1200" dirty="0" smtClean="0">
+              <a:solidFill>
+                <a:srgbClr val="FFFF00"/>
+              </a:solidFill>
+            </a:endParaRPr>
+          </a:p>
+          <a:p>
+            <a:pPr marL="628650" lvl="1" indent="-171450">
+              <a:lnSpc>
+                <a:spcPct val="100000"/>
+              </a:lnSpc>
+              <a:spcBef>
+                <a:spcPts val="0"/>
+              </a:spcBef>
+              <a:buFont typeface="Arial" charset="0"/>
+              <a:buChar char="•"/>
+            </a:pPr>
+            <a:r>
+              <a:rPr lang="is-IS" sz="1200" dirty="0" smtClean="0">
+                <a:solidFill>
+                  <a:srgbClr val="FFFF00"/>
+                </a:solidFill>
+              </a:rPr>
+              <a:t>Are you prepared</a:t>
+            </a:r>
+            <a:r>
+              <a:rPr lang="is-IS" sz="1200" baseline="0" dirty="0" smtClean="0">
+                <a:solidFill>
+                  <a:srgbClr val="FFFF00"/>
+                </a:solidFill>
+              </a:rPr>
+              <a:t> to lead by example?</a:t>
+            </a:r>
+            <a:endParaRPr lang="is-IS" sz="1200" dirty="0" smtClean="0">
+              <a:solidFill>
+                <a:srgbClr val="FFFF00"/>
+              </a:solidFill>
+            </a:endParaRPr>
+          </a:p>
+          <a:p>
+            <a:pPr marL="628650" lvl="1" indent="-171450">
+              <a:lnSpc>
+                <a:spcPct val="100000"/>
+              </a:lnSpc>
+              <a:spcBef>
+                <a:spcPts val="0"/>
+              </a:spcBef>
+              <a:buFont typeface="Arial" charset="0"/>
+              <a:buChar char="•"/>
+            </a:pPr>
+            <a:r>
+              <a:rPr lang="is-IS" sz="1200" dirty="0" smtClean="0">
+                <a:solidFill>
+                  <a:srgbClr val="FFFF00"/>
+                </a:solidFill>
+              </a:rPr>
+              <a:t>Servant</a:t>
+            </a:r>
+            <a:r>
+              <a:rPr lang="is-IS" sz="1200" baseline="0" dirty="0" smtClean="0">
+                <a:solidFill>
+                  <a:srgbClr val="FFFF00"/>
+                </a:solidFill>
+              </a:rPr>
+              <a:t> Leadership</a:t>
+            </a:r>
+            <a:endParaRPr lang="is-IS" sz="1200" dirty="0" smtClean="0">
+              <a:solidFill>
+                <a:srgbClr val="FFFF00"/>
+              </a:solidFill>
+            </a:endParaRPr>
+          </a:p>
+          <a:p>
+            <a:pPr marL="628650" lvl="1" indent="-171450">
+              <a:lnSpc>
+                <a:spcPct val="100000"/>
+              </a:lnSpc>
+              <a:spcBef>
+                <a:spcPts val="0"/>
+              </a:spcBef>
+              <a:buFont typeface="Arial" charset="0"/>
+              <a:buChar char="•"/>
+            </a:pPr>
+            <a:r>
+              <a:rPr lang="is-IS" sz="1200" dirty="0" smtClean="0">
+                <a:solidFill>
+                  <a:srgbClr val="FFFF00"/>
+                </a:solidFill>
+              </a:rPr>
+              <a:t>Have you designed activites</a:t>
+            </a:r>
+            <a:r>
+              <a:rPr lang="is-IS" sz="1200" baseline="0" dirty="0" smtClean="0">
+                <a:solidFill>
+                  <a:srgbClr val="FFFF00"/>
+                </a:solidFill>
+              </a:rPr>
+              <a:t> after understanding the rate of the organizatioin? </a:t>
+            </a:r>
+            <a:r>
+              <a:rPr lang="is-IS" sz="1200" dirty="0" smtClean="0">
+                <a:solidFill>
+                  <a:srgbClr val="FFFF00"/>
+                </a:solidFill>
+              </a:rPr>
+              <a:t>Herbie </a:t>
+            </a:r>
+            <a:r>
+              <a:rPr lang="is-IS" sz="1200" dirty="0" smtClean="0">
+                <a:solidFill>
+                  <a:srgbClr val="FFFF00"/>
+                </a:solidFill>
+              </a:rPr>
+              <a:t>(The Goal)</a:t>
+            </a:r>
+          </a:p>
+          <a:p>
+            <a:pPr marL="171450" lvl="0" indent="-171450">
+              <a:lnSpc>
+                <a:spcPct val="100000"/>
+              </a:lnSpc>
+              <a:spcBef>
+                <a:spcPts val="0"/>
+              </a:spcBef>
+              <a:buFont typeface="Arial" charset="0"/>
+              <a:buChar char="•"/>
+            </a:pPr>
+            <a:endParaRPr lang="is-IS" sz="1200" baseline="0" dirty="0" smtClean="0">
+              <a:solidFill>
+                <a:srgbClr val="FFFF00"/>
+              </a:solidFill>
+            </a:endParaRPr>
+          </a:p>
+          <a:p>
+            <a:pPr marL="628650" lvl="1" indent="-171450">
+              <a:lnSpc>
+                <a:spcPct val="100000"/>
+              </a:lnSpc>
+              <a:spcBef>
+                <a:spcPts val="0"/>
+              </a:spcBef>
+              <a:buFont typeface="Arial" charset="0"/>
+              <a:buChar char="•"/>
+            </a:pPr>
+            <a:endParaRPr lang="is-IS" sz="1200" dirty="0" smtClean="0">
+              <a:solidFill>
+                <a:srgbClr val="FFFF00"/>
+              </a:solidFill>
+            </a:endParaRPr>
+          </a:p>
+          <a:p>
+            <a:pPr marL="171450" indent="-171450">
+              <a:lnSpc>
+                <a:spcPct val="100000"/>
+              </a:lnSpc>
+              <a:spcBef>
+                <a:spcPts val="0"/>
+              </a:spcBef>
+              <a:buFont typeface="Arial" charset="0"/>
+              <a:buChar char="•"/>
+            </a:pPr>
+            <a:endParaRPr lang="is-IS" sz="1200" dirty="0" smtClean="0">
+              <a:solidFill>
+                <a:srgbClr val="FFFF00"/>
+              </a:solidFill>
+            </a:endParaRPr>
+          </a:p>
+          <a:p>
+            <a:pPr marL="171450" indent="-171450">
+              <a:lnSpc>
+                <a:spcPct val="100000"/>
+              </a:lnSpc>
+              <a:spcBef>
+                <a:spcPts val="0"/>
+              </a:spcBef>
+              <a:buFont typeface="Arial" charset="0"/>
+              <a:buChar char="•"/>
+            </a:pPr>
+            <a:endParaRPr lang="is-IS" sz="1200" dirty="0" smtClean="0">
+              <a:solidFill>
+                <a:srgbClr val="FFFF00"/>
+              </a:solidFill>
+            </a:endParaRPr>
           </a:p>
         </p:txBody>
       </p:sp>
@@ -4182,7 +4097,7 @@
     </p:spTree>
     <p:extLst>
       <p:ext uri="{BB962C8B-B14F-4D97-AF65-F5344CB8AC3E}">
-        <p14:creationId xmlns:p14="http://schemas.microsoft.com/office/powerpoint/2010/main" val="521543928"/>
+        <p14:creationId xmlns:p14="http://schemas.microsoft.com/office/powerpoint/2010/main" val="1927324681"/>
       </p:ext>
     </p:extLst>
   </p:cSld>
@@ -4236,7 +4151,7 @@
           <a:bodyPr/>
           <a:lstStyle/>
           <a:p>
-            <a:endParaRPr lang="en-US"/>
+            <a:endParaRPr lang="en-US" sz="1200" dirty="0" smtClean="0"/>
           </a:p>
         </p:txBody>
       </p:sp>
@@ -4266,7 +4181,7 @@
     </p:spTree>
     <p:extLst>
       <p:ext uri="{BB962C8B-B14F-4D97-AF65-F5344CB8AC3E}">
-        <p14:creationId xmlns:p14="http://schemas.microsoft.com/office/powerpoint/2010/main" val="1450440404"/>
+        <p14:creationId xmlns:p14="http://schemas.microsoft.com/office/powerpoint/2010/main" val="2041852823"/>
       </p:ext>
     </p:extLst>
   </p:cSld>
@@ -4320,6 +4235,43 @@
           <a:bodyPr/>
           <a:lstStyle/>
           <a:p>
+            <a:r>
+              <a:rPr lang="en-US" sz="1200" dirty="0" smtClean="0"/>
+              <a:t>Tactics</a:t>
+            </a:r>
+            <a:r>
+              <a:rPr lang="en-US" sz="1200" baseline="0" dirty="0" smtClean="0"/>
+              <a:t> for Leading Change wasn’t available when we started but many of the early patterns are well-represented in the </a:t>
+            </a:r>
+          </a:p>
+          <a:p>
+            <a:endParaRPr lang="en-US" sz="1200" baseline="0" dirty="0" smtClean="0"/>
+          </a:p>
+          <a:p>
+            <a:pPr marL="0" marR="0" indent="0" algn="l" defTabSz="914400" rtl="0" eaLnBrk="1" fontAlgn="auto" latinLnBrk="0" hangingPunct="1">
+              <a:lnSpc>
+                <a:spcPct val="100000"/>
+              </a:lnSpc>
+              <a:spcBef>
+                <a:spcPts val="0"/>
+              </a:spcBef>
+              <a:spcAft>
+                <a:spcPts val="0"/>
+              </a:spcAft>
+              <a:buClrTx/>
+              <a:buSzTx/>
+              <a:buFontTx/>
+              <a:buNone/>
+              <a:tabLst/>
+              <a:defRPr/>
+            </a:pPr>
+            <a:r>
+              <a:rPr lang="en-US" sz="1200" dirty="0" smtClean="0"/>
+              <a:t>Without accompanying changes in the way that work gets done, only the potential for improvement exists – David A. Garvin</a:t>
+            </a:r>
+            <a:endParaRPr lang="en-US" sz="1050" dirty="0" smtClean="0"/>
+          </a:p>
+          <a:p>
             <a:endParaRPr lang="en-US" sz="1200" dirty="0" smtClean="0"/>
           </a:p>
         </p:txBody>
@@ -4350,7 +4302,7 @@
     </p:spTree>
     <p:extLst>
       <p:ext uri="{BB962C8B-B14F-4D97-AF65-F5344CB8AC3E}">
-        <p14:creationId xmlns:p14="http://schemas.microsoft.com/office/powerpoint/2010/main" val="191915473"/>
+        <p14:creationId xmlns:p14="http://schemas.microsoft.com/office/powerpoint/2010/main" val="521543928"/>
       </p:ext>
     </p:extLst>
   </p:cSld>
@@ -4404,7 +4356,7 @@
           <a:bodyPr/>
           <a:lstStyle/>
           <a:p>
-            <a:endParaRPr lang="en-US" sz="1200" dirty="0" smtClean="0"/>
+            <a:endParaRPr lang="en-US"/>
           </a:p>
         </p:txBody>
       </p:sp>
@@ -4434,7 +4386,7 @@
     </p:spTree>
     <p:extLst>
       <p:ext uri="{BB962C8B-B14F-4D97-AF65-F5344CB8AC3E}">
-        <p14:creationId xmlns:p14="http://schemas.microsoft.com/office/powerpoint/2010/main" val="1549236661"/>
+        <p14:creationId xmlns:p14="http://schemas.microsoft.com/office/powerpoint/2010/main" val="1450440404"/>
       </p:ext>
     </p:extLst>
   </p:cSld>
@@ -4488,14 +4440,6 @@
           <a:bodyPr/>
           <a:lstStyle/>
           <a:p>
-            <a:r>
-              <a:rPr lang="en-US" sz="1200" dirty="0" smtClean="0"/>
-              <a:t>Excited</a:t>
-            </a:r>
-            <a:r>
-              <a:rPr lang="en-US" sz="1200" baseline="0" dirty="0" smtClean="0"/>
-              <a:t> because ChatOps is transformative.  </a:t>
-            </a:r>
             <a:endParaRPr lang="en-US" sz="1200" dirty="0" smtClean="0"/>
           </a:p>
         </p:txBody>
@@ -4526,7 +4470,7 @@
     </p:spTree>
     <p:extLst>
       <p:ext uri="{BB962C8B-B14F-4D97-AF65-F5344CB8AC3E}">
-        <p14:creationId xmlns:p14="http://schemas.microsoft.com/office/powerpoint/2010/main" val="7800259"/>
+        <p14:creationId xmlns:p14="http://schemas.microsoft.com/office/powerpoint/2010/main" val="191915473"/>
       </p:ext>
     </p:extLst>
   </p:cSld>
@@ -4580,7 +4524,7 @@
           <a:bodyPr/>
           <a:lstStyle/>
           <a:p>
-            <a:endParaRPr lang="en-US"/>
+            <a:endParaRPr lang="en-US" sz="1200" dirty="0" smtClean="0"/>
           </a:p>
         </p:txBody>
       </p:sp>
@@ -4610,7 +4554,7 @@
     </p:spTree>
     <p:extLst>
       <p:ext uri="{BB962C8B-B14F-4D97-AF65-F5344CB8AC3E}">
-        <p14:creationId xmlns:p14="http://schemas.microsoft.com/office/powerpoint/2010/main" val="1464992931"/>
+        <p14:creationId xmlns:p14="http://schemas.microsoft.com/office/powerpoint/2010/main" val="1549236661"/>
       </p:ext>
     </p:extLst>
   </p:cSld>
@@ -4664,7 +4608,28 @@
           <a:bodyPr/>
           <a:lstStyle/>
           <a:p>
-            <a:endParaRPr lang="en-US"/>
+            <a:pPr marL="171450" marR="0" lvl="0" indent="-171450" algn="l" defTabSz="914400" rtl="0" eaLnBrk="1" fontAlgn="auto" latinLnBrk="0" hangingPunct="1">
+              <a:lnSpc>
+                <a:spcPct val="100000"/>
+              </a:lnSpc>
+              <a:spcBef>
+                <a:spcPts val="0"/>
+              </a:spcBef>
+              <a:spcAft>
+                <a:spcPts val="0"/>
+              </a:spcAft>
+              <a:buClrTx/>
+              <a:buSzTx/>
+              <a:buFont typeface="Arial" charset="0"/>
+              <a:buNone/>
+              <a:tabLst/>
+              <a:defRPr/>
+            </a:pPr>
+            <a:endParaRPr lang="is-IS" sz="1200" dirty="0" smtClean="0">
+              <a:solidFill>
+                <a:srgbClr val="FFFF00"/>
+              </a:solidFill>
+            </a:endParaRPr>
           </a:p>
         </p:txBody>
       </p:sp>
@@ -4694,7 +4659,7 @@
     </p:spTree>
     <p:extLst>
       <p:ext uri="{BB962C8B-B14F-4D97-AF65-F5344CB8AC3E}">
-        <p14:creationId xmlns:p14="http://schemas.microsoft.com/office/powerpoint/2010/main" val="1694609756"/>
+        <p14:creationId xmlns:p14="http://schemas.microsoft.com/office/powerpoint/2010/main" val="952751796"/>
       </p:ext>
     </p:extLst>
   </p:cSld>
@@ -4840,7 +4805,237 @@
           <a:bodyPr/>
           <a:lstStyle/>
           <a:p>
-            <a:endParaRPr lang="en-US"/>
+            <a:pPr marL="171450" marR="0" lvl="0" indent="-171450" algn="l" defTabSz="914400" rtl="0" eaLnBrk="1" fontAlgn="auto" latinLnBrk="0" hangingPunct="1">
+              <a:lnSpc>
+                <a:spcPct val="100000"/>
+              </a:lnSpc>
+              <a:spcBef>
+                <a:spcPts val="0"/>
+              </a:spcBef>
+              <a:spcAft>
+                <a:spcPts val="0"/>
+              </a:spcAft>
+              <a:buClrTx/>
+              <a:buSzTx/>
+              <a:buFont typeface="Arial" charset="0"/>
+              <a:buNone/>
+              <a:tabLst/>
+              <a:defRPr/>
+            </a:pPr>
+            <a:r>
+              <a:rPr lang="en-US" sz="1200" dirty="0" smtClean="0">
+                <a:solidFill>
+                  <a:srgbClr val="FFFF00"/>
+                </a:solidFill>
+              </a:rPr>
+              <a:t>Top</a:t>
+            </a:r>
+            <a:r>
+              <a:rPr lang="en-US" sz="1200" baseline="0" dirty="0" smtClean="0">
+                <a:solidFill>
+                  <a:srgbClr val="FFFF00"/>
+                </a:solidFill>
+              </a:rPr>
+              <a:t> Golf Story</a:t>
+            </a:r>
+            <a:endParaRPr lang="en-US" sz="1200" dirty="0" smtClean="0">
+              <a:solidFill>
+                <a:srgbClr val="FFFF00"/>
+              </a:solidFill>
+            </a:endParaRPr>
+          </a:p>
+          <a:p>
+            <a:pPr marL="171450" marR="0" lvl="0" indent="-171450" algn="l" defTabSz="914400" rtl="0" eaLnBrk="1" fontAlgn="auto" latinLnBrk="0" hangingPunct="1">
+              <a:lnSpc>
+                <a:spcPct val="100000"/>
+              </a:lnSpc>
+              <a:spcBef>
+                <a:spcPts val="0"/>
+              </a:spcBef>
+              <a:spcAft>
+                <a:spcPts val="0"/>
+              </a:spcAft>
+              <a:buClrTx/>
+              <a:buSzTx/>
+              <a:buFont typeface="Arial" charset="0"/>
+              <a:buNone/>
+              <a:tabLst/>
+              <a:defRPr/>
+            </a:pPr>
+            <a:endParaRPr lang="en-US" sz="1200" dirty="0" smtClean="0">
+              <a:solidFill>
+                <a:srgbClr val="FFFF00"/>
+              </a:solidFill>
+            </a:endParaRPr>
+          </a:p>
+          <a:p>
+            <a:pPr marL="171450" marR="0" lvl="0" indent="-171450" algn="l" defTabSz="914400" rtl="0" eaLnBrk="1" fontAlgn="auto" latinLnBrk="0" hangingPunct="1">
+              <a:lnSpc>
+                <a:spcPct val="100000"/>
+              </a:lnSpc>
+              <a:spcBef>
+                <a:spcPts val="0"/>
+              </a:spcBef>
+              <a:spcAft>
+                <a:spcPts val="0"/>
+              </a:spcAft>
+              <a:buClrTx/>
+              <a:buSzTx/>
+              <a:buFont typeface="Arial" charset="0"/>
+              <a:buNone/>
+              <a:tabLst/>
+              <a:defRPr/>
+            </a:pPr>
+            <a:r>
+              <a:rPr lang="en-US" sz="1200" dirty="0" smtClean="0">
+                <a:solidFill>
+                  <a:srgbClr val="FFFF00"/>
+                </a:solidFill>
+              </a:rPr>
+              <a:t>“We should create a RYU for that”</a:t>
+            </a:r>
+          </a:p>
+          <a:p>
+            <a:pPr marL="171450" marR="0" lvl="0" indent="-171450" algn="l" defTabSz="914400" rtl="0" eaLnBrk="1" fontAlgn="auto" latinLnBrk="0" hangingPunct="1">
+              <a:lnSpc>
+                <a:spcPct val="100000"/>
+              </a:lnSpc>
+              <a:spcBef>
+                <a:spcPts val="0"/>
+              </a:spcBef>
+              <a:spcAft>
+                <a:spcPts val="0"/>
+              </a:spcAft>
+              <a:buClrTx/>
+              <a:buSzTx/>
+              <a:buFont typeface="Arial" charset="0"/>
+              <a:buNone/>
+              <a:tabLst/>
+              <a:defRPr/>
+            </a:pPr>
+            <a:r>
+              <a:rPr lang="en-US" sz="1200" dirty="0" smtClean="0">
+                <a:solidFill>
+                  <a:srgbClr val="FFFF00"/>
+                </a:solidFill>
+              </a:rPr>
+              <a:t>Slack Rules of Engagement (Skype For Business, Workplace, etc.)</a:t>
+            </a:r>
+          </a:p>
+          <a:p>
+            <a:pPr marL="171450" marR="0" lvl="0" indent="-171450" algn="l" defTabSz="914400" rtl="0" eaLnBrk="1" fontAlgn="auto" latinLnBrk="0" hangingPunct="1">
+              <a:lnSpc>
+                <a:spcPct val="100000"/>
+              </a:lnSpc>
+              <a:spcBef>
+                <a:spcPts val="0"/>
+              </a:spcBef>
+              <a:spcAft>
+                <a:spcPts val="0"/>
+              </a:spcAft>
+              <a:buClrTx/>
+              <a:buSzTx/>
+              <a:buFont typeface="Arial" charset="0"/>
+              <a:buNone/>
+              <a:tabLst/>
+              <a:defRPr/>
+            </a:pPr>
+            <a:r>
+              <a:rPr lang="en-US" sz="1200" dirty="0" smtClean="0">
+                <a:solidFill>
+                  <a:srgbClr val="FFFF00"/>
+                </a:solidFill>
+              </a:rPr>
+              <a:t>Azure Management &amp; Costing, NetScaler, SharePoint, Teradata, </a:t>
+            </a:r>
+            <a:r>
+              <a:rPr lang="en-US" sz="1200" dirty="0" err="1" smtClean="0">
+                <a:solidFill>
+                  <a:srgbClr val="FFFF00"/>
+                </a:solidFill>
+              </a:rPr>
+              <a:t>Commvault</a:t>
+            </a:r>
+            <a:r>
+              <a:rPr lang="en-US" sz="1200" dirty="0" smtClean="0">
+                <a:solidFill>
+                  <a:srgbClr val="FFFF00"/>
+                </a:solidFill>
+              </a:rPr>
+              <a:t>, EMC, VMAX migrations</a:t>
+            </a:r>
+          </a:p>
+          <a:p>
+            <a:pPr marL="171450" marR="0" lvl="0" indent="-171450" algn="l" defTabSz="914400" rtl="0" eaLnBrk="1" fontAlgn="auto" latinLnBrk="0" hangingPunct="1">
+              <a:lnSpc>
+                <a:spcPct val="100000"/>
+              </a:lnSpc>
+              <a:spcBef>
+                <a:spcPts val="0"/>
+              </a:spcBef>
+              <a:spcAft>
+                <a:spcPts val="0"/>
+              </a:spcAft>
+              <a:buClrTx/>
+              <a:buSzTx/>
+              <a:buFont typeface="Arial" charset="0"/>
+              <a:buNone/>
+              <a:tabLst/>
+              <a:defRPr/>
+            </a:pPr>
+            <a:endParaRPr lang="is-IS" sz="1200" dirty="0" smtClean="0">
+              <a:solidFill>
+                <a:srgbClr val="FFFF00"/>
+              </a:solidFill>
+            </a:endParaRPr>
+          </a:p>
+          <a:p>
+            <a:pPr marL="171450" marR="0" lvl="0" indent="-171450" algn="l" defTabSz="914400" rtl="0" eaLnBrk="1" fontAlgn="auto" latinLnBrk="0" hangingPunct="1">
+              <a:lnSpc>
+                <a:spcPct val="100000"/>
+              </a:lnSpc>
+              <a:spcBef>
+                <a:spcPts val="0"/>
+              </a:spcBef>
+              <a:spcAft>
+                <a:spcPts val="0"/>
+              </a:spcAft>
+              <a:buClrTx/>
+              <a:buSzTx/>
+              <a:buFont typeface="Arial" charset="0"/>
+              <a:buNone/>
+              <a:tabLst/>
+              <a:defRPr/>
+            </a:pPr>
+            <a:endParaRPr lang="is-IS" sz="1200" dirty="0" smtClean="0">
+              <a:solidFill>
+                <a:srgbClr val="FFFF00"/>
+              </a:solidFill>
+            </a:endParaRPr>
+          </a:p>
+          <a:p>
+            <a:pPr marL="171450" marR="0" lvl="0" indent="-171450" algn="l" defTabSz="914400" rtl="0" eaLnBrk="1" fontAlgn="auto" latinLnBrk="0" hangingPunct="1">
+              <a:lnSpc>
+                <a:spcPct val="100000"/>
+              </a:lnSpc>
+              <a:spcBef>
+                <a:spcPts val="0"/>
+              </a:spcBef>
+              <a:spcAft>
+                <a:spcPts val="0"/>
+              </a:spcAft>
+              <a:buClrTx/>
+              <a:buSzTx/>
+              <a:buFont typeface="Arial" charset="0"/>
+              <a:buNone/>
+              <a:tabLst/>
+              <a:defRPr/>
+            </a:pPr>
+            <a:endParaRPr lang="is-IS" sz="1200" dirty="0" smtClean="0">
+              <a:solidFill>
+                <a:srgbClr val="FFFF00"/>
+              </a:solidFill>
+            </a:endParaRPr>
           </a:p>
         </p:txBody>
       </p:sp>
@@ -4870,7 +5065,7 @@
     </p:spTree>
     <p:extLst>
       <p:ext uri="{BB962C8B-B14F-4D97-AF65-F5344CB8AC3E}">
-        <p14:creationId xmlns:p14="http://schemas.microsoft.com/office/powerpoint/2010/main" val="1236178462"/>
+        <p14:creationId xmlns:p14="http://schemas.microsoft.com/office/powerpoint/2010/main" val="851583352"/>
       </p:ext>
     </p:extLst>
   </p:cSld>
@@ -4924,7 +5119,28 @@
           <a:bodyPr/>
           <a:lstStyle/>
           <a:p>
-            <a:endParaRPr lang="en-US"/>
+            <a:pPr marL="171450" marR="0" lvl="0" indent="-171450" algn="l" defTabSz="914400" rtl="0" eaLnBrk="1" fontAlgn="auto" latinLnBrk="0" hangingPunct="1">
+              <a:lnSpc>
+                <a:spcPct val="100000"/>
+              </a:lnSpc>
+              <a:spcBef>
+                <a:spcPts val="0"/>
+              </a:spcBef>
+              <a:spcAft>
+                <a:spcPts val="0"/>
+              </a:spcAft>
+              <a:buClrTx/>
+              <a:buSzTx/>
+              <a:buFont typeface="Arial" charset="0"/>
+              <a:buNone/>
+              <a:tabLst/>
+              <a:defRPr/>
+            </a:pPr>
+            <a:endParaRPr lang="is-IS" sz="1200" dirty="0" smtClean="0">
+              <a:solidFill>
+                <a:srgbClr val="FFFF00"/>
+              </a:solidFill>
+            </a:endParaRPr>
           </a:p>
         </p:txBody>
       </p:sp>
@@ -4946,6 +5162,510 @@
             <a:fld id="{A61D6427-4E40-48B2-9E5C-DB98B8F42838}" type="slidenum">
               <a:rPr lang="en-US" smtClean="0"/>
               <a:t>41</a:t>
+            </a:fld>
+            <a:endParaRPr lang="en-US"/>
+          </a:p>
+        </p:txBody>
+      </p:sp>
+    </p:spTree>
+    <p:extLst>
+      <p:ext uri="{BB962C8B-B14F-4D97-AF65-F5344CB8AC3E}">
+        <p14:creationId xmlns:p14="http://schemas.microsoft.com/office/powerpoint/2010/main" val="311930579"/>
+      </p:ext>
+    </p:extLst>
+  </p:cSld>
+  <p:clrMapOvr>
+    <a:masterClrMapping/>
+  </p:clrMapOvr>
+</p:notes>
+</file>
+
+<file path=ppt/notesSlides/notesSlide42.xml><?xml version="1.0" encoding="utf-8"?>
+<p:notes xmlns:a="http://schemas.openxmlformats.org/drawingml/2006/main" xmlns:r="http://schemas.openxmlformats.org/officeDocument/2006/relationships" xmlns:p="http://schemas.openxmlformats.org/presentationml/2006/main">
+  <p:cSld>
+    <p:spTree>
+      <p:nvGrpSpPr>
+        <p:cNvPr id="1" name=""/>
+        <p:cNvGrpSpPr/>
+        <p:nvPr/>
+      </p:nvGrpSpPr>
+      <p:grpSpPr>
+        <a:xfrm>
+          <a:off x="0" y="0"/>
+          <a:ext cx="0" cy="0"/>
+          <a:chOff x="0" y="0"/>
+          <a:chExt cx="0" cy="0"/>
+        </a:xfrm>
+      </p:grpSpPr>
+      <p:sp>
+        <p:nvSpPr>
+          <p:cNvPr id="2" name="Slide Image Placeholder 1"/>
+          <p:cNvSpPr>
+            <a:spLocks noGrp="1" noRot="1" noChangeAspect="1"/>
+          </p:cNvSpPr>
+          <p:nvPr>
+            <p:ph type="sldImg"/>
+          </p:nvPr>
+        </p:nvSpPr>
+        <p:spPr/>
+      </p:sp>
+      <p:sp>
+        <p:nvSpPr>
+          <p:cNvPr id="3" name="Notes Placeholder 2"/>
+          <p:cNvSpPr>
+            <a:spLocks noGrp="1"/>
+          </p:cNvSpPr>
+          <p:nvPr>
+            <p:ph type="body" idx="1"/>
+          </p:nvPr>
+        </p:nvSpPr>
+        <p:spPr/>
+        <p:txBody>
+          <a:bodyPr/>
+          <a:lstStyle/>
+          <a:p>
+            <a:pPr marL="171450" marR="0" lvl="0" indent="-171450" algn="l" defTabSz="914400" rtl="0" eaLnBrk="1" fontAlgn="auto" latinLnBrk="0" hangingPunct="1">
+              <a:lnSpc>
+                <a:spcPct val="100000"/>
+              </a:lnSpc>
+              <a:spcBef>
+                <a:spcPts val="0"/>
+              </a:spcBef>
+              <a:spcAft>
+                <a:spcPts val="0"/>
+              </a:spcAft>
+              <a:buClrTx/>
+              <a:buSzTx/>
+              <a:buFont typeface="Arial" charset="0"/>
+              <a:buNone/>
+              <a:tabLst/>
+              <a:defRPr/>
+            </a:pPr>
+            <a:endParaRPr lang="is-IS" sz="1200" dirty="0" smtClean="0">
+              <a:solidFill>
+                <a:srgbClr val="FFFF00"/>
+              </a:solidFill>
+            </a:endParaRPr>
+          </a:p>
+        </p:txBody>
+      </p:sp>
+      <p:sp>
+        <p:nvSpPr>
+          <p:cNvPr id="4" name="Slide Number Placeholder 3"/>
+          <p:cNvSpPr>
+            <a:spLocks noGrp="1"/>
+          </p:cNvSpPr>
+          <p:nvPr>
+            <p:ph type="sldNum" sz="quarter" idx="10"/>
+          </p:nvPr>
+        </p:nvSpPr>
+        <p:spPr/>
+        <p:txBody>
+          <a:bodyPr/>
+          <a:lstStyle/>
+          <a:p>
+            <a:fld id="{A61D6427-4E40-48B2-9E5C-DB98B8F42838}" type="slidenum">
+              <a:rPr lang="en-US" smtClean="0"/>
+              <a:t>42</a:t>
+            </a:fld>
+            <a:endParaRPr lang="en-US"/>
+          </a:p>
+        </p:txBody>
+      </p:sp>
+    </p:spTree>
+    <p:extLst>
+      <p:ext uri="{BB962C8B-B14F-4D97-AF65-F5344CB8AC3E}">
+        <p14:creationId xmlns:p14="http://schemas.microsoft.com/office/powerpoint/2010/main" val="975135912"/>
+      </p:ext>
+    </p:extLst>
+  </p:cSld>
+  <p:clrMapOvr>
+    <a:masterClrMapping/>
+  </p:clrMapOvr>
+</p:notes>
+</file>
+
+<file path=ppt/notesSlides/notesSlide43.xml><?xml version="1.0" encoding="utf-8"?>
+<p:notes xmlns:a="http://schemas.openxmlformats.org/drawingml/2006/main" xmlns:r="http://schemas.openxmlformats.org/officeDocument/2006/relationships" xmlns:p="http://schemas.openxmlformats.org/presentationml/2006/main">
+  <p:cSld>
+    <p:spTree>
+      <p:nvGrpSpPr>
+        <p:cNvPr id="1" name=""/>
+        <p:cNvGrpSpPr/>
+        <p:nvPr/>
+      </p:nvGrpSpPr>
+      <p:grpSpPr>
+        <a:xfrm>
+          <a:off x="0" y="0"/>
+          <a:ext cx="0" cy="0"/>
+          <a:chOff x="0" y="0"/>
+          <a:chExt cx="0" cy="0"/>
+        </a:xfrm>
+      </p:grpSpPr>
+      <p:sp>
+        <p:nvSpPr>
+          <p:cNvPr id="2" name="Slide Image Placeholder 1"/>
+          <p:cNvSpPr>
+            <a:spLocks noGrp="1" noRot="1" noChangeAspect="1"/>
+          </p:cNvSpPr>
+          <p:nvPr>
+            <p:ph type="sldImg"/>
+          </p:nvPr>
+        </p:nvSpPr>
+        <p:spPr/>
+      </p:sp>
+      <p:sp>
+        <p:nvSpPr>
+          <p:cNvPr id="3" name="Notes Placeholder 2"/>
+          <p:cNvSpPr>
+            <a:spLocks noGrp="1"/>
+          </p:cNvSpPr>
+          <p:nvPr>
+            <p:ph type="body" idx="1"/>
+          </p:nvPr>
+        </p:nvSpPr>
+        <p:spPr/>
+        <p:txBody>
+          <a:bodyPr/>
+          <a:lstStyle/>
+          <a:p>
+            <a:pPr marL="171450" marR="0" lvl="0" indent="-171450" algn="l" defTabSz="914400" rtl="0" eaLnBrk="1" fontAlgn="auto" latinLnBrk="0" hangingPunct="1">
+              <a:lnSpc>
+                <a:spcPct val="100000"/>
+              </a:lnSpc>
+              <a:spcBef>
+                <a:spcPts val="0"/>
+              </a:spcBef>
+              <a:spcAft>
+                <a:spcPts val="0"/>
+              </a:spcAft>
+              <a:buClrTx/>
+              <a:buSzTx/>
+              <a:buFont typeface="Arial" charset="0"/>
+              <a:buNone/>
+              <a:tabLst/>
+              <a:defRPr/>
+            </a:pPr>
+            <a:endParaRPr lang="is-IS" sz="1200" dirty="0" smtClean="0">
+              <a:solidFill>
+                <a:srgbClr val="FFFF00"/>
+              </a:solidFill>
+            </a:endParaRPr>
+          </a:p>
+        </p:txBody>
+      </p:sp>
+      <p:sp>
+        <p:nvSpPr>
+          <p:cNvPr id="4" name="Slide Number Placeholder 3"/>
+          <p:cNvSpPr>
+            <a:spLocks noGrp="1"/>
+          </p:cNvSpPr>
+          <p:nvPr>
+            <p:ph type="sldNum" sz="quarter" idx="10"/>
+          </p:nvPr>
+        </p:nvSpPr>
+        <p:spPr/>
+        <p:txBody>
+          <a:bodyPr/>
+          <a:lstStyle/>
+          <a:p>
+            <a:fld id="{A61D6427-4E40-48B2-9E5C-DB98B8F42838}" type="slidenum">
+              <a:rPr lang="en-US" smtClean="0"/>
+              <a:t>43</a:t>
+            </a:fld>
+            <a:endParaRPr lang="en-US"/>
+          </a:p>
+        </p:txBody>
+      </p:sp>
+    </p:spTree>
+    <p:extLst>
+      <p:ext uri="{BB962C8B-B14F-4D97-AF65-F5344CB8AC3E}">
+        <p14:creationId xmlns:p14="http://schemas.microsoft.com/office/powerpoint/2010/main" val="7407101"/>
+      </p:ext>
+    </p:extLst>
+  </p:cSld>
+  <p:clrMapOvr>
+    <a:masterClrMapping/>
+  </p:clrMapOvr>
+</p:notes>
+</file>
+
+<file path=ppt/notesSlides/notesSlide44.xml><?xml version="1.0" encoding="utf-8"?>
+<p:notes xmlns:a="http://schemas.openxmlformats.org/drawingml/2006/main" xmlns:r="http://schemas.openxmlformats.org/officeDocument/2006/relationships" xmlns:p="http://schemas.openxmlformats.org/presentationml/2006/main">
+  <p:cSld>
+    <p:spTree>
+      <p:nvGrpSpPr>
+        <p:cNvPr id="1" name=""/>
+        <p:cNvGrpSpPr/>
+        <p:nvPr/>
+      </p:nvGrpSpPr>
+      <p:grpSpPr>
+        <a:xfrm>
+          <a:off x="0" y="0"/>
+          <a:ext cx="0" cy="0"/>
+          <a:chOff x="0" y="0"/>
+          <a:chExt cx="0" cy="0"/>
+        </a:xfrm>
+      </p:grpSpPr>
+      <p:sp>
+        <p:nvSpPr>
+          <p:cNvPr id="2" name="Slide Image Placeholder 1"/>
+          <p:cNvSpPr>
+            <a:spLocks noGrp="1" noRot="1" noChangeAspect="1"/>
+          </p:cNvSpPr>
+          <p:nvPr>
+            <p:ph type="sldImg"/>
+          </p:nvPr>
+        </p:nvSpPr>
+        <p:spPr/>
+      </p:sp>
+      <p:sp>
+        <p:nvSpPr>
+          <p:cNvPr id="3" name="Notes Placeholder 2"/>
+          <p:cNvSpPr>
+            <a:spLocks noGrp="1"/>
+          </p:cNvSpPr>
+          <p:nvPr>
+            <p:ph type="body" idx="1"/>
+          </p:nvPr>
+        </p:nvSpPr>
+        <p:spPr/>
+        <p:txBody>
+          <a:bodyPr/>
+          <a:lstStyle/>
+          <a:p>
+            <a:pPr marL="171450" marR="0" lvl="0" indent="-171450" algn="l" defTabSz="914400" rtl="0" eaLnBrk="1" fontAlgn="auto" latinLnBrk="0" hangingPunct="1">
+              <a:lnSpc>
+                <a:spcPct val="100000"/>
+              </a:lnSpc>
+              <a:spcBef>
+                <a:spcPts val="0"/>
+              </a:spcBef>
+              <a:spcAft>
+                <a:spcPts val="0"/>
+              </a:spcAft>
+              <a:buClrTx/>
+              <a:buSzTx/>
+              <a:buFont typeface="Arial" charset="0"/>
+              <a:buNone/>
+              <a:tabLst/>
+              <a:defRPr/>
+            </a:pPr>
+            <a:endParaRPr lang="is-IS" sz="1200" dirty="0" smtClean="0">
+              <a:solidFill>
+                <a:srgbClr val="FFFF00"/>
+              </a:solidFill>
+            </a:endParaRPr>
+          </a:p>
+        </p:txBody>
+      </p:sp>
+      <p:sp>
+        <p:nvSpPr>
+          <p:cNvPr id="4" name="Slide Number Placeholder 3"/>
+          <p:cNvSpPr>
+            <a:spLocks noGrp="1"/>
+          </p:cNvSpPr>
+          <p:nvPr>
+            <p:ph type="sldNum" sz="quarter" idx="10"/>
+          </p:nvPr>
+        </p:nvSpPr>
+        <p:spPr/>
+        <p:txBody>
+          <a:bodyPr/>
+          <a:lstStyle/>
+          <a:p>
+            <a:fld id="{A61D6427-4E40-48B2-9E5C-DB98B8F42838}" type="slidenum">
+              <a:rPr lang="en-US" smtClean="0"/>
+              <a:t>44</a:t>
+            </a:fld>
+            <a:endParaRPr lang="en-US"/>
+          </a:p>
+        </p:txBody>
+      </p:sp>
+    </p:spTree>
+    <p:extLst>
+      <p:ext uri="{BB962C8B-B14F-4D97-AF65-F5344CB8AC3E}">
+        <p14:creationId xmlns:p14="http://schemas.microsoft.com/office/powerpoint/2010/main" val="1813545951"/>
+      </p:ext>
+    </p:extLst>
+  </p:cSld>
+  <p:clrMapOvr>
+    <a:masterClrMapping/>
+  </p:clrMapOvr>
+</p:notes>
+</file>
+
+<file path=ppt/notesSlides/notesSlide45.xml><?xml version="1.0" encoding="utf-8"?>
+<p:notes xmlns:a="http://schemas.openxmlformats.org/drawingml/2006/main" xmlns:r="http://schemas.openxmlformats.org/officeDocument/2006/relationships" xmlns:p="http://schemas.openxmlformats.org/presentationml/2006/main">
+  <p:cSld>
+    <p:spTree>
+      <p:nvGrpSpPr>
+        <p:cNvPr id="1" name=""/>
+        <p:cNvGrpSpPr/>
+        <p:nvPr/>
+      </p:nvGrpSpPr>
+      <p:grpSpPr>
+        <a:xfrm>
+          <a:off x="0" y="0"/>
+          <a:ext cx="0" cy="0"/>
+          <a:chOff x="0" y="0"/>
+          <a:chExt cx="0" cy="0"/>
+        </a:xfrm>
+      </p:grpSpPr>
+      <p:sp>
+        <p:nvSpPr>
+          <p:cNvPr id="2" name="Slide Image Placeholder 1"/>
+          <p:cNvSpPr>
+            <a:spLocks noGrp="1" noRot="1" noChangeAspect="1"/>
+          </p:cNvSpPr>
+          <p:nvPr>
+            <p:ph type="sldImg"/>
+          </p:nvPr>
+        </p:nvSpPr>
+        <p:spPr/>
+      </p:sp>
+      <p:sp>
+        <p:nvSpPr>
+          <p:cNvPr id="3" name="Notes Placeholder 2"/>
+          <p:cNvSpPr>
+            <a:spLocks noGrp="1"/>
+          </p:cNvSpPr>
+          <p:nvPr>
+            <p:ph type="body" idx="1"/>
+          </p:nvPr>
+        </p:nvSpPr>
+        <p:spPr/>
+        <p:txBody>
+          <a:bodyPr/>
+          <a:lstStyle/>
+          <a:p>
+            <a:pPr marL="171450" marR="0" lvl="0" indent="-171450" algn="l" defTabSz="914400" rtl="0" eaLnBrk="1" fontAlgn="auto" latinLnBrk="0" hangingPunct="1">
+              <a:lnSpc>
+                <a:spcPct val="100000"/>
+              </a:lnSpc>
+              <a:spcBef>
+                <a:spcPts val="0"/>
+              </a:spcBef>
+              <a:spcAft>
+                <a:spcPts val="0"/>
+              </a:spcAft>
+              <a:buClrTx/>
+              <a:buSzTx/>
+              <a:buFont typeface="Arial" charset="0"/>
+              <a:buNone/>
+              <a:tabLst/>
+              <a:defRPr/>
+            </a:pPr>
+            <a:endParaRPr lang="is-IS" sz="1200" dirty="0" smtClean="0">
+              <a:solidFill>
+                <a:srgbClr val="FFFF00"/>
+              </a:solidFill>
+            </a:endParaRPr>
+          </a:p>
+        </p:txBody>
+      </p:sp>
+      <p:sp>
+        <p:nvSpPr>
+          <p:cNvPr id="4" name="Slide Number Placeholder 3"/>
+          <p:cNvSpPr>
+            <a:spLocks noGrp="1"/>
+          </p:cNvSpPr>
+          <p:nvPr>
+            <p:ph type="sldNum" sz="quarter" idx="10"/>
+          </p:nvPr>
+        </p:nvSpPr>
+        <p:spPr/>
+        <p:txBody>
+          <a:bodyPr/>
+          <a:lstStyle/>
+          <a:p>
+            <a:fld id="{A61D6427-4E40-48B2-9E5C-DB98B8F42838}" type="slidenum">
+              <a:rPr lang="en-US" smtClean="0"/>
+              <a:t>45</a:t>
+            </a:fld>
+            <a:endParaRPr lang="en-US"/>
+          </a:p>
+        </p:txBody>
+      </p:sp>
+    </p:spTree>
+    <p:extLst>
+      <p:ext uri="{BB962C8B-B14F-4D97-AF65-F5344CB8AC3E}">
+        <p14:creationId xmlns:p14="http://schemas.microsoft.com/office/powerpoint/2010/main" val="1391093232"/>
+      </p:ext>
+    </p:extLst>
+  </p:cSld>
+  <p:clrMapOvr>
+    <a:masterClrMapping/>
+  </p:clrMapOvr>
+</p:notes>
+</file>
+
+<file path=ppt/notesSlides/notesSlide46.xml><?xml version="1.0" encoding="utf-8"?>
+<p:notes xmlns:a="http://schemas.openxmlformats.org/drawingml/2006/main" xmlns:r="http://schemas.openxmlformats.org/officeDocument/2006/relationships" xmlns:p="http://schemas.openxmlformats.org/presentationml/2006/main">
+  <p:cSld>
+    <p:spTree>
+      <p:nvGrpSpPr>
+        <p:cNvPr id="1" name=""/>
+        <p:cNvGrpSpPr/>
+        <p:nvPr/>
+      </p:nvGrpSpPr>
+      <p:grpSpPr>
+        <a:xfrm>
+          <a:off x="0" y="0"/>
+          <a:ext cx="0" cy="0"/>
+          <a:chOff x="0" y="0"/>
+          <a:chExt cx="0" cy="0"/>
+        </a:xfrm>
+      </p:grpSpPr>
+      <p:sp>
+        <p:nvSpPr>
+          <p:cNvPr id="2" name="Slide Image Placeholder 1"/>
+          <p:cNvSpPr>
+            <a:spLocks noGrp="1" noRot="1" noChangeAspect="1"/>
+          </p:cNvSpPr>
+          <p:nvPr>
+            <p:ph type="sldImg"/>
+          </p:nvPr>
+        </p:nvSpPr>
+        <p:spPr/>
+      </p:sp>
+      <p:sp>
+        <p:nvSpPr>
+          <p:cNvPr id="3" name="Notes Placeholder 2"/>
+          <p:cNvSpPr>
+            <a:spLocks noGrp="1"/>
+          </p:cNvSpPr>
+          <p:nvPr>
+            <p:ph type="body" idx="1"/>
+          </p:nvPr>
+        </p:nvSpPr>
+        <p:spPr/>
+        <p:txBody>
+          <a:bodyPr/>
+          <a:lstStyle/>
+          <a:p>
+            <a:endParaRPr lang="en-US"/>
+          </a:p>
+        </p:txBody>
+      </p:sp>
+      <p:sp>
+        <p:nvSpPr>
+          <p:cNvPr id="4" name="Slide Number Placeholder 3"/>
+          <p:cNvSpPr>
+            <a:spLocks noGrp="1"/>
+          </p:cNvSpPr>
+          <p:nvPr>
+            <p:ph type="sldNum" sz="quarter" idx="10"/>
+          </p:nvPr>
+        </p:nvSpPr>
+        <p:spPr/>
+        <p:txBody>
+          <a:bodyPr/>
+          <a:lstStyle/>
+          <a:p>
+            <a:fld id="{A61D6427-4E40-48B2-9E5C-DB98B8F42838}" type="slidenum">
+              <a:rPr lang="en-US" smtClean="0"/>
+              <a:t>46</a:t>
             </a:fld>
             <a:endParaRPr lang="en-US"/>
           </a:p>
@@ -5206,7 +5926,7 @@
     </p:spTree>
     <p:extLst>
       <p:ext uri="{BB962C8B-B14F-4D97-AF65-F5344CB8AC3E}">
-        <p14:creationId xmlns:p14="http://schemas.microsoft.com/office/powerpoint/2010/main" val="1096565961"/>
+        <p14:creationId xmlns:p14="http://schemas.microsoft.com/office/powerpoint/2010/main" val="1733447122"/>
       </p:ext>
     </p:extLst>
   </p:cSld>
@@ -8015,11 +8735,7 @@
             </a:pPr>
             <a:r>
               <a:rPr lang="en-US" sz="4000" dirty="0" smtClean="0"/>
-              <a:t>A</a:t>
-            </a:r>
-            <a:r>
-              <a:rPr lang="en-US" sz="4000" dirty="0" smtClean="0"/>
-              <a:t>utomation</a:t>
+              <a:t>Automation</a:t>
             </a:r>
           </a:p>
           <a:p>
@@ -8456,17 +9172,20 @@
           <a:lstStyle/>
           <a:p>
             <a:r>
-              <a:rPr lang="en-US" sz="4800" u="sng" dirty="0" smtClean="0"/>
-              <a:t>Hypothesis: </a:t>
-            </a:r>
-          </a:p>
-          <a:p>
-            <a:endParaRPr lang="en-US" sz="4000" dirty="0" smtClean="0"/>
-          </a:p>
-          <a:p>
-            <a:r>
-              <a:rPr lang="en-US" sz="4000" dirty="0" smtClean="0"/>
-              <a:t>DevOps practices can be used to teach the organization to become a learning organization</a:t>
+              <a:rPr lang="en-US" sz="4800" dirty="0" smtClean="0"/>
+              <a:t>“</a:t>
+            </a:r>
+            <a:r>
+              <a:rPr lang="is-IS" sz="4800" dirty="0" smtClean="0"/>
+              <a:t>…</a:t>
+            </a:r>
+            <a:r>
+              <a:rPr lang="en-US" sz="4800" dirty="0" smtClean="0"/>
+              <a:t>Your goal is to pitch the ball where the bat will be</a:t>
+            </a:r>
+            <a:r>
+              <a:rPr lang="is-IS" sz="4800" dirty="0" smtClean="0"/>
+              <a:t>…”</a:t>
             </a:r>
           </a:p>
         </p:txBody>
@@ -8503,7 +9222,7 @@
     </p:spTree>
     <p:extLst>
       <p:ext uri="{BB962C8B-B14F-4D97-AF65-F5344CB8AC3E}">
-        <p14:creationId xmlns:p14="http://schemas.microsoft.com/office/powerpoint/2010/main" val="241833328"/>
+        <p14:creationId xmlns:p14="http://schemas.microsoft.com/office/powerpoint/2010/main" val="1026857600"/>
       </p:ext>
     </p:extLst>
   </p:cSld>
@@ -9838,7 +10557,6 @@
               <a:rPr lang="en-US" sz="2000" dirty="0" smtClean="0"/>
               <a:t>“Microsoft”</a:t>
             </a:r>
-            <a:endParaRPr lang="en-US" sz="2000" dirty="0" smtClean="0"/>
           </a:p>
           <a:p>
             <a:pPr marL="0" marR="0" lvl="0" indent="0" defTabSz="914400" eaLnBrk="1" fontAlgn="auto" latinLnBrk="0" hangingPunct="1">
@@ -10363,13 +11081,8 @@
             </a:pPr>
             <a:r>
               <a:rPr lang="en-US" sz="2000" dirty="0" smtClean="0"/>
-              <a:t>Reliance on vendors for </a:t>
-            </a:r>
-            <a:r>
-              <a:rPr lang="en-US" sz="2000" dirty="0" smtClean="0"/>
-              <a:t>direction, road mapping</a:t>
-            </a:r>
-            <a:endParaRPr lang="en-US" sz="2000" dirty="0" smtClean="0"/>
+              <a:t>Reliance on vendors for direction, road mapping</a:t>
+            </a:r>
           </a:p>
           <a:p>
             <a:pPr>
@@ -10596,17 +11309,8 @@
             </a:pPr>
             <a:r>
               <a:rPr lang="en-US" sz="2000" dirty="0" smtClean="0"/>
-              <a:t>Limited </a:t>
-            </a:r>
-            <a:r>
-              <a:rPr lang="en-US" sz="2000" dirty="0" smtClean="0"/>
-              <a:t>engineering </a:t>
-            </a:r>
-            <a:r>
-              <a:rPr lang="en-US" sz="2000" dirty="0" smtClean="0"/>
-              <a:t>tradition</a:t>
-            </a:r>
-            <a:endParaRPr lang="en-US" sz="2000" dirty="0" smtClean="0"/>
+              <a:t>Limited engineering tradition</a:t>
+            </a:r>
           </a:p>
           <a:p>
             <a:pPr>
@@ -11879,6 +12583,111 @@
       </p:grpSpPr>
       <p:sp>
         <p:nvSpPr>
+          <p:cNvPr id="3" name="Content Placeholder 2"/>
+          <p:cNvSpPr>
+            <a:spLocks noGrp="1"/>
+          </p:cNvSpPr>
+          <p:nvPr>
+            <p:ph idx="1"/>
+          </p:nvPr>
+        </p:nvSpPr>
+        <p:spPr/>
+        <p:txBody>
+          <a:bodyPr/>
+          <a:lstStyle/>
+          <a:p>
+            <a:r>
+              <a:rPr lang="en-US" sz="4800" u="sng" dirty="0" smtClean="0"/>
+              <a:t>Hypothesis: </a:t>
+            </a:r>
+          </a:p>
+          <a:p>
+            <a:endParaRPr lang="en-US" sz="4000" dirty="0" smtClean="0"/>
+          </a:p>
+          <a:p>
+            <a:r>
+              <a:rPr lang="en-US" sz="4000" dirty="0" smtClean="0"/>
+              <a:t>DevOps practices can be used to teach the organization to become a learning organization</a:t>
+            </a:r>
+          </a:p>
+        </p:txBody>
+      </p:sp>
+      <p:sp>
+        <p:nvSpPr>
+          <p:cNvPr id="4" name="Slide Number Placeholder 3"/>
+          <p:cNvSpPr>
+            <a:spLocks noGrp="1"/>
+          </p:cNvSpPr>
+          <p:nvPr>
+            <p:ph type="sldNum" sz="quarter" idx="4294967295"/>
+          </p:nvPr>
+        </p:nvSpPr>
+        <p:spPr>
+          <a:xfrm>
+            <a:off x="0" y="6283325"/>
+            <a:ext cx="808038" cy="411163"/>
+          </a:xfrm>
+        </p:spPr>
+        <p:txBody>
+          <a:bodyPr/>
+          <a:lstStyle/>
+          <a:p>
+            <a:fld id="{03CBEB89-E47E-4106-9DE1-9B407DF8E52F}" type="slidenum">
+              <a:rPr lang="en-US" smtClean="0"/>
+              <a:pPr/>
+              <a:t>31</a:t>
+            </a:fld>
+            <a:endParaRPr lang="en-US"/>
+          </a:p>
+        </p:txBody>
+      </p:sp>
+    </p:spTree>
+    <p:extLst>
+      <p:ext uri="{BB962C8B-B14F-4D97-AF65-F5344CB8AC3E}">
+        <p14:creationId xmlns:p14="http://schemas.microsoft.com/office/powerpoint/2010/main" val="241833328"/>
+      </p:ext>
+    </p:extLst>
+  </p:cSld>
+  <p:clrMapOvr>
+    <a:masterClrMapping/>
+  </p:clrMapOvr>
+  <mc:AlternateContent xmlns:mc="http://schemas.openxmlformats.org/markup-compatibility/2006" xmlns:p14="http://schemas.microsoft.com/office/powerpoint/2010/main">
+    <mc:Choice Requires="p14">
+      <p:transition p14:dur="10" advTm="14000"/>
+    </mc:Choice>
+    <mc:Fallback xmlns="">
+      <p:transition advTm="14000"/>
+    </mc:Fallback>
+  </mc:AlternateContent>
+  <p:timing>
+    <p:tnLst>
+      <p:par>
+        <p:cTn id="1" dur="indefinite" restart="never" nodeType="tmRoot"/>
+      </p:par>
+    </p:tnLst>
+  </p:timing>
+</p:sld>
+</file>
+
+<file path=ppt/slides/slide32.xml><?xml version="1.0" encoding="utf-8"?>
+<p:sld xmlns:a="http://schemas.openxmlformats.org/drawingml/2006/main" xmlns:r="http://schemas.openxmlformats.org/officeDocument/2006/relationships" xmlns:p="http://schemas.openxmlformats.org/presentationml/2006/main">
+  <p:cSld>
+    <p:spTree>
+      <p:nvGrpSpPr>
+        <p:cNvPr id="1" name=""/>
+        <p:cNvGrpSpPr/>
+        <p:nvPr/>
+      </p:nvGrpSpPr>
+      <p:grpSpPr>
+        <a:xfrm>
+          <a:off x="0" y="0"/>
+          <a:ext cx="0" cy="0"/>
+          <a:chOff x="0" y="0"/>
+          <a:chExt cx="0" cy="0"/>
+        </a:xfrm>
+      </p:grpSpPr>
+      <p:sp>
+        <p:nvSpPr>
           <p:cNvPr id="5" name="Title 4"/>
           <p:cNvSpPr>
             <a:spLocks noGrp="1"/>
@@ -11932,7 +12741,7 @@
                 <a:cs typeface="Courier" charset="0"/>
               </a:rPr>
               <a:pPr/>
-              <a:t>31</a:t>
+              <a:t>32</a:t>
             </a:fld>
             <a:endParaRPr lang="en-US">
               <a:latin typeface="Courier" charset="0"/>
@@ -11951,7 +12760,7 @@
           <p:nvPr>
             <p:extLst>
               <p:ext uri="{D42A27DB-BD31-4B8C-83A1-F6EECF244321}">
-                <p14:modId xmlns:p14="http://schemas.microsoft.com/office/powerpoint/2010/main" val="354715532"/>
+                <p14:modId xmlns:p14="http://schemas.microsoft.com/office/powerpoint/2010/main" val="675623921"/>
               </p:ext>
             </p:extLst>
           </p:nvPr>
@@ -12089,9 +12898,9 @@
                         <a:buChar char="•"/>
                       </a:pPr>
                       <a:r>
-                        <a:rPr lang="en-US" sz="1600" b="0" i="0" u="none" strike="noStrike" kern="1200" baseline="0" dirty="0" smtClean="0">
+                        <a:rPr lang="en-US" sz="1600" b="1" i="0" u="none" strike="noStrike" kern="1200" baseline="0" dirty="0" smtClean="0">
                           <a:solidFill>
-                            <a:srgbClr val="FFFFFF"/>
+                            <a:srgbClr val="FFFF00"/>
                           </a:solidFill>
                           <a:latin typeface="Courier" charset="0"/>
                         </a:rPr>
@@ -12152,7 +12961,7 @@
           <p:nvPr>
             <p:extLst>
               <p:ext uri="{D42A27DB-BD31-4B8C-83A1-F6EECF244321}">
-                <p14:modId xmlns:p14="http://schemas.microsoft.com/office/powerpoint/2010/main" val="2095366583"/>
+                <p14:modId xmlns:p14="http://schemas.microsoft.com/office/powerpoint/2010/main" val="1094951823"/>
               </p:ext>
             </p:extLst>
           </p:nvPr>
@@ -12210,9 +13019,9 @@
                         <a:buChar char="•"/>
                       </a:pPr>
                       <a:r>
-                        <a:rPr lang="en-US" sz="1600" b="0" i="0" u="none" strike="noStrike" kern="1200" baseline="0" dirty="0" smtClean="0">
+                        <a:rPr lang="en-US" sz="1600" b="1" i="0" u="none" strike="noStrike" kern="1200" baseline="0" dirty="0" smtClean="0">
                           <a:solidFill>
-                            <a:srgbClr val="FFFFFF"/>
+                            <a:srgbClr val="FFFF00"/>
                           </a:solidFill>
                           <a:latin typeface="Courier" charset="0"/>
                         </a:rPr>
@@ -12353,7 +13162,7 @@
           <p:nvPr>
             <p:extLst>
               <p:ext uri="{D42A27DB-BD31-4B8C-83A1-F6EECF244321}">
-                <p14:modId xmlns:p14="http://schemas.microsoft.com/office/powerpoint/2010/main" val="1914241971"/>
+                <p14:modId xmlns:p14="http://schemas.microsoft.com/office/powerpoint/2010/main" val="1465198558"/>
               </p:ext>
             </p:extLst>
           </p:nvPr>
@@ -12395,22 +13204,13 @@
                         <a:buChar char="•"/>
                       </a:pPr>
                       <a:r>
-                        <a:rPr lang="en-US" sz="1600" b="0" i="0" u="none" strike="noStrike" kern="1200" baseline="0" dirty="0" smtClean="0">
+                        <a:rPr lang="en-US" sz="1600" b="1" i="0" u="none" strike="noStrike" kern="1200" baseline="0" dirty="0" smtClean="0">
                           <a:solidFill>
-                            <a:srgbClr val="FFFFFF"/>
+                            <a:srgbClr val="FFFF00"/>
                           </a:solidFill>
                           <a:latin typeface="Courier" charset="0"/>
                         </a:rPr>
-                        <a:t>Centralized Infrastructure </a:t>
-                      </a:r>
-                      <a:r>
-                        <a:rPr lang="en-US" sz="1600" b="0" i="0" u="none" strike="noStrike" kern="1200" baseline="0" dirty="0" smtClean="0">
-                          <a:solidFill>
-                            <a:srgbClr val="FFFFFF"/>
-                          </a:solidFill>
-                          <a:latin typeface="Courier" charset="0"/>
-                        </a:rPr>
-                        <a:t>Engineering</a:t>
+                        <a:t>Centralized Infrastructure Engineering</a:t>
                       </a:r>
                     </a:p>
                     <a:p>
@@ -12442,25 +13242,7 @@
                           </a:solidFill>
                           <a:latin typeface="Courier" charset="0"/>
                         </a:rPr>
-                        <a:t>2 </a:t>
-                      </a:r>
-                      <a:r>
-                        <a:rPr lang="en-US" sz="1600" b="0" i="0" u="none" strike="noStrike" kern="1200" baseline="0" dirty="0" smtClean="0">
-                          <a:solidFill>
-                            <a:srgbClr val="FFFFFF"/>
-                          </a:solidFill>
-                          <a:latin typeface="Courier" charset="0"/>
-                        </a:rPr>
-                        <a:t>Engineers with scripting </a:t>
-                      </a:r>
-                      <a:r>
-                        <a:rPr lang="en-US" sz="1600" b="0" i="0" u="none" strike="noStrike" kern="1200" baseline="0" dirty="0" smtClean="0">
-                          <a:solidFill>
-                            <a:srgbClr val="FFFFFF"/>
-                          </a:solidFill>
-                          <a:latin typeface="Courier" charset="0"/>
-                        </a:rPr>
-                        <a:t>capabilities</a:t>
+                        <a:t>2 Engineers with scripting capabilities</a:t>
                       </a:r>
                     </a:p>
                     <a:p>
@@ -12578,16 +13360,7 @@
                           </a:solidFill>
                           <a:latin typeface="Courier" charset="0"/>
                         </a:rPr>
-                        <a:t>Potential disruption </a:t>
-                      </a:r>
-                      <a:r>
-                        <a:rPr lang="en-US" sz="1600" b="0" i="0" u="none" strike="noStrike" kern="1200" baseline="0" dirty="0" smtClean="0">
-                          <a:solidFill>
-                            <a:srgbClr val="FFFFFF"/>
-                          </a:solidFill>
-                          <a:latin typeface="Courier" charset="0"/>
-                        </a:rPr>
-                        <a:t>in retail</a:t>
+                        <a:t>Potential disruption in retail</a:t>
                       </a:r>
                     </a:p>
                     <a:p>
@@ -12956,7 +13729,7 @@
 </p:sld>
 </file>
 
-<file path=ppt/slides/slide32.xml><?xml version="1.0" encoding="utf-8"?>
+<file path=ppt/slides/slide33.xml><?xml version="1.0" encoding="utf-8"?>
 <p:sld xmlns:a="http://schemas.openxmlformats.org/drawingml/2006/main" xmlns:r="http://schemas.openxmlformats.org/officeDocument/2006/relationships" xmlns:p="http://schemas.openxmlformats.org/presentationml/2006/main">
   <p:cSld>
     <p:spTree>
@@ -13001,7 +13774,6 @@
               <a:rPr lang="en-US" sz="4000" dirty="0" smtClean="0"/>
               <a:t>Your mindset as a leader matters</a:t>
             </a:r>
-            <a:endParaRPr lang="en-US" sz="4000" dirty="0" smtClean="0"/>
           </a:p>
         </p:txBody>
       </p:sp>
@@ -13028,7 +13800,7 @@
             <a:fld id="{03CBEB89-E47E-4106-9DE1-9B407DF8E52F}" type="slidenum">
               <a:rPr lang="en-US" smtClean="0"/>
               <a:pPr/>
-              <a:t>32</a:t>
+              <a:t>33</a:t>
             </a:fld>
             <a:endParaRPr lang="en-US"/>
           </a:p>
@@ -13062,7 +13834,7 @@
 </p:sld>
 </file>
 
-<file path=ppt/slides/slide33.xml><?xml version="1.0" encoding="utf-8"?>
+<file path=ppt/slides/slide34.xml><?xml version="1.0" encoding="utf-8"?>
 <p:sld xmlns:a="http://schemas.openxmlformats.org/drawingml/2006/main" xmlns:r="http://schemas.openxmlformats.org/officeDocument/2006/relationships" xmlns:p="http://schemas.openxmlformats.org/presentationml/2006/main">
   <p:cSld>
     <p:spTree>
@@ -13081,6 +13853,908 @@
       </p:grpSpPr>
       <p:sp>
         <p:nvSpPr>
+          <p:cNvPr id="5" name="Title 4"/>
+          <p:cNvSpPr>
+            <a:spLocks noGrp="1"/>
+          </p:cNvSpPr>
+          <p:nvPr>
+            <p:ph type="title" idx="4294967295"/>
+          </p:nvPr>
+        </p:nvSpPr>
+        <p:spPr>
+          <a:xfrm>
+            <a:off x="838200" y="416719"/>
+            <a:ext cx="10515600" cy="1325563"/>
+          </a:xfrm>
+        </p:spPr>
+        <p:txBody>
+          <a:bodyPr/>
+          <a:lstStyle/>
+          <a:p>
+            <a:r>
+              <a:rPr lang="en-US" dirty="0" smtClean="0"/>
+              <a:t>BE – </a:t>
+            </a:r>
+            <a:r>
+              <a:rPr lang="en-US" dirty="0" smtClean="0"/>
+              <a:t>KNOW – DO</a:t>
+            </a:r>
+            <a:endParaRPr lang="en-US" dirty="0"/>
+          </a:p>
+        </p:txBody>
+      </p:sp>
+      <p:sp>
+        <p:nvSpPr>
+          <p:cNvPr id="3" name="Slide Number Placeholder 2"/>
+          <p:cNvSpPr>
+            <a:spLocks noGrp="1"/>
+          </p:cNvSpPr>
+          <p:nvPr>
+            <p:ph type="sldNum" sz="quarter" idx="4294967295"/>
+          </p:nvPr>
+        </p:nvSpPr>
+        <p:spPr>
+          <a:xfrm>
+            <a:off x="152400" y="6283890"/>
+            <a:ext cx="807720" cy="410210"/>
+          </a:xfrm>
+        </p:spPr>
+        <p:txBody>
+          <a:bodyPr/>
+          <a:lstStyle/>
+          <a:p>
+            <a:fld id="{03CBEB89-E47E-4106-9DE1-9B407DF8E52F}" type="slidenum">
+              <a:rPr lang="en-US" smtClean="0"/>
+              <a:pPr/>
+              <a:t>34</a:t>
+            </a:fld>
+            <a:endParaRPr lang="en-US"/>
+          </a:p>
+        </p:txBody>
+      </p:sp>
+      <p:sp>
+        <p:nvSpPr>
+          <p:cNvPr id="13" name="Content Placeholder 5"/>
+          <p:cNvSpPr txBox="1">
+            <a:spLocks/>
+          </p:cNvSpPr>
+          <p:nvPr/>
+        </p:nvSpPr>
+        <p:spPr>
+          <a:xfrm>
+            <a:off x="838200" y="3184367"/>
+            <a:ext cx="9883588" cy="1585079"/>
+          </a:xfrm>
+          <a:prstGeom prst="rect">
+            <a:avLst/>
+          </a:prstGeom>
+        </p:spPr>
+        <p:txBody>
+          <a:bodyPr/>
+          <a:lstStyle>
+            <a:lvl1pPr marL="228600" indent="-228600" algn="l" defTabSz="914400" rtl="0" eaLnBrk="1" latinLnBrk="0" hangingPunct="1">
+              <a:lnSpc>
+                <a:spcPct val="90000"/>
+              </a:lnSpc>
+              <a:spcBef>
+                <a:spcPts val="1000"/>
+              </a:spcBef>
+              <a:buFont typeface="Arial" panose="020B0604020202020204" pitchFamily="34" charset="0"/>
+              <a:buChar char="•"/>
+              <a:defRPr sz="2800" kern="1200">
+                <a:solidFill>
+                  <a:schemeClr val="bg1"/>
+                </a:solidFill>
+                <a:latin typeface="Courier" charset="0"/>
+                <a:ea typeface="Courier" charset="0"/>
+                <a:cs typeface="Courier" charset="0"/>
+              </a:defRPr>
+            </a:lvl1pPr>
+            <a:lvl2pPr marL="685800" indent="-228600" algn="l" defTabSz="914400" rtl="0" eaLnBrk="1" latinLnBrk="0" hangingPunct="1">
+              <a:lnSpc>
+                <a:spcPct val="90000"/>
+              </a:lnSpc>
+              <a:spcBef>
+                <a:spcPts val="500"/>
+              </a:spcBef>
+              <a:buFont typeface="Arial" panose="020B0604020202020204" pitchFamily="34" charset="0"/>
+              <a:buChar char="•"/>
+              <a:defRPr sz="2400" kern="1200">
+                <a:solidFill>
+                  <a:schemeClr val="bg1"/>
+                </a:solidFill>
+                <a:latin typeface="Courier" charset="0"/>
+                <a:ea typeface="Courier" charset="0"/>
+                <a:cs typeface="Courier" charset="0"/>
+              </a:defRPr>
+            </a:lvl2pPr>
+            <a:lvl3pPr marL="1143000" indent="-228600" algn="l" defTabSz="914400" rtl="0" eaLnBrk="1" latinLnBrk="0" hangingPunct="1">
+              <a:lnSpc>
+                <a:spcPct val="90000"/>
+              </a:lnSpc>
+              <a:spcBef>
+                <a:spcPts val="500"/>
+              </a:spcBef>
+              <a:buFont typeface="Arial" panose="020B0604020202020204" pitchFamily="34" charset="0"/>
+              <a:buChar char="•"/>
+              <a:defRPr sz="2000" kern="1200">
+                <a:solidFill>
+                  <a:schemeClr val="bg1"/>
+                </a:solidFill>
+                <a:latin typeface="Courier" charset="0"/>
+                <a:ea typeface="Courier" charset="0"/>
+                <a:cs typeface="Courier" charset="0"/>
+              </a:defRPr>
+            </a:lvl3pPr>
+            <a:lvl4pPr marL="1600200" indent="-228600" algn="l" defTabSz="914400" rtl="0" eaLnBrk="1" latinLnBrk="0" hangingPunct="1">
+              <a:lnSpc>
+                <a:spcPct val="90000"/>
+              </a:lnSpc>
+              <a:spcBef>
+                <a:spcPts val="500"/>
+              </a:spcBef>
+              <a:buFont typeface="Arial" panose="020B0604020202020204" pitchFamily="34" charset="0"/>
+              <a:buChar char="•"/>
+              <a:defRPr sz="1800" kern="1200">
+                <a:solidFill>
+                  <a:schemeClr val="bg1"/>
+                </a:solidFill>
+                <a:latin typeface="Courier" charset="0"/>
+                <a:ea typeface="Courier" charset="0"/>
+                <a:cs typeface="Courier" charset="0"/>
+              </a:defRPr>
+            </a:lvl4pPr>
+            <a:lvl5pPr marL="2057400" indent="-228600" algn="l" defTabSz="914400" rtl="0" eaLnBrk="1" latinLnBrk="0" hangingPunct="1">
+              <a:lnSpc>
+                <a:spcPct val="90000"/>
+              </a:lnSpc>
+              <a:spcBef>
+                <a:spcPts val="500"/>
+              </a:spcBef>
+              <a:buFont typeface="Arial" panose="020B0604020202020204" pitchFamily="34" charset="0"/>
+              <a:buChar char="•"/>
+              <a:defRPr sz="1800" kern="1200">
+                <a:solidFill>
+                  <a:schemeClr val="bg1"/>
+                </a:solidFill>
+                <a:latin typeface="Courier" charset="0"/>
+                <a:ea typeface="Courier" charset="0"/>
+                <a:cs typeface="Courier" charset="0"/>
+              </a:defRPr>
+            </a:lvl5pPr>
+            <a:lvl6pPr marL="2514600" indent="-228600" algn="l" defTabSz="914400" rtl="0" eaLnBrk="1" latinLnBrk="0" hangingPunct="1">
+              <a:lnSpc>
+                <a:spcPct val="90000"/>
+              </a:lnSpc>
+              <a:spcBef>
+                <a:spcPts val="500"/>
+              </a:spcBef>
+              <a:buFont typeface="Arial" panose="020B0604020202020204" pitchFamily="34" charset="0"/>
+              <a:buChar char="•"/>
+              <a:defRPr sz="1800" kern="1200">
+                <a:solidFill>
+                  <a:schemeClr val="tx1"/>
+                </a:solidFill>
+                <a:latin typeface="+mn-lt"/>
+                <a:ea typeface="+mn-ea"/>
+                <a:cs typeface="+mn-cs"/>
+              </a:defRPr>
+            </a:lvl6pPr>
+            <a:lvl7pPr marL="2971800" indent="-228600" algn="l" defTabSz="914400" rtl="0" eaLnBrk="1" latinLnBrk="0" hangingPunct="1">
+              <a:lnSpc>
+                <a:spcPct val="90000"/>
+              </a:lnSpc>
+              <a:spcBef>
+                <a:spcPts val="500"/>
+              </a:spcBef>
+              <a:buFont typeface="Arial" panose="020B0604020202020204" pitchFamily="34" charset="0"/>
+              <a:buChar char="•"/>
+              <a:defRPr sz="1800" kern="1200">
+                <a:solidFill>
+                  <a:schemeClr val="tx1"/>
+                </a:solidFill>
+                <a:latin typeface="+mn-lt"/>
+                <a:ea typeface="+mn-ea"/>
+                <a:cs typeface="+mn-cs"/>
+              </a:defRPr>
+            </a:lvl7pPr>
+            <a:lvl8pPr marL="3429000" indent="-228600" algn="l" defTabSz="914400" rtl="0" eaLnBrk="1" latinLnBrk="0" hangingPunct="1">
+              <a:lnSpc>
+                <a:spcPct val="90000"/>
+              </a:lnSpc>
+              <a:spcBef>
+                <a:spcPts val="500"/>
+              </a:spcBef>
+              <a:buFont typeface="Arial" panose="020B0604020202020204" pitchFamily="34" charset="0"/>
+              <a:buChar char="•"/>
+              <a:defRPr sz="1800" kern="1200">
+                <a:solidFill>
+                  <a:schemeClr val="tx1"/>
+                </a:solidFill>
+                <a:latin typeface="+mn-lt"/>
+                <a:ea typeface="+mn-ea"/>
+                <a:cs typeface="+mn-cs"/>
+              </a:defRPr>
+            </a:lvl8pPr>
+            <a:lvl9pPr marL="3886200" indent="-228600" algn="l" defTabSz="914400" rtl="0" eaLnBrk="1" latinLnBrk="0" hangingPunct="1">
+              <a:lnSpc>
+                <a:spcPct val="90000"/>
+              </a:lnSpc>
+              <a:spcBef>
+                <a:spcPts val="500"/>
+              </a:spcBef>
+              <a:buFont typeface="Arial" panose="020B0604020202020204" pitchFamily="34" charset="0"/>
+              <a:buChar char="•"/>
+              <a:defRPr sz="1800" kern="1200">
+                <a:solidFill>
+                  <a:schemeClr val="tx1"/>
+                </a:solidFill>
+                <a:latin typeface="+mn-lt"/>
+                <a:ea typeface="+mn-ea"/>
+                <a:cs typeface="+mn-cs"/>
+              </a:defRPr>
+            </a:lvl9pPr>
+          </a:lstStyle>
+          <a:p>
+            <a:pPr>
+              <a:lnSpc>
+                <a:spcPct val="100000"/>
+              </a:lnSpc>
+              <a:spcBef>
+                <a:spcPts val="0"/>
+              </a:spcBef>
+            </a:pPr>
+            <a:r>
+              <a:rPr lang="en-US" sz="2000" b="1" u="sng" dirty="0" smtClean="0"/>
+              <a:t>Know</a:t>
+            </a:r>
+            <a:r>
+              <a:rPr lang="en-US" sz="2000" dirty="0" smtClean="0"/>
+              <a:t> yourself and seek self improvement</a:t>
+            </a:r>
+          </a:p>
+          <a:p>
+            <a:pPr>
+              <a:lnSpc>
+                <a:spcPct val="100000"/>
+              </a:lnSpc>
+              <a:spcBef>
+                <a:spcPts val="0"/>
+              </a:spcBef>
+            </a:pPr>
+            <a:r>
+              <a:rPr lang="en-US" sz="2000" b="1" u="sng" dirty="0" smtClean="0"/>
+              <a:t>Know</a:t>
+            </a:r>
+            <a:r>
+              <a:rPr lang="en-US" sz="2000" dirty="0" smtClean="0"/>
+              <a:t> your people and help them achieve their potential</a:t>
+            </a:r>
+          </a:p>
+          <a:p>
+            <a:pPr>
+              <a:lnSpc>
+                <a:spcPct val="100000"/>
+              </a:lnSpc>
+              <a:spcBef>
+                <a:spcPts val="0"/>
+              </a:spcBef>
+            </a:pPr>
+            <a:r>
+              <a:rPr lang="en-US" sz="2000" b="1" u="sng" dirty="0" smtClean="0"/>
+              <a:t>Know</a:t>
+            </a:r>
+            <a:r>
+              <a:rPr lang="en-US" sz="2000" dirty="0" smtClean="0"/>
+              <a:t> the doctrine, and know when to be constrained by it</a:t>
+            </a:r>
+          </a:p>
+          <a:p>
+            <a:pPr>
+              <a:lnSpc>
+                <a:spcPct val="100000"/>
+              </a:lnSpc>
+              <a:spcBef>
+                <a:spcPts val="0"/>
+              </a:spcBef>
+            </a:pPr>
+            <a:r>
+              <a:rPr lang="en-US" sz="2000" b="1" u="sng" dirty="0" smtClean="0"/>
+              <a:t>Know</a:t>
+            </a:r>
+            <a:r>
+              <a:rPr lang="en-US" sz="2000" dirty="0" smtClean="0"/>
+              <a:t> your profession, contribute to it, and develop with it</a:t>
+            </a:r>
+            <a:endParaRPr lang="en-US" sz="2000" b="1" u="sng" dirty="0"/>
+          </a:p>
+        </p:txBody>
+      </p:sp>
+      <p:sp>
+        <p:nvSpPr>
+          <p:cNvPr id="14" name="Content Placeholder 5"/>
+          <p:cNvSpPr txBox="1">
+            <a:spLocks/>
+          </p:cNvSpPr>
+          <p:nvPr/>
+        </p:nvSpPr>
+        <p:spPr>
+          <a:xfrm>
+            <a:off x="838200" y="4688038"/>
+            <a:ext cx="8331200" cy="1336246"/>
+          </a:xfrm>
+          <a:prstGeom prst="rect">
+            <a:avLst/>
+          </a:prstGeom>
+        </p:spPr>
+        <p:txBody>
+          <a:bodyPr anchor="t"/>
+          <a:lstStyle>
+            <a:lvl1pPr marL="228600" indent="-228600" algn="l" defTabSz="914400" rtl="0" eaLnBrk="1" latinLnBrk="0" hangingPunct="1">
+              <a:lnSpc>
+                <a:spcPct val="90000"/>
+              </a:lnSpc>
+              <a:spcBef>
+                <a:spcPts val="1000"/>
+              </a:spcBef>
+              <a:buFont typeface="Arial" panose="020B0604020202020204" pitchFamily="34" charset="0"/>
+              <a:buChar char="•"/>
+              <a:defRPr sz="2800" kern="1200">
+                <a:solidFill>
+                  <a:schemeClr val="bg1"/>
+                </a:solidFill>
+                <a:latin typeface="Courier" charset="0"/>
+                <a:ea typeface="Courier" charset="0"/>
+                <a:cs typeface="Courier" charset="0"/>
+              </a:defRPr>
+            </a:lvl1pPr>
+            <a:lvl2pPr marL="685800" indent="-228600" algn="l" defTabSz="914400" rtl="0" eaLnBrk="1" latinLnBrk="0" hangingPunct="1">
+              <a:lnSpc>
+                <a:spcPct val="90000"/>
+              </a:lnSpc>
+              <a:spcBef>
+                <a:spcPts val="500"/>
+              </a:spcBef>
+              <a:buFont typeface="Arial" panose="020B0604020202020204" pitchFamily="34" charset="0"/>
+              <a:buChar char="•"/>
+              <a:defRPr sz="2400" kern="1200">
+                <a:solidFill>
+                  <a:schemeClr val="bg1"/>
+                </a:solidFill>
+                <a:latin typeface="Courier" charset="0"/>
+                <a:ea typeface="Courier" charset="0"/>
+                <a:cs typeface="Courier" charset="0"/>
+              </a:defRPr>
+            </a:lvl2pPr>
+            <a:lvl3pPr marL="1143000" indent="-228600" algn="l" defTabSz="914400" rtl="0" eaLnBrk="1" latinLnBrk="0" hangingPunct="1">
+              <a:lnSpc>
+                <a:spcPct val="90000"/>
+              </a:lnSpc>
+              <a:spcBef>
+                <a:spcPts val="500"/>
+              </a:spcBef>
+              <a:buFont typeface="Arial" panose="020B0604020202020204" pitchFamily="34" charset="0"/>
+              <a:buChar char="•"/>
+              <a:defRPr sz="2000" kern="1200">
+                <a:solidFill>
+                  <a:schemeClr val="bg1"/>
+                </a:solidFill>
+                <a:latin typeface="Courier" charset="0"/>
+                <a:ea typeface="Courier" charset="0"/>
+                <a:cs typeface="Courier" charset="0"/>
+              </a:defRPr>
+            </a:lvl3pPr>
+            <a:lvl4pPr marL="1600200" indent="-228600" algn="l" defTabSz="914400" rtl="0" eaLnBrk="1" latinLnBrk="0" hangingPunct="1">
+              <a:lnSpc>
+                <a:spcPct val="90000"/>
+              </a:lnSpc>
+              <a:spcBef>
+                <a:spcPts val="500"/>
+              </a:spcBef>
+              <a:buFont typeface="Arial" panose="020B0604020202020204" pitchFamily="34" charset="0"/>
+              <a:buChar char="•"/>
+              <a:defRPr sz="1800" kern="1200">
+                <a:solidFill>
+                  <a:schemeClr val="bg1"/>
+                </a:solidFill>
+                <a:latin typeface="Courier" charset="0"/>
+                <a:ea typeface="Courier" charset="0"/>
+                <a:cs typeface="Courier" charset="0"/>
+              </a:defRPr>
+            </a:lvl4pPr>
+            <a:lvl5pPr marL="2057400" indent="-228600" algn="l" defTabSz="914400" rtl="0" eaLnBrk="1" latinLnBrk="0" hangingPunct="1">
+              <a:lnSpc>
+                <a:spcPct val="90000"/>
+              </a:lnSpc>
+              <a:spcBef>
+                <a:spcPts val="500"/>
+              </a:spcBef>
+              <a:buFont typeface="Arial" panose="020B0604020202020204" pitchFamily="34" charset="0"/>
+              <a:buChar char="•"/>
+              <a:defRPr sz="1800" kern="1200">
+                <a:solidFill>
+                  <a:schemeClr val="bg1"/>
+                </a:solidFill>
+                <a:latin typeface="Courier" charset="0"/>
+                <a:ea typeface="Courier" charset="0"/>
+                <a:cs typeface="Courier" charset="0"/>
+              </a:defRPr>
+            </a:lvl5pPr>
+            <a:lvl6pPr marL="2514600" indent="-228600" algn="l" defTabSz="914400" rtl="0" eaLnBrk="1" latinLnBrk="0" hangingPunct="1">
+              <a:lnSpc>
+                <a:spcPct val="90000"/>
+              </a:lnSpc>
+              <a:spcBef>
+                <a:spcPts val="500"/>
+              </a:spcBef>
+              <a:buFont typeface="Arial" panose="020B0604020202020204" pitchFamily="34" charset="0"/>
+              <a:buChar char="•"/>
+              <a:defRPr sz="1800" kern="1200">
+                <a:solidFill>
+                  <a:schemeClr val="tx1"/>
+                </a:solidFill>
+                <a:latin typeface="+mn-lt"/>
+                <a:ea typeface="+mn-ea"/>
+                <a:cs typeface="+mn-cs"/>
+              </a:defRPr>
+            </a:lvl6pPr>
+            <a:lvl7pPr marL="2971800" indent="-228600" algn="l" defTabSz="914400" rtl="0" eaLnBrk="1" latinLnBrk="0" hangingPunct="1">
+              <a:lnSpc>
+                <a:spcPct val="90000"/>
+              </a:lnSpc>
+              <a:spcBef>
+                <a:spcPts val="500"/>
+              </a:spcBef>
+              <a:buFont typeface="Arial" panose="020B0604020202020204" pitchFamily="34" charset="0"/>
+              <a:buChar char="•"/>
+              <a:defRPr sz="1800" kern="1200">
+                <a:solidFill>
+                  <a:schemeClr val="tx1"/>
+                </a:solidFill>
+                <a:latin typeface="+mn-lt"/>
+                <a:ea typeface="+mn-ea"/>
+                <a:cs typeface="+mn-cs"/>
+              </a:defRPr>
+            </a:lvl7pPr>
+            <a:lvl8pPr marL="3429000" indent="-228600" algn="l" defTabSz="914400" rtl="0" eaLnBrk="1" latinLnBrk="0" hangingPunct="1">
+              <a:lnSpc>
+                <a:spcPct val="90000"/>
+              </a:lnSpc>
+              <a:spcBef>
+                <a:spcPts val="500"/>
+              </a:spcBef>
+              <a:buFont typeface="Arial" panose="020B0604020202020204" pitchFamily="34" charset="0"/>
+              <a:buChar char="•"/>
+              <a:defRPr sz="1800" kern="1200">
+                <a:solidFill>
+                  <a:schemeClr val="tx1"/>
+                </a:solidFill>
+                <a:latin typeface="+mn-lt"/>
+                <a:ea typeface="+mn-ea"/>
+                <a:cs typeface="+mn-cs"/>
+              </a:defRPr>
+            </a:lvl8pPr>
+            <a:lvl9pPr marL="3886200" indent="-228600" algn="l" defTabSz="914400" rtl="0" eaLnBrk="1" latinLnBrk="0" hangingPunct="1">
+              <a:lnSpc>
+                <a:spcPct val="90000"/>
+              </a:lnSpc>
+              <a:spcBef>
+                <a:spcPts val="500"/>
+              </a:spcBef>
+              <a:buFont typeface="Arial" panose="020B0604020202020204" pitchFamily="34" charset="0"/>
+              <a:buChar char="•"/>
+              <a:defRPr sz="1800" kern="1200">
+                <a:solidFill>
+                  <a:schemeClr val="tx1"/>
+                </a:solidFill>
+                <a:latin typeface="+mn-lt"/>
+                <a:ea typeface="+mn-ea"/>
+                <a:cs typeface="+mn-cs"/>
+              </a:defRPr>
+            </a:lvl9pPr>
+          </a:lstStyle>
+          <a:p>
+            <a:pPr>
+              <a:lnSpc>
+                <a:spcPct val="100000"/>
+              </a:lnSpc>
+              <a:spcBef>
+                <a:spcPts val="0"/>
+              </a:spcBef>
+            </a:pPr>
+            <a:r>
+              <a:rPr lang="en-US" sz="2000" b="1" u="sng" dirty="0" smtClean="0"/>
+              <a:t>Do</a:t>
+            </a:r>
+            <a:r>
+              <a:rPr lang="en-US" sz="2000" dirty="0" smtClean="0"/>
+              <a:t> the right things right</a:t>
+            </a:r>
+          </a:p>
+          <a:p>
+            <a:pPr>
+              <a:lnSpc>
+                <a:spcPct val="100000"/>
+              </a:lnSpc>
+              <a:spcBef>
+                <a:spcPts val="0"/>
+              </a:spcBef>
+            </a:pPr>
+            <a:r>
+              <a:rPr lang="en-US" sz="2000" b="1" u="sng" dirty="0" smtClean="0"/>
+              <a:t>Do</a:t>
+            </a:r>
+            <a:r>
+              <a:rPr lang="en-US" sz="2000" dirty="0" smtClean="0"/>
+              <a:t> provide a clear, actionable vision</a:t>
+            </a:r>
+          </a:p>
+          <a:p>
+            <a:pPr>
+              <a:lnSpc>
+                <a:spcPct val="100000"/>
+              </a:lnSpc>
+              <a:spcBef>
+                <a:spcPts val="0"/>
+              </a:spcBef>
+            </a:pPr>
+            <a:r>
+              <a:rPr lang="en-US" sz="2000" b="1" u="sng" dirty="0" smtClean="0"/>
+              <a:t>Do</a:t>
+            </a:r>
+            <a:r>
+              <a:rPr lang="en-US" sz="2000" dirty="0" smtClean="0"/>
+              <a:t> make timely decisions</a:t>
+            </a:r>
+          </a:p>
+          <a:p>
+            <a:pPr>
+              <a:lnSpc>
+                <a:spcPct val="100000"/>
+              </a:lnSpc>
+              <a:spcBef>
+                <a:spcPts val="0"/>
+              </a:spcBef>
+            </a:pPr>
+            <a:r>
+              <a:rPr lang="en-US" sz="2000" b="1" u="sng" dirty="0" smtClean="0"/>
+              <a:t>Do</a:t>
+            </a:r>
+            <a:r>
+              <a:rPr lang="en-US" sz="2000" dirty="0" smtClean="0"/>
+              <a:t> maintain balance and moderation</a:t>
+            </a:r>
+            <a:endParaRPr lang="en-US" sz="2000" b="1" u="sng" dirty="0" smtClean="0"/>
+          </a:p>
+          <a:p>
+            <a:pPr>
+              <a:lnSpc>
+                <a:spcPct val="100000"/>
+              </a:lnSpc>
+              <a:spcBef>
+                <a:spcPts val="0"/>
+              </a:spcBef>
+            </a:pPr>
+            <a:endParaRPr lang="en-US" sz="2000" dirty="0"/>
+          </a:p>
+        </p:txBody>
+      </p:sp>
+      <p:sp>
+        <p:nvSpPr>
+          <p:cNvPr id="16" name="Content Placeholder 5"/>
+          <p:cNvSpPr txBox="1">
+            <a:spLocks/>
+          </p:cNvSpPr>
+          <p:nvPr/>
+        </p:nvSpPr>
+        <p:spPr>
+          <a:xfrm>
+            <a:off x="838200" y="1765946"/>
+            <a:ext cx="9883588" cy="1092689"/>
+          </a:xfrm>
+          <a:prstGeom prst="rect">
+            <a:avLst/>
+          </a:prstGeom>
+        </p:spPr>
+        <p:txBody>
+          <a:bodyPr anchor="t"/>
+          <a:lstStyle>
+            <a:lvl1pPr marL="228600" indent="-228600" algn="l" defTabSz="914400" rtl="0" eaLnBrk="1" latinLnBrk="0" hangingPunct="1">
+              <a:lnSpc>
+                <a:spcPct val="90000"/>
+              </a:lnSpc>
+              <a:spcBef>
+                <a:spcPts val="1000"/>
+              </a:spcBef>
+              <a:buFont typeface="Arial" panose="020B0604020202020204" pitchFamily="34" charset="0"/>
+              <a:buChar char="•"/>
+              <a:defRPr sz="2800" kern="1200">
+                <a:solidFill>
+                  <a:schemeClr val="bg1"/>
+                </a:solidFill>
+                <a:latin typeface="Courier" charset="0"/>
+                <a:ea typeface="Courier" charset="0"/>
+                <a:cs typeface="Courier" charset="0"/>
+              </a:defRPr>
+            </a:lvl1pPr>
+            <a:lvl2pPr marL="685800" indent="-228600" algn="l" defTabSz="914400" rtl="0" eaLnBrk="1" latinLnBrk="0" hangingPunct="1">
+              <a:lnSpc>
+                <a:spcPct val="90000"/>
+              </a:lnSpc>
+              <a:spcBef>
+                <a:spcPts val="500"/>
+              </a:spcBef>
+              <a:buFont typeface="Arial" panose="020B0604020202020204" pitchFamily="34" charset="0"/>
+              <a:buChar char="•"/>
+              <a:defRPr sz="2400" kern="1200">
+                <a:solidFill>
+                  <a:schemeClr val="bg1"/>
+                </a:solidFill>
+                <a:latin typeface="Courier" charset="0"/>
+                <a:ea typeface="Courier" charset="0"/>
+                <a:cs typeface="Courier" charset="0"/>
+              </a:defRPr>
+            </a:lvl2pPr>
+            <a:lvl3pPr marL="1143000" indent="-228600" algn="l" defTabSz="914400" rtl="0" eaLnBrk="1" latinLnBrk="0" hangingPunct="1">
+              <a:lnSpc>
+                <a:spcPct val="90000"/>
+              </a:lnSpc>
+              <a:spcBef>
+                <a:spcPts val="500"/>
+              </a:spcBef>
+              <a:buFont typeface="Arial" panose="020B0604020202020204" pitchFamily="34" charset="0"/>
+              <a:buChar char="•"/>
+              <a:defRPr sz="2000" kern="1200">
+                <a:solidFill>
+                  <a:schemeClr val="bg1"/>
+                </a:solidFill>
+                <a:latin typeface="Courier" charset="0"/>
+                <a:ea typeface="Courier" charset="0"/>
+                <a:cs typeface="Courier" charset="0"/>
+              </a:defRPr>
+            </a:lvl3pPr>
+            <a:lvl4pPr marL="1600200" indent="-228600" algn="l" defTabSz="914400" rtl="0" eaLnBrk="1" latinLnBrk="0" hangingPunct="1">
+              <a:lnSpc>
+                <a:spcPct val="90000"/>
+              </a:lnSpc>
+              <a:spcBef>
+                <a:spcPts val="500"/>
+              </a:spcBef>
+              <a:buFont typeface="Arial" panose="020B0604020202020204" pitchFamily="34" charset="0"/>
+              <a:buChar char="•"/>
+              <a:defRPr sz="1800" kern="1200">
+                <a:solidFill>
+                  <a:schemeClr val="bg1"/>
+                </a:solidFill>
+                <a:latin typeface="Courier" charset="0"/>
+                <a:ea typeface="Courier" charset="0"/>
+                <a:cs typeface="Courier" charset="0"/>
+              </a:defRPr>
+            </a:lvl4pPr>
+            <a:lvl5pPr marL="2057400" indent="-228600" algn="l" defTabSz="914400" rtl="0" eaLnBrk="1" latinLnBrk="0" hangingPunct="1">
+              <a:lnSpc>
+                <a:spcPct val="90000"/>
+              </a:lnSpc>
+              <a:spcBef>
+                <a:spcPts val="500"/>
+              </a:spcBef>
+              <a:buFont typeface="Arial" panose="020B0604020202020204" pitchFamily="34" charset="0"/>
+              <a:buChar char="•"/>
+              <a:defRPr sz="1800" kern="1200">
+                <a:solidFill>
+                  <a:schemeClr val="bg1"/>
+                </a:solidFill>
+                <a:latin typeface="Courier" charset="0"/>
+                <a:ea typeface="Courier" charset="0"/>
+                <a:cs typeface="Courier" charset="0"/>
+              </a:defRPr>
+            </a:lvl5pPr>
+            <a:lvl6pPr marL="2514600" indent="-228600" algn="l" defTabSz="914400" rtl="0" eaLnBrk="1" latinLnBrk="0" hangingPunct="1">
+              <a:lnSpc>
+                <a:spcPct val="90000"/>
+              </a:lnSpc>
+              <a:spcBef>
+                <a:spcPts val="500"/>
+              </a:spcBef>
+              <a:buFont typeface="Arial" panose="020B0604020202020204" pitchFamily="34" charset="0"/>
+              <a:buChar char="•"/>
+              <a:defRPr sz="1800" kern="1200">
+                <a:solidFill>
+                  <a:schemeClr val="tx1"/>
+                </a:solidFill>
+                <a:latin typeface="+mn-lt"/>
+                <a:ea typeface="+mn-ea"/>
+                <a:cs typeface="+mn-cs"/>
+              </a:defRPr>
+            </a:lvl6pPr>
+            <a:lvl7pPr marL="2971800" indent="-228600" algn="l" defTabSz="914400" rtl="0" eaLnBrk="1" latinLnBrk="0" hangingPunct="1">
+              <a:lnSpc>
+                <a:spcPct val="90000"/>
+              </a:lnSpc>
+              <a:spcBef>
+                <a:spcPts val="500"/>
+              </a:spcBef>
+              <a:buFont typeface="Arial" panose="020B0604020202020204" pitchFamily="34" charset="0"/>
+              <a:buChar char="•"/>
+              <a:defRPr sz="1800" kern="1200">
+                <a:solidFill>
+                  <a:schemeClr val="tx1"/>
+                </a:solidFill>
+                <a:latin typeface="+mn-lt"/>
+                <a:ea typeface="+mn-ea"/>
+                <a:cs typeface="+mn-cs"/>
+              </a:defRPr>
+            </a:lvl7pPr>
+            <a:lvl8pPr marL="3429000" indent="-228600" algn="l" defTabSz="914400" rtl="0" eaLnBrk="1" latinLnBrk="0" hangingPunct="1">
+              <a:lnSpc>
+                <a:spcPct val="90000"/>
+              </a:lnSpc>
+              <a:spcBef>
+                <a:spcPts val="500"/>
+              </a:spcBef>
+              <a:buFont typeface="Arial" panose="020B0604020202020204" pitchFamily="34" charset="0"/>
+              <a:buChar char="•"/>
+              <a:defRPr sz="1800" kern="1200">
+                <a:solidFill>
+                  <a:schemeClr val="tx1"/>
+                </a:solidFill>
+                <a:latin typeface="+mn-lt"/>
+                <a:ea typeface="+mn-ea"/>
+                <a:cs typeface="+mn-cs"/>
+              </a:defRPr>
+            </a:lvl8pPr>
+            <a:lvl9pPr marL="3886200" indent="-228600" algn="l" defTabSz="914400" rtl="0" eaLnBrk="1" latinLnBrk="0" hangingPunct="1">
+              <a:lnSpc>
+                <a:spcPct val="90000"/>
+              </a:lnSpc>
+              <a:spcBef>
+                <a:spcPts val="500"/>
+              </a:spcBef>
+              <a:buFont typeface="Arial" panose="020B0604020202020204" pitchFamily="34" charset="0"/>
+              <a:buChar char="•"/>
+              <a:defRPr sz="1800" kern="1200">
+                <a:solidFill>
+                  <a:schemeClr val="tx1"/>
+                </a:solidFill>
+                <a:latin typeface="+mn-lt"/>
+                <a:ea typeface="+mn-ea"/>
+                <a:cs typeface="+mn-cs"/>
+              </a:defRPr>
+            </a:lvl9pPr>
+          </a:lstStyle>
+          <a:p>
+            <a:pPr>
+              <a:lnSpc>
+                <a:spcPct val="100000"/>
+              </a:lnSpc>
+              <a:spcBef>
+                <a:spcPts val="0"/>
+              </a:spcBef>
+            </a:pPr>
+            <a:r>
+              <a:rPr lang="en-US" sz="2000" b="1" u="sng" dirty="0" smtClean="0"/>
+              <a:t>Be</a:t>
+            </a:r>
+            <a:r>
+              <a:rPr lang="en-US" sz="2000" dirty="0" smtClean="0"/>
+              <a:t> a servant-leader</a:t>
+            </a:r>
+          </a:p>
+          <a:p>
+            <a:pPr>
+              <a:lnSpc>
+                <a:spcPct val="100000"/>
+              </a:lnSpc>
+              <a:spcBef>
+                <a:spcPts val="0"/>
+              </a:spcBef>
+            </a:pPr>
+            <a:r>
+              <a:rPr lang="en-US" sz="2000" b="1" u="sng" dirty="0" smtClean="0"/>
+              <a:t>Be</a:t>
+            </a:r>
+            <a:r>
+              <a:rPr lang="en-US" sz="2000" dirty="0" smtClean="0"/>
+              <a:t> an adaptive learner</a:t>
+            </a:r>
+          </a:p>
+          <a:p>
+            <a:pPr>
+              <a:lnSpc>
+                <a:spcPct val="100000"/>
+              </a:lnSpc>
+              <a:spcBef>
+                <a:spcPts val="0"/>
+              </a:spcBef>
+            </a:pPr>
+            <a:r>
+              <a:rPr lang="en-US" sz="2000" b="1" u="sng" dirty="0" smtClean="0"/>
+              <a:t>Be</a:t>
+            </a:r>
+            <a:r>
+              <a:rPr lang="en-US" sz="2000" dirty="0" smtClean="0"/>
+              <a:t> a creative thinker</a:t>
+            </a:r>
+          </a:p>
+          <a:p>
+            <a:pPr>
+              <a:lnSpc>
+                <a:spcPct val="100000"/>
+              </a:lnSpc>
+              <a:spcBef>
+                <a:spcPts val="0"/>
+              </a:spcBef>
+            </a:pPr>
+            <a:r>
+              <a:rPr lang="en-US" sz="2000" b="1" u="sng" dirty="0" smtClean="0"/>
+              <a:t>Be</a:t>
+            </a:r>
+            <a:r>
+              <a:rPr lang="en-US" sz="2000" dirty="0" smtClean="0"/>
+              <a:t> a global communicator</a:t>
+            </a:r>
+            <a:endParaRPr lang="en-US" sz="2000" b="1" u="sng" dirty="0"/>
+          </a:p>
+          <a:p>
+            <a:pPr>
+              <a:lnSpc>
+                <a:spcPct val="100000"/>
+              </a:lnSpc>
+              <a:spcBef>
+                <a:spcPts val="0"/>
+              </a:spcBef>
+            </a:pPr>
+            <a:endParaRPr lang="en-US" sz="2000" dirty="0"/>
+          </a:p>
+        </p:txBody>
+      </p:sp>
+    </p:spTree>
+    <p:extLst>
+      <p:ext uri="{BB962C8B-B14F-4D97-AF65-F5344CB8AC3E}">
+        <p14:creationId xmlns:p14="http://schemas.microsoft.com/office/powerpoint/2010/main" val="1269803466"/>
+      </p:ext>
+    </p:extLst>
+  </p:cSld>
+  <p:clrMapOvr>
+    <a:masterClrMapping/>
+  </p:clrMapOvr>
+  <mc:AlternateContent xmlns:mc="http://schemas.openxmlformats.org/markup-compatibility/2006" xmlns:p14="http://schemas.microsoft.com/office/powerpoint/2010/main">
+    <mc:Choice Requires="p14">
+      <p:transition p14:dur="10" advTm="14000"/>
+    </mc:Choice>
+    <mc:Fallback xmlns="">
+      <p:transition advTm="14000"/>
+    </mc:Fallback>
+  </mc:AlternateContent>
+  <p:timing>
+    <p:tnLst>
+      <p:par>
+        <p:cTn id="1" dur="indefinite" restart="never" nodeType="tmRoot"/>
+      </p:par>
+    </p:tnLst>
+  </p:timing>
+</p:sld>
+</file>
+
+<file path=ppt/slides/slide35.xml><?xml version="1.0" encoding="utf-8"?>
+<p:sld xmlns:a="http://schemas.openxmlformats.org/drawingml/2006/main" xmlns:r="http://schemas.openxmlformats.org/officeDocument/2006/relationships" xmlns:p="http://schemas.openxmlformats.org/presentationml/2006/main">
+  <p:cSld>
+    <p:spTree>
+      <p:nvGrpSpPr>
+        <p:cNvPr id="1" name=""/>
+        <p:cNvGrpSpPr/>
+        <p:nvPr/>
+      </p:nvGrpSpPr>
+      <p:grpSpPr>
+        <a:xfrm>
+          <a:off x="0" y="0"/>
+          <a:ext cx="0" cy="0"/>
+          <a:chOff x="0" y="0"/>
+          <a:chExt cx="0" cy="0"/>
+        </a:xfrm>
+      </p:grpSpPr>
+      <p:sp>
+        <p:nvSpPr>
           <p:cNvPr id="6" name="Content Placeholder 5"/>
           <p:cNvSpPr>
             <a:spLocks noGrp="1"/>
@@ -13148,12 +14822,8 @@
               <a:buAutoNum type="arabicPeriod"/>
             </a:pPr>
             <a:r>
-              <a:rPr lang="en-US" sz="2400" dirty="0" err="1" smtClean="0"/>
-              <a:t>Gemba</a:t>
-            </a:r>
-            <a:r>
               <a:rPr lang="en-US" sz="2400" dirty="0" smtClean="0"/>
-              <a:t> Walks (Tactic 9)</a:t>
+              <a:t>Gemba Walks (Tactic 9)</a:t>
             </a:r>
           </a:p>
           <a:p>
@@ -13168,15 +14838,19 @@
           <a:p>
             <a:pPr lvl="1"/>
             <a:r>
+              <a:rPr lang="en-US" sz="2000" dirty="0"/>
+              <a:t>Set WIP Limits (Tactic 13)</a:t>
+            </a:r>
+          </a:p>
+          <a:p>
+            <a:pPr lvl="1"/>
+            <a:r>
               <a:rPr lang="en-US" sz="2000" dirty="0" smtClean="0"/>
-              <a:t>Blameless Retrospectives (Tactic 5)</a:t>
-            </a:r>
-          </a:p>
-          <a:p>
-            <a:pPr lvl="1"/>
+              <a:t>Blameless </a:t>
+            </a:r>
             <a:r>
               <a:rPr lang="en-US" sz="2000" dirty="0" smtClean="0"/>
-              <a:t>Set WIP Limits (Tactic 13)</a:t>
+              <a:t>Retrospectives (Tactic 5)</a:t>
             </a:r>
           </a:p>
           <a:p>
@@ -13207,7 +14881,7 @@
             <a:fld id="{03CBEB89-E47E-4106-9DE1-9B407DF8E52F}" type="slidenum">
               <a:rPr lang="en-US" smtClean="0"/>
               <a:pPr/>
-              <a:t>33</a:t>
+              <a:t>35</a:t>
             </a:fld>
             <a:endParaRPr lang="en-US"/>
           </a:p>
@@ -13301,7 +14975,7 @@
 </p:sld>
 </file>
 
-<file path=ppt/slides/slide34.xml><?xml version="1.0" encoding="utf-8"?>
+<file path=ppt/slides/slide36.xml><?xml version="1.0" encoding="utf-8"?>
 <p:sld xmlns:a="http://schemas.openxmlformats.org/drawingml/2006/main" xmlns:r="http://schemas.openxmlformats.org/officeDocument/2006/relationships" xmlns:p="http://schemas.openxmlformats.org/presentationml/2006/main">
   <p:cSld>
     <p:spTree>
@@ -13416,7 +15090,7 @@
             <a:fld id="{03CBEB89-E47E-4106-9DE1-9B407DF8E52F}" type="slidenum">
               <a:rPr lang="en-US" smtClean="0"/>
               <a:pPr/>
-              <a:t>34</a:t>
+              <a:t>36</a:t>
             </a:fld>
             <a:endParaRPr lang="en-US"/>
           </a:p>
@@ -13450,7 +15124,7 @@
 </p:sld>
 </file>
 
-<file path=ppt/slides/slide35.xml><?xml version="1.0" encoding="utf-8"?>
+<file path=ppt/slides/slide37.xml><?xml version="1.0" encoding="utf-8"?>
 <p:sld xmlns:a="http://schemas.openxmlformats.org/drawingml/2006/main" xmlns:r="http://schemas.openxmlformats.org/officeDocument/2006/relationships" xmlns:p="http://schemas.openxmlformats.org/presentationml/2006/main">
   <p:cSld>
     <p:spTree>
@@ -13522,7 +15196,7 @@
                 <a:cs typeface="Courier" charset="0"/>
               </a:rPr>
               <a:pPr/>
-              <a:t>35</a:t>
+              <a:t>37</a:t>
             </a:fld>
             <a:endParaRPr lang="en-US">
               <a:latin typeface="Courier" charset="0"/>
@@ -13855,7 +15529,7 @@
           <p:nvPr>
             <p:extLst>
               <p:ext uri="{D42A27DB-BD31-4B8C-83A1-F6EECF244321}">
-                <p14:modId xmlns:p14="http://schemas.microsoft.com/office/powerpoint/2010/main" val="1721797941"/>
+                <p14:modId xmlns:p14="http://schemas.microsoft.com/office/powerpoint/2010/main" val="314370355"/>
               </p:ext>
             </p:extLst>
           </p:nvPr>
@@ -14017,9 +15691,9 @@
                         <a:defRPr/>
                       </a:pPr>
                       <a:r>
-                        <a:rPr lang="en-US" sz="1600" b="0" baseline="0" dirty="0" smtClean="0">
+                        <a:rPr lang="en-US" sz="1600" b="1" baseline="0" dirty="0" smtClean="0">
                           <a:solidFill>
-                            <a:schemeClr val="bg1"/>
+                            <a:srgbClr val="FFFF00"/>
                           </a:solidFill>
                           <a:latin typeface="Courier" charset="0"/>
                           <a:ea typeface="Courier" charset="0"/>
@@ -14186,7 +15860,7 @@
           <p:nvPr>
             <p:extLst>
               <p:ext uri="{D42A27DB-BD31-4B8C-83A1-F6EECF244321}">
-                <p14:modId xmlns:p14="http://schemas.microsoft.com/office/powerpoint/2010/main" val="392433980"/>
+                <p14:modId xmlns:p14="http://schemas.microsoft.com/office/powerpoint/2010/main" val="293073341"/>
               </p:ext>
             </p:extLst>
           </p:nvPr>
@@ -14348,9 +16022,9 @@
                         <a:defRPr/>
                       </a:pPr>
                       <a:r>
-                        <a:rPr lang="en-US" sz="1600" baseline="0" dirty="0" smtClean="0">
+                        <a:rPr lang="en-US" sz="1600" b="1" u="none" baseline="0" dirty="0" smtClean="0">
                           <a:solidFill>
-                            <a:schemeClr val="bg1"/>
+                            <a:srgbClr val="FFFF00"/>
                           </a:solidFill>
                           <a:latin typeface="Courier" charset="0"/>
                           <a:ea typeface="Courier" charset="0"/>
@@ -14493,7 +16167,7 @@
           <p:nvPr>
             <p:extLst>
               <p:ext uri="{D42A27DB-BD31-4B8C-83A1-F6EECF244321}">
-                <p14:modId xmlns:p14="http://schemas.microsoft.com/office/powerpoint/2010/main" val="662661411"/>
+                <p14:modId xmlns:p14="http://schemas.microsoft.com/office/powerpoint/2010/main" val="331747488"/>
               </p:ext>
             </p:extLst>
           </p:nvPr>
@@ -14625,9 +16299,9 @@
                         <a:defRPr/>
                       </a:pPr>
                       <a:r>
-                        <a:rPr lang="en-US" sz="1600" baseline="0" dirty="0" smtClean="0">
+                        <a:rPr lang="en-US" sz="1600" b="1" baseline="0" dirty="0" smtClean="0">
                           <a:solidFill>
-                            <a:schemeClr val="bg1"/>
+                            <a:srgbClr val="FFFF00"/>
                           </a:solidFill>
                           <a:latin typeface="Courier" charset="0"/>
                           <a:ea typeface="Courier" charset="0"/>
@@ -15096,7 +16770,7 @@
 </p:sld>
 </file>
 
-<file path=ppt/slides/slide36.xml><?xml version="1.0" encoding="utf-8"?>
+<file path=ppt/slides/slide38.xml><?xml version="1.0" encoding="utf-8"?>
 <p:sld xmlns:a="http://schemas.openxmlformats.org/drawingml/2006/main" xmlns:r="http://schemas.openxmlformats.org/officeDocument/2006/relationships" xmlns:p="http://schemas.openxmlformats.org/presentationml/2006/main">
   <p:cSld>
     <p:spTree>
@@ -15168,7 +16842,7 @@
                 <a:cs typeface="Courier" charset="0"/>
               </a:rPr>
               <a:pPr/>
-              <a:t>36</a:t>
+              <a:t>38</a:t>
             </a:fld>
             <a:endParaRPr lang="en-US">
               <a:latin typeface="Courier" charset="0"/>
@@ -15187,7 +16861,7 @@
           <p:nvPr>
             <p:extLst>
               <p:ext uri="{D42A27DB-BD31-4B8C-83A1-F6EECF244321}">
-                <p14:modId xmlns:p14="http://schemas.microsoft.com/office/powerpoint/2010/main" val="185345375"/>
+                <p14:modId xmlns:p14="http://schemas.microsoft.com/office/powerpoint/2010/main" val="623531028"/>
               </p:ext>
             </p:extLst>
           </p:nvPr>
@@ -15319,9 +16993,9 @@
                         <a:defRPr/>
                       </a:pPr>
                       <a:r>
-                        <a:rPr lang="en-US" sz="1600" baseline="0" dirty="0" smtClean="0">
+                        <a:rPr lang="en-US" sz="1600" b="1" baseline="0" dirty="0" smtClean="0">
                           <a:solidFill>
-                            <a:schemeClr val="bg1"/>
+                            <a:srgbClr val="FFFF00"/>
                           </a:solidFill>
                           <a:latin typeface="Courier" charset="0"/>
                           <a:ea typeface="Courier" charset="0"/>
@@ -15417,8 +17091,16 @@
                           <a:ea typeface="Courier" charset="0"/>
                           <a:cs typeface="Courier" charset="0"/>
                         </a:rPr>
-                        <a:t>vRA, NSX, etc. investigation</a:t>
+                        <a:t>Vmware DevOps investigation (vRA, etc.)</a:t>
                       </a:r>
+                      <a:endParaRPr lang="en-US" sz="1600" b="1" baseline="0" dirty="0" smtClean="0">
+                        <a:solidFill>
+                          <a:srgbClr val="FFFF00"/>
+                        </a:solidFill>
+                        <a:latin typeface="Courier" charset="0"/>
+                        <a:ea typeface="Courier" charset="0"/>
+                        <a:cs typeface="Courier" charset="0"/>
+                      </a:endParaRPr>
                     </a:p>
                     <a:p>
                       <a:pPr marL="285750" marR="0" lvl="0" indent="-285750" algn="l" defTabSz="914400" rtl="0" eaLnBrk="1" fontAlgn="auto" latinLnBrk="0" hangingPunct="1">
@@ -15906,7 +17588,7 @@
           <p:nvPr>
             <p:extLst>
               <p:ext uri="{D42A27DB-BD31-4B8C-83A1-F6EECF244321}">
-                <p14:modId xmlns:p14="http://schemas.microsoft.com/office/powerpoint/2010/main" val="1335953634"/>
+                <p14:modId xmlns:p14="http://schemas.microsoft.com/office/powerpoint/2010/main" val="2113273883"/>
               </p:ext>
             </p:extLst>
           </p:nvPr>
@@ -16021,7 +17703,7 @@
                       <a:r>
                         <a:rPr lang="en-US" sz="1600" b="1" u="sng" baseline="0" dirty="0" smtClean="0">
                           <a:solidFill>
-                            <a:schemeClr val="bg1"/>
+                            <a:srgbClr val="FFFF00"/>
                           </a:solidFill>
                           <a:latin typeface="Courier" charset="0"/>
                           <a:ea typeface="Courier" charset="0"/>
@@ -16032,7 +17714,7 @@
                       <a:r>
                         <a:rPr lang="en-US" sz="1600" b="1" u="none" baseline="0" dirty="0" smtClean="0">
                           <a:solidFill>
-                            <a:schemeClr val="bg1"/>
+                            <a:srgbClr val="FFFF00"/>
                           </a:solidFill>
                           <a:latin typeface="Courier" charset="0"/>
                           <a:ea typeface="Courier" charset="0"/>
@@ -16043,7 +17725,7 @@
                       <a:r>
                         <a:rPr lang="en-US" sz="1600" baseline="0" dirty="0" smtClean="0">
                           <a:solidFill>
-                            <a:schemeClr val="bg1"/>
+                            <a:srgbClr val="FFFF00"/>
                           </a:solidFill>
                           <a:latin typeface="Courier" charset="0"/>
                           <a:ea typeface="Courier" charset="0"/>
@@ -16314,7 +17996,7 @@
           <p:nvPr>
             <p:extLst>
               <p:ext uri="{D42A27DB-BD31-4B8C-83A1-F6EECF244321}">
-                <p14:modId xmlns:p14="http://schemas.microsoft.com/office/powerpoint/2010/main" val="729277212"/>
+                <p14:modId xmlns:p14="http://schemas.microsoft.com/office/powerpoint/2010/main" val="1678971126"/>
               </p:ext>
             </p:extLst>
           </p:nvPr>
@@ -16481,7 +18163,7 @@
                       <a:r>
                         <a:rPr lang="en-US" sz="1600" b="1" u="sng" baseline="0" dirty="0" smtClean="0">
                           <a:solidFill>
-                            <a:schemeClr val="bg1"/>
+                            <a:srgbClr val="FFFF00"/>
                           </a:solidFill>
                           <a:latin typeface="Courier" charset="0"/>
                           <a:ea typeface="Courier" charset="0"/>
@@ -16492,7 +18174,7 @@
                       <a:r>
                         <a:rPr lang="en-US" sz="1600" b="1" u="none" baseline="0" dirty="0" smtClean="0">
                           <a:solidFill>
-                            <a:schemeClr val="bg1"/>
+                            <a:srgbClr val="FFFF00"/>
                           </a:solidFill>
                           <a:latin typeface="Courier" charset="0"/>
                           <a:ea typeface="Courier" charset="0"/>
@@ -16503,7 +18185,7 @@
                       <a:r>
                         <a:rPr lang="en-US" sz="1600" baseline="0" dirty="0" smtClean="0">
                           <a:solidFill>
-                            <a:schemeClr val="bg1"/>
+                            <a:srgbClr val="FFFF00"/>
                           </a:solidFill>
                           <a:latin typeface="Courier" charset="0"/>
                           <a:ea typeface="Courier" charset="0"/>
@@ -16550,8 +18232,27 @@
                           <a:ea typeface="Courier" charset="0"/>
                           <a:cs typeface="Courier" charset="0"/>
                         </a:rPr>
-                        <a:t> 150+ scripts, “Etsy Day 1”, demos</a:t>
+                        <a:t> 150+ scripts, “Etsy Day 1</a:t>
                       </a:r>
+                      <a:r>
+                        <a:rPr lang="en-US" sz="1600" b="1" baseline="0" dirty="0" smtClean="0">
+                          <a:solidFill>
+                            <a:srgbClr val="FFFF00"/>
+                          </a:solidFill>
+                          <a:latin typeface="Courier" charset="0"/>
+                          <a:ea typeface="Courier" charset="0"/>
+                          <a:cs typeface="Courier" charset="0"/>
+                        </a:rPr>
+                        <a:t>”</a:t>
+                      </a:r>
+                      <a:endParaRPr lang="en-US" sz="1600" b="1" baseline="0" dirty="0" smtClean="0">
+                        <a:solidFill>
+                          <a:srgbClr val="FFFF00"/>
+                        </a:solidFill>
+                        <a:latin typeface="Courier" charset="0"/>
+                        <a:ea typeface="Courier" charset="0"/>
+                        <a:cs typeface="Courier" charset="0"/>
+                      </a:endParaRPr>
                     </a:p>
                     <a:p>
                       <a:pPr marL="285750" marR="0" lvl="0" indent="-285750" algn="l" defTabSz="914400" rtl="0" eaLnBrk="1" fontAlgn="auto" latinLnBrk="0" hangingPunct="1">
@@ -16997,566 +18698,6 @@
 </p:sld>
 </file>
 
-<file path=ppt/slides/slide37.xml><?xml version="1.0" encoding="utf-8"?>
-<p:sld xmlns:a="http://schemas.openxmlformats.org/drawingml/2006/main" xmlns:r="http://schemas.openxmlformats.org/officeDocument/2006/relationships" xmlns:p="http://schemas.openxmlformats.org/presentationml/2006/main">
-  <p:cSld>
-    <p:spTree>
-      <p:nvGrpSpPr>
-        <p:cNvPr id="1" name=""/>
-        <p:cNvGrpSpPr/>
-        <p:nvPr/>
-      </p:nvGrpSpPr>
-      <p:grpSpPr>
-        <a:xfrm>
-          <a:off x="0" y="0"/>
-          <a:ext cx="0" cy="0"/>
-          <a:chOff x="0" y="0"/>
-          <a:chExt cx="0" cy="0"/>
-        </a:xfrm>
-      </p:grpSpPr>
-      <p:sp>
-        <p:nvSpPr>
-          <p:cNvPr id="5" name="Title 4"/>
-          <p:cNvSpPr>
-            <a:spLocks noGrp="1"/>
-          </p:cNvSpPr>
-          <p:nvPr>
-            <p:ph type="title" idx="4294967295"/>
-          </p:nvPr>
-        </p:nvSpPr>
-        <p:spPr>
-          <a:xfrm>
-            <a:off x="838200" y="416719"/>
-            <a:ext cx="10515600" cy="1325563"/>
-          </a:xfrm>
-        </p:spPr>
-        <p:txBody>
-          <a:bodyPr/>
-          <a:lstStyle/>
-          <a:p>
-            <a:r>
-              <a:rPr lang="en-US" dirty="0" smtClean="0"/>
-              <a:t>2017 </a:t>
-            </a:r>
-            <a:endParaRPr lang="en-US" dirty="0"/>
-          </a:p>
-        </p:txBody>
-      </p:sp>
-      <p:sp>
-        <p:nvSpPr>
-          <p:cNvPr id="6" name="Content Placeholder 5"/>
-          <p:cNvSpPr>
-            <a:spLocks noGrp="1"/>
-          </p:cNvSpPr>
-          <p:nvPr>
-            <p:ph idx="1"/>
-          </p:nvPr>
-        </p:nvSpPr>
-        <p:spPr>
-          <a:xfrm>
-            <a:off x="533400" y="1320800"/>
-            <a:ext cx="11201400" cy="4856163"/>
-          </a:xfrm>
-        </p:spPr>
-        <p:txBody>
-          <a:bodyPr/>
-          <a:lstStyle/>
-          <a:p>
-            <a:pPr>
-              <a:lnSpc>
-                <a:spcPct val="100000"/>
-              </a:lnSpc>
-              <a:spcBef>
-                <a:spcPts val="0"/>
-              </a:spcBef>
-            </a:pPr>
-            <a:r>
-              <a:rPr lang="en-US" sz="1600" b="1" u="sng" dirty="0" smtClean="0"/>
-              <a:t>Organization</a:t>
-            </a:r>
-            <a:endParaRPr lang="en-US" sz="1400" dirty="0" smtClean="0"/>
-          </a:p>
-          <a:p>
-            <a:pPr lvl="1">
-              <a:lnSpc>
-                <a:spcPct val="100000"/>
-              </a:lnSpc>
-              <a:spcBef>
-                <a:spcPts val="0"/>
-              </a:spcBef>
-            </a:pPr>
-            <a:r>
-              <a:rPr lang="en-US" sz="1400" dirty="0"/>
-              <a:t>Cross-functional </a:t>
-            </a:r>
-            <a:r>
-              <a:rPr lang="en-US" sz="1400" dirty="0" smtClean="0"/>
-              <a:t>teams “Pods” </a:t>
-            </a:r>
-            <a:r>
-              <a:rPr lang="en-US" sz="1400" dirty="0"/>
-              <a:t>of 4 to 5 that rotate </a:t>
-            </a:r>
-          </a:p>
-          <a:p>
-            <a:pPr lvl="1">
-              <a:lnSpc>
-                <a:spcPct val="100000"/>
-              </a:lnSpc>
-              <a:spcBef>
-                <a:spcPts val="0"/>
-              </a:spcBef>
-            </a:pPr>
-            <a:r>
-              <a:rPr lang="en-US" sz="1400" dirty="0" smtClean="0"/>
-              <a:t>Scheduled weekly retrospectives – ITSM Queue, Notable incidents/projects </a:t>
-            </a:r>
-            <a:endParaRPr lang="en-US" sz="1400" dirty="0"/>
-          </a:p>
-          <a:p>
-            <a:pPr>
-              <a:lnSpc>
-                <a:spcPct val="100000"/>
-              </a:lnSpc>
-              <a:spcBef>
-                <a:spcPts val="0"/>
-              </a:spcBef>
-            </a:pPr>
-            <a:endParaRPr lang="en-US" sz="1600" dirty="0" smtClean="0"/>
-          </a:p>
-          <a:p>
-            <a:pPr>
-              <a:lnSpc>
-                <a:spcPct val="100000"/>
-              </a:lnSpc>
-              <a:spcBef>
-                <a:spcPts val="0"/>
-              </a:spcBef>
-            </a:pPr>
-            <a:r>
-              <a:rPr lang="en-US" sz="1600" b="1" u="sng" dirty="0" smtClean="0"/>
-              <a:t>ChatOps</a:t>
-            </a:r>
-          </a:p>
-          <a:p>
-            <a:pPr lvl="1">
-              <a:lnSpc>
-                <a:spcPct val="100000"/>
-              </a:lnSpc>
-              <a:spcBef>
-                <a:spcPts val="0"/>
-              </a:spcBef>
-            </a:pPr>
-            <a:r>
-              <a:rPr lang="en-US" sz="1400" dirty="0"/>
-              <a:t>“We should create a RYU for that</a:t>
-            </a:r>
-            <a:r>
-              <a:rPr lang="en-US" sz="1400" dirty="0" smtClean="0"/>
-              <a:t>”</a:t>
-            </a:r>
-          </a:p>
-          <a:p>
-            <a:pPr lvl="1">
-              <a:lnSpc>
-                <a:spcPct val="100000"/>
-              </a:lnSpc>
-              <a:spcBef>
-                <a:spcPts val="0"/>
-              </a:spcBef>
-            </a:pPr>
-            <a:r>
-              <a:rPr lang="en-US" sz="1400" dirty="0"/>
-              <a:t>Demo with Microsoft’s Teams Product </a:t>
-            </a:r>
-            <a:r>
-              <a:rPr lang="en-US" sz="1400" dirty="0" smtClean="0"/>
-              <a:t>leadership</a:t>
-            </a:r>
-          </a:p>
-          <a:p>
-            <a:pPr lvl="1">
-              <a:lnSpc>
-                <a:spcPct val="100000"/>
-              </a:lnSpc>
-              <a:spcBef>
-                <a:spcPts val="0"/>
-              </a:spcBef>
-            </a:pPr>
-            <a:r>
-              <a:rPr lang="en-US" sz="1400" dirty="0" smtClean="0"/>
-              <a:t>Contributions </a:t>
-            </a:r>
-            <a:r>
-              <a:rPr lang="en-US" sz="1400" dirty="0"/>
-              <a:t>from other </a:t>
-            </a:r>
-            <a:r>
-              <a:rPr lang="en-US" sz="1400" dirty="0" smtClean="0"/>
-              <a:t>orgs </a:t>
-            </a:r>
-            <a:endParaRPr lang="en-US" sz="1400" dirty="0"/>
-          </a:p>
-          <a:p>
-            <a:pPr lvl="1">
-              <a:lnSpc>
-                <a:spcPct val="100000"/>
-              </a:lnSpc>
-              <a:spcBef>
-                <a:spcPts val="0"/>
-              </a:spcBef>
-            </a:pPr>
-            <a:r>
-              <a:rPr lang="en-US" sz="1400" dirty="0" smtClean="0"/>
-              <a:t>Slack Rules of Engagement (Skype For Business, Workplace, etc.)</a:t>
-            </a:r>
-          </a:p>
-          <a:p>
-            <a:pPr lvl="1">
-              <a:lnSpc>
-                <a:spcPct val="100000"/>
-              </a:lnSpc>
-              <a:spcBef>
-                <a:spcPts val="0"/>
-              </a:spcBef>
-            </a:pPr>
-            <a:r>
-              <a:rPr lang="en-US" sz="1400" dirty="0" smtClean="0"/>
-              <a:t>Azure Management &amp; Costing, NetScaler, SharePoint, Teradata, Commvault, EMC, VMAX migrations</a:t>
-            </a:r>
-          </a:p>
-          <a:p>
-            <a:pPr lvl="1">
-              <a:lnSpc>
-                <a:spcPct val="100000"/>
-              </a:lnSpc>
-              <a:spcBef>
-                <a:spcPts val="0"/>
-              </a:spcBef>
-            </a:pPr>
-            <a:endParaRPr lang="en-US" sz="1600" dirty="0" smtClean="0"/>
-          </a:p>
-          <a:p>
-            <a:pPr>
-              <a:lnSpc>
-                <a:spcPct val="100000"/>
-              </a:lnSpc>
-              <a:spcBef>
-                <a:spcPts val="0"/>
-              </a:spcBef>
-            </a:pPr>
-            <a:r>
-              <a:rPr lang="en-US" sz="1600" b="1" u="sng" dirty="0" smtClean="0"/>
-              <a:t>Azure PaaS Exploration</a:t>
-            </a:r>
-          </a:p>
-          <a:p>
-            <a:pPr lvl="1">
-              <a:lnSpc>
-                <a:spcPct val="100000"/>
-              </a:lnSpc>
-              <a:spcBef>
-                <a:spcPts val="0"/>
-              </a:spcBef>
-            </a:pPr>
-            <a:r>
-              <a:rPr lang="en-US" sz="1400" dirty="0" smtClean="0"/>
-              <a:t>10 Proofs of Concept in flight, GitLab CI (Terraform/ARM)</a:t>
-            </a:r>
-          </a:p>
-          <a:p>
-            <a:pPr lvl="1">
-              <a:lnSpc>
-                <a:spcPct val="100000"/>
-              </a:lnSpc>
-              <a:spcBef>
-                <a:spcPts val="0"/>
-              </a:spcBef>
-            </a:pPr>
-            <a:r>
-              <a:rPr lang="en-US" sz="1400" dirty="0" smtClean="0"/>
-              <a:t>Emerging ”cloud first” orientation</a:t>
-            </a:r>
-          </a:p>
-          <a:p>
-            <a:pPr lvl="1">
-              <a:lnSpc>
-                <a:spcPct val="100000"/>
-              </a:lnSpc>
-              <a:spcBef>
-                <a:spcPts val="0"/>
-              </a:spcBef>
-            </a:pPr>
-            <a:r>
-              <a:rPr lang="en-US" sz="1400" dirty="0" smtClean="0"/>
-              <a:t>Deferred Capital re-investment in Colocation facilities</a:t>
-            </a:r>
-          </a:p>
-          <a:p>
-            <a:pPr lvl="1">
-              <a:lnSpc>
-                <a:spcPct val="100000"/>
-              </a:lnSpc>
-              <a:spcBef>
-                <a:spcPts val="0"/>
-              </a:spcBef>
-            </a:pPr>
-            <a:endParaRPr lang="en-US" sz="1600" dirty="0" smtClean="0"/>
-          </a:p>
-          <a:p>
-            <a:pPr>
-              <a:lnSpc>
-                <a:spcPct val="100000"/>
-              </a:lnSpc>
-              <a:spcBef>
-                <a:spcPts val="0"/>
-              </a:spcBef>
-            </a:pPr>
-            <a:r>
-              <a:rPr lang="en-US" sz="1600" b="1" u="sng" dirty="0" smtClean="0"/>
-              <a:t>Green/Blue</a:t>
-            </a:r>
-          </a:p>
-          <a:p>
-            <a:pPr lvl="1">
-              <a:lnSpc>
-                <a:spcPct val="100000"/>
-              </a:lnSpc>
-              <a:spcBef>
-                <a:spcPts val="0"/>
-              </a:spcBef>
-            </a:pPr>
-            <a:r>
-              <a:rPr lang="en-US" sz="1400" dirty="0" smtClean="0"/>
-              <a:t>NetScaler, SAP Application Servers</a:t>
-            </a:r>
-          </a:p>
-          <a:p>
-            <a:pPr lvl="1">
-              <a:lnSpc>
-                <a:spcPct val="100000"/>
-              </a:lnSpc>
-              <a:spcBef>
-                <a:spcPts val="0"/>
-              </a:spcBef>
-            </a:pPr>
-            <a:endParaRPr lang="en-US" sz="1600" dirty="0"/>
-          </a:p>
-          <a:p>
-            <a:pPr>
-              <a:lnSpc>
-                <a:spcPct val="100000"/>
-              </a:lnSpc>
-              <a:spcBef>
-                <a:spcPts val="0"/>
-              </a:spcBef>
-            </a:pPr>
-            <a:r>
-              <a:rPr lang="en-US" sz="1600" b="1" u="sng" dirty="0" smtClean="0"/>
-              <a:t>CHEF</a:t>
-            </a:r>
-            <a:endParaRPr lang="en-US" sz="1600" b="1" u="sng" dirty="0"/>
-          </a:p>
-          <a:p>
-            <a:pPr lvl="1">
-              <a:lnSpc>
-                <a:spcPct val="100000"/>
-              </a:lnSpc>
-              <a:spcBef>
-                <a:spcPts val="0"/>
-              </a:spcBef>
-            </a:pPr>
-            <a:r>
-              <a:rPr lang="en-US" sz="1400" dirty="0" smtClean="0"/>
-              <a:t>”Brownfield”, 1300+ Servers, Sensu cookbook, Security / Compliance CIS cookbooks</a:t>
-            </a:r>
-          </a:p>
-        </p:txBody>
-      </p:sp>
-      <p:sp>
-        <p:nvSpPr>
-          <p:cNvPr id="3" name="Slide Number Placeholder 2"/>
-          <p:cNvSpPr>
-            <a:spLocks noGrp="1"/>
-          </p:cNvSpPr>
-          <p:nvPr>
-            <p:ph type="sldNum" sz="quarter" idx="4294967295"/>
-          </p:nvPr>
-        </p:nvSpPr>
-        <p:spPr>
-          <a:xfrm>
-            <a:off x="152400" y="6283890"/>
-            <a:ext cx="807720" cy="410210"/>
-          </a:xfrm>
-        </p:spPr>
-        <p:txBody>
-          <a:bodyPr/>
-          <a:lstStyle/>
-          <a:p>
-            <a:fld id="{03CBEB89-E47E-4106-9DE1-9B407DF8E52F}" type="slidenum">
-              <a:rPr lang="en-US" smtClean="0"/>
-              <a:pPr/>
-              <a:t>37</a:t>
-            </a:fld>
-            <a:endParaRPr lang="en-US"/>
-          </a:p>
-        </p:txBody>
-      </p:sp>
-    </p:spTree>
-    <p:extLst>
-      <p:ext uri="{BB962C8B-B14F-4D97-AF65-F5344CB8AC3E}">
-        <p14:creationId xmlns:p14="http://schemas.microsoft.com/office/powerpoint/2010/main" val="239958475"/>
-      </p:ext>
-    </p:extLst>
-  </p:cSld>
-  <p:clrMapOvr>
-    <a:masterClrMapping/>
-  </p:clrMapOvr>
-  <mc:AlternateContent xmlns:mc="http://schemas.openxmlformats.org/markup-compatibility/2006" xmlns:p14="http://schemas.microsoft.com/office/powerpoint/2010/main">
-    <mc:Choice Requires="p14">
-      <p:transition p14:dur="10" advTm="14000"/>
-    </mc:Choice>
-    <mc:Fallback xmlns="">
-      <p:transition advTm="14000"/>
-    </mc:Fallback>
-  </mc:AlternateContent>
-  <p:timing>
-    <p:tnLst>
-      <p:par>
-        <p:cTn id="1" dur="indefinite" restart="never" nodeType="tmRoot"/>
-      </p:par>
-    </p:tnLst>
-  </p:timing>
-</p:sld>
-</file>
-
-<file path=ppt/slides/slide38.xml><?xml version="1.0" encoding="utf-8"?>
-<p:sld xmlns:a="http://schemas.openxmlformats.org/drawingml/2006/main" xmlns:r="http://schemas.openxmlformats.org/officeDocument/2006/relationships" xmlns:p="http://schemas.openxmlformats.org/presentationml/2006/main">
-  <p:cSld>
-    <p:spTree>
-      <p:nvGrpSpPr>
-        <p:cNvPr id="1" name=""/>
-        <p:cNvGrpSpPr/>
-        <p:nvPr/>
-      </p:nvGrpSpPr>
-      <p:grpSpPr>
-        <a:xfrm>
-          <a:off x="0" y="0"/>
-          <a:ext cx="0" cy="0"/>
-          <a:chOff x="0" y="0"/>
-          <a:chExt cx="0" cy="0"/>
-        </a:xfrm>
-      </p:grpSpPr>
-      <p:sp>
-        <p:nvSpPr>
-          <p:cNvPr id="3" name="Content Placeholder 2"/>
-          <p:cNvSpPr>
-            <a:spLocks noGrp="1"/>
-          </p:cNvSpPr>
-          <p:nvPr>
-            <p:ph idx="1"/>
-          </p:nvPr>
-        </p:nvSpPr>
-        <p:spPr/>
-        <p:txBody>
-          <a:bodyPr/>
-          <a:lstStyle/>
-          <a:p>
-            <a:r>
-              <a:rPr lang="en-US" sz="4800" dirty="0" smtClean="0"/>
-              <a:t>ChatOps</a:t>
-            </a:r>
-            <a:endParaRPr lang="en-US" sz="4800" dirty="0"/>
-          </a:p>
-        </p:txBody>
-      </p:sp>
-      <p:sp>
-        <p:nvSpPr>
-          <p:cNvPr id="4" name="Slide Number Placeholder 3"/>
-          <p:cNvSpPr>
-            <a:spLocks noGrp="1"/>
-          </p:cNvSpPr>
-          <p:nvPr>
-            <p:ph type="sldNum" sz="quarter" idx="4294967295"/>
-          </p:nvPr>
-        </p:nvSpPr>
-        <p:spPr>
-          <a:xfrm>
-            <a:off x="0" y="6283325"/>
-            <a:ext cx="808038" cy="411163"/>
-          </a:xfrm>
-        </p:spPr>
-        <p:txBody>
-          <a:bodyPr/>
-          <a:lstStyle/>
-          <a:p>
-            <a:fld id="{03CBEB89-E47E-4106-9DE1-9B407DF8E52F}" type="slidenum">
-              <a:rPr lang="en-US" smtClean="0"/>
-              <a:pPr/>
-              <a:t>38</a:t>
-            </a:fld>
-            <a:endParaRPr lang="en-US" dirty="0"/>
-          </a:p>
-        </p:txBody>
-      </p:sp>
-      <p:pic>
-        <p:nvPicPr>
-          <p:cNvPr id="5" name="Picture 4"/>
-          <p:cNvPicPr>
-            <a:picLocks noChangeAspect="1"/>
-          </p:cNvPicPr>
-          <p:nvPr/>
-        </p:nvPicPr>
-        <p:blipFill>
-          <a:blip r:embed="rId3">
-            <a:extLst>
-              <a:ext uri="{28A0092B-C50C-407E-A947-70E740481C1C}">
-                <a14:useLocalDpi xmlns:a14="http://schemas.microsoft.com/office/drawing/2010/main" val="0"/>
-              </a:ext>
-            </a:extLst>
-          </a:blip>
-          <a:stretch>
-            <a:fillRect/>
-          </a:stretch>
-        </p:blipFill>
-        <p:spPr>
-          <a:xfrm>
-            <a:off x="6806025" y="649531"/>
-            <a:ext cx="4225769" cy="5634359"/>
-          </a:xfrm>
-          <a:prstGeom prst="rect">
-            <a:avLst/>
-          </a:prstGeom>
-        </p:spPr>
-      </p:pic>
-    </p:spTree>
-    <p:extLst>
-      <p:ext uri="{BB962C8B-B14F-4D97-AF65-F5344CB8AC3E}">
-        <p14:creationId xmlns:p14="http://schemas.microsoft.com/office/powerpoint/2010/main" val="209500886"/>
-      </p:ext>
-    </p:extLst>
-  </p:cSld>
-  <p:clrMapOvr>
-    <a:masterClrMapping/>
-  </p:clrMapOvr>
-  <mc:AlternateContent xmlns:mc="http://schemas.openxmlformats.org/markup-compatibility/2006" xmlns:p14="http://schemas.microsoft.com/office/powerpoint/2010/main">
-    <mc:Choice Requires="p14">
-      <p:transition p14:dur="10" advTm="14000"/>
-    </mc:Choice>
-    <mc:Fallback xmlns="">
-      <p:transition advTm="14000"/>
-    </mc:Fallback>
-  </mc:AlternateContent>
-  <p:timing>
-    <p:tnLst>
-      <p:par>
-        <p:cTn id="1" dur="indefinite" restart="never" nodeType="tmRoot"/>
-      </p:par>
-    </p:tnLst>
-  </p:timing>
-</p:sld>
-</file>
-
 <file path=ppt/slides/slide39.xml><?xml version="1.0" encoding="utf-8"?>
 <p:sld xmlns:a="http://schemas.openxmlformats.org/drawingml/2006/main" xmlns:r="http://schemas.openxmlformats.org/officeDocument/2006/relationships" xmlns:p="http://schemas.openxmlformats.org/presentationml/2006/main">
   <p:cSld>
@@ -17576,7 +18717,7 @@
       </p:grpSpPr>
       <p:sp>
         <p:nvSpPr>
-          <p:cNvPr id="3" name="Content Placeholder 2"/>
+          <p:cNvPr id="7" name="Content Placeholder 2"/>
           <p:cNvSpPr>
             <a:spLocks noGrp="1"/>
           </p:cNvSpPr>
@@ -17590,16 +18731,26 @@
           <a:lstStyle/>
           <a:p>
             <a:r>
-              <a:rPr lang="en-US" sz="4800" dirty="0" smtClean="0"/>
-              <a:t>Scheduled Weekly Retrospectives</a:t>
-            </a:r>
-            <a:endParaRPr lang="en-US" sz="4800" dirty="0"/>
-          </a:p>
-        </p:txBody>
-      </p:sp>
-      <p:sp>
-        <p:nvSpPr>
-          <p:cNvPr id="4" name="Slide Number Placeholder 3"/>
+              <a:rPr lang="en-US" sz="4800" u="sng" dirty="0" smtClean="0"/>
+              <a:t>2017:</a:t>
+            </a:r>
+            <a:endParaRPr lang="en-US" sz="4800" u="sng" dirty="0" smtClean="0"/>
+          </a:p>
+          <a:p>
+            <a:endParaRPr lang="en-US" sz="4000" dirty="0"/>
+          </a:p>
+          <a:p>
+            <a:r>
+              <a:rPr lang="en-US" sz="4000" dirty="0" smtClean="0"/>
+              <a:t>Pods, Rotations, Cross-training</a:t>
+            </a:r>
+            <a:endParaRPr lang="en-US" sz="4000" dirty="0" smtClean="0"/>
+          </a:p>
+        </p:txBody>
+      </p:sp>
+      <p:sp>
+        <p:nvSpPr>
+          <p:cNvPr id="3" name="Slide Number Placeholder 2"/>
           <p:cNvSpPr>
             <a:spLocks noGrp="1"/>
           </p:cNvSpPr>
@@ -17629,7 +18780,7 @@
     </p:spTree>
     <p:extLst>
       <p:ext uri="{BB962C8B-B14F-4D97-AF65-F5344CB8AC3E}">
-        <p14:creationId xmlns:p14="http://schemas.microsoft.com/office/powerpoint/2010/main" val="2091665415"/>
+        <p14:creationId xmlns:p14="http://schemas.microsoft.com/office/powerpoint/2010/main" val="403053262"/>
       </p:ext>
     </p:extLst>
   </p:cSld>
@@ -17779,7 +18930,7 @@
       </p:grpSpPr>
       <p:sp>
         <p:nvSpPr>
-          <p:cNvPr id="3" name="Content Placeholder 2"/>
+          <p:cNvPr id="7" name="Content Placeholder 2"/>
           <p:cNvSpPr>
             <a:spLocks noGrp="1"/>
           </p:cNvSpPr>
@@ -17793,16 +18944,26 @@
           <a:lstStyle/>
           <a:p>
             <a:r>
-              <a:rPr lang="en-US" sz="4800" dirty="0" smtClean="0"/>
-              <a:t>Learning Labs</a:t>
-            </a:r>
-            <a:endParaRPr lang="en-US" sz="4800" dirty="0"/>
-          </a:p>
-        </p:txBody>
-      </p:sp>
-      <p:sp>
-        <p:nvSpPr>
-          <p:cNvPr id="4" name="Slide Number Placeholder 3"/>
+              <a:rPr lang="en-US" sz="4800" u="sng" dirty="0" smtClean="0"/>
+              <a:t>2017:</a:t>
+            </a:r>
+            <a:endParaRPr lang="en-US" sz="4800" u="sng" dirty="0" smtClean="0"/>
+          </a:p>
+          <a:p>
+            <a:endParaRPr lang="en-US" sz="4000" dirty="0"/>
+          </a:p>
+          <a:p>
+            <a:r>
+              <a:rPr lang="en-US" sz="4000" dirty="0" smtClean="0"/>
+              <a:t>ChatOps</a:t>
+            </a:r>
+            <a:endParaRPr lang="en-US" sz="4000" dirty="0" smtClean="0"/>
+          </a:p>
+        </p:txBody>
+      </p:sp>
+      <p:sp>
+        <p:nvSpPr>
+          <p:cNvPr id="3" name="Slide Number Placeholder 2"/>
           <p:cNvSpPr>
             <a:spLocks noGrp="1"/>
           </p:cNvSpPr>
@@ -17829,10 +18990,40 @@
           </a:p>
         </p:txBody>
       </p:sp>
+      <p:pic>
+        <p:nvPicPr>
+          <p:cNvPr id="4" name="Picture 3"/>
+          <p:cNvPicPr>
+            <a:picLocks noChangeAspect="1"/>
+          </p:cNvPicPr>
+          <p:nvPr/>
+        </p:nvPicPr>
+        <p:blipFill>
+          <a:blip r:embed="rId3">
+            <a:extLst>
+              <a:ext uri="{28A0092B-C50C-407E-A947-70E740481C1C}">
+                <a14:useLocalDpi xmlns:a14="http://schemas.microsoft.com/office/drawing/2010/main" val="0"/>
+              </a:ext>
+            </a:extLst>
+          </a:blip>
+          <a:stretch>
+            <a:fillRect/>
+          </a:stretch>
+        </p:blipFill>
+        <p:spPr>
+          <a:xfrm>
+            <a:off x="6806025" y="649531"/>
+            <a:ext cx="4225769" cy="5634359"/>
+          </a:xfrm>
+          <a:prstGeom prst="rect">
+            <a:avLst/>
+          </a:prstGeom>
+        </p:spPr>
+      </p:pic>
     </p:spTree>
     <p:extLst>
       <p:ext uri="{BB962C8B-B14F-4D97-AF65-F5344CB8AC3E}">
-        <p14:creationId xmlns:p14="http://schemas.microsoft.com/office/powerpoint/2010/main" val="608973697"/>
+        <p14:creationId xmlns:p14="http://schemas.microsoft.com/office/powerpoint/2010/main" val="1980662557"/>
       </p:ext>
     </p:extLst>
   </p:cSld>
@@ -17876,7 +19067,7 @@
       </p:grpSpPr>
       <p:sp>
         <p:nvSpPr>
-          <p:cNvPr id="3" name="Content Placeholder 2"/>
+          <p:cNvPr id="7" name="Content Placeholder 2"/>
           <p:cNvSpPr>
             <a:spLocks noGrp="1"/>
           </p:cNvSpPr>
@@ -17891,26 +19082,25 @@
           <a:p>
             <a:r>
               <a:rPr lang="en-US" sz="4800" u="sng" dirty="0" smtClean="0"/>
-              <a:t>Hypothesis: </a:t>
-            </a:r>
-          </a:p>
-          <a:p>
+              <a:t>2017:</a:t>
+            </a:r>
+            <a:endParaRPr lang="en-US" sz="4800" u="sng" dirty="0" smtClean="0"/>
+          </a:p>
+          <a:p>
+            <a:endParaRPr lang="en-US" sz="4000" dirty="0"/>
+          </a:p>
+          <a:p>
+            <a:r>
+              <a:rPr lang="en-US" sz="4000" dirty="0" smtClean="0"/>
+              <a:t>Scheduled Weekly Retrospectives</a:t>
+            </a:r>
             <a:endParaRPr lang="en-US" sz="4000" dirty="0" smtClean="0"/>
           </a:p>
-          <a:p>
-            <a:r>
-              <a:rPr lang="en-US" sz="4000" dirty="0"/>
-              <a:t>DevOps practices can be used to teach the organization to become a learning organization</a:t>
-            </a:r>
-          </a:p>
-          <a:p>
-            <a:endParaRPr lang="en-US" sz="4000" dirty="0"/>
-          </a:p>
-        </p:txBody>
-      </p:sp>
-      <p:sp>
-        <p:nvSpPr>
-          <p:cNvPr id="4" name="Slide Number Placeholder 3"/>
+        </p:txBody>
+      </p:sp>
+      <p:sp>
+        <p:nvSpPr>
+          <p:cNvPr id="3" name="Slide Number Placeholder 2"/>
           <p:cNvSpPr>
             <a:spLocks noGrp="1"/>
           </p:cNvSpPr>
@@ -17932,6 +19122,542 @@
               <a:rPr lang="en-US" smtClean="0"/>
               <a:pPr/>
               <a:t>41</a:t>
+            </a:fld>
+            <a:endParaRPr lang="en-US"/>
+          </a:p>
+        </p:txBody>
+      </p:sp>
+    </p:spTree>
+    <p:extLst>
+      <p:ext uri="{BB962C8B-B14F-4D97-AF65-F5344CB8AC3E}">
+        <p14:creationId xmlns:p14="http://schemas.microsoft.com/office/powerpoint/2010/main" val="2081954571"/>
+      </p:ext>
+    </p:extLst>
+  </p:cSld>
+  <p:clrMapOvr>
+    <a:masterClrMapping/>
+  </p:clrMapOvr>
+  <mc:AlternateContent xmlns:mc="http://schemas.openxmlformats.org/markup-compatibility/2006" xmlns:p14="http://schemas.microsoft.com/office/powerpoint/2010/main">
+    <mc:Choice Requires="p14">
+      <p:transition p14:dur="10" advTm="14000"/>
+    </mc:Choice>
+    <mc:Fallback xmlns="">
+      <p:transition advTm="14000"/>
+    </mc:Fallback>
+  </mc:AlternateContent>
+  <p:timing>
+    <p:tnLst>
+      <p:par>
+        <p:cTn id="1" dur="indefinite" restart="never" nodeType="tmRoot"/>
+      </p:par>
+    </p:tnLst>
+  </p:timing>
+</p:sld>
+</file>
+
+<file path=ppt/slides/slide42.xml><?xml version="1.0" encoding="utf-8"?>
+<p:sld xmlns:a="http://schemas.openxmlformats.org/drawingml/2006/main" xmlns:r="http://schemas.openxmlformats.org/officeDocument/2006/relationships" xmlns:p="http://schemas.openxmlformats.org/presentationml/2006/main">
+  <p:cSld>
+    <p:spTree>
+      <p:nvGrpSpPr>
+        <p:cNvPr id="1" name=""/>
+        <p:cNvGrpSpPr/>
+        <p:nvPr/>
+      </p:nvGrpSpPr>
+      <p:grpSpPr>
+        <a:xfrm>
+          <a:off x="0" y="0"/>
+          <a:ext cx="0" cy="0"/>
+          <a:chOff x="0" y="0"/>
+          <a:chExt cx="0" cy="0"/>
+        </a:xfrm>
+      </p:grpSpPr>
+      <p:sp>
+        <p:nvSpPr>
+          <p:cNvPr id="7" name="Content Placeholder 2"/>
+          <p:cNvSpPr>
+            <a:spLocks noGrp="1"/>
+          </p:cNvSpPr>
+          <p:nvPr>
+            <p:ph idx="1"/>
+          </p:nvPr>
+        </p:nvSpPr>
+        <p:spPr/>
+        <p:txBody>
+          <a:bodyPr/>
+          <a:lstStyle/>
+          <a:p>
+            <a:r>
+              <a:rPr lang="en-US" sz="4800" u="sng" dirty="0" smtClean="0"/>
+              <a:t>2017:</a:t>
+            </a:r>
+            <a:endParaRPr lang="en-US" sz="4800" u="sng" dirty="0" smtClean="0"/>
+          </a:p>
+          <a:p>
+            <a:endParaRPr lang="en-US" sz="4000" dirty="0"/>
+          </a:p>
+          <a:p>
+            <a:r>
+              <a:rPr lang="en-US" sz="4000" dirty="0" smtClean="0"/>
+              <a:t>Azure PaaS: 10+ POCs, ”Cloud first”</a:t>
+            </a:r>
+            <a:endParaRPr lang="en-US" sz="4000" dirty="0" smtClean="0"/>
+          </a:p>
+        </p:txBody>
+      </p:sp>
+      <p:sp>
+        <p:nvSpPr>
+          <p:cNvPr id="3" name="Slide Number Placeholder 2"/>
+          <p:cNvSpPr>
+            <a:spLocks noGrp="1"/>
+          </p:cNvSpPr>
+          <p:nvPr>
+            <p:ph type="sldNum" sz="quarter" idx="4294967295"/>
+          </p:nvPr>
+        </p:nvSpPr>
+        <p:spPr>
+          <a:xfrm>
+            <a:off x="0" y="6283325"/>
+            <a:ext cx="808038" cy="411163"/>
+          </a:xfrm>
+        </p:spPr>
+        <p:txBody>
+          <a:bodyPr/>
+          <a:lstStyle/>
+          <a:p>
+            <a:fld id="{03CBEB89-E47E-4106-9DE1-9B407DF8E52F}" type="slidenum">
+              <a:rPr lang="en-US" smtClean="0"/>
+              <a:pPr/>
+              <a:t>42</a:t>
+            </a:fld>
+            <a:endParaRPr lang="en-US"/>
+          </a:p>
+        </p:txBody>
+      </p:sp>
+    </p:spTree>
+    <p:extLst>
+      <p:ext uri="{BB962C8B-B14F-4D97-AF65-F5344CB8AC3E}">
+        <p14:creationId xmlns:p14="http://schemas.microsoft.com/office/powerpoint/2010/main" val="1163432721"/>
+      </p:ext>
+    </p:extLst>
+  </p:cSld>
+  <p:clrMapOvr>
+    <a:masterClrMapping/>
+  </p:clrMapOvr>
+  <mc:AlternateContent xmlns:mc="http://schemas.openxmlformats.org/markup-compatibility/2006" xmlns:p14="http://schemas.microsoft.com/office/powerpoint/2010/main">
+    <mc:Choice Requires="p14">
+      <p:transition p14:dur="10" advTm="14000"/>
+    </mc:Choice>
+    <mc:Fallback xmlns="">
+      <p:transition advTm="14000"/>
+    </mc:Fallback>
+  </mc:AlternateContent>
+  <p:timing>
+    <p:tnLst>
+      <p:par>
+        <p:cTn id="1" dur="indefinite" restart="never" nodeType="tmRoot"/>
+      </p:par>
+    </p:tnLst>
+  </p:timing>
+</p:sld>
+</file>
+
+<file path=ppt/slides/slide43.xml><?xml version="1.0" encoding="utf-8"?>
+<p:sld xmlns:a="http://schemas.openxmlformats.org/drawingml/2006/main" xmlns:r="http://schemas.openxmlformats.org/officeDocument/2006/relationships" xmlns:p="http://schemas.openxmlformats.org/presentationml/2006/main">
+  <p:cSld>
+    <p:spTree>
+      <p:nvGrpSpPr>
+        <p:cNvPr id="1" name=""/>
+        <p:cNvGrpSpPr/>
+        <p:nvPr/>
+      </p:nvGrpSpPr>
+      <p:grpSpPr>
+        <a:xfrm>
+          <a:off x="0" y="0"/>
+          <a:ext cx="0" cy="0"/>
+          <a:chOff x="0" y="0"/>
+          <a:chExt cx="0" cy="0"/>
+        </a:xfrm>
+      </p:grpSpPr>
+      <p:sp>
+        <p:nvSpPr>
+          <p:cNvPr id="7" name="Content Placeholder 2"/>
+          <p:cNvSpPr>
+            <a:spLocks noGrp="1"/>
+          </p:cNvSpPr>
+          <p:nvPr>
+            <p:ph idx="1"/>
+          </p:nvPr>
+        </p:nvSpPr>
+        <p:spPr/>
+        <p:txBody>
+          <a:bodyPr/>
+          <a:lstStyle/>
+          <a:p>
+            <a:r>
+              <a:rPr lang="en-US" sz="4800" u="sng" dirty="0" smtClean="0"/>
+              <a:t>2017:</a:t>
+            </a:r>
+            <a:endParaRPr lang="en-US" sz="4800" u="sng" dirty="0" smtClean="0"/>
+          </a:p>
+          <a:p>
+            <a:endParaRPr lang="en-US" sz="4000" dirty="0"/>
+          </a:p>
+          <a:p>
+            <a:r>
+              <a:rPr lang="en-US" sz="4000" dirty="0" smtClean="0"/>
+              <a:t>CHEF: 1300+ Nodes, Sensu, Compliance</a:t>
+            </a:r>
+            <a:endParaRPr lang="en-US" sz="4000" dirty="0" smtClean="0"/>
+          </a:p>
+        </p:txBody>
+      </p:sp>
+      <p:sp>
+        <p:nvSpPr>
+          <p:cNvPr id="3" name="Slide Number Placeholder 2"/>
+          <p:cNvSpPr>
+            <a:spLocks noGrp="1"/>
+          </p:cNvSpPr>
+          <p:nvPr>
+            <p:ph type="sldNum" sz="quarter" idx="4294967295"/>
+          </p:nvPr>
+        </p:nvSpPr>
+        <p:spPr>
+          <a:xfrm>
+            <a:off x="0" y="6283325"/>
+            <a:ext cx="808038" cy="411163"/>
+          </a:xfrm>
+        </p:spPr>
+        <p:txBody>
+          <a:bodyPr/>
+          <a:lstStyle/>
+          <a:p>
+            <a:fld id="{03CBEB89-E47E-4106-9DE1-9B407DF8E52F}" type="slidenum">
+              <a:rPr lang="en-US" smtClean="0"/>
+              <a:pPr/>
+              <a:t>43</a:t>
+            </a:fld>
+            <a:endParaRPr lang="en-US"/>
+          </a:p>
+        </p:txBody>
+      </p:sp>
+    </p:spTree>
+    <p:extLst>
+      <p:ext uri="{BB962C8B-B14F-4D97-AF65-F5344CB8AC3E}">
+        <p14:creationId xmlns:p14="http://schemas.microsoft.com/office/powerpoint/2010/main" val="1661562727"/>
+      </p:ext>
+    </p:extLst>
+  </p:cSld>
+  <p:clrMapOvr>
+    <a:masterClrMapping/>
+  </p:clrMapOvr>
+  <mc:AlternateContent xmlns:mc="http://schemas.openxmlformats.org/markup-compatibility/2006" xmlns:p14="http://schemas.microsoft.com/office/powerpoint/2010/main">
+    <mc:Choice Requires="p14">
+      <p:transition p14:dur="10" advTm="14000"/>
+    </mc:Choice>
+    <mc:Fallback xmlns="">
+      <p:transition advTm="14000"/>
+    </mc:Fallback>
+  </mc:AlternateContent>
+  <p:timing>
+    <p:tnLst>
+      <p:par>
+        <p:cTn id="1" dur="indefinite" restart="never" nodeType="tmRoot"/>
+      </p:par>
+    </p:tnLst>
+  </p:timing>
+</p:sld>
+</file>
+
+<file path=ppt/slides/slide44.xml><?xml version="1.0" encoding="utf-8"?>
+<p:sld xmlns:a="http://schemas.openxmlformats.org/drawingml/2006/main" xmlns:r="http://schemas.openxmlformats.org/officeDocument/2006/relationships" xmlns:p="http://schemas.openxmlformats.org/presentationml/2006/main">
+  <p:cSld>
+    <p:spTree>
+      <p:nvGrpSpPr>
+        <p:cNvPr id="1" name=""/>
+        <p:cNvGrpSpPr/>
+        <p:nvPr/>
+      </p:nvGrpSpPr>
+      <p:grpSpPr>
+        <a:xfrm>
+          <a:off x="0" y="0"/>
+          <a:ext cx="0" cy="0"/>
+          <a:chOff x="0" y="0"/>
+          <a:chExt cx="0" cy="0"/>
+        </a:xfrm>
+      </p:grpSpPr>
+      <p:sp>
+        <p:nvSpPr>
+          <p:cNvPr id="7" name="Content Placeholder 2"/>
+          <p:cNvSpPr>
+            <a:spLocks noGrp="1"/>
+          </p:cNvSpPr>
+          <p:nvPr>
+            <p:ph idx="1"/>
+          </p:nvPr>
+        </p:nvSpPr>
+        <p:spPr/>
+        <p:txBody>
+          <a:bodyPr/>
+          <a:lstStyle/>
+          <a:p>
+            <a:r>
+              <a:rPr lang="en-US" sz="4800" u="sng" dirty="0" smtClean="0"/>
+              <a:t>2017:</a:t>
+            </a:r>
+            <a:endParaRPr lang="en-US" sz="4800" u="sng" dirty="0" smtClean="0"/>
+          </a:p>
+          <a:p>
+            <a:endParaRPr lang="en-US" sz="4000" dirty="0"/>
+          </a:p>
+          <a:p>
+            <a:r>
+              <a:rPr lang="en-US" sz="4000" dirty="0" smtClean="0"/>
+              <a:t>Green/Blue </a:t>
+            </a:r>
+            <a:endParaRPr lang="en-US" sz="4000" dirty="0" smtClean="0"/>
+          </a:p>
+        </p:txBody>
+      </p:sp>
+      <p:sp>
+        <p:nvSpPr>
+          <p:cNvPr id="3" name="Slide Number Placeholder 2"/>
+          <p:cNvSpPr>
+            <a:spLocks noGrp="1"/>
+          </p:cNvSpPr>
+          <p:nvPr>
+            <p:ph type="sldNum" sz="quarter" idx="4294967295"/>
+          </p:nvPr>
+        </p:nvSpPr>
+        <p:spPr>
+          <a:xfrm>
+            <a:off x="0" y="6283325"/>
+            <a:ext cx="808038" cy="411163"/>
+          </a:xfrm>
+        </p:spPr>
+        <p:txBody>
+          <a:bodyPr/>
+          <a:lstStyle/>
+          <a:p>
+            <a:fld id="{03CBEB89-E47E-4106-9DE1-9B407DF8E52F}" type="slidenum">
+              <a:rPr lang="en-US" smtClean="0"/>
+              <a:pPr/>
+              <a:t>44</a:t>
+            </a:fld>
+            <a:endParaRPr lang="en-US"/>
+          </a:p>
+        </p:txBody>
+      </p:sp>
+    </p:spTree>
+    <p:extLst>
+      <p:ext uri="{BB962C8B-B14F-4D97-AF65-F5344CB8AC3E}">
+        <p14:creationId xmlns:p14="http://schemas.microsoft.com/office/powerpoint/2010/main" val="1672658683"/>
+      </p:ext>
+    </p:extLst>
+  </p:cSld>
+  <p:clrMapOvr>
+    <a:masterClrMapping/>
+  </p:clrMapOvr>
+  <mc:AlternateContent xmlns:mc="http://schemas.openxmlformats.org/markup-compatibility/2006" xmlns:p14="http://schemas.microsoft.com/office/powerpoint/2010/main">
+    <mc:Choice Requires="p14">
+      <p:transition p14:dur="10" advTm="14000"/>
+    </mc:Choice>
+    <mc:Fallback xmlns="">
+      <p:transition advTm="14000"/>
+    </mc:Fallback>
+  </mc:AlternateContent>
+  <p:timing>
+    <p:tnLst>
+      <p:par>
+        <p:cTn id="1" dur="indefinite" restart="never" nodeType="tmRoot"/>
+      </p:par>
+    </p:tnLst>
+  </p:timing>
+</p:sld>
+</file>
+
+<file path=ppt/slides/slide45.xml><?xml version="1.0" encoding="utf-8"?>
+<p:sld xmlns:a="http://schemas.openxmlformats.org/drawingml/2006/main" xmlns:r="http://schemas.openxmlformats.org/officeDocument/2006/relationships" xmlns:p="http://schemas.openxmlformats.org/presentationml/2006/main">
+  <p:cSld>
+    <p:spTree>
+      <p:nvGrpSpPr>
+        <p:cNvPr id="1" name=""/>
+        <p:cNvGrpSpPr/>
+        <p:nvPr/>
+      </p:nvGrpSpPr>
+      <p:grpSpPr>
+        <a:xfrm>
+          <a:off x="0" y="0"/>
+          <a:ext cx="0" cy="0"/>
+          <a:chOff x="0" y="0"/>
+          <a:chExt cx="0" cy="0"/>
+        </a:xfrm>
+      </p:grpSpPr>
+      <p:sp>
+        <p:nvSpPr>
+          <p:cNvPr id="7" name="Content Placeholder 2"/>
+          <p:cNvSpPr>
+            <a:spLocks noGrp="1"/>
+          </p:cNvSpPr>
+          <p:nvPr>
+            <p:ph idx="1"/>
+          </p:nvPr>
+        </p:nvSpPr>
+        <p:spPr/>
+        <p:txBody>
+          <a:bodyPr/>
+          <a:lstStyle/>
+          <a:p>
+            <a:r>
+              <a:rPr lang="en-US" sz="4800" u="sng" dirty="0" smtClean="0"/>
+              <a:t>2017:</a:t>
+            </a:r>
+            <a:endParaRPr lang="en-US" sz="4800" u="sng" dirty="0" smtClean="0"/>
+          </a:p>
+          <a:p>
+            <a:endParaRPr lang="en-US" sz="4000" dirty="0"/>
+          </a:p>
+          <a:p>
+            <a:r>
+              <a:rPr lang="en-US" sz="4000" dirty="0" smtClean="0"/>
+              <a:t>Learning labs</a:t>
+            </a:r>
+            <a:endParaRPr lang="en-US" sz="4000" dirty="0" smtClean="0"/>
+          </a:p>
+        </p:txBody>
+      </p:sp>
+      <p:sp>
+        <p:nvSpPr>
+          <p:cNvPr id="3" name="Slide Number Placeholder 2"/>
+          <p:cNvSpPr>
+            <a:spLocks noGrp="1"/>
+          </p:cNvSpPr>
+          <p:nvPr>
+            <p:ph type="sldNum" sz="quarter" idx="4294967295"/>
+          </p:nvPr>
+        </p:nvSpPr>
+        <p:spPr>
+          <a:xfrm>
+            <a:off x="0" y="6283325"/>
+            <a:ext cx="808038" cy="411163"/>
+          </a:xfrm>
+        </p:spPr>
+        <p:txBody>
+          <a:bodyPr/>
+          <a:lstStyle/>
+          <a:p>
+            <a:fld id="{03CBEB89-E47E-4106-9DE1-9B407DF8E52F}" type="slidenum">
+              <a:rPr lang="en-US" smtClean="0"/>
+              <a:pPr/>
+              <a:t>45</a:t>
+            </a:fld>
+            <a:endParaRPr lang="en-US"/>
+          </a:p>
+        </p:txBody>
+      </p:sp>
+    </p:spTree>
+    <p:extLst>
+      <p:ext uri="{BB962C8B-B14F-4D97-AF65-F5344CB8AC3E}">
+        <p14:creationId xmlns:p14="http://schemas.microsoft.com/office/powerpoint/2010/main" val="893089445"/>
+      </p:ext>
+    </p:extLst>
+  </p:cSld>
+  <p:clrMapOvr>
+    <a:masterClrMapping/>
+  </p:clrMapOvr>
+  <mc:AlternateContent xmlns:mc="http://schemas.openxmlformats.org/markup-compatibility/2006" xmlns:p14="http://schemas.microsoft.com/office/powerpoint/2010/main">
+    <mc:Choice Requires="p14">
+      <p:transition p14:dur="10" advTm="14000"/>
+    </mc:Choice>
+    <mc:Fallback xmlns="">
+      <p:transition advTm="14000"/>
+    </mc:Fallback>
+  </mc:AlternateContent>
+  <p:timing>
+    <p:tnLst>
+      <p:par>
+        <p:cTn id="1" dur="indefinite" restart="never" nodeType="tmRoot"/>
+      </p:par>
+    </p:tnLst>
+  </p:timing>
+</p:sld>
+</file>
+
+<file path=ppt/slides/slide46.xml><?xml version="1.0" encoding="utf-8"?>
+<p:sld xmlns:a="http://schemas.openxmlformats.org/drawingml/2006/main" xmlns:r="http://schemas.openxmlformats.org/officeDocument/2006/relationships" xmlns:p="http://schemas.openxmlformats.org/presentationml/2006/main">
+  <p:cSld>
+    <p:spTree>
+      <p:nvGrpSpPr>
+        <p:cNvPr id="1" name=""/>
+        <p:cNvGrpSpPr/>
+        <p:nvPr/>
+      </p:nvGrpSpPr>
+      <p:grpSpPr>
+        <a:xfrm>
+          <a:off x="0" y="0"/>
+          <a:ext cx="0" cy="0"/>
+          <a:chOff x="0" y="0"/>
+          <a:chExt cx="0" cy="0"/>
+        </a:xfrm>
+      </p:grpSpPr>
+      <p:sp>
+        <p:nvSpPr>
+          <p:cNvPr id="3" name="Content Placeholder 2"/>
+          <p:cNvSpPr>
+            <a:spLocks noGrp="1"/>
+          </p:cNvSpPr>
+          <p:nvPr>
+            <p:ph idx="1"/>
+          </p:nvPr>
+        </p:nvSpPr>
+        <p:spPr/>
+        <p:txBody>
+          <a:bodyPr/>
+          <a:lstStyle/>
+          <a:p>
+            <a:r>
+              <a:rPr lang="en-US" sz="4800" u="sng" dirty="0" smtClean="0"/>
+              <a:t>Hypothesis: </a:t>
+            </a:r>
+          </a:p>
+          <a:p>
+            <a:endParaRPr lang="en-US" sz="4000" dirty="0" smtClean="0"/>
+          </a:p>
+          <a:p>
+            <a:r>
+              <a:rPr lang="en-US" sz="4000" dirty="0"/>
+              <a:t>DevOps practices can be used to teach the organization to become a learning organization</a:t>
+            </a:r>
+          </a:p>
+          <a:p>
+            <a:endParaRPr lang="en-US" sz="4000" dirty="0"/>
+          </a:p>
+        </p:txBody>
+      </p:sp>
+      <p:sp>
+        <p:nvSpPr>
+          <p:cNvPr id="4" name="Slide Number Placeholder 3"/>
+          <p:cNvSpPr>
+            <a:spLocks noGrp="1"/>
+          </p:cNvSpPr>
+          <p:nvPr>
+            <p:ph type="sldNum" sz="quarter" idx="4294967295"/>
+          </p:nvPr>
+        </p:nvSpPr>
+        <p:spPr>
+          <a:xfrm>
+            <a:off x="0" y="6283325"/>
+            <a:ext cx="808038" cy="411163"/>
+          </a:xfrm>
+        </p:spPr>
+        <p:txBody>
+          <a:bodyPr/>
+          <a:lstStyle/>
+          <a:p>
+            <a:fld id="{03CBEB89-E47E-4106-9DE1-9B407DF8E52F}" type="slidenum">
+              <a:rPr lang="en-US" smtClean="0"/>
+              <a:pPr/>
+              <a:t>46</a:t>
             </a:fld>
             <a:endParaRPr lang="en-US"/>
           </a:p>
@@ -17998,33 +19724,18 @@
           <a:lstStyle/>
           <a:p>
             <a:r>
-              <a:rPr lang="en-US" sz="4000" dirty="0" smtClean="0"/>
-              <a:t>“A learning organization is an organization skilled at creating, acquiring, and transferring knowledge, and at modifying its behavior </a:t>
-            </a:r>
-            <a:r>
-              <a:rPr lang="is-IS" sz="4000" dirty="0" smtClean="0"/>
-              <a:t>…</a:t>
-            </a:r>
-            <a:r>
-              <a:rPr lang="en-US" sz="4000" dirty="0" smtClean="0"/>
-              <a:t>”</a:t>
-            </a:r>
-          </a:p>
-          <a:p>
+              <a:rPr lang="en-US" sz="4000" dirty="0"/>
+              <a:t>“A learning organization is an organization skilled at creating, acquiring, and transferring knowledge, and at modifying its behavior to reflect new knowledge and insights”</a:t>
+            </a:r>
             <a:endParaRPr lang="en-US" sz="4000" dirty="0" smtClean="0"/>
           </a:p>
           <a:p>
+            <a:endParaRPr lang="en-US" sz="4000" dirty="0" smtClean="0"/>
+          </a:p>
+          <a:p>
             <a:r>
               <a:rPr lang="en-US" sz="4000" i="1" dirty="0" smtClean="0"/>
-              <a:t>- Prof</a:t>
-            </a:r>
-            <a:r>
-              <a:rPr lang="en-US" sz="4000" i="1" dirty="0" smtClean="0"/>
-              <a:t>essor</a:t>
-            </a:r>
-            <a:r>
-              <a:rPr lang="en-US" sz="4000" i="1" dirty="0" smtClean="0"/>
-              <a:t> David A. Garvin, HBS</a:t>
+              <a:t>- Professor David A. Garvin, HBS</a:t>
             </a:r>
             <a:endParaRPr lang="en-US" sz="4000" i="1" dirty="0"/>
           </a:p>
@@ -18229,8 +19940,9 @@
           <a:p>
             <a:r>
               <a:rPr lang="en-US" sz="4000" dirty="0" smtClean="0"/>
-              <a:t>The pain/difficulty of developing a growth mindset (in a DevOps context) as an adult is not well understood or documented</a:t>
-            </a:r>
+              <a:t>Developing a growth mindset as an adult is difficult</a:t>
+            </a:r>
+            <a:endParaRPr lang="en-US" sz="4000" dirty="0" smtClean="0"/>
           </a:p>
           <a:p>
             <a:endParaRPr lang="en-US" sz="4000" dirty="0"/>
@@ -18269,7 +19981,7 @@
     </p:spTree>
     <p:extLst>
       <p:ext uri="{BB962C8B-B14F-4D97-AF65-F5344CB8AC3E}">
-        <p14:creationId xmlns:p14="http://schemas.microsoft.com/office/powerpoint/2010/main" val="529452395"/>
+        <p14:creationId xmlns:p14="http://schemas.microsoft.com/office/powerpoint/2010/main" val="1208326222"/>
       </p:ext>
     </p:extLst>
   </p:cSld>

--- a/2017-04-26 Seattle DevOpsDays/DevOpsDays Seattle.pptx
+++ b/2017-04-26 Seattle DevOpsDays/DevOpsDays Seattle.pptx
@@ -5,10 +5,10 @@
     <p:sldMasterId id="2147483648" r:id="rId1"/>
   </p:sldMasterIdLst>
   <p:notesMasterIdLst>
-    <p:notesMasterId r:id="rId48"/>
+    <p:notesMasterId r:id="rId54"/>
   </p:notesMasterIdLst>
   <p:handoutMasterIdLst>
-    <p:handoutMasterId r:id="rId49"/>
+    <p:handoutMasterId r:id="rId55"/>
   </p:handoutMasterIdLst>
   <p:sldIdLst>
     <p:sldId id="351" r:id="rId2"/>
@@ -19,44 +19,50 @@
     <p:sldId id="374" r:id="rId7"/>
     <p:sldId id="425" r:id="rId8"/>
     <p:sldId id="405" r:id="rId9"/>
-    <p:sldId id="399" r:id="rId10"/>
-    <p:sldId id="418" r:id="rId11"/>
-    <p:sldId id="419" r:id="rId12"/>
-    <p:sldId id="391" r:id="rId13"/>
-    <p:sldId id="422" r:id="rId14"/>
-    <p:sldId id="423" r:id="rId15"/>
-    <p:sldId id="424" r:id="rId16"/>
-    <p:sldId id="392" r:id="rId17"/>
-    <p:sldId id="420" r:id="rId18"/>
-    <p:sldId id="421" r:id="rId19"/>
-    <p:sldId id="395" r:id="rId20"/>
-    <p:sldId id="393" r:id="rId21"/>
-    <p:sldId id="394" r:id="rId22"/>
-    <p:sldId id="417" r:id="rId23"/>
-    <p:sldId id="396" r:id="rId24"/>
-    <p:sldId id="408" r:id="rId25"/>
-    <p:sldId id="409" r:id="rId26"/>
-    <p:sldId id="387" r:id="rId27"/>
-    <p:sldId id="426" r:id="rId28"/>
-    <p:sldId id="414" r:id="rId29"/>
-    <p:sldId id="415" r:id="rId30"/>
-    <p:sldId id="416" r:id="rId31"/>
-    <p:sldId id="410" r:id="rId32"/>
-    <p:sldId id="388" r:id="rId33"/>
-    <p:sldId id="407" r:id="rId34"/>
-    <p:sldId id="428" r:id="rId35"/>
-    <p:sldId id="355" r:id="rId36"/>
-    <p:sldId id="380" r:id="rId37"/>
-    <p:sldId id="390" r:id="rId38"/>
-    <p:sldId id="389" r:id="rId39"/>
-    <p:sldId id="430" r:id="rId40"/>
-    <p:sldId id="431" r:id="rId41"/>
-    <p:sldId id="432" r:id="rId42"/>
-    <p:sldId id="434" r:id="rId43"/>
-    <p:sldId id="435" r:id="rId44"/>
-    <p:sldId id="436" r:id="rId45"/>
-    <p:sldId id="433" r:id="rId46"/>
-    <p:sldId id="413" r:id="rId47"/>
+    <p:sldId id="438" r:id="rId10"/>
+    <p:sldId id="399" r:id="rId11"/>
+    <p:sldId id="418" r:id="rId12"/>
+    <p:sldId id="419" r:id="rId13"/>
+    <p:sldId id="439" r:id="rId14"/>
+    <p:sldId id="391" r:id="rId15"/>
+    <p:sldId id="422" r:id="rId16"/>
+    <p:sldId id="423" r:id="rId17"/>
+    <p:sldId id="424" r:id="rId18"/>
+    <p:sldId id="440" r:id="rId19"/>
+    <p:sldId id="392" r:id="rId20"/>
+    <p:sldId id="420" r:id="rId21"/>
+    <p:sldId id="421" r:id="rId22"/>
+    <p:sldId id="441" r:id="rId23"/>
+    <p:sldId id="395" r:id="rId24"/>
+    <p:sldId id="393" r:id="rId25"/>
+    <p:sldId id="394" r:id="rId26"/>
+    <p:sldId id="417" r:id="rId27"/>
+    <p:sldId id="442" r:id="rId28"/>
+    <p:sldId id="396" r:id="rId29"/>
+    <p:sldId id="408" r:id="rId30"/>
+    <p:sldId id="409" r:id="rId31"/>
+    <p:sldId id="387" r:id="rId32"/>
+    <p:sldId id="426" r:id="rId33"/>
+    <p:sldId id="414" r:id="rId34"/>
+    <p:sldId id="415" r:id="rId35"/>
+    <p:sldId id="416" r:id="rId36"/>
+    <p:sldId id="410" r:id="rId37"/>
+    <p:sldId id="388" r:id="rId38"/>
+    <p:sldId id="407" r:id="rId39"/>
+    <p:sldId id="428" r:id="rId40"/>
+    <p:sldId id="355" r:id="rId41"/>
+    <p:sldId id="380" r:id="rId42"/>
+    <p:sldId id="390" r:id="rId43"/>
+    <p:sldId id="389" r:id="rId44"/>
+    <p:sldId id="430" r:id="rId45"/>
+    <p:sldId id="437" r:id="rId46"/>
+    <p:sldId id="431" r:id="rId47"/>
+    <p:sldId id="432" r:id="rId48"/>
+    <p:sldId id="434" r:id="rId49"/>
+    <p:sldId id="435" r:id="rId50"/>
+    <p:sldId id="436" r:id="rId51"/>
+    <p:sldId id="433" r:id="rId52"/>
+    <p:sldId id="413" r:id="rId53"/>
   </p:sldIdLst>
   <p:sldSz cx="12192000" cy="6858000"/>
   <p:notesSz cx="7010400" cy="9296400"/>
@@ -264,7 +270,7 @@
           <a:p>
             <a:fld id="{5B498BCF-C905-E646-944D-2928BFE2F061}" type="datetimeFigureOut">
               <a:rPr lang="en-US" smtClean="0"/>
-              <a:t>4/22/17</a:t>
+              <a:t>4/23/17</a:t>
             </a:fld>
             <a:endParaRPr lang="en-US"/>
           </a:p>
@@ -429,7 +435,7 @@
           <a:p>
             <a:fld id="{EBB03E87-2196-409F-9917-B96E0FB7F128}" type="datetimeFigureOut">
               <a:rPr lang="en-US" smtClean="0"/>
-              <a:t>4/22/17</a:t>
+              <a:t>4/23/17</a:t>
             </a:fld>
             <a:endParaRPr lang="en-US"/>
           </a:p>
@@ -743,28 +749,24 @@
           <a:p>
             <a:r>
               <a:rPr lang="en-US" dirty="0" smtClean="0"/>
-              <a:t>Good afternoon, I'm Scott Nasello</a:t>
+              <a:t>Thank you for having me back Seattle!</a:t>
             </a:r>
             <a:r>
               <a:rPr lang="en-US" baseline="0" dirty="0" smtClean="0"/>
-              <a:t> </a:t>
-            </a:r>
+              <a:t>  My name is Scott Nasello and I’m excited to talk about our experiences with a Microsoft enterprise.</a:t>
+            </a:r>
+          </a:p>
+          <a:p>
+            <a:endParaRPr lang="en-US" baseline="0" dirty="0" smtClean="0"/>
+          </a:p>
+          <a:p>
             <a:r>
               <a:rPr lang="en-US" dirty="0" smtClean="0"/>
-              <a:t>!  </a:t>
-            </a:r>
-          </a:p>
-          <a:p>
-            <a:endParaRPr lang="en-US" dirty="0" smtClean="0"/>
-          </a:p>
-          <a:p>
-            <a:r>
-              <a:rPr lang="en-US" dirty="0" smtClean="0"/>
-              <a:t>Who</a:t>
+              <a:t>The last few months</a:t>
             </a:r>
             <a:r>
               <a:rPr lang="en-US" baseline="0" dirty="0" smtClean="0"/>
-              <a:t>'s ready to talk about DevOpsing in a Microsoft World?  </a:t>
+              <a:t> have reinforced the importance of the learning organization to our DevOps journey, so this talk has changed a bit from the original idea.    </a:t>
             </a:r>
             <a:endParaRPr lang="en-US" dirty="0"/>
           </a:p>
@@ -888,7 +890,7 @@
     </p:spTree>
     <p:extLst>
       <p:ext uri="{BB962C8B-B14F-4D97-AF65-F5344CB8AC3E}">
-        <p14:creationId xmlns:p14="http://schemas.microsoft.com/office/powerpoint/2010/main" val="1114347473"/>
+        <p14:creationId xmlns:p14="http://schemas.microsoft.com/office/powerpoint/2010/main" val="236067430"/>
       </p:ext>
     </p:extLst>
   </p:cSld>
@@ -980,7 +982,7 @@
     </p:spTree>
     <p:extLst>
       <p:ext uri="{BB962C8B-B14F-4D97-AF65-F5344CB8AC3E}">
-        <p14:creationId xmlns:p14="http://schemas.microsoft.com/office/powerpoint/2010/main" val="801840522"/>
+        <p14:creationId xmlns:p14="http://schemas.microsoft.com/office/powerpoint/2010/main" val="1114347473"/>
       </p:ext>
     </p:extLst>
   </p:cSld>
@@ -1072,7 +1074,7 @@
     </p:spTree>
     <p:extLst>
       <p:ext uri="{BB962C8B-B14F-4D97-AF65-F5344CB8AC3E}">
-        <p14:creationId xmlns:p14="http://schemas.microsoft.com/office/powerpoint/2010/main" val="503777950"/>
+        <p14:creationId xmlns:p14="http://schemas.microsoft.com/office/powerpoint/2010/main" val="801840522"/>
       </p:ext>
     </p:extLst>
   </p:cSld>
@@ -1126,15 +1128,24 @@
           <a:bodyPr/>
           <a:lstStyle/>
           <a:p>
-            <a:pPr>
-              <a:lnSpc>
-                <a:spcPct val="100000"/>
-              </a:lnSpc>
-              <a:spcBef>
-                <a:spcPts val="0"/>
-              </a:spcBef>
-            </a:pPr>
-            <a:endParaRPr lang="en-US" sz="1200" dirty="0" smtClean="0"/>
+            <a:r>
+              <a:rPr lang="en-US" dirty="0" smtClean="0"/>
+              <a:t>Is it</a:t>
+            </a:r>
+            <a:r>
+              <a:rPr lang="en-US" baseline="0" dirty="0" smtClean="0"/>
+              <a:t> enough to tell your teams to have a growth mindset?</a:t>
+            </a:r>
+          </a:p>
+          <a:p>
+            <a:endParaRPr lang="en-US" baseline="0" dirty="0" smtClean="0"/>
+          </a:p>
+          <a:p>
+            <a:r>
+              <a:rPr lang="en-US" baseline="0" dirty="0" smtClean="0"/>
+              <a:t>I had a feeling we don’t appreciate the difficulty and pain of re-developing a growth mindset</a:t>
+            </a:r>
+            <a:endParaRPr lang="en-US" dirty="0"/>
           </a:p>
         </p:txBody>
       </p:sp>
@@ -1164,7 +1175,7 @@
     </p:spTree>
     <p:extLst>
       <p:ext uri="{BB962C8B-B14F-4D97-AF65-F5344CB8AC3E}">
-        <p14:creationId xmlns:p14="http://schemas.microsoft.com/office/powerpoint/2010/main" val="1477916408"/>
+        <p14:creationId xmlns:p14="http://schemas.microsoft.com/office/powerpoint/2010/main" val="1055533184"/>
       </p:ext>
     </p:extLst>
   </p:cSld>
@@ -1256,7 +1267,7 @@
     </p:spTree>
     <p:extLst>
       <p:ext uri="{BB962C8B-B14F-4D97-AF65-F5344CB8AC3E}">
-        <p14:creationId xmlns:p14="http://schemas.microsoft.com/office/powerpoint/2010/main" val="174710896"/>
+        <p14:creationId xmlns:p14="http://schemas.microsoft.com/office/powerpoint/2010/main" val="503777950"/>
       </p:ext>
     </p:extLst>
   </p:cSld>
@@ -1348,7 +1359,7 @@
     </p:spTree>
     <p:extLst>
       <p:ext uri="{BB962C8B-B14F-4D97-AF65-F5344CB8AC3E}">
-        <p14:creationId xmlns:p14="http://schemas.microsoft.com/office/powerpoint/2010/main" val="718669913"/>
+        <p14:creationId xmlns:p14="http://schemas.microsoft.com/office/powerpoint/2010/main" val="1477916408"/>
       </p:ext>
     </p:extLst>
   </p:cSld>
@@ -1410,176 +1421,7 @@
                 <a:spcPts val="0"/>
               </a:spcBef>
             </a:pPr>
-            <a:r>
-              <a:rPr lang="en-US" sz="1200" dirty="0" smtClean="0">
-                <a:solidFill>
-                  <a:srgbClr val="FFFF00"/>
-                </a:solidFill>
-              </a:rPr>
-              <a:t>Constant change</a:t>
-            </a:r>
-            <a:r>
-              <a:rPr lang="is-IS" sz="1200" dirty="0" smtClean="0">
-                <a:solidFill>
-                  <a:srgbClr val="FFFF00"/>
-                </a:solidFill>
-              </a:rPr>
-              <a:t>… all the experiments, not enough time to go deep</a:t>
-            </a:r>
-          </a:p>
-          <a:p>
-            <a:pPr>
-              <a:lnSpc>
-                <a:spcPct val="100000"/>
-              </a:lnSpc>
-              <a:spcBef>
-                <a:spcPts val="0"/>
-              </a:spcBef>
-            </a:pPr>
-            <a:endParaRPr lang="is-IS" sz="1200" dirty="0" smtClean="0"/>
-          </a:p>
-          <a:p>
-            <a:pPr>
-              <a:lnSpc>
-                <a:spcPct val="100000"/>
-              </a:lnSpc>
-              <a:spcBef>
-                <a:spcPts val="0"/>
-              </a:spcBef>
-            </a:pPr>
-            <a:r>
-              <a:rPr lang="is-IS" sz="1200" dirty="0" smtClean="0"/>
-              <a:t>Adapting to change is difficult, especially for those in the field for many years</a:t>
-            </a:r>
-          </a:p>
-          <a:p>
-            <a:pPr>
-              <a:lnSpc>
-                <a:spcPct val="100000"/>
-              </a:lnSpc>
-              <a:spcBef>
-                <a:spcPts val="0"/>
-              </a:spcBef>
-            </a:pPr>
-            <a:endParaRPr lang="is-IS" sz="1200" dirty="0" smtClean="0"/>
-          </a:p>
-          <a:p>
-            <a:pPr>
-              <a:lnSpc>
-                <a:spcPct val="100000"/>
-              </a:lnSpc>
-              <a:spcBef>
-                <a:spcPts val="0"/>
-              </a:spcBef>
-            </a:pPr>
-            <a:r>
-              <a:rPr lang="is-IS" sz="1200" dirty="0" smtClean="0"/>
-              <a:t>Not being able to devote enough time to new work</a:t>
-            </a:r>
-          </a:p>
-          <a:p>
-            <a:pPr>
-              <a:lnSpc>
-                <a:spcPct val="100000"/>
-              </a:lnSpc>
-              <a:spcBef>
-                <a:spcPts val="0"/>
-              </a:spcBef>
-            </a:pPr>
-            <a:endParaRPr lang="is-IS" sz="1200" dirty="0" smtClean="0"/>
-          </a:p>
-          <a:p>
-            <a:pPr>
-              <a:lnSpc>
-                <a:spcPct val="100000"/>
-              </a:lnSpc>
-              <a:spcBef>
-                <a:spcPts val="0"/>
-              </a:spcBef>
-            </a:pPr>
-            <a:r>
-              <a:rPr lang="is-IS" sz="1200" dirty="0" smtClean="0">
-                <a:solidFill>
-                  <a:srgbClr val="FFFF00"/>
-                </a:solidFill>
-              </a:rPr>
-              <a:t>Feeling lost/helpless, discomfort due to width and breadth of areas</a:t>
-            </a:r>
-          </a:p>
-          <a:p>
-            <a:pPr>
-              <a:lnSpc>
-                <a:spcPct val="100000"/>
-              </a:lnSpc>
-              <a:spcBef>
-                <a:spcPts val="0"/>
-              </a:spcBef>
-            </a:pPr>
-            <a:endParaRPr lang="is-IS" sz="1200" dirty="0" smtClean="0"/>
-          </a:p>
-          <a:p>
-            <a:pPr>
-              <a:lnSpc>
-                <a:spcPct val="100000"/>
-              </a:lnSpc>
-              <a:spcBef>
-                <a:spcPts val="0"/>
-              </a:spcBef>
-            </a:pPr>
-            <a:r>
-              <a:rPr lang="is-IS" sz="1200" dirty="0" smtClean="0"/>
-              <a:t>Windows makes it harder than it needs to be</a:t>
-            </a:r>
-          </a:p>
-          <a:p>
-            <a:pPr>
-              <a:lnSpc>
-                <a:spcPct val="100000"/>
-              </a:lnSpc>
-              <a:spcBef>
-                <a:spcPts val="0"/>
-              </a:spcBef>
-            </a:pPr>
-            <a:endParaRPr lang="is-IS" sz="1200" dirty="0" smtClean="0"/>
-          </a:p>
-          <a:p>
-            <a:pPr>
-              <a:lnSpc>
-                <a:spcPct val="100000"/>
-              </a:lnSpc>
-              <a:spcBef>
-                <a:spcPts val="0"/>
-              </a:spcBef>
-            </a:pPr>
-            <a:r>
-              <a:rPr lang="is-IS" sz="1200" dirty="0" smtClean="0"/>
-              <a:t>Lack of prioritization across projects</a:t>
-            </a:r>
-          </a:p>
-          <a:p>
-            <a:pPr>
-              <a:lnSpc>
-                <a:spcPct val="100000"/>
-              </a:lnSpc>
-              <a:spcBef>
-                <a:spcPts val="0"/>
-              </a:spcBef>
-            </a:pPr>
             <a:endParaRPr lang="en-US" sz="1200" dirty="0" smtClean="0"/>
-          </a:p>
-          <a:p>
-            <a:pPr>
-              <a:lnSpc>
-                <a:spcPct val="100000"/>
-              </a:lnSpc>
-              <a:spcBef>
-                <a:spcPts val="0"/>
-              </a:spcBef>
-            </a:pPr>
-            <a:r>
-              <a:rPr lang="en-US" sz="1200" dirty="0" smtClean="0"/>
-              <a:t>The lack of time to experiment with technologies outside my immediate areas of responsibility has been frustrating</a:t>
-            </a:r>
           </a:p>
         </p:txBody>
       </p:sp>
@@ -1609,7 +1451,7 @@
     </p:spTree>
     <p:extLst>
       <p:ext uri="{BB962C8B-B14F-4D97-AF65-F5344CB8AC3E}">
-        <p14:creationId xmlns:p14="http://schemas.microsoft.com/office/powerpoint/2010/main" val="1483193758"/>
+        <p14:creationId xmlns:p14="http://schemas.microsoft.com/office/powerpoint/2010/main" val="174710896"/>
       </p:ext>
     </p:extLst>
   </p:cSld>
@@ -1671,176 +1513,7 @@
                 <a:spcPts val="0"/>
               </a:spcBef>
             </a:pPr>
-            <a:r>
-              <a:rPr lang="en-US" sz="1200" dirty="0" smtClean="0">
-                <a:solidFill>
-                  <a:srgbClr val="FFFF00"/>
-                </a:solidFill>
-              </a:rPr>
-              <a:t>Constant change</a:t>
-            </a:r>
-            <a:r>
-              <a:rPr lang="is-IS" sz="1200" dirty="0" smtClean="0">
-                <a:solidFill>
-                  <a:srgbClr val="FFFF00"/>
-                </a:solidFill>
-              </a:rPr>
-              <a:t>… all the experiments, not enough time to go deep</a:t>
-            </a:r>
-          </a:p>
-          <a:p>
-            <a:pPr>
-              <a:lnSpc>
-                <a:spcPct val="100000"/>
-              </a:lnSpc>
-              <a:spcBef>
-                <a:spcPts val="0"/>
-              </a:spcBef>
-            </a:pPr>
-            <a:endParaRPr lang="is-IS" sz="1200" dirty="0" smtClean="0"/>
-          </a:p>
-          <a:p>
-            <a:pPr>
-              <a:lnSpc>
-                <a:spcPct val="100000"/>
-              </a:lnSpc>
-              <a:spcBef>
-                <a:spcPts val="0"/>
-              </a:spcBef>
-            </a:pPr>
-            <a:r>
-              <a:rPr lang="is-IS" sz="1200" dirty="0" smtClean="0"/>
-              <a:t>Adapting to change is difficult, especially for those in the field for many years</a:t>
-            </a:r>
-          </a:p>
-          <a:p>
-            <a:pPr>
-              <a:lnSpc>
-                <a:spcPct val="100000"/>
-              </a:lnSpc>
-              <a:spcBef>
-                <a:spcPts val="0"/>
-              </a:spcBef>
-            </a:pPr>
-            <a:endParaRPr lang="is-IS" sz="1200" dirty="0" smtClean="0"/>
-          </a:p>
-          <a:p>
-            <a:pPr>
-              <a:lnSpc>
-                <a:spcPct val="100000"/>
-              </a:lnSpc>
-              <a:spcBef>
-                <a:spcPts val="0"/>
-              </a:spcBef>
-            </a:pPr>
-            <a:r>
-              <a:rPr lang="is-IS" sz="1200" dirty="0" smtClean="0"/>
-              <a:t>Not being able to devote enough time to new work</a:t>
-            </a:r>
-          </a:p>
-          <a:p>
-            <a:pPr>
-              <a:lnSpc>
-                <a:spcPct val="100000"/>
-              </a:lnSpc>
-              <a:spcBef>
-                <a:spcPts val="0"/>
-              </a:spcBef>
-            </a:pPr>
-            <a:endParaRPr lang="is-IS" sz="1200" dirty="0" smtClean="0"/>
-          </a:p>
-          <a:p>
-            <a:pPr>
-              <a:lnSpc>
-                <a:spcPct val="100000"/>
-              </a:lnSpc>
-              <a:spcBef>
-                <a:spcPts val="0"/>
-              </a:spcBef>
-            </a:pPr>
-            <a:r>
-              <a:rPr lang="is-IS" sz="1200" dirty="0" smtClean="0">
-                <a:solidFill>
-                  <a:srgbClr val="FFFF00"/>
-                </a:solidFill>
-              </a:rPr>
-              <a:t>Feeling lost/helpless, discomfort due to width and breadth of areas</a:t>
-            </a:r>
-          </a:p>
-          <a:p>
-            <a:pPr>
-              <a:lnSpc>
-                <a:spcPct val="100000"/>
-              </a:lnSpc>
-              <a:spcBef>
-                <a:spcPts val="0"/>
-              </a:spcBef>
-            </a:pPr>
-            <a:endParaRPr lang="is-IS" sz="1200" dirty="0" smtClean="0"/>
-          </a:p>
-          <a:p>
-            <a:pPr>
-              <a:lnSpc>
-                <a:spcPct val="100000"/>
-              </a:lnSpc>
-              <a:spcBef>
-                <a:spcPts val="0"/>
-              </a:spcBef>
-            </a:pPr>
-            <a:r>
-              <a:rPr lang="is-IS" sz="1200" dirty="0" smtClean="0"/>
-              <a:t>Windows makes it harder than it needs to be</a:t>
-            </a:r>
-          </a:p>
-          <a:p>
-            <a:pPr>
-              <a:lnSpc>
-                <a:spcPct val="100000"/>
-              </a:lnSpc>
-              <a:spcBef>
-                <a:spcPts val="0"/>
-              </a:spcBef>
-            </a:pPr>
-            <a:endParaRPr lang="is-IS" sz="1200" dirty="0" smtClean="0"/>
-          </a:p>
-          <a:p>
-            <a:pPr>
-              <a:lnSpc>
-                <a:spcPct val="100000"/>
-              </a:lnSpc>
-              <a:spcBef>
-                <a:spcPts val="0"/>
-              </a:spcBef>
-            </a:pPr>
-            <a:r>
-              <a:rPr lang="is-IS" sz="1200" dirty="0" smtClean="0"/>
-              <a:t>Lack of prioritization across projects</a:t>
-            </a:r>
-          </a:p>
-          <a:p>
-            <a:pPr>
-              <a:lnSpc>
-                <a:spcPct val="100000"/>
-              </a:lnSpc>
-              <a:spcBef>
-                <a:spcPts val="0"/>
-              </a:spcBef>
-            </a:pPr>
             <a:endParaRPr lang="en-US" sz="1200" dirty="0" smtClean="0"/>
-          </a:p>
-          <a:p>
-            <a:pPr>
-              <a:lnSpc>
-                <a:spcPct val="100000"/>
-              </a:lnSpc>
-              <a:spcBef>
-                <a:spcPts val="0"/>
-              </a:spcBef>
-            </a:pPr>
-            <a:r>
-              <a:rPr lang="en-US" sz="1200" dirty="0" smtClean="0"/>
-              <a:t>The lack of time to experiment with technologies outside my immediate areas of responsibility has been frustrating</a:t>
-            </a:r>
           </a:p>
         </p:txBody>
       </p:sp>
@@ -1870,7 +1543,7 @@
     </p:spTree>
     <p:extLst>
       <p:ext uri="{BB962C8B-B14F-4D97-AF65-F5344CB8AC3E}">
-        <p14:creationId xmlns:p14="http://schemas.microsoft.com/office/powerpoint/2010/main" val="162501152"/>
+        <p14:creationId xmlns:p14="http://schemas.microsoft.com/office/powerpoint/2010/main" val="718669913"/>
       </p:ext>
     </p:extLst>
   </p:cSld>
@@ -1924,15 +1597,24 @@
           <a:bodyPr/>
           <a:lstStyle/>
           <a:p>
-            <a:pPr>
-              <a:lnSpc>
-                <a:spcPct val="100000"/>
-              </a:lnSpc>
-              <a:spcBef>
-                <a:spcPts val="0"/>
-              </a:spcBef>
-            </a:pPr>
-            <a:endParaRPr lang="en-US" sz="1200" dirty="0" smtClean="0"/>
+            <a:r>
+              <a:rPr lang="en-US" dirty="0" smtClean="0"/>
+              <a:t>Is it</a:t>
+            </a:r>
+            <a:r>
+              <a:rPr lang="en-US" baseline="0" dirty="0" smtClean="0"/>
+              <a:t> enough to tell your teams to have a growth mindset?</a:t>
+            </a:r>
+          </a:p>
+          <a:p>
+            <a:endParaRPr lang="en-US" baseline="0" dirty="0" smtClean="0"/>
+          </a:p>
+          <a:p>
+            <a:r>
+              <a:rPr lang="en-US" baseline="0" dirty="0" smtClean="0"/>
+              <a:t>I had a feeling we don’t appreciate the difficulty and pain of re-developing a growth mindset</a:t>
+            </a:r>
+            <a:endParaRPr lang="en-US" dirty="0"/>
           </a:p>
         </p:txBody>
       </p:sp>
@@ -1962,7 +1644,7 @@
     </p:spTree>
     <p:extLst>
       <p:ext uri="{BB962C8B-B14F-4D97-AF65-F5344CB8AC3E}">
-        <p14:creationId xmlns:p14="http://schemas.microsoft.com/office/powerpoint/2010/main" val="225048674"/>
+        <p14:creationId xmlns:p14="http://schemas.microsoft.com/office/powerpoint/2010/main" val="1983171264"/>
       </p:ext>
     </p:extLst>
   </p:cSld>
@@ -2016,20 +1698,184 @@
           <a:bodyPr/>
           <a:lstStyle/>
           <a:p>
-            <a:pPr marL="0" indent="0">
+            <a:pPr>
               <a:lnSpc>
                 <a:spcPct val="100000"/>
               </a:lnSpc>
               <a:spcBef>
                 <a:spcPts val="0"/>
               </a:spcBef>
-              <a:buNone/>
             </a:pPr>
             <a:r>
+              <a:rPr lang="en-US" sz="1200" dirty="0" smtClean="0">
+                <a:solidFill>
+                  <a:srgbClr val="FFFF00"/>
+                </a:solidFill>
+              </a:rPr>
+              <a:t>Constant change</a:t>
+            </a:r>
+            <a:r>
+              <a:rPr lang="is-IS" sz="1200" dirty="0" smtClean="0">
+                <a:solidFill>
+                  <a:srgbClr val="FFFF00"/>
+                </a:solidFill>
+              </a:rPr>
+              <a:t>… all the experiments, not enough time to go deep</a:t>
+            </a:r>
+          </a:p>
+          <a:p>
+            <a:pPr>
+              <a:lnSpc>
+                <a:spcPct val="100000"/>
+              </a:lnSpc>
+              <a:spcBef>
+                <a:spcPts val="0"/>
+              </a:spcBef>
+            </a:pPr>
+            <a:endParaRPr lang="is-IS" sz="1200" dirty="0" smtClean="0"/>
+          </a:p>
+          <a:p>
+            <a:pPr>
+              <a:lnSpc>
+                <a:spcPct val="100000"/>
+              </a:lnSpc>
+              <a:spcBef>
+                <a:spcPts val="0"/>
+              </a:spcBef>
+            </a:pPr>
+            <a:r>
+              <a:rPr lang="is-IS" sz="1200" dirty="0" smtClean="0"/>
+              <a:t>Adapting to change is difficult, especially for those in the field for many years</a:t>
+            </a:r>
+          </a:p>
+          <a:p>
+            <a:pPr>
+              <a:lnSpc>
+                <a:spcPct val="100000"/>
+              </a:lnSpc>
+              <a:spcBef>
+                <a:spcPts val="0"/>
+              </a:spcBef>
+            </a:pPr>
+            <a:endParaRPr lang="is-IS" sz="1200" dirty="0" smtClean="0"/>
+          </a:p>
+          <a:p>
+            <a:pPr>
+              <a:lnSpc>
+                <a:spcPct val="100000"/>
+              </a:lnSpc>
+              <a:spcBef>
+                <a:spcPts val="0"/>
+              </a:spcBef>
+            </a:pPr>
+            <a:r>
+              <a:rPr lang="is-IS" sz="1200" dirty="0" smtClean="0"/>
+              <a:t>Not being able to devote enough time to new work</a:t>
+            </a:r>
+          </a:p>
+          <a:p>
+            <a:pPr>
+              <a:lnSpc>
+                <a:spcPct val="100000"/>
+              </a:lnSpc>
+              <a:spcBef>
+                <a:spcPts val="0"/>
+              </a:spcBef>
+            </a:pPr>
+            <a:endParaRPr lang="is-IS" sz="1200" dirty="0" smtClean="0"/>
+          </a:p>
+          <a:p>
+            <a:pPr>
+              <a:lnSpc>
+                <a:spcPct val="100000"/>
+              </a:lnSpc>
+              <a:spcBef>
+                <a:spcPts val="0"/>
+              </a:spcBef>
+            </a:pPr>
+            <a:r>
+              <a:rPr lang="is-IS" sz="1200" dirty="0" smtClean="0">
+                <a:solidFill>
+                  <a:srgbClr val="FFFF00"/>
+                </a:solidFill>
+              </a:rPr>
+              <a:t>Feeling lost/helpless, discomfort due to width and breadth of areas</a:t>
+            </a:r>
+          </a:p>
+          <a:p>
+            <a:pPr>
+              <a:lnSpc>
+                <a:spcPct val="100000"/>
+              </a:lnSpc>
+              <a:spcBef>
+                <a:spcPts val="0"/>
+              </a:spcBef>
+            </a:pPr>
+            <a:endParaRPr lang="is-IS" sz="1200" dirty="0" smtClean="0"/>
+          </a:p>
+          <a:p>
+            <a:pPr>
+              <a:lnSpc>
+                <a:spcPct val="100000"/>
+              </a:lnSpc>
+              <a:spcBef>
+                <a:spcPts val="0"/>
+              </a:spcBef>
+            </a:pPr>
+            <a:r>
+              <a:rPr lang="is-IS" sz="1200" dirty="0" smtClean="0"/>
+              <a:t>Windows makes it harder than it needs to be</a:t>
+            </a:r>
+          </a:p>
+          <a:p>
+            <a:pPr>
+              <a:lnSpc>
+                <a:spcPct val="100000"/>
+              </a:lnSpc>
+              <a:spcBef>
+                <a:spcPts val="0"/>
+              </a:spcBef>
+            </a:pPr>
+            <a:endParaRPr lang="is-IS" sz="1200" dirty="0" smtClean="0"/>
+          </a:p>
+          <a:p>
+            <a:pPr>
+              <a:lnSpc>
+                <a:spcPct val="100000"/>
+              </a:lnSpc>
+              <a:spcBef>
+                <a:spcPts val="0"/>
+              </a:spcBef>
+            </a:pPr>
+            <a:r>
+              <a:rPr lang="is-IS" sz="1200" dirty="0" smtClean="0"/>
+              <a:t>Lack of prioritization across projects</a:t>
+            </a:r>
+          </a:p>
+          <a:p>
+            <a:pPr>
+              <a:lnSpc>
+                <a:spcPct val="100000"/>
+              </a:lnSpc>
+              <a:spcBef>
+                <a:spcPts val="0"/>
+              </a:spcBef>
+            </a:pPr>
+            <a:endParaRPr lang="en-US" sz="1200" dirty="0" smtClean="0"/>
+          </a:p>
+          <a:p>
+            <a:pPr>
+              <a:lnSpc>
+                <a:spcPct val="100000"/>
+              </a:lnSpc>
+              <a:spcBef>
+                <a:spcPts val="0"/>
+              </a:spcBef>
+            </a:pPr>
+            <a:r>
               <a:rPr lang="en-US" sz="1200" dirty="0" smtClean="0"/>
-              <a:t>Over the next two years, you’re going to have to disappoint someone - It could be your manager, it could be the business, it could be your teammates, it could be your family, it could be yourself. You’re already at 100% and changing the way you work will seem like adding another 30% of work.  Choose wisely who you disappoint, and remember that you’re not in this transformation alone – sacrifice a little of your teammates sanity when yours is depleted cause it will require that kind of team effort.  Spend some time assisting the business units you support to be more self-sufficient – give them the tools and rights to help themselves so that you can focus on the true elements of infrastructure.  The near future and speed of infrastructure isn’t going to allow itself to be built and maintained by a Microsoft Wizard that simplifies the process and guides you through every procedure – even MS is rapidly changing its toolsets in response to the reinvention of IT infrastructure.  If you have any doubts, review what the sessions are at MS Ignite these days.</a:t>
-            </a:r>
-            <a:endParaRPr lang="en-US" sz="1200" dirty="0"/>
+              <a:t>The lack of time to experiment with technologies outside my immediate areas of responsibility has been frustrating</a:t>
+            </a:r>
           </a:p>
         </p:txBody>
       </p:sp>
@@ -2059,7 +1905,7 @@
     </p:spTree>
     <p:extLst>
       <p:ext uri="{BB962C8B-B14F-4D97-AF65-F5344CB8AC3E}">
-        <p14:creationId xmlns:p14="http://schemas.microsoft.com/office/powerpoint/2010/main" val="1275349748"/>
+        <p14:creationId xmlns:p14="http://schemas.microsoft.com/office/powerpoint/2010/main" val="1483193758"/>
       </p:ext>
     </p:extLst>
   </p:cSld>
@@ -2124,11 +1970,7 @@
             </a:pPr>
             <a:r>
               <a:rPr lang="en-US" sz="1200" dirty="0" smtClean="0"/>
-              <a:t>It’s </a:t>
-            </a:r>
-            <a:r>
-              <a:rPr lang="en-US" sz="1200" dirty="0" smtClean="0"/>
-              <a:t>really like that vacation your mom planned, to take you and a couple friends to the amusement park a short 5 hour drive away on the hottest August day of the summer.  That’s the trip you learn that one of your neighbor friends is really weird, someone was inevitably going to throw up in the car and others are going to follow, your mom is going to power you through it, and the family truckster will take some messy hits.  But you’re glad you didn’t miss the opportunity to hit that park and now you know how weird your neighbor is.  And as long as you have that car, you will know where to look to see those stains that will remind you of that trip.</a:t>
+              <a:t>It’s really like that vacation your mom planned, to take you and a couple friends to the amusement park a short 5 hour drive away on the hottest August day of the summer.  That’s the trip you learn that one of your neighbor friends is really weird, someone was inevitably going to throw up in the car and others are going to follow, your mom is going to power you through it, and the family truckster will take some messy hits.  But you’re glad you didn’t miss the opportunity to hit that park and now you know how weird your neighbor is.  And as long as you have that car, you will know where to look to see those stains that will remind you of that trip.</a:t>
             </a:r>
           </a:p>
           <a:p>
@@ -2224,11 +2066,176 @@
                 <a:spcPts val="0"/>
               </a:spcBef>
             </a:pPr>
-            <a:endParaRPr lang="is-IS" sz="1200" dirty="0" smtClean="0">
-              <a:solidFill>
-                <a:srgbClr val="FFFF00"/>
-              </a:solidFill>
-            </a:endParaRPr>
+            <a:r>
+              <a:rPr lang="en-US" sz="1200" dirty="0" smtClean="0">
+                <a:solidFill>
+                  <a:srgbClr val="FFFF00"/>
+                </a:solidFill>
+              </a:rPr>
+              <a:t>Constant change</a:t>
+            </a:r>
+            <a:r>
+              <a:rPr lang="is-IS" sz="1200" dirty="0" smtClean="0">
+                <a:solidFill>
+                  <a:srgbClr val="FFFF00"/>
+                </a:solidFill>
+              </a:rPr>
+              <a:t>… all the experiments, not enough time to go deep</a:t>
+            </a:r>
+          </a:p>
+          <a:p>
+            <a:pPr>
+              <a:lnSpc>
+                <a:spcPct val="100000"/>
+              </a:lnSpc>
+              <a:spcBef>
+                <a:spcPts val="0"/>
+              </a:spcBef>
+            </a:pPr>
+            <a:endParaRPr lang="is-IS" sz="1200" dirty="0" smtClean="0"/>
+          </a:p>
+          <a:p>
+            <a:pPr>
+              <a:lnSpc>
+                <a:spcPct val="100000"/>
+              </a:lnSpc>
+              <a:spcBef>
+                <a:spcPts val="0"/>
+              </a:spcBef>
+            </a:pPr>
+            <a:r>
+              <a:rPr lang="is-IS" sz="1200" dirty="0" smtClean="0"/>
+              <a:t>Adapting to change is difficult, especially for those in the field for many years</a:t>
+            </a:r>
+          </a:p>
+          <a:p>
+            <a:pPr>
+              <a:lnSpc>
+                <a:spcPct val="100000"/>
+              </a:lnSpc>
+              <a:spcBef>
+                <a:spcPts val="0"/>
+              </a:spcBef>
+            </a:pPr>
+            <a:endParaRPr lang="is-IS" sz="1200" dirty="0" smtClean="0"/>
+          </a:p>
+          <a:p>
+            <a:pPr>
+              <a:lnSpc>
+                <a:spcPct val="100000"/>
+              </a:lnSpc>
+              <a:spcBef>
+                <a:spcPts val="0"/>
+              </a:spcBef>
+            </a:pPr>
+            <a:r>
+              <a:rPr lang="is-IS" sz="1200" dirty="0" smtClean="0"/>
+              <a:t>Not being able to devote enough time to new work</a:t>
+            </a:r>
+          </a:p>
+          <a:p>
+            <a:pPr>
+              <a:lnSpc>
+                <a:spcPct val="100000"/>
+              </a:lnSpc>
+              <a:spcBef>
+                <a:spcPts val="0"/>
+              </a:spcBef>
+            </a:pPr>
+            <a:endParaRPr lang="is-IS" sz="1200" dirty="0" smtClean="0"/>
+          </a:p>
+          <a:p>
+            <a:pPr>
+              <a:lnSpc>
+                <a:spcPct val="100000"/>
+              </a:lnSpc>
+              <a:spcBef>
+                <a:spcPts val="0"/>
+              </a:spcBef>
+            </a:pPr>
+            <a:r>
+              <a:rPr lang="is-IS" sz="1200" dirty="0" smtClean="0">
+                <a:solidFill>
+                  <a:srgbClr val="FFFF00"/>
+                </a:solidFill>
+              </a:rPr>
+              <a:t>Feeling lost/helpless, discomfort due to width and breadth of areas</a:t>
+            </a:r>
+          </a:p>
+          <a:p>
+            <a:pPr>
+              <a:lnSpc>
+                <a:spcPct val="100000"/>
+              </a:lnSpc>
+              <a:spcBef>
+                <a:spcPts val="0"/>
+              </a:spcBef>
+            </a:pPr>
+            <a:endParaRPr lang="is-IS" sz="1200" dirty="0" smtClean="0"/>
+          </a:p>
+          <a:p>
+            <a:pPr>
+              <a:lnSpc>
+                <a:spcPct val="100000"/>
+              </a:lnSpc>
+              <a:spcBef>
+                <a:spcPts val="0"/>
+              </a:spcBef>
+            </a:pPr>
+            <a:r>
+              <a:rPr lang="is-IS" sz="1200" dirty="0" smtClean="0"/>
+              <a:t>Windows makes it harder than it needs to be</a:t>
+            </a:r>
+          </a:p>
+          <a:p>
+            <a:pPr>
+              <a:lnSpc>
+                <a:spcPct val="100000"/>
+              </a:lnSpc>
+              <a:spcBef>
+                <a:spcPts val="0"/>
+              </a:spcBef>
+            </a:pPr>
+            <a:endParaRPr lang="is-IS" sz="1200" dirty="0" smtClean="0"/>
+          </a:p>
+          <a:p>
+            <a:pPr>
+              <a:lnSpc>
+                <a:spcPct val="100000"/>
+              </a:lnSpc>
+              <a:spcBef>
+                <a:spcPts val="0"/>
+              </a:spcBef>
+            </a:pPr>
+            <a:r>
+              <a:rPr lang="is-IS" sz="1200" dirty="0" smtClean="0"/>
+              <a:t>Lack of prioritization across projects</a:t>
+            </a:r>
+          </a:p>
+          <a:p>
+            <a:pPr>
+              <a:lnSpc>
+                <a:spcPct val="100000"/>
+              </a:lnSpc>
+              <a:spcBef>
+                <a:spcPts val="0"/>
+              </a:spcBef>
+            </a:pPr>
+            <a:endParaRPr lang="en-US" sz="1200" dirty="0" smtClean="0"/>
+          </a:p>
+          <a:p>
+            <a:pPr>
+              <a:lnSpc>
+                <a:spcPct val="100000"/>
+              </a:lnSpc>
+              <a:spcBef>
+                <a:spcPts val="0"/>
+              </a:spcBef>
+            </a:pPr>
+            <a:r>
+              <a:rPr lang="en-US" sz="1200" dirty="0" smtClean="0"/>
+              <a:t>The lack of time to experiment with technologies outside my immediate areas of responsibility has been frustrating</a:t>
+            </a:r>
           </a:p>
         </p:txBody>
       </p:sp>
@@ -2258,7 +2265,7 @@
     </p:spTree>
     <p:extLst>
       <p:ext uri="{BB962C8B-B14F-4D97-AF65-F5344CB8AC3E}">
-        <p14:creationId xmlns:p14="http://schemas.microsoft.com/office/powerpoint/2010/main" val="319782547"/>
+        <p14:creationId xmlns:p14="http://schemas.microsoft.com/office/powerpoint/2010/main" val="162501152"/>
       </p:ext>
     </p:extLst>
   </p:cSld>
@@ -2320,11 +2327,7 @@
                 <a:spcPts val="0"/>
               </a:spcBef>
             </a:pPr>
-            <a:endParaRPr lang="is-IS" sz="1200" dirty="0" smtClean="0">
-              <a:solidFill>
-                <a:srgbClr val="FFFF00"/>
-              </a:solidFill>
-            </a:endParaRPr>
+            <a:endParaRPr lang="en-US" sz="1200" dirty="0" smtClean="0"/>
           </a:p>
         </p:txBody>
       </p:sp>
@@ -2354,7 +2357,7 @@
     </p:spTree>
     <p:extLst>
       <p:ext uri="{BB962C8B-B14F-4D97-AF65-F5344CB8AC3E}">
-        <p14:creationId xmlns:p14="http://schemas.microsoft.com/office/powerpoint/2010/main" val="984156013"/>
+        <p14:creationId xmlns:p14="http://schemas.microsoft.com/office/powerpoint/2010/main" val="225048674"/>
       </p:ext>
     </p:extLst>
   </p:cSld>
@@ -2408,19 +2411,24 @@
           <a:bodyPr/>
           <a:lstStyle/>
           <a:p>
-            <a:pPr>
-              <a:lnSpc>
-                <a:spcPct val="100000"/>
-              </a:lnSpc>
-              <a:spcBef>
-                <a:spcPts val="0"/>
-              </a:spcBef>
-            </a:pPr>
-            <a:endParaRPr lang="is-IS" sz="1200" dirty="0" smtClean="0">
-              <a:solidFill>
-                <a:srgbClr val="FFFF00"/>
-              </a:solidFill>
-            </a:endParaRPr>
+            <a:r>
+              <a:rPr lang="en-US" dirty="0" smtClean="0"/>
+              <a:t>Is it</a:t>
+            </a:r>
+            <a:r>
+              <a:rPr lang="en-US" baseline="0" dirty="0" smtClean="0"/>
+              <a:t> enough to tell your teams to have a growth mindset?</a:t>
+            </a:r>
+          </a:p>
+          <a:p>
+            <a:endParaRPr lang="en-US" baseline="0" dirty="0" smtClean="0"/>
+          </a:p>
+          <a:p>
+            <a:r>
+              <a:rPr lang="en-US" baseline="0" dirty="0" smtClean="0"/>
+              <a:t>I had a feeling we don’t appreciate the difficulty and pain of re-developing a growth mindset</a:t>
+            </a:r>
+            <a:endParaRPr lang="en-US" dirty="0"/>
           </a:p>
         </p:txBody>
       </p:sp>
@@ -2450,7 +2458,7 @@
     </p:spTree>
     <p:extLst>
       <p:ext uri="{BB962C8B-B14F-4D97-AF65-F5344CB8AC3E}">
-        <p14:creationId xmlns:p14="http://schemas.microsoft.com/office/powerpoint/2010/main" val="1205273723"/>
+        <p14:creationId xmlns:p14="http://schemas.microsoft.com/office/powerpoint/2010/main" val="675792606"/>
       </p:ext>
     </p:extLst>
   </p:cSld>
@@ -2504,19 +2512,20 @@
           <a:bodyPr/>
           <a:lstStyle/>
           <a:p>
-            <a:pPr>
+            <a:pPr marL="0" indent="0">
               <a:lnSpc>
                 <a:spcPct val="100000"/>
               </a:lnSpc>
               <a:spcBef>
                 <a:spcPts val="0"/>
               </a:spcBef>
+              <a:buNone/>
             </a:pPr>
-            <a:endParaRPr lang="is-IS" sz="1200" dirty="0" smtClean="0">
-              <a:solidFill>
-                <a:srgbClr val="FFFF00"/>
-              </a:solidFill>
-            </a:endParaRPr>
+            <a:r>
+              <a:rPr lang="en-US" sz="1200" dirty="0" smtClean="0"/>
+              <a:t>Over the next two years, you’re going to have to disappoint someone - It could be your manager, it could be the business, it could be your teammates, it could be your family, it could be yourself. You’re already at 100% and changing the way you work will seem like adding another 30% of work.  Choose wisely who you disappoint, and remember that you’re not in this transformation alone – sacrifice a little of your teammates sanity when yours is depleted cause it will require that kind of team effort.  Spend some time assisting the business units you support to be more self-sufficient – give them the tools and rights to help themselves so that you can focus on the true elements of infrastructure.  The near future and speed of infrastructure isn’t going to allow itself to be built and maintained by a Microsoft Wizard that simplifies the process and guides you through every procedure – even MS is rapidly changing its toolsets in response to the reinvention of IT infrastructure.  If you have any doubts, review what the sessions are at MS Ignite these days.</a:t>
+            </a:r>
+            <a:endParaRPr lang="en-US" sz="1200" dirty="0"/>
           </a:p>
         </p:txBody>
       </p:sp>
@@ -2546,7 +2555,7 @@
     </p:spTree>
     <p:extLst>
       <p:ext uri="{BB962C8B-B14F-4D97-AF65-F5344CB8AC3E}">
-        <p14:creationId xmlns:p14="http://schemas.microsoft.com/office/powerpoint/2010/main" val="1237062570"/>
+        <p14:creationId xmlns:p14="http://schemas.microsoft.com/office/powerpoint/2010/main" val="1275349748"/>
       </p:ext>
     </p:extLst>
   </p:cSld>
@@ -2600,7 +2609,19 @@
           <a:bodyPr/>
           <a:lstStyle/>
           <a:p>
-            <a:endParaRPr lang="en-US"/>
+            <a:pPr>
+              <a:lnSpc>
+                <a:spcPct val="100000"/>
+              </a:lnSpc>
+              <a:spcBef>
+                <a:spcPts val="0"/>
+              </a:spcBef>
+            </a:pPr>
+            <a:endParaRPr lang="is-IS" sz="1200" dirty="0" smtClean="0">
+              <a:solidFill>
+                <a:srgbClr val="FFFF00"/>
+              </a:solidFill>
+            </a:endParaRPr>
           </a:p>
         </p:txBody>
       </p:sp>
@@ -2630,7 +2651,7 @@
     </p:spTree>
     <p:extLst>
       <p:ext uri="{BB962C8B-B14F-4D97-AF65-F5344CB8AC3E}">
-        <p14:creationId xmlns:p14="http://schemas.microsoft.com/office/powerpoint/2010/main" val="279447973"/>
+        <p14:creationId xmlns:p14="http://schemas.microsoft.com/office/powerpoint/2010/main" val="319782547"/>
       </p:ext>
     </p:extLst>
   </p:cSld>
@@ -2684,7 +2705,19 @@
           <a:bodyPr/>
           <a:lstStyle/>
           <a:p>
-            <a:endParaRPr lang="en-US"/>
+            <a:pPr>
+              <a:lnSpc>
+                <a:spcPct val="100000"/>
+              </a:lnSpc>
+              <a:spcBef>
+                <a:spcPts val="0"/>
+              </a:spcBef>
+            </a:pPr>
+            <a:endParaRPr lang="is-IS" sz="1200" dirty="0" smtClean="0">
+              <a:solidFill>
+                <a:srgbClr val="FFFF00"/>
+              </a:solidFill>
+            </a:endParaRPr>
           </a:p>
         </p:txBody>
       </p:sp>
@@ -2714,7 +2747,7 @@
     </p:spTree>
     <p:extLst>
       <p:ext uri="{BB962C8B-B14F-4D97-AF65-F5344CB8AC3E}">
-        <p14:creationId xmlns:p14="http://schemas.microsoft.com/office/powerpoint/2010/main" val="135346222"/>
+        <p14:creationId xmlns:p14="http://schemas.microsoft.com/office/powerpoint/2010/main" val="984156013"/>
       </p:ext>
     </p:extLst>
   </p:cSld>
@@ -2768,7 +2801,19 @@
           <a:bodyPr/>
           <a:lstStyle/>
           <a:p>
-            <a:endParaRPr lang="en-US"/>
+            <a:pPr>
+              <a:lnSpc>
+                <a:spcPct val="100000"/>
+              </a:lnSpc>
+              <a:spcBef>
+                <a:spcPts val="0"/>
+              </a:spcBef>
+            </a:pPr>
+            <a:endParaRPr lang="is-IS" sz="1200" dirty="0" smtClean="0">
+              <a:solidFill>
+                <a:srgbClr val="FFFF00"/>
+              </a:solidFill>
+            </a:endParaRPr>
           </a:p>
         </p:txBody>
       </p:sp>
@@ -2798,7 +2843,7 @@
     </p:spTree>
     <p:extLst>
       <p:ext uri="{BB962C8B-B14F-4D97-AF65-F5344CB8AC3E}">
-        <p14:creationId xmlns:p14="http://schemas.microsoft.com/office/powerpoint/2010/main" val="578770981"/>
+        <p14:creationId xmlns:p14="http://schemas.microsoft.com/office/powerpoint/2010/main" val="1205273723"/>
       </p:ext>
     </p:extLst>
   </p:cSld>
@@ -2852,7 +2897,24 @@
           <a:bodyPr/>
           <a:lstStyle/>
           <a:p>
-            <a:endParaRPr lang="en-US"/>
+            <a:r>
+              <a:rPr lang="en-US" dirty="0" smtClean="0"/>
+              <a:t>Is it</a:t>
+            </a:r>
+            <a:r>
+              <a:rPr lang="en-US" baseline="0" dirty="0" smtClean="0"/>
+              <a:t> enough to tell your teams to have a growth mindset?</a:t>
+            </a:r>
+          </a:p>
+          <a:p>
+            <a:endParaRPr lang="en-US" baseline="0" dirty="0" smtClean="0"/>
+          </a:p>
+          <a:p>
+            <a:r>
+              <a:rPr lang="en-US" baseline="0" dirty="0" smtClean="0"/>
+              <a:t>I had a feeling we don’t appreciate the difficulty and pain of re-developing a growth mindset</a:t>
+            </a:r>
+            <a:endParaRPr lang="en-US" dirty="0"/>
           </a:p>
         </p:txBody>
       </p:sp>
@@ -2882,7 +2944,7 @@
     </p:spTree>
     <p:extLst>
       <p:ext uri="{BB962C8B-B14F-4D97-AF65-F5344CB8AC3E}">
-        <p14:creationId xmlns:p14="http://schemas.microsoft.com/office/powerpoint/2010/main" val="1217095908"/>
+        <p14:creationId xmlns:p14="http://schemas.microsoft.com/office/powerpoint/2010/main" val="1696205923"/>
       </p:ext>
     </p:extLst>
   </p:cSld>
@@ -2936,7 +2998,35 @@
           <a:bodyPr/>
           <a:lstStyle/>
           <a:p>
-            <a:endParaRPr lang="en-US" dirty="0"/>
+            <a:pPr>
+              <a:lnSpc>
+                <a:spcPct val="100000"/>
+              </a:lnSpc>
+              <a:spcBef>
+                <a:spcPts val="0"/>
+              </a:spcBef>
+            </a:pPr>
+            <a:r>
+              <a:rPr lang="is-IS" sz="1200" dirty="0" smtClean="0">
+                <a:solidFill>
+                  <a:srgbClr val="FFFF00"/>
+                </a:solidFill>
+              </a:rPr>
+              <a:t>These topics anticipated by the team is</a:t>
+            </a:r>
+            <a:r>
+              <a:rPr lang="is-IS" sz="1200" baseline="0" dirty="0" smtClean="0">
+                <a:solidFill>
+                  <a:srgbClr val="FFFF00"/>
+                </a:solidFill>
+              </a:rPr>
+              <a:t> 180 degrees from where we started 2 years ago</a:t>
+            </a:r>
+            <a:endParaRPr lang="is-IS" sz="1200" dirty="0" smtClean="0">
+              <a:solidFill>
+                <a:srgbClr val="FFFF00"/>
+              </a:solidFill>
+            </a:endParaRPr>
           </a:p>
         </p:txBody>
       </p:sp>
@@ -2966,7 +3056,7 @@
     </p:spTree>
     <p:extLst>
       <p:ext uri="{BB962C8B-B14F-4D97-AF65-F5344CB8AC3E}">
-        <p14:creationId xmlns:p14="http://schemas.microsoft.com/office/powerpoint/2010/main" val="1127834491"/>
+        <p14:creationId xmlns:p14="http://schemas.microsoft.com/office/powerpoint/2010/main" val="1237062570"/>
       </p:ext>
     </p:extLst>
   </p:cSld>
@@ -3020,7 +3110,7 @@
           <a:bodyPr/>
           <a:lstStyle/>
           <a:p>
-            <a:endParaRPr lang="en-US" dirty="0"/>
+            <a:endParaRPr lang="en-US"/>
           </a:p>
         </p:txBody>
       </p:sp>
@@ -3050,7 +3140,7 @@
     </p:spTree>
     <p:extLst>
       <p:ext uri="{BB962C8B-B14F-4D97-AF65-F5344CB8AC3E}">
-        <p14:creationId xmlns:p14="http://schemas.microsoft.com/office/powerpoint/2010/main" val="822704926"/>
+        <p14:creationId xmlns:p14="http://schemas.microsoft.com/office/powerpoint/2010/main" val="279447973"/>
       </p:ext>
     </p:extLst>
   </p:cSld>
@@ -3196,7 +3286,7 @@
           <a:bodyPr/>
           <a:lstStyle/>
           <a:p>
-            <a:endParaRPr lang="en-US" dirty="0"/>
+            <a:endParaRPr lang="en-US"/>
           </a:p>
         </p:txBody>
       </p:sp>
@@ -3226,7 +3316,7 @@
     </p:spTree>
     <p:extLst>
       <p:ext uri="{BB962C8B-B14F-4D97-AF65-F5344CB8AC3E}">
-        <p14:creationId xmlns:p14="http://schemas.microsoft.com/office/powerpoint/2010/main" val="635388845"/>
+        <p14:creationId xmlns:p14="http://schemas.microsoft.com/office/powerpoint/2010/main" val="135346222"/>
       </p:ext>
     </p:extLst>
   </p:cSld>
@@ -3280,155 +3370,7 @@
           <a:bodyPr/>
           <a:lstStyle/>
           <a:p>
-            <a:r>
-              <a:rPr lang="en-US" sz="1200" b="1" kern="1200" dirty="0" smtClean="0">
-                <a:solidFill>
-                  <a:schemeClr val="tx1"/>
-                </a:solidFill>
-                <a:effectLst/>
-                <a:latin typeface="+mn-lt"/>
-                <a:ea typeface="+mn-ea"/>
-                <a:cs typeface="+mn-cs"/>
-              </a:rPr>
-              <a:t>The </a:t>
-            </a:r>
-            <a:r>
-              <a:rPr lang="en-US" sz="1200" b="1" kern="1200" dirty="0" err="1" smtClean="0">
-                <a:solidFill>
-                  <a:schemeClr val="tx1"/>
-                </a:solidFill>
-                <a:effectLst/>
-                <a:latin typeface="+mn-lt"/>
-                <a:ea typeface="+mn-ea"/>
-                <a:cs typeface="+mn-cs"/>
-              </a:rPr>
-              <a:t>Westrum</a:t>
-            </a:r>
-            <a:r>
-              <a:rPr lang="en-US" sz="1200" b="1" kern="1200" dirty="0" smtClean="0">
-                <a:solidFill>
-                  <a:schemeClr val="tx1"/>
-                </a:solidFill>
-                <a:effectLst/>
-                <a:latin typeface="+mn-lt"/>
-                <a:ea typeface="+mn-ea"/>
-                <a:cs typeface="+mn-cs"/>
-              </a:rPr>
-              <a:t> Model </a:t>
-            </a:r>
-            <a:endParaRPr lang="en-US" dirty="0" smtClean="0">
-              <a:effectLst/>
-            </a:endParaRPr>
-          </a:p>
-          <a:p>
-            <a:r>
-              <a:rPr lang="en-US" sz="1200" b="0" kern="1200" dirty="0" smtClean="0">
-                <a:solidFill>
-                  <a:schemeClr val="tx1"/>
-                </a:solidFill>
-                <a:effectLst/>
-                <a:latin typeface="+mn-lt"/>
-                <a:ea typeface="+mn-ea"/>
-                <a:cs typeface="+mn-cs"/>
-              </a:rPr>
-              <a:t>typology developed by Ron </a:t>
-            </a:r>
-            <a:r>
-              <a:rPr lang="en-US" sz="1200" b="0" kern="1200" dirty="0" err="1" smtClean="0">
-                <a:solidFill>
-                  <a:schemeClr val="tx1"/>
-                </a:solidFill>
-                <a:effectLst/>
-                <a:latin typeface="+mn-lt"/>
-                <a:ea typeface="+mn-ea"/>
-                <a:cs typeface="+mn-cs"/>
-              </a:rPr>
-              <a:t>Westrum</a:t>
-            </a:r>
-            <a:r>
-              <a:rPr lang="en-US" sz="1200" b="0" kern="1200" dirty="0" smtClean="0">
-                <a:solidFill>
-                  <a:schemeClr val="tx1"/>
-                </a:solidFill>
-                <a:effectLst/>
-                <a:latin typeface="+mn-lt"/>
-                <a:ea typeface="+mn-ea"/>
-                <a:cs typeface="+mn-cs"/>
-              </a:rPr>
-              <a:t>, a sociologist who found that organizational culture was predictive of safety and performance outcomes in the healthcare industry. </a:t>
-            </a:r>
-            <a:r>
-              <a:rPr lang="en-US" sz="1200" b="0" kern="1200" dirty="0" err="1" smtClean="0">
-                <a:solidFill>
-                  <a:schemeClr val="tx1"/>
-                </a:solidFill>
-                <a:effectLst/>
-                <a:latin typeface="+mn-lt"/>
-                <a:ea typeface="+mn-ea"/>
-                <a:cs typeface="+mn-cs"/>
-              </a:rPr>
-              <a:t>Westrum</a:t>
-            </a:r>
-            <a:r>
-              <a:rPr lang="en-US" sz="1200" b="0" kern="1200" dirty="0" smtClean="0">
-                <a:solidFill>
-                  <a:schemeClr val="tx1"/>
-                </a:solidFill>
-                <a:effectLst/>
-                <a:latin typeface="+mn-lt"/>
-                <a:ea typeface="+mn-ea"/>
-                <a:cs typeface="+mn-cs"/>
-              </a:rPr>
-              <a:t> developed a typology of organizational cultures that includes three types of organizations: </a:t>
-            </a:r>
-            <a:endParaRPr lang="en-US" dirty="0" smtClean="0">
-              <a:effectLst/>
-            </a:endParaRPr>
-          </a:p>
-          <a:p>
-            <a:r>
-              <a:rPr lang="en-US" sz="1200" b="0" kern="1200" dirty="0" smtClean="0">
-                <a:solidFill>
-                  <a:schemeClr val="tx1"/>
-                </a:solidFill>
-                <a:effectLst/>
-                <a:latin typeface="+mn-lt"/>
-                <a:ea typeface="+mn-ea"/>
-                <a:cs typeface="+mn-cs"/>
-              </a:rPr>
-              <a:t>* Pathological (power-oriented). These organizations are characterized by low cooperation across groups and a culture of blame. Information is often withheld for personal gain. </a:t>
-            </a:r>
-          </a:p>
-          <a:p>
-            <a:r>
-              <a:rPr lang="en-US" sz="1200" b="0" kern="1200" dirty="0" smtClean="0">
-                <a:solidFill>
-                  <a:schemeClr val="tx1"/>
-                </a:solidFill>
-                <a:effectLst/>
-                <a:latin typeface="+mn-lt"/>
-                <a:ea typeface="+mn-ea"/>
-                <a:cs typeface="+mn-cs"/>
-              </a:rPr>
-              <a:t>* Bureaucratic (rule-oriented). Bureaucratic cultures are preoccupied with rules and positions, and responsibilities are compartmentalized by department, with little concern for the overall mission of the organization. </a:t>
-            </a:r>
-          </a:p>
-          <a:p>
-            <a:r>
-              <a:rPr lang="en-US" sz="1200" b="0" kern="1200" dirty="0" smtClean="0">
-                <a:solidFill>
-                  <a:schemeClr val="tx1"/>
-                </a:solidFill>
-                <a:effectLst/>
-                <a:latin typeface="+mn-lt"/>
-                <a:ea typeface="+mn-ea"/>
-                <a:cs typeface="+mn-cs"/>
-              </a:rPr>
-              <a:t>* Generative (performance-oriented). The hallmarks of a generative organization are good information flow, high cooperation and trust, bridging between teams, and conscious inquiry. </a:t>
-            </a:r>
-          </a:p>
-          <a:p>
-            <a:endParaRPr lang="en-US" dirty="0"/>
+            <a:endParaRPr lang="en-US"/>
           </a:p>
         </p:txBody>
       </p:sp>
@@ -3458,7 +3400,7 @@
     </p:spTree>
     <p:extLst>
       <p:ext uri="{BB962C8B-B14F-4D97-AF65-F5344CB8AC3E}">
-        <p14:creationId xmlns:p14="http://schemas.microsoft.com/office/powerpoint/2010/main" val="1423382335"/>
+        <p14:creationId xmlns:p14="http://schemas.microsoft.com/office/powerpoint/2010/main" val="578770981"/>
       </p:ext>
     </p:extLst>
   </p:cSld>
@@ -3512,7 +3454,64 @@
           <a:bodyPr/>
           <a:lstStyle/>
           <a:p>
-            <a:endParaRPr lang="en-US" sz="1200" dirty="0" smtClean="0"/>
+            <a:r>
+              <a:rPr lang="en-US" dirty="0" smtClean="0"/>
+              <a:t>The next time you pitch I want you to try to put the ball where the bat will be</a:t>
+            </a:r>
+          </a:p>
+          <a:p>
+            <a:r>
+              <a:rPr lang="is-IS" dirty="0" smtClean="0"/>
+              <a:t>…can you imagine how</a:t>
+            </a:r>
+            <a:r>
+              <a:rPr lang="is-IS" baseline="0" dirty="0" smtClean="0"/>
+              <a:t> the kid will feel if he gets a hit?  </a:t>
+            </a:r>
+          </a:p>
+          <a:p>
+            <a:r>
+              <a:rPr lang="is-IS" baseline="0" dirty="0" smtClean="0"/>
+              <a:t>...That experience will stay with the kid the entire year.  </a:t>
+            </a:r>
+            <a:endParaRPr lang="en-US" dirty="0" smtClean="0"/>
+          </a:p>
+          <a:p>
+            <a:endParaRPr lang="en-US" dirty="0" smtClean="0"/>
+          </a:p>
+          <a:p>
+            <a:r>
+              <a:rPr lang="en-US" dirty="0" smtClean="0"/>
+              <a:t>It’s not that I was trying to strike kids out, it was that I wasn’t mindful</a:t>
+            </a:r>
+            <a:r>
+              <a:rPr lang="en-US" baseline="0" dirty="0" smtClean="0"/>
+              <a:t> about the opportunity to cultivate self-esteem.</a:t>
+            </a:r>
+            <a:endParaRPr lang="en-US" dirty="0" smtClean="0"/>
+          </a:p>
+          <a:p>
+            <a:endParaRPr lang="en-US" dirty="0" smtClean="0"/>
+          </a:p>
+          <a:p>
+            <a:r>
+              <a:rPr lang="en-US" dirty="0" smtClean="0"/>
+              <a:t>Is your transformation putting the</a:t>
+            </a:r>
+            <a:r>
+              <a:rPr lang="en-US" baseline="0" dirty="0" smtClean="0"/>
+              <a:t> ball where the bat will be?  </a:t>
+            </a:r>
+          </a:p>
+          <a:p>
+            <a:endParaRPr lang="en-US" baseline="0" dirty="0" smtClean="0"/>
+          </a:p>
+          <a:p>
+            <a:r>
+              <a:rPr lang="en-US" baseline="0" dirty="0" smtClean="0"/>
+              <a:t>Are you mindfully structuring your activities for inclusion?</a:t>
+            </a:r>
+            <a:endParaRPr lang="en-US" dirty="0"/>
           </a:p>
         </p:txBody>
       </p:sp>
@@ -3542,7 +3541,7 @@
     </p:spTree>
     <p:extLst>
       <p:ext uri="{BB962C8B-B14F-4D97-AF65-F5344CB8AC3E}">
-        <p14:creationId xmlns:p14="http://schemas.microsoft.com/office/powerpoint/2010/main" val="800953224"/>
+        <p14:creationId xmlns:p14="http://schemas.microsoft.com/office/powerpoint/2010/main" val="1217095908"/>
       </p:ext>
     </p:extLst>
   </p:cSld>
@@ -3596,478 +3595,7 @@
           <a:bodyPr/>
           <a:lstStyle/>
           <a:p>
-            <a:pPr marL="171450" indent="-171450">
-              <a:lnSpc>
-                <a:spcPct val="100000"/>
-              </a:lnSpc>
-              <a:spcBef>
-                <a:spcPts val="0"/>
-              </a:spcBef>
-              <a:buFont typeface="Arial" charset="0"/>
-              <a:buChar char="•"/>
-            </a:pPr>
-            <a:r>
-              <a:rPr lang="en-US" sz="1200" b="0" i="0" kern="1200" dirty="0" smtClean="0">
-                <a:solidFill>
-                  <a:schemeClr val="tx1"/>
-                </a:solidFill>
-                <a:effectLst/>
-                <a:latin typeface="+mn-lt"/>
-                <a:ea typeface="+mn-ea"/>
-                <a:cs typeface="+mn-cs"/>
-              </a:rPr>
-              <a:t>Now for a bit of tough</a:t>
-            </a:r>
-            <a:r>
-              <a:rPr lang="en-US" sz="1200" b="0" i="0" kern="1200" baseline="0" dirty="0" smtClean="0">
-                <a:solidFill>
-                  <a:schemeClr val="tx1"/>
-                </a:solidFill>
-                <a:effectLst/>
-                <a:latin typeface="+mn-lt"/>
-                <a:ea typeface="+mn-ea"/>
-                <a:cs typeface="+mn-cs"/>
-              </a:rPr>
-              <a:t> love:  As a former Army Officer, I have high expectations for leaders and myself.</a:t>
-            </a:r>
-          </a:p>
-          <a:p>
-            <a:pPr marL="171450" indent="-171450">
-              <a:lnSpc>
-                <a:spcPct val="100000"/>
-              </a:lnSpc>
-              <a:spcBef>
-                <a:spcPts val="0"/>
-              </a:spcBef>
-              <a:buFont typeface="Arial" charset="0"/>
-              <a:buChar char="•"/>
-            </a:pPr>
-            <a:endParaRPr lang="en-US" sz="1200" b="0" i="0" kern="1200" dirty="0" smtClean="0">
-              <a:solidFill>
-                <a:schemeClr val="tx1"/>
-              </a:solidFill>
-              <a:effectLst/>
-              <a:latin typeface="+mn-lt"/>
-              <a:ea typeface="+mn-ea"/>
-              <a:cs typeface="+mn-cs"/>
-            </a:endParaRPr>
-          </a:p>
-          <a:p>
-            <a:pPr marL="171450" indent="-171450">
-              <a:lnSpc>
-                <a:spcPct val="100000"/>
-              </a:lnSpc>
-              <a:spcBef>
-                <a:spcPts val="0"/>
-              </a:spcBef>
-              <a:buFont typeface="Arial" charset="0"/>
-              <a:buChar char="•"/>
-            </a:pPr>
-            <a:r>
-              <a:rPr lang="en-US" sz="1200" b="0" i="0" kern="1200" dirty="0" smtClean="0">
-                <a:solidFill>
-                  <a:schemeClr val="tx1"/>
-                </a:solidFill>
-                <a:effectLst/>
-                <a:latin typeface="+mn-lt"/>
-                <a:ea typeface="+mn-ea"/>
-                <a:cs typeface="+mn-cs"/>
-              </a:rPr>
-              <a:t>The </a:t>
-            </a:r>
-            <a:r>
-              <a:rPr lang="en-US" sz="1200" b="0" i="0" kern="1200" dirty="0" smtClean="0">
-                <a:solidFill>
-                  <a:schemeClr val="tx1"/>
-                </a:solidFill>
-                <a:effectLst/>
-                <a:latin typeface="+mn-lt"/>
-                <a:ea typeface="+mn-ea"/>
-                <a:cs typeface="+mn-cs"/>
-              </a:rPr>
-              <a:t>role of a leader in the learning organization is that of a designer, teacher, and steward who can build shared vision and challenge prevailing mental models. </a:t>
-            </a:r>
-            <a:r>
-              <a:rPr lang="en-US" sz="1200" b="0" i="0" kern="1200" dirty="0" smtClean="0">
-                <a:solidFill>
-                  <a:schemeClr val="tx1"/>
-                </a:solidFill>
-                <a:effectLst/>
-                <a:latin typeface="+mn-lt"/>
-                <a:ea typeface="+mn-ea"/>
-                <a:cs typeface="+mn-cs"/>
-              </a:rPr>
-              <a:t>The</a:t>
-            </a:r>
-            <a:r>
-              <a:rPr lang="en-US" sz="1200" b="0" i="0" kern="1200" baseline="0" dirty="0" smtClean="0">
-                <a:solidFill>
-                  <a:schemeClr val="tx1"/>
-                </a:solidFill>
-                <a:effectLst/>
-                <a:latin typeface="+mn-lt"/>
-                <a:ea typeface="+mn-ea"/>
-                <a:cs typeface="+mn-cs"/>
-              </a:rPr>
-              <a:t> leader </a:t>
-            </a:r>
-            <a:r>
-              <a:rPr lang="en-US" sz="1200" b="0" i="0" kern="1200" dirty="0" smtClean="0">
-                <a:solidFill>
-                  <a:schemeClr val="tx1"/>
-                </a:solidFill>
-                <a:effectLst/>
-                <a:latin typeface="+mn-lt"/>
-                <a:ea typeface="+mn-ea"/>
-                <a:cs typeface="+mn-cs"/>
-              </a:rPr>
-              <a:t>is </a:t>
-            </a:r>
-            <a:r>
-              <a:rPr lang="en-US" sz="1200" b="0" i="0" kern="1200" dirty="0" smtClean="0">
-                <a:solidFill>
-                  <a:schemeClr val="tx1"/>
-                </a:solidFill>
-                <a:effectLst/>
-                <a:latin typeface="+mn-lt"/>
-                <a:ea typeface="+mn-ea"/>
-                <a:cs typeface="+mn-cs"/>
-              </a:rPr>
-              <a:t>responsible </a:t>
-            </a:r>
-            <a:r>
-              <a:rPr lang="en-US" sz="1200" b="0" i="0" kern="1200" dirty="0" smtClean="0">
-                <a:solidFill>
-                  <a:schemeClr val="tx1"/>
-                </a:solidFill>
-                <a:effectLst/>
-                <a:latin typeface="+mn-lt"/>
-                <a:ea typeface="+mn-ea"/>
-                <a:cs typeface="+mn-cs"/>
-              </a:rPr>
-              <a:t>for</a:t>
-            </a:r>
-            <a:r>
-              <a:rPr lang="en-US" sz="1200" b="0" i="0" kern="1200" baseline="0" dirty="0" smtClean="0">
-                <a:solidFill>
-                  <a:schemeClr val="tx1"/>
-                </a:solidFill>
-                <a:effectLst/>
-                <a:latin typeface="+mn-lt"/>
-                <a:ea typeface="+mn-ea"/>
-                <a:cs typeface="+mn-cs"/>
-              </a:rPr>
-              <a:t> learning</a:t>
-            </a:r>
-            <a:r>
-              <a:rPr lang="en-US" sz="1200" b="0" i="0" kern="1200" dirty="0" smtClean="0">
-                <a:solidFill>
-                  <a:schemeClr val="tx1"/>
-                </a:solidFill>
-                <a:effectLst/>
-                <a:latin typeface="+mn-lt"/>
-                <a:ea typeface="+mn-ea"/>
-                <a:cs typeface="+mn-cs"/>
-              </a:rPr>
-              <a:t>.</a:t>
-            </a:r>
-            <a:endParaRPr lang="en-US" sz="1200" b="0" i="0" kern="1200" dirty="0" smtClean="0">
-              <a:solidFill>
-                <a:schemeClr val="tx1"/>
-              </a:solidFill>
-              <a:effectLst/>
-              <a:latin typeface="+mn-lt"/>
-              <a:ea typeface="+mn-ea"/>
-              <a:cs typeface="+mn-cs"/>
-            </a:endParaRPr>
-          </a:p>
-          <a:p>
-            <a:pPr marL="171450" indent="-171450">
-              <a:lnSpc>
-                <a:spcPct val="100000"/>
-              </a:lnSpc>
-              <a:spcBef>
-                <a:spcPts val="0"/>
-              </a:spcBef>
-              <a:buFont typeface="Arial" charset="0"/>
-              <a:buChar char="•"/>
-            </a:pPr>
-            <a:endParaRPr lang="is-IS" sz="1200" dirty="0" smtClean="0">
-              <a:solidFill>
-                <a:srgbClr val="FFFF00"/>
-              </a:solidFill>
-            </a:endParaRPr>
-          </a:p>
-          <a:p>
-            <a:pPr marL="171450" indent="-171450">
-              <a:lnSpc>
-                <a:spcPct val="100000"/>
-              </a:lnSpc>
-              <a:spcBef>
-                <a:spcPts val="0"/>
-              </a:spcBef>
-              <a:buFont typeface="Arial" charset="0"/>
-              <a:buChar char="•"/>
-            </a:pPr>
-            <a:r>
-              <a:rPr lang="is-IS" sz="1200" dirty="0" smtClean="0">
-                <a:solidFill>
-                  <a:srgbClr val="FFFF00"/>
-                </a:solidFill>
-              </a:rPr>
-              <a:t>Here are some questions to reflect</a:t>
-            </a:r>
-            <a:r>
-              <a:rPr lang="is-IS" sz="1200" baseline="0" dirty="0" smtClean="0">
-                <a:solidFill>
-                  <a:srgbClr val="FFFF00"/>
-                </a:solidFill>
-              </a:rPr>
-              <a:t> on:</a:t>
-            </a:r>
-            <a:endParaRPr lang="is-IS" sz="1200" dirty="0" smtClean="0">
-              <a:solidFill>
-                <a:srgbClr val="FFFF00"/>
-              </a:solidFill>
-            </a:endParaRPr>
-          </a:p>
-          <a:p>
-            <a:pPr marL="628650" lvl="1" indent="-171450">
-              <a:lnSpc>
-                <a:spcPct val="100000"/>
-              </a:lnSpc>
-              <a:spcBef>
-                <a:spcPts val="0"/>
-              </a:spcBef>
-              <a:buFont typeface="Arial" charset="0"/>
-              <a:buChar char="•"/>
-            </a:pPr>
-            <a:r>
-              <a:rPr lang="is-IS" sz="1200" dirty="0" smtClean="0">
-                <a:solidFill>
-                  <a:srgbClr val="FFFF00"/>
-                </a:solidFill>
-              </a:rPr>
-              <a:t>Do you believe in your team?</a:t>
-            </a:r>
-          </a:p>
-          <a:p>
-            <a:pPr marL="628650" marR="0" lvl="1" indent="-171450" algn="l" defTabSz="914400" rtl="0" eaLnBrk="1" fontAlgn="auto" latinLnBrk="0" hangingPunct="1">
-              <a:lnSpc>
-                <a:spcPct val="100000"/>
-              </a:lnSpc>
-              <a:spcBef>
-                <a:spcPts val="0"/>
-              </a:spcBef>
-              <a:spcAft>
-                <a:spcPts val="0"/>
-              </a:spcAft>
-              <a:buClrTx/>
-              <a:buSzTx/>
-              <a:buFont typeface="Arial" charset="0"/>
-              <a:buChar char="•"/>
-              <a:tabLst/>
-              <a:defRPr/>
-            </a:pPr>
-            <a:r>
-              <a:rPr lang="is-IS" sz="1200" dirty="0" smtClean="0">
-                <a:solidFill>
-                  <a:srgbClr val="FFFF00"/>
-                </a:solidFill>
-              </a:rPr>
-              <a:t>Do</a:t>
-            </a:r>
-            <a:r>
-              <a:rPr lang="is-IS" sz="1200" baseline="0" dirty="0" smtClean="0">
-                <a:solidFill>
-                  <a:srgbClr val="FFFF00"/>
-                </a:solidFill>
-              </a:rPr>
-              <a:t> you have the humility to let your teams see you failing/growing?</a:t>
-            </a:r>
-            <a:endParaRPr lang="is-IS" sz="1200" dirty="0" smtClean="0">
-              <a:solidFill>
-                <a:srgbClr val="FFFF00"/>
-              </a:solidFill>
-            </a:endParaRPr>
-          </a:p>
-          <a:p>
-            <a:pPr marL="628650" lvl="1" indent="-171450">
-              <a:lnSpc>
-                <a:spcPct val="100000"/>
-              </a:lnSpc>
-              <a:spcBef>
-                <a:spcPts val="0"/>
-              </a:spcBef>
-              <a:buFont typeface="Arial" charset="0"/>
-              <a:buChar char="•"/>
-            </a:pPr>
-            <a:r>
-              <a:rPr lang="is-IS" sz="1200" dirty="0" smtClean="0">
-                <a:solidFill>
-                  <a:srgbClr val="FFFF00"/>
-                </a:solidFill>
-              </a:rPr>
-              <a:t>Are you prepared</a:t>
-            </a:r>
-            <a:r>
-              <a:rPr lang="is-IS" sz="1200" baseline="0" dirty="0" smtClean="0">
-                <a:solidFill>
-                  <a:srgbClr val="FFFF00"/>
-                </a:solidFill>
-              </a:rPr>
-              <a:t> to lead by example?</a:t>
-            </a:r>
-            <a:endParaRPr lang="is-IS" sz="1200" dirty="0" smtClean="0">
-              <a:solidFill>
-                <a:srgbClr val="FFFF00"/>
-              </a:solidFill>
-            </a:endParaRPr>
-          </a:p>
-          <a:p>
-            <a:pPr marL="628650" lvl="1" indent="-171450">
-              <a:lnSpc>
-                <a:spcPct val="100000"/>
-              </a:lnSpc>
-              <a:spcBef>
-                <a:spcPts val="0"/>
-              </a:spcBef>
-              <a:buFont typeface="Arial" charset="0"/>
-              <a:buChar char="•"/>
-            </a:pPr>
-            <a:r>
-              <a:rPr lang="is-IS" sz="1200" dirty="0" smtClean="0">
-                <a:solidFill>
-                  <a:srgbClr val="FFFF00"/>
-                </a:solidFill>
-              </a:rPr>
-              <a:t>Servant</a:t>
-            </a:r>
-            <a:r>
-              <a:rPr lang="is-IS" sz="1200" baseline="0" dirty="0" smtClean="0">
-                <a:solidFill>
-                  <a:srgbClr val="FFFF00"/>
-                </a:solidFill>
-              </a:rPr>
-              <a:t> Leadership</a:t>
-            </a:r>
-            <a:endParaRPr lang="is-IS" sz="1200" dirty="0" smtClean="0">
-              <a:solidFill>
-                <a:srgbClr val="FFFF00"/>
-              </a:solidFill>
-            </a:endParaRPr>
-          </a:p>
-          <a:p>
-            <a:pPr marL="628650" lvl="1" indent="-171450">
-              <a:lnSpc>
-                <a:spcPct val="100000"/>
-              </a:lnSpc>
-              <a:spcBef>
-                <a:spcPts val="0"/>
-              </a:spcBef>
-              <a:buFont typeface="Arial" charset="0"/>
-              <a:buChar char="•"/>
-            </a:pPr>
-            <a:r>
-              <a:rPr lang="is-IS" sz="1200" dirty="0" smtClean="0">
-                <a:solidFill>
-                  <a:srgbClr val="FFFF00"/>
-                </a:solidFill>
-              </a:rPr>
-              <a:t>Have you designed activites</a:t>
-            </a:r>
-            <a:r>
-              <a:rPr lang="is-IS" sz="1200" baseline="0" dirty="0" smtClean="0">
-                <a:solidFill>
-                  <a:srgbClr val="FFFF00"/>
-                </a:solidFill>
-              </a:rPr>
-              <a:t> after understanding the rate of the organizatioin? </a:t>
-            </a:r>
-            <a:r>
-              <a:rPr lang="is-IS" sz="1200" dirty="0" smtClean="0">
-                <a:solidFill>
-                  <a:srgbClr val="FFFF00"/>
-                </a:solidFill>
-              </a:rPr>
-              <a:t>Herbie </a:t>
-            </a:r>
-            <a:r>
-              <a:rPr lang="is-IS" sz="1200" dirty="0" smtClean="0">
-                <a:solidFill>
-                  <a:srgbClr val="FFFF00"/>
-                </a:solidFill>
-              </a:rPr>
-              <a:t>(The Goal)</a:t>
-            </a:r>
-          </a:p>
-          <a:p>
-            <a:pPr marL="171450" lvl="0" indent="-171450">
-              <a:lnSpc>
-                <a:spcPct val="100000"/>
-              </a:lnSpc>
-              <a:spcBef>
-                <a:spcPts val="0"/>
-              </a:spcBef>
-              <a:buFont typeface="Arial" charset="0"/>
-              <a:buChar char="•"/>
-            </a:pPr>
-            <a:endParaRPr lang="is-IS" sz="1200" baseline="0" dirty="0" smtClean="0">
-              <a:solidFill>
-                <a:srgbClr val="FFFF00"/>
-              </a:solidFill>
-            </a:endParaRPr>
-          </a:p>
-          <a:p>
-            <a:pPr marL="628650" lvl="1" indent="-171450">
-              <a:lnSpc>
-                <a:spcPct val="100000"/>
-              </a:lnSpc>
-              <a:spcBef>
-                <a:spcPts val="0"/>
-              </a:spcBef>
-              <a:buFont typeface="Arial" charset="0"/>
-              <a:buChar char="•"/>
-            </a:pPr>
-            <a:endParaRPr lang="is-IS" sz="1200" dirty="0" smtClean="0">
-              <a:solidFill>
-                <a:srgbClr val="FFFF00"/>
-              </a:solidFill>
-            </a:endParaRPr>
-          </a:p>
-          <a:p>
-            <a:pPr marL="171450" indent="-171450">
-              <a:lnSpc>
-                <a:spcPct val="100000"/>
-              </a:lnSpc>
-              <a:spcBef>
-                <a:spcPts val="0"/>
-              </a:spcBef>
-              <a:buFont typeface="Arial" charset="0"/>
-              <a:buChar char="•"/>
-            </a:pPr>
-            <a:endParaRPr lang="is-IS" sz="1200" dirty="0" smtClean="0">
-              <a:solidFill>
-                <a:srgbClr val="FFFF00"/>
-              </a:solidFill>
-            </a:endParaRPr>
-          </a:p>
-          <a:p>
-            <a:pPr marL="171450" indent="-171450">
-              <a:lnSpc>
-                <a:spcPct val="100000"/>
-              </a:lnSpc>
-              <a:spcBef>
-                <a:spcPts val="0"/>
-              </a:spcBef>
-              <a:buFont typeface="Arial" charset="0"/>
-              <a:buChar char="•"/>
-            </a:pPr>
-            <a:endParaRPr lang="is-IS" sz="1200" dirty="0" smtClean="0">
-              <a:solidFill>
-                <a:srgbClr val="FFFF00"/>
-              </a:solidFill>
-            </a:endParaRPr>
+            <a:endParaRPr lang="en-US" dirty="0"/>
           </a:p>
         </p:txBody>
       </p:sp>
@@ -4097,7 +3625,7 @@
     </p:spTree>
     <p:extLst>
       <p:ext uri="{BB962C8B-B14F-4D97-AF65-F5344CB8AC3E}">
-        <p14:creationId xmlns:p14="http://schemas.microsoft.com/office/powerpoint/2010/main" val="1927324681"/>
+        <p14:creationId xmlns:p14="http://schemas.microsoft.com/office/powerpoint/2010/main" val="1127834491"/>
       </p:ext>
     </p:extLst>
   </p:cSld>
@@ -4151,7 +3679,7 @@
           <a:bodyPr/>
           <a:lstStyle/>
           <a:p>
-            <a:endParaRPr lang="en-US" sz="1200" dirty="0" smtClean="0"/>
+            <a:endParaRPr lang="en-US" dirty="0"/>
           </a:p>
         </p:txBody>
       </p:sp>
@@ -4181,7 +3709,7 @@
     </p:spTree>
     <p:extLst>
       <p:ext uri="{BB962C8B-B14F-4D97-AF65-F5344CB8AC3E}">
-        <p14:creationId xmlns:p14="http://schemas.microsoft.com/office/powerpoint/2010/main" val="2041852823"/>
+        <p14:creationId xmlns:p14="http://schemas.microsoft.com/office/powerpoint/2010/main" val="822704926"/>
       </p:ext>
     </p:extLst>
   </p:cSld>
@@ -4235,44 +3763,7 @@
           <a:bodyPr/>
           <a:lstStyle/>
           <a:p>
-            <a:r>
-              <a:rPr lang="en-US" sz="1200" dirty="0" smtClean="0"/>
-              <a:t>Tactics</a:t>
-            </a:r>
-            <a:r>
-              <a:rPr lang="en-US" sz="1200" baseline="0" dirty="0" smtClean="0"/>
-              <a:t> for Leading Change wasn’t available when we started but many of the early patterns are well-represented in the </a:t>
-            </a:r>
-          </a:p>
-          <a:p>
-            <a:endParaRPr lang="en-US" sz="1200" baseline="0" dirty="0" smtClean="0"/>
-          </a:p>
-          <a:p>
-            <a:pPr marL="0" marR="0" indent="0" algn="l" defTabSz="914400" rtl="0" eaLnBrk="1" fontAlgn="auto" latinLnBrk="0" hangingPunct="1">
-              <a:lnSpc>
-                <a:spcPct val="100000"/>
-              </a:lnSpc>
-              <a:spcBef>
-                <a:spcPts val="0"/>
-              </a:spcBef>
-              <a:spcAft>
-                <a:spcPts val="0"/>
-              </a:spcAft>
-              <a:buClrTx/>
-              <a:buSzTx/>
-              <a:buFontTx/>
-              <a:buNone/>
-              <a:tabLst/>
-              <a:defRPr/>
-            </a:pPr>
-            <a:r>
-              <a:rPr lang="en-US" sz="1200" dirty="0" smtClean="0"/>
-              <a:t>Without accompanying changes in the way that work gets done, only the potential for improvement exists – David A. Garvin</a:t>
-            </a:r>
-            <a:endParaRPr lang="en-US" sz="1050" dirty="0" smtClean="0"/>
-          </a:p>
-          <a:p>
-            <a:endParaRPr lang="en-US" sz="1200" dirty="0" smtClean="0"/>
+            <a:endParaRPr lang="en-US" dirty="0"/>
           </a:p>
         </p:txBody>
       </p:sp>
@@ -4302,7 +3793,7 @@
     </p:spTree>
     <p:extLst>
       <p:ext uri="{BB962C8B-B14F-4D97-AF65-F5344CB8AC3E}">
-        <p14:creationId xmlns:p14="http://schemas.microsoft.com/office/powerpoint/2010/main" val="521543928"/>
+        <p14:creationId xmlns:p14="http://schemas.microsoft.com/office/powerpoint/2010/main" val="635388845"/>
       </p:ext>
     </p:extLst>
   </p:cSld>
@@ -4356,7 +3847,19 @@
           <a:bodyPr/>
           <a:lstStyle/>
           <a:p>
-            <a:endParaRPr lang="en-US"/>
+            <a:r>
+              <a:rPr lang="en-US" dirty="0" smtClean="0"/>
+              <a:t>Imagine</a:t>
+            </a:r>
+            <a:r>
+              <a:rPr lang="is-IS" dirty="0" smtClean="0"/>
+              <a:t>…we will use DevOps to build</a:t>
+            </a:r>
+            <a:r>
+              <a:rPr lang="is-IS" baseline="0" dirty="0" smtClean="0"/>
+              <a:t> the learning organization and then use the learning organization to maintain the transformation.</a:t>
+            </a:r>
+            <a:endParaRPr lang="en-US" dirty="0"/>
           </a:p>
         </p:txBody>
       </p:sp>
@@ -4386,7 +3889,7 @@
     </p:spTree>
     <p:extLst>
       <p:ext uri="{BB962C8B-B14F-4D97-AF65-F5344CB8AC3E}">
-        <p14:creationId xmlns:p14="http://schemas.microsoft.com/office/powerpoint/2010/main" val="1450440404"/>
+        <p14:creationId xmlns:p14="http://schemas.microsoft.com/office/powerpoint/2010/main" val="1423382335"/>
       </p:ext>
     </p:extLst>
   </p:cSld>
@@ -4470,7 +3973,7 @@
     </p:spTree>
     <p:extLst>
       <p:ext uri="{BB962C8B-B14F-4D97-AF65-F5344CB8AC3E}">
-        <p14:creationId xmlns:p14="http://schemas.microsoft.com/office/powerpoint/2010/main" val="191915473"/>
+        <p14:creationId xmlns:p14="http://schemas.microsoft.com/office/powerpoint/2010/main" val="800953224"/>
       </p:ext>
     </p:extLst>
   </p:cSld>
@@ -4524,7 +4027,364 @@
           <a:bodyPr/>
           <a:lstStyle/>
           <a:p>
-            <a:endParaRPr lang="en-US" sz="1200" dirty="0" smtClean="0"/>
+            <a:pPr marL="171450" indent="-171450">
+              <a:lnSpc>
+                <a:spcPct val="100000"/>
+              </a:lnSpc>
+              <a:spcBef>
+                <a:spcPts val="0"/>
+              </a:spcBef>
+              <a:buFont typeface="Arial" charset="0"/>
+              <a:buChar char="•"/>
+            </a:pPr>
+            <a:r>
+              <a:rPr lang="en-US" sz="1200" b="0" i="0" kern="1200" dirty="0" smtClean="0">
+                <a:solidFill>
+                  <a:schemeClr val="tx1"/>
+                </a:solidFill>
+                <a:effectLst/>
+                <a:latin typeface="+mn-lt"/>
+                <a:ea typeface="+mn-ea"/>
+                <a:cs typeface="+mn-cs"/>
+              </a:rPr>
+              <a:t>The </a:t>
+            </a:r>
+            <a:r>
+              <a:rPr lang="en-US" sz="1200" b="0" i="0" kern="1200" dirty="0" smtClean="0">
+                <a:solidFill>
+                  <a:schemeClr val="tx1"/>
+                </a:solidFill>
+                <a:effectLst/>
+                <a:latin typeface="+mn-lt"/>
+                <a:ea typeface="+mn-ea"/>
+                <a:cs typeface="+mn-cs"/>
+              </a:rPr>
+              <a:t>role of a leader in the learning organization is that of a designer, teacher, and steward who can build shared vision and challenge prevailing mental models. The</a:t>
+            </a:r>
+            <a:r>
+              <a:rPr lang="en-US" sz="1200" b="0" i="0" kern="1200" baseline="0" dirty="0" smtClean="0">
+                <a:solidFill>
+                  <a:schemeClr val="tx1"/>
+                </a:solidFill>
+                <a:effectLst/>
+                <a:latin typeface="+mn-lt"/>
+                <a:ea typeface="+mn-ea"/>
+                <a:cs typeface="+mn-cs"/>
+              </a:rPr>
+              <a:t> leader </a:t>
+            </a:r>
+            <a:r>
+              <a:rPr lang="en-US" sz="1200" b="0" i="0" kern="1200" dirty="0" smtClean="0">
+                <a:solidFill>
+                  <a:schemeClr val="tx1"/>
+                </a:solidFill>
+                <a:effectLst/>
+                <a:latin typeface="+mn-lt"/>
+                <a:ea typeface="+mn-ea"/>
+                <a:cs typeface="+mn-cs"/>
+              </a:rPr>
+              <a:t>is responsible for</a:t>
+            </a:r>
+            <a:r>
+              <a:rPr lang="en-US" sz="1200" b="0" i="0" kern="1200" baseline="0" dirty="0" smtClean="0">
+                <a:solidFill>
+                  <a:schemeClr val="tx1"/>
+                </a:solidFill>
+                <a:effectLst/>
+                <a:latin typeface="+mn-lt"/>
+                <a:ea typeface="+mn-ea"/>
+                <a:cs typeface="+mn-cs"/>
+              </a:rPr>
+              <a:t> learning</a:t>
+            </a:r>
+            <a:r>
+              <a:rPr lang="en-US" sz="1200" b="0" i="0" kern="1200" dirty="0" smtClean="0">
+                <a:solidFill>
+                  <a:schemeClr val="tx1"/>
+                </a:solidFill>
+                <a:effectLst/>
+                <a:latin typeface="+mn-lt"/>
+                <a:ea typeface="+mn-ea"/>
+                <a:cs typeface="+mn-cs"/>
+              </a:rPr>
+              <a:t>.</a:t>
+            </a:r>
+          </a:p>
+          <a:p>
+            <a:pPr marL="171450" indent="-171450">
+              <a:lnSpc>
+                <a:spcPct val="100000"/>
+              </a:lnSpc>
+              <a:spcBef>
+                <a:spcPts val="0"/>
+              </a:spcBef>
+              <a:buFont typeface="Arial" charset="0"/>
+              <a:buChar char="•"/>
+            </a:pPr>
+            <a:endParaRPr lang="is-IS" sz="1200" dirty="0" smtClean="0">
+              <a:solidFill>
+                <a:srgbClr val="FFFF00"/>
+              </a:solidFill>
+            </a:endParaRPr>
+          </a:p>
+          <a:p>
+            <a:pPr marL="171450" indent="-171450">
+              <a:lnSpc>
+                <a:spcPct val="100000"/>
+              </a:lnSpc>
+              <a:spcBef>
+                <a:spcPts val="0"/>
+              </a:spcBef>
+              <a:buFont typeface="Arial" charset="0"/>
+              <a:buChar char="•"/>
+            </a:pPr>
+            <a:r>
+              <a:rPr lang="is-IS" sz="1200" dirty="0" smtClean="0">
+                <a:solidFill>
+                  <a:srgbClr val="FFFF00"/>
+                </a:solidFill>
+              </a:rPr>
+              <a:t>Here are some questions to reflect</a:t>
+            </a:r>
+            <a:r>
+              <a:rPr lang="is-IS" sz="1200" baseline="0" dirty="0" smtClean="0">
+                <a:solidFill>
+                  <a:srgbClr val="FFFF00"/>
+                </a:solidFill>
+              </a:rPr>
+              <a:t> on:</a:t>
+            </a:r>
+            <a:endParaRPr lang="is-IS" sz="1200" dirty="0" smtClean="0">
+              <a:solidFill>
+                <a:srgbClr val="FFFF00"/>
+              </a:solidFill>
+            </a:endParaRPr>
+          </a:p>
+          <a:p>
+            <a:pPr marL="628650" lvl="1" indent="-171450">
+              <a:lnSpc>
+                <a:spcPct val="100000"/>
+              </a:lnSpc>
+              <a:spcBef>
+                <a:spcPts val="0"/>
+              </a:spcBef>
+              <a:buFont typeface="Arial" charset="0"/>
+              <a:buChar char="•"/>
+            </a:pPr>
+            <a:r>
+              <a:rPr lang="is-IS" sz="1200" dirty="0" smtClean="0">
+                <a:solidFill>
+                  <a:srgbClr val="FFFF00"/>
+                </a:solidFill>
+              </a:rPr>
+              <a:t>Do you believe in your team?</a:t>
+            </a:r>
+          </a:p>
+          <a:p>
+            <a:pPr marL="628650" marR="0" lvl="1" indent="-171450" algn="l" defTabSz="914400" rtl="0" eaLnBrk="1" fontAlgn="auto" latinLnBrk="0" hangingPunct="1">
+              <a:lnSpc>
+                <a:spcPct val="100000"/>
+              </a:lnSpc>
+              <a:spcBef>
+                <a:spcPts val="0"/>
+              </a:spcBef>
+              <a:spcAft>
+                <a:spcPts val="0"/>
+              </a:spcAft>
+              <a:buClrTx/>
+              <a:buSzTx/>
+              <a:buFont typeface="Arial" charset="0"/>
+              <a:buChar char="•"/>
+              <a:tabLst/>
+              <a:defRPr/>
+            </a:pPr>
+            <a:r>
+              <a:rPr lang="is-IS" sz="1200" dirty="0" smtClean="0">
+                <a:solidFill>
+                  <a:srgbClr val="FFFF00"/>
+                </a:solidFill>
+              </a:rPr>
+              <a:t>Do</a:t>
+            </a:r>
+            <a:r>
+              <a:rPr lang="is-IS" sz="1200" baseline="0" dirty="0" smtClean="0">
+                <a:solidFill>
+                  <a:srgbClr val="FFFF00"/>
+                </a:solidFill>
+              </a:rPr>
+              <a:t> you have the humility to let your teams see </a:t>
+            </a:r>
+            <a:r>
+              <a:rPr lang="is-IS" sz="1200" baseline="0" dirty="0" smtClean="0">
+                <a:solidFill>
+                  <a:srgbClr val="FFFF00"/>
+                </a:solidFill>
+              </a:rPr>
+              <a:t>you going outside your comfort zone? </a:t>
+            </a:r>
+            <a:r>
+              <a:rPr lang="en-US" sz="1200" baseline="0" dirty="0" smtClean="0">
+                <a:solidFill>
+                  <a:srgbClr val="FFFF00"/>
+                </a:solidFill>
+              </a:rPr>
+              <a:t>F</a:t>
+            </a:r>
+            <a:r>
+              <a:rPr lang="is-IS" sz="1200" baseline="0" dirty="0" smtClean="0">
+                <a:solidFill>
+                  <a:srgbClr val="FFFF00"/>
+                </a:solidFill>
+              </a:rPr>
+              <a:t>ailing? Learning? Growing?</a:t>
+            </a:r>
+            <a:endParaRPr lang="is-IS" sz="1200" dirty="0" smtClean="0">
+              <a:solidFill>
+                <a:srgbClr val="FFFF00"/>
+              </a:solidFill>
+            </a:endParaRPr>
+          </a:p>
+          <a:p>
+            <a:pPr marL="628650" lvl="1" indent="-171450">
+              <a:lnSpc>
+                <a:spcPct val="100000"/>
+              </a:lnSpc>
+              <a:spcBef>
+                <a:spcPts val="0"/>
+              </a:spcBef>
+              <a:buFont typeface="Arial" charset="0"/>
+              <a:buChar char="•"/>
+            </a:pPr>
+            <a:r>
+              <a:rPr lang="is-IS" sz="1200" dirty="0" smtClean="0">
+                <a:solidFill>
+                  <a:srgbClr val="FFFF00"/>
+                </a:solidFill>
+              </a:rPr>
+              <a:t>Are you prepared</a:t>
+            </a:r>
+            <a:r>
+              <a:rPr lang="is-IS" sz="1200" baseline="0" dirty="0" smtClean="0">
+                <a:solidFill>
+                  <a:srgbClr val="FFFF00"/>
+                </a:solidFill>
+              </a:rPr>
+              <a:t> to lead by example?</a:t>
+            </a:r>
+            <a:endParaRPr lang="is-IS" sz="1200" dirty="0" smtClean="0">
+              <a:solidFill>
+                <a:srgbClr val="FFFF00"/>
+              </a:solidFill>
+            </a:endParaRPr>
+          </a:p>
+          <a:p>
+            <a:pPr marL="628650" lvl="1" indent="-171450">
+              <a:lnSpc>
+                <a:spcPct val="100000"/>
+              </a:lnSpc>
+              <a:spcBef>
+                <a:spcPts val="0"/>
+              </a:spcBef>
+              <a:buFont typeface="Arial" charset="0"/>
+              <a:buChar char="•"/>
+            </a:pPr>
+            <a:r>
+              <a:rPr lang="is-IS" sz="1200" dirty="0" smtClean="0">
+                <a:solidFill>
+                  <a:srgbClr val="FFFF00"/>
+                </a:solidFill>
+              </a:rPr>
+              <a:t>In</a:t>
+            </a:r>
+            <a:r>
+              <a:rPr lang="is-IS" sz="1200" baseline="0" dirty="0" smtClean="0">
+                <a:solidFill>
+                  <a:srgbClr val="FFFF00"/>
+                </a:solidFill>
+              </a:rPr>
+              <a:t> the goal we see activites being structured based on Herbie’s pace (so we don’t leave people behind)...</a:t>
+            </a:r>
+            <a:r>
+              <a:rPr lang="is-IS" sz="1200" dirty="0" smtClean="0">
+                <a:solidFill>
+                  <a:srgbClr val="FFFF00"/>
+                </a:solidFill>
+              </a:rPr>
+              <a:t>Have you considered the capabilities of the team in structuring your own journey?</a:t>
+            </a:r>
+            <a:endParaRPr lang="is-IS" sz="1200" dirty="0" smtClean="0">
+              <a:solidFill>
+                <a:srgbClr val="FFFF00"/>
+              </a:solidFill>
+            </a:endParaRPr>
+          </a:p>
+          <a:p>
+            <a:pPr marL="171450" lvl="0" indent="-171450">
+              <a:lnSpc>
+                <a:spcPct val="100000"/>
+              </a:lnSpc>
+              <a:spcBef>
+                <a:spcPts val="0"/>
+              </a:spcBef>
+              <a:buFont typeface="Arial" charset="0"/>
+              <a:buChar char="•"/>
+            </a:pPr>
+            <a:endParaRPr lang="is-IS" sz="1200" baseline="0" dirty="0" smtClean="0">
+              <a:solidFill>
+                <a:srgbClr val="FFFF00"/>
+              </a:solidFill>
+            </a:endParaRPr>
+          </a:p>
+          <a:p>
+            <a:pPr marL="628650" lvl="1" indent="-171450">
+              <a:lnSpc>
+                <a:spcPct val="100000"/>
+              </a:lnSpc>
+              <a:spcBef>
+                <a:spcPts val="0"/>
+              </a:spcBef>
+              <a:buFont typeface="Arial" charset="0"/>
+              <a:buChar char="•"/>
+            </a:pPr>
+            <a:endParaRPr lang="is-IS" sz="1200" dirty="0" smtClean="0">
+              <a:solidFill>
+                <a:srgbClr val="FFFF00"/>
+              </a:solidFill>
+            </a:endParaRPr>
+          </a:p>
+          <a:p>
+            <a:pPr marL="171450" indent="-171450">
+              <a:lnSpc>
+                <a:spcPct val="100000"/>
+              </a:lnSpc>
+              <a:spcBef>
+                <a:spcPts val="0"/>
+              </a:spcBef>
+              <a:buFont typeface="Arial" charset="0"/>
+              <a:buChar char="•"/>
+            </a:pPr>
+            <a:endParaRPr lang="is-IS" sz="1200" dirty="0" smtClean="0">
+              <a:solidFill>
+                <a:srgbClr val="FFFF00"/>
+              </a:solidFill>
+            </a:endParaRPr>
+          </a:p>
+          <a:p>
+            <a:pPr marL="171450" indent="-171450">
+              <a:lnSpc>
+                <a:spcPct val="100000"/>
+              </a:lnSpc>
+              <a:spcBef>
+                <a:spcPts val="0"/>
+              </a:spcBef>
+              <a:buFont typeface="Arial" charset="0"/>
+              <a:buChar char="•"/>
+            </a:pPr>
+            <a:endParaRPr lang="is-IS" sz="1200" dirty="0" smtClean="0">
+              <a:solidFill>
+                <a:srgbClr val="FFFF00"/>
+              </a:solidFill>
+            </a:endParaRPr>
           </a:p>
         </p:txBody>
       </p:sp>
@@ -4554,7 +4414,7 @@
     </p:spTree>
     <p:extLst>
       <p:ext uri="{BB962C8B-B14F-4D97-AF65-F5344CB8AC3E}">
-        <p14:creationId xmlns:p14="http://schemas.microsoft.com/office/powerpoint/2010/main" val="1549236661"/>
+        <p14:creationId xmlns:p14="http://schemas.microsoft.com/office/powerpoint/2010/main" val="1927324681"/>
       </p:ext>
     </p:extLst>
   </p:cSld>
@@ -4608,28 +4468,15 @@
           <a:bodyPr/>
           <a:lstStyle/>
           <a:p>
-            <a:pPr marL="171450" marR="0" lvl="0" indent="-171450" algn="l" defTabSz="914400" rtl="0" eaLnBrk="1" fontAlgn="auto" latinLnBrk="0" hangingPunct="1">
-              <a:lnSpc>
-                <a:spcPct val="100000"/>
-              </a:lnSpc>
-              <a:spcBef>
-                <a:spcPts val="0"/>
-              </a:spcBef>
-              <a:spcAft>
-                <a:spcPts val="0"/>
-              </a:spcAft>
-              <a:buClrTx/>
-              <a:buSzTx/>
-              <a:buFont typeface="Arial" charset="0"/>
-              <a:buNone/>
-              <a:tabLst/>
-              <a:defRPr/>
-            </a:pPr>
-            <a:endParaRPr lang="is-IS" sz="1200" dirty="0" smtClean="0">
-              <a:solidFill>
-                <a:srgbClr val="FFFF00"/>
-              </a:solidFill>
-            </a:endParaRPr>
+            <a:r>
+              <a:rPr lang="en-US" sz="1200" dirty="0" smtClean="0"/>
+              <a:t>As</a:t>
+            </a:r>
+            <a:r>
+              <a:rPr lang="en-US" sz="1200" baseline="0" dirty="0" smtClean="0"/>
+              <a:t> a former Army officer I have high expectations of leaders and myself.  The principles of Be, Know, Do are just as applicable to a DevOps context.</a:t>
+            </a:r>
+            <a:endParaRPr lang="en-US" sz="1200" dirty="0" smtClean="0"/>
           </a:p>
         </p:txBody>
       </p:sp>
@@ -4659,7 +4506,7 @@
     </p:spTree>
     <p:extLst>
       <p:ext uri="{BB962C8B-B14F-4D97-AF65-F5344CB8AC3E}">
-        <p14:creationId xmlns:p14="http://schemas.microsoft.com/office/powerpoint/2010/main" val="952751796"/>
+        <p14:creationId xmlns:p14="http://schemas.microsoft.com/office/powerpoint/2010/main" val="2041852823"/>
       </p:ext>
     </p:extLst>
   </p:cSld>
@@ -4805,7 +4652,20 @@
           <a:bodyPr/>
           <a:lstStyle/>
           <a:p>
-            <a:pPr marL="171450" marR="0" lvl="0" indent="-171450" algn="l" defTabSz="914400" rtl="0" eaLnBrk="1" fontAlgn="auto" latinLnBrk="0" hangingPunct="1">
+            <a:r>
+              <a:rPr lang="en-US" sz="1200" dirty="0" smtClean="0"/>
+              <a:t>Tactics</a:t>
+            </a:r>
+            <a:r>
+              <a:rPr lang="en-US" sz="1200" baseline="0" dirty="0" smtClean="0"/>
+              <a:t> for Leading Change wasn’t available when we started but many of the early patterns are well-represented in the </a:t>
+            </a:r>
+          </a:p>
+          <a:p>
+            <a:endParaRPr lang="en-US" sz="1200" baseline="0" dirty="0" smtClean="0"/>
+          </a:p>
+          <a:p>
+            <a:pPr marL="0" marR="0" indent="0" algn="l" defTabSz="914400" rtl="0" eaLnBrk="1" fontAlgn="auto" latinLnBrk="0" hangingPunct="1">
               <a:lnSpc>
                 <a:spcPct val="100000"/>
               </a:lnSpc>
@@ -4817,225 +4677,19 @@
               </a:spcAft>
               <a:buClrTx/>
               <a:buSzTx/>
-              <a:buFont typeface="Arial" charset="0"/>
+              <a:buFontTx/>
               <a:buNone/>
               <a:tabLst/>
               <a:defRPr/>
             </a:pPr>
             <a:r>
-              <a:rPr lang="en-US" sz="1200" dirty="0" smtClean="0">
-                <a:solidFill>
-                  <a:srgbClr val="FFFF00"/>
-                </a:solidFill>
-              </a:rPr>
-              <a:t>Top</a:t>
-            </a:r>
-            <a:r>
-              <a:rPr lang="en-US" sz="1200" baseline="0" dirty="0" smtClean="0">
-                <a:solidFill>
-                  <a:srgbClr val="FFFF00"/>
-                </a:solidFill>
-              </a:rPr>
-              <a:t> Golf Story</a:t>
-            </a:r>
-            <a:endParaRPr lang="en-US" sz="1200" dirty="0" smtClean="0">
-              <a:solidFill>
-                <a:srgbClr val="FFFF00"/>
-              </a:solidFill>
-            </a:endParaRPr>
-          </a:p>
-          <a:p>
-            <a:pPr marL="171450" marR="0" lvl="0" indent="-171450" algn="l" defTabSz="914400" rtl="0" eaLnBrk="1" fontAlgn="auto" latinLnBrk="0" hangingPunct="1">
-              <a:lnSpc>
-                <a:spcPct val="100000"/>
-              </a:lnSpc>
-              <a:spcBef>
-                <a:spcPts val="0"/>
-              </a:spcBef>
-              <a:spcAft>
-                <a:spcPts val="0"/>
-              </a:spcAft>
-              <a:buClrTx/>
-              <a:buSzTx/>
-              <a:buFont typeface="Arial" charset="0"/>
-              <a:buNone/>
-              <a:tabLst/>
-              <a:defRPr/>
-            </a:pPr>
-            <a:endParaRPr lang="en-US" sz="1200" dirty="0" smtClean="0">
-              <a:solidFill>
-                <a:srgbClr val="FFFF00"/>
-              </a:solidFill>
-            </a:endParaRPr>
-          </a:p>
-          <a:p>
-            <a:pPr marL="171450" marR="0" lvl="0" indent="-171450" algn="l" defTabSz="914400" rtl="0" eaLnBrk="1" fontAlgn="auto" latinLnBrk="0" hangingPunct="1">
-              <a:lnSpc>
-                <a:spcPct val="100000"/>
-              </a:lnSpc>
-              <a:spcBef>
-                <a:spcPts val="0"/>
-              </a:spcBef>
-              <a:spcAft>
-                <a:spcPts val="0"/>
-              </a:spcAft>
-              <a:buClrTx/>
-              <a:buSzTx/>
-              <a:buFont typeface="Arial" charset="0"/>
-              <a:buNone/>
-              <a:tabLst/>
-              <a:defRPr/>
-            </a:pPr>
-            <a:r>
-              <a:rPr lang="en-US" sz="1200" dirty="0" smtClean="0">
-                <a:solidFill>
-                  <a:srgbClr val="FFFF00"/>
-                </a:solidFill>
-              </a:rPr>
-              <a:t>“We should create a RYU for that”</a:t>
-            </a:r>
-          </a:p>
-          <a:p>
-            <a:pPr marL="171450" marR="0" lvl="0" indent="-171450" algn="l" defTabSz="914400" rtl="0" eaLnBrk="1" fontAlgn="auto" latinLnBrk="0" hangingPunct="1">
-              <a:lnSpc>
-                <a:spcPct val="100000"/>
-              </a:lnSpc>
-              <a:spcBef>
-                <a:spcPts val="0"/>
-              </a:spcBef>
-              <a:spcAft>
-                <a:spcPts val="0"/>
-              </a:spcAft>
-              <a:buClrTx/>
-              <a:buSzTx/>
-              <a:buFont typeface="Arial" charset="0"/>
-              <a:buNone/>
-              <a:tabLst/>
-              <a:defRPr/>
-            </a:pPr>
-            <a:r>
-              <a:rPr lang="en-US" sz="1200" dirty="0" smtClean="0">
-                <a:solidFill>
-                  <a:srgbClr val="FFFF00"/>
-                </a:solidFill>
-              </a:rPr>
-              <a:t>Slack Rules of Engagement (Skype For Business, Workplace, etc.)</a:t>
-            </a:r>
-          </a:p>
-          <a:p>
-            <a:pPr marL="171450" marR="0" lvl="0" indent="-171450" algn="l" defTabSz="914400" rtl="0" eaLnBrk="1" fontAlgn="auto" latinLnBrk="0" hangingPunct="1">
-              <a:lnSpc>
-                <a:spcPct val="100000"/>
-              </a:lnSpc>
-              <a:spcBef>
-                <a:spcPts val="0"/>
-              </a:spcBef>
-              <a:spcAft>
-                <a:spcPts val="0"/>
-              </a:spcAft>
-              <a:buClrTx/>
-              <a:buSzTx/>
-              <a:buFont typeface="Arial" charset="0"/>
-              <a:buNone/>
-              <a:tabLst/>
-              <a:defRPr/>
-            </a:pPr>
-            <a:r>
-              <a:rPr lang="en-US" sz="1200" dirty="0" smtClean="0">
-                <a:solidFill>
-                  <a:srgbClr val="FFFF00"/>
-                </a:solidFill>
-              </a:rPr>
-              <a:t>Azure Management &amp; Costing, NetScaler, SharePoint, Teradata, </a:t>
-            </a:r>
-            <a:r>
-              <a:rPr lang="en-US" sz="1200" dirty="0" err="1" smtClean="0">
-                <a:solidFill>
-                  <a:srgbClr val="FFFF00"/>
-                </a:solidFill>
-              </a:rPr>
-              <a:t>Commvault</a:t>
-            </a:r>
-            <a:r>
-              <a:rPr lang="en-US" sz="1200" dirty="0" smtClean="0">
-                <a:solidFill>
-                  <a:srgbClr val="FFFF00"/>
-                </a:solidFill>
-              </a:rPr>
-              <a:t>, EMC, VMAX migrations</a:t>
-            </a:r>
-          </a:p>
-          <a:p>
-            <a:pPr marL="171450" marR="0" lvl="0" indent="-171450" algn="l" defTabSz="914400" rtl="0" eaLnBrk="1" fontAlgn="auto" latinLnBrk="0" hangingPunct="1">
-              <a:lnSpc>
-                <a:spcPct val="100000"/>
-              </a:lnSpc>
-              <a:spcBef>
-                <a:spcPts val="0"/>
-              </a:spcBef>
-              <a:spcAft>
-                <a:spcPts val="0"/>
-              </a:spcAft>
-              <a:buClrTx/>
-              <a:buSzTx/>
-              <a:buFont typeface="Arial" charset="0"/>
-              <a:buNone/>
-              <a:tabLst/>
-              <a:defRPr/>
-            </a:pPr>
-            <a:endParaRPr lang="is-IS" sz="1200" dirty="0" smtClean="0">
-              <a:solidFill>
-                <a:srgbClr val="FFFF00"/>
-              </a:solidFill>
-            </a:endParaRPr>
-          </a:p>
-          <a:p>
-            <a:pPr marL="171450" marR="0" lvl="0" indent="-171450" algn="l" defTabSz="914400" rtl="0" eaLnBrk="1" fontAlgn="auto" latinLnBrk="0" hangingPunct="1">
-              <a:lnSpc>
-                <a:spcPct val="100000"/>
-              </a:lnSpc>
-              <a:spcBef>
-                <a:spcPts val="0"/>
-              </a:spcBef>
-              <a:spcAft>
-                <a:spcPts val="0"/>
-              </a:spcAft>
-              <a:buClrTx/>
-              <a:buSzTx/>
-              <a:buFont typeface="Arial" charset="0"/>
-              <a:buNone/>
-              <a:tabLst/>
-              <a:defRPr/>
-            </a:pPr>
-            <a:endParaRPr lang="is-IS" sz="1200" dirty="0" smtClean="0">
-              <a:solidFill>
-                <a:srgbClr val="FFFF00"/>
-              </a:solidFill>
-            </a:endParaRPr>
-          </a:p>
-          <a:p>
-            <a:pPr marL="171450" marR="0" lvl="0" indent="-171450" algn="l" defTabSz="914400" rtl="0" eaLnBrk="1" fontAlgn="auto" latinLnBrk="0" hangingPunct="1">
-              <a:lnSpc>
-                <a:spcPct val="100000"/>
-              </a:lnSpc>
-              <a:spcBef>
-                <a:spcPts val="0"/>
-              </a:spcBef>
-              <a:spcAft>
-                <a:spcPts val="0"/>
-              </a:spcAft>
-              <a:buClrTx/>
-              <a:buSzTx/>
-              <a:buFont typeface="Arial" charset="0"/>
-              <a:buNone/>
-              <a:tabLst/>
-              <a:defRPr/>
-            </a:pPr>
-            <a:endParaRPr lang="is-IS" sz="1200" dirty="0" smtClean="0">
-              <a:solidFill>
-                <a:srgbClr val="FFFF00"/>
-              </a:solidFill>
-            </a:endParaRPr>
+              <a:rPr lang="en-US" sz="1200" dirty="0" smtClean="0"/>
+              <a:t>Without accompanying changes in the way that work gets done, only the potential for improvement exists – David A. Garvin</a:t>
+            </a:r>
+            <a:endParaRPr lang="en-US" sz="1050" dirty="0" smtClean="0"/>
+          </a:p>
+          <a:p>
+            <a:endParaRPr lang="en-US" sz="1200" dirty="0" smtClean="0"/>
           </a:p>
         </p:txBody>
       </p:sp>
@@ -5065,7 +4719,7 @@
     </p:spTree>
     <p:extLst>
       <p:ext uri="{BB962C8B-B14F-4D97-AF65-F5344CB8AC3E}">
-        <p14:creationId xmlns:p14="http://schemas.microsoft.com/office/powerpoint/2010/main" val="851583352"/>
+        <p14:creationId xmlns:p14="http://schemas.microsoft.com/office/powerpoint/2010/main" val="521543928"/>
       </p:ext>
     </p:extLst>
   </p:cSld>
@@ -5119,28 +4773,7 @@
           <a:bodyPr/>
           <a:lstStyle/>
           <a:p>
-            <a:pPr marL="171450" marR="0" lvl="0" indent="-171450" algn="l" defTabSz="914400" rtl="0" eaLnBrk="1" fontAlgn="auto" latinLnBrk="0" hangingPunct="1">
-              <a:lnSpc>
-                <a:spcPct val="100000"/>
-              </a:lnSpc>
-              <a:spcBef>
-                <a:spcPts val="0"/>
-              </a:spcBef>
-              <a:spcAft>
-                <a:spcPts val="0"/>
-              </a:spcAft>
-              <a:buClrTx/>
-              <a:buSzTx/>
-              <a:buFont typeface="Arial" charset="0"/>
-              <a:buNone/>
-              <a:tabLst/>
-              <a:defRPr/>
-            </a:pPr>
-            <a:endParaRPr lang="is-IS" sz="1200" dirty="0" smtClean="0">
-              <a:solidFill>
-                <a:srgbClr val="FFFF00"/>
-              </a:solidFill>
-            </a:endParaRPr>
+            <a:endParaRPr lang="en-US"/>
           </a:p>
         </p:txBody>
       </p:sp>
@@ -5170,7 +4803,7 @@
     </p:spTree>
     <p:extLst>
       <p:ext uri="{BB962C8B-B14F-4D97-AF65-F5344CB8AC3E}">
-        <p14:creationId xmlns:p14="http://schemas.microsoft.com/office/powerpoint/2010/main" val="311930579"/>
+        <p14:creationId xmlns:p14="http://schemas.microsoft.com/office/powerpoint/2010/main" val="1450440404"/>
       </p:ext>
     </p:extLst>
   </p:cSld>
@@ -5224,28 +4857,7 @@
           <a:bodyPr/>
           <a:lstStyle/>
           <a:p>
-            <a:pPr marL="171450" marR="0" lvl="0" indent="-171450" algn="l" defTabSz="914400" rtl="0" eaLnBrk="1" fontAlgn="auto" latinLnBrk="0" hangingPunct="1">
-              <a:lnSpc>
-                <a:spcPct val="100000"/>
-              </a:lnSpc>
-              <a:spcBef>
-                <a:spcPts val="0"/>
-              </a:spcBef>
-              <a:spcAft>
-                <a:spcPts val="0"/>
-              </a:spcAft>
-              <a:buClrTx/>
-              <a:buSzTx/>
-              <a:buFont typeface="Arial" charset="0"/>
-              <a:buNone/>
-              <a:tabLst/>
-              <a:defRPr/>
-            </a:pPr>
-            <a:endParaRPr lang="is-IS" sz="1200" dirty="0" smtClean="0">
-              <a:solidFill>
-                <a:srgbClr val="FFFF00"/>
-              </a:solidFill>
-            </a:endParaRPr>
+            <a:endParaRPr lang="en-US" sz="1200" dirty="0" smtClean="0"/>
           </a:p>
         </p:txBody>
       </p:sp>
@@ -5275,7 +4887,7 @@
     </p:spTree>
     <p:extLst>
       <p:ext uri="{BB962C8B-B14F-4D97-AF65-F5344CB8AC3E}">
-        <p14:creationId xmlns:p14="http://schemas.microsoft.com/office/powerpoint/2010/main" val="975135912"/>
+        <p14:creationId xmlns:p14="http://schemas.microsoft.com/office/powerpoint/2010/main" val="191915473"/>
       </p:ext>
     </p:extLst>
   </p:cSld>
@@ -5329,28 +4941,7 @@
           <a:bodyPr/>
           <a:lstStyle/>
           <a:p>
-            <a:pPr marL="171450" marR="0" lvl="0" indent="-171450" algn="l" defTabSz="914400" rtl="0" eaLnBrk="1" fontAlgn="auto" latinLnBrk="0" hangingPunct="1">
-              <a:lnSpc>
-                <a:spcPct val="100000"/>
-              </a:lnSpc>
-              <a:spcBef>
-                <a:spcPts val="0"/>
-              </a:spcBef>
-              <a:spcAft>
-                <a:spcPts val="0"/>
-              </a:spcAft>
-              <a:buClrTx/>
-              <a:buSzTx/>
-              <a:buFont typeface="Arial" charset="0"/>
-              <a:buNone/>
-              <a:tabLst/>
-              <a:defRPr/>
-            </a:pPr>
-            <a:endParaRPr lang="is-IS" sz="1200" dirty="0" smtClean="0">
-              <a:solidFill>
-                <a:srgbClr val="FFFF00"/>
-              </a:solidFill>
-            </a:endParaRPr>
+            <a:endParaRPr lang="en-US" sz="1200" dirty="0" smtClean="0"/>
           </a:p>
         </p:txBody>
       </p:sp>
@@ -5380,7 +4971,7 @@
     </p:spTree>
     <p:extLst>
       <p:ext uri="{BB962C8B-B14F-4D97-AF65-F5344CB8AC3E}">
-        <p14:creationId xmlns:p14="http://schemas.microsoft.com/office/powerpoint/2010/main" val="7407101"/>
+        <p14:creationId xmlns:p14="http://schemas.microsoft.com/office/powerpoint/2010/main" val="1549236661"/>
       </p:ext>
     </p:extLst>
   </p:cSld>
@@ -5485,7 +5076,7 @@
     </p:spTree>
     <p:extLst>
       <p:ext uri="{BB962C8B-B14F-4D97-AF65-F5344CB8AC3E}">
-        <p14:creationId xmlns:p14="http://schemas.microsoft.com/office/powerpoint/2010/main" val="1813545951"/>
+        <p14:creationId xmlns:p14="http://schemas.microsoft.com/office/powerpoint/2010/main" val="952751796"/>
       </p:ext>
     </p:extLst>
   </p:cSld>
@@ -5590,7 +5181,7 @@
     </p:spTree>
     <p:extLst>
       <p:ext uri="{BB962C8B-B14F-4D97-AF65-F5344CB8AC3E}">
-        <p14:creationId xmlns:p14="http://schemas.microsoft.com/office/powerpoint/2010/main" val="1391093232"/>
+        <p14:creationId xmlns:p14="http://schemas.microsoft.com/office/powerpoint/2010/main" val="1376023111"/>
       </p:ext>
     </p:extLst>
   </p:cSld>
@@ -5644,7 +5235,237 @@
           <a:bodyPr/>
           <a:lstStyle/>
           <a:p>
-            <a:endParaRPr lang="en-US"/>
+            <a:pPr marL="171450" marR="0" lvl="0" indent="-171450" algn="l" defTabSz="914400" rtl="0" eaLnBrk="1" fontAlgn="auto" latinLnBrk="0" hangingPunct="1">
+              <a:lnSpc>
+                <a:spcPct val="100000"/>
+              </a:lnSpc>
+              <a:spcBef>
+                <a:spcPts val="0"/>
+              </a:spcBef>
+              <a:spcAft>
+                <a:spcPts val="0"/>
+              </a:spcAft>
+              <a:buClrTx/>
+              <a:buSzTx/>
+              <a:buFont typeface="Arial" charset="0"/>
+              <a:buNone/>
+              <a:tabLst/>
+              <a:defRPr/>
+            </a:pPr>
+            <a:r>
+              <a:rPr lang="en-US" sz="1200" dirty="0" smtClean="0">
+                <a:solidFill>
+                  <a:srgbClr val="FFFF00"/>
+                </a:solidFill>
+              </a:rPr>
+              <a:t>Top</a:t>
+            </a:r>
+            <a:r>
+              <a:rPr lang="en-US" sz="1200" baseline="0" dirty="0" smtClean="0">
+                <a:solidFill>
+                  <a:srgbClr val="FFFF00"/>
+                </a:solidFill>
+              </a:rPr>
+              <a:t> Golf Story</a:t>
+            </a:r>
+            <a:endParaRPr lang="en-US" sz="1200" dirty="0" smtClean="0">
+              <a:solidFill>
+                <a:srgbClr val="FFFF00"/>
+              </a:solidFill>
+            </a:endParaRPr>
+          </a:p>
+          <a:p>
+            <a:pPr marL="171450" marR="0" lvl="0" indent="-171450" algn="l" defTabSz="914400" rtl="0" eaLnBrk="1" fontAlgn="auto" latinLnBrk="0" hangingPunct="1">
+              <a:lnSpc>
+                <a:spcPct val="100000"/>
+              </a:lnSpc>
+              <a:spcBef>
+                <a:spcPts val="0"/>
+              </a:spcBef>
+              <a:spcAft>
+                <a:spcPts val="0"/>
+              </a:spcAft>
+              <a:buClrTx/>
+              <a:buSzTx/>
+              <a:buFont typeface="Arial" charset="0"/>
+              <a:buNone/>
+              <a:tabLst/>
+              <a:defRPr/>
+            </a:pPr>
+            <a:endParaRPr lang="en-US" sz="1200" dirty="0" smtClean="0">
+              <a:solidFill>
+                <a:srgbClr val="FFFF00"/>
+              </a:solidFill>
+            </a:endParaRPr>
+          </a:p>
+          <a:p>
+            <a:pPr marL="171450" marR="0" lvl="0" indent="-171450" algn="l" defTabSz="914400" rtl="0" eaLnBrk="1" fontAlgn="auto" latinLnBrk="0" hangingPunct="1">
+              <a:lnSpc>
+                <a:spcPct val="100000"/>
+              </a:lnSpc>
+              <a:spcBef>
+                <a:spcPts val="0"/>
+              </a:spcBef>
+              <a:spcAft>
+                <a:spcPts val="0"/>
+              </a:spcAft>
+              <a:buClrTx/>
+              <a:buSzTx/>
+              <a:buFont typeface="Arial" charset="0"/>
+              <a:buNone/>
+              <a:tabLst/>
+              <a:defRPr/>
+            </a:pPr>
+            <a:r>
+              <a:rPr lang="en-US" sz="1200" dirty="0" smtClean="0">
+                <a:solidFill>
+                  <a:srgbClr val="FFFF00"/>
+                </a:solidFill>
+              </a:rPr>
+              <a:t>“We should create a RYU for that”</a:t>
+            </a:r>
+          </a:p>
+          <a:p>
+            <a:pPr marL="171450" marR="0" lvl="0" indent="-171450" algn="l" defTabSz="914400" rtl="0" eaLnBrk="1" fontAlgn="auto" latinLnBrk="0" hangingPunct="1">
+              <a:lnSpc>
+                <a:spcPct val="100000"/>
+              </a:lnSpc>
+              <a:spcBef>
+                <a:spcPts val="0"/>
+              </a:spcBef>
+              <a:spcAft>
+                <a:spcPts val="0"/>
+              </a:spcAft>
+              <a:buClrTx/>
+              <a:buSzTx/>
+              <a:buFont typeface="Arial" charset="0"/>
+              <a:buNone/>
+              <a:tabLst/>
+              <a:defRPr/>
+            </a:pPr>
+            <a:r>
+              <a:rPr lang="en-US" sz="1200" dirty="0" smtClean="0">
+                <a:solidFill>
+                  <a:srgbClr val="FFFF00"/>
+                </a:solidFill>
+              </a:rPr>
+              <a:t>Slack Rules of Engagement (Skype For Business, Workplace, etc.)</a:t>
+            </a:r>
+          </a:p>
+          <a:p>
+            <a:pPr marL="171450" marR="0" lvl="0" indent="-171450" algn="l" defTabSz="914400" rtl="0" eaLnBrk="1" fontAlgn="auto" latinLnBrk="0" hangingPunct="1">
+              <a:lnSpc>
+                <a:spcPct val="100000"/>
+              </a:lnSpc>
+              <a:spcBef>
+                <a:spcPts val="0"/>
+              </a:spcBef>
+              <a:spcAft>
+                <a:spcPts val="0"/>
+              </a:spcAft>
+              <a:buClrTx/>
+              <a:buSzTx/>
+              <a:buFont typeface="Arial" charset="0"/>
+              <a:buNone/>
+              <a:tabLst/>
+              <a:defRPr/>
+            </a:pPr>
+            <a:r>
+              <a:rPr lang="en-US" sz="1200" dirty="0" smtClean="0">
+                <a:solidFill>
+                  <a:srgbClr val="FFFF00"/>
+                </a:solidFill>
+              </a:rPr>
+              <a:t>Azure Management &amp; Costing, NetScaler, SharePoint, Teradata, </a:t>
+            </a:r>
+            <a:r>
+              <a:rPr lang="en-US" sz="1200" dirty="0" err="1" smtClean="0">
+                <a:solidFill>
+                  <a:srgbClr val="FFFF00"/>
+                </a:solidFill>
+              </a:rPr>
+              <a:t>Commvault</a:t>
+            </a:r>
+            <a:r>
+              <a:rPr lang="en-US" sz="1200" dirty="0" smtClean="0">
+                <a:solidFill>
+                  <a:srgbClr val="FFFF00"/>
+                </a:solidFill>
+              </a:rPr>
+              <a:t>, EMC, VMAX migrations</a:t>
+            </a:r>
+          </a:p>
+          <a:p>
+            <a:pPr marL="171450" marR="0" lvl="0" indent="-171450" algn="l" defTabSz="914400" rtl="0" eaLnBrk="1" fontAlgn="auto" latinLnBrk="0" hangingPunct="1">
+              <a:lnSpc>
+                <a:spcPct val="100000"/>
+              </a:lnSpc>
+              <a:spcBef>
+                <a:spcPts val="0"/>
+              </a:spcBef>
+              <a:spcAft>
+                <a:spcPts val="0"/>
+              </a:spcAft>
+              <a:buClrTx/>
+              <a:buSzTx/>
+              <a:buFont typeface="Arial" charset="0"/>
+              <a:buNone/>
+              <a:tabLst/>
+              <a:defRPr/>
+            </a:pPr>
+            <a:endParaRPr lang="is-IS" sz="1200" dirty="0" smtClean="0">
+              <a:solidFill>
+                <a:srgbClr val="FFFF00"/>
+              </a:solidFill>
+            </a:endParaRPr>
+          </a:p>
+          <a:p>
+            <a:pPr marL="171450" marR="0" lvl="0" indent="-171450" algn="l" defTabSz="914400" rtl="0" eaLnBrk="1" fontAlgn="auto" latinLnBrk="0" hangingPunct="1">
+              <a:lnSpc>
+                <a:spcPct val="100000"/>
+              </a:lnSpc>
+              <a:spcBef>
+                <a:spcPts val="0"/>
+              </a:spcBef>
+              <a:spcAft>
+                <a:spcPts val="0"/>
+              </a:spcAft>
+              <a:buClrTx/>
+              <a:buSzTx/>
+              <a:buFont typeface="Arial" charset="0"/>
+              <a:buNone/>
+              <a:tabLst/>
+              <a:defRPr/>
+            </a:pPr>
+            <a:endParaRPr lang="is-IS" sz="1200" dirty="0" smtClean="0">
+              <a:solidFill>
+                <a:srgbClr val="FFFF00"/>
+              </a:solidFill>
+            </a:endParaRPr>
+          </a:p>
+          <a:p>
+            <a:pPr marL="171450" marR="0" lvl="0" indent="-171450" algn="l" defTabSz="914400" rtl="0" eaLnBrk="1" fontAlgn="auto" latinLnBrk="0" hangingPunct="1">
+              <a:lnSpc>
+                <a:spcPct val="100000"/>
+              </a:lnSpc>
+              <a:spcBef>
+                <a:spcPts val="0"/>
+              </a:spcBef>
+              <a:spcAft>
+                <a:spcPts val="0"/>
+              </a:spcAft>
+              <a:buClrTx/>
+              <a:buSzTx/>
+              <a:buFont typeface="Arial" charset="0"/>
+              <a:buNone/>
+              <a:tabLst/>
+              <a:defRPr/>
+            </a:pPr>
+            <a:endParaRPr lang="is-IS" sz="1200" dirty="0" smtClean="0">
+              <a:solidFill>
+                <a:srgbClr val="FFFF00"/>
+              </a:solidFill>
+            </a:endParaRPr>
           </a:p>
         </p:txBody>
       </p:sp>
@@ -5674,7 +5495,322 @@
     </p:spTree>
     <p:extLst>
       <p:ext uri="{BB962C8B-B14F-4D97-AF65-F5344CB8AC3E}">
-        <p14:creationId xmlns:p14="http://schemas.microsoft.com/office/powerpoint/2010/main" val="1378042578"/>
+        <p14:creationId xmlns:p14="http://schemas.microsoft.com/office/powerpoint/2010/main" val="851583352"/>
+      </p:ext>
+    </p:extLst>
+  </p:cSld>
+  <p:clrMapOvr>
+    <a:masterClrMapping/>
+  </p:clrMapOvr>
+</p:notes>
+</file>
+
+<file path=ppt/notesSlides/notesSlide47.xml><?xml version="1.0" encoding="utf-8"?>
+<p:notes xmlns:a="http://schemas.openxmlformats.org/drawingml/2006/main" xmlns:r="http://schemas.openxmlformats.org/officeDocument/2006/relationships" xmlns:p="http://schemas.openxmlformats.org/presentationml/2006/main">
+  <p:cSld>
+    <p:spTree>
+      <p:nvGrpSpPr>
+        <p:cNvPr id="1" name=""/>
+        <p:cNvGrpSpPr/>
+        <p:nvPr/>
+      </p:nvGrpSpPr>
+      <p:grpSpPr>
+        <a:xfrm>
+          <a:off x="0" y="0"/>
+          <a:ext cx="0" cy="0"/>
+          <a:chOff x="0" y="0"/>
+          <a:chExt cx="0" cy="0"/>
+        </a:xfrm>
+      </p:grpSpPr>
+      <p:sp>
+        <p:nvSpPr>
+          <p:cNvPr id="2" name="Slide Image Placeholder 1"/>
+          <p:cNvSpPr>
+            <a:spLocks noGrp="1" noRot="1" noChangeAspect="1"/>
+          </p:cNvSpPr>
+          <p:nvPr>
+            <p:ph type="sldImg"/>
+          </p:nvPr>
+        </p:nvSpPr>
+        <p:spPr/>
+      </p:sp>
+      <p:sp>
+        <p:nvSpPr>
+          <p:cNvPr id="3" name="Notes Placeholder 2"/>
+          <p:cNvSpPr>
+            <a:spLocks noGrp="1"/>
+          </p:cNvSpPr>
+          <p:nvPr>
+            <p:ph type="body" idx="1"/>
+          </p:nvPr>
+        </p:nvSpPr>
+        <p:spPr/>
+        <p:txBody>
+          <a:bodyPr/>
+          <a:lstStyle/>
+          <a:p>
+            <a:pPr marL="171450" marR="0" lvl="0" indent="-171450" algn="l" defTabSz="914400" rtl="0" eaLnBrk="1" fontAlgn="auto" latinLnBrk="0" hangingPunct="1">
+              <a:lnSpc>
+                <a:spcPct val="100000"/>
+              </a:lnSpc>
+              <a:spcBef>
+                <a:spcPts val="0"/>
+              </a:spcBef>
+              <a:spcAft>
+                <a:spcPts val="0"/>
+              </a:spcAft>
+              <a:buClrTx/>
+              <a:buSzTx/>
+              <a:buFont typeface="Arial" charset="0"/>
+              <a:buNone/>
+              <a:tabLst/>
+              <a:defRPr/>
+            </a:pPr>
+            <a:endParaRPr lang="is-IS" sz="1200" dirty="0" smtClean="0">
+              <a:solidFill>
+                <a:srgbClr val="FFFF00"/>
+              </a:solidFill>
+            </a:endParaRPr>
+          </a:p>
+        </p:txBody>
+      </p:sp>
+      <p:sp>
+        <p:nvSpPr>
+          <p:cNvPr id="4" name="Slide Number Placeholder 3"/>
+          <p:cNvSpPr>
+            <a:spLocks noGrp="1"/>
+          </p:cNvSpPr>
+          <p:nvPr>
+            <p:ph type="sldNum" sz="quarter" idx="10"/>
+          </p:nvPr>
+        </p:nvSpPr>
+        <p:spPr/>
+        <p:txBody>
+          <a:bodyPr/>
+          <a:lstStyle/>
+          <a:p>
+            <a:fld id="{A61D6427-4E40-48B2-9E5C-DB98B8F42838}" type="slidenum">
+              <a:rPr lang="en-US" smtClean="0"/>
+              <a:t>47</a:t>
+            </a:fld>
+            <a:endParaRPr lang="en-US"/>
+          </a:p>
+        </p:txBody>
+      </p:sp>
+    </p:spTree>
+    <p:extLst>
+      <p:ext uri="{BB962C8B-B14F-4D97-AF65-F5344CB8AC3E}">
+        <p14:creationId xmlns:p14="http://schemas.microsoft.com/office/powerpoint/2010/main" val="311930579"/>
+      </p:ext>
+    </p:extLst>
+  </p:cSld>
+  <p:clrMapOvr>
+    <a:masterClrMapping/>
+  </p:clrMapOvr>
+</p:notes>
+</file>
+
+<file path=ppt/notesSlides/notesSlide48.xml><?xml version="1.0" encoding="utf-8"?>
+<p:notes xmlns:a="http://schemas.openxmlformats.org/drawingml/2006/main" xmlns:r="http://schemas.openxmlformats.org/officeDocument/2006/relationships" xmlns:p="http://schemas.openxmlformats.org/presentationml/2006/main">
+  <p:cSld>
+    <p:spTree>
+      <p:nvGrpSpPr>
+        <p:cNvPr id="1" name=""/>
+        <p:cNvGrpSpPr/>
+        <p:nvPr/>
+      </p:nvGrpSpPr>
+      <p:grpSpPr>
+        <a:xfrm>
+          <a:off x="0" y="0"/>
+          <a:ext cx="0" cy="0"/>
+          <a:chOff x="0" y="0"/>
+          <a:chExt cx="0" cy="0"/>
+        </a:xfrm>
+      </p:grpSpPr>
+      <p:sp>
+        <p:nvSpPr>
+          <p:cNvPr id="2" name="Slide Image Placeholder 1"/>
+          <p:cNvSpPr>
+            <a:spLocks noGrp="1" noRot="1" noChangeAspect="1"/>
+          </p:cNvSpPr>
+          <p:nvPr>
+            <p:ph type="sldImg"/>
+          </p:nvPr>
+        </p:nvSpPr>
+        <p:spPr/>
+      </p:sp>
+      <p:sp>
+        <p:nvSpPr>
+          <p:cNvPr id="3" name="Notes Placeholder 2"/>
+          <p:cNvSpPr>
+            <a:spLocks noGrp="1"/>
+          </p:cNvSpPr>
+          <p:nvPr>
+            <p:ph type="body" idx="1"/>
+          </p:nvPr>
+        </p:nvSpPr>
+        <p:spPr/>
+        <p:txBody>
+          <a:bodyPr/>
+          <a:lstStyle/>
+          <a:p>
+            <a:pPr marL="171450" marR="0" lvl="0" indent="-171450" algn="l" defTabSz="914400" rtl="0" eaLnBrk="1" fontAlgn="auto" latinLnBrk="0" hangingPunct="1">
+              <a:lnSpc>
+                <a:spcPct val="100000"/>
+              </a:lnSpc>
+              <a:spcBef>
+                <a:spcPts val="0"/>
+              </a:spcBef>
+              <a:spcAft>
+                <a:spcPts val="0"/>
+              </a:spcAft>
+              <a:buClrTx/>
+              <a:buSzTx/>
+              <a:buFont typeface="Arial" charset="0"/>
+              <a:buNone/>
+              <a:tabLst/>
+              <a:defRPr/>
+            </a:pPr>
+            <a:endParaRPr lang="is-IS" sz="1200" dirty="0" smtClean="0">
+              <a:solidFill>
+                <a:srgbClr val="FFFF00"/>
+              </a:solidFill>
+            </a:endParaRPr>
+          </a:p>
+        </p:txBody>
+      </p:sp>
+      <p:sp>
+        <p:nvSpPr>
+          <p:cNvPr id="4" name="Slide Number Placeholder 3"/>
+          <p:cNvSpPr>
+            <a:spLocks noGrp="1"/>
+          </p:cNvSpPr>
+          <p:nvPr>
+            <p:ph type="sldNum" sz="quarter" idx="10"/>
+          </p:nvPr>
+        </p:nvSpPr>
+        <p:spPr/>
+        <p:txBody>
+          <a:bodyPr/>
+          <a:lstStyle/>
+          <a:p>
+            <a:fld id="{A61D6427-4E40-48B2-9E5C-DB98B8F42838}" type="slidenum">
+              <a:rPr lang="en-US" smtClean="0"/>
+              <a:t>48</a:t>
+            </a:fld>
+            <a:endParaRPr lang="en-US"/>
+          </a:p>
+        </p:txBody>
+      </p:sp>
+    </p:spTree>
+    <p:extLst>
+      <p:ext uri="{BB962C8B-B14F-4D97-AF65-F5344CB8AC3E}">
+        <p14:creationId xmlns:p14="http://schemas.microsoft.com/office/powerpoint/2010/main" val="975135912"/>
+      </p:ext>
+    </p:extLst>
+  </p:cSld>
+  <p:clrMapOvr>
+    <a:masterClrMapping/>
+  </p:clrMapOvr>
+</p:notes>
+</file>
+
+<file path=ppt/notesSlides/notesSlide49.xml><?xml version="1.0" encoding="utf-8"?>
+<p:notes xmlns:a="http://schemas.openxmlformats.org/drawingml/2006/main" xmlns:r="http://schemas.openxmlformats.org/officeDocument/2006/relationships" xmlns:p="http://schemas.openxmlformats.org/presentationml/2006/main">
+  <p:cSld>
+    <p:spTree>
+      <p:nvGrpSpPr>
+        <p:cNvPr id="1" name=""/>
+        <p:cNvGrpSpPr/>
+        <p:nvPr/>
+      </p:nvGrpSpPr>
+      <p:grpSpPr>
+        <a:xfrm>
+          <a:off x="0" y="0"/>
+          <a:ext cx="0" cy="0"/>
+          <a:chOff x="0" y="0"/>
+          <a:chExt cx="0" cy="0"/>
+        </a:xfrm>
+      </p:grpSpPr>
+      <p:sp>
+        <p:nvSpPr>
+          <p:cNvPr id="2" name="Slide Image Placeholder 1"/>
+          <p:cNvSpPr>
+            <a:spLocks noGrp="1" noRot="1" noChangeAspect="1"/>
+          </p:cNvSpPr>
+          <p:nvPr>
+            <p:ph type="sldImg"/>
+          </p:nvPr>
+        </p:nvSpPr>
+        <p:spPr/>
+      </p:sp>
+      <p:sp>
+        <p:nvSpPr>
+          <p:cNvPr id="3" name="Notes Placeholder 2"/>
+          <p:cNvSpPr>
+            <a:spLocks noGrp="1"/>
+          </p:cNvSpPr>
+          <p:nvPr>
+            <p:ph type="body" idx="1"/>
+          </p:nvPr>
+        </p:nvSpPr>
+        <p:spPr/>
+        <p:txBody>
+          <a:bodyPr/>
+          <a:lstStyle/>
+          <a:p>
+            <a:pPr marL="171450" marR="0" lvl="0" indent="-171450" algn="l" defTabSz="914400" rtl="0" eaLnBrk="1" fontAlgn="auto" latinLnBrk="0" hangingPunct="1">
+              <a:lnSpc>
+                <a:spcPct val="100000"/>
+              </a:lnSpc>
+              <a:spcBef>
+                <a:spcPts val="0"/>
+              </a:spcBef>
+              <a:spcAft>
+                <a:spcPts val="0"/>
+              </a:spcAft>
+              <a:buClrTx/>
+              <a:buSzTx/>
+              <a:buFont typeface="Arial" charset="0"/>
+              <a:buNone/>
+              <a:tabLst/>
+              <a:defRPr/>
+            </a:pPr>
+            <a:endParaRPr lang="is-IS" sz="1200" dirty="0" smtClean="0">
+              <a:solidFill>
+                <a:srgbClr val="FFFF00"/>
+              </a:solidFill>
+            </a:endParaRPr>
+          </a:p>
+        </p:txBody>
+      </p:sp>
+      <p:sp>
+        <p:nvSpPr>
+          <p:cNvPr id="4" name="Slide Number Placeholder 3"/>
+          <p:cNvSpPr>
+            <a:spLocks noGrp="1"/>
+          </p:cNvSpPr>
+          <p:nvPr>
+            <p:ph type="sldNum" sz="quarter" idx="10"/>
+          </p:nvPr>
+        </p:nvSpPr>
+        <p:spPr/>
+        <p:txBody>
+          <a:bodyPr/>
+          <a:lstStyle/>
+          <a:p>
+            <a:fld id="{A61D6427-4E40-48B2-9E5C-DB98B8F42838}" type="slidenum">
+              <a:rPr lang="en-US" smtClean="0"/>
+              <a:t>49</a:t>
+            </a:fld>
+            <a:endParaRPr lang="en-US"/>
+          </a:p>
+        </p:txBody>
+      </p:sp>
+    </p:spTree>
+    <p:extLst>
+      <p:ext uri="{BB962C8B-B14F-4D97-AF65-F5344CB8AC3E}">
+        <p14:creationId xmlns:p14="http://schemas.microsoft.com/office/powerpoint/2010/main" val="7407101"/>
       </p:ext>
     </p:extLst>
   </p:cSld>
@@ -5759,6 +5895,300 @@
     <p:extLst>
       <p:ext uri="{BB962C8B-B14F-4D97-AF65-F5344CB8AC3E}">
         <p14:creationId xmlns:p14="http://schemas.microsoft.com/office/powerpoint/2010/main" val="1607196161"/>
+      </p:ext>
+    </p:extLst>
+  </p:cSld>
+  <p:clrMapOvr>
+    <a:masterClrMapping/>
+  </p:clrMapOvr>
+</p:notes>
+</file>
+
+<file path=ppt/notesSlides/notesSlide50.xml><?xml version="1.0" encoding="utf-8"?>
+<p:notes xmlns:a="http://schemas.openxmlformats.org/drawingml/2006/main" xmlns:r="http://schemas.openxmlformats.org/officeDocument/2006/relationships" xmlns:p="http://schemas.openxmlformats.org/presentationml/2006/main">
+  <p:cSld>
+    <p:spTree>
+      <p:nvGrpSpPr>
+        <p:cNvPr id="1" name=""/>
+        <p:cNvGrpSpPr/>
+        <p:nvPr/>
+      </p:nvGrpSpPr>
+      <p:grpSpPr>
+        <a:xfrm>
+          <a:off x="0" y="0"/>
+          <a:ext cx="0" cy="0"/>
+          <a:chOff x="0" y="0"/>
+          <a:chExt cx="0" cy="0"/>
+        </a:xfrm>
+      </p:grpSpPr>
+      <p:sp>
+        <p:nvSpPr>
+          <p:cNvPr id="2" name="Slide Image Placeholder 1"/>
+          <p:cNvSpPr>
+            <a:spLocks noGrp="1" noRot="1" noChangeAspect="1"/>
+          </p:cNvSpPr>
+          <p:nvPr>
+            <p:ph type="sldImg"/>
+          </p:nvPr>
+        </p:nvSpPr>
+        <p:spPr/>
+      </p:sp>
+      <p:sp>
+        <p:nvSpPr>
+          <p:cNvPr id="3" name="Notes Placeholder 2"/>
+          <p:cNvSpPr>
+            <a:spLocks noGrp="1"/>
+          </p:cNvSpPr>
+          <p:nvPr>
+            <p:ph type="body" idx="1"/>
+          </p:nvPr>
+        </p:nvSpPr>
+        <p:spPr/>
+        <p:txBody>
+          <a:bodyPr/>
+          <a:lstStyle/>
+          <a:p>
+            <a:pPr marL="171450" marR="0" lvl="0" indent="-171450" algn="l" defTabSz="914400" rtl="0" eaLnBrk="1" fontAlgn="auto" latinLnBrk="0" hangingPunct="1">
+              <a:lnSpc>
+                <a:spcPct val="100000"/>
+              </a:lnSpc>
+              <a:spcBef>
+                <a:spcPts val="0"/>
+              </a:spcBef>
+              <a:spcAft>
+                <a:spcPts val="0"/>
+              </a:spcAft>
+              <a:buClrTx/>
+              <a:buSzTx/>
+              <a:buFont typeface="Arial" charset="0"/>
+              <a:buNone/>
+              <a:tabLst/>
+              <a:defRPr/>
+            </a:pPr>
+            <a:endParaRPr lang="is-IS" sz="1200" dirty="0" smtClean="0">
+              <a:solidFill>
+                <a:srgbClr val="FFFF00"/>
+              </a:solidFill>
+            </a:endParaRPr>
+          </a:p>
+        </p:txBody>
+      </p:sp>
+      <p:sp>
+        <p:nvSpPr>
+          <p:cNvPr id="4" name="Slide Number Placeholder 3"/>
+          <p:cNvSpPr>
+            <a:spLocks noGrp="1"/>
+          </p:cNvSpPr>
+          <p:nvPr>
+            <p:ph type="sldNum" sz="quarter" idx="10"/>
+          </p:nvPr>
+        </p:nvSpPr>
+        <p:spPr/>
+        <p:txBody>
+          <a:bodyPr/>
+          <a:lstStyle/>
+          <a:p>
+            <a:fld id="{A61D6427-4E40-48B2-9E5C-DB98B8F42838}" type="slidenum">
+              <a:rPr lang="en-US" smtClean="0"/>
+              <a:t>50</a:t>
+            </a:fld>
+            <a:endParaRPr lang="en-US"/>
+          </a:p>
+        </p:txBody>
+      </p:sp>
+    </p:spTree>
+    <p:extLst>
+      <p:ext uri="{BB962C8B-B14F-4D97-AF65-F5344CB8AC3E}">
+        <p14:creationId xmlns:p14="http://schemas.microsoft.com/office/powerpoint/2010/main" val="1813545951"/>
+      </p:ext>
+    </p:extLst>
+  </p:cSld>
+  <p:clrMapOvr>
+    <a:masterClrMapping/>
+  </p:clrMapOvr>
+</p:notes>
+</file>
+
+<file path=ppt/notesSlides/notesSlide51.xml><?xml version="1.0" encoding="utf-8"?>
+<p:notes xmlns:a="http://schemas.openxmlformats.org/drawingml/2006/main" xmlns:r="http://schemas.openxmlformats.org/officeDocument/2006/relationships" xmlns:p="http://schemas.openxmlformats.org/presentationml/2006/main">
+  <p:cSld>
+    <p:spTree>
+      <p:nvGrpSpPr>
+        <p:cNvPr id="1" name=""/>
+        <p:cNvGrpSpPr/>
+        <p:nvPr/>
+      </p:nvGrpSpPr>
+      <p:grpSpPr>
+        <a:xfrm>
+          <a:off x="0" y="0"/>
+          <a:ext cx="0" cy="0"/>
+          <a:chOff x="0" y="0"/>
+          <a:chExt cx="0" cy="0"/>
+        </a:xfrm>
+      </p:grpSpPr>
+      <p:sp>
+        <p:nvSpPr>
+          <p:cNvPr id="2" name="Slide Image Placeholder 1"/>
+          <p:cNvSpPr>
+            <a:spLocks noGrp="1" noRot="1" noChangeAspect="1"/>
+          </p:cNvSpPr>
+          <p:nvPr>
+            <p:ph type="sldImg"/>
+          </p:nvPr>
+        </p:nvSpPr>
+        <p:spPr/>
+      </p:sp>
+      <p:sp>
+        <p:nvSpPr>
+          <p:cNvPr id="3" name="Notes Placeholder 2"/>
+          <p:cNvSpPr>
+            <a:spLocks noGrp="1"/>
+          </p:cNvSpPr>
+          <p:nvPr>
+            <p:ph type="body" idx="1"/>
+          </p:nvPr>
+        </p:nvSpPr>
+        <p:spPr/>
+        <p:txBody>
+          <a:bodyPr/>
+          <a:lstStyle/>
+          <a:p>
+            <a:pPr marL="171450" marR="0" lvl="0" indent="-171450" algn="l" defTabSz="914400" rtl="0" eaLnBrk="1" fontAlgn="auto" latinLnBrk="0" hangingPunct="1">
+              <a:lnSpc>
+                <a:spcPct val="100000"/>
+              </a:lnSpc>
+              <a:spcBef>
+                <a:spcPts val="0"/>
+              </a:spcBef>
+              <a:spcAft>
+                <a:spcPts val="0"/>
+              </a:spcAft>
+              <a:buClrTx/>
+              <a:buSzTx/>
+              <a:buFont typeface="Arial" charset="0"/>
+              <a:buNone/>
+              <a:tabLst/>
+              <a:defRPr/>
+            </a:pPr>
+            <a:endParaRPr lang="is-IS" sz="1200" dirty="0" smtClean="0">
+              <a:solidFill>
+                <a:srgbClr val="FFFF00"/>
+              </a:solidFill>
+            </a:endParaRPr>
+          </a:p>
+        </p:txBody>
+      </p:sp>
+      <p:sp>
+        <p:nvSpPr>
+          <p:cNvPr id="4" name="Slide Number Placeholder 3"/>
+          <p:cNvSpPr>
+            <a:spLocks noGrp="1"/>
+          </p:cNvSpPr>
+          <p:nvPr>
+            <p:ph type="sldNum" sz="quarter" idx="10"/>
+          </p:nvPr>
+        </p:nvSpPr>
+        <p:spPr/>
+        <p:txBody>
+          <a:bodyPr/>
+          <a:lstStyle/>
+          <a:p>
+            <a:fld id="{A61D6427-4E40-48B2-9E5C-DB98B8F42838}" type="slidenum">
+              <a:rPr lang="en-US" smtClean="0"/>
+              <a:t>51</a:t>
+            </a:fld>
+            <a:endParaRPr lang="en-US"/>
+          </a:p>
+        </p:txBody>
+      </p:sp>
+    </p:spTree>
+    <p:extLst>
+      <p:ext uri="{BB962C8B-B14F-4D97-AF65-F5344CB8AC3E}">
+        <p14:creationId xmlns:p14="http://schemas.microsoft.com/office/powerpoint/2010/main" val="1391093232"/>
+      </p:ext>
+    </p:extLst>
+  </p:cSld>
+  <p:clrMapOvr>
+    <a:masterClrMapping/>
+  </p:clrMapOvr>
+</p:notes>
+</file>
+
+<file path=ppt/notesSlides/notesSlide52.xml><?xml version="1.0" encoding="utf-8"?>
+<p:notes xmlns:a="http://schemas.openxmlformats.org/drawingml/2006/main" xmlns:r="http://schemas.openxmlformats.org/officeDocument/2006/relationships" xmlns:p="http://schemas.openxmlformats.org/presentationml/2006/main">
+  <p:cSld>
+    <p:spTree>
+      <p:nvGrpSpPr>
+        <p:cNvPr id="1" name=""/>
+        <p:cNvGrpSpPr/>
+        <p:nvPr/>
+      </p:nvGrpSpPr>
+      <p:grpSpPr>
+        <a:xfrm>
+          <a:off x="0" y="0"/>
+          <a:ext cx="0" cy="0"/>
+          <a:chOff x="0" y="0"/>
+          <a:chExt cx="0" cy="0"/>
+        </a:xfrm>
+      </p:grpSpPr>
+      <p:sp>
+        <p:nvSpPr>
+          <p:cNvPr id="2" name="Slide Image Placeholder 1"/>
+          <p:cNvSpPr>
+            <a:spLocks noGrp="1" noRot="1" noChangeAspect="1"/>
+          </p:cNvSpPr>
+          <p:nvPr>
+            <p:ph type="sldImg"/>
+          </p:nvPr>
+        </p:nvSpPr>
+        <p:spPr/>
+      </p:sp>
+      <p:sp>
+        <p:nvSpPr>
+          <p:cNvPr id="3" name="Notes Placeholder 2"/>
+          <p:cNvSpPr>
+            <a:spLocks noGrp="1"/>
+          </p:cNvSpPr>
+          <p:nvPr>
+            <p:ph type="body" idx="1"/>
+          </p:nvPr>
+        </p:nvSpPr>
+        <p:spPr/>
+        <p:txBody>
+          <a:bodyPr/>
+          <a:lstStyle/>
+          <a:p>
+            <a:endParaRPr lang="en-US"/>
+          </a:p>
+        </p:txBody>
+      </p:sp>
+      <p:sp>
+        <p:nvSpPr>
+          <p:cNvPr id="4" name="Slide Number Placeholder 3"/>
+          <p:cNvSpPr>
+            <a:spLocks noGrp="1"/>
+          </p:cNvSpPr>
+          <p:nvPr>
+            <p:ph type="sldNum" sz="quarter" idx="10"/>
+          </p:nvPr>
+        </p:nvSpPr>
+        <p:spPr/>
+        <p:txBody>
+          <a:bodyPr/>
+          <a:lstStyle/>
+          <a:p>
+            <a:fld id="{A61D6427-4E40-48B2-9E5C-DB98B8F42838}" type="slidenum">
+              <a:rPr lang="en-US" smtClean="0"/>
+              <a:t>52</a:t>
+            </a:fld>
+            <a:endParaRPr lang="en-US"/>
+          </a:p>
+        </p:txBody>
+      </p:sp>
+    </p:spTree>
+    <p:extLst>
+      <p:ext uri="{BB962C8B-B14F-4D97-AF65-F5344CB8AC3E}">
+        <p14:creationId xmlns:p14="http://schemas.microsoft.com/office/powerpoint/2010/main" val="1378042578"/>
       </p:ext>
     </p:extLst>
   </p:cSld>
@@ -5896,7 +6326,24 @@
           <a:bodyPr/>
           <a:lstStyle/>
           <a:p>
-            <a:endParaRPr lang="en-US"/>
+            <a:r>
+              <a:rPr lang="en-US" dirty="0" smtClean="0"/>
+              <a:t>Is it</a:t>
+            </a:r>
+            <a:r>
+              <a:rPr lang="en-US" baseline="0" dirty="0" smtClean="0"/>
+              <a:t> enough to tell your teams to have a growth mindset?</a:t>
+            </a:r>
+          </a:p>
+          <a:p>
+            <a:endParaRPr lang="en-US" baseline="0" dirty="0" smtClean="0"/>
+          </a:p>
+          <a:p>
+            <a:r>
+              <a:rPr lang="en-US" baseline="0" dirty="0" smtClean="0"/>
+              <a:t>I had a feeling we don’t appreciate the difficulty and pain of re-developing a growth mindset</a:t>
+            </a:r>
+            <a:endParaRPr lang="en-US" dirty="0"/>
           </a:p>
         </p:txBody>
       </p:sp>
@@ -6194,15 +6641,24 @@
           <a:bodyPr/>
           <a:lstStyle/>
           <a:p>
-            <a:pPr>
-              <a:lnSpc>
-                <a:spcPct val="100000"/>
-              </a:lnSpc>
-              <a:spcBef>
-                <a:spcPts val="0"/>
-              </a:spcBef>
-            </a:pPr>
-            <a:endParaRPr lang="en-US" sz="1200" dirty="0" smtClean="0"/>
+            <a:r>
+              <a:rPr lang="en-US" dirty="0" smtClean="0"/>
+              <a:t>Is it</a:t>
+            </a:r>
+            <a:r>
+              <a:rPr lang="en-US" baseline="0" dirty="0" smtClean="0"/>
+              <a:t> enough to tell your teams to have a growth mindset?</a:t>
+            </a:r>
+          </a:p>
+          <a:p>
+            <a:endParaRPr lang="en-US" baseline="0" dirty="0" smtClean="0"/>
+          </a:p>
+          <a:p>
+            <a:r>
+              <a:rPr lang="en-US" baseline="0" dirty="0" smtClean="0"/>
+              <a:t>I had a feeling we don’t appreciate the difficulty and pain of re-developing a growth mindset</a:t>
+            </a:r>
+            <a:endParaRPr lang="en-US" dirty="0"/>
           </a:p>
         </p:txBody>
       </p:sp>
@@ -6232,7 +6688,7 @@
     </p:spTree>
     <p:extLst>
       <p:ext uri="{BB962C8B-B14F-4D97-AF65-F5344CB8AC3E}">
-        <p14:creationId xmlns:p14="http://schemas.microsoft.com/office/powerpoint/2010/main" val="236067430"/>
+        <p14:creationId xmlns:p14="http://schemas.microsoft.com/office/powerpoint/2010/main" val="1828112117"/>
       </p:ext>
     </p:extLst>
   </p:cSld>
@@ -7044,8 +7500,16 @@
           <a:lstStyle/>
           <a:p>
             <a:r>
+              <a:rPr lang="en-US" sz="5400" smtClean="0"/>
+              <a:t>DevOpsing</a:t>
+            </a:r>
+            <a:r>
               <a:rPr lang="en-US" sz="5400" dirty="0" smtClean="0"/>
-              <a:t>DevOpsing in a Microsoft World</a:t>
+              <a:t> </a:t>
+            </a:r>
+            <a:r>
+              <a:rPr lang="en-US" sz="5400" dirty="0" smtClean="0"/>
+              <a:t>in a Microsoft World</a:t>
             </a:r>
             <a:endParaRPr lang="en-US" sz="5400" dirty="0"/>
           </a:p>
@@ -7137,28 +7601,20 @@
         </p:nvSpPr>
         <p:spPr/>
         <p:txBody>
-          <a:bodyPr anchor="t"/>
+          <a:bodyPr anchor="ctr"/>
           <a:lstStyle/>
           <a:p>
-            <a:endParaRPr lang="en-US" sz="4800" u="sng" dirty="0" smtClean="0"/>
-          </a:p>
-          <a:p>
-            <a:r>
-              <a:rPr lang="en-US" sz="4800" u="sng" dirty="0" smtClean="0"/>
-              <a:t>The Journey: </a:t>
-            </a:r>
-          </a:p>
-          <a:p>
-            <a:endParaRPr lang="en-US" sz="4000" dirty="0" smtClean="0"/>
-          </a:p>
-          <a:p>
-            <a:r>
-              <a:rPr lang="en-US" sz="4000" dirty="0"/>
-              <a:t>Team has grown quite a bit but can regress to old ideas and mindsets; Learned quite a bit about dealing with folks I don’t agree with</a:t>
-            </a:r>
-          </a:p>
-          <a:p>
-            <a:endParaRPr lang="en-US" sz="4000" dirty="0"/>
+            <a:r>
+              <a:rPr lang="en-US" sz="4800" dirty="0" smtClean="0"/>
+              <a:t>Rewarding</a:t>
+            </a:r>
+            <a:r>
+              <a:rPr lang="en-US" sz="4800" dirty="0" smtClean="0"/>
+              <a:t>, bumpy, and lots of self doubt, I definitely felt like an imposter.  Eventually: “I felt like I could grow/contribute”</a:t>
+            </a:r>
+          </a:p>
+          <a:p>
+            <a:endParaRPr lang="en-US" sz="4800" dirty="0"/>
           </a:p>
         </p:txBody>
       </p:sp>
@@ -7194,7 +7650,7 @@
     </p:spTree>
     <p:extLst>
       <p:ext uri="{BB962C8B-B14F-4D97-AF65-F5344CB8AC3E}">
-        <p14:creationId xmlns:p14="http://schemas.microsoft.com/office/powerpoint/2010/main" val="67019443"/>
+        <p14:creationId xmlns:p14="http://schemas.microsoft.com/office/powerpoint/2010/main" val="1914439433"/>
       </p:ext>
     </p:extLst>
   </p:cSld>
@@ -7248,28 +7704,32 @@
         </p:nvSpPr>
         <p:spPr/>
         <p:txBody>
-          <a:bodyPr anchor="t"/>
+          <a:bodyPr anchor="ctr"/>
           <a:lstStyle/>
           <a:p>
-            <a:endParaRPr lang="en-US" sz="4800" u="sng" dirty="0" smtClean="0"/>
-          </a:p>
-          <a:p>
-            <a:r>
-              <a:rPr lang="en-US" sz="4800" u="sng" dirty="0" smtClean="0"/>
-              <a:t>The Journey: </a:t>
-            </a:r>
-          </a:p>
-          <a:p>
-            <a:endParaRPr lang="en-US" sz="4000" dirty="0" smtClean="0"/>
-          </a:p>
-          <a:p>
-            <a:r>
-              <a:rPr lang="en-US" sz="4000" dirty="0"/>
-              <a:t>Hard to ramp up due to the slew of tools, behaviors, and new ways of thinking (especially for windows admins)</a:t>
-            </a:r>
-          </a:p>
-          <a:p>
-            <a:endParaRPr lang="en-US" sz="4000" dirty="0"/>
+            <a:r>
+              <a:rPr lang="en-US" sz="4800" smtClean="0"/>
+              <a:t>The </a:t>
+            </a:r>
+            <a:r>
+              <a:rPr lang="en-US" sz="4800" dirty="0" smtClean="0"/>
+              <a:t>team </a:t>
+            </a:r>
+            <a:r>
+              <a:rPr lang="en-US" sz="4800" dirty="0"/>
+              <a:t>has grown quite a bit but can regress to old ideas and mindsets; </a:t>
+            </a:r>
+            <a:r>
+              <a:rPr lang="en-US" sz="4800" dirty="0" smtClean="0"/>
+              <a:t>I learned </a:t>
+            </a:r>
+            <a:r>
+              <a:rPr lang="en-US" sz="4800" dirty="0"/>
+              <a:t>quite a bit about dealing with folks I don’t agree with</a:t>
+            </a:r>
+          </a:p>
+          <a:p>
+            <a:endParaRPr lang="en-US" sz="4800" dirty="0"/>
           </a:p>
         </p:txBody>
       </p:sp>
@@ -7305,7 +7765,7 @@
     </p:spTree>
     <p:extLst>
       <p:ext uri="{BB962C8B-B14F-4D97-AF65-F5344CB8AC3E}">
-        <p14:creationId xmlns:p14="http://schemas.microsoft.com/office/powerpoint/2010/main" val="1763828530"/>
+        <p14:creationId xmlns:p14="http://schemas.microsoft.com/office/powerpoint/2010/main" val="67019443"/>
       </p:ext>
     </p:extLst>
   </p:cSld>
@@ -7359,28 +7819,25 @@
         </p:nvSpPr>
         <p:spPr/>
         <p:txBody>
-          <a:bodyPr anchor="t"/>
+          <a:bodyPr anchor="ctr"/>
           <a:lstStyle/>
           <a:p>
-            <a:endParaRPr lang="en-US" sz="4800" u="sng" dirty="0" smtClean="0"/>
-          </a:p>
-          <a:p>
-            <a:r>
-              <a:rPr lang="en-US" sz="4800" u="sng" dirty="0" smtClean="0"/>
-              <a:t>Favorite Aspect: </a:t>
-            </a:r>
-          </a:p>
-          <a:p>
-            <a:endParaRPr lang="en-US" sz="4000" dirty="0" smtClean="0"/>
-          </a:p>
-          <a:p>
-            <a:r>
-              <a:rPr lang="en-US" sz="4000" dirty="0" smtClean="0"/>
-              <a:t>I have enjoyed expanding my sphere of responsibilities and interests by breaking down IT silos.  The variety and level of activity within the team has been rejuvenating</a:t>
-            </a:r>
-          </a:p>
-          <a:p>
-            <a:endParaRPr lang="en-US" sz="4000" dirty="0"/>
+            <a:r>
+              <a:rPr lang="en-US" sz="4800" dirty="0" smtClean="0"/>
+              <a:t>It has been hard </a:t>
+            </a:r>
+            <a:r>
+              <a:rPr lang="en-US" sz="4800" dirty="0"/>
+              <a:t>to ramp up due to the slew of tools, behaviors, and new ways of </a:t>
+            </a:r>
+            <a:r>
+              <a:rPr lang="en-US" sz="4800" dirty="0" smtClean="0"/>
+              <a:t>thinking</a:t>
+            </a:r>
+            <a:endParaRPr lang="en-US" sz="4800" dirty="0"/>
+          </a:p>
+          <a:p>
+            <a:endParaRPr lang="en-US" sz="4800" dirty="0"/>
           </a:p>
         </p:txBody>
       </p:sp>
@@ -7416,7 +7873,7 @@
     </p:spTree>
     <p:extLst>
       <p:ext uri="{BB962C8B-B14F-4D97-AF65-F5344CB8AC3E}">
-        <p14:creationId xmlns:p14="http://schemas.microsoft.com/office/powerpoint/2010/main" val="1995846870"/>
+        <p14:creationId xmlns:p14="http://schemas.microsoft.com/office/powerpoint/2010/main" val="1763828530"/>
       </p:ext>
     </p:extLst>
   </p:cSld>
@@ -7460,7 +7917,7 @@
       </p:grpSpPr>
       <p:sp>
         <p:nvSpPr>
-          <p:cNvPr id="7" name="Content Placeholder 2"/>
+          <p:cNvPr id="3" name="Content Placeholder 2"/>
           <p:cNvSpPr>
             <a:spLocks noGrp="1"/>
           </p:cNvSpPr>
@@ -7470,46 +7927,28 @@
         </p:nvSpPr>
         <p:spPr/>
         <p:txBody>
-          <a:bodyPr anchor="t"/>
+          <a:bodyPr/>
           <a:lstStyle/>
           <a:p>
-            <a:endParaRPr lang="en-US" sz="4800" u="sng" dirty="0" smtClean="0"/>
-          </a:p>
-          <a:p>
-            <a:r>
-              <a:rPr lang="en-US" sz="4800" u="sng" dirty="0" smtClean="0"/>
-              <a:t>Favorite Aspect: </a:t>
-            </a:r>
-          </a:p>
-          <a:p>
-            <a:endParaRPr lang="en-US" sz="4000" dirty="0" smtClean="0"/>
-          </a:p>
-          <a:p>
-            <a:r>
-              <a:rPr lang="en-US" sz="4000" dirty="0" smtClean="0"/>
-              <a:t>I enjoy being on the leading </a:t>
-            </a:r>
-            <a:r>
-              <a:rPr lang="en-US" sz="4000" dirty="0"/>
-              <a:t>edge of enterprise IT. DevOps is not new for unicorns but </a:t>
-            </a:r>
-            <a:r>
-              <a:rPr lang="en-US" sz="4000" dirty="0" smtClean="0"/>
-              <a:t>is still </a:t>
-            </a:r>
-            <a:r>
-              <a:rPr lang="en-US" sz="4000" dirty="0"/>
-              <a:t>in beginning stages in Microsoft centric enterprises</a:t>
-            </a:r>
-          </a:p>
-          <a:p>
-            <a:endParaRPr lang="en-US" sz="4000" dirty="0"/>
-          </a:p>
-        </p:txBody>
-      </p:sp>
-      <p:sp>
-        <p:nvSpPr>
-          <p:cNvPr id="3" name="Slide Number Placeholder 2"/>
+            <a:r>
+              <a:rPr lang="en-US" sz="5400" dirty="0" smtClean="0"/>
+              <a:t>What’s been your </a:t>
+            </a:r>
+            <a:r>
+              <a:rPr lang="en-US" sz="5400" b="1" u="sng" dirty="0" smtClean="0"/>
+              <a:t>favorite</a:t>
+            </a:r>
+            <a:r>
+              <a:rPr lang="en-US" sz="5400" dirty="0" smtClean="0"/>
+              <a:t> aspect of the journey?</a:t>
+            </a:r>
+            <a:endParaRPr lang="en-US" sz="4400" dirty="0"/>
+          </a:p>
+        </p:txBody>
+      </p:sp>
+      <p:sp>
+        <p:nvSpPr>
+          <p:cNvPr id="4" name="Slide Number Placeholder 3"/>
           <p:cNvSpPr>
             <a:spLocks noGrp="1"/>
           </p:cNvSpPr>
@@ -7539,7 +7978,7 @@
     </p:spTree>
     <p:extLst>
       <p:ext uri="{BB962C8B-B14F-4D97-AF65-F5344CB8AC3E}">
-        <p14:creationId xmlns:p14="http://schemas.microsoft.com/office/powerpoint/2010/main" val="1485323248"/>
+        <p14:creationId xmlns:p14="http://schemas.microsoft.com/office/powerpoint/2010/main" val="748813572"/>
       </p:ext>
     </p:extLst>
   </p:cSld>
@@ -7593,33 +8032,20 @@
         </p:nvSpPr>
         <p:spPr/>
         <p:txBody>
-          <a:bodyPr anchor="t"/>
+          <a:bodyPr anchor="ctr"/>
           <a:lstStyle/>
           <a:p>
-            <a:endParaRPr lang="en-US" sz="4800" u="sng" dirty="0" smtClean="0"/>
-          </a:p>
-          <a:p>
-            <a:r>
-              <a:rPr lang="en-US" sz="4800" u="sng" dirty="0" smtClean="0"/>
-              <a:t>Favorite Aspect: </a:t>
-            </a:r>
-          </a:p>
-          <a:p>
-            <a:endParaRPr lang="en-US" sz="4000" dirty="0" smtClean="0"/>
-          </a:p>
-          <a:p>
-            <a:r>
-              <a:rPr lang="en-US" sz="4000" dirty="0"/>
-              <a:t>The encouragement to experiment (fail) without the fear of </a:t>
-            </a:r>
-            <a:r>
-              <a:rPr lang="en-US" sz="4000" dirty="0" smtClean="0"/>
-              <a:t>punishment, especially with ChatOps </a:t>
-            </a:r>
-            <a:endParaRPr lang="en-US" sz="4000" dirty="0"/>
-          </a:p>
-          <a:p>
-            <a:endParaRPr lang="en-US" sz="4000" dirty="0"/>
+            <a:r>
+              <a:rPr lang="en-US" sz="4800" smtClean="0"/>
+              <a:t>I </a:t>
+            </a:r>
+            <a:r>
+              <a:rPr lang="en-US" sz="4800" dirty="0" smtClean="0"/>
+              <a:t>have enjoyed expanding my sphere of responsibilities and interests by breaking down IT silos.  The variety and level of activity within the team has been rejuvenating</a:t>
+            </a:r>
+          </a:p>
+          <a:p>
+            <a:endParaRPr lang="en-US" sz="4800" dirty="0"/>
           </a:p>
         </p:txBody>
       </p:sp>
@@ -7655,7 +8081,7 @@
     </p:spTree>
     <p:extLst>
       <p:ext uri="{BB962C8B-B14F-4D97-AF65-F5344CB8AC3E}">
-        <p14:creationId xmlns:p14="http://schemas.microsoft.com/office/powerpoint/2010/main" val="1872526183"/>
+        <p14:creationId xmlns:p14="http://schemas.microsoft.com/office/powerpoint/2010/main" val="1995846870"/>
       </p:ext>
     </p:extLst>
   </p:cSld>
@@ -7709,28 +8135,41 @@
         </p:nvSpPr>
         <p:spPr/>
         <p:txBody>
-          <a:bodyPr anchor="t"/>
+          <a:bodyPr anchor="ctr"/>
           <a:lstStyle/>
           <a:p>
-            <a:endParaRPr lang="en-US" sz="4800" u="sng" dirty="0" smtClean="0"/>
-          </a:p>
-          <a:p>
-            <a:r>
-              <a:rPr lang="en-US" sz="4800" u="sng" dirty="0" smtClean="0"/>
-              <a:t>Favorite Aspect: </a:t>
-            </a:r>
-          </a:p>
-          <a:p>
-            <a:endParaRPr lang="en-US" sz="4000" dirty="0" smtClean="0"/>
-          </a:p>
-          <a:p>
-            <a:r>
-              <a:rPr lang="en-US" sz="4000" dirty="0"/>
-              <a:t>People, Teammates, Mentorship, Learning to ask for help; Developing confidence</a:t>
-            </a:r>
-          </a:p>
-          <a:p>
-            <a:endParaRPr lang="en-US" sz="4000" dirty="0"/>
+            <a:r>
+              <a:rPr lang="en-US" sz="4800" dirty="0" smtClean="0"/>
+              <a:t>I </a:t>
+            </a:r>
+            <a:r>
+              <a:rPr lang="en-US" sz="4800" dirty="0" smtClean="0"/>
+              <a:t>enjoy being on the leading </a:t>
+            </a:r>
+            <a:r>
+              <a:rPr lang="en-US" sz="4800" dirty="0"/>
+              <a:t>edge of enterprise IT. DevOps is not new for unicorns but </a:t>
+            </a:r>
+            <a:r>
+              <a:rPr lang="en-US" sz="4800" dirty="0" smtClean="0"/>
+              <a:t>it is </a:t>
+            </a:r>
+            <a:r>
+              <a:rPr lang="en-US" sz="4800" dirty="0" smtClean="0"/>
+              <a:t>still </a:t>
+            </a:r>
+            <a:r>
+              <a:rPr lang="en-US" sz="4800" dirty="0"/>
+              <a:t>in beginning stages in Microsoft centric </a:t>
+            </a:r>
+            <a:r>
+              <a:rPr lang="en-US" sz="4800" dirty="0" smtClean="0"/>
+              <a:t>enterprises.</a:t>
+            </a:r>
+            <a:endParaRPr lang="en-US" sz="4800" dirty="0"/>
+          </a:p>
+          <a:p>
+            <a:endParaRPr lang="en-US" sz="4800" dirty="0"/>
           </a:p>
         </p:txBody>
       </p:sp>
@@ -7766,7 +8205,7 @@
     </p:spTree>
     <p:extLst>
       <p:ext uri="{BB962C8B-B14F-4D97-AF65-F5344CB8AC3E}">
-        <p14:creationId xmlns:p14="http://schemas.microsoft.com/office/powerpoint/2010/main" val="1531787507"/>
+        <p14:creationId xmlns:p14="http://schemas.microsoft.com/office/powerpoint/2010/main" val="1485323248"/>
       </p:ext>
     </p:extLst>
   </p:cSld>
@@ -7820,28 +8259,25 @@
         </p:nvSpPr>
         <p:spPr/>
         <p:txBody>
-          <a:bodyPr anchor="t"/>
+          <a:bodyPr anchor="ctr"/>
           <a:lstStyle/>
           <a:p>
-            <a:endParaRPr lang="en-US" sz="4800" u="sng" dirty="0" smtClean="0"/>
-          </a:p>
-          <a:p>
-            <a:r>
-              <a:rPr lang="en-US" sz="4800" u="sng" dirty="0" smtClean="0"/>
-              <a:t>Least Favorite Aspect: </a:t>
-            </a:r>
-          </a:p>
-          <a:p>
-            <a:endParaRPr lang="en-US" sz="4000" dirty="0" smtClean="0"/>
-          </a:p>
-          <a:p>
-            <a:r>
-              <a:rPr lang="en-US" sz="4000" dirty="0" smtClean="0"/>
-              <a:t>Constant change...all the experiments, not enough time to go deep</a:t>
-            </a:r>
-          </a:p>
-          <a:p>
-            <a:endParaRPr lang="en-US" sz="4000" dirty="0"/>
+            <a:r>
+              <a:rPr lang="en-US" sz="4800" smtClean="0"/>
+              <a:t>The </a:t>
+            </a:r>
+            <a:r>
+              <a:rPr lang="en-US" sz="4800" dirty="0"/>
+              <a:t>encouragement to experiment (fail) without the fear of </a:t>
+            </a:r>
+            <a:r>
+              <a:rPr lang="en-US" sz="4800" dirty="0" smtClean="0"/>
+              <a:t>punishment, especially with ChatOps </a:t>
+            </a:r>
+            <a:endParaRPr lang="en-US" sz="4800" dirty="0"/>
+          </a:p>
+          <a:p>
+            <a:endParaRPr lang="en-US" sz="4800" dirty="0"/>
           </a:p>
         </p:txBody>
       </p:sp>
@@ -7877,7 +8313,7 @@
     </p:spTree>
     <p:extLst>
       <p:ext uri="{BB962C8B-B14F-4D97-AF65-F5344CB8AC3E}">
-        <p14:creationId xmlns:p14="http://schemas.microsoft.com/office/powerpoint/2010/main" val="488820619"/>
+        <p14:creationId xmlns:p14="http://schemas.microsoft.com/office/powerpoint/2010/main" val="1872526183"/>
       </p:ext>
     </p:extLst>
   </p:cSld>
@@ -7931,28 +8367,20 @@
         </p:nvSpPr>
         <p:spPr/>
         <p:txBody>
-          <a:bodyPr anchor="t"/>
+          <a:bodyPr anchor="ctr"/>
           <a:lstStyle/>
           <a:p>
-            <a:endParaRPr lang="en-US" sz="4800" u="sng" dirty="0" smtClean="0"/>
-          </a:p>
-          <a:p>
-            <a:r>
-              <a:rPr lang="en-US" sz="4800" u="sng" dirty="0" smtClean="0"/>
-              <a:t>Least Favorite Aspect: </a:t>
-            </a:r>
-          </a:p>
-          <a:p>
-            <a:endParaRPr lang="en-US" sz="4000" dirty="0" smtClean="0"/>
-          </a:p>
-          <a:p>
-            <a:r>
-              <a:rPr lang="en-US" sz="4000" dirty="0"/>
-              <a:t>Feeling lost/helpless, discomfort due to width and breadth of areas</a:t>
-            </a:r>
-          </a:p>
-          <a:p>
-            <a:endParaRPr lang="en-US" sz="4000" dirty="0"/>
+            <a:r>
+              <a:rPr lang="en-US" sz="4800" dirty="0" smtClean="0"/>
+              <a:t>People</a:t>
+            </a:r>
+            <a:r>
+              <a:rPr lang="en-US" sz="4800" dirty="0"/>
+              <a:t>, Teammates, Mentorship, Learning to ask for help; Developing confidence</a:t>
+            </a:r>
+          </a:p>
+          <a:p>
+            <a:endParaRPr lang="en-US" sz="4800" dirty="0"/>
           </a:p>
         </p:txBody>
       </p:sp>
@@ -7988,7 +8416,7 @@
     </p:spTree>
     <p:extLst>
       <p:ext uri="{BB962C8B-B14F-4D97-AF65-F5344CB8AC3E}">
-        <p14:creationId xmlns:p14="http://schemas.microsoft.com/office/powerpoint/2010/main" val="699184448"/>
+        <p14:creationId xmlns:p14="http://schemas.microsoft.com/office/powerpoint/2010/main" val="1531787507"/>
       </p:ext>
     </p:extLst>
   </p:cSld>
@@ -8032,7 +8460,7 @@
       </p:grpSpPr>
       <p:sp>
         <p:nvSpPr>
-          <p:cNvPr id="7" name="Content Placeholder 2"/>
+          <p:cNvPr id="3" name="Content Placeholder 2"/>
           <p:cNvSpPr>
             <a:spLocks noGrp="1"/>
           </p:cNvSpPr>
@@ -8042,39 +8470,36 @@
         </p:nvSpPr>
         <p:spPr/>
         <p:txBody>
-          <a:bodyPr anchor="t"/>
+          <a:bodyPr/>
           <a:lstStyle/>
           <a:p>
-            <a:endParaRPr lang="en-US" sz="4800" u="sng" dirty="0" smtClean="0"/>
-          </a:p>
-          <a:p>
-            <a:r>
-              <a:rPr lang="en-US" sz="4800" u="sng" dirty="0" smtClean="0"/>
-              <a:t>Least Favorite Aspect: </a:t>
-            </a:r>
-          </a:p>
-          <a:p>
-            <a:endParaRPr lang="en-US" sz="4000" dirty="0" smtClean="0"/>
-          </a:p>
-          <a:p>
-            <a:r>
-              <a:rPr lang="en-US" sz="4000" dirty="0"/>
-              <a:t>Lack of prioritization across </a:t>
-            </a:r>
-            <a:r>
-              <a:rPr lang="en-US" sz="4000" dirty="0" smtClean="0"/>
-              <a:t>projects, maintenance, support</a:t>
-            </a:r>
-            <a:endParaRPr lang="en-US" sz="4000" dirty="0"/>
-          </a:p>
-          <a:p>
-            <a:endParaRPr lang="en-US" sz="4000" dirty="0"/>
-          </a:p>
-        </p:txBody>
-      </p:sp>
-      <p:sp>
-        <p:nvSpPr>
-          <p:cNvPr id="3" name="Slide Number Placeholder 2"/>
+            <a:r>
+              <a:rPr lang="en-US" sz="5400" dirty="0" smtClean="0"/>
+              <a:t>What’s been your </a:t>
+            </a:r>
+            <a:r>
+              <a:rPr lang="en-US" sz="5400" b="1" u="sng" dirty="0" smtClean="0"/>
+              <a:t>least</a:t>
+            </a:r>
+            <a:r>
+              <a:rPr lang="en-US" sz="5400" dirty="0" smtClean="0"/>
+              <a:t> </a:t>
+            </a:r>
+            <a:r>
+              <a:rPr lang="en-US" sz="5400" b="1" u="sng" dirty="0" smtClean="0"/>
+              <a:t>favorite</a:t>
+            </a:r>
+            <a:r>
+              <a:rPr lang="en-US" sz="5400" dirty="0" smtClean="0"/>
+              <a:t> aspect of the journey?</a:t>
+            </a:r>
+            <a:endParaRPr lang="en-US" sz="4400" dirty="0"/>
+          </a:p>
+        </p:txBody>
+      </p:sp>
+      <p:sp>
+        <p:nvSpPr>
+          <p:cNvPr id="4" name="Slide Number Placeholder 3"/>
           <p:cNvSpPr>
             <a:spLocks noGrp="1"/>
           </p:cNvSpPr>
@@ -8104,7 +8529,7 @@
     </p:spTree>
     <p:extLst>
       <p:ext uri="{BB962C8B-B14F-4D97-AF65-F5344CB8AC3E}">
-        <p14:creationId xmlns:p14="http://schemas.microsoft.com/office/powerpoint/2010/main" val="1705146327"/>
+        <p14:creationId xmlns:p14="http://schemas.microsoft.com/office/powerpoint/2010/main" val="1105100360"/>
       </p:ext>
     </p:extLst>
   </p:cSld>
@@ -8158,28 +8583,20 @@
         </p:nvSpPr>
         <p:spPr/>
         <p:txBody>
-          <a:bodyPr anchor="t"/>
+          <a:bodyPr anchor="ctr"/>
           <a:lstStyle/>
           <a:p>
-            <a:endParaRPr lang="en-US" sz="4800" u="sng" dirty="0" smtClean="0"/>
-          </a:p>
-          <a:p>
-            <a:r>
-              <a:rPr lang="en-US" sz="4800" u="sng" dirty="0" smtClean="0"/>
-              <a:t>Advice to 2015 self:</a:t>
-            </a:r>
-          </a:p>
-          <a:p>
-            <a:endParaRPr lang="en-US" sz="4000" dirty="0" smtClean="0"/>
-          </a:p>
-          <a:p>
-            <a:r>
-              <a:rPr lang="en-US" sz="4000" dirty="0" smtClean="0"/>
-              <a:t>Be prepared to disappoint someone,  It could be your manager, the business, your teammate, or yourself</a:t>
-            </a:r>
-          </a:p>
-          <a:p>
-            <a:endParaRPr lang="en-US" sz="4000" dirty="0"/>
+            <a:r>
+              <a:rPr lang="en-US" sz="4800" dirty="0" smtClean="0"/>
+              <a:t>Constant </a:t>
+            </a:r>
+            <a:r>
+              <a:rPr lang="en-US" sz="4800" dirty="0" smtClean="0"/>
+              <a:t>change...all the experiments, not enough time to go deep</a:t>
+            </a:r>
+          </a:p>
+          <a:p>
+            <a:endParaRPr lang="en-US" sz="4800" dirty="0"/>
           </a:p>
         </p:txBody>
       </p:sp>
@@ -8215,7 +8632,7 @@
     </p:spTree>
     <p:extLst>
       <p:ext uri="{BB962C8B-B14F-4D97-AF65-F5344CB8AC3E}">
-        <p14:creationId xmlns:p14="http://schemas.microsoft.com/office/powerpoint/2010/main" val="982907096"/>
+        <p14:creationId xmlns:p14="http://schemas.microsoft.com/office/powerpoint/2010/main" val="488820619"/>
       </p:ext>
     </p:extLst>
   </p:cSld>
@@ -8366,28 +8783,20 @@
         </p:nvSpPr>
         <p:spPr/>
         <p:txBody>
-          <a:bodyPr anchor="t"/>
+          <a:bodyPr anchor="ctr"/>
           <a:lstStyle/>
           <a:p>
-            <a:endParaRPr lang="en-US" sz="4800" u="sng" dirty="0" smtClean="0"/>
-          </a:p>
-          <a:p>
-            <a:r>
-              <a:rPr lang="en-US" sz="4800" u="sng" dirty="0" smtClean="0"/>
-              <a:t>Advice to 2015 self:</a:t>
-            </a:r>
-          </a:p>
-          <a:p>
-            <a:endParaRPr lang="en-US" sz="4000" dirty="0" smtClean="0"/>
-          </a:p>
-          <a:p>
-            <a:r>
-              <a:rPr lang="en-US" sz="4000" dirty="0" smtClean="0"/>
-              <a:t>Don’t be overwhelmed by DevOps nirvana...try to stay focused on incremental improvements.  Each improvement is like a savings deposit that will compound over time</a:t>
-            </a:r>
-          </a:p>
-          <a:p>
-            <a:endParaRPr lang="en-US" sz="4000" dirty="0"/>
+            <a:r>
+              <a:rPr lang="en-US" sz="4800" dirty="0" smtClean="0"/>
+              <a:t>Feeling </a:t>
+            </a:r>
+            <a:r>
+              <a:rPr lang="en-US" sz="4800" dirty="0"/>
+              <a:t>lost/helpless, discomfort due to width and breadth of areas</a:t>
+            </a:r>
+          </a:p>
+          <a:p>
+            <a:endParaRPr lang="en-US" sz="4800" dirty="0"/>
           </a:p>
         </p:txBody>
       </p:sp>
@@ -8423,7 +8832,7 @@
     </p:spTree>
     <p:extLst>
       <p:ext uri="{BB962C8B-B14F-4D97-AF65-F5344CB8AC3E}">
-        <p14:creationId xmlns:p14="http://schemas.microsoft.com/office/powerpoint/2010/main" val="786207334"/>
+        <p14:creationId xmlns:p14="http://schemas.microsoft.com/office/powerpoint/2010/main" val="699184448"/>
       </p:ext>
     </p:extLst>
   </p:cSld>
@@ -8477,26 +8886,25 @@
         </p:nvSpPr>
         <p:spPr/>
         <p:txBody>
-          <a:bodyPr anchor="t"/>
+          <a:bodyPr anchor="ctr"/>
           <a:lstStyle/>
           <a:p>
-            <a:endParaRPr lang="en-US" sz="4800" u="sng" dirty="0" smtClean="0"/>
-          </a:p>
-          <a:p>
-            <a:r>
-              <a:rPr lang="en-US" sz="4800" u="sng" dirty="0" smtClean="0"/>
-              <a:t>Advice to 2015 self:</a:t>
-            </a:r>
-          </a:p>
-          <a:p>
-            <a:endParaRPr lang="en-US" sz="4000" dirty="0" smtClean="0"/>
-          </a:p>
-          <a:p>
-            <a:r>
-              <a:rPr lang="en-US" sz="4000" dirty="0" smtClean="0"/>
-              <a:t>Prepare for a lot of change; be willing to embrace the change; Reflect on why you do things...is it still valid?  Was it ever valid?</a:t>
-            </a:r>
-            <a:endParaRPr lang="en-US" sz="4000" dirty="0"/>
+            <a:r>
+              <a:rPr lang="en-US" sz="4800" dirty="0" smtClean="0"/>
+              <a:t>Lack </a:t>
+            </a:r>
+            <a:r>
+              <a:rPr lang="en-US" sz="4800" dirty="0"/>
+              <a:t>of prioritization across </a:t>
+            </a:r>
+            <a:r>
+              <a:rPr lang="en-US" sz="4800" dirty="0" smtClean="0"/>
+              <a:t>projects, maintenance, support</a:t>
+            </a:r>
+            <a:endParaRPr lang="en-US" sz="4800" dirty="0"/>
+          </a:p>
+          <a:p>
+            <a:endParaRPr lang="en-US" sz="4800" dirty="0"/>
           </a:p>
         </p:txBody>
       </p:sp>
@@ -8532,7 +8940,7 @@
     </p:spTree>
     <p:extLst>
       <p:ext uri="{BB962C8B-B14F-4D97-AF65-F5344CB8AC3E}">
-        <p14:creationId xmlns:p14="http://schemas.microsoft.com/office/powerpoint/2010/main" val="1973898467"/>
+        <p14:creationId xmlns:p14="http://schemas.microsoft.com/office/powerpoint/2010/main" val="1705146327"/>
       </p:ext>
     </p:extLst>
   </p:cSld>
@@ -8576,7 +8984,7 @@
       </p:grpSpPr>
       <p:sp>
         <p:nvSpPr>
-          <p:cNvPr id="7" name="Content Placeholder 2"/>
+          <p:cNvPr id="3" name="Content Placeholder 2"/>
           <p:cNvSpPr>
             <a:spLocks noGrp="1"/>
           </p:cNvSpPr>
@@ -8586,31 +8994,20 @@
         </p:nvSpPr>
         <p:spPr/>
         <p:txBody>
-          <a:bodyPr anchor="t"/>
+          <a:bodyPr/>
           <a:lstStyle/>
           <a:p>
-            <a:endParaRPr lang="en-US" sz="4800" u="sng" dirty="0" smtClean="0"/>
-          </a:p>
-          <a:p>
-            <a:r>
-              <a:rPr lang="en-US" sz="4800" u="sng" dirty="0" smtClean="0"/>
-              <a:t>Advice to 2015 self:</a:t>
-            </a:r>
-          </a:p>
-          <a:p>
-            <a:endParaRPr lang="en-US" sz="4000" dirty="0" smtClean="0"/>
-          </a:p>
-          <a:p>
-            <a:r>
-              <a:rPr lang="en-US" sz="4000" dirty="0"/>
-              <a:t>Your existing skills are becoming obsolete and your expertise is at risk; Find a way to get started on new ideas</a:t>
-            </a:r>
-          </a:p>
-        </p:txBody>
-      </p:sp>
-      <p:sp>
-        <p:nvSpPr>
-          <p:cNvPr id="3" name="Slide Number Placeholder 2"/>
+            <a:r>
+              <a:rPr lang="en-US" sz="5400" dirty="0" smtClean="0"/>
+              <a:t>What advice would you give your 2015 self about the journey you are about to go on?</a:t>
+            </a:r>
+            <a:endParaRPr lang="en-US" sz="4400" dirty="0"/>
+          </a:p>
+        </p:txBody>
+      </p:sp>
+      <p:sp>
+        <p:nvSpPr>
+          <p:cNvPr id="4" name="Slide Number Placeholder 3"/>
           <p:cNvSpPr>
             <a:spLocks noGrp="1"/>
           </p:cNvSpPr>
@@ -8640,7 +9037,7 @@
     </p:spTree>
     <p:extLst>
       <p:ext uri="{BB962C8B-B14F-4D97-AF65-F5344CB8AC3E}">
-        <p14:creationId xmlns:p14="http://schemas.microsoft.com/office/powerpoint/2010/main" val="260856750"/>
+        <p14:creationId xmlns:p14="http://schemas.microsoft.com/office/powerpoint/2010/main" val="1366829795"/>
       </p:ext>
     </p:extLst>
   </p:cSld>
@@ -8694,52 +9091,20 @@
         </p:nvSpPr>
         <p:spPr/>
         <p:txBody>
-          <a:bodyPr anchor="t"/>
+          <a:bodyPr anchor="ctr"/>
           <a:lstStyle/>
           <a:p>
-            <a:endParaRPr lang="en-US" sz="4800" u="sng" dirty="0" smtClean="0"/>
-          </a:p>
-          <a:p>
-            <a:r>
-              <a:rPr lang="en-US" sz="4800" u="sng" dirty="0" smtClean="0"/>
-              <a:t>Anticipating:</a:t>
-            </a:r>
-          </a:p>
-          <a:p>
-            <a:endParaRPr lang="en-US" sz="4000" dirty="0" smtClean="0"/>
-          </a:p>
-          <a:p>
-            <a:pPr marL="742950" indent="-742950">
-              <a:buFont typeface="+mj-lt"/>
-              <a:buAutoNum type="arabicPeriod"/>
-            </a:pPr>
-            <a:r>
-              <a:rPr lang="en-US" sz="4000" dirty="0" smtClean="0"/>
-              <a:t>Public Cloud</a:t>
-            </a:r>
-          </a:p>
-          <a:p>
-            <a:pPr marL="742950" indent="-742950">
-              <a:buFont typeface="+mj-lt"/>
-              <a:buAutoNum type="arabicPeriod"/>
-            </a:pPr>
-            <a:r>
-              <a:rPr lang="en-US" sz="4000" dirty="0" smtClean="0"/>
-              <a:t>CHEF all the things</a:t>
-            </a:r>
-          </a:p>
-          <a:p>
-            <a:pPr marL="742950" indent="-742950">
-              <a:buFont typeface="+mj-lt"/>
-              <a:buAutoNum type="arabicPeriod"/>
-            </a:pPr>
-            <a:r>
-              <a:rPr lang="en-US" sz="4000" dirty="0" smtClean="0"/>
-              <a:t>Automation</a:t>
-            </a:r>
-          </a:p>
-          <a:p>
-            <a:endParaRPr lang="en-US" sz="4000" dirty="0"/>
+            <a:r>
+              <a:rPr lang="en-US" sz="4800" smtClean="0"/>
+              <a:t>Be </a:t>
+            </a:r>
+            <a:r>
+              <a:rPr lang="en-US" sz="4800" dirty="0" smtClean="0"/>
+              <a:t>prepared to disappoint someone,  It could be your manager, the business, your teammate, or yourself</a:t>
+            </a:r>
+          </a:p>
+          <a:p>
+            <a:endParaRPr lang="en-US" sz="4800" dirty="0"/>
           </a:p>
         </p:txBody>
       </p:sp>
@@ -8775,7 +9140,7 @@
     </p:spTree>
     <p:extLst>
       <p:ext uri="{BB962C8B-B14F-4D97-AF65-F5344CB8AC3E}">
-        <p14:creationId xmlns:p14="http://schemas.microsoft.com/office/powerpoint/2010/main" val="174228433"/>
+        <p14:creationId xmlns:p14="http://schemas.microsoft.com/office/powerpoint/2010/main" val="982907096"/>
       </p:ext>
     </p:extLst>
   </p:cSld>
@@ -8819,7 +9184,7 @@
       </p:grpSpPr>
       <p:sp>
         <p:nvSpPr>
-          <p:cNvPr id="3" name="Content Placeholder 2"/>
+          <p:cNvPr id="7" name="Content Placeholder 2"/>
           <p:cNvSpPr>
             <a:spLocks noGrp="1"/>
           </p:cNvSpPr>
@@ -8829,56 +9194,26 @@
         </p:nvSpPr>
         <p:spPr/>
         <p:txBody>
-          <a:bodyPr anchor="t"/>
+          <a:bodyPr anchor="ctr"/>
           <a:lstStyle/>
           <a:p>
-            <a:endParaRPr lang="en-US" sz="4800" u="sng" dirty="0" smtClean="0"/>
-          </a:p>
-          <a:p>
-            <a:r>
-              <a:rPr lang="en-US" sz="4800" u="sng" dirty="0" smtClean="0"/>
-              <a:t>Additional questions: </a:t>
-            </a:r>
-          </a:p>
-          <a:p>
-            <a:endParaRPr lang="en-US" sz="4000" dirty="0" smtClean="0"/>
-          </a:p>
-          <a:p>
-            <a:pPr marL="742950" indent="-742950">
-              <a:buFont typeface="+mj-lt"/>
-              <a:buAutoNum type="arabicPeriod"/>
-            </a:pPr>
-            <a:r>
-              <a:rPr lang="en-US" sz="4000" dirty="0" smtClean="0"/>
-              <a:t>Career progression</a:t>
-            </a:r>
-          </a:p>
-          <a:p>
-            <a:pPr marL="742950" indent="-742950">
-              <a:buFont typeface="+mj-lt"/>
-              <a:buAutoNum type="arabicPeriod"/>
-            </a:pPr>
-            <a:r>
-              <a:rPr lang="en-US" sz="4000" dirty="0" smtClean="0"/>
-              <a:t>Educational background</a:t>
-            </a:r>
-          </a:p>
-          <a:p>
-            <a:pPr marL="742950" indent="-742950">
-              <a:buFont typeface="+mj-lt"/>
-              <a:buAutoNum type="arabicPeriod"/>
-            </a:pPr>
-            <a:r>
-              <a:rPr lang="en-US" sz="4000" dirty="0" smtClean="0"/>
-              <a:t>Vendor certifications</a:t>
-            </a:r>
-            <a:endParaRPr lang="en-US" sz="4000" dirty="0"/>
-          </a:p>
-        </p:txBody>
-      </p:sp>
-      <p:sp>
-        <p:nvSpPr>
-          <p:cNvPr id="4" name="Slide Number Placeholder 3"/>
+            <a:r>
+              <a:rPr lang="en-US" sz="4800" smtClean="0"/>
+              <a:t>Don’t </a:t>
+            </a:r>
+            <a:r>
+              <a:rPr lang="en-US" sz="4800" dirty="0" smtClean="0"/>
+              <a:t>be overwhelmed by DevOps nirvana...try to stay focused on incremental improvements.  Each improvement is like a savings deposit that will compound over time</a:t>
+            </a:r>
+          </a:p>
+          <a:p>
+            <a:endParaRPr lang="en-US" sz="4800" dirty="0"/>
+          </a:p>
+        </p:txBody>
+      </p:sp>
+      <p:sp>
+        <p:nvSpPr>
+          <p:cNvPr id="3" name="Slide Number Placeholder 2"/>
           <p:cNvSpPr>
             <a:spLocks noGrp="1"/>
           </p:cNvSpPr>
@@ -8908,7 +9243,7 @@
     </p:spTree>
     <p:extLst>
       <p:ext uri="{BB962C8B-B14F-4D97-AF65-F5344CB8AC3E}">
-        <p14:creationId xmlns:p14="http://schemas.microsoft.com/office/powerpoint/2010/main" val="1157200706"/>
+        <p14:creationId xmlns:p14="http://schemas.microsoft.com/office/powerpoint/2010/main" val="786207334"/>
       </p:ext>
     </p:extLst>
   </p:cSld>
@@ -8952,7 +9287,7 @@
       </p:grpSpPr>
       <p:sp>
         <p:nvSpPr>
-          <p:cNvPr id="3" name="Content Placeholder 2"/>
+          <p:cNvPr id="7" name="Content Placeholder 2"/>
           <p:cNvSpPr>
             <a:spLocks noGrp="1"/>
           </p:cNvSpPr>
@@ -8962,32 +9297,24 @@
         </p:nvSpPr>
         <p:spPr/>
         <p:txBody>
-          <a:bodyPr anchor="t"/>
+          <a:bodyPr anchor="ctr"/>
           <a:lstStyle/>
           <a:p>
-            <a:endParaRPr lang="en-US" sz="4800" u="sng" dirty="0" smtClean="0"/>
-          </a:p>
-          <a:p>
-            <a:r>
-              <a:rPr lang="en-US" sz="4800" u="sng" dirty="0" smtClean="0"/>
-              <a:t>Observation:</a:t>
-            </a:r>
-          </a:p>
-          <a:p>
-            <a:endParaRPr lang="en-US" sz="4000" dirty="0" smtClean="0"/>
-          </a:p>
-          <a:p>
-            <a:r>
-              <a:rPr lang="en-US" sz="4000" dirty="0" smtClean="0"/>
-              <a:t>Many veteran “IT Pros” started their career in help desk, advanced through the ranks, and likely bypassed college.</a:t>
-            </a:r>
-            <a:endParaRPr lang="en-US" sz="4000" dirty="0"/>
-          </a:p>
-        </p:txBody>
-      </p:sp>
-      <p:sp>
-        <p:nvSpPr>
-          <p:cNvPr id="4" name="Slide Number Placeholder 3"/>
+            <a:r>
+              <a:rPr lang="en-US" sz="4800" smtClean="0"/>
+              <a:t>Prepare </a:t>
+            </a:r>
+            <a:r>
+              <a:rPr lang="en-US" sz="4800" dirty="0" smtClean="0"/>
+              <a:t>for a lot of change; be willing to embrace the change; Reflect on why you do things...is it still valid?  Was it ever valid?</a:t>
+            </a:r>
+            <a:endParaRPr lang="en-US" sz="4800" dirty="0"/>
+          </a:p>
+        </p:txBody>
+      </p:sp>
+      <p:sp>
+        <p:nvSpPr>
+          <p:cNvPr id="3" name="Slide Number Placeholder 2"/>
           <p:cNvSpPr>
             <a:spLocks noGrp="1"/>
           </p:cNvSpPr>
@@ -9017,7 +9344,7 @@
     </p:spTree>
     <p:extLst>
       <p:ext uri="{BB962C8B-B14F-4D97-AF65-F5344CB8AC3E}">
-        <p14:creationId xmlns:p14="http://schemas.microsoft.com/office/powerpoint/2010/main" val="1460358510"/>
+        <p14:creationId xmlns:p14="http://schemas.microsoft.com/office/powerpoint/2010/main" val="1973898467"/>
       </p:ext>
     </p:extLst>
   </p:cSld>
@@ -9061,7 +9388,7 @@
       </p:grpSpPr>
       <p:sp>
         <p:nvSpPr>
-          <p:cNvPr id="3" name="Content Placeholder 2"/>
+          <p:cNvPr id="7" name="Content Placeholder 2"/>
           <p:cNvSpPr>
             <a:spLocks noGrp="1"/>
           </p:cNvSpPr>
@@ -9071,20 +9398,23 @@
         </p:nvSpPr>
         <p:spPr/>
         <p:txBody>
-          <a:bodyPr/>
+          <a:bodyPr anchor="ctr"/>
           <a:lstStyle/>
           <a:p>
             <a:r>
-              <a:rPr lang="en-US" sz="4800" dirty="0" smtClean="0"/>
-              <a:t>If you want to “do the DevOps” and don’t have a learning organization, what do you do?</a:t>
-            </a:r>
-            <a:endParaRPr lang="en-US" sz="4800" dirty="0"/>
-          </a:p>
-        </p:txBody>
-      </p:sp>
-      <p:sp>
-        <p:nvSpPr>
-          <p:cNvPr id="4" name="Slide Number Placeholder 3"/>
+              <a:rPr lang="en-US" sz="4800" smtClean="0"/>
+              <a:t>Your </a:t>
+            </a:r>
+            <a:r>
+              <a:rPr lang="en-US" sz="4800" dirty="0"/>
+              <a:t>existing skills are becoming obsolete and your expertise is at risk; Find a way to get started on new ideas</a:t>
+            </a:r>
+          </a:p>
+        </p:txBody>
+      </p:sp>
+      <p:sp>
+        <p:nvSpPr>
+          <p:cNvPr id="3" name="Slide Number Placeholder 2"/>
           <p:cNvSpPr>
             <a:spLocks noGrp="1"/>
           </p:cNvSpPr>
@@ -9114,7 +9444,7 @@
     </p:spTree>
     <p:extLst>
       <p:ext uri="{BB962C8B-B14F-4D97-AF65-F5344CB8AC3E}">
-        <p14:creationId xmlns:p14="http://schemas.microsoft.com/office/powerpoint/2010/main" val="1852718138"/>
+        <p14:creationId xmlns:p14="http://schemas.microsoft.com/office/powerpoint/2010/main" val="260856750"/>
       </p:ext>
     </p:extLst>
   </p:cSld>
@@ -9172,21 +9502,10 @@
           <a:lstStyle/>
           <a:p>
             <a:r>
-              <a:rPr lang="en-US" sz="4800" dirty="0" smtClean="0"/>
-              <a:t>“</a:t>
-            </a:r>
-            <a:r>
-              <a:rPr lang="is-IS" sz="4800" dirty="0" smtClean="0"/>
-              <a:t>…</a:t>
-            </a:r>
-            <a:r>
-              <a:rPr lang="en-US" sz="4800" dirty="0" smtClean="0"/>
-              <a:t>Your goal is to pitch the ball where the bat will be</a:t>
-            </a:r>
-            <a:r>
-              <a:rPr lang="is-IS" sz="4800" dirty="0" smtClean="0"/>
-              <a:t>…”</a:t>
-            </a:r>
+              <a:rPr lang="en-US" sz="5400" dirty="0" smtClean="0"/>
+              <a:t>What are you most eagerly anticipating over the next couple of years?</a:t>
+            </a:r>
+            <a:endParaRPr lang="en-US" sz="4400" dirty="0"/>
           </a:p>
         </p:txBody>
       </p:sp>
@@ -9222,7 +9541,7 @@
     </p:spTree>
     <p:extLst>
       <p:ext uri="{BB962C8B-B14F-4D97-AF65-F5344CB8AC3E}">
-        <p14:creationId xmlns:p14="http://schemas.microsoft.com/office/powerpoint/2010/main" val="1026857600"/>
+        <p14:creationId xmlns:p14="http://schemas.microsoft.com/office/powerpoint/2010/main" val="292701479"/>
       </p:ext>
     </p:extLst>
   </p:cSld>
@@ -9266,7 +9585,7 @@
       </p:grpSpPr>
       <p:sp>
         <p:nvSpPr>
-          <p:cNvPr id="3" name="Content Placeholder 2"/>
+          <p:cNvPr id="7" name="Content Placeholder 2"/>
           <p:cNvSpPr>
             <a:spLocks noGrp="1"/>
           </p:cNvSpPr>
@@ -9276,202 +9595,50 @@
         </p:nvSpPr>
         <p:spPr/>
         <p:txBody>
-          <a:bodyPr/>
+          <a:bodyPr anchor="ctr"/>
           <a:lstStyle/>
           <a:p>
-            <a:r>
-              <a:rPr lang="en-US" sz="3600" dirty="0" smtClean="0"/>
-              <a:t>Let's </a:t>
-            </a:r>
-            <a:r>
-              <a:rPr lang="en-US" sz="3600" dirty="0"/>
-              <a:t>not waste any more </a:t>
-            </a:r>
-            <a:r>
-              <a:rPr lang="en-US" sz="3600" dirty="0" smtClean="0"/>
-              <a:t>lives</a:t>
-            </a:r>
-            <a:r>
-              <a:rPr lang="en-US" sz="3600" baseline="30000" dirty="0" smtClean="0">
-                <a:solidFill>
-                  <a:schemeClr val="tx1"/>
-                </a:solidFill>
-              </a:rPr>
-              <a:t>1</a:t>
-            </a:r>
-            <a:r>
-              <a:rPr lang="en-US" sz="3600" dirty="0" smtClean="0"/>
-              <a:t>, </a:t>
-            </a:r>
-            <a:r>
-              <a:rPr lang="en-US" sz="3600" dirty="0"/>
-              <a:t>because once we know that abilities are capable of such growth, it becomes a basic human right for </a:t>
-            </a:r>
-            <a:r>
-              <a:rPr lang="en-US" sz="3600" dirty="0" smtClean="0"/>
-              <a:t>children</a:t>
-            </a:r>
-            <a:r>
-              <a:rPr lang="en-US" sz="3600" baseline="30000" dirty="0" smtClean="0">
-                <a:solidFill>
-                  <a:schemeClr val="tx1"/>
-                </a:solidFill>
-              </a:rPr>
-              <a:t>2</a:t>
-            </a:r>
-            <a:r>
-              <a:rPr lang="en-US" sz="3600" dirty="0" smtClean="0"/>
-              <a:t>, </a:t>
-            </a:r>
-            <a:r>
-              <a:rPr lang="en-US" sz="3600" dirty="0"/>
-              <a:t>all </a:t>
-            </a:r>
-            <a:r>
-              <a:rPr lang="en-US" sz="3600" dirty="0" smtClean="0"/>
-              <a:t>children</a:t>
-            </a:r>
-            <a:r>
-              <a:rPr lang="en-US" sz="3600" baseline="30000" dirty="0" smtClean="0">
-                <a:solidFill>
-                  <a:schemeClr val="tx1"/>
-                </a:solidFill>
-              </a:rPr>
-              <a:t>2</a:t>
-            </a:r>
-            <a:r>
-              <a:rPr lang="en-US" sz="3600" dirty="0" smtClean="0"/>
-              <a:t>, </a:t>
-            </a:r>
-            <a:r>
-              <a:rPr lang="en-US" sz="3600" dirty="0"/>
-              <a:t>to live in </a:t>
-            </a:r>
-            <a:r>
-              <a:rPr lang="en-US" sz="3600" dirty="0" smtClean="0"/>
-              <a:t>places</a:t>
-            </a:r>
-            <a:r>
-              <a:rPr lang="en-US" sz="3600" baseline="30000" dirty="0" smtClean="0">
-                <a:solidFill>
-                  <a:schemeClr val="tx1"/>
-                </a:solidFill>
-              </a:rPr>
-              <a:t>3</a:t>
-            </a:r>
-            <a:r>
-              <a:rPr lang="en-US" sz="3600" dirty="0" smtClean="0">
-                <a:solidFill>
-                  <a:schemeClr val="tx1">
-                    <a:lumMod val="50000"/>
-                    <a:lumOff val="50000"/>
-                  </a:schemeClr>
-                </a:solidFill>
-              </a:rPr>
-              <a:t> </a:t>
-            </a:r>
-            <a:r>
-              <a:rPr lang="en-US" sz="3600" dirty="0"/>
-              <a:t>that create that growth, to live in </a:t>
-            </a:r>
-            <a:r>
-              <a:rPr lang="en-US" sz="3600" dirty="0" smtClean="0"/>
-              <a:t>places</a:t>
-            </a:r>
-            <a:r>
-              <a:rPr lang="en-US" sz="3600" baseline="30000" dirty="0" smtClean="0">
-                <a:solidFill>
-                  <a:schemeClr val="tx1"/>
-                </a:solidFill>
-              </a:rPr>
-              <a:t>3</a:t>
-            </a:r>
-            <a:r>
-              <a:rPr lang="en-US" sz="3600" dirty="0" smtClean="0">
-                <a:solidFill>
-                  <a:schemeClr val="tx1">
-                    <a:lumMod val="50000"/>
-                    <a:lumOff val="50000"/>
-                  </a:schemeClr>
-                </a:solidFill>
-              </a:rPr>
-              <a:t> </a:t>
-            </a:r>
-            <a:r>
-              <a:rPr lang="en-US" sz="3600" dirty="0" smtClean="0"/>
-              <a:t>filled </a:t>
-            </a:r>
-            <a:r>
-              <a:rPr lang="en-US" sz="3600" dirty="0"/>
-              <a:t>with "yet</a:t>
-            </a:r>
-            <a:r>
-              <a:rPr lang="en-US" sz="3600" dirty="0" smtClean="0"/>
-              <a:t>".</a:t>
-            </a:r>
-          </a:p>
-          <a:p>
-            <a:endParaRPr lang="en-US" sz="3600" baseline="30000" dirty="0" smtClean="0"/>
-          </a:p>
-          <a:p>
-            <a:r>
-              <a:rPr lang="en-US" sz="1800" baseline="30000" dirty="0" smtClean="0">
-                <a:solidFill>
-                  <a:schemeClr val="tx1"/>
-                </a:solidFill>
-              </a:rPr>
-              <a:t>1</a:t>
-            </a:r>
-            <a:r>
-              <a:rPr lang="en-US" sz="1800" dirty="0" smtClean="0">
-                <a:solidFill>
-                  <a:schemeClr val="tx1"/>
-                </a:solidFill>
-              </a:rPr>
-              <a:t> careers</a:t>
-            </a:r>
-          </a:p>
-          <a:p>
-            <a:r>
-              <a:rPr lang="en-US" sz="1800" baseline="30000" dirty="0" smtClean="0">
-                <a:solidFill>
-                  <a:schemeClr val="tx1"/>
-                </a:solidFill>
-              </a:rPr>
-              <a:t>2</a:t>
-            </a:r>
-            <a:r>
-              <a:rPr lang="en-US" sz="1800" dirty="0" smtClean="0">
-                <a:solidFill>
-                  <a:schemeClr val="tx1"/>
-                </a:solidFill>
-              </a:rPr>
-              <a:t> people</a:t>
-            </a:r>
-          </a:p>
-          <a:p>
-            <a:r>
-              <a:rPr lang="en-US" sz="1800" baseline="30000" dirty="0" smtClean="0">
-                <a:solidFill>
-                  <a:schemeClr val="tx1"/>
-                </a:solidFill>
-              </a:rPr>
-              <a:t>3 </a:t>
-            </a:r>
-            <a:r>
-              <a:rPr lang="en-US" sz="1800" dirty="0" smtClean="0">
-                <a:solidFill>
-                  <a:schemeClr val="tx1"/>
-                </a:solidFill>
-              </a:rPr>
-              <a:t>workplaces</a:t>
-            </a:r>
-          </a:p>
-        </p:txBody>
-      </p:sp>
-      <p:sp>
-        <p:nvSpPr>
-          <p:cNvPr id="4" name="Slide Number Placeholder 3"/>
+            <a:pPr marL="742950" indent="-742950">
+              <a:buFont typeface="+mj-lt"/>
+              <a:buAutoNum type="arabicPeriod"/>
+            </a:pPr>
+            <a:r>
+              <a:rPr lang="en-US" sz="4800" dirty="0" smtClean="0"/>
+              <a:t>Public </a:t>
+            </a:r>
+            <a:r>
+              <a:rPr lang="en-US" sz="4800" dirty="0" smtClean="0"/>
+              <a:t>Cloud</a:t>
+            </a:r>
+          </a:p>
+          <a:p>
+            <a:pPr marL="742950" indent="-742950">
+              <a:buFont typeface="+mj-lt"/>
+              <a:buAutoNum type="arabicPeriod"/>
+            </a:pPr>
+            <a:r>
+              <a:rPr lang="en-US" sz="4800" dirty="0" smtClean="0"/>
+              <a:t>CHEF all the things</a:t>
+            </a:r>
+          </a:p>
+          <a:p>
+            <a:pPr marL="742950" indent="-742950">
+              <a:buFont typeface="+mj-lt"/>
+              <a:buAutoNum type="arabicPeriod"/>
+            </a:pPr>
+            <a:r>
+              <a:rPr lang="en-US" sz="4800" dirty="0" smtClean="0"/>
+              <a:t>Automation</a:t>
+            </a:r>
+          </a:p>
+          <a:p>
+            <a:endParaRPr lang="en-US" sz="4800" dirty="0"/>
+          </a:p>
+        </p:txBody>
+      </p:sp>
+      <p:sp>
+        <p:nvSpPr>
+          <p:cNvPr id="3" name="Slide Number Placeholder 2"/>
           <p:cNvSpPr>
             <a:spLocks noGrp="1"/>
           </p:cNvSpPr>
@@ -9498,101 +9665,10 @@
           </a:p>
         </p:txBody>
       </p:sp>
-      <p:grpSp>
-        <p:nvGrpSpPr>
-          <p:cNvPr id="8" name="Group 7"/>
-          <p:cNvGrpSpPr/>
-          <p:nvPr/>
-        </p:nvGrpSpPr>
-        <p:grpSpPr>
-          <a:xfrm>
-            <a:off x="5223353" y="4384109"/>
-            <a:ext cx="6175332" cy="1791223"/>
-            <a:chOff x="5223353" y="4384109"/>
-            <a:chExt cx="6175332" cy="1791223"/>
-          </a:xfrm>
-        </p:grpSpPr>
-        <p:sp>
-          <p:nvSpPr>
-            <p:cNvPr id="9" name="Rectangle 8"/>
-            <p:cNvSpPr/>
-            <p:nvPr/>
-          </p:nvSpPr>
-          <p:spPr>
-            <a:xfrm>
-              <a:off x="5223353" y="4384109"/>
-              <a:ext cx="6175332" cy="1791223"/>
-            </a:xfrm>
-            <a:prstGeom prst="rect">
-              <a:avLst/>
-            </a:prstGeom>
-            <a:solidFill>
-              <a:schemeClr val="bg1"/>
-            </a:solidFill>
-            <a:ln>
-              <a:noFill/>
-            </a:ln>
-          </p:spPr>
-          <p:style>
-            <a:lnRef idx="2">
-              <a:schemeClr val="accent1">
-                <a:shade val="50000"/>
-              </a:schemeClr>
-            </a:lnRef>
-            <a:fillRef idx="1">
-              <a:schemeClr val="accent1"/>
-            </a:fillRef>
-            <a:effectRef idx="0">
-              <a:schemeClr val="accent1"/>
-            </a:effectRef>
-            <a:fontRef idx="minor">
-              <a:schemeClr val="lt1"/>
-            </a:fontRef>
-          </p:style>
-          <p:txBody>
-            <a:bodyPr rtlCol="0" anchor="ctr"/>
-            <a:lstStyle/>
-            <a:p>
-              <a:pPr algn="ctr"/>
-              <a:endParaRPr lang="en-US"/>
-            </a:p>
-          </p:txBody>
-        </p:sp>
-        <p:pic>
-          <p:nvPicPr>
-            <p:cNvPr id="10" name="Picture 9"/>
-            <p:cNvPicPr>
-              <a:picLocks noChangeAspect="1"/>
-            </p:cNvPicPr>
-            <p:nvPr/>
-          </p:nvPicPr>
-          <p:blipFill>
-            <a:blip r:embed="rId3">
-              <a:extLst>
-                <a:ext uri="{28A0092B-C50C-407E-A947-70E740481C1C}">
-                  <a14:useLocalDpi xmlns:a14="http://schemas.microsoft.com/office/drawing/2010/main" val="0"/>
-                </a:ext>
-              </a:extLst>
-            </a:blip>
-            <a:stretch>
-              <a:fillRect/>
-            </a:stretch>
-          </p:blipFill>
-          <p:spPr>
-            <a:xfrm>
-              <a:off x="5380103" y="4566184"/>
-              <a:ext cx="5765800" cy="1409700"/>
-            </a:xfrm>
-            <a:prstGeom prst="rect">
-              <a:avLst/>
-            </a:prstGeom>
-          </p:spPr>
-        </p:pic>
-      </p:grpSp>
     </p:spTree>
     <p:extLst>
       <p:ext uri="{BB962C8B-B14F-4D97-AF65-F5344CB8AC3E}">
-        <p14:creationId xmlns:p14="http://schemas.microsoft.com/office/powerpoint/2010/main" val="1308223055"/>
+        <p14:creationId xmlns:p14="http://schemas.microsoft.com/office/powerpoint/2010/main" val="174228433"/>
       </p:ext>
     </p:extLst>
   </p:cSld>
@@ -9646,169 +9722,50 @@
         </p:nvSpPr>
         <p:spPr/>
         <p:txBody>
-          <a:bodyPr/>
+          <a:bodyPr anchor="t"/>
           <a:lstStyle/>
           <a:p>
-            <a:r>
-              <a:rPr lang="en-US" sz="3600" dirty="0" smtClean="0"/>
-              <a:t>Let's </a:t>
-            </a:r>
-            <a:r>
-              <a:rPr lang="en-US" sz="3600" dirty="0"/>
-              <a:t>not waste any more </a:t>
-            </a:r>
-            <a:r>
-              <a:rPr lang="en-US" sz="3600" strike="sngStrike" dirty="0" smtClean="0">
-                <a:solidFill>
-                  <a:schemeClr val="tx1">
-                    <a:lumMod val="50000"/>
-                    <a:lumOff val="50000"/>
-                  </a:schemeClr>
-                </a:solidFill>
-              </a:rPr>
-              <a:t>lives</a:t>
-            </a:r>
-            <a:r>
-              <a:rPr lang="en-US" sz="3600" baseline="30000" dirty="0" smtClean="0"/>
-              <a:t>1</a:t>
-            </a:r>
-            <a:r>
-              <a:rPr lang="en-US" sz="3600" dirty="0" smtClean="0"/>
-              <a:t>, </a:t>
-            </a:r>
-            <a:r>
-              <a:rPr lang="en-US" sz="3600" dirty="0"/>
-              <a:t>because once we know that abilities are capable of such growth, it becomes a basic human right for </a:t>
-            </a:r>
-            <a:r>
-              <a:rPr lang="en-US" sz="3600" strike="sngStrike" dirty="0" smtClean="0">
-                <a:solidFill>
-                  <a:schemeClr val="tx1">
-                    <a:lumMod val="50000"/>
-                    <a:lumOff val="50000"/>
-                  </a:schemeClr>
-                </a:solidFill>
-              </a:rPr>
-              <a:t>children</a:t>
-            </a:r>
-            <a:r>
-              <a:rPr lang="en-US" sz="3600" baseline="30000" dirty="0" smtClean="0"/>
-              <a:t>2</a:t>
-            </a:r>
-            <a:r>
-              <a:rPr lang="en-US" sz="3600" dirty="0" smtClean="0"/>
-              <a:t>, </a:t>
-            </a:r>
-            <a:r>
-              <a:rPr lang="en-US" sz="3600" dirty="0"/>
-              <a:t>all </a:t>
-            </a:r>
-            <a:r>
-              <a:rPr lang="en-US" sz="3600" strike="sngStrike" dirty="0" smtClean="0">
-                <a:solidFill>
-                  <a:schemeClr val="tx1">
-                    <a:lumMod val="50000"/>
-                    <a:lumOff val="50000"/>
-                  </a:schemeClr>
-                </a:solidFill>
-              </a:rPr>
-              <a:t>children</a:t>
-            </a:r>
-            <a:r>
-              <a:rPr lang="en-US" sz="3600" baseline="30000" dirty="0" smtClean="0"/>
-              <a:t>2</a:t>
-            </a:r>
-            <a:r>
-              <a:rPr lang="en-US" sz="3600" dirty="0" smtClean="0"/>
-              <a:t>, </a:t>
-            </a:r>
-            <a:r>
-              <a:rPr lang="en-US" sz="3600" dirty="0"/>
-              <a:t>to live in </a:t>
-            </a:r>
-            <a:r>
-              <a:rPr lang="en-US" sz="3600" strike="sngStrike" dirty="0" smtClean="0">
-                <a:solidFill>
-                  <a:schemeClr val="tx1">
-                    <a:lumMod val="50000"/>
-                    <a:lumOff val="50000"/>
-                  </a:schemeClr>
-                </a:solidFill>
-              </a:rPr>
-              <a:t>places</a:t>
-            </a:r>
-            <a:r>
-              <a:rPr lang="en-US" sz="3600" baseline="30000" dirty="0" smtClean="0"/>
-              <a:t>3</a:t>
-            </a:r>
-            <a:r>
-              <a:rPr lang="en-US" sz="3600" dirty="0" smtClean="0"/>
-              <a:t> </a:t>
-            </a:r>
-            <a:r>
-              <a:rPr lang="en-US" sz="3600" dirty="0"/>
-              <a:t>that create that growth, to live in </a:t>
-            </a:r>
-            <a:r>
-              <a:rPr lang="en-US" sz="3600" strike="sngStrike" dirty="0" smtClean="0">
-                <a:solidFill>
-                  <a:schemeClr val="tx1">
-                    <a:lumMod val="50000"/>
-                    <a:lumOff val="50000"/>
-                  </a:schemeClr>
-                </a:solidFill>
-              </a:rPr>
-              <a:t>places</a:t>
-            </a:r>
-            <a:r>
-              <a:rPr lang="en-US" sz="3600" baseline="30000" dirty="0" smtClean="0"/>
-              <a:t>3</a:t>
-            </a:r>
-            <a:r>
-              <a:rPr lang="en-US" sz="3600" dirty="0" smtClean="0"/>
-              <a:t> filled </a:t>
-            </a:r>
-            <a:r>
-              <a:rPr lang="en-US" sz="3600" dirty="0"/>
-              <a:t>with "yet</a:t>
-            </a:r>
-            <a:r>
-              <a:rPr lang="en-US" sz="3600" dirty="0" smtClean="0"/>
-              <a:t>".</a:t>
-            </a:r>
-          </a:p>
-          <a:p>
-            <a:endParaRPr lang="en-US" sz="3600" baseline="30000" dirty="0" smtClean="0"/>
-          </a:p>
-          <a:p>
-            <a:r>
-              <a:rPr lang="en-US" sz="1800" baseline="30000" dirty="0" smtClean="0"/>
-              <a:t>1</a:t>
-            </a:r>
-            <a:r>
-              <a:rPr lang="en-US" sz="1800" dirty="0" smtClean="0"/>
-              <a:t> careers</a:t>
-            </a:r>
-          </a:p>
-          <a:p>
-            <a:r>
-              <a:rPr lang="en-US" sz="1800" baseline="30000" dirty="0" smtClean="0"/>
-              <a:t>2</a:t>
-            </a:r>
-            <a:r>
-              <a:rPr lang="en-US" sz="1800" dirty="0" smtClean="0"/>
-              <a:t> people</a:t>
-            </a:r>
-          </a:p>
-          <a:p>
-            <a:r>
-              <a:rPr lang="en-US" sz="1800" baseline="30000" dirty="0" smtClean="0"/>
-              <a:t>3 </a:t>
-            </a:r>
-            <a:r>
-              <a:rPr lang="en-US" sz="1800" dirty="0" smtClean="0"/>
-              <a:t>workplaces</a:t>
-            </a:r>
+            <a:endParaRPr lang="en-US" sz="4800" u="sng" dirty="0" smtClean="0"/>
+          </a:p>
+          <a:p>
+            <a:r>
+              <a:rPr lang="en-US" sz="4800" u="sng" dirty="0" smtClean="0"/>
+              <a:t>Additional questions: </a:t>
+            </a:r>
+          </a:p>
+          <a:p>
+            <a:endParaRPr lang="en-US" sz="4000" dirty="0" smtClean="0"/>
+          </a:p>
+          <a:p>
+            <a:pPr marL="742950" indent="-742950">
+              <a:buFont typeface="+mj-lt"/>
+              <a:buAutoNum type="arabicPeriod"/>
+            </a:pPr>
+            <a:r>
+              <a:rPr lang="en-US" sz="4000" dirty="0" smtClean="0"/>
+              <a:t>Career progression</a:t>
+            </a:r>
+          </a:p>
+          <a:p>
+            <a:pPr marL="742950" indent="-742950">
+              <a:buFont typeface="+mj-lt"/>
+              <a:buAutoNum type="arabicPeriod"/>
+            </a:pPr>
+            <a:r>
+              <a:rPr lang="en-US" sz="4000" dirty="0" smtClean="0"/>
+              <a:t>Educational background</a:t>
+            </a:r>
+          </a:p>
+          <a:p>
+            <a:pPr marL="742950" indent="-742950">
+              <a:buFont typeface="+mj-lt"/>
+              <a:buAutoNum type="arabicPeriod"/>
+            </a:pPr>
+            <a:r>
+              <a:rPr lang="en-US" sz="4000" dirty="0" smtClean="0"/>
+              <a:t>Vendor certifications</a:t>
+            </a:r>
+            <a:endParaRPr lang="en-US" sz="4000" dirty="0"/>
           </a:p>
         </p:txBody>
       </p:sp>
@@ -9841,101 +9798,10 @@
           </a:p>
         </p:txBody>
       </p:sp>
-      <p:grpSp>
-        <p:nvGrpSpPr>
-          <p:cNvPr id="7" name="Group 6"/>
-          <p:cNvGrpSpPr/>
-          <p:nvPr/>
-        </p:nvGrpSpPr>
-        <p:grpSpPr>
-          <a:xfrm>
-            <a:off x="5223353" y="4384109"/>
-            <a:ext cx="6175332" cy="1791223"/>
-            <a:chOff x="5223353" y="4384109"/>
-            <a:chExt cx="6175332" cy="1791223"/>
-          </a:xfrm>
-        </p:grpSpPr>
-        <p:sp>
-          <p:nvSpPr>
-            <p:cNvPr id="6" name="Rectangle 5"/>
-            <p:cNvSpPr/>
-            <p:nvPr/>
-          </p:nvSpPr>
-          <p:spPr>
-            <a:xfrm>
-              <a:off x="5223353" y="4384109"/>
-              <a:ext cx="6175332" cy="1791223"/>
-            </a:xfrm>
-            <a:prstGeom prst="rect">
-              <a:avLst/>
-            </a:prstGeom>
-            <a:solidFill>
-              <a:schemeClr val="bg1"/>
-            </a:solidFill>
-            <a:ln>
-              <a:noFill/>
-            </a:ln>
-          </p:spPr>
-          <p:style>
-            <a:lnRef idx="2">
-              <a:schemeClr val="accent1">
-                <a:shade val="50000"/>
-              </a:schemeClr>
-            </a:lnRef>
-            <a:fillRef idx="1">
-              <a:schemeClr val="accent1"/>
-            </a:fillRef>
-            <a:effectRef idx="0">
-              <a:schemeClr val="accent1"/>
-            </a:effectRef>
-            <a:fontRef idx="minor">
-              <a:schemeClr val="lt1"/>
-            </a:fontRef>
-          </p:style>
-          <p:txBody>
-            <a:bodyPr rtlCol="0" anchor="ctr"/>
-            <a:lstStyle/>
-            <a:p>
-              <a:pPr algn="ctr"/>
-              <a:endParaRPr lang="en-US"/>
-            </a:p>
-          </p:txBody>
-        </p:sp>
-        <p:pic>
-          <p:nvPicPr>
-            <p:cNvPr id="5" name="Picture 4"/>
-            <p:cNvPicPr>
-              <a:picLocks noChangeAspect="1"/>
-            </p:cNvPicPr>
-            <p:nvPr/>
-          </p:nvPicPr>
-          <p:blipFill>
-            <a:blip r:embed="rId3">
-              <a:extLst>
-                <a:ext uri="{28A0092B-C50C-407E-A947-70E740481C1C}">
-                  <a14:useLocalDpi xmlns:a14="http://schemas.microsoft.com/office/drawing/2010/main" val="0"/>
-                </a:ext>
-              </a:extLst>
-            </a:blip>
-            <a:stretch>
-              <a:fillRect/>
-            </a:stretch>
-          </p:blipFill>
-          <p:spPr>
-            <a:xfrm>
-              <a:off x="5380103" y="4566184"/>
-              <a:ext cx="5765800" cy="1409700"/>
-            </a:xfrm>
-            <a:prstGeom prst="rect">
-              <a:avLst/>
-            </a:prstGeom>
-          </p:spPr>
-        </p:pic>
-      </p:grpSp>
     </p:spTree>
     <p:extLst>
       <p:ext uri="{BB962C8B-B14F-4D97-AF65-F5344CB8AC3E}">
-        <p14:creationId xmlns:p14="http://schemas.microsoft.com/office/powerpoint/2010/main" val="1974783273"/>
+        <p14:creationId xmlns:p14="http://schemas.microsoft.com/office/powerpoint/2010/main" val="1157200706"/>
       </p:ext>
     </p:extLst>
   </p:cSld>
@@ -12261,6 +12127,1033 @@
         </p:nvSpPr>
         <p:spPr/>
         <p:txBody>
+          <a:bodyPr anchor="t"/>
+          <a:lstStyle/>
+          <a:p>
+            <a:endParaRPr lang="en-US" sz="4800" u="sng" dirty="0" smtClean="0"/>
+          </a:p>
+          <a:p>
+            <a:r>
+              <a:rPr lang="en-US" sz="4800" u="sng" dirty="0" smtClean="0"/>
+              <a:t>Observation:</a:t>
+            </a:r>
+          </a:p>
+          <a:p>
+            <a:endParaRPr lang="en-US" sz="4000" dirty="0" smtClean="0"/>
+          </a:p>
+          <a:p>
+            <a:r>
+              <a:rPr lang="en-US" sz="4000" dirty="0" smtClean="0"/>
+              <a:t>Many veteran “IT Pros” started their career in help desk, advanced through the ranks, and likely bypassed college.</a:t>
+            </a:r>
+            <a:endParaRPr lang="en-US" sz="4000" dirty="0"/>
+          </a:p>
+        </p:txBody>
+      </p:sp>
+      <p:sp>
+        <p:nvSpPr>
+          <p:cNvPr id="4" name="Slide Number Placeholder 3"/>
+          <p:cNvSpPr>
+            <a:spLocks noGrp="1"/>
+          </p:cNvSpPr>
+          <p:nvPr>
+            <p:ph type="sldNum" sz="quarter" idx="4294967295"/>
+          </p:nvPr>
+        </p:nvSpPr>
+        <p:spPr>
+          <a:xfrm>
+            <a:off x="0" y="6283325"/>
+            <a:ext cx="808038" cy="411163"/>
+          </a:xfrm>
+        </p:spPr>
+        <p:txBody>
+          <a:bodyPr/>
+          <a:lstStyle/>
+          <a:p>
+            <a:fld id="{03CBEB89-E47E-4106-9DE1-9B407DF8E52F}" type="slidenum">
+              <a:rPr lang="en-US" smtClean="0"/>
+              <a:pPr/>
+              <a:t>30</a:t>
+            </a:fld>
+            <a:endParaRPr lang="en-US"/>
+          </a:p>
+        </p:txBody>
+      </p:sp>
+    </p:spTree>
+    <p:extLst>
+      <p:ext uri="{BB962C8B-B14F-4D97-AF65-F5344CB8AC3E}">
+        <p14:creationId xmlns:p14="http://schemas.microsoft.com/office/powerpoint/2010/main" val="1460358510"/>
+      </p:ext>
+    </p:extLst>
+  </p:cSld>
+  <p:clrMapOvr>
+    <a:masterClrMapping/>
+  </p:clrMapOvr>
+  <mc:AlternateContent xmlns:mc="http://schemas.openxmlformats.org/markup-compatibility/2006" xmlns:p14="http://schemas.microsoft.com/office/powerpoint/2010/main">
+    <mc:Choice Requires="p14">
+      <p:transition p14:dur="10" advTm="14000"/>
+    </mc:Choice>
+    <mc:Fallback xmlns="">
+      <p:transition advTm="14000"/>
+    </mc:Fallback>
+  </mc:AlternateContent>
+  <p:timing>
+    <p:tnLst>
+      <p:par>
+        <p:cTn id="1" dur="indefinite" restart="never" nodeType="tmRoot"/>
+      </p:par>
+    </p:tnLst>
+  </p:timing>
+</p:sld>
+</file>
+
+<file path=ppt/slides/slide31.xml><?xml version="1.0" encoding="utf-8"?>
+<p:sld xmlns:a="http://schemas.openxmlformats.org/drawingml/2006/main" xmlns:r="http://schemas.openxmlformats.org/officeDocument/2006/relationships" xmlns:p="http://schemas.openxmlformats.org/presentationml/2006/main">
+  <p:cSld>
+    <p:spTree>
+      <p:nvGrpSpPr>
+        <p:cNvPr id="1" name=""/>
+        <p:cNvGrpSpPr/>
+        <p:nvPr/>
+      </p:nvGrpSpPr>
+      <p:grpSpPr>
+        <a:xfrm>
+          <a:off x="0" y="0"/>
+          <a:ext cx="0" cy="0"/>
+          <a:chOff x="0" y="0"/>
+          <a:chExt cx="0" cy="0"/>
+        </a:xfrm>
+      </p:grpSpPr>
+      <p:sp>
+        <p:nvSpPr>
+          <p:cNvPr id="3" name="Content Placeholder 2"/>
+          <p:cNvSpPr>
+            <a:spLocks noGrp="1"/>
+          </p:cNvSpPr>
+          <p:nvPr>
+            <p:ph idx="1"/>
+          </p:nvPr>
+        </p:nvSpPr>
+        <p:spPr/>
+        <p:txBody>
+          <a:bodyPr/>
+          <a:lstStyle/>
+          <a:p>
+            <a:r>
+              <a:rPr lang="en-US" sz="4800" dirty="0" smtClean="0"/>
+              <a:t>If you want to “do the DevOps” and don’t have a learning organization, what do you do?</a:t>
+            </a:r>
+            <a:endParaRPr lang="en-US" sz="4800" dirty="0"/>
+          </a:p>
+        </p:txBody>
+      </p:sp>
+      <p:sp>
+        <p:nvSpPr>
+          <p:cNvPr id="4" name="Slide Number Placeholder 3"/>
+          <p:cNvSpPr>
+            <a:spLocks noGrp="1"/>
+          </p:cNvSpPr>
+          <p:nvPr>
+            <p:ph type="sldNum" sz="quarter" idx="4294967295"/>
+          </p:nvPr>
+        </p:nvSpPr>
+        <p:spPr>
+          <a:xfrm>
+            <a:off x="0" y="6283325"/>
+            <a:ext cx="808038" cy="411163"/>
+          </a:xfrm>
+        </p:spPr>
+        <p:txBody>
+          <a:bodyPr/>
+          <a:lstStyle/>
+          <a:p>
+            <a:fld id="{03CBEB89-E47E-4106-9DE1-9B407DF8E52F}" type="slidenum">
+              <a:rPr lang="en-US" smtClean="0"/>
+              <a:pPr/>
+              <a:t>31</a:t>
+            </a:fld>
+            <a:endParaRPr lang="en-US"/>
+          </a:p>
+        </p:txBody>
+      </p:sp>
+    </p:spTree>
+    <p:extLst>
+      <p:ext uri="{BB962C8B-B14F-4D97-AF65-F5344CB8AC3E}">
+        <p14:creationId xmlns:p14="http://schemas.microsoft.com/office/powerpoint/2010/main" val="1852718138"/>
+      </p:ext>
+    </p:extLst>
+  </p:cSld>
+  <p:clrMapOvr>
+    <a:masterClrMapping/>
+  </p:clrMapOvr>
+  <mc:AlternateContent xmlns:mc="http://schemas.openxmlformats.org/markup-compatibility/2006" xmlns:p14="http://schemas.microsoft.com/office/powerpoint/2010/main">
+    <mc:Choice Requires="p14">
+      <p:transition p14:dur="10" advTm="14000"/>
+    </mc:Choice>
+    <mc:Fallback xmlns="">
+      <p:transition advTm="14000"/>
+    </mc:Fallback>
+  </mc:AlternateContent>
+  <p:timing>
+    <p:tnLst>
+      <p:par>
+        <p:cTn id="1" dur="indefinite" restart="never" nodeType="tmRoot"/>
+      </p:par>
+    </p:tnLst>
+  </p:timing>
+</p:sld>
+</file>
+
+<file path=ppt/slides/slide32.xml><?xml version="1.0" encoding="utf-8"?>
+<p:sld xmlns:a="http://schemas.openxmlformats.org/drawingml/2006/main" xmlns:r="http://schemas.openxmlformats.org/officeDocument/2006/relationships" xmlns:p="http://schemas.openxmlformats.org/presentationml/2006/main">
+  <p:cSld>
+    <p:spTree>
+      <p:nvGrpSpPr>
+        <p:cNvPr id="1" name=""/>
+        <p:cNvGrpSpPr/>
+        <p:nvPr/>
+      </p:nvGrpSpPr>
+      <p:grpSpPr>
+        <a:xfrm>
+          <a:off x="0" y="0"/>
+          <a:ext cx="0" cy="0"/>
+          <a:chOff x="0" y="0"/>
+          <a:chExt cx="0" cy="0"/>
+        </a:xfrm>
+      </p:grpSpPr>
+      <p:sp>
+        <p:nvSpPr>
+          <p:cNvPr id="3" name="Content Placeholder 2"/>
+          <p:cNvSpPr>
+            <a:spLocks noGrp="1"/>
+          </p:cNvSpPr>
+          <p:nvPr>
+            <p:ph idx="1"/>
+          </p:nvPr>
+        </p:nvSpPr>
+        <p:spPr/>
+        <p:txBody>
+          <a:bodyPr/>
+          <a:lstStyle/>
+          <a:p>
+            <a:r>
+              <a:rPr lang="en-US" sz="4800" dirty="0" smtClean="0"/>
+              <a:t>“</a:t>
+            </a:r>
+            <a:r>
+              <a:rPr lang="is-IS" sz="4800" dirty="0" smtClean="0"/>
+              <a:t>…</a:t>
+            </a:r>
+            <a:r>
+              <a:rPr lang="en-US" sz="4800" dirty="0" smtClean="0"/>
+              <a:t>Your goal is to pitch the ball where the bat will be</a:t>
+            </a:r>
+            <a:r>
+              <a:rPr lang="is-IS" sz="4800" dirty="0" smtClean="0"/>
+              <a:t>…”</a:t>
+            </a:r>
+          </a:p>
+        </p:txBody>
+      </p:sp>
+      <p:sp>
+        <p:nvSpPr>
+          <p:cNvPr id="4" name="Slide Number Placeholder 3"/>
+          <p:cNvSpPr>
+            <a:spLocks noGrp="1"/>
+          </p:cNvSpPr>
+          <p:nvPr>
+            <p:ph type="sldNum" sz="quarter" idx="4294967295"/>
+          </p:nvPr>
+        </p:nvSpPr>
+        <p:spPr>
+          <a:xfrm>
+            <a:off x="0" y="6283325"/>
+            <a:ext cx="808038" cy="411163"/>
+          </a:xfrm>
+        </p:spPr>
+        <p:txBody>
+          <a:bodyPr/>
+          <a:lstStyle/>
+          <a:p>
+            <a:fld id="{03CBEB89-E47E-4106-9DE1-9B407DF8E52F}" type="slidenum">
+              <a:rPr lang="en-US" smtClean="0"/>
+              <a:pPr/>
+              <a:t>32</a:t>
+            </a:fld>
+            <a:endParaRPr lang="en-US"/>
+          </a:p>
+        </p:txBody>
+      </p:sp>
+    </p:spTree>
+    <p:extLst>
+      <p:ext uri="{BB962C8B-B14F-4D97-AF65-F5344CB8AC3E}">
+        <p14:creationId xmlns:p14="http://schemas.microsoft.com/office/powerpoint/2010/main" val="1026857600"/>
+      </p:ext>
+    </p:extLst>
+  </p:cSld>
+  <p:clrMapOvr>
+    <a:masterClrMapping/>
+  </p:clrMapOvr>
+  <mc:AlternateContent xmlns:mc="http://schemas.openxmlformats.org/markup-compatibility/2006" xmlns:p14="http://schemas.microsoft.com/office/powerpoint/2010/main">
+    <mc:Choice Requires="p14">
+      <p:transition p14:dur="10" advTm="14000"/>
+    </mc:Choice>
+    <mc:Fallback xmlns="">
+      <p:transition advTm="14000"/>
+    </mc:Fallback>
+  </mc:AlternateContent>
+  <p:timing>
+    <p:tnLst>
+      <p:par>
+        <p:cTn id="1" dur="indefinite" restart="never" nodeType="tmRoot"/>
+      </p:par>
+    </p:tnLst>
+  </p:timing>
+</p:sld>
+</file>
+
+<file path=ppt/slides/slide33.xml><?xml version="1.0" encoding="utf-8"?>
+<p:sld xmlns:a="http://schemas.openxmlformats.org/drawingml/2006/main" xmlns:r="http://schemas.openxmlformats.org/officeDocument/2006/relationships" xmlns:p="http://schemas.openxmlformats.org/presentationml/2006/main">
+  <p:cSld>
+    <p:spTree>
+      <p:nvGrpSpPr>
+        <p:cNvPr id="1" name=""/>
+        <p:cNvGrpSpPr/>
+        <p:nvPr/>
+      </p:nvGrpSpPr>
+      <p:grpSpPr>
+        <a:xfrm>
+          <a:off x="0" y="0"/>
+          <a:ext cx="0" cy="0"/>
+          <a:chOff x="0" y="0"/>
+          <a:chExt cx="0" cy="0"/>
+        </a:xfrm>
+      </p:grpSpPr>
+      <p:sp>
+        <p:nvSpPr>
+          <p:cNvPr id="3" name="Content Placeholder 2"/>
+          <p:cNvSpPr>
+            <a:spLocks noGrp="1"/>
+          </p:cNvSpPr>
+          <p:nvPr>
+            <p:ph idx="1"/>
+          </p:nvPr>
+        </p:nvSpPr>
+        <p:spPr/>
+        <p:txBody>
+          <a:bodyPr/>
+          <a:lstStyle/>
+          <a:p>
+            <a:r>
+              <a:rPr lang="en-US" sz="3600" dirty="0" smtClean="0"/>
+              <a:t>Let's </a:t>
+            </a:r>
+            <a:r>
+              <a:rPr lang="en-US" sz="3600" dirty="0"/>
+              <a:t>not waste any more </a:t>
+            </a:r>
+            <a:r>
+              <a:rPr lang="en-US" sz="3600" dirty="0" smtClean="0"/>
+              <a:t>lives</a:t>
+            </a:r>
+            <a:r>
+              <a:rPr lang="en-US" sz="3600" baseline="30000" dirty="0" smtClean="0">
+                <a:solidFill>
+                  <a:schemeClr val="tx1"/>
+                </a:solidFill>
+              </a:rPr>
+              <a:t>1</a:t>
+            </a:r>
+            <a:r>
+              <a:rPr lang="en-US" sz="3600" dirty="0" smtClean="0"/>
+              <a:t>, </a:t>
+            </a:r>
+            <a:r>
+              <a:rPr lang="en-US" sz="3600" dirty="0"/>
+              <a:t>because once we know that abilities are capable of such growth, it becomes a basic human right for </a:t>
+            </a:r>
+            <a:r>
+              <a:rPr lang="en-US" sz="3600" dirty="0" smtClean="0"/>
+              <a:t>children</a:t>
+            </a:r>
+            <a:r>
+              <a:rPr lang="en-US" sz="3600" baseline="30000" dirty="0" smtClean="0">
+                <a:solidFill>
+                  <a:schemeClr val="tx1"/>
+                </a:solidFill>
+              </a:rPr>
+              <a:t>2</a:t>
+            </a:r>
+            <a:r>
+              <a:rPr lang="en-US" sz="3600" dirty="0" smtClean="0"/>
+              <a:t>, </a:t>
+            </a:r>
+            <a:r>
+              <a:rPr lang="en-US" sz="3600" dirty="0"/>
+              <a:t>all </a:t>
+            </a:r>
+            <a:r>
+              <a:rPr lang="en-US" sz="3600" dirty="0" smtClean="0"/>
+              <a:t>children</a:t>
+            </a:r>
+            <a:r>
+              <a:rPr lang="en-US" sz="3600" baseline="30000" dirty="0" smtClean="0">
+                <a:solidFill>
+                  <a:schemeClr val="tx1"/>
+                </a:solidFill>
+              </a:rPr>
+              <a:t>2</a:t>
+            </a:r>
+            <a:r>
+              <a:rPr lang="en-US" sz="3600" dirty="0" smtClean="0"/>
+              <a:t>, </a:t>
+            </a:r>
+            <a:r>
+              <a:rPr lang="en-US" sz="3600" dirty="0"/>
+              <a:t>to live in </a:t>
+            </a:r>
+            <a:r>
+              <a:rPr lang="en-US" sz="3600" dirty="0" smtClean="0"/>
+              <a:t>places</a:t>
+            </a:r>
+            <a:r>
+              <a:rPr lang="en-US" sz="3600" baseline="30000" dirty="0" smtClean="0">
+                <a:solidFill>
+                  <a:schemeClr val="tx1"/>
+                </a:solidFill>
+              </a:rPr>
+              <a:t>3</a:t>
+            </a:r>
+            <a:r>
+              <a:rPr lang="en-US" sz="3600" dirty="0" smtClean="0">
+                <a:solidFill>
+                  <a:schemeClr val="tx1">
+                    <a:lumMod val="50000"/>
+                    <a:lumOff val="50000"/>
+                  </a:schemeClr>
+                </a:solidFill>
+              </a:rPr>
+              <a:t> </a:t>
+            </a:r>
+            <a:r>
+              <a:rPr lang="en-US" sz="3600" dirty="0"/>
+              <a:t>that create that growth, to live in </a:t>
+            </a:r>
+            <a:r>
+              <a:rPr lang="en-US" sz="3600" dirty="0" smtClean="0"/>
+              <a:t>places</a:t>
+            </a:r>
+            <a:r>
+              <a:rPr lang="en-US" sz="3600" baseline="30000" dirty="0" smtClean="0">
+                <a:solidFill>
+                  <a:schemeClr val="tx1"/>
+                </a:solidFill>
+              </a:rPr>
+              <a:t>3</a:t>
+            </a:r>
+            <a:r>
+              <a:rPr lang="en-US" sz="3600" dirty="0" smtClean="0">
+                <a:solidFill>
+                  <a:schemeClr val="tx1">
+                    <a:lumMod val="50000"/>
+                    <a:lumOff val="50000"/>
+                  </a:schemeClr>
+                </a:solidFill>
+              </a:rPr>
+              <a:t> </a:t>
+            </a:r>
+            <a:r>
+              <a:rPr lang="en-US" sz="3600" dirty="0" smtClean="0"/>
+              <a:t>filled </a:t>
+            </a:r>
+            <a:r>
+              <a:rPr lang="en-US" sz="3600" dirty="0"/>
+              <a:t>with "yet</a:t>
+            </a:r>
+            <a:r>
+              <a:rPr lang="en-US" sz="3600" dirty="0" smtClean="0"/>
+              <a:t>".</a:t>
+            </a:r>
+          </a:p>
+          <a:p>
+            <a:endParaRPr lang="en-US" sz="3600" baseline="30000" dirty="0" smtClean="0"/>
+          </a:p>
+          <a:p>
+            <a:r>
+              <a:rPr lang="en-US" sz="1800" baseline="30000" dirty="0" smtClean="0">
+                <a:solidFill>
+                  <a:schemeClr val="tx1"/>
+                </a:solidFill>
+              </a:rPr>
+              <a:t>1</a:t>
+            </a:r>
+            <a:r>
+              <a:rPr lang="en-US" sz="1800" dirty="0" smtClean="0">
+                <a:solidFill>
+                  <a:schemeClr val="tx1"/>
+                </a:solidFill>
+              </a:rPr>
+              <a:t> careers</a:t>
+            </a:r>
+          </a:p>
+          <a:p>
+            <a:r>
+              <a:rPr lang="en-US" sz="1800" baseline="30000" dirty="0" smtClean="0">
+                <a:solidFill>
+                  <a:schemeClr val="tx1"/>
+                </a:solidFill>
+              </a:rPr>
+              <a:t>2</a:t>
+            </a:r>
+            <a:r>
+              <a:rPr lang="en-US" sz="1800" dirty="0" smtClean="0">
+                <a:solidFill>
+                  <a:schemeClr val="tx1"/>
+                </a:solidFill>
+              </a:rPr>
+              <a:t> people</a:t>
+            </a:r>
+          </a:p>
+          <a:p>
+            <a:r>
+              <a:rPr lang="en-US" sz="1800" baseline="30000" dirty="0" smtClean="0">
+                <a:solidFill>
+                  <a:schemeClr val="tx1"/>
+                </a:solidFill>
+              </a:rPr>
+              <a:t>3 </a:t>
+            </a:r>
+            <a:r>
+              <a:rPr lang="en-US" sz="1800" dirty="0" smtClean="0">
+                <a:solidFill>
+                  <a:schemeClr val="tx1"/>
+                </a:solidFill>
+              </a:rPr>
+              <a:t>workplaces</a:t>
+            </a:r>
+          </a:p>
+        </p:txBody>
+      </p:sp>
+      <p:sp>
+        <p:nvSpPr>
+          <p:cNvPr id="4" name="Slide Number Placeholder 3"/>
+          <p:cNvSpPr>
+            <a:spLocks noGrp="1"/>
+          </p:cNvSpPr>
+          <p:nvPr>
+            <p:ph type="sldNum" sz="quarter" idx="4294967295"/>
+          </p:nvPr>
+        </p:nvSpPr>
+        <p:spPr>
+          <a:xfrm>
+            <a:off x="0" y="6283325"/>
+            <a:ext cx="808038" cy="411163"/>
+          </a:xfrm>
+        </p:spPr>
+        <p:txBody>
+          <a:bodyPr/>
+          <a:lstStyle/>
+          <a:p>
+            <a:fld id="{03CBEB89-E47E-4106-9DE1-9B407DF8E52F}" type="slidenum">
+              <a:rPr lang="en-US" smtClean="0"/>
+              <a:pPr/>
+              <a:t>33</a:t>
+            </a:fld>
+            <a:endParaRPr lang="en-US"/>
+          </a:p>
+        </p:txBody>
+      </p:sp>
+      <p:grpSp>
+        <p:nvGrpSpPr>
+          <p:cNvPr id="8" name="Group 7"/>
+          <p:cNvGrpSpPr/>
+          <p:nvPr/>
+        </p:nvGrpSpPr>
+        <p:grpSpPr>
+          <a:xfrm>
+            <a:off x="5223353" y="4384109"/>
+            <a:ext cx="6175332" cy="1791223"/>
+            <a:chOff x="5223353" y="4384109"/>
+            <a:chExt cx="6175332" cy="1791223"/>
+          </a:xfrm>
+        </p:grpSpPr>
+        <p:sp>
+          <p:nvSpPr>
+            <p:cNvPr id="9" name="Rectangle 8"/>
+            <p:cNvSpPr/>
+            <p:nvPr/>
+          </p:nvSpPr>
+          <p:spPr>
+            <a:xfrm>
+              <a:off x="5223353" y="4384109"/>
+              <a:ext cx="6175332" cy="1791223"/>
+            </a:xfrm>
+            <a:prstGeom prst="rect">
+              <a:avLst/>
+            </a:prstGeom>
+            <a:solidFill>
+              <a:schemeClr val="bg1"/>
+            </a:solidFill>
+            <a:ln>
+              <a:noFill/>
+            </a:ln>
+          </p:spPr>
+          <p:style>
+            <a:lnRef idx="2">
+              <a:schemeClr val="accent1">
+                <a:shade val="50000"/>
+              </a:schemeClr>
+            </a:lnRef>
+            <a:fillRef idx="1">
+              <a:schemeClr val="accent1"/>
+            </a:fillRef>
+            <a:effectRef idx="0">
+              <a:schemeClr val="accent1"/>
+            </a:effectRef>
+            <a:fontRef idx="minor">
+              <a:schemeClr val="lt1"/>
+            </a:fontRef>
+          </p:style>
+          <p:txBody>
+            <a:bodyPr rtlCol="0" anchor="ctr"/>
+            <a:lstStyle/>
+            <a:p>
+              <a:pPr algn="ctr"/>
+              <a:endParaRPr lang="en-US"/>
+            </a:p>
+          </p:txBody>
+        </p:sp>
+        <p:pic>
+          <p:nvPicPr>
+            <p:cNvPr id="10" name="Picture 9"/>
+            <p:cNvPicPr>
+              <a:picLocks noChangeAspect="1"/>
+            </p:cNvPicPr>
+            <p:nvPr/>
+          </p:nvPicPr>
+          <p:blipFill>
+            <a:blip r:embed="rId3">
+              <a:extLst>
+                <a:ext uri="{28A0092B-C50C-407E-A947-70E740481C1C}">
+                  <a14:useLocalDpi xmlns:a14="http://schemas.microsoft.com/office/drawing/2010/main" val="0"/>
+                </a:ext>
+              </a:extLst>
+            </a:blip>
+            <a:stretch>
+              <a:fillRect/>
+            </a:stretch>
+          </p:blipFill>
+          <p:spPr>
+            <a:xfrm>
+              <a:off x="5380103" y="4566184"/>
+              <a:ext cx="5765800" cy="1409700"/>
+            </a:xfrm>
+            <a:prstGeom prst="rect">
+              <a:avLst/>
+            </a:prstGeom>
+          </p:spPr>
+        </p:pic>
+      </p:grpSp>
+    </p:spTree>
+    <p:extLst>
+      <p:ext uri="{BB962C8B-B14F-4D97-AF65-F5344CB8AC3E}">
+        <p14:creationId xmlns:p14="http://schemas.microsoft.com/office/powerpoint/2010/main" val="1308223055"/>
+      </p:ext>
+    </p:extLst>
+  </p:cSld>
+  <p:clrMapOvr>
+    <a:masterClrMapping/>
+  </p:clrMapOvr>
+  <mc:AlternateContent xmlns:mc="http://schemas.openxmlformats.org/markup-compatibility/2006" xmlns:p14="http://schemas.microsoft.com/office/powerpoint/2010/main">
+    <mc:Choice Requires="p14">
+      <p:transition p14:dur="10" advTm="14000"/>
+    </mc:Choice>
+    <mc:Fallback xmlns="">
+      <p:transition advTm="14000"/>
+    </mc:Fallback>
+  </mc:AlternateContent>
+  <p:timing>
+    <p:tnLst>
+      <p:par>
+        <p:cTn id="1" dur="indefinite" restart="never" nodeType="tmRoot"/>
+      </p:par>
+    </p:tnLst>
+  </p:timing>
+</p:sld>
+</file>
+
+<file path=ppt/slides/slide34.xml><?xml version="1.0" encoding="utf-8"?>
+<p:sld xmlns:a="http://schemas.openxmlformats.org/drawingml/2006/main" xmlns:r="http://schemas.openxmlformats.org/officeDocument/2006/relationships" xmlns:p="http://schemas.openxmlformats.org/presentationml/2006/main">
+  <p:cSld>
+    <p:spTree>
+      <p:nvGrpSpPr>
+        <p:cNvPr id="1" name=""/>
+        <p:cNvGrpSpPr/>
+        <p:nvPr/>
+      </p:nvGrpSpPr>
+      <p:grpSpPr>
+        <a:xfrm>
+          <a:off x="0" y="0"/>
+          <a:ext cx="0" cy="0"/>
+          <a:chOff x="0" y="0"/>
+          <a:chExt cx="0" cy="0"/>
+        </a:xfrm>
+      </p:grpSpPr>
+      <p:sp>
+        <p:nvSpPr>
+          <p:cNvPr id="3" name="Content Placeholder 2"/>
+          <p:cNvSpPr>
+            <a:spLocks noGrp="1"/>
+          </p:cNvSpPr>
+          <p:nvPr>
+            <p:ph idx="1"/>
+          </p:nvPr>
+        </p:nvSpPr>
+        <p:spPr/>
+        <p:txBody>
+          <a:bodyPr/>
+          <a:lstStyle/>
+          <a:p>
+            <a:r>
+              <a:rPr lang="en-US" sz="3600" dirty="0" smtClean="0"/>
+              <a:t>Let's </a:t>
+            </a:r>
+            <a:r>
+              <a:rPr lang="en-US" sz="3600" dirty="0"/>
+              <a:t>not waste any more </a:t>
+            </a:r>
+            <a:r>
+              <a:rPr lang="en-US" sz="3600" strike="sngStrike" dirty="0" smtClean="0">
+                <a:solidFill>
+                  <a:schemeClr val="tx1">
+                    <a:lumMod val="50000"/>
+                    <a:lumOff val="50000"/>
+                  </a:schemeClr>
+                </a:solidFill>
+              </a:rPr>
+              <a:t>lives</a:t>
+            </a:r>
+            <a:r>
+              <a:rPr lang="en-US" sz="3600" baseline="30000" dirty="0" smtClean="0"/>
+              <a:t>1</a:t>
+            </a:r>
+            <a:r>
+              <a:rPr lang="en-US" sz="3600" dirty="0" smtClean="0"/>
+              <a:t>, </a:t>
+            </a:r>
+            <a:r>
+              <a:rPr lang="en-US" sz="3600" dirty="0"/>
+              <a:t>because once we know that abilities are capable of such growth, it becomes a basic human right for </a:t>
+            </a:r>
+            <a:r>
+              <a:rPr lang="en-US" sz="3600" strike="sngStrike" dirty="0" smtClean="0">
+                <a:solidFill>
+                  <a:schemeClr val="tx1">
+                    <a:lumMod val="50000"/>
+                    <a:lumOff val="50000"/>
+                  </a:schemeClr>
+                </a:solidFill>
+              </a:rPr>
+              <a:t>children</a:t>
+            </a:r>
+            <a:r>
+              <a:rPr lang="en-US" sz="3600" baseline="30000" dirty="0" smtClean="0"/>
+              <a:t>2</a:t>
+            </a:r>
+            <a:r>
+              <a:rPr lang="en-US" sz="3600" dirty="0" smtClean="0"/>
+              <a:t>, </a:t>
+            </a:r>
+            <a:r>
+              <a:rPr lang="en-US" sz="3600" dirty="0"/>
+              <a:t>all </a:t>
+            </a:r>
+            <a:r>
+              <a:rPr lang="en-US" sz="3600" strike="sngStrike" dirty="0" smtClean="0">
+                <a:solidFill>
+                  <a:schemeClr val="tx1">
+                    <a:lumMod val="50000"/>
+                    <a:lumOff val="50000"/>
+                  </a:schemeClr>
+                </a:solidFill>
+              </a:rPr>
+              <a:t>children</a:t>
+            </a:r>
+            <a:r>
+              <a:rPr lang="en-US" sz="3600" baseline="30000" dirty="0" smtClean="0"/>
+              <a:t>2</a:t>
+            </a:r>
+            <a:r>
+              <a:rPr lang="en-US" sz="3600" dirty="0" smtClean="0"/>
+              <a:t>, </a:t>
+            </a:r>
+            <a:r>
+              <a:rPr lang="en-US" sz="3600" dirty="0"/>
+              <a:t>to live in </a:t>
+            </a:r>
+            <a:r>
+              <a:rPr lang="en-US" sz="3600" strike="sngStrike" dirty="0" smtClean="0">
+                <a:solidFill>
+                  <a:schemeClr val="tx1">
+                    <a:lumMod val="50000"/>
+                    <a:lumOff val="50000"/>
+                  </a:schemeClr>
+                </a:solidFill>
+              </a:rPr>
+              <a:t>places</a:t>
+            </a:r>
+            <a:r>
+              <a:rPr lang="en-US" sz="3600" baseline="30000" dirty="0" smtClean="0"/>
+              <a:t>3</a:t>
+            </a:r>
+            <a:r>
+              <a:rPr lang="en-US" sz="3600" dirty="0" smtClean="0"/>
+              <a:t> </a:t>
+            </a:r>
+            <a:r>
+              <a:rPr lang="en-US" sz="3600" dirty="0"/>
+              <a:t>that create that growth, to live in </a:t>
+            </a:r>
+            <a:r>
+              <a:rPr lang="en-US" sz="3600" strike="sngStrike" dirty="0" smtClean="0">
+                <a:solidFill>
+                  <a:schemeClr val="tx1">
+                    <a:lumMod val="50000"/>
+                    <a:lumOff val="50000"/>
+                  </a:schemeClr>
+                </a:solidFill>
+              </a:rPr>
+              <a:t>places</a:t>
+            </a:r>
+            <a:r>
+              <a:rPr lang="en-US" sz="3600" baseline="30000" dirty="0" smtClean="0"/>
+              <a:t>3</a:t>
+            </a:r>
+            <a:r>
+              <a:rPr lang="en-US" sz="3600" dirty="0" smtClean="0"/>
+              <a:t> filled </a:t>
+            </a:r>
+            <a:r>
+              <a:rPr lang="en-US" sz="3600" dirty="0"/>
+              <a:t>with "yet</a:t>
+            </a:r>
+            <a:r>
+              <a:rPr lang="en-US" sz="3600" dirty="0" smtClean="0"/>
+              <a:t>".</a:t>
+            </a:r>
+          </a:p>
+          <a:p>
+            <a:endParaRPr lang="en-US" sz="3600" baseline="30000" dirty="0" smtClean="0"/>
+          </a:p>
+          <a:p>
+            <a:r>
+              <a:rPr lang="en-US" sz="1800" baseline="30000" dirty="0" smtClean="0"/>
+              <a:t>1</a:t>
+            </a:r>
+            <a:r>
+              <a:rPr lang="en-US" sz="1800" dirty="0" smtClean="0"/>
+              <a:t> careers</a:t>
+            </a:r>
+          </a:p>
+          <a:p>
+            <a:r>
+              <a:rPr lang="en-US" sz="1800" baseline="30000" dirty="0" smtClean="0"/>
+              <a:t>2</a:t>
+            </a:r>
+            <a:r>
+              <a:rPr lang="en-US" sz="1800" dirty="0" smtClean="0"/>
+              <a:t> people</a:t>
+            </a:r>
+          </a:p>
+          <a:p>
+            <a:r>
+              <a:rPr lang="en-US" sz="1800" baseline="30000" dirty="0" smtClean="0"/>
+              <a:t>3 </a:t>
+            </a:r>
+            <a:r>
+              <a:rPr lang="en-US" sz="1800" dirty="0" smtClean="0"/>
+              <a:t>workplaces</a:t>
+            </a:r>
+          </a:p>
+        </p:txBody>
+      </p:sp>
+      <p:sp>
+        <p:nvSpPr>
+          <p:cNvPr id="4" name="Slide Number Placeholder 3"/>
+          <p:cNvSpPr>
+            <a:spLocks noGrp="1"/>
+          </p:cNvSpPr>
+          <p:nvPr>
+            <p:ph type="sldNum" sz="quarter" idx="4294967295"/>
+          </p:nvPr>
+        </p:nvSpPr>
+        <p:spPr>
+          <a:xfrm>
+            <a:off x="0" y="6283325"/>
+            <a:ext cx="808038" cy="411163"/>
+          </a:xfrm>
+        </p:spPr>
+        <p:txBody>
+          <a:bodyPr/>
+          <a:lstStyle/>
+          <a:p>
+            <a:fld id="{03CBEB89-E47E-4106-9DE1-9B407DF8E52F}" type="slidenum">
+              <a:rPr lang="en-US" smtClean="0"/>
+              <a:pPr/>
+              <a:t>34</a:t>
+            </a:fld>
+            <a:endParaRPr lang="en-US"/>
+          </a:p>
+        </p:txBody>
+      </p:sp>
+      <p:grpSp>
+        <p:nvGrpSpPr>
+          <p:cNvPr id="7" name="Group 6"/>
+          <p:cNvGrpSpPr/>
+          <p:nvPr/>
+        </p:nvGrpSpPr>
+        <p:grpSpPr>
+          <a:xfrm>
+            <a:off x="5223353" y="4384109"/>
+            <a:ext cx="6175332" cy="1791223"/>
+            <a:chOff x="5223353" y="4384109"/>
+            <a:chExt cx="6175332" cy="1791223"/>
+          </a:xfrm>
+        </p:grpSpPr>
+        <p:sp>
+          <p:nvSpPr>
+            <p:cNvPr id="6" name="Rectangle 5"/>
+            <p:cNvSpPr/>
+            <p:nvPr/>
+          </p:nvSpPr>
+          <p:spPr>
+            <a:xfrm>
+              <a:off x="5223353" y="4384109"/>
+              <a:ext cx="6175332" cy="1791223"/>
+            </a:xfrm>
+            <a:prstGeom prst="rect">
+              <a:avLst/>
+            </a:prstGeom>
+            <a:solidFill>
+              <a:schemeClr val="bg1"/>
+            </a:solidFill>
+            <a:ln>
+              <a:noFill/>
+            </a:ln>
+          </p:spPr>
+          <p:style>
+            <a:lnRef idx="2">
+              <a:schemeClr val="accent1">
+                <a:shade val="50000"/>
+              </a:schemeClr>
+            </a:lnRef>
+            <a:fillRef idx="1">
+              <a:schemeClr val="accent1"/>
+            </a:fillRef>
+            <a:effectRef idx="0">
+              <a:schemeClr val="accent1"/>
+            </a:effectRef>
+            <a:fontRef idx="minor">
+              <a:schemeClr val="lt1"/>
+            </a:fontRef>
+          </p:style>
+          <p:txBody>
+            <a:bodyPr rtlCol="0" anchor="ctr"/>
+            <a:lstStyle/>
+            <a:p>
+              <a:pPr algn="ctr"/>
+              <a:endParaRPr lang="en-US"/>
+            </a:p>
+          </p:txBody>
+        </p:sp>
+        <p:pic>
+          <p:nvPicPr>
+            <p:cNvPr id="5" name="Picture 4"/>
+            <p:cNvPicPr>
+              <a:picLocks noChangeAspect="1"/>
+            </p:cNvPicPr>
+            <p:nvPr/>
+          </p:nvPicPr>
+          <p:blipFill>
+            <a:blip r:embed="rId3">
+              <a:extLst>
+                <a:ext uri="{28A0092B-C50C-407E-A947-70E740481C1C}">
+                  <a14:useLocalDpi xmlns:a14="http://schemas.microsoft.com/office/drawing/2010/main" val="0"/>
+                </a:ext>
+              </a:extLst>
+            </a:blip>
+            <a:stretch>
+              <a:fillRect/>
+            </a:stretch>
+          </p:blipFill>
+          <p:spPr>
+            <a:xfrm>
+              <a:off x="5380103" y="4566184"/>
+              <a:ext cx="5765800" cy="1409700"/>
+            </a:xfrm>
+            <a:prstGeom prst="rect">
+              <a:avLst/>
+            </a:prstGeom>
+          </p:spPr>
+        </p:pic>
+      </p:grpSp>
+    </p:spTree>
+    <p:extLst>
+      <p:ext uri="{BB962C8B-B14F-4D97-AF65-F5344CB8AC3E}">
+        <p14:creationId xmlns:p14="http://schemas.microsoft.com/office/powerpoint/2010/main" val="1974783273"/>
+      </p:ext>
+    </p:extLst>
+  </p:cSld>
+  <p:clrMapOvr>
+    <a:masterClrMapping/>
+  </p:clrMapOvr>
+  <mc:AlternateContent xmlns:mc="http://schemas.openxmlformats.org/markup-compatibility/2006" xmlns:p14="http://schemas.microsoft.com/office/powerpoint/2010/main">
+    <mc:Choice Requires="p14">
+      <p:transition p14:dur="10" advTm="14000"/>
+    </mc:Choice>
+    <mc:Fallback xmlns="">
+      <p:transition advTm="14000"/>
+    </mc:Fallback>
+  </mc:AlternateContent>
+  <p:timing>
+    <p:tnLst>
+      <p:par>
+        <p:cTn id="1" dur="indefinite" restart="never" nodeType="tmRoot"/>
+      </p:par>
+    </p:tnLst>
+  </p:timing>
+</p:sld>
+</file>
+
+<file path=ppt/slides/slide35.xml><?xml version="1.0" encoding="utf-8"?>
+<p:sld xmlns:a="http://schemas.openxmlformats.org/drawingml/2006/main" xmlns:r="http://schemas.openxmlformats.org/officeDocument/2006/relationships" xmlns:p="http://schemas.openxmlformats.org/presentationml/2006/main">
+  <p:cSld>
+    <p:spTree>
+      <p:nvGrpSpPr>
+        <p:cNvPr id="1" name=""/>
+        <p:cNvGrpSpPr/>
+        <p:nvPr/>
+      </p:nvGrpSpPr>
+      <p:grpSpPr>
+        <a:xfrm>
+          <a:off x="0" y="0"/>
+          <a:ext cx="0" cy="0"/>
+          <a:chOff x="0" y="0"/>
+          <a:chExt cx="0" cy="0"/>
+        </a:xfrm>
+      </p:grpSpPr>
+      <p:sp>
+        <p:nvSpPr>
+          <p:cNvPr id="3" name="Content Placeholder 2"/>
+          <p:cNvSpPr>
+            <a:spLocks noGrp="1"/>
+          </p:cNvSpPr>
+          <p:nvPr>
+            <p:ph idx="1"/>
+          </p:nvPr>
+        </p:nvSpPr>
+        <p:spPr/>
+        <p:txBody>
           <a:bodyPr/>
           <a:lstStyle/>
           <a:p>
@@ -12439,7 +13332,7 @@
             <a:fld id="{03CBEB89-E47E-4106-9DE1-9B407DF8E52F}" type="slidenum">
               <a:rPr lang="en-US" smtClean="0"/>
               <a:pPr/>
-              <a:t>30</a:t>
+              <a:t>35</a:t>
             </a:fld>
             <a:endParaRPr lang="en-US"/>
           </a:p>
@@ -12564,7 +13457,7 @@
 </p:sld>
 </file>
 
-<file path=ppt/slides/slide31.xml><?xml version="1.0" encoding="utf-8"?>
+<file path=ppt/slides/slide36.xml><?xml version="1.0" encoding="utf-8"?>
 <p:sld xmlns:a="http://schemas.openxmlformats.org/drawingml/2006/main" xmlns:r="http://schemas.openxmlformats.org/officeDocument/2006/relationships" xmlns:p="http://schemas.openxmlformats.org/presentationml/2006/main">
   <p:cSld>
     <p:spTree>
@@ -12635,7 +13528,7 @@
             <a:fld id="{03CBEB89-E47E-4106-9DE1-9B407DF8E52F}" type="slidenum">
               <a:rPr lang="en-US" smtClean="0"/>
               <a:pPr/>
-              <a:t>31</a:t>
+              <a:t>36</a:t>
             </a:fld>
             <a:endParaRPr lang="en-US"/>
           </a:p>
@@ -12669,7 +13562,7 @@
 </p:sld>
 </file>
 
-<file path=ppt/slides/slide32.xml><?xml version="1.0" encoding="utf-8"?>
+<file path=ppt/slides/slide37.xml><?xml version="1.0" encoding="utf-8"?>
 <p:sld xmlns:a="http://schemas.openxmlformats.org/drawingml/2006/main" xmlns:r="http://schemas.openxmlformats.org/officeDocument/2006/relationships" xmlns:p="http://schemas.openxmlformats.org/presentationml/2006/main">
   <p:cSld>
     <p:spTree>
@@ -12741,7 +13634,7 @@
                 <a:cs typeface="Courier" charset="0"/>
               </a:rPr>
               <a:pPr/>
-              <a:t>32</a:t>
+              <a:t>37</a:t>
             </a:fld>
             <a:endParaRPr lang="en-US">
               <a:latin typeface="Courier" charset="0"/>
@@ -13455,281 +14348,14 @@
   <p:timing>
     <p:tnLst>
       <p:par>
-        <p:cTn id="1" dur="indefinite" restart="never" nodeType="tmRoot">
-          <p:childTnLst>
-            <p:seq concurrent="1" nextAc="seek">
-              <p:cTn id="2" dur="indefinite" nodeType="mainSeq">
-                <p:childTnLst>
-                  <p:par>
-                    <p:cTn id="3" fill="hold">
-                      <p:stCondLst>
-                        <p:cond delay="indefinite"/>
-                      </p:stCondLst>
-                      <p:childTnLst>
-                        <p:par>
-                          <p:cTn id="4" fill="hold">
-                            <p:stCondLst>
-                              <p:cond delay="0"/>
-                            </p:stCondLst>
-                            <p:childTnLst>
-                              <p:par>
-                                <p:cTn id="5" presetID="1" presetClass="entr" presetSubtype="0" fill="hold" nodeType="clickEffect">
-                                  <p:stCondLst>
-                                    <p:cond delay="0"/>
-                                  </p:stCondLst>
-                                  <p:childTnLst>
-                                    <p:set>
-                                      <p:cBhvr>
-                                        <p:cTn id="6" dur="1" fill="hold">
-                                          <p:stCondLst>
-                                            <p:cond delay="0"/>
-                                          </p:stCondLst>
-                                        </p:cTn>
-                                        <p:tgtEl>
-                                          <p:spTgt spid="4"/>
-                                        </p:tgtEl>
-                                        <p:attrNameLst>
-                                          <p:attrName>style.visibility</p:attrName>
-                                        </p:attrNameLst>
-                                      </p:cBhvr>
-                                      <p:to>
-                                        <p:strVal val="visible"/>
-                                      </p:to>
-                                    </p:set>
-                                  </p:childTnLst>
-                                  <p:subTnLst>
-                                    <p:animClr clrSpc="rgb" dir="cw">
-                                      <p:cBhvr override="childStyle">
-                                        <p:cTn dur="1" fill="hold" display="0" masterRel="nextClick" afterEffect="1"/>
-                                        <p:tgtEl>
-                                          <p:spTgt spid="4"/>
-                                        </p:tgtEl>
-                                        <p:attrNameLst>
-                                          <p:attrName>ppt_c</p:attrName>
-                                        </p:attrNameLst>
-                                      </p:cBhvr>
-                                      <p:to>
-                                        <a:srgbClr val="424242"/>
-                                      </p:to>
-                                    </p:animClr>
-                                  </p:subTnLst>
-                                </p:cTn>
-                              </p:par>
-                            </p:childTnLst>
-                          </p:cTn>
-                        </p:par>
-                      </p:childTnLst>
-                    </p:cTn>
-                  </p:par>
-                  <p:par>
-                    <p:cTn id="7" fill="hold">
-                      <p:stCondLst>
-                        <p:cond delay="indefinite"/>
-                      </p:stCondLst>
-                      <p:childTnLst>
-                        <p:par>
-                          <p:cTn id="8" fill="hold">
-                            <p:stCondLst>
-                              <p:cond delay="0"/>
-                            </p:stCondLst>
-                            <p:childTnLst>
-                              <p:par>
-                                <p:cTn id="9" presetID="1" presetClass="entr" presetSubtype="0" fill="hold" nodeType="clickEffect">
-                                  <p:stCondLst>
-                                    <p:cond delay="0"/>
-                                  </p:stCondLst>
-                                  <p:childTnLst>
-                                    <p:set>
-                                      <p:cBhvr>
-                                        <p:cTn id="10" dur="1" fill="hold">
-                                          <p:stCondLst>
-                                            <p:cond delay="0"/>
-                                          </p:stCondLst>
-                                        </p:cTn>
-                                        <p:tgtEl>
-                                          <p:spTgt spid="10"/>
-                                        </p:tgtEl>
-                                        <p:attrNameLst>
-                                          <p:attrName>style.visibility</p:attrName>
-                                        </p:attrNameLst>
-                                      </p:cBhvr>
-                                      <p:to>
-                                        <p:strVal val="visible"/>
-                                      </p:to>
-                                    </p:set>
-                                  </p:childTnLst>
-                                  <p:subTnLst>
-                                    <p:animClr clrSpc="rgb" dir="cw">
-                                      <p:cBhvr override="childStyle">
-                                        <p:cTn dur="1" fill="hold" display="0" masterRel="nextClick" afterEffect="1"/>
-                                        <p:tgtEl>
-                                          <p:spTgt spid="10"/>
-                                        </p:tgtEl>
-                                        <p:attrNameLst>
-                                          <p:attrName>ppt_c</p:attrName>
-                                        </p:attrNameLst>
-                                      </p:cBhvr>
-                                      <p:to>
-                                        <a:srgbClr val="424242"/>
-                                      </p:to>
-                                    </p:animClr>
-                                  </p:subTnLst>
-                                </p:cTn>
-                              </p:par>
-                            </p:childTnLst>
-                          </p:cTn>
-                        </p:par>
-                      </p:childTnLst>
-                    </p:cTn>
-                  </p:par>
-                  <p:par>
-                    <p:cTn id="11" fill="hold">
-                      <p:stCondLst>
-                        <p:cond delay="indefinite"/>
-                      </p:stCondLst>
-                      <p:childTnLst>
-                        <p:par>
-                          <p:cTn id="12" fill="hold">
-                            <p:stCondLst>
-                              <p:cond delay="0"/>
-                            </p:stCondLst>
-                            <p:childTnLst>
-                              <p:par>
-                                <p:cTn id="13" presetID="1" presetClass="entr" presetSubtype="0" fill="hold" nodeType="clickEffect">
-                                  <p:stCondLst>
-                                    <p:cond delay="0"/>
-                                  </p:stCondLst>
-                                  <p:childTnLst>
-                                    <p:set>
-                                      <p:cBhvr>
-                                        <p:cTn id="14" dur="1" fill="hold">
-                                          <p:stCondLst>
-                                            <p:cond delay="0"/>
-                                          </p:stCondLst>
-                                        </p:cTn>
-                                        <p:tgtEl>
-                                          <p:spTgt spid="11"/>
-                                        </p:tgtEl>
-                                        <p:attrNameLst>
-                                          <p:attrName>style.visibility</p:attrName>
-                                        </p:attrNameLst>
-                                      </p:cBhvr>
-                                      <p:to>
-                                        <p:strVal val="visible"/>
-                                      </p:to>
-                                    </p:set>
-                                  </p:childTnLst>
-                                  <p:subTnLst>
-                                    <p:animClr clrSpc="rgb" dir="cw">
-                                      <p:cBhvr override="childStyle">
-                                        <p:cTn dur="1" fill="hold" display="0" masterRel="nextClick" afterEffect="1"/>
-                                        <p:tgtEl>
-                                          <p:spTgt spid="11"/>
-                                        </p:tgtEl>
-                                        <p:attrNameLst>
-                                          <p:attrName>ppt_c</p:attrName>
-                                        </p:attrNameLst>
-                                      </p:cBhvr>
-                                      <p:to>
-                                        <a:srgbClr val="424242"/>
-                                      </p:to>
-                                    </p:animClr>
-                                  </p:subTnLst>
-                                </p:cTn>
-                              </p:par>
-                            </p:childTnLst>
-                          </p:cTn>
-                        </p:par>
-                      </p:childTnLst>
-                    </p:cTn>
-                  </p:par>
-                  <p:par>
-                    <p:cTn id="15" fill="hold">
-                      <p:stCondLst>
-                        <p:cond delay="indefinite"/>
-                      </p:stCondLst>
-                      <p:childTnLst>
-                        <p:par>
-                          <p:cTn id="16" fill="hold">
-                            <p:stCondLst>
-                              <p:cond delay="0"/>
-                            </p:stCondLst>
-                            <p:childTnLst>
-                              <p:par>
-                                <p:cTn id="17" presetID="1" presetClass="entr" presetSubtype="0" fill="hold" nodeType="clickEffect">
-                                  <p:stCondLst>
-                                    <p:cond delay="0"/>
-                                  </p:stCondLst>
-                                  <p:childTnLst>
-                                    <p:set>
-                                      <p:cBhvr>
-                                        <p:cTn id="18" dur="1" fill="hold">
-                                          <p:stCondLst>
-                                            <p:cond delay="0"/>
-                                          </p:stCondLst>
-                                        </p:cTn>
-                                        <p:tgtEl>
-                                          <p:spTgt spid="12"/>
-                                        </p:tgtEl>
-                                        <p:attrNameLst>
-                                          <p:attrName>style.visibility</p:attrName>
-                                        </p:attrNameLst>
-                                      </p:cBhvr>
-                                      <p:to>
-                                        <p:strVal val="visible"/>
-                                      </p:to>
-                                    </p:set>
-                                  </p:childTnLst>
-                                  <p:subTnLst>
-                                    <p:animClr clrSpc="rgb" dir="cw">
-                                      <p:cBhvr override="childStyle">
-                                        <p:cTn dur="1" fill="hold" display="0" masterRel="nextClick" afterEffect="1"/>
-                                        <p:tgtEl>
-                                          <p:spTgt spid="12"/>
-                                        </p:tgtEl>
-                                        <p:attrNameLst>
-                                          <p:attrName>ppt_c</p:attrName>
-                                        </p:attrNameLst>
-                                      </p:cBhvr>
-                                      <p:to>
-                                        <a:srgbClr val="424242"/>
-                                      </p:to>
-                                    </p:animClr>
-                                  </p:subTnLst>
-                                </p:cTn>
-                              </p:par>
-                            </p:childTnLst>
-                          </p:cTn>
-                        </p:par>
-                      </p:childTnLst>
-                    </p:cTn>
-                  </p:par>
-                </p:childTnLst>
-              </p:cTn>
-              <p:prevCondLst>
-                <p:cond evt="onPrev" delay="0">
-                  <p:tgtEl>
-                    <p:sldTgt/>
-                  </p:tgtEl>
-                </p:cond>
-              </p:prevCondLst>
-              <p:nextCondLst>
-                <p:cond evt="onNext" delay="0">
-                  <p:tgtEl>
-                    <p:sldTgt/>
-                  </p:tgtEl>
-                </p:cond>
-              </p:nextCondLst>
-            </p:seq>
-          </p:childTnLst>
-        </p:cTn>
+        <p:cTn id="1" dur="indefinite" restart="never" nodeType="tmRoot"/>
       </p:par>
     </p:tnLst>
   </p:timing>
 </p:sld>
 </file>
 
-<file path=ppt/slides/slide33.xml><?xml version="1.0" encoding="utf-8"?>
+<file path=ppt/slides/slide38.xml><?xml version="1.0" encoding="utf-8"?>
 <p:sld xmlns:a="http://schemas.openxmlformats.org/drawingml/2006/main" xmlns:r="http://schemas.openxmlformats.org/officeDocument/2006/relationships" xmlns:p="http://schemas.openxmlformats.org/presentationml/2006/main">
   <p:cSld>
     <p:spTree>
@@ -13800,7 +14426,7 @@
             <a:fld id="{03CBEB89-E47E-4106-9DE1-9B407DF8E52F}" type="slidenum">
               <a:rPr lang="en-US" smtClean="0"/>
               <a:pPr/>
-              <a:t>33</a:t>
+              <a:t>38</a:t>
             </a:fld>
             <a:endParaRPr lang="en-US"/>
           </a:p>
@@ -13834,7 +14460,7 @@
 </p:sld>
 </file>
 
-<file path=ppt/slides/slide34.xml><?xml version="1.0" encoding="utf-8"?>
+<file path=ppt/slides/slide39.xml><?xml version="1.0" encoding="utf-8"?>
 <p:sld xmlns:a="http://schemas.openxmlformats.org/drawingml/2006/main" xmlns:r="http://schemas.openxmlformats.org/officeDocument/2006/relationships" xmlns:p="http://schemas.openxmlformats.org/presentationml/2006/main">
   <p:cSld>
     <p:spTree>
@@ -13853,38 +14479,6 @@
       </p:grpSpPr>
       <p:sp>
         <p:nvSpPr>
-          <p:cNvPr id="5" name="Title 4"/>
-          <p:cNvSpPr>
-            <a:spLocks noGrp="1"/>
-          </p:cNvSpPr>
-          <p:nvPr>
-            <p:ph type="title" idx="4294967295"/>
-          </p:nvPr>
-        </p:nvSpPr>
-        <p:spPr>
-          <a:xfrm>
-            <a:off x="838200" y="416719"/>
-            <a:ext cx="10515600" cy="1325563"/>
-          </a:xfrm>
-        </p:spPr>
-        <p:txBody>
-          <a:bodyPr/>
-          <a:lstStyle/>
-          <a:p>
-            <a:r>
-              <a:rPr lang="en-US" dirty="0" smtClean="0"/>
-              <a:t>BE – </a:t>
-            </a:r>
-            <a:r>
-              <a:rPr lang="en-US" dirty="0" smtClean="0"/>
-              <a:t>KNOW – DO</a:t>
-            </a:r>
-            <a:endParaRPr lang="en-US" dirty="0"/>
-          </a:p>
-        </p:txBody>
-      </p:sp>
-      <p:sp>
-        <p:nvSpPr>
           <p:cNvPr id="3" name="Slide Number Placeholder 2"/>
           <p:cNvSpPr>
             <a:spLocks noGrp="1"/>
@@ -13906,9 +14500,326 @@
             <a:fld id="{03CBEB89-E47E-4106-9DE1-9B407DF8E52F}" type="slidenum">
               <a:rPr lang="en-US" smtClean="0"/>
               <a:pPr/>
-              <a:t>34</a:t>
+              <a:t>39</a:t>
             </a:fld>
             <a:endParaRPr lang="en-US"/>
+          </a:p>
+        </p:txBody>
+      </p:sp>
+      <p:sp>
+        <p:nvSpPr>
+          <p:cNvPr id="16" name="Content Placeholder 5"/>
+          <p:cNvSpPr txBox="1">
+            <a:spLocks/>
+          </p:cNvSpPr>
+          <p:nvPr/>
+        </p:nvSpPr>
+        <p:spPr>
+          <a:xfrm>
+            <a:off x="1664610" y="560441"/>
+            <a:ext cx="9883588" cy="1526776"/>
+          </a:xfrm>
+          <a:prstGeom prst="rect">
+            <a:avLst/>
+          </a:prstGeom>
+        </p:spPr>
+        <p:txBody>
+          <a:bodyPr anchor="t"/>
+          <a:lstStyle>
+            <a:lvl1pPr marL="228600" indent="-228600" algn="l" defTabSz="914400" rtl="0" eaLnBrk="1" latinLnBrk="0" hangingPunct="1">
+              <a:lnSpc>
+                <a:spcPct val="90000"/>
+              </a:lnSpc>
+              <a:spcBef>
+                <a:spcPts val="1000"/>
+              </a:spcBef>
+              <a:buFont typeface="Arial" panose="020B0604020202020204" pitchFamily="34" charset="0"/>
+              <a:buChar char="•"/>
+              <a:defRPr sz="2800" kern="1200">
+                <a:solidFill>
+                  <a:schemeClr val="bg1"/>
+                </a:solidFill>
+                <a:latin typeface="Courier" charset="0"/>
+                <a:ea typeface="Courier" charset="0"/>
+                <a:cs typeface="Courier" charset="0"/>
+              </a:defRPr>
+            </a:lvl1pPr>
+            <a:lvl2pPr marL="685800" indent="-228600" algn="l" defTabSz="914400" rtl="0" eaLnBrk="1" latinLnBrk="0" hangingPunct="1">
+              <a:lnSpc>
+                <a:spcPct val="90000"/>
+              </a:lnSpc>
+              <a:spcBef>
+                <a:spcPts val="500"/>
+              </a:spcBef>
+              <a:buFont typeface="Arial" panose="020B0604020202020204" pitchFamily="34" charset="0"/>
+              <a:buChar char="•"/>
+              <a:defRPr sz="2400" kern="1200">
+                <a:solidFill>
+                  <a:schemeClr val="bg1"/>
+                </a:solidFill>
+                <a:latin typeface="Courier" charset="0"/>
+                <a:ea typeface="Courier" charset="0"/>
+                <a:cs typeface="Courier" charset="0"/>
+              </a:defRPr>
+            </a:lvl2pPr>
+            <a:lvl3pPr marL="1143000" indent="-228600" algn="l" defTabSz="914400" rtl="0" eaLnBrk="1" latinLnBrk="0" hangingPunct="1">
+              <a:lnSpc>
+                <a:spcPct val="90000"/>
+              </a:lnSpc>
+              <a:spcBef>
+                <a:spcPts val="500"/>
+              </a:spcBef>
+              <a:buFont typeface="Arial" panose="020B0604020202020204" pitchFamily="34" charset="0"/>
+              <a:buChar char="•"/>
+              <a:defRPr sz="2000" kern="1200">
+                <a:solidFill>
+                  <a:schemeClr val="bg1"/>
+                </a:solidFill>
+                <a:latin typeface="Courier" charset="0"/>
+                <a:ea typeface="Courier" charset="0"/>
+                <a:cs typeface="Courier" charset="0"/>
+              </a:defRPr>
+            </a:lvl3pPr>
+            <a:lvl4pPr marL="1600200" indent="-228600" algn="l" defTabSz="914400" rtl="0" eaLnBrk="1" latinLnBrk="0" hangingPunct="1">
+              <a:lnSpc>
+                <a:spcPct val="90000"/>
+              </a:lnSpc>
+              <a:spcBef>
+                <a:spcPts val="500"/>
+              </a:spcBef>
+              <a:buFont typeface="Arial" panose="020B0604020202020204" pitchFamily="34" charset="0"/>
+              <a:buChar char="•"/>
+              <a:defRPr sz="1800" kern="1200">
+                <a:solidFill>
+                  <a:schemeClr val="bg1"/>
+                </a:solidFill>
+                <a:latin typeface="Courier" charset="0"/>
+                <a:ea typeface="Courier" charset="0"/>
+                <a:cs typeface="Courier" charset="0"/>
+              </a:defRPr>
+            </a:lvl4pPr>
+            <a:lvl5pPr marL="2057400" indent="-228600" algn="l" defTabSz="914400" rtl="0" eaLnBrk="1" latinLnBrk="0" hangingPunct="1">
+              <a:lnSpc>
+                <a:spcPct val="90000"/>
+              </a:lnSpc>
+              <a:spcBef>
+                <a:spcPts val="500"/>
+              </a:spcBef>
+              <a:buFont typeface="Arial" panose="020B0604020202020204" pitchFamily="34" charset="0"/>
+              <a:buChar char="•"/>
+              <a:defRPr sz="1800" kern="1200">
+                <a:solidFill>
+                  <a:schemeClr val="bg1"/>
+                </a:solidFill>
+                <a:latin typeface="Courier" charset="0"/>
+                <a:ea typeface="Courier" charset="0"/>
+                <a:cs typeface="Courier" charset="0"/>
+              </a:defRPr>
+            </a:lvl5pPr>
+            <a:lvl6pPr marL="2514600" indent="-228600" algn="l" defTabSz="914400" rtl="0" eaLnBrk="1" latinLnBrk="0" hangingPunct="1">
+              <a:lnSpc>
+                <a:spcPct val="90000"/>
+              </a:lnSpc>
+              <a:spcBef>
+                <a:spcPts val="500"/>
+              </a:spcBef>
+              <a:buFont typeface="Arial" panose="020B0604020202020204" pitchFamily="34" charset="0"/>
+              <a:buChar char="•"/>
+              <a:defRPr sz="1800" kern="1200">
+                <a:solidFill>
+                  <a:schemeClr val="tx1"/>
+                </a:solidFill>
+                <a:latin typeface="+mn-lt"/>
+                <a:ea typeface="+mn-ea"/>
+                <a:cs typeface="+mn-cs"/>
+              </a:defRPr>
+            </a:lvl6pPr>
+            <a:lvl7pPr marL="2971800" indent="-228600" algn="l" defTabSz="914400" rtl="0" eaLnBrk="1" latinLnBrk="0" hangingPunct="1">
+              <a:lnSpc>
+                <a:spcPct val="90000"/>
+              </a:lnSpc>
+              <a:spcBef>
+                <a:spcPts val="500"/>
+              </a:spcBef>
+              <a:buFont typeface="Arial" panose="020B0604020202020204" pitchFamily="34" charset="0"/>
+              <a:buChar char="•"/>
+              <a:defRPr sz="1800" kern="1200">
+                <a:solidFill>
+                  <a:schemeClr val="tx1"/>
+                </a:solidFill>
+                <a:latin typeface="+mn-lt"/>
+                <a:ea typeface="+mn-ea"/>
+                <a:cs typeface="+mn-cs"/>
+              </a:defRPr>
+            </a:lvl7pPr>
+            <a:lvl8pPr marL="3429000" indent="-228600" algn="l" defTabSz="914400" rtl="0" eaLnBrk="1" latinLnBrk="0" hangingPunct="1">
+              <a:lnSpc>
+                <a:spcPct val="90000"/>
+              </a:lnSpc>
+              <a:spcBef>
+                <a:spcPts val="500"/>
+              </a:spcBef>
+              <a:buFont typeface="Arial" panose="020B0604020202020204" pitchFamily="34" charset="0"/>
+              <a:buChar char="•"/>
+              <a:defRPr sz="1800" kern="1200">
+                <a:solidFill>
+                  <a:schemeClr val="tx1"/>
+                </a:solidFill>
+                <a:latin typeface="+mn-lt"/>
+                <a:ea typeface="+mn-ea"/>
+                <a:cs typeface="+mn-cs"/>
+              </a:defRPr>
+            </a:lvl8pPr>
+            <a:lvl9pPr marL="3886200" indent="-228600" algn="l" defTabSz="914400" rtl="0" eaLnBrk="1" latinLnBrk="0" hangingPunct="1">
+              <a:lnSpc>
+                <a:spcPct val="90000"/>
+              </a:lnSpc>
+              <a:spcBef>
+                <a:spcPts val="500"/>
+              </a:spcBef>
+              <a:buFont typeface="Arial" panose="020B0604020202020204" pitchFamily="34" charset="0"/>
+              <a:buChar char="•"/>
+              <a:defRPr sz="1800" kern="1200">
+                <a:solidFill>
+                  <a:schemeClr val="tx1"/>
+                </a:solidFill>
+                <a:latin typeface="+mn-lt"/>
+                <a:ea typeface="+mn-ea"/>
+                <a:cs typeface="+mn-cs"/>
+              </a:defRPr>
+            </a:lvl9pPr>
+          </a:lstStyle>
+          <a:p>
+            <a:pPr>
+              <a:lnSpc>
+                <a:spcPct val="100000"/>
+              </a:lnSpc>
+              <a:spcBef>
+                <a:spcPts val="0"/>
+              </a:spcBef>
+            </a:pPr>
+            <a:r>
+              <a:rPr lang="en-US" sz="2400" dirty="0" smtClean="0"/>
+              <a:t>a </a:t>
+            </a:r>
+            <a:r>
+              <a:rPr lang="en-US" sz="2400" dirty="0" smtClean="0"/>
+              <a:t>servant-leader</a:t>
+            </a:r>
+          </a:p>
+          <a:p>
+            <a:pPr>
+              <a:lnSpc>
+                <a:spcPct val="100000"/>
+              </a:lnSpc>
+              <a:spcBef>
+                <a:spcPts val="0"/>
+              </a:spcBef>
+            </a:pPr>
+            <a:r>
+              <a:rPr lang="en-US" sz="2400" dirty="0" smtClean="0"/>
+              <a:t>an </a:t>
+            </a:r>
+            <a:r>
+              <a:rPr lang="en-US" sz="2400" dirty="0" smtClean="0"/>
+              <a:t>adaptive learner</a:t>
+            </a:r>
+          </a:p>
+          <a:p>
+            <a:pPr>
+              <a:lnSpc>
+                <a:spcPct val="100000"/>
+              </a:lnSpc>
+              <a:spcBef>
+                <a:spcPts val="0"/>
+              </a:spcBef>
+            </a:pPr>
+            <a:r>
+              <a:rPr lang="en-US" sz="2400" dirty="0" smtClean="0"/>
+              <a:t>a </a:t>
+            </a:r>
+            <a:r>
+              <a:rPr lang="en-US" sz="2400" dirty="0" smtClean="0"/>
+              <a:t>creative </a:t>
+            </a:r>
+            <a:r>
+              <a:rPr lang="en-US" sz="2400" dirty="0" smtClean="0"/>
+              <a:t>thinker</a:t>
+            </a:r>
+          </a:p>
+          <a:p>
+            <a:pPr>
+              <a:lnSpc>
+                <a:spcPct val="100000"/>
+              </a:lnSpc>
+              <a:spcBef>
+                <a:spcPts val="0"/>
+              </a:spcBef>
+            </a:pPr>
+            <a:r>
+              <a:rPr lang="en-US" sz="2400" dirty="0" smtClean="0"/>
+              <a:t>a </a:t>
+            </a:r>
+            <a:r>
+              <a:rPr lang="en-US" sz="2400" dirty="0" smtClean="0"/>
+              <a:t>global communicator</a:t>
+            </a:r>
+            <a:endParaRPr lang="en-US" sz="2400" b="1" u="sng" dirty="0"/>
+          </a:p>
+          <a:p>
+            <a:pPr>
+              <a:lnSpc>
+                <a:spcPct val="100000"/>
+              </a:lnSpc>
+              <a:spcBef>
+                <a:spcPts val="0"/>
+              </a:spcBef>
+            </a:pPr>
+            <a:endParaRPr lang="en-US" sz="2400" dirty="0"/>
+          </a:p>
+        </p:txBody>
+      </p:sp>
+      <p:sp>
+        <p:nvSpPr>
+          <p:cNvPr id="4" name="TextBox 3"/>
+          <p:cNvSpPr txBox="1"/>
+          <p:nvPr/>
+        </p:nvSpPr>
+        <p:spPr>
+          <a:xfrm>
+            <a:off x="152400" y="969886"/>
+            <a:ext cx="1414732" cy="707886"/>
+          </a:xfrm>
+          <a:prstGeom prst="rect">
+            <a:avLst/>
+          </a:prstGeom>
+          <a:noFill/>
+        </p:spPr>
+        <p:txBody>
+          <a:bodyPr wrap="square" rtlCol="0">
+            <a:spAutoFit/>
+          </a:bodyPr>
+          <a:lstStyle/>
+          <a:p>
+            <a:r>
+              <a:rPr lang="en-US" sz="4000" dirty="0" smtClean="0">
+                <a:solidFill>
+                  <a:schemeClr val="bg1"/>
+                </a:solidFill>
+                <a:latin typeface="Courier" charset="0"/>
+                <a:ea typeface="Courier" charset="0"/>
+                <a:cs typeface="Courier" charset="0"/>
+              </a:rPr>
+              <a:t>BE</a:t>
+            </a:r>
+            <a:endParaRPr lang="en-US" sz="4000" dirty="0">
+              <a:solidFill>
+                <a:schemeClr val="bg1"/>
+              </a:solidFill>
+              <a:latin typeface="Courier" charset="0"/>
+              <a:ea typeface="Courier" charset="0"/>
+              <a:cs typeface="Courier" charset="0"/>
+            </a:endParaRPr>
           </a:p>
         </p:txBody>
       </p:sp>
@@ -13922,8 +14833,8 @@
         </p:nvSpPr>
         <p:spPr>
           <a:xfrm>
-            <a:off x="838200" y="3184367"/>
-            <a:ext cx="9883588" cy="1585079"/>
+            <a:off x="1664609" y="2383123"/>
+            <a:ext cx="10310291" cy="1559979"/>
           </a:xfrm>
           <a:prstGeom prst="rect">
             <a:avLst/>
@@ -14105,12 +15016,12 @@
               </a:spcBef>
             </a:pPr>
             <a:r>
-              <a:rPr lang="en-US" sz="2000" b="1" u="sng" dirty="0" smtClean="0"/>
-              <a:t>Know</a:t>
-            </a:r>
-            <a:r>
-              <a:rPr lang="en-US" sz="2000" dirty="0" smtClean="0"/>
-              <a:t> yourself and seek self improvement</a:t>
+              <a:rPr lang="en-US" sz="2400" dirty="0" smtClean="0"/>
+              <a:t>yourself </a:t>
+            </a:r>
+            <a:r>
+              <a:rPr lang="en-US" sz="2400" dirty="0" smtClean="0"/>
+              <a:t>and seek self improvement</a:t>
             </a:r>
           </a:p>
           <a:p>
@@ -14123,12 +15034,12 @@
               </a:spcBef>
             </a:pPr>
             <a:r>
-              <a:rPr lang="en-US" sz="2000" b="1" u="sng" dirty="0" smtClean="0"/>
-              <a:t>Know</a:t>
-            </a:r>
-            <a:r>
-              <a:rPr lang="en-US" sz="2000" dirty="0" smtClean="0"/>
-              <a:t> your people and help them achieve their potential</a:t>
+              <a:rPr lang="en-US" sz="2400" dirty="0" smtClean="0"/>
+              <a:t>your </a:t>
+            </a:r>
+            <a:r>
+              <a:rPr lang="en-US" sz="2400" dirty="0" smtClean="0"/>
+              <a:t>people and help them achieve their potential</a:t>
             </a:r>
           </a:p>
           <a:p>
@@ -14141,12 +15052,12 @@
               </a:spcBef>
             </a:pPr>
             <a:r>
-              <a:rPr lang="en-US" sz="2000" b="1" u="sng" dirty="0" smtClean="0"/>
-              <a:t>Know</a:t>
-            </a:r>
-            <a:r>
-              <a:rPr lang="en-US" sz="2000" dirty="0" smtClean="0"/>
-              <a:t> the doctrine, and know when to be constrained by it</a:t>
+              <a:rPr lang="en-US" sz="2400" dirty="0" smtClean="0"/>
+              <a:t>the </a:t>
+            </a:r>
+            <a:r>
+              <a:rPr lang="en-US" sz="2400" dirty="0" smtClean="0"/>
+              <a:t>doctrine, and know when to be constrained by it</a:t>
             </a:r>
           </a:p>
           <a:p>
@@ -14159,14 +15070,58 @@
               </a:spcBef>
             </a:pPr>
             <a:r>
-              <a:rPr lang="en-US" sz="2000" b="1" u="sng" dirty="0" smtClean="0"/>
-              <a:t>Know</a:t>
-            </a:r>
-            <a:r>
-              <a:rPr lang="en-US" sz="2000" dirty="0" smtClean="0"/>
-              <a:t> your profession, contribute to it, and develop with it</a:t>
-            </a:r>
-            <a:endParaRPr lang="en-US" sz="2000" b="1" u="sng" dirty="0"/>
+              <a:rPr lang="en-US" sz="2400" dirty="0" smtClean="0"/>
+              <a:t>your </a:t>
+            </a:r>
+            <a:r>
+              <a:rPr lang="en-US" sz="2400" dirty="0" smtClean="0"/>
+              <a:t>profession, contribute to it, and develop with it</a:t>
+            </a:r>
+            <a:endParaRPr lang="en-US" sz="2400" b="1" u="sng" dirty="0"/>
+          </a:p>
+        </p:txBody>
+      </p:sp>
+      <p:sp>
+        <p:nvSpPr>
+          <p:cNvPr id="9" name="TextBox 8"/>
+          <p:cNvSpPr txBox="1"/>
+          <p:nvPr/>
+        </p:nvSpPr>
+        <p:spPr>
+          <a:xfrm>
+            <a:off x="152400" y="2809169"/>
+            <a:ext cx="1414732" cy="707886"/>
+          </a:xfrm>
+          <a:prstGeom prst="rect">
+            <a:avLst/>
+          </a:prstGeom>
+          <a:noFill/>
+        </p:spPr>
+        <p:txBody>
+          <a:bodyPr wrap="square" rtlCol="0">
+            <a:spAutoFit/>
+          </a:bodyPr>
+          <a:lstStyle/>
+          <a:p>
+            <a:r>
+              <a:rPr lang="en-US" sz="4000" dirty="0" smtClean="0">
+                <a:solidFill>
+                  <a:schemeClr val="bg1"/>
+                </a:solidFill>
+                <a:latin typeface="Courier" charset="0"/>
+                <a:ea typeface="Courier" charset="0"/>
+                <a:cs typeface="Courier" charset="0"/>
+              </a:rPr>
+              <a:t>KNOW</a:t>
+            </a:r>
+            <a:endParaRPr lang="en-US" sz="4000" dirty="0">
+              <a:solidFill>
+                <a:schemeClr val="bg1"/>
+              </a:solidFill>
+              <a:latin typeface="Courier" charset="0"/>
+              <a:ea typeface="Courier" charset="0"/>
+              <a:cs typeface="Courier" charset="0"/>
+            </a:endParaRPr>
           </a:p>
         </p:txBody>
       </p:sp>
@@ -14180,8 +15135,8 @@
         </p:nvSpPr>
         <p:spPr>
           <a:xfrm>
-            <a:off x="838200" y="4688038"/>
-            <a:ext cx="8331200" cy="1336246"/>
+            <a:off x="1664608" y="4138934"/>
+            <a:ext cx="8331200" cy="1645640"/>
           </a:xfrm>
           <a:prstGeom prst="rect">
             <a:avLst/>
@@ -14363,12 +15318,12 @@
               </a:spcBef>
             </a:pPr>
             <a:r>
-              <a:rPr lang="en-US" sz="2000" b="1" u="sng" dirty="0" smtClean="0"/>
-              <a:t>Do</a:t>
-            </a:r>
-            <a:r>
-              <a:rPr lang="en-US" sz="2000" dirty="0" smtClean="0"/>
-              <a:t> the right things right</a:t>
+              <a:rPr lang="en-US" sz="2400" dirty="0" smtClean="0"/>
+              <a:t>the </a:t>
+            </a:r>
+            <a:r>
+              <a:rPr lang="en-US" sz="2400" dirty="0" smtClean="0"/>
+              <a:t>right things right</a:t>
             </a:r>
           </a:p>
           <a:p>
@@ -14381,12 +15336,12 @@
               </a:spcBef>
             </a:pPr>
             <a:r>
-              <a:rPr lang="en-US" sz="2000" b="1" u="sng" dirty="0" smtClean="0"/>
-              <a:t>Do</a:t>
-            </a:r>
-            <a:r>
-              <a:rPr lang="en-US" sz="2000" dirty="0" smtClean="0"/>
-              <a:t> provide a clear, actionable vision</a:t>
+              <a:rPr lang="en-US" sz="2400" dirty="0" smtClean="0"/>
+              <a:t>provide </a:t>
+            </a:r>
+            <a:r>
+              <a:rPr lang="en-US" sz="2400" dirty="0" smtClean="0"/>
+              <a:t>a clear, actionable vision</a:t>
             </a:r>
           </a:p>
           <a:p>
@@ -14399,12 +15354,12 @@
               </a:spcBef>
             </a:pPr>
             <a:r>
-              <a:rPr lang="en-US" sz="2000" b="1" u="sng" dirty="0" smtClean="0"/>
-              <a:t>Do</a:t>
-            </a:r>
-            <a:r>
-              <a:rPr lang="en-US" sz="2000" dirty="0" smtClean="0"/>
-              <a:t> make timely decisions</a:t>
+              <a:rPr lang="en-US" sz="2400" dirty="0" smtClean="0"/>
+              <a:t>make </a:t>
+            </a:r>
+            <a:r>
+              <a:rPr lang="en-US" sz="2400" dirty="0" smtClean="0"/>
+              <a:t>timely decisions</a:t>
             </a:r>
           </a:p>
           <a:p>
@@ -14417,14 +15372,14 @@
               </a:spcBef>
             </a:pPr>
             <a:r>
-              <a:rPr lang="en-US" sz="2000" b="1" u="sng" dirty="0" smtClean="0"/>
-              <a:t>Do</a:t>
-            </a:r>
-            <a:r>
-              <a:rPr lang="en-US" sz="2000" dirty="0" smtClean="0"/>
-              <a:t> maintain balance and moderation</a:t>
-            </a:r>
-            <a:endParaRPr lang="en-US" sz="2000" b="1" u="sng" dirty="0" smtClean="0"/>
+              <a:rPr lang="en-US" sz="2400" dirty="0" smtClean="0"/>
+              <a:t>maintain </a:t>
+            </a:r>
+            <a:r>
+              <a:rPr lang="en-US" sz="2400" dirty="0" smtClean="0"/>
+              <a:t>balance and moderation</a:t>
+            </a:r>
+            <a:endParaRPr lang="en-US" sz="2400" b="1" u="sng" dirty="0" smtClean="0"/>
           </a:p>
           <a:p>
             <a:pPr>
@@ -14435,276 +15390,51 @@
                 <a:spcPts val="0"/>
               </a:spcBef>
             </a:pPr>
-            <a:endParaRPr lang="en-US" sz="2000" dirty="0"/>
-          </a:p>
-        </p:txBody>
-      </p:sp>
-      <p:sp>
-        <p:nvSpPr>
-          <p:cNvPr id="16" name="Content Placeholder 5"/>
-          <p:cNvSpPr txBox="1">
-            <a:spLocks/>
-          </p:cNvSpPr>
+            <a:endParaRPr lang="en-US" sz="2400" dirty="0"/>
+          </a:p>
+        </p:txBody>
+      </p:sp>
+      <p:sp>
+        <p:nvSpPr>
+          <p:cNvPr id="10" name="TextBox 9"/>
+          <p:cNvSpPr txBox="1"/>
           <p:nvPr/>
         </p:nvSpPr>
         <p:spPr>
           <a:xfrm>
-            <a:off x="838200" y="1765946"/>
-            <a:ext cx="9883588" cy="1092689"/>
+            <a:off x="152400" y="4607811"/>
+            <a:ext cx="1414732" cy="707886"/>
           </a:xfrm>
           <a:prstGeom prst="rect">
             <a:avLst/>
           </a:prstGeom>
+          <a:noFill/>
         </p:spPr>
         <p:txBody>
-          <a:bodyPr anchor="t"/>
-          <a:lstStyle>
-            <a:lvl1pPr marL="228600" indent="-228600" algn="l" defTabSz="914400" rtl="0" eaLnBrk="1" latinLnBrk="0" hangingPunct="1">
-              <a:lnSpc>
-                <a:spcPct val="90000"/>
-              </a:lnSpc>
-              <a:spcBef>
-                <a:spcPts val="1000"/>
-              </a:spcBef>
-              <a:buFont typeface="Arial" panose="020B0604020202020204" pitchFamily="34" charset="0"/>
-              <a:buChar char="•"/>
-              <a:defRPr sz="2800" kern="1200">
+          <a:bodyPr wrap="square" rtlCol="0">
+            <a:spAutoFit/>
+          </a:bodyPr>
+          <a:lstStyle/>
+          <a:p>
+            <a:r>
+              <a:rPr lang="en-US" sz="4000" dirty="0" smtClean="0">
                 <a:solidFill>
                   <a:schemeClr val="bg1"/>
                 </a:solidFill>
                 <a:latin typeface="Courier" charset="0"/>
                 <a:ea typeface="Courier" charset="0"/>
                 <a:cs typeface="Courier" charset="0"/>
-              </a:defRPr>
-            </a:lvl1pPr>
-            <a:lvl2pPr marL="685800" indent="-228600" algn="l" defTabSz="914400" rtl="0" eaLnBrk="1" latinLnBrk="0" hangingPunct="1">
-              <a:lnSpc>
-                <a:spcPct val="90000"/>
-              </a:lnSpc>
-              <a:spcBef>
-                <a:spcPts val="500"/>
-              </a:spcBef>
-              <a:buFont typeface="Arial" panose="020B0604020202020204" pitchFamily="34" charset="0"/>
-              <a:buChar char="•"/>
-              <a:defRPr sz="2400" kern="1200">
-                <a:solidFill>
-                  <a:schemeClr val="bg1"/>
-                </a:solidFill>
-                <a:latin typeface="Courier" charset="0"/>
-                <a:ea typeface="Courier" charset="0"/>
-                <a:cs typeface="Courier" charset="0"/>
-              </a:defRPr>
-            </a:lvl2pPr>
-            <a:lvl3pPr marL="1143000" indent="-228600" algn="l" defTabSz="914400" rtl="0" eaLnBrk="1" latinLnBrk="0" hangingPunct="1">
-              <a:lnSpc>
-                <a:spcPct val="90000"/>
-              </a:lnSpc>
-              <a:spcBef>
-                <a:spcPts val="500"/>
-              </a:spcBef>
-              <a:buFont typeface="Arial" panose="020B0604020202020204" pitchFamily="34" charset="0"/>
-              <a:buChar char="•"/>
-              <a:defRPr sz="2000" kern="1200">
-                <a:solidFill>
-                  <a:schemeClr val="bg1"/>
-                </a:solidFill>
-                <a:latin typeface="Courier" charset="0"/>
-                <a:ea typeface="Courier" charset="0"/>
-                <a:cs typeface="Courier" charset="0"/>
-              </a:defRPr>
-            </a:lvl3pPr>
-            <a:lvl4pPr marL="1600200" indent="-228600" algn="l" defTabSz="914400" rtl="0" eaLnBrk="1" latinLnBrk="0" hangingPunct="1">
-              <a:lnSpc>
-                <a:spcPct val="90000"/>
-              </a:lnSpc>
-              <a:spcBef>
-                <a:spcPts val="500"/>
-              </a:spcBef>
-              <a:buFont typeface="Arial" panose="020B0604020202020204" pitchFamily="34" charset="0"/>
-              <a:buChar char="•"/>
-              <a:defRPr sz="1800" kern="1200">
-                <a:solidFill>
-                  <a:schemeClr val="bg1"/>
-                </a:solidFill>
-                <a:latin typeface="Courier" charset="0"/>
-                <a:ea typeface="Courier" charset="0"/>
-                <a:cs typeface="Courier" charset="0"/>
-              </a:defRPr>
-            </a:lvl4pPr>
-            <a:lvl5pPr marL="2057400" indent="-228600" algn="l" defTabSz="914400" rtl="0" eaLnBrk="1" latinLnBrk="0" hangingPunct="1">
-              <a:lnSpc>
-                <a:spcPct val="90000"/>
-              </a:lnSpc>
-              <a:spcBef>
-                <a:spcPts val="500"/>
-              </a:spcBef>
-              <a:buFont typeface="Arial" panose="020B0604020202020204" pitchFamily="34" charset="0"/>
-              <a:buChar char="•"/>
-              <a:defRPr sz="1800" kern="1200">
-                <a:solidFill>
-                  <a:schemeClr val="bg1"/>
-                </a:solidFill>
-                <a:latin typeface="Courier" charset="0"/>
-                <a:ea typeface="Courier" charset="0"/>
-                <a:cs typeface="Courier" charset="0"/>
-              </a:defRPr>
-            </a:lvl5pPr>
-            <a:lvl6pPr marL="2514600" indent="-228600" algn="l" defTabSz="914400" rtl="0" eaLnBrk="1" latinLnBrk="0" hangingPunct="1">
-              <a:lnSpc>
-                <a:spcPct val="90000"/>
-              </a:lnSpc>
-              <a:spcBef>
-                <a:spcPts val="500"/>
-              </a:spcBef>
-              <a:buFont typeface="Arial" panose="020B0604020202020204" pitchFamily="34" charset="0"/>
-              <a:buChar char="•"/>
-              <a:defRPr sz="1800" kern="1200">
-                <a:solidFill>
-                  <a:schemeClr val="tx1"/>
-                </a:solidFill>
-                <a:latin typeface="+mn-lt"/>
-                <a:ea typeface="+mn-ea"/>
-                <a:cs typeface="+mn-cs"/>
-              </a:defRPr>
-            </a:lvl6pPr>
-            <a:lvl7pPr marL="2971800" indent="-228600" algn="l" defTabSz="914400" rtl="0" eaLnBrk="1" latinLnBrk="0" hangingPunct="1">
-              <a:lnSpc>
-                <a:spcPct val="90000"/>
-              </a:lnSpc>
-              <a:spcBef>
-                <a:spcPts val="500"/>
-              </a:spcBef>
-              <a:buFont typeface="Arial" panose="020B0604020202020204" pitchFamily="34" charset="0"/>
-              <a:buChar char="•"/>
-              <a:defRPr sz="1800" kern="1200">
-                <a:solidFill>
-                  <a:schemeClr val="tx1"/>
-                </a:solidFill>
-                <a:latin typeface="+mn-lt"/>
-                <a:ea typeface="+mn-ea"/>
-                <a:cs typeface="+mn-cs"/>
-              </a:defRPr>
-            </a:lvl7pPr>
-            <a:lvl8pPr marL="3429000" indent="-228600" algn="l" defTabSz="914400" rtl="0" eaLnBrk="1" latinLnBrk="0" hangingPunct="1">
-              <a:lnSpc>
-                <a:spcPct val="90000"/>
-              </a:lnSpc>
-              <a:spcBef>
-                <a:spcPts val="500"/>
-              </a:spcBef>
-              <a:buFont typeface="Arial" panose="020B0604020202020204" pitchFamily="34" charset="0"/>
-              <a:buChar char="•"/>
-              <a:defRPr sz="1800" kern="1200">
-                <a:solidFill>
-                  <a:schemeClr val="tx1"/>
-                </a:solidFill>
-                <a:latin typeface="+mn-lt"/>
-                <a:ea typeface="+mn-ea"/>
-                <a:cs typeface="+mn-cs"/>
-              </a:defRPr>
-            </a:lvl8pPr>
-            <a:lvl9pPr marL="3886200" indent="-228600" algn="l" defTabSz="914400" rtl="0" eaLnBrk="1" latinLnBrk="0" hangingPunct="1">
-              <a:lnSpc>
-                <a:spcPct val="90000"/>
-              </a:lnSpc>
-              <a:spcBef>
-                <a:spcPts val="500"/>
-              </a:spcBef>
-              <a:buFont typeface="Arial" panose="020B0604020202020204" pitchFamily="34" charset="0"/>
-              <a:buChar char="•"/>
-              <a:defRPr sz="1800" kern="1200">
-                <a:solidFill>
-                  <a:schemeClr val="tx1"/>
-                </a:solidFill>
-                <a:latin typeface="+mn-lt"/>
-                <a:ea typeface="+mn-ea"/>
-                <a:cs typeface="+mn-cs"/>
-              </a:defRPr>
-            </a:lvl9pPr>
-          </a:lstStyle>
-          <a:p>
-            <a:pPr>
-              <a:lnSpc>
-                <a:spcPct val="100000"/>
-              </a:lnSpc>
-              <a:spcBef>
-                <a:spcPts val="0"/>
-              </a:spcBef>
-            </a:pPr>
-            <a:r>
-              <a:rPr lang="en-US" sz="2000" b="1" u="sng" dirty="0" smtClean="0"/>
-              <a:t>Be</a:t>
-            </a:r>
-            <a:r>
-              <a:rPr lang="en-US" sz="2000" dirty="0" smtClean="0"/>
-              <a:t> a servant-leader</a:t>
-            </a:r>
-          </a:p>
-          <a:p>
-            <a:pPr>
-              <a:lnSpc>
-                <a:spcPct val="100000"/>
-              </a:lnSpc>
-              <a:spcBef>
-                <a:spcPts val="0"/>
-              </a:spcBef>
-            </a:pPr>
-            <a:r>
-              <a:rPr lang="en-US" sz="2000" b="1" u="sng" dirty="0" smtClean="0"/>
-              <a:t>Be</a:t>
-            </a:r>
-            <a:r>
-              <a:rPr lang="en-US" sz="2000" dirty="0" smtClean="0"/>
-              <a:t> an adaptive learner</a:t>
-            </a:r>
-          </a:p>
-          <a:p>
-            <a:pPr>
-              <a:lnSpc>
-                <a:spcPct val="100000"/>
-              </a:lnSpc>
-              <a:spcBef>
-                <a:spcPts val="0"/>
-              </a:spcBef>
-            </a:pPr>
-            <a:r>
-              <a:rPr lang="en-US" sz="2000" b="1" u="sng" dirty="0" smtClean="0"/>
-              <a:t>Be</a:t>
-            </a:r>
-            <a:r>
-              <a:rPr lang="en-US" sz="2000" dirty="0" smtClean="0"/>
-              <a:t> a creative thinker</a:t>
-            </a:r>
-          </a:p>
-          <a:p>
-            <a:pPr>
-              <a:lnSpc>
-                <a:spcPct val="100000"/>
-              </a:lnSpc>
-              <a:spcBef>
-                <a:spcPts val="0"/>
-              </a:spcBef>
-            </a:pPr>
-            <a:r>
-              <a:rPr lang="en-US" sz="2000" b="1" u="sng" dirty="0" smtClean="0"/>
-              <a:t>Be</a:t>
-            </a:r>
-            <a:r>
-              <a:rPr lang="en-US" sz="2000" dirty="0" smtClean="0"/>
-              <a:t> a global communicator</a:t>
-            </a:r>
-            <a:endParaRPr lang="en-US" sz="2000" b="1" u="sng" dirty="0"/>
-          </a:p>
-          <a:p>
-            <a:pPr>
-              <a:lnSpc>
-                <a:spcPct val="100000"/>
-              </a:lnSpc>
-              <a:spcBef>
-                <a:spcPts val="0"/>
-              </a:spcBef>
-            </a:pPr>
-            <a:endParaRPr lang="en-US" sz="2000" dirty="0"/>
+              </a:rPr>
+              <a:t>DO</a:t>
+            </a:r>
+            <a:endParaRPr lang="en-US" sz="4000" dirty="0">
+              <a:solidFill>
+                <a:schemeClr val="bg1"/>
+              </a:solidFill>
+              <a:latin typeface="Courier" charset="0"/>
+              <a:ea typeface="Courier" charset="0"/>
+              <a:cs typeface="Courier" charset="0"/>
+            </a:endParaRPr>
           </a:p>
         </p:txBody>
       </p:sp>
@@ -14712,6 +15442,455 @@
     <p:extLst>
       <p:ext uri="{BB962C8B-B14F-4D97-AF65-F5344CB8AC3E}">
         <p14:creationId xmlns:p14="http://schemas.microsoft.com/office/powerpoint/2010/main" val="1269803466"/>
+      </p:ext>
+    </p:extLst>
+  </p:cSld>
+  <p:clrMapOvr>
+    <a:masterClrMapping/>
+  </p:clrMapOvr>
+  <mc:AlternateContent xmlns:mc="http://schemas.openxmlformats.org/markup-compatibility/2006" xmlns:p14="http://schemas.microsoft.com/office/powerpoint/2010/main">
+    <mc:Choice Requires="p14">
+      <p:transition p14:dur="10" advTm="14000"/>
+    </mc:Choice>
+    <mc:Fallback xmlns="">
+      <p:transition advTm="14000"/>
+    </mc:Fallback>
+  </mc:AlternateContent>
+  <p:timing>
+    <p:tnLst>
+      <p:par>
+        <p:cTn id="1" dur="indefinite" restart="never" nodeType="tmRoot">
+          <p:childTnLst>
+            <p:seq concurrent="1" nextAc="seek">
+              <p:cTn id="2" dur="indefinite" nodeType="mainSeq">
+                <p:childTnLst>
+                  <p:par>
+                    <p:cTn id="3" fill="hold">
+                      <p:stCondLst>
+                        <p:cond delay="indefinite"/>
+                      </p:stCondLst>
+                      <p:childTnLst>
+                        <p:par>
+                          <p:cTn id="4" fill="hold">
+                            <p:stCondLst>
+                              <p:cond delay="0"/>
+                            </p:stCondLst>
+                            <p:childTnLst>
+                              <p:par>
+                                <p:cTn id="5" presetID="1" presetClass="entr" presetSubtype="0" fill="hold" grpId="0" nodeType="clickEffect">
+                                  <p:stCondLst>
+                                    <p:cond delay="0"/>
+                                  </p:stCondLst>
+                                  <p:childTnLst>
+                                    <p:set>
+                                      <p:cBhvr>
+                                        <p:cTn id="6" dur="1" fill="hold">
+                                          <p:stCondLst>
+                                            <p:cond delay="0"/>
+                                          </p:stCondLst>
+                                        </p:cTn>
+                                        <p:tgtEl>
+                                          <p:spTgt spid="4"/>
+                                        </p:tgtEl>
+                                        <p:attrNameLst>
+                                          <p:attrName>style.visibility</p:attrName>
+                                        </p:attrNameLst>
+                                      </p:cBhvr>
+                                      <p:to>
+                                        <p:strVal val="visible"/>
+                                      </p:to>
+                                    </p:set>
+                                  </p:childTnLst>
+                                  <p:subTnLst>
+                                    <p:animClr clrSpc="rgb" dir="cw">
+                                      <p:cBhvr override="childStyle">
+                                        <p:cTn dur="1" fill="hold" display="0" masterRel="nextClick" afterEffect="1"/>
+                                        <p:tgtEl>
+                                          <p:spTgt spid="4"/>
+                                        </p:tgtEl>
+                                        <p:attrNameLst>
+                                          <p:attrName>ppt_c</p:attrName>
+                                        </p:attrNameLst>
+                                      </p:cBhvr>
+                                      <p:to>
+                                        <a:srgbClr val="797979"/>
+                                      </p:to>
+                                    </p:animClr>
+                                  </p:subTnLst>
+                                </p:cTn>
+                              </p:par>
+                              <p:par>
+                                <p:cTn id="7" presetID="1" presetClass="entr" presetSubtype="0" fill="hold" grpId="0" nodeType="withEffect">
+                                  <p:stCondLst>
+                                    <p:cond delay="0"/>
+                                  </p:stCondLst>
+                                  <p:childTnLst>
+                                    <p:set>
+                                      <p:cBhvr>
+                                        <p:cTn id="8" dur="1" fill="hold">
+                                          <p:stCondLst>
+                                            <p:cond delay="0"/>
+                                          </p:stCondLst>
+                                        </p:cTn>
+                                        <p:tgtEl>
+                                          <p:spTgt spid="16"/>
+                                        </p:tgtEl>
+                                        <p:attrNameLst>
+                                          <p:attrName>style.visibility</p:attrName>
+                                        </p:attrNameLst>
+                                      </p:cBhvr>
+                                      <p:to>
+                                        <p:strVal val="visible"/>
+                                      </p:to>
+                                    </p:set>
+                                  </p:childTnLst>
+                                  <p:subTnLst>
+                                    <p:animClr clrSpc="rgb" dir="cw">
+                                      <p:cBhvr override="childStyle">
+                                        <p:cTn dur="1" fill="hold" display="0" masterRel="nextClick" afterEffect="1"/>
+                                        <p:tgtEl>
+                                          <p:spTgt spid="16"/>
+                                        </p:tgtEl>
+                                        <p:attrNameLst>
+                                          <p:attrName>ppt_c</p:attrName>
+                                        </p:attrNameLst>
+                                      </p:cBhvr>
+                                      <p:to>
+                                        <a:srgbClr val="797979"/>
+                                      </p:to>
+                                    </p:animClr>
+                                  </p:subTnLst>
+                                </p:cTn>
+                              </p:par>
+                            </p:childTnLst>
+                          </p:cTn>
+                        </p:par>
+                      </p:childTnLst>
+                    </p:cTn>
+                  </p:par>
+                  <p:par>
+                    <p:cTn id="9" fill="hold">
+                      <p:stCondLst>
+                        <p:cond delay="indefinite"/>
+                      </p:stCondLst>
+                      <p:childTnLst>
+                        <p:par>
+                          <p:cTn id="10" fill="hold">
+                            <p:stCondLst>
+                              <p:cond delay="0"/>
+                            </p:stCondLst>
+                            <p:childTnLst>
+                              <p:par>
+                                <p:cTn id="11" presetID="1" presetClass="entr" presetSubtype="0" fill="hold" grpId="0" nodeType="clickEffect">
+                                  <p:stCondLst>
+                                    <p:cond delay="0"/>
+                                  </p:stCondLst>
+                                  <p:childTnLst>
+                                    <p:set>
+                                      <p:cBhvr>
+                                        <p:cTn id="12" dur="1" fill="hold">
+                                          <p:stCondLst>
+                                            <p:cond delay="0"/>
+                                          </p:stCondLst>
+                                        </p:cTn>
+                                        <p:tgtEl>
+                                          <p:spTgt spid="13"/>
+                                        </p:tgtEl>
+                                        <p:attrNameLst>
+                                          <p:attrName>style.visibility</p:attrName>
+                                        </p:attrNameLst>
+                                      </p:cBhvr>
+                                      <p:to>
+                                        <p:strVal val="visible"/>
+                                      </p:to>
+                                    </p:set>
+                                  </p:childTnLst>
+                                  <p:subTnLst>
+                                    <p:animClr clrSpc="rgb" dir="cw">
+                                      <p:cBhvr override="childStyle">
+                                        <p:cTn dur="1" fill="hold" display="0" masterRel="nextClick" afterEffect="1"/>
+                                        <p:tgtEl>
+                                          <p:spTgt spid="13"/>
+                                        </p:tgtEl>
+                                        <p:attrNameLst>
+                                          <p:attrName>ppt_c</p:attrName>
+                                        </p:attrNameLst>
+                                      </p:cBhvr>
+                                      <p:to>
+                                        <a:srgbClr val="797979"/>
+                                      </p:to>
+                                    </p:animClr>
+                                  </p:subTnLst>
+                                </p:cTn>
+                              </p:par>
+                              <p:par>
+                                <p:cTn id="13" presetID="1" presetClass="entr" presetSubtype="0" fill="hold" grpId="0" nodeType="withEffect">
+                                  <p:stCondLst>
+                                    <p:cond delay="0"/>
+                                  </p:stCondLst>
+                                  <p:childTnLst>
+                                    <p:set>
+                                      <p:cBhvr>
+                                        <p:cTn id="14" dur="1" fill="hold">
+                                          <p:stCondLst>
+                                            <p:cond delay="0"/>
+                                          </p:stCondLst>
+                                        </p:cTn>
+                                        <p:tgtEl>
+                                          <p:spTgt spid="9"/>
+                                        </p:tgtEl>
+                                        <p:attrNameLst>
+                                          <p:attrName>style.visibility</p:attrName>
+                                        </p:attrNameLst>
+                                      </p:cBhvr>
+                                      <p:to>
+                                        <p:strVal val="visible"/>
+                                      </p:to>
+                                    </p:set>
+                                  </p:childTnLst>
+                                  <p:subTnLst>
+                                    <p:animClr clrSpc="rgb" dir="cw">
+                                      <p:cBhvr override="childStyle">
+                                        <p:cTn dur="1" fill="hold" display="0" masterRel="nextClick" afterEffect="1"/>
+                                        <p:tgtEl>
+                                          <p:spTgt spid="9"/>
+                                        </p:tgtEl>
+                                        <p:attrNameLst>
+                                          <p:attrName>ppt_c</p:attrName>
+                                        </p:attrNameLst>
+                                      </p:cBhvr>
+                                      <p:to>
+                                        <a:srgbClr val="797979"/>
+                                      </p:to>
+                                    </p:animClr>
+                                  </p:subTnLst>
+                                </p:cTn>
+                              </p:par>
+                            </p:childTnLst>
+                          </p:cTn>
+                        </p:par>
+                      </p:childTnLst>
+                    </p:cTn>
+                  </p:par>
+                  <p:par>
+                    <p:cTn id="15" fill="hold">
+                      <p:stCondLst>
+                        <p:cond delay="indefinite"/>
+                      </p:stCondLst>
+                      <p:childTnLst>
+                        <p:par>
+                          <p:cTn id="16" fill="hold">
+                            <p:stCondLst>
+                              <p:cond delay="0"/>
+                            </p:stCondLst>
+                            <p:childTnLst>
+                              <p:par>
+                                <p:cTn id="17" presetID="1" presetClass="entr" presetSubtype="0" fill="hold" grpId="0" nodeType="clickEffect">
+                                  <p:stCondLst>
+                                    <p:cond delay="0"/>
+                                  </p:stCondLst>
+                                  <p:childTnLst>
+                                    <p:set>
+                                      <p:cBhvr>
+                                        <p:cTn id="18" dur="1" fill="hold">
+                                          <p:stCondLst>
+                                            <p:cond delay="0"/>
+                                          </p:stCondLst>
+                                        </p:cTn>
+                                        <p:tgtEl>
+                                          <p:spTgt spid="14"/>
+                                        </p:tgtEl>
+                                        <p:attrNameLst>
+                                          <p:attrName>style.visibility</p:attrName>
+                                        </p:attrNameLst>
+                                      </p:cBhvr>
+                                      <p:to>
+                                        <p:strVal val="visible"/>
+                                      </p:to>
+                                    </p:set>
+                                  </p:childTnLst>
+                                  <p:subTnLst>
+                                    <p:animClr clrSpc="rgb" dir="cw">
+                                      <p:cBhvr override="childStyle">
+                                        <p:cTn dur="1" fill="hold" display="0" masterRel="nextClick" afterEffect="1"/>
+                                        <p:tgtEl>
+                                          <p:spTgt spid="14"/>
+                                        </p:tgtEl>
+                                        <p:attrNameLst>
+                                          <p:attrName>ppt_c</p:attrName>
+                                        </p:attrNameLst>
+                                      </p:cBhvr>
+                                      <p:to>
+                                        <a:srgbClr val="797979"/>
+                                      </p:to>
+                                    </p:animClr>
+                                  </p:subTnLst>
+                                </p:cTn>
+                              </p:par>
+                              <p:par>
+                                <p:cTn id="19" presetID="1" presetClass="entr" presetSubtype="0" fill="hold" grpId="0" nodeType="withEffect">
+                                  <p:stCondLst>
+                                    <p:cond delay="0"/>
+                                  </p:stCondLst>
+                                  <p:childTnLst>
+                                    <p:set>
+                                      <p:cBhvr>
+                                        <p:cTn id="20" dur="1" fill="hold">
+                                          <p:stCondLst>
+                                            <p:cond delay="0"/>
+                                          </p:stCondLst>
+                                        </p:cTn>
+                                        <p:tgtEl>
+                                          <p:spTgt spid="10"/>
+                                        </p:tgtEl>
+                                        <p:attrNameLst>
+                                          <p:attrName>style.visibility</p:attrName>
+                                        </p:attrNameLst>
+                                      </p:cBhvr>
+                                      <p:to>
+                                        <p:strVal val="visible"/>
+                                      </p:to>
+                                    </p:set>
+                                  </p:childTnLst>
+                                  <p:subTnLst>
+                                    <p:animClr clrSpc="rgb" dir="cw">
+                                      <p:cBhvr override="childStyle">
+                                        <p:cTn dur="1" fill="hold" display="0" masterRel="nextClick" afterEffect="1"/>
+                                        <p:tgtEl>
+                                          <p:spTgt spid="10"/>
+                                        </p:tgtEl>
+                                        <p:attrNameLst>
+                                          <p:attrName>ppt_c</p:attrName>
+                                        </p:attrNameLst>
+                                      </p:cBhvr>
+                                      <p:to>
+                                        <a:srgbClr val="797979"/>
+                                      </p:to>
+                                    </p:animClr>
+                                  </p:subTnLst>
+                                </p:cTn>
+                              </p:par>
+                            </p:childTnLst>
+                          </p:cTn>
+                        </p:par>
+                      </p:childTnLst>
+                    </p:cTn>
+                  </p:par>
+                </p:childTnLst>
+              </p:cTn>
+              <p:prevCondLst>
+                <p:cond evt="onPrev" delay="0">
+                  <p:tgtEl>
+                    <p:sldTgt/>
+                  </p:tgtEl>
+                </p:cond>
+              </p:prevCondLst>
+              <p:nextCondLst>
+                <p:cond evt="onNext" delay="0">
+                  <p:tgtEl>
+                    <p:sldTgt/>
+                  </p:tgtEl>
+                </p:cond>
+              </p:nextCondLst>
+            </p:seq>
+          </p:childTnLst>
+        </p:cTn>
+      </p:par>
+    </p:tnLst>
+    <p:bldLst>
+      <p:bldP spid="16" grpId="0"/>
+      <p:bldP spid="4" grpId="0"/>
+      <p:bldP spid="13" grpId="0"/>
+      <p:bldP spid="9" grpId="0"/>
+      <p:bldP spid="14" grpId="0"/>
+      <p:bldP spid="10" grpId="0"/>
+    </p:bldLst>
+  </p:timing>
+</p:sld>
+</file>
+
+<file path=ppt/slides/slide4.xml><?xml version="1.0" encoding="utf-8"?>
+<p:sld xmlns:a="http://schemas.openxmlformats.org/drawingml/2006/main" xmlns:r="http://schemas.openxmlformats.org/officeDocument/2006/relationships" xmlns:p="http://schemas.openxmlformats.org/presentationml/2006/main">
+  <p:cSld>
+    <p:spTree>
+      <p:nvGrpSpPr>
+        <p:cNvPr id="1" name=""/>
+        <p:cNvGrpSpPr/>
+        <p:nvPr/>
+      </p:nvGrpSpPr>
+      <p:grpSpPr>
+        <a:xfrm>
+          <a:off x="0" y="0"/>
+          <a:ext cx="0" cy="0"/>
+          <a:chOff x="0" y="0"/>
+          <a:chExt cx="0" cy="0"/>
+        </a:xfrm>
+      </p:grpSpPr>
+      <p:sp>
+        <p:nvSpPr>
+          <p:cNvPr id="3" name="Content Placeholder 2"/>
+          <p:cNvSpPr>
+            <a:spLocks noGrp="1"/>
+          </p:cNvSpPr>
+          <p:nvPr>
+            <p:ph idx="1"/>
+          </p:nvPr>
+        </p:nvSpPr>
+        <p:spPr/>
+        <p:txBody>
+          <a:bodyPr/>
+          <a:lstStyle/>
+          <a:p>
+            <a:r>
+              <a:rPr lang="en-US" sz="4800" u="sng" dirty="0" smtClean="0"/>
+              <a:t>Core Challenge: </a:t>
+            </a:r>
+          </a:p>
+          <a:p>
+            <a:endParaRPr lang="en-US" sz="4800" dirty="0" smtClean="0"/>
+          </a:p>
+          <a:p>
+            <a:r>
+              <a:rPr lang="en-US" sz="4000" dirty="0" smtClean="0"/>
+              <a:t>Enduring DevOps transformations require a commitment to learning</a:t>
+            </a:r>
+            <a:endParaRPr lang="en-US" sz="4000" dirty="0"/>
+          </a:p>
+        </p:txBody>
+      </p:sp>
+      <p:sp>
+        <p:nvSpPr>
+          <p:cNvPr id="4" name="Slide Number Placeholder 3"/>
+          <p:cNvSpPr>
+            <a:spLocks noGrp="1"/>
+          </p:cNvSpPr>
+          <p:nvPr>
+            <p:ph type="sldNum" sz="quarter" idx="4294967295"/>
+          </p:nvPr>
+        </p:nvSpPr>
+        <p:spPr>
+          <a:xfrm>
+            <a:off x="0" y="6283325"/>
+            <a:ext cx="808038" cy="411163"/>
+          </a:xfrm>
+        </p:spPr>
+        <p:txBody>
+          <a:bodyPr/>
+          <a:lstStyle/>
+          <a:p>
+            <a:fld id="{03CBEB89-E47E-4106-9DE1-9B407DF8E52F}" type="slidenum">
+              <a:rPr lang="en-US" smtClean="0"/>
+              <a:pPr/>
+              <a:t>4</a:t>
+            </a:fld>
+            <a:endParaRPr lang="en-US"/>
+          </a:p>
+        </p:txBody>
+      </p:sp>
+    </p:spTree>
+    <p:extLst>
+      <p:ext uri="{BB962C8B-B14F-4D97-AF65-F5344CB8AC3E}">
+        <p14:creationId xmlns:p14="http://schemas.microsoft.com/office/powerpoint/2010/main" val="567163429"/>
       </p:ext>
     </p:extLst>
   </p:cSld>
@@ -14736,7 +15915,7 @@
 </p:sld>
 </file>
 
-<file path=ppt/slides/slide35.xml><?xml version="1.0" encoding="utf-8"?>
+<file path=ppt/slides/slide40.xml><?xml version="1.0" encoding="utf-8"?>
 <p:sld xmlns:a="http://schemas.openxmlformats.org/drawingml/2006/main" xmlns:r="http://schemas.openxmlformats.org/officeDocument/2006/relationships" xmlns:p="http://schemas.openxmlformats.org/presentationml/2006/main">
   <p:cSld>
     <p:spTree>
@@ -14813,8 +15992,9 @@
             </a:pPr>
             <a:r>
               <a:rPr lang="en-US" sz="2400" dirty="0" smtClean="0"/>
-              <a:t>Experiments (Tactic 4) – vRA for IaaS</a:t>
-            </a:r>
+              <a:t>Experiments (Tactic 4) </a:t>
+            </a:r>
+            <a:endParaRPr lang="en-US" sz="2400" dirty="0" smtClean="0"/>
           </a:p>
           <a:p>
             <a:pPr marL="457200" indent="-457200">
@@ -14823,8 +16003,17 @@
             </a:pPr>
             <a:r>
               <a:rPr lang="en-US" sz="2400" dirty="0" smtClean="0"/>
-              <a:t>Gemba Walks (Tactic 9)</a:t>
-            </a:r>
+              <a:t>Gemba </a:t>
+            </a:r>
+            <a:r>
+              <a:rPr lang="en-US" sz="2400" dirty="0" smtClean="0"/>
+              <a:t>Walks (Tactic 9</a:t>
+            </a:r>
+            <a:r>
+              <a:rPr lang="en-US" sz="2400" dirty="0" smtClean="0"/>
+              <a:t>) - Go Observe</a:t>
+            </a:r>
+            <a:endParaRPr lang="en-US" sz="2400" dirty="0" smtClean="0"/>
           </a:p>
           <a:p>
             <a:endParaRPr lang="en-US" sz="2400" dirty="0" smtClean="0"/>
@@ -14846,11 +16035,7 @@
             <a:pPr lvl="1"/>
             <a:r>
               <a:rPr lang="en-US" sz="2000" dirty="0" smtClean="0"/>
-              <a:t>Blameless </a:t>
-            </a:r>
-            <a:r>
-              <a:rPr lang="en-US" sz="2000" dirty="0" smtClean="0"/>
-              <a:t>Retrospectives (Tactic 5)</a:t>
+              <a:t>Blameless Retrospectives (Tactic 5)</a:t>
             </a:r>
           </a:p>
           <a:p>
@@ -14881,7 +16066,7 @@
             <a:fld id="{03CBEB89-E47E-4106-9DE1-9B407DF8E52F}" type="slidenum">
               <a:rPr lang="en-US" smtClean="0"/>
               <a:pPr/>
-              <a:t>35</a:t>
+              <a:t>40</a:t>
             </a:fld>
             <a:endParaRPr lang="en-US"/>
           </a:p>
@@ -14975,7 +16160,7 @@
 </p:sld>
 </file>
 
-<file path=ppt/slides/slide36.xml><?xml version="1.0" encoding="utf-8"?>
+<file path=ppt/slides/slide41.xml><?xml version="1.0" encoding="utf-8"?>
 <p:sld xmlns:a="http://schemas.openxmlformats.org/drawingml/2006/main" xmlns:r="http://schemas.openxmlformats.org/officeDocument/2006/relationships" xmlns:p="http://schemas.openxmlformats.org/presentationml/2006/main">
   <p:cSld>
     <p:spTree>
@@ -15090,7 +16275,7 @@
             <a:fld id="{03CBEB89-E47E-4106-9DE1-9B407DF8E52F}" type="slidenum">
               <a:rPr lang="en-US" smtClean="0"/>
               <a:pPr/>
-              <a:t>36</a:t>
+              <a:t>41</a:t>
             </a:fld>
             <a:endParaRPr lang="en-US"/>
           </a:p>
@@ -15124,7 +16309,7 @@
 </p:sld>
 </file>
 
-<file path=ppt/slides/slide37.xml><?xml version="1.0" encoding="utf-8"?>
+<file path=ppt/slides/slide42.xml><?xml version="1.0" encoding="utf-8"?>
 <p:sld xmlns:a="http://schemas.openxmlformats.org/drawingml/2006/main" xmlns:r="http://schemas.openxmlformats.org/officeDocument/2006/relationships" xmlns:p="http://schemas.openxmlformats.org/presentationml/2006/main">
   <p:cSld>
     <p:spTree>
@@ -15196,7 +16381,7 @@
                 <a:cs typeface="Courier" charset="0"/>
               </a:rPr>
               <a:pPr/>
-              <a:t>37</a:t>
+              <a:t>42</a:t>
             </a:fld>
             <a:endParaRPr lang="en-US">
               <a:latin typeface="Courier" charset="0"/>
@@ -16000,7 +17185,29 @@
                           <a:ea typeface="Courier" charset="0"/>
                           <a:cs typeface="Courier" charset="0"/>
                         </a:rPr>
-                        <a:t>DSC Server provisioning (PoshOrigin)</a:t>
+                        <a:t>DSC Server provisioning (</a:t>
+                      </a:r>
+                      <a:r>
+                        <a:rPr lang="en-US" sz="1600" baseline="0" dirty="0" err="1" smtClean="0">
+                          <a:solidFill>
+                            <a:schemeClr val="bg1"/>
+                          </a:solidFill>
+                          <a:latin typeface="Courier" charset="0"/>
+                          <a:ea typeface="Courier" charset="0"/>
+                          <a:cs typeface="Courier" charset="0"/>
+                        </a:rPr>
+                        <a:t>PoshOrigin</a:t>
+                      </a:r>
+                      <a:r>
+                        <a:rPr lang="en-US" sz="1600" baseline="0" dirty="0" smtClean="0">
+                          <a:solidFill>
+                            <a:schemeClr val="bg1"/>
+                          </a:solidFill>
+                          <a:latin typeface="Courier" charset="0"/>
+                          <a:ea typeface="Courier" charset="0"/>
+                          <a:cs typeface="Courier" charset="0"/>
+                        </a:rPr>
+                        <a:t>)</a:t>
                       </a:r>
                     </a:p>
                     <a:p>
@@ -16247,7 +17454,29 @@
                           <a:ea typeface="Courier" charset="0"/>
                           <a:cs typeface="Courier" charset="0"/>
                         </a:rPr>
-                        <a:t>Simplified PoshOrigin: WSIWYG</a:t>
+                        <a:t>Simplified </a:t>
+                      </a:r>
+                      <a:r>
+                        <a:rPr lang="en-US" sz="1600" baseline="0" dirty="0" err="1" smtClean="0">
+                          <a:solidFill>
+                            <a:schemeClr val="bg1"/>
+                          </a:solidFill>
+                          <a:latin typeface="Courier" charset="0"/>
+                          <a:ea typeface="Courier" charset="0"/>
+                          <a:cs typeface="Courier" charset="0"/>
+                        </a:rPr>
+                        <a:t>PoshOrigin</a:t>
+                      </a:r>
+                      <a:r>
+                        <a:rPr lang="en-US" sz="1600" baseline="0" dirty="0" smtClean="0">
+                          <a:solidFill>
+                            <a:schemeClr val="bg1"/>
+                          </a:solidFill>
+                          <a:latin typeface="Courier" charset="0"/>
+                          <a:ea typeface="Courier" charset="0"/>
+                          <a:cs typeface="Courier" charset="0"/>
+                        </a:rPr>
+                        <a:t>: WSIWYG</a:t>
                       </a:r>
                     </a:p>
                     <a:p>
@@ -16770,7 +17999,7 @@
 </p:sld>
 </file>
 
-<file path=ppt/slides/slide38.xml><?xml version="1.0" encoding="utf-8"?>
+<file path=ppt/slides/slide43.xml><?xml version="1.0" encoding="utf-8"?>
 <p:sld xmlns:a="http://schemas.openxmlformats.org/drawingml/2006/main" xmlns:r="http://schemas.openxmlformats.org/officeDocument/2006/relationships" xmlns:p="http://schemas.openxmlformats.org/presentationml/2006/main">
   <p:cSld>
     <p:spTree>
@@ -16842,7 +18071,7 @@
                 <a:cs typeface="Courier" charset="0"/>
               </a:rPr>
               <a:pPr/>
-              <a:t>38</a:t>
+              <a:t>43</a:t>
             </a:fld>
             <a:endParaRPr lang="en-US">
               <a:latin typeface="Courier" charset="0"/>
@@ -17093,14 +18322,6 @@
                         </a:rPr>
                         <a:t>Vmware DevOps investigation (vRA, etc.)</a:t>
                       </a:r>
-                      <a:endParaRPr lang="en-US" sz="1600" b="1" baseline="0" dirty="0" smtClean="0">
-                        <a:solidFill>
-                          <a:srgbClr val="FFFF00"/>
-                        </a:solidFill>
-                        <a:latin typeface="Courier" charset="0"/>
-                        <a:ea typeface="Courier" charset="0"/>
-                        <a:cs typeface="Courier" charset="0"/>
-                      </a:endParaRPr>
                     </a:p>
                     <a:p>
                       <a:pPr marL="285750" marR="0" lvl="0" indent="-285750" algn="l" defTabSz="914400" rtl="0" eaLnBrk="1" fontAlgn="auto" latinLnBrk="0" hangingPunct="1">
@@ -18232,27 +19453,8 @@
                           <a:ea typeface="Courier" charset="0"/>
                           <a:cs typeface="Courier" charset="0"/>
                         </a:rPr>
-                        <a:t> 150+ scripts, “Etsy Day 1</a:t>
+                        <a:t> 150+ scripts, “Etsy Day 1”</a:t>
                       </a:r>
-                      <a:r>
-                        <a:rPr lang="en-US" sz="1600" b="1" baseline="0" dirty="0" smtClean="0">
-                          <a:solidFill>
-                            <a:srgbClr val="FFFF00"/>
-                          </a:solidFill>
-                          <a:latin typeface="Courier" charset="0"/>
-                          <a:ea typeface="Courier" charset="0"/>
-                          <a:cs typeface="Courier" charset="0"/>
-                        </a:rPr>
-                        <a:t>”</a:t>
-                      </a:r>
-                      <a:endParaRPr lang="en-US" sz="1600" b="1" baseline="0" dirty="0" smtClean="0">
-                        <a:solidFill>
-                          <a:srgbClr val="FFFF00"/>
-                        </a:solidFill>
-                        <a:latin typeface="Courier" charset="0"/>
-                        <a:ea typeface="Courier" charset="0"/>
-                        <a:cs typeface="Courier" charset="0"/>
-                      </a:endParaRPr>
                     </a:p>
                     <a:p>
                       <a:pPr marL="285750" marR="0" lvl="0" indent="-285750" algn="l" defTabSz="914400" rtl="0" eaLnBrk="1" fontAlgn="auto" latinLnBrk="0" hangingPunct="1">
@@ -18698,7 +19900,7 @@
 </p:sld>
 </file>
 
-<file path=ppt/slides/slide39.xml><?xml version="1.0" encoding="utf-8"?>
+<file path=ppt/slides/slide44.xml><?xml version="1.0" encoding="utf-8"?>
 <p:sld xmlns:a="http://schemas.openxmlformats.org/drawingml/2006/main" xmlns:r="http://schemas.openxmlformats.org/officeDocument/2006/relationships" xmlns:p="http://schemas.openxmlformats.org/presentationml/2006/main">
   <p:cSld>
     <p:spTree>
@@ -18734,17 +19936,72 @@
               <a:rPr lang="en-US" sz="4800" u="sng" dirty="0" smtClean="0"/>
               <a:t>2017:</a:t>
             </a:r>
-            <a:endParaRPr lang="en-US" sz="4800" u="sng" dirty="0" smtClean="0"/>
           </a:p>
           <a:p>
             <a:endParaRPr lang="en-US" sz="4000" dirty="0"/>
           </a:p>
           <a:p>
             <a:r>
-              <a:rPr lang="en-US" sz="4000" dirty="0" smtClean="0"/>
-              <a:t>Pods, Rotations, Cross-training</a:t>
-            </a:r>
-            <a:endParaRPr lang="en-US" sz="4000" dirty="0" smtClean="0"/>
+              <a:rPr lang="en-US" sz="3600" dirty="0" smtClean="0"/>
+              <a:t>Artifactory, CHEF</a:t>
+            </a:r>
+            <a:r>
+              <a:rPr lang="en-US" sz="3600" dirty="0"/>
+              <a:t>, </a:t>
+            </a:r>
+            <a:r>
+              <a:rPr lang="en-US" sz="3600" dirty="0" smtClean="0"/>
+              <a:t>DSC, EMC</a:t>
+            </a:r>
+            <a:r>
+              <a:rPr lang="en-US" sz="3600" dirty="0"/>
+              <a:t>, GitLab, </a:t>
+            </a:r>
+            <a:r>
+              <a:rPr lang="en-US" sz="3600" dirty="0" smtClean="0"/>
+              <a:t>Grafana, Hubot</a:t>
+            </a:r>
+            <a:r>
+              <a:rPr lang="en-US" sz="3600" dirty="0"/>
+              <a:t>, </a:t>
+            </a:r>
+            <a:r>
+              <a:rPr lang="en-US" sz="3600" dirty="0" smtClean="0"/>
+              <a:t>InfluxDb, Jenkins</a:t>
+            </a:r>
+            <a:r>
+              <a:rPr lang="en-US" sz="3600" dirty="0"/>
+              <a:t>, </a:t>
+            </a:r>
+            <a:r>
+              <a:rPr lang="en-US" sz="3600" dirty="0" smtClean="0"/>
+              <a:t>Nuget, OVF, Packer, Pester, *POSHOrigin, PowerShell</a:t>
+            </a:r>
+            <a:r>
+              <a:rPr lang="en-US" sz="3600" dirty="0" smtClean="0"/>
+              <a:t>, PowerCLI, psake, Sensu</a:t>
+            </a:r>
+            <a:r>
+              <a:rPr lang="en-US" sz="3600" dirty="0"/>
+              <a:t>, </a:t>
+            </a:r>
+            <a:r>
+              <a:rPr lang="en-US" sz="3600" dirty="0" smtClean="0"/>
+              <a:t>Slack, Terraform, </a:t>
+            </a:r>
+            <a:r>
+              <a:rPr lang="en-US" sz="3600" dirty="0" smtClean="0"/>
+              <a:t>TFS (</a:t>
+            </a:r>
+            <a:r>
+              <a:rPr lang="en-US" sz="3600" dirty="0"/>
+              <a:t>Kanban), </a:t>
+            </a:r>
+            <a:r>
+              <a:rPr lang="en-US" sz="3600" dirty="0" smtClean="0"/>
+              <a:t>Vagrant, Visual Studio, VMware, VS Code</a:t>
+            </a:r>
+            <a:endParaRPr lang="en-US" sz="3600" dirty="0" smtClean="0"/>
           </a:p>
         </p:txBody>
       </p:sp>
@@ -18771,7 +20028,7 @@
             <a:fld id="{03CBEB89-E47E-4106-9DE1-9B407DF8E52F}" type="slidenum">
               <a:rPr lang="en-US" smtClean="0"/>
               <a:pPr/>
-              <a:t>39</a:t>
+              <a:t>44</a:t>
             </a:fld>
             <a:endParaRPr lang="en-US"/>
           </a:p>
@@ -18805,7 +20062,7 @@
 </p:sld>
 </file>
 
-<file path=ppt/slides/slide4.xml><?xml version="1.0" encoding="utf-8"?>
+<file path=ppt/slides/slide45.xml><?xml version="1.0" encoding="utf-8"?>
 <p:sld xmlns:a="http://schemas.openxmlformats.org/drawingml/2006/main" xmlns:r="http://schemas.openxmlformats.org/officeDocument/2006/relationships" xmlns:p="http://schemas.openxmlformats.org/presentationml/2006/main">
   <p:cSld>
     <p:spTree>
@@ -18824,7 +20081,7 @@
       </p:grpSpPr>
       <p:sp>
         <p:nvSpPr>
-          <p:cNvPr id="3" name="Content Placeholder 2"/>
+          <p:cNvPr id="7" name="Content Placeholder 2"/>
           <p:cNvSpPr>
             <a:spLocks noGrp="1"/>
           </p:cNvSpPr>
@@ -18839,24 +20096,23 @@
           <a:p>
             <a:r>
               <a:rPr lang="en-US" sz="4800" u="sng" dirty="0" smtClean="0"/>
-              <a:t>Core Challenge: </a:t>
-            </a:r>
-          </a:p>
-          <a:p>
-            <a:endParaRPr lang="en-US" sz="4800" dirty="0" smtClean="0"/>
+              <a:t>2017:</a:t>
+            </a:r>
+          </a:p>
+          <a:p>
+            <a:endParaRPr lang="en-US" sz="4000" dirty="0"/>
           </a:p>
           <a:p>
             <a:r>
               <a:rPr lang="en-US" sz="4000" dirty="0" smtClean="0"/>
-              <a:t>Enduring DevOps transformations require a commitment to learning</a:t>
-            </a:r>
-            <a:endParaRPr lang="en-US" sz="4000" dirty="0"/>
-          </a:p>
-        </p:txBody>
-      </p:sp>
-      <p:sp>
-        <p:nvSpPr>
-          <p:cNvPr id="4" name="Slide Number Placeholder 3"/>
+              <a:t>Pods, Rotations, Cross-training</a:t>
+            </a:r>
+          </a:p>
+        </p:txBody>
+      </p:sp>
+      <p:sp>
+        <p:nvSpPr>
+          <p:cNvPr id="3" name="Slide Number Placeholder 2"/>
           <p:cNvSpPr>
             <a:spLocks noGrp="1"/>
           </p:cNvSpPr>
@@ -18877,7 +20133,7 @@
             <a:fld id="{03CBEB89-E47E-4106-9DE1-9B407DF8E52F}" type="slidenum">
               <a:rPr lang="en-US" smtClean="0"/>
               <a:pPr/>
-              <a:t>4</a:t>
+              <a:t>45</a:t>
             </a:fld>
             <a:endParaRPr lang="en-US"/>
           </a:p>
@@ -18886,7 +20142,7 @@
     </p:spTree>
     <p:extLst>
       <p:ext uri="{BB962C8B-B14F-4D97-AF65-F5344CB8AC3E}">
-        <p14:creationId xmlns:p14="http://schemas.microsoft.com/office/powerpoint/2010/main" val="567163429"/>
+        <p14:creationId xmlns:p14="http://schemas.microsoft.com/office/powerpoint/2010/main" val="1693970770"/>
       </p:ext>
     </p:extLst>
   </p:cSld>
@@ -18911,7 +20167,7 @@
 </p:sld>
 </file>
 
-<file path=ppt/slides/slide40.xml><?xml version="1.0" encoding="utf-8"?>
+<file path=ppt/slides/slide46.xml><?xml version="1.0" encoding="utf-8"?>
 <p:sld xmlns:a="http://schemas.openxmlformats.org/drawingml/2006/main" xmlns:r="http://schemas.openxmlformats.org/officeDocument/2006/relationships" xmlns:p="http://schemas.openxmlformats.org/presentationml/2006/main">
   <p:cSld>
     <p:spTree>
@@ -18947,7 +20203,6 @@
               <a:rPr lang="en-US" sz="4800" u="sng" dirty="0" smtClean="0"/>
               <a:t>2017:</a:t>
             </a:r>
-            <a:endParaRPr lang="en-US" sz="4800" u="sng" dirty="0" smtClean="0"/>
           </a:p>
           <a:p>
             <a:endParaRPr lang="en-US" sz="4000" dirty="0"/>
@@ -18957,7 +20212,6 @@
               <a:rPr lang="en-US" sz="4000" dirty="0" smtClean="0"/>
               <a:t>ChatOps</a:t>
             </a:r>
-            <a:endParaRPr lang="en-US" sz="4000" dirty="0" smtClean="0"/>
           </a:p>
         </p:txBody>
       </p:sp>
@@ -18984,7 +20238,7 @@
             <a:fld id="{03CBEB89-E47E-4106-9DE1-9B407DF8E52F}" type="slidenum">
               <a:rPr lang="en-US" smtClean="0"/>
               <a:pPr/>
-              <a:t>40</a:t>
+              <a:t>46</a:t>
             </a:fld>
             <a:endParaRPr lang="en-US"/>
           </a:p>
@@ -19048,7 +20302,7 @@
 </p:sld>
 </file>
 
-<file path=ppt/slides/slide41.xml><?xml version="1.0" encoding="utf-8"?>
+<file path=ppt/slides/slide47.xml><?xml version="1.0" encoding="utf-8"?>
 <p:sld xmlns:a="http://schemas.openxmlformats.org/drawingml/2006/main" xmlns:r="http://schemas.openxmlformats.org/officeDocument/2006/relationships" xmlns:p="http://schemas.openxmlformats.org/presentationml/2006/main">
   <p:cSld>
     <p:spTree>
@@ -19084,7 +20338,6 @@
               <a:rPr lang="en-US" sz="4800" u="sng" dirty="0" smtClean="0"/>
               <a:t>2017:</a:t>
             </a:r>
-            <a:endParaRPr lang="en-US" sz="4800" u="sng" dirty="0" smtClean="0"/>
           </a:p>
           <a:p>
             <a:endParaRPr lang="en-US" sz="4000" dirty="0"/>
@@ -19094,7 +20347,6 @@
               <a:rPr lang="en-US" sz="4000" dirty="0" smtClean="0"/>
               <a:t>Scheduled Weekly Retrospectives</a:t>
             </a:r>
-            <a:endParaRPr lang="en-US" sz="4000" dirty="0" smtClean="0"/>
           </a:p>
         </p:txBody>
       </p:sp>
@@ -19121,7 +20373,7 @@
             <a:fld id="{03CBEB89-E47E-4106-9DE1-9B407DF8E52F}" type="slidenum">
               <a:rPr lang="en-US" smtClean="0"/>
               <a:pPr/>
-              <a:t>41</a:t>
+              <a:t>47</a:t>
             </a:fld>
             <a:endParaRPr lang="en-US"/>
           </a:p>
@@ -19155,7 +20407,7 @@
 </p:sld>
 </file>
 
-<file path=ppt/slides/slide42.xml><?xml version="1.0" encoding="utf-8"?>
+<file path=ppt/slides/slide48.xml><?xml version="1.0" encoding="utf-8"?>
 <p:sld xmlns:a="http://schemas.openxmlformats.org/drawingml/2006/main" xmlns:r="http://schemas.openxmlformats.org/officeDocument/2006/relationships" xmlns:p="http://schemas.openxmlformats.org/presentationml/2006/main">
   <p:cSld>
     <p:spTree>
@@ -19191,7 +20443,6 @@
               <a:rPr lang="en-US" sz="4800" u="sng" dirty="0" smtClean="0"/>
               <a:t>2017:</a:t>
             </a:r>
-            <a:endParaRPr lang="en-US" sz="4800" u="sng" dirty="0" smtClean="0"/>
           </a:p>
           <a:p>
             <a:endParaRPr lang="en-US" sz="4000" dirty="0"/>
@@ -19199,7 +20450,11 @@
           <a:p>
             <a:r>
               <a:rPr lang="en-US" sz="4000" dirty="0" smtClean="0"/>
-              <a:t>Azure PaaS: 10+ POCs, ”Cloud first”</a:t>
+              <a:t>Azure PaaS: 10+ POCs, ”Cloud first</a:t>
+            </a:r>
+            <a:r>
+              <a:rPr lang="en-US" sz="4000" dirty="0" smtClean="0"/>
+              <a:t>”, Terraform, ARM templates</a:t>
             </a:r>
             <a:endParaRPr lang="en-US" sz="4000" dirty="0" smtClean="0"/>
           </a:p>
@@ -19228,7 +20483,7 @@
             <a:fld id="{03CBEB89-E47E-4106-9DE1-9B407DF8E52F}" type="slidenum">
               <a:rPr lang="en-US" smtClean="0"/>
               <a:pPr/>
-              <a:t>42</a:t>
+              <a:t>48</a:t>
             </a:fld>
             <a:endParaRPr lang="en-US"/>
           </a:p>
@@ -19262,7 +20517,7 @@
 </p:sld>
 </file>
 
-<file path=ppt/slides/slide43.xml><?xml version="1.0" encoding="utf-8"?>
+<file path=ppt/slides/slide49.xml><?xml version="1.0" encoding="utf-8"?>
 <p:sld xmlns:a="http://schemas.openxmlformats.org/drawingml/2006/main" xmlns:r="http://schemas.openxmlformats.org/officeDocument/2006/relationships" xmlns:p="http://schemas.openxmlformats.org/presentationml/2006/main">
   <p:cSld>
     <p:spTree>
@@ -19298,7 +20553,6 @@
               <a:rPr lang="en-US" sz="4800" u="sng" dirty="0" smtClean="0"/>
               <a:t>2017:</a:t>
             </a:r>
-            <a:endParaRPr lang="en-US" sz="4800" u="sng" dirty="0" smtClean="0"/>
           </a:p>
           <a:p>
             <a:endParaRPr lang="en-US" sz="4000" dirty="0"/>
@@ -19308,7 +20562,6 @@
               <a:rPr lang="en-US" sz="4000" dirty="0" smtClean="0"/>
               <a:t>CHEF: 1300+ Nodes, Sensu, Compliance</a:t>
             </a:r>
-            <a:endParaRPr lang="en-US" sz="4000" dirty="0" smtClean="0"/>
           </a:p>
         </p:txBody>
       </p:sp>
@@ -19335,7 +20588,7 @@
             <a:fld id="{03CBEB89-E47E-4106-9DE1-9B407DF8E52F}" type="slidenum">
               <a:rPr lang="en-US" smtClean="0"/>
               <a:pPr/>
-              <a:t>43</a:t>
+              <a:t>49</a:t>
             </a:fld>
             <a:endParaRPr lang="en-US"/>
           </a:p>
@@ -19345,328 +20598,6 @@
     <p:extLst>
       <p:ext uri="{BB962C8B-B14F-4D97-AF65-F5344CB8AC3E}">
         <p14:creationId xmlns:p14="http://schemas.microsoft.com/office/powerpoint/2010/main" val="1661562727"/>
-      </p:ext>
-    </p:extLst>
-  </p:cSld>
-  <p:clrMapOvr>
-    <a:masterClrMapping/>
-  </p:clrMapOvr>
-  <mc:AlternateContent xmlns:mc="http://schemas.openxmlformats.org/markup-compatibility/2006" xmlns:p14="http://schemas.microsoft.com/office/powerpoint/2010/main">
-    <mc:Choice Requires="p14">
-      <p:transition p14:dur="10" advTm="14000"/>
-    </mc:Choice>
-    <mc:Fallback xmlns="">
-      <p:transition advTm="14000"/>
-    </mc:Fallback>
-  </mc:AlternateContent>
-  <p:timing>
-    <p:tnLst>
-      <p:par>
-        <p:cTn id="1" dur="indefinite" restart="never" nodeType="tmRoot"/>
-      </p:par>
-    </p:tnLst>
-  </p:timing>
-</p:sld>
-</file>
-
-<file path=ppt/slides/slide44.xml><?xml version="1.0" encoding="utf-8"?>
-<p:sld xmlns:a="http://schemas.openxmlformats.org/drawingml/2006/main" xmlns:r="http://schemas.openxmlformats.org/officeDocument/2006/relationships" xmlns:p="http://schemas.openxmlformats.org/presentationml/2006/main">
-  <p:cSld>
-    <p:spTree>
-      <p:nvGrpSpPr>
-        <p:cNvPr id="1" name=""/>
-        <p:cNvGrpSpPr/>
-        <p:nvPr/>
-      </p:nvGrpSpPr>
-      <p:grpSpPr>
-        <a:xfrm>
-          <a:off x="0" y="0"/>
-          <a:ext cx="0" cy="0"/>
-          <a:chOff x="0" y="0"/>
-          <a:chExt cx="0" cy="0"/>
-        </a:xfrm>
-      </p:grpSpPr>
-      <p:sp>
-        <p:nvSpPr>
-          <p:cNvPr id="7" name="Content Placeholder 2"/>
-          <p:cNvSpPr>
-            <a:spLocks noGrp="1"/>
-          </p:cNvSpPr>
-          <p:nvPr>
-            <p:ph idx="1"/>
-          </p:nvPr>
-        </p:nvSpPr>
-        <p:spPr/>
-        <p:txBody>
-          <a:bodyPr/>
-          <a:lstStyle/>
-          <a:p>
-            <a:r>
-              <a:rPr lang="en-US" sz="4800" u="sng" dirty="0" smtClean="0"/>
-              <a:t>2017:</a:t>
-            </a:r>
-            <a:endParaRPr lang="en-US" sz="4800" u="sng" dirty="0" smtClean="0"/>
-          </a:p>
-          <a:p>
-            <a:endParaRPr lang="en-US" sz="4000" dirty="0"/>
-          </a:p>
-          <a:p>
-            <a:r>
-              <a:rPr lang="en-US" sz="4000" dirty="0" smtClean="0"/>
-              <a:t>Green/Blue </a:t>
-            </a:r>
-            <a:endParaRPr lang="en-US" sz="4000" dirty="0" smtClean="0"/>
-          </a:p>
-        </p:txBody>
-      </p:sp>
-      <p:sp>
-        <p:nvSpPr>
-          <p:cNvPr id="3" name="Slide Number Placeholder 2"/>
-          <p:cNvSpPr>
-            <a:spLocks noGrp="1"/>
-          </p:cNvSpPr>
-          <p:nvPr>
-            <p:ph type="sldNum" sz="quarter" idx="4294967295"/>
-          </p:nvPr>
-        </p:nvSpPr>
-        <p:spPr>
-          <a:xfrm>
-            <a:off x="0" y="6283325"/>
-            <a:ext cx="808038" cy="411163"/>
-          </a:xfrm>
-        </p:spPr>
-        <p:txBody>
-          <a:bodyPr/>
-          <a:lstStyle/>
-          <a:p>
-            <a:fld id="{03CBEB89-E47E-4106-9DE1-9B407DF8E52F}" type="slidenum">
-              <a:rPr lang="en-US" smtClean="0"/>
-              <a:pPr/>
-              <a:t>44</a:t>
-            </a:fld>
-            <a:endParaRPr lang="en-US"/>
-          </a:p>
-        </p:txBody>
-      </p:sp>
-    </p:spTree>
-    <p:extLst>
-      <p:ext uri="{BB962C8B-B14F-4D97-AF65-F5344CB8AC3E}">
-        <p14:creationId xmlns:p14="http://schemas.microsoft.com/office/powerpoint/2010/main" val="1672658683"/>
-      </p:ext>
-    </p:extLst>
-  </p:cSld>
-  <p:clrMapOvr>
-    <a:masterClrMapping/>
-  </p:clrMapOvr>
-  <mc:AlternateContent xmlns:mc="http://schemas.openxmlformats.org/markup-compatibility/2006" xmlns:p14="http://schemas.microsoft.com/office/powerpoint/2010/main">
-    <mc:Choice Requires="p14">
-      <p:transition p14:dur="10" advTm="14000"/>
-    </mc:Choice>
-    <mc:Fallback xmlns="">
-      <p:transition advTm="14000"/>
-    </mc:Fallback>
-  </mc:AlternateContent>
-  <p:timing>
-    <p:tnLst>
-      <p:par>
-        <p:cTn id="1" dur="indefinite" restart="never" nodeType="tmRoot"/>
-      </p:par>
-    </p:tnLst>
-  </p:timing>
-</p:sld>
-</file>
-
-<file path=ppt/slides/slide45.xml><?xml version="1.0" encoding="utf-8"?>
-<p:sld xmlns:a="http://schemas.openxmlformats.org/drawingml/2006/main" xmlns:r="http://schemas.openxmlformats.org/officeDocument/2006/relationships" xmlns:p="http://schemas.openxmlformats.org/presentationml/2006/main">
-  <p:cSld>
-    <p:spTree>
-      <p:nvGrpSpPr>
-        <p:cNvPr id="1" name=""/>
-        <p:cNvGrpSpPr/>
-        <p:nvPr/>
-      </p:nvGrpSpPr>
-      <p:grpSpPr>
-        <a:xfrm>
-          <a:off x="0" y="0"/>
-          <a:ext cx="0" cy="0"/>
-          <a:chOff x="0" y="0"/>
-          <a:chExt cx="0" cy="0"/>
-        </a:xfrm>
-      </p:grpSpPr>
-      <p:sp>
-        <p:nvSpPr>
-          <p:cNvPr id="7" name="Content Placeholder 2"/>
-          <p:cNvSpPr>
-            <a:spLocks noGrp="1"/>
-          </p:cNvSpPr>
-          <p:nvPr>
-            <p:ph idx="1"/>
-          </p:nvPr>
-        </p:nvSpPr>
-        <p:spPr/>
-        <p:txBody>
-          <a:bodyPr/>
-          <a:lstStyle/>
-          <a:p>
-            <a:r>
-              <a:rPr lang="en-US" sz="4800" u="sng" dirty="0" smtClean="0"/>
-              <a:t>2017:</a:t>
-            </a:r>
-            <a:endParaRPr lang="en-US" sz="4800" u="sng" dirty="0" smtClean="0"/>
-          </a:p>
-          <a:p>
-            <a:endParaRPr lang="en-US" sz="4000" dirty="0"/>
-          </a:p>
-          <a:p>
-            <a:r>
-              <a:rPr lang="en-US" sz="4000" dirty="0" smtClean="0"/>
-              <a:t>Learning labs</a:t>
-            </a:r>
-            <a:endParaRPr lang="en-US" sz="4000" dirty="0" smtClean="0"/>
-          </a:p>
-        </p:txBody>
-      </p:sp>
-      <p:sp>
-        <p:nvSpPr>
-          <p:cNvPr id="3" name="Slide Number Placeholder 2"/>
-          <p:cNvSpPr>
-            <a:spLocks noGrp="1"/>
-          </p:cNvSpPr>
-          <p:nvPr>
-            <p:ph type="sldNum" sz="quarter" idx="4294967295"/>
-          </p:nvPr>
-        </p:nvSpPr>
-        <p:spPr>
-          <a:xfrm>
-            <a:off x="0" y="6283325"/>
-            <a:ext cx="808038" cy="411163"/>
-          </a:xfrm>
-        </p:spPr>
-        <p:txBody>
-          <a:bodyPr/>
-          <a:lstStyle/>
-          <a:p>
-            <a:fld id="{03CBEB89-E47E-4106-9DE1-9B407DF8E52F}" type="slidenum">
-              <a:rPr lang="en-US" smtClean="0"/>
-              <a:pPr/>
-              <a:t>45</a:t>
-            </a:fld>
-            <a:endParaRPr lang="en-US"/>
-          </a:p>
-        </p:txBody>
-      </p:sp>
-    </p:spTree>
-    <p:extLst>
-      <p:ext uri="{BB962C8B-B14F-4D97-AF65-F5344CB8AC3E}">
-        <p14:creationId xmlns:p14="http://schemas.microsoft.com/office/powerpoint/2010/main" val="893089445"/>
-      </p:ext>
-    </p:extLst>
-  </p:cSld>
-  <p:clrMapOvr>
-    <a:masterClrMapping/>
-  </p:clrMapOvr>
-  <mc:AlternateContent xmlns:mc="http://schemas.openxmlformats.org/markup-compatibility/2006" xmlns:p14="http://schemas.microsoft.com/office/powerpoint/2010/main">
-    <mc:Choice Requires="p14">
-      <p:transition p14:dur="10" advTm="14000"/>
-    </mc:Choice>
-    <mc:Fallback xmlns="">
-      <p:transition advTm="14000"/>
-    </mc:Fallback>
-  </mc:AlternateContent>
-  <p:timing>
-    <p:tnLst>
-      <p:par>
-        <p:cTn id="1" dur="indefinite" restart="never" nodeType="tmRoot"/>
-      </p:par>
-    </p:tnLst>
-  </p:timing>
-</p:sld>
-</file>
-
-<file path=ppt/slides/slide46.xml><?xml version="1.0" encoding="utf-8"?>
-<p:sld xmlns:a="http://schemas.openxmlformats.org/drawingml/2006/main" xmlns:r="http://schemas.openxmlformats.org/officeDocument/2006/relationships" xmlns:p="http://schemas.openxmlformats.org/presentationml/2006/main">
-  <p:cSld>
-    <p:spTree>
-      <p:nvGrpSpPr>
-        <p:cNvPr id="1" name=""/>
-        <p:cNvGrpSpPr/>
-        <p:nvPr/>
-      </p:nvGrpSpPr>
-      <p:grpSpPr>
-        <a:xfrm>
-          <a:off x="0" y="0"/>
-          <a:ext cx="0" cy="0"/>
-          <a:chOff x="0" y="0"/>
-          <a:chExt cx="0" cy="0"/>
-        </a:xfrm>
-      </p:grpSpPr>
-      <p:sp>
-        <p:nvSpPr>
-          <p:cNvPr id="3" name="Content Placeholder 2"/>
-          <p:cNvSpPr>
-            <a:spLocks noGrp="1"/>
-          </p:cNvSpPr>
-          <p:nvPr>
-            <p:ph idx="1"/>
-          </p:nvPr>
-        </p:nvSpPr>
-        <p:spPr/>
-        <p:txBody>
-          <a:bodyPr/>
-          <a:lstStyle/>
-          <a:p>
-            <a:r>
-              <a:rPr lang="en-US" sz="4800" u="sng" dirty="0" smtClean="0"/>
-              <a:t>Hypothesis: </a:t>
-            </a:r>
-          </a:p>
-          <a:p>
-            <a:endParaRPr lang="en-US" sz="4000" dirty="0" smtClean="0"/>
-          </a:p>
-          <a:p>
-            <a:r>
-              <a:rPr lang="en-US" sz="4000" dirty="0"/>
-              <a:t>DevOps practices can be used to teach the organization to become a learning organization</a:t>
-            </a:r>
-          </a:p>
-          <a:p>
-            <a:endParaRPr lang="en-US" sz="4000" dirty="0"/>
-          </a:p>
-        </p:txBody>
-      </p:sp>
-      <p:sp>
-        <p:nvSpPr>
-          <p:cNvPr id="4" name="Slide Number Placeholder 3"/>
-          <p:cNvSpPr>
-            <a:spLocks noGrp="1"/>
-          </p:cNvSpPr>
-          <p:nvPr>
-            <p:ph type="sldNum" sz="quarter" idx="4294967295"/>
-          </p:nvPr>
-        </p:nvSpPr>
-        <p:spPr>
-          <a:xfrm>
-            <a:off x="0" y="6283325"/>
-            <a:ext cx="808038" cy="411163"/>
-          </a:xfrm>
-        </p:spPr>
-        <p:txBody>
-          <a:bodyPr/>
-          <a:lstStyle/>
-          <a:p>
-            <a:fld id="{03CBEB89-E47E-4106-9DE1-9B407DF8E52F}" type="slidenum">
-              <a:rPr lang="en-US" smtClean="0"/>
-              <a:pPr/>
-              <a:t>46</a:t>
-            </a:fld>
-            <a:endParaRPr lang="en-US"/>
-          </a:p>
-        </p:txBody>
-      </p:sp>
-    </p:spTree>
-    <p:extLst>
-      <p:ext uri="{BB962C8B-B14F-4D97-AF65-F5344CB8AC3E}">
-        <p14:creationId xmlns:p14="http://schemas.microsoft.com/office/powerpoint/2010/main" val="1330492748"/>
       </p:ext>
     </p:extLst>
   </p:cSld>
@@ -19774,6 +20705,324 @@
     <p:extLst>
       <p:ext uri="{BB962C8B-B14F-4D97-AF65-F5344CB8AC3E}">
         <p14:creationId xmlns:p14="http://schemas.microsoft.com/office/powerpoint/2010/main" val="1027170996"/>
+      </p:ext>
+    </p:extLst>
+  </p:cSld>
+  <p:clrMapOvr>
+    <a:masterClrMapping/>
+  </p:clrMapOvr>
+  <mc:AlternateContent xmlns:mc="http://schemas.openxmlformats.org/markup-compatibility/2006" xmlns:p14="http://schemas.microsoft.com/office/powerpoint/2010/main">
+    <mc:Choice Requires="p14">
+      <p:transition p14:dur="10" advTm="14000"/>
+    </mc:Choice>
+    <mc:Fallback xmlns="">
+      <p:transition advTm="14000"/>
+    </mc:Fallback>
+  </mc:AlternateContent>
+  <p:timing>
+    <p:tnLst>
+      <p:par>
+        <p:cTn id="1" dur="indefinite" restart="never" nodeType="tmRoot"/>
+      </p:par>
+    </p:tnLst>
+  </p:timing>
+</p:sld>
+</file>
+
+<file path=ppt/slides/slide50.xml><?xml version="1.0" encoding="utf-8"?>
+<p:sld xmlns:a="http://schemas.openxmlformats.org/drawingml/2006/main" xmlns:r="http://schemas.openxmlformats.org/officeDocument/2006/relationships" xmlns:p="http://schemas.openxmlformats.org/presentationml/2006/main">
+  <p:cSld>
+    <p:spTree>
+      <p:nvGrpSpPr>
+        <p:cNvPr id="1" name=""/>
+        <p:cNvGrpSpPr/>
+        <p:nvPr/>
+      </p:nvGrpSpPr>
+      <p:grpSpPr>
+        <a:xfrm>
+          <a:off x="0" y="0"/>
+          <a:ext cx="0" cy="0"/>
+          <a:chOff x="0" y="0"/>
+          <a:chExt cx="0" cy="0"/>
+        </a:xfrm>
+      </p:grpSpPr>
+      <p:sp>
+        <p:nvSpPr>
+          <p:cNvPr id="7" name="Content Placeholder 2"/>
+          <p:cNvSpPr>
+            <a:spLocks noGrp="1"/>
+          </p:cNvSpPr>
+          <p:nvPr>
+            <p:ph idx="1"/>
+          </p:nvPr>
+        </p:nvSpPr>
+        <p:spPr/>
+        <p:txBody>
+          <a:bodyPr/>
+          <a:lstStyle/>
+          <a:p>
+            <a:r>
+              <a:rPr lang="en-US" sz="4800" u="sng" dirty="0" smtClean="0"/>
+              <a:t>2017:</a:t>
+            </a:r>
+          </a:p>
+          <a:p>
+            <a:endParaRPr lang="en-US" sz="4000" dirty="0"/>
+          </a:p>
+          <a:p>
+            <a:r>
+              <a:rPr lang="en-US" sz="4000" dirty="0" smtClean="0"/>
+              <a:t>Green/Blue </a:t>
+            </a:r>
+          </a:p>
+        </p:txBody>
+      </p:sp>
+      <p:sp>
+        <p:nvSpPr>
+          <p:cNvPr id="3" name="Slide Number Placeholder 2"/>
+          <p:cNvSpPr>
+            <a:spLocks noGrp="1"/>
+          </p:cNvSpPr>
+          <p:nvPr>
+            <p:ph type="sldNum" sz="quarter" idx="4294967295"/>
+          </p:nvPr>
+        </p:nvSpPr>
+        <p:spPr>
+          <a:xfrm>
+            <a:off x="0" y="6283325"/>
+            <a:ext cx="808038" cy="411163"/>
+          </a:xfrm>
+        </p:spPr>
+        <p:txBody>
+          <a:bodyPr/>
+          <a:lstStyle/>
+          <a:p>
+            <a:fld id="{03CBEB89-E47E-4106-9DE1-9B407DF8E52F}" type="slidenum">
+              <a:rPr lang="en-US" smtClean="0"/>
+              <a:pPr/>
+              <a:t>50</a:t>
+            </a:fld>
+            <a:endParaRPr lang="en-US"/>
+          </a:p>
+        </p:txBody>
+      </p:sp>
+    </p:spTree>
+    <p:extLst>
+      <p:ext uri="{BB962C8B-B14F-4D97-AF65-F5344CB8AC3E}">
+        <p14:creationId xmlns:p14="http://schemas.microsoft.com/office/powerpoint/2010/main" val="1672658683"/>
+      </p:ext>
+    </p:extLst>
+  </p:cSld>
+  <p:clrMapOvr>
+    <a:masterClrMapping/>
+  </p:clrMapOvr>
+  <mc:AlternateContent xmlns:mc="http://schemas.openxmlformats.org/markup-compatibility/2006" xmlns:p14="http://schemas.microsoft.com/office/powerpoint/2010/main">
+    <mc:Choice Requires="p14">
+      <p:transition p14:dur="10" advTm="14000"/>
+    </mc:Choice>
+    <mc:Fallback xmlns="">
+      <p:transition advTm="14000"/>
+    </mc:Fallback>
+  </mc:AlternateContent>
+  <p:timing>
+    <p:tnLst>
+      <p:par>
+        <p:cTn id="1" dur="indefinite" restart="never" nodeType="tmRoot"/>
+      </p:par>
+    </p:tnLst>
+  </p:timing>
+</p:sld>
+</file>
+
+<file path=ppt/slides/slide51.xml><?xml version="1.0" encoding="utf-8"?>
+<p:sld xmlns:a="http://schemas.openxmlformats.org/drawingml/2006/main" xmlns:r="http://schemas.openxmlformats.org/officeDocument/2006/relationships" xmlns:p="http://schemas.openxmlformats.org/presentationml/2006/main">
+  <p:cSld>
+    <p:spTree>
+      <p:nvGrpSpPr>
+        <p:cNvPr id="1" name=""/>
+        <p:cNvGrpSpPr/>
+        <p:nvPr/>
+      </p:nvGrpSpPr>
+      <p:grpSpPr>
+        <a:xfrm>
+          <a:off x="0" y="0"/>
+          <a:ext cx="0" cy="0"/>
+          <a:chOff x="0" y="0"/>
+          <a:chExt cx="0" cy="0"/>
+        </a:xfrm>
+      </p:grpSpPr>
+      <p:sp>
+        <p:nvSpPr>
+          <p:cNvPr id="7" name="Content Placeholder 2"/>
+          <p:cNvSpPr>
+            <a:spLocks noGrp="1"/>
+          </p:cNvSpPr>
+          <p:nvPr>
+            <p:ph idx="1"/>
+          </p:nvPr>
+        </p:nvSpPr>
+        <p:spPr/>
+        <p:txBody>
+          <a:bodyPr/>
+          <a:lstStyle/>
+          <a:p>
+            <a:r>
+              <a:rPr lang="en-US" sz="4800" u="sng" dirty="0" smtClean="0"/>
+              <a:t>2017:</a:t>
+            </a:r>
+          </a:p>
+          <a:p>
+            <a:endParaRPr lang="en-US" sz="4000" dirty="0"/>
+          </a:p>
+          <a:p>
+            <a:r>
+              <a:rPr lang="en-US" sz="4000" dirty="0" smtClean="0"/>
+              <a:t>Learning labs</a:t>
+            </a:r>
+          </a:p>
+        </p:txBody>
+      </p:sp>
+      <p:sp>
+        <p:nvSpPr>
+          <p:cNvPr id="3" name="Slide Number Placeholder 2"/>
+          <p:cNvSpPr>
+            <a:spLocks noGrp="1"/>
+          </p:cNvSpPr>
+          <p:nvPr>
+            <p:ph type="sldNum" sz="quarter" idx="4294967295"/>
+          </p:nvPr>
+        </p:nvSpPr>
+        <p:spPr>
+          <a:xfrm>
+            <a:off x="0" y="6283325"/>
+            <a:ext cx="808038" cy="411163"/>
+          </a:xfrm>
+        </p:spPr>
+        <p:txBody>
+          <a:bodyPr/>
+          <a:lstStyle/>
+          <a:p>
+            <a:fld id="{03CBEB89-E47E-4106-9DE1-9B407DF8E52F}" type="slidenum">
+              <a:rPr lang="en-US" smtClean="0"/>
+              <a:pPr/>
+              <a:t>51</a:t>
+            </a:fld>
+            <a:endParaRPr lang="en-US"/>
+          </a:p>
+        </p:txBody>
+      </p:sp>
+    </p:spTree>
+    <p:extLst>
+      <p:ext uri="{BB962C8B-B14F-4D97-AF65-F5344CB8AC3E}">
+        <p14:creationId xmlns:p14="http://schemas.microsoft.com/office/powerpoint/2010/main" val="893089445"/>
+      </p:ext>
+    </p:extLst>
+  </p:cSld>
+  <p:clrMapOvr>
+    <a:masterClrMapping/>
+  </p:clrMapOvr>
+  <mc:AlternateContent xmlns:mc="http://schemas.openxmlformats.org/markup-compatibility/2006" xmlns:p14="http://schemas.microsoft.com/office/powerpoint/2010/main">
+    <mc:Choice Requires="p14">
+      <p:transition p14:dur="10" advTm="14000"/>
+    </mc:Choice>
+    <mc:Fallback xmlns="">
+      <p:transition advTm="14000"/>
+    </mc:Fallback>
+  </mc:AlternateContent>
+  <p:timing>
+    <p:tnLst>
+      <p:par>
+        <p:cTn id="1" dur="indefinite" restart="never" nodeType="tmRoot"/>
+      </p:par>
+    </p:tnLst>
+  </p:timing>
+</p:sld>
+</file>
+
+<file path=ppt/slides/slide52.xml><?xml version="1.0" encoding="utf-8"?>
+<p:sld xmlns:a="http://schemas.openxmlformats.org/drawingml/2006/main" xmlns:r="http://schemas.openxmlformats.org/officeDocument/2006/relationships" xmlns:p="http://schemas.openxmlformats.org/presentationml/2006/main">
+  <p:cSld>
+    <p:spTree>
+      <p:nvGrpSpPr>
+        <p:cNvPr id="1" name=""/>
+        <p:cNvGrpSpPr/>
+        <p:nvPr/>
+      </p:nvGrpSpPr>
+      <p:grpSpPr>
+        <a:xfrm>
+          <a:off x="0" y="0"/>
+          <a:ext cx="0" cy="0"/>
+          <a:chOff x="0" y="0"/>
+          <a:chExt cx="0" cy="0"/>
+        </a:xfrm>
+      </p:grpSpPr>
+      <p:sp>
+        <p:nvSpPr>
+          <p:cNvPr id="3" name="Content Placeholder 2"/>
+          <p:cNvSpPr>
+            <a:spLocks noGrp="1"/>
+          </p:cNvSpPr>
+          <p:nvPr>
+            <p:ph idx="1"/>
+          </p:nvPr>
+        </p:nvSpPr>
+        <p:spPr/>
+        <p:txBody>
+          <a:bodyPr/>
+          <a:lstStyle/>
+          <a:p>
+            <a:r>
+              <a:rPr lang="en-US" sz="4800" u="sng" dirty="0" smtClean="0"/>
+              <a:t>Hypothesis: </a:t>
+            </a:r>
+          </a:p>
+          <a:p>
+            <a:endParaRPr lang="en-US" sz="4000" dirty="0" smtClean="0"/>
+          </a:p>
+          <a:p>
+            <a:r>
+              <a:rPr lang="en-US" sz="4000" dirty="0"/>
+              <a:t>DevOps practices can be used to teach the organization to become a learning organization</a:t>
+            </a:r>
+          </a:p>
+          <a:p>
+            <a:endParaRPr lang="en-US" sz="4000" dirty="0"/>
+          </a:p>
+        </p:txBody>
+      </p:sp>
+      <p:sp>
+        <p:nvSpPr>
+          <p:cNvPr id="4" name="Slide Number Placeholder 3"/>
+          <p:cNvSpPr>
+            <a:spLocks noGrp="1"/>
+          </p:cNvSpPr>
+          <p:nvPr>
+            <p:ph type="sldNum" sz="quarter" idx="4294967295"/>
+          </p:nvPr>
+        </p:nvSpPr>
+        <p:spPr>
+          <a:xfrm>
+            <a:off x="0" y="6283325"/>
+            <a:ext cx="808038" cy="411163"/>
+          </a:xfrm>
+        </p:spPr>
+        <p:txBody>
+          <a:bodyPr/>
+          <a:lstStyle/>
+          <a:p>
+            <a:fld id="{03CBEB89-E47E-4106-9DE1-9B407DF8E52F}" type="slidenum">
+              <a:rPr lang="en-US" smtClean="0"/>
+              <a:pPr/>
+              <a:t>52</a:t>
+            </a:fld>
+            <a:endParaRPr lang="en-US"/>
+          </a:p>
+        </p:txBody>
+      </p:sp>
+    </p:spTree>
+    <p:extLst>
+      <p:ext uri="{BB962C8B-B14F-4D97-AF65-F5344CB8AC3E}">
+        <p14:creationId xmlns:p14="http://schemas.microsoft.com/office/powerpoint/2010/main" val="1330492748"/>
       </p:ext>
     </p:extLst>
   </p:cSld>
@@ -19930,22 +21179,10 @@
           <a:lstStyle/>
           <a:p>
             <a:r>
-              <a:rPr lang="en-US" sz="4800" u="sng" dirty="0" smtClean="0"/>
-              <a:t>Hypothesis: </a:t>
-            </a:r>
-          </a:p>
-          <a:p>
-            <a:endParaRPr lang="en-US" sz="4000" dirty="0" smtClean="0"/>
-          </a:p>
-          <a:p>
-            <a:r>
-              <a:rPr lang="en-US" sz="4000" dirty="0" smtClean="0"/>
-              <a:t>Developing a growth mindset as an adult is difficult</a:t>
-            </a:r>
-            <a:endParaRPr lang="en-US" sz="4000" dirty="0" smtClean="0"/>
-          </a:p>
-          <a:p>
-            <a:endParaRPr lang="en-US" sz="4000" dirty="0"/>
+              <a:rPr lang="en-US" sz="5400" dirty="0" smtClean="0"/>
+              <a:t>Growth Mindset?</a:t>
+            </a:r>
+            <a:endParaRPr lang="en-US" sz="4400" dirty="0"/>
           </a:p>
         </p:txBody>
       </p:sp>
@@ -20167,7 +21404,7 @@
       </p:grpSpPr>
       <p:sp>
         <p:nvSpPr>
-          <p:cNvPr id="7" name="Content Placeholder 2"/>
+          <p:cNvPr id="3" name="Content Placeholder 2"/>
           <p:cNvSpPr>
             <a:spLocks noGrp="1"/>
           </p:cNvSpPr>
@@ -20177,34 +21414,20 @@
         </p:nvSpPr>
         <p:spPr/>
         <p:txBody>
-          <a:bodyPr anchor="t"/>
+          <a:bodyPr/>
           <a:lstStyle/>
           <a:p>
-            <a:endParaRPr lang="en-US" sz="4800" u="sng" dirty="0" smtClean="0"/>
-          </a:p>
-          <a:p>
-            <a:r>
-              <a:rPr lang="en-US" sz="4800" u="sng" dirty="0" smtClean="0"/>
-              <a:t>The Journey: </a:t>
-            </a:r>
-          </a:p>
-          <a:p>
-            <a:endParaRPr lang="en-US" sz="4000" dirty="0" smtClean="0"/>
-          </a:p>
-          <a:p>
-            <a:r>
-              <a:rPr lang="en-US" sz="4000" dirty="0" smtClean="0"/>
-              <a:t>Rewarding, bumpy, and lots of self doubt, I definitely felt like an imposter.  Eventually: “I felt like I could grow/contribute”</a:t>
-            </a:r>
-          </a:p>
-          <a:p>
-            <a:endParaRPr lang="en-US" sz="4000" dirty="0"/>
-          </a:p>
-        </p:txBody>
-      </p:sp>
-      <p:sp>
-        <p:nvSpPr>
-          <p:cNvPr id="3" name="Slide Number Placeholder 2"/>
+            <a:r>
+              <a:rPr lang="en-US" sz="5400" dirty="0" smtClean="0"/>
+              <a:t>Describe the journey we’ve been on over the last 2 years</a:t>
+            </a:r>
+            <a:endParaRPr lang="en-US" sz="4400" dirty="0"/>
+          </a:p>
+        </p:txBody>
+      </p:sp>
+      <p:sp>
+        <p:nvSpPr>
+          <p:cNvPr id="4" name="Slide Number Placeholder 3"/>
           <p:cNvSpPr>
             <a:spLocks noGrp="1"/>
           </p:cNvSpPr>
@@ -20234,7 +21457,7 @@
     </p:spTree>
     <p:extLst>
       <p:ext uri="{BB962C8B-B14F-4D97-AF65-F5344CB8AC3E}">
-        <p14:creationId xmlns:p14="http://schemas.microsoft.com/office/powerpoint/2010/main" val="1914439433"/>
+        <p14:creationId xmlns:p14="http://schemas.microsoft.com/office/powerpoint/2010/main" val="1199643279"/>
       </p:ext>
     </p:extLst>
   </p:cSld>

--- a/2017-04-26 Seattle DevOpsDays/DevOpsDays Seattle.pptx
+++ b/2017-04-26 Seattle DevOpsDays/DevOpsDays Seattle.pptx
@@ -270,7 +270,7 @@
           <a:p>
             <a:fld id="{5B498BCF-C905-E646-944D-2928BFE2F061}" type="datetimeFigureOut">
               <a:rPr lang="en-US" smtClean="0"/>
-              <a:t>4/23/17</a:t>
+              <a:t>4/26/17</a:t>
             </a:fld>
             <a:endParaRPr lang="en-US"/>
           </a:p>
@@ -435,7 +435,7 @@
           <a:p>
             <a:fld id="{EBB03E87-2196-409F-9917-B96E0FB7F128}" type="datetimeFigureOut">
               <a:rPr lang="en-US" smtClean="0"/>
-              <a:t>4/23/17</a:t>
+              <a:t>4/26/17</a:t>
             </a:fld>
             <a:endParaRPr lang="en-US"/>
           </a:p>
@@ -753,7 +753,7 @@
             </a:r>
             <a:r>
               <a:rPr lang="en-US" baseline="0" dirty="0" smtClean="0"/>
-              <a:t>  My name is Scott Nasello and I’m excited to talk about our experiences with a Microsoft enterprise.</a:t>
+              <a:t>  My name is Scott Nasello and I’m excited to talk about our experiences within a Microsoft enterprise.</a:t>
             </a:r>
           </a:p>
           <a:p>
@@ -766,7 +766,11 @@
             </a:r>
             <a:r>
               <a:rPr lang="en-US" baseline="0" dirty="0" smtClean="0"/>
-              <a:t> have reinforced the importance of the learning organization to our DevOps journey, so this talk has changed a bit from the original idea.    </a:t>
+              <a:t> have reinforced the importance of the learning organization to our DevOps journey, so this talk has changed a bit from the </a:t>
+            </a:r>
+            <a:r>
+              <a:rPr lang="en-US" baseline="0" smtClean="0"/>
+              <a:t>original idea.</a:t>
             </a:r>
             <a:endParaRPr lang="en-US" dirty="0"/>
           </a:p>
@@ -2523,7 +2527,7 @@
             </a:pPr>
             <a:r>
               <a:rPr lang="en-US" sz="1200" dirty="0" smtClean="0"/>
-              <a:t>Over the next two years, you’re going to have to disappoint someone - It could be your manager, it could be the business, it could be your teammates, it could be your family, it could be yourself. You’re already at 100% and changing the way you work will seem like adding another 30% of work.  Choose wisely who you disappoint, and remember that you’re not in this transformation alone – sacrifice a little of your teammates sanity when yours is depleted cause it will require that kind of team effort.  Spend some time assisting the business units you support to be more self-sufficient – give them the tools and rights to help themselves so that you can focus on the true elements of infrastructure.  The near future and speed of infrastructure isn’t going to allow itself to be built and maintained by a Microsoft Wizard that simplifies the process and guides you through every procedure – even MS is rapidly changing its toolsets in response to the reinvention of IT infrastructure.  If you have any doubts, review what the sessions are at MS Ignite these days.</a:t>
+              <a:t>Over the next two years, you’re going to have to disappoint someone - It could be your manager, it could be the business, it could be your teammates, it could be your family, it could be yourself. You’re already at 100% and changing the way you work will seem like adding another 30% of work.  Choose wisely who you disappoint, and remember that you’re not in this transformation alone.  Spend some time assisting the business units you support to be more self-sufficient – give them the tools and rights to help themselves so that you can focus on the true elements of infrastructure.  The near future and speed of infrastructure isn’t going to allow itself to be built and maintained by a Microsoft Wizard that simplifies the process and guides you through every procedure – even MS is rapidly changing its toolsets in response to the reinvention of IT infrastructure.  If you have any doubts, review what the sessions are at MS Ignite these days.</a:t>
             </a:r>
             <a:endParaRPr lang="en-US" sz="1200" dirty="0"/>
           </a:p>
@@ -4047,19 +4051,7 @@
                 <a:ea typeface="+mn-ea"/>
                 <a:cs typeface="+mn-cs"/>
               </a:rPr>
-              <a:t>The </a:t>
-            </a:r>
-            <a:r>
-              <a:rPr lang="en-US" sz="1200" b="0" i="0" kern="1200" dirty="0" smtClean="0">
-                <a:solidFill>
-                  <a:schemeClr val="tx1"/>
-                </a:solidFill>
-                <a:effectLst/>
-                <a:latin typeface="+mn-lt"/>
-                <a:ea typeface="+mn-ea"/>
-                <a:cs typeface="+mn-cs"/>
-              </a:rPr>
-              <a:t>role of a leader in the learning organization is that of a designer, teacher, and steward who can build shared vision and challenge prevailing mental models. The</a:t>
+              <a:t>The role of a leader in the learning organization is that of a designer, teacher, and steward who can build shared vision and challenge prevailing mental models. The</a:t>
             </a:r>
             <a:r>
               <a:rPr lang="en-US" sz="1200" b="0" i="0" kern="1200" baseline="0" dirty="0" smtClean="0">
@@ -4212,15 +4204,7 @@
                   <a:srgbClr val="FFFF00"/>
                 </a:solidFill>
               </a:rPr>
-              <a:t> you have the humility to let your teams see </a:t>
-            </a:r>
-            <a:r>
-              <a:rPr lang="is-IS" sz="1200" baseline="0" dirty="0" smtClean="0">
-                <a:solidFill>
-                  <a:srgbClr val="FFFF00"/>
-                </a:solidFill>
-              </a:rPr>
-              <a:t>you going outside your comfort zone? </a:t>
+              <a:t> you have the humility to let your teams see you going outside your comfort zone? </a:t>
             </a:r>
             <a:r>
               <a:rPr lang="en-US" sz="1200" baseline="0" dirty="0" smtClean="0">
@@ -4312,11 +4296,6 @@
               </a:rPr>
               <a:t>Have you considered the capabilities of the team in structuring your own journey?</a:t>
             </a:r>
-            <a:endParaRPr lang="is-IS" sz="1200" dirty="0" smtClean="0">
-              <a:solidFill>
-                <a:srgbClr val="FFFF00"/>
-              </a:solidFill>
-            </a:endParaRPr>
           </a:p>
           <a:p>
             <a:pPr marL="171450" lvl="0" indent="-171450">
@@ -7505,11 +7484,7 @@
             </a:r>
             <a:r>
               <a:rPr lang="en-US" sz="5400" dirty="0" smtClean="0"/>
-              <a:t> </a:t>
-            </a:r>
-            <a:r>
-              <a:rPr lang="en-US" sz="5400" dirty="0" smtClean="0"/>
-              <a:t>in a Microsoft World</a:t>
+              <a:t> in a Microsoft World</a:t>
             </a:r>
             <a:endParaRPr lang="en-US" sz="5400" dirty="0"/>
           </a:p>
@@ -7606,11 +7581,7 @@
           <a:p>
             <a:r>
               <a:rPr lang="en-US" sz="4800" dirty="0" smtClean="0"/>
-              <a:t>Rewarding</a:t>
-            </a:r>
-            <a:r>
-              <a:rPr lang="en-US" sz="4800" dirty="0" smtClean="0"/>
-              <a:t>, bumpy, and lots of self doubt, I definitely felt like an imposter.  Eventually: “I felt like I could grow/contribute”</a:t>
+              <a:t>Rewarding, bumpy, and lots of self doubt, I definitely felt like an imposter.  Eventually: “I felt like I could grow/contribute”</a:t>
             </a:r>
           </a:p>
           <a:p>
@@ -8140,11 +8111,7 @@
           <a:p>
             <a:r>
               <a:rPr lang="en-US" sz="4800" dirty="0" smtClean="0"/>
-              <a:t>I </a:t>
-            </a:r>
-            <a:r>
-              <a:rPr lang="en-US" sz="4800" dirty="0" smtClean="0"/>
-              <a:t>enjoy being on the leading </a:t>
+              <a:t>I enjoy being on the leading </a:t>
             </a:r>
             <a:r>
               <a:rPr lang="en-US" sz="4800" dirty="0"/>
@@ -8152,11 +8119,7 @@
             </a:r>
             <a:r>
               <a:rPr lang="en-US" sz="4800" dirty="0" smtClean="0"/>
-              <a:t>it is </a:t>
-            </a:r>
-            <a:r>
-              <a:rPr lang="en-US" sz="4800" dirty="0" smtClean="0"/>
-              <a:t>still </a:t>
+              <a:t>it is still </a:t>
             </a:r>
             <a:r>
               <a:rPr lang="en-US" sz="4800" dirty="0"/>
@@ -8588,11 +8551,7 @@
           <a:p>
             <a:r>
               <a:rPr lang="en-US" sz="4800" dirty="0" smtClean="0"/>
-              <a:t>Constant </a:t>
-            </a:r>
-            <a:r>
-              <a:rPr lang="en-US" sz="4800" dirty="0" smtClean="0"/>
-              <a:t>change...all the experiments, not enough time to go deep</a:t>
+              <a:t>Constant change...all the experiments, not enough time to go deep</a:t>
             </a:r>
           </a:p>
           <a:p>
@@ -9604,11 +9563,7 @@
             </a:pPr>
             <a:r>
               <a:rPr lang="en-US" sz="4800" dirty="0" smtClean="0"/>
-              <a:t>Public </a:t>
-            </a:r>
-            <a:r>
-              <a:rPr lang="en-US" sz="4800" dirty="0" smtClean="0"/>
-              <a:t>Cloud</a:t>
+              <a:t>Public Cloud</a:t>
             </a:r>
           </a:p>
           <a:p>
@@ -13499,8 +13454,8 @@
           </a:p>
           <a:p>
             <a:r>
-              <a:rPr lang="en-US" sz="4000" dirty="0" smtClean="0"/>
-              <a:t>DevOps practices can be used to teach the organization to become a learning organization</a:t>
+              <a:rPr lang="en-US" sz="4000" dirty="0"/>
+              <a:t>DevOps practices can be used to teach Microsoft Enterprises to become a learning organization</a:t>
             </a:r>
           </a:p>
         </p:txBody>
@@ -14700,11 +14655,7 @@
             </a:pPr>
             <a:r>
               <a:rPr lang="en-US" sz="2400" dirty="0" smtClean="0"/>
-              <a:t>a </a:t>
-            </a:r>
-            <a:r>
-              <a:rPr lang="en-US" sz="2400" dirty="0" smtClean="0"/>
-              <a:t>servant-leader</a:t>
+              <a:t>a servant-leader</a:t>
             </a:r>
           </a:p>
           <a:p>
@@ -14718,11 +14669,7 @@
             </a:pPr>
             <a:r>
               <a:rPr lang="en-US" sz="2400" dirty="0" smtClean="0"/>
-              <a:t>an </a:t>
-            </a:r>
-            <a:r>
-              <a:rPr lang="en-US" sz="2400" dirty="0" smtClean="0"/>
-              <a:t>adaptive learner</a:t>
+              <a:t>an adaptive learner</a:t>
             </a:r>
           </a:p>
           <a:p>
@@ -14736,15 +14683,7 @@
             </a:pPr>
             <a:r>
               <a:rPr lang="en-US" sz="2400" dirty="0" smtClean="0"/>
-              <a:t>a </a:t>
-            </a:r>
-            <a:r>
-              <a:rPr lang="en-US" sz="2400" dirty="0" smtClean="0"/>
-              <a:t>creative </a:t>
-            </a:r>
-            <a:r>
-              <a:rPr lang="en-US" sz="2400" dirty="0" smtClean="0"/>
-              <a:t>thinker</a:t>
+              <a:t>a creative thinker</a:t>
             </a:r>
           </a:p>
           <a:p>
@@ -14758,11 +14697,7 @@
             </a:pPr>
             <a:r>
               <a:rPr lang="en-US" sz="2400" dirty="0" smtClean="0"/>
-              <a:t>a </a:t>
-            </a:r>
-            <a:r>
-              <a:rPr lang="en-US" sz="2400" dirty="0" smtClean="0"/>
-              <a:t>global communicator</a:t>
+              <a:t>a global communicator</a:t>
             </a:r>
             <a:endParaRPr lang="en-US" sz="2400" b="1" u="sng" dirty="0"/>
           </a:p>
@@ -15017,11 +14952,7 @@
             </a:pPr>
             <a:r>
               <a:rPr lang="en-US" sz="2400" dirty="0" smtClean="0"/>
-              <a:t>yourself </a:t>
-            </a:r>
-            <a:r>
-              <a:rPr lang="en-US" sz="2400" dirty="0" smtClean="0"/>
-              <a:t>and seek self improvement</a:t>
+              <a:t>yourself and seek self improvement</a:t>
             </a:r>
           </a:p>
           <a:p>
@@ -15035,11 +14966,7 @@
             </a:pPr>
             <a:r>
               <a:rPr lang="en-US" sz="2400" dirty="0" smtClean="0"/>
-              <a:t>your </a:t>
-            </a:r>
-            <a:r>
-              <a:rPr lang="en-US" sz="2400" dirty="0" smtClean="0"/>
-              <a:t>people and help them achieve their potential</a:t>
+              <a:t>your people and help them achieve their potential</a:t>
             </a:r>
           </a:p>
           <a:p>
@@ -15053,11 +14980,7 @@
             </a:pPr>
             <a:r>
               <a:rPr lang="en-US" sz="2400" dirty="0" smtClean="0"/>
-              <a:t>the </a:t>
-            </a:r>
-            <a:r>
-              <a:rPr lang="en-US" sz="2400" dirty="0" smtClean="0"/>
-              <a:t>doctrine, and know when to be constrained by it</a:t>
+              <a:t>the doctrine, and know when to be constrained by it</a:t>
             </a:r>
           </a:p>
           <a:p>
@@ -15071,11 +14994,7 @@
             </a:pPr>
             <a:r>
               <a:rPr lang="en-US" sz="2400" dirty="0" smtClean="0"/>
-              <a:t>your </a:t>
-            </a:r>
-            <a:r>
-              <a:rPr lang="en-US" sz="2400" dirty="0" smtClean="0"/>
-              <a:t>profession, contribute to it, and develop with it</a:t>
+              <a:t>your profession, contribute to it, and develop with it</a:t>
             </a:r>
             <a:endParaRPr lang="en-US" sz="2400" b="1" u="sng" dirty="0"/>
           </a:p>
@@ -15319,11 +15238,7 @@
             </a:pPr>
             <a:r>
               <a:rPr lang="en-US" sz="2400" dirty="0" smtClean="0"/>
-              <a:t>the </a:t>
-            </a:r>
-            <a:r>
-              <a:rPr lang="en-US" sz="2400" dirty="0" smtClean="0"/>
-              <a:t>right things right</a:t>
+              <a:t>the right things right</a:t>
             </a:r>
           </a:p>
           <a:p>
@@ -15337,11 +15252,7 @@
             </a:pPr>
             <a:r>
               <a:rPr lang="en-US" sz="2400" dirty="0" smtClean="0"/>
-              <a:t>provide </a:t>
-            </a:r>
-            <a:r>
-              <a:rPr lang="en-US" sz="2400" dirty="0" smtClean="0"/>
-              <a:t>a clear, actionable vision</a:t>
+              <a:t>provide a clear, actionable vision</a:t>
             </a:r>
           </a:p>
           <a:p>
@@ -15355,11 +15266,7 @@
             </a:pPr>
             <a:r>
               <a:rPr lang="en-US" sz="2400" dirty="0" smtClean="0"/>
-              <a:t>make </a:t>
-            </a:r>
-            <a:r>
-              <a:rPr lang="en-US" sz="2400" dirty="0" smtClean="0"/>
-              <a:t>timely decisions</a:t>
+              <a:t>make timely decisions</a:t>
             </a:r>
           </a:p>
           <a:p>
@@ -15373,11 +15280,7 @@
             </a:pPr>
             <a:r>
               <a:rPr lang="en-US" sz="2400" dirty="0" smtClean="0"/>
-              <a:t>maintain </a:t>
-            </a:r>
-            <a:r>
-              <a:rPr lang="en-US" sz="2400" dirty="0" smtClean="0"/>
-              <a:t>balance and moderation</a:t>
+              <a:t>maintain balance and moderation</a:t>
             </a:r>
             <a:endParaRPr lang="en-US" sz="2400" b="1" u="sng" dirty="0" smtClean="0"/>
           </a:p>
@@ -15994,7 +15897,6 @@
               <a:rPr lang="en-US" sz="2400" dirty="0" smtClean="0"/>
               <a:t>Experiments (Tactic 4) </a:t>
             </a:r>
-            <a:endParaRPr lang="en-US" sz="2400" dirty="0" smtClean="0"/>
           </a:p>
           <a:p>
             <a:pPr marL="457200" indent="-457200">
@@ -16003,17 +15905,8 @@
             </a:pPr>
             <a:r>
               <a:rPr lang="en-US" sz="2400" dirty="0" smtClean="0"/>
-              <a:t>Gemba </a:t>
-            </a:r>
-            <a:r>
-              <a:rPr lang="en-US" sz="2400" dirty="0" smtClean="0"/>
-              <a:t>Walks (Tactic 9</a:t>
-            </a:r>
-            <a:r>
-              <a:rPr lang="en-US" sz="2400" dirty="0" smtClean="0"/>
-              <a:t>) - Go Observe</a:t>
-            </a:r>
-            <a:endParaRPr lang="en-US" sz="2400" dirty="0" smtClean="0"/>
+              <a:t>Gemba Walks (Tactic 9) - Go Observe</a:t>
+            </a:r>
           </a:p>
           <a:p>
             <a:endParaRPr lang="en-US" sz="2400" dirty="0" smtClean="0"/>
@@ -19943,7 +19836,15 @@
           <a:p>
             <a:r>
               <a:rPr lang="en-US" sz="3600" dirty="0" smtClean="0"/>
-              <a:t>Artifactory, CHEF</a:t>
+              <a:t>Artifactory, </a:t>
+            </a:r>
+            <a:r>
+              <a:rPr lang="en-US" sz="3600" dirty="0" smtClean="0">
+                <a:solidFill>
+                  <a:srgbClr val="FFFF00"/>
+                </a:solidFill>
+              </a:rPr>
+              <a:t>CHEF</a:t>
             </a:r>
             <a:r>
               <a:rPr lang="en-US" sz="3600" dirty="0"/>
@@ -19955,11 +19856,15 @@
             </a:r>
             <a:r>
               <a:rPr lang="en-US" sz="3600" dirty="0"/>
-              <a:t>, GitLab, </a:t>
-            </a:r>
-            <a:r>
-              <a:rPr lang="en-US" sz="3600" dirty="0" smtClean="0"/>
-              <a:t>Grafana, Hubot</a:t>
+              <a:t>, </a:t>
+            </a:r>
+            <a:r>
+              <a:rPr lang="en-US" sz="3600" dirty="0">
+                <a:solidFill>
+                  <a:srgbClr val="FFFF00"/>
+                </a:solidFill>
+              </a:rPr>
+              <a:t>GitLab</a:t>
             </a:r>
             <a:r>
               <a:rPr lang="en-US" sz="3600" dirty="0"/>
@@ -19967,7 +19872,15 @@
             </a:r>
             <a:r>
               <a:rPr lang="en-US" sz="3600" dirty="0" smtClean="0"/>
-              <a:t>InfluxDb, Jenkins</a:t>
+              <a:t>Grafana, </a:t>
+            </a:r>
+            <a:r>
+              <a:rPr lang="en-US" sz="3600" dirty="0" smtClean="0">
+                <a:solidFill>
+                  <a:srgbClr val="FFFF00"/>
+                </a:solidFill>
+              </a:rPr>
+              <a:t>Hubot</a:t>
             </a:r>
             <a:r>
               <a:rPr lang="en-US" sz="3600" dirty="0"/>
@@ -19975,7 +19888,23 @@
             </a:r>
             <a:r>
               <a:rPr lang="en-US" sz="3600" dirty="0" smtClean="0"/>
-              <a:t>Nuget, OVF, Packer, Pester, *POSHOrigin, PowerShell</a:t>
+              <a:t>InfluxDb, Jenkins</a:t>
+            </a:r>
+            <a:r>
+              <a:rPr lang="en-US" sz="3600" dirty="0"/>
+              <a:t>, </a:t>
+            </a:r>
+            <a:r>
+              <a:rPr lang="en-US" sz="3600" dirty="0" smtClean="0"/>
+              <a:t>Nuget, OVF, Packer, Pester, *POSHOrigin, </a:t>
+            </a:r>
+            <a:r>
+              <a:rPr lang="en-US" sz="3600" dirty="0" smtClean="0">
+                <a:solidFill>
+                  <a:srgbClr val="FFFF00"/>
+                </a:solidFill>
+              </a:rPr>
+              <a:t>PowerShell</a:t>
             </a:r>
             <a:r>
               <a:rPr lang="en-US" sz="3600" dirty="0" smtClean="0"/>
@@ -19986,12 +19915,16 @@
               <a:t>, </a:t>
             </a:r>
             <a:r>
+              <a:rPr lang="en-US" sz="3600" dirty="0" smtClean="0">
+                <a:solidFill>
+                  <a:srgbClr val="FFFF00"/>
+                </a:solidFill>
+              </a:rPr>
+              <a:t>Slack</a:t>
+            </a:r>
+            <a:r>
               <a:rPr lang="en-US" sz="3600" dirty="0" smtClean="0"/>
-              <a:t>Slack, Terraform, </a:t>
-            </a:r>
-            <a:r>
-              <a:rPr lang="en-US" sz="3600" dirty="0" smtClean="0"/>
-              <a:t>TFS (</a:t>
+              <a:t>, Terraform, TFS (</a:t>
             </a:r>
             <a:r>
               <a:rPr lang="en-US" sz="3600" dirty="0"/>
@@ -20001,7 +19934,6 @@
               <a:rPr lang="en-US" sz="3600" dirty="0" smtClean="0"/>
               <a:t>Vagrant, Visual Studio, VMware, VS Code</a:t>
             </a:r>
-            <a:endParaRPr lang="en-US" sz="3600" dirty="0" smtClean="0"/>
           </a:p>
         </p:txBody>
       </p:sp>
@@ -20450,13 +20382,8 @@
           <a:p>
             <a:r>
               <a:rPr lang="en-US" sz="4000" dirty="0" smtClean="0"/>
-              <a:t>Azure PaaS: 10+ POCs, ”Cloud first</a:t>
-            </a:r>
-            <a:r>
-              <a:rPr lang="en-US" sz="4000" dirty="0" smtClean="0"/>
-              <a:t>”, Terraform, ARM templates</a:t>
-            </a:r>
-            <a:endParaRPr lang="en-US" sz="4000" dirty="0" smtClean="0"/>
+              <a:t>Azure PaaS: 10+ POCs, ”Cloud first”, Terraform, ARM templates</a:t>
+            </a:r>
           </a:p>
         </p:txBody>
       </p:sp>
@@ -20982,7 +20909,15 @@
           <a:p>
             <a:r>
               <a:rPr lang="en-US" sz="4000" dirty="0"/>
-              <a:t>DevOps practices can be used to teach the organization to become a learning organization</a:t>
+              <a:t>DevOps practices can be used to teach </a:t>
+            </a:r>
+            <a:r>
+              <a:rPr lang="en-US" sz="4000" dirty="0" smtClean="0"/>
+              <a:t>Microsoft Enterprises to </a:t>
+            </a:r>
+            <a:r>
+              <a:rPr lang="en-US" sz="4000" dirty="0"/>
+              <a:t>become a learning organization</a:t>
             </a:r>
           </a:p>
           <a:p>
